--- a/Dokumentation/Container - Präsentation.pptx
+++ b/Dokumentation/Container - Präsentation.pptx
@@ -5,7 +5,7 @@
     <p:sldMasterId id="2147483660" r:id="rId1"/>
   </p:sldMasterIdLst>
   <p:notesMasterIdLst>
-    <p:notesMasterId r:id="rId15"/>
+    <p:notesMasterId r:id="rId22"/>
   </p:notesMasterIdLst>
   <p:sldIdLst>
     <p:sldId id="256" r:id="rId2"/>
@@ -21,6 +21,13 @@
     <p:sldId id="258" r:id="rId12"/>
     <p:sldId id="260" r:id="rId13"/>
     <p:sldId id="259" r:id="rId14"/>
+    <p:sldId id="273" r:id="rId15"/>
+    <p:sldId id="269" r:id="rId16"/>
+    <p:sldId id="274" r:id="rId17"/>
+    <p:sldId id="271" r:id="rId18"/>
+    <p:sldId id="275" r:id="rId19"/>
+    <p:sldId id="272" r:id="rId20"/>
+    <p:sldId id="270" r:id="rId21"/>
   </p:sldIdLst>
   <p:sldSz cx="12192000" cy="6858000"/>
   <p:notesSz cx="6858000" cy="9144000"/>
@@ -119,6 +126,71 @@
       </a:defRPr>
     </a:lvl9pPr>
   </p:defaultTextStyle>
+  <p:extLst>
+    <p:ext uri="{521415D9-36F7-43E2-AB2F-B90AF26B5E84}">
+      <p14:sectionLst xmlns:p14="http://schemas.microsoft.com/office/powerpoint/2010/main">
+        <p14:section name="Anfang" id="{3244C035-1984-4C7C-A355-F8CF65744F8A}">
+          <p14:sldIdLst>
+            <p14:sldId id="256"/>
+            <p14:sldId id="257"/>
+          </p14:sldIdLst>
+        </p14:section>
+        <p14:section name="Einleitung" id="{F2516D0B-4EE5-4198-A1BC-BEA3BE728660}">
+          <p14:sldIdLst>
+            <p14:sldId id="261"/>
+            <p14:sldId id="262"/>
+            <p14:sldId id="263"/>
+            <p14:sldId id="267"/>
+          </p14:sldIdLst>
+        </p14:section>
+        <p14:section name="Grund Container - List" id="{13E7EF3C-82F9-42C5-8A9E-B7327CF78852}">
+          <p14:sldIdLst>
+            <p14:sldId id="264"/>
+            <p14:sldId id="265"/>
+            <p14:sldId id="266"/>
+            <p14:sldId id="268"/>
+            <p14:sldId id="258"/>
+          </p14:sldIdLst>
+        </p14:section>
+        <p14:section name="Grund Container - Dictionary" id="{025026BE-438A-40DD-BA0F-6C52D7D4D15A}">
+          <p14:sldIdLst>
+            <p14:sldId id="260"/>
+          </p14:sldIdLst>
+        </p14:section>
+        <p14:section name="Grund Container - Stack" id="{AB138D7D-5257-4AC1-97C4-F3216E9261FC}">
+          <p14:sldIdLst>
+            <p14:sldId id="259"/>
+            <p14:sldId id="273"/>
+          </p14:sldIdLst>
+        </p14:section>
+        <p14:section name="Grund Container - Queue" id="{B6CE74E8-2263-4326-9D7D-E54E0F682509}">
+          <p14:sldIdLst>
+            <p14:sldId id="269"/>
+            <p14:sldId id="274"/>
+          </p14:sldIdLst>
+        </p14:section>
+        <p14:section name="Grund Container - LinkedList" id="{C90840DB-5EAB-44C6-95B9-84027DDFB03F}">
+          <p14:sldIdLst>
+            <p14:sldId id="271"/>
+            <p14:sldId id="275"/>
+          </p14:sldIdLst>
+        </p14:section>
+        <p14:section name="Generelle Container - String" id="{ACCC2BC6-8B65-42FD-B73F-CA1A47F6D588}">
+          <p14:sldIdLst>
+            <p14:sldId id="272"/>
+          </p14:sldIdLst>
+        </p14:section>
+        <p14:section name="Ende" id="{84417C2D-CCEC-4062-9E04-74AABC91DFB7}">
+          <p14:sldIdLst>
+            <p14:sldId id="270"/>
+          </p14:sldIdLst>
+        </p14:section>
+      </p14:sectionLst>
+    </p:ext>
+    <p:ext uri="{EFAFB233-063F-42B5-8137-9DF3F51BA10A}">
+      <p15:sldGuideLst xmlns:p15="http://schemas.microsoft.com/office/powerpoint/2012/main"/>
+    </p:ext>
+  </p:extLst>
 </p:presentation>
 </file>
 
@@ -3350,7 +3422,7 @@
           <p:cNvPr id="2" name="Titel 1">
             <a:extLst>
               <a:ext uri="{FF2B5EF4-FFF2-40B4-BE49-F238E27FC236}">
-                <a16:creationId xmlns:a16="http://schemas.microsoft.com/office/drawing/2014/main" id="{85D7B258-F523-4E91-90AB-2B5F742EF554}"/>
+                <a16:creationId xmlns:a16="http://schemas.microsoft.com/office/drawing/2014/main" xmlns="" id="{85D7B258-F523-4E91-90AB-2B5F742EF554}"/>
               </a:ext>
             </a:extLst>
           </p:cNvPr>
@@ -3394,7 +3466,7 @@
           <p:cNvPr id="3" name="Untertitel 2">
             <a:extLst>
               <a:ext uri="{FF2B5EF4-FFF2-40B4-BE49-F238E27FC236}">
-                <a16:creationId xmlns:a16="http://schemas.microsoft.com/office/drawing/2014/main" id="{C7CFF44E-7ED7-4CD9-A63C-0FE32841B732}"/>
+                <a16:creationId xmlns:a16="http://schemas.microsoft.com/office/drawing/2014/main" xmlns="" id="{C7CFF44E-7ED7-4CD9-A63C-0FE32841B732}"/>
               </a:ext>
             </a:extLst>
           </p:cNvPr>
@@ -3458,7 +3530,7 @@
           <p:cNvPr id="10" name="Foliennummernplatzhalter 9">
             <a:extLst>
               <a:ext uri="{FF2B5EF4-FFF2-40B4-BE49-F238E27FC236}">
-                <a16:creationId xmlns:a16="http://schemas.microsoft.com/office/drawing/2014/main" id="{D931436D-0B25-4BC2-AB85-D177B4C7ED90}"/>
+                <a16:creationId xmlns:a16="http://schemas.microsoft.com/office/drawing/2014/main" xmlns="" id="{D931436D-0B25-4BC2-AB85-D177B4C7ED90}"/>
               </a:ext>
             </a:extLst>
           </p:cNvPr>
@@ -3508,7 +3580,7 @@
           <p:cNvPr id="12" name="Gerader Verbinder 11">
             <a:extLst>
               <a:ext uri="{FF2B5EF4-FFF2-40B4-BE49-F238E27FC236}">
-                <a16:creationId xmlns:a16="http://schemas.microsoft.com/office/drawing/2014/main" id="{4A855513-E5C1-4F05-A8FD-33AC62C22A5E}"/>
+                <a16:creationId xmlns:a16="http://schemas.microsoft.com/office/drawing/2014/main" xmlns="" id="{4A855513-E5C1-4F05-A8FD-33AC62C22A5E}"/>
               </a:ext>
             </a:extLst>
           </p:cNvPr>
@@ -3549,7 +3621,7 @@
           <p:cNvPr id="13" name="Gerader Verbinder 12">
             <a:extLst>
               <a:ext uri="{FF2B5EF4-FFF2-40B4-BE49-F238E27FC236}">
-                <a16:creationId xmlns:a16="http://schemas.microsoft.com/office/drawing/2014/main" id="{F2778992-5E28-437C-AEA9-F9BBD6E6F5BB}"/>
+                <a16:creationId xmlns:a16="http://schemas.microsoft.com/office/drawing/2014/main" xmlns="" id="{F2778992-5E28-437C-AEA9-F9BBD6E6F5BB}"/>
               </a:ext>
             </a:extLst>
           </p:cNvPr>
@@ -3590,7 +3662,7 @@
           <p:cNvPr id="14" name="Textfeld 13">
             <a:extLst>
               <a:ext uri="{FF2B5EF4-FFF2-40B4-BE49-F238E27FC236}">
-                <a16:creationId xmlns:a16="http://schemas.microsoft.com/office/drawing/2014/main" id="{6CF8FF9D-8A98-4CFA-94C2-E2074112639C}"/>
+                <a16:creationId xmlns:a16="http://schemas.microsoft.com/office/drawing/2014/main" xmlns="" id="{6CF8FF9D-8A98-4CFA-94C2-E2074112639C}"/>
               </a:ext>
             </a:extLst>
           </p:cNvPr>
@@ -3626,7 +3698,7 @@
           <p:cNvPr id="6" name="Textfeld 5">
             <a:extLst>
               <a:ext uri="{FF2B5EF4-FFF2-40B4-BE49-F238E27FC236}">
-                <a16:creationId xmlns:a16="http://schemas.microsoft.com/office/drawing/2014/main" id="{8E05CB3E-FC8B-4C84-8452-A027AF29808D}"/>
+                <a16:creationId xmlns:a16="http://schemas.microsoft.com/office/drawing/2014/main" xmlns="" id="{8E05CB3E-FC8B-4C84-8452-A027AF29808D}"/>
               </a:ext>
             </a:extLst>
           </p:cNvPr>
@@ -3671,7 +3743,7 @@
           <p:cNvPr id="3" name="Textfeld 2">
             <a:extLst>
               <a:ext uri="{FF2B5EF4-FFF2-40B4-BE49-F238E27FC236}">
-                <a16:creationId xmlns:a16="http://schemas.microsoft.com/office/drawing/2014/main" id="{B616C74B-1A1C-4612-8D7A-608508876D6B}"/>
+                <a16:creationId xmlns:a16="http://schemas.microsoft.com/office/drawing/2014/main" xmlns="" id="{B616C74B-1A1C-4612-8D7A-608508876D6B}"/>
               </a:ext>
             </a:extLst>
           </p:cNvPr>
@@ -3706,7 +3778,7 @@
           <p:cNvPr id="11" name="Textfeld 10">
             <a:extLst>
               <a:ext uri="{FF2B5EF4-FFF2-40B4-BE49-F238E27FC236}">
-                <a16:creationId xmlns:a16="http://schemas.microsoft.com/office/drawing/2014/main" id="{C616845B-AC50-4775-A32C-7BB8A4D3274B}"/>
+                <a16:creationId xmlns:a16="http://schemas.microsoft.com/office/drawing/2014/main" xmlns="" id="{C616845B-AC50-4775-A32C-7BB8A4D3274B}"/>
               </a:ext>
             </a:extLst>
           </p:cNvPr>
@@ -4510,7 +4582,7 @@
           <p:cNvPr id="10" name="Foliennummernplatzhalter 9">
             <a:extLst>
               <a:ext uri="{FF2B5EF4-FFF2-40B4-BE49-F238E27FC236}">
-                <a16:creationId xmlns:a16="http://schemas.microsoft.com/office/drawing/2014/main" id="{D931436D-0B25-4BC2-AB85-D177B4C7ED90}"/>
+                <a16:creationId xmlns:a16="http://schemas.microsoft.com/office/drawing/2014/main" xmlns="" id="{D931436D-0B25-4BC2-AB85-D177B4C7ED90}"/>
               </a:ext>
             </a:extLst>
           </p:cNvPr>
@@ -4560,7 +4632,7 @@
           <p:cNvPr id="12" name="Gerader Verbinder 11">
             <a:extLst>
               <a:ext uri="{FF2B5EF4-FFF2-40B4-BE49-F238E27FC236}">
-                <a16:creationId xmlns:a16="http://schemas.microsoft.com/office/drawing/2014/main" id="{4A855513-E5C1-4F05-A8FD-33AC62C22A5E}"/>
+                <a16:creationId xmlns:a16="http://schemas.microsoft.com/office/drawing/2014/main" xmlns="" id="{4A855513-E5C1-4F05-A8FD-33AC62C22A5E}"/>
               </a:ext>
             </a:extLst>
           </p:cNvPr>
@@ -4601,7 +4673,7 @@
           <p:cNvPr id="13" name="Gerader Verbinder 12">
             <a:extLst>
               <a:ext uri="{FF2B5EF4-FFF2-40B4-BE49-F238E27FC236}">
-                <a16:creationId xmlns:a16="http://schemas.microsoft.com/office/drawing/2014/main" id="{F2778992-5E28-437C-AEA9-F9BBD6E6F5BB}"/>
+                <a16:creationId xmlns:a16="http://schemas.microsoft.com/office/drawing/2014/main" xmlns="" id="{F2778992-5E28-437C-AEA9-F9BBD6E6F5BB}"/>
               </a:ext>
             </a:extLst>
           </p:cNvPr>
@@ -4642,7 +4714,7 @@
           <p:cNvPr id="14" name="Textfeld 13">
             <a:extLst>
               <a:ext uri="{FF2B5EF4-FFF2-40B4-BE49-F238E27FC236}">
-                <a16:creationId xmlns:a16="http://schemas.microsoft.com/office/drawing/2014/main" id="{6CF8FF9D-8A98-4CFA-94C2-E2074112639C}"/>
+                <a16:creationId xmlns:a16="http://schemas.microsoft.com/office/drawing/2014/main" xmlns="" id="{6CF8FF9D-8A98-4CFA-94C2-E2074112639C}"/>
               </a:ext>
             </a:extLst>
           </p:cNvPr>
@@ -4678,7 +4750,7 @@
           <p:cNvPr id="6" name="Textfeld 5">
             <a:extLst>
               <a:ext uri="{FF2B5EF4-FFF2-40B4-BE49-F238E27FC236}">
-                <a16:creationId xmlns:a16="http://schemas.microsoft.com/office/drawing/2014/main" id="{8E05CB3E-FC8B-4C84-8452-A027AF29808D}"/>
+                <a16:creationId xmlns:a16="http://schemas.microsoft.com/office/drawing/2014/main" xmlns="" id="{8E05CB3E-FC8B-4C84-8452-A027AF29808D}"/>
               </a:ext>
             </a:extLst>
           </p:cNvPr>
@@ -4743,7 +4815,7 @@
           <p:cNvPr id="10" name="Foliennummernplatzhalter 9">
             <a:extLst>
               <a:ext uri="{FF2B5EF4-FFF2-40B4-BE49-F238E27FC236}">
-                <a16:creationId xmlns:a16="http://schemas.microsoft.com/office/drawing/2014/main" id="{D931436D-0B25-4BC2-AB85-D177B4C7ED90}"/>
+                <a16:creationId xmlns:a16="http://schemas.microsoft.com/office/drawing/2014/main" xmlns="" id="{D931436D-0B25-4BC2-AB85-D177B4C7ED90}"/>
               </a:ext>
             </a:extLst>
           </p:cNvPr>
@@ -4793,7 +4865,7 @@
           <p:cNvPr id="12" name="Gerader Verbinder 11">
             <a:extLst>
               <a:ext uri="{FF2B5EF4-FFF2-40B4-BE49-F238E27FC236}">
-                <a16:creationId xmlns:a16="http://schemas.microsoft.com/office/drawing/2014/main" id="{4A855513-E5C1-4F05-A8FD-33AC62C22A5E}"/>
+                <a16:creationId xmlns:a16="http://schemas.microsoft.com/office/drawing/2014/main" xmlns="" id="{4A855513-E5C1-4F05-A8FD-33AC62C22A5E}"/>
               </a:ext>
             </a:extLst>
           </p:cNvPr>
@@ -4834,7 +4906,7 @@
           <p:cNvPr id="13" name="Gerader Verbinder 12">
             <a:extLst>
               <a:ext uri="{FF2B5EF4-FFF2-40B4-BE49-F238E27FC236}">
-                <a16:creationId xmlns:a16="http://schemas.microsoft.com/office/drawing/2014/main" id="{F2778992-5E28-437C-AEA9-F9BBD6E6F5BB}"/>
+                <a16:creationId xmlns:a16="http://schemas.microsoft.com/office/drawing/2014/main" xmlns="" id="{F2778992-5E28-437C-AEA9-F9BBD6E6F5BB}"/>
               </a:ext>
             </a:extLst>
           </p:cNvPr>
@@ -4875,7 +4947,7 @@
           <p:cNvPr id="14" name="Textfeld 13">
             <a:extLst>
               <a:ext uri="{FF2B5EF4-FFF2-40B4-BE49-F238E27FC236}">
-                <a16:creationId xmlns:a16="http://schemas.microsoft.com/office/drawing/2014/main" id="{6CF8FF9D-8A98-4CFA-94C2-E2074112639C}"/>
+                <a16:creationId xmlns:a16="http://schemas.microsoft.com/office/drawing/2014/main" xmlns="" id="{6CF8FF9D-8A98-4CFA-94C2-E2074112639C}"/>
               </a:ext>
             </a:extLst>
           </p:cNvPr>
@@ -4911,7 +4983,7 @@
           <p:cNvPr id="6" name="Textfeld 5">
             <a:extLst>
               <a:ext uri="{FF2B5EF4-FFF2-40B4-BE49-F238E27FC236}">
-                <a16:creationId xmlns:a16="http://schemas.microsoft.com/office/drawing/2014/main" id="{8E05CB3E-FC8B-4C84-8452-A027AF29808D}"/>
+                <a16:creationId xmlns:a16="http://schemas.microsoft.com/office/drawing/2014/main" xmlns="" id="{8E05CB3E-FC8B-4C84-8452-A027AF29808D}"/>
               </a:ext>
             </a:extLst>
           </p:cNvPr>
@@ -4976,7 +5048,7 @@
           <p:cNvPr id="10" name="Foliennummernplatzhalter 9">
             <a:extLst>
               <a:ext uri="{FF2B5EF4-FFF2-40B4-BE49-F238E27FC236}">
-                <a16:creationId xmlns:a16="http://schemas.microsoft.com/office/drawing/2014/main" id="{D931436D-0B25-4BC2-AB85-D177B4C7ED90}"/>
+                <a16:creationId xmlns:a16="http://schemas.microsoft.com/office/drawing/2014/main" xmlns="" id="{D931436D-0B25-4BC2-AB85-D177B4C7ED90}"/>
               </a:ext>
             </a:extLst>
           </p:cNvPr>
@@ -5026,7 +5098,7 @@
           <p:cNvPr id="12" name="Gerader Verbinder 11">
             <a:extLst>
               <a:ext uri="{FF2B5EF4-FFF2-40B4-BE49-F238E27FC236}">
-                <a16:creationId xmlns:a16="http://schemas.microsoft.com/office/drawing/2014/main" id="{4A855513-E5C1-4F05-A8FD-33AC62C22A5E}"/>
+                <a16:creationId xmlns:a16="http://schemas.microsoft.com/office/drawing/2014/main" xmlns="" id="{4A855513-E5C1-4F05-A8FD-33AC62C22A5E}"/>
               </a:ext>
             </a:extLst>
           </p:cNvPr>
@@ -5067,7 +5139,7 @@
           <p:cNvPr id="13" name="Gerader Verbinder 12">
             <a:extLst>
               <a:ext uri="{FF2B5EF4-FFF2-40B4-BE49-F238E27FC236}">
-                <a16:creationId xmlns:a16="http://schemas.microsoft.com/office/drawing/2014/main" id="{F2778992-5E28-437C-AEA9-F9BBD6E6F5BB}"/>
+                <a16:creationId xmlns:a16="http://schemas.microsoft.com/office/drawing/2014/main" xmlns="" id="{F2778992-5E28-437C-AEA9-F9BBD6E6F5BB}"/>
               </a:ext>
             </a:extLst>
           </p:cNvPr>
@@ -5108,7 +5180,7 @@
           <p:cNvPr id="14" name="Textfeld 13">
             <a:extLst>
               <a:ext uri="{FF2B5EF4-FFF2-40B4-BE49-F238E27FC236}">
-                <a16:creationId xmlns:a16="http://schemas.microsoft.com/office/drawing/2014/main" id="{6CF8FF9D-8A98-4CFA-94C2-E2074112639C}"/>
+                <a16:creationId xmlns:a16="http://schemas.microsoft.com/office/drawing/2014/main" xmlns="" id="{6CF8FF9D-8A98-4CFA-94C2-E2074112639C}"/>
               </a:ext>
             </a:extLst>
           </p:cNvPr>
@@ -5139,10 +5211,4626 @@
           </a:p>
         </p:txBody>
       </p:sp>
+      <p:pic>
+        <p:nvPicPr>
+          <p:cNvPr id="3" name="Grafik 2"/>
+          <p:cNvPicPr>
+            <a:picLocks noChangeAspect="1"/>
+          </p:cNvPicPr>
+          <p:nvPr/>
+        </p:nvPicPr>
+        <p:blipFill>
+          <a:blip r:embed="rId2">
+            <a:extLst>
+              <a:ext uri="{28A0092B-C50C-407E-A947-70E740481C1C}">
+                <a14:useLocalDpi xmlns:a14="http://schemas.microsoft.com/office/drawing/2010/main" val="0"/>
+              </a:ext>
+            </a:extLst>
+          </a:blip>
+          <a:stretch>
+            <a:fillRect/>
+          </a:stretch>
+        </p:blipFill>
+        <p:spPr>
+          <a:xfrm>
+            <a:off x="864972" y="3020907"/>
+            <a:ext cx="6989836" cy="2630249"/>
+          </a:xfrm>
+          <a:prstGeom prst="rect">
+            <a:avLst/>
+          </a:prstGeom>
+        </p:spPr>
+      </p:pic>
+      <p:sp>
+        <p:nvSpPr>
+          <p:cNvPr id="8" name="Textfeld 7">
+            <a:extLst>
+              <a:ext uri="{FF2B5EF4-FFF2-40B4-BE49-F238E27FC236}">
+                <a16:creationId xmlns:a16="http://schemas.microsoft.com/office/drawing/2014/main" xmlns="" id="{8E05CB3E-FC8B-4C84-8452-A027AF29808D}"/>
+              </a:ext>
+            </a:extLst>
+          </p:cNvPr>
+          <p:cNvSpPr txBox="1"/>
+          <p:nvPr/>
+        </p:nvSpPr>
+        <p:spPr>
+          <a:xfrm>
+            <a:off x="485191" y="1154923"/>
+            <a:ext cx="3788228" cy="1015663"/>
+          </a:xfrm>
+          <a:prstGeom prst="rect">
+            <a:avLst/>
+          </a:prstGeom>
+          <a:noFill/>
+        </p:spPr>
+        <p:txBody>
+          <a:bodyPr wrap="square" rtlCol="0">
+            <a:spAutoFit/>
+          </a:bodyPr>
+          <a:lstStyle/>
+          <a:p>
+            <a:r>
+              <a:rPr lang="de-DE" sz="2000" b="1" dirty="0" smtClean="0"/>
+              <a:t>2.3 Stack</a:t>
+            </a:r>
+            <a:endParaRPr lang="de-DE" sz="2000" b="1" dirty="0"/>
+          </a:p>
+          <a:p>
+            <a:endParaRPr lang="de-DE" sz="2000" b="1" dirty="0"/>
+          </a:p>
+          <a:p>
+            <a:r>
+              <a:rPr lang="de-DE" sz="2000" b="1" dirty="0"/>
+              <a:t> 	</a:t>
+            </a:r>
+            <a:endParaRPr lang="de-DE" sz="2000" dirty="0"/>
+          </a:p>
+        </p:txBody>
+      </p:sp>
+      <p:sp>
+        <p:nvSpPr>
+          <p:cNvPr id="4" name="Textfeld 3"/>
+          <p:cNvSpPr txBox="1"/>
+          <p:nvPr/>
+        </p:nvSpPr>
+        <p:spPr>
+          <a:xfrm>
+            <a:off x="864972" y="1802256"/>
+            <a:ext cx="3838833" cy="1200329"/>
+          </a:xfrm>
+          <a:prstGeom prst="rect">
+            <a:avLst/>
+          </a:prstGeom>
+          <a:noFill/>
+        </p:spPr>
+        <p:txBody>
+          <a:bodyPr wrap="square" rtlCol="0">
+            <a:spAutoFit/>
+          </a:bodyPr>
+          <a:lstStyle/>
+          <a:p>
+            <a:pPr marL="285750" indent="-285750">
+              <a:buFont typeface="Arial" panose="020B0604020202020204" pitchFamily="34" charset="0"/>
+              <a:buChar char="•"/>
+            </a:pPr>
+            <a:r>
+              <a:rPr lang="de-DE" dirty="0"/>
+              <a:t>FILO – First in Last Out</a:t>
+            </a:r>
+          </a:p>
+          <a:p>
+            <a:pPr marL="285750" indent="-285750">
+              <a:buFont typeface="Arial" panose="020B0604020202020204" pitchFamily="34" charset="0"/>
+              <a:buChar char="•"/>
+            </a:pPr>
+            <a:r>
+              <a:rPr lang="de-DE" dirty="0"/>
+              <a:t>Unflexible Größe</a:t>
+            </a:r>
+          </a:p>
+          <a:p>
+            <a:pPr marL="285750" indent="-285750">
+              <a:buFont typeface="Arial" panose="020B0604020202020204" pitchFamily="34" charset="0"/>
+              <a:buChar char="•"/>
+            </a:pPr>
+            <a:r>
+              <a:rPr lang="de-DE" dirty="0"/>
+              <a:t>Memory Safe</a:t>
+            </a:r>
+          </a:p>
+          <a:p>
+            <a:endParaRPr lang="de-DE" dirty="0"/>
+          </a:p>
+        </p:txBody>
+      </p:sp>
     </p:spTree>
     <p:extLst>
       <p:ext uri="{BB962C8B-B14F-4D97-AF65-F5344CB8AC3E}">
         <p14:creationId xmlns:p14="http://schemas.microsoft.com/office/powerpoint/2010/main" val="3906866214"/>
+      </p:ext>
+    </p:extLst>
+  </p:cSld>
+  <p:clrMapOvr>
+    <a:masterClrMapping/>
+  </p:clrMapOvr>
+</p:sld>
+</file>
+
+<file path=ppt/slides/slide14.xml><?xml version="1.0" encoding="utf-8"?>
+<p:sld xmlns:a="http://schemas.openxmlformats.org/drawingml/2006/main" xmlns:r="http://schemas.openxmlformats.org/officeDocument/2006/relationships" xmlns:p="http://schemas.openxmlformats.org/presentationml/2006/main">
+  <p:cSld>
+    <p:spTree>
+      <p:nvGrpSpPr>
+        <p:cNvPr id="1" name=""/>
+        <p:cNvGrpSpPr/>
+        <p:nvPr/>
+      </p:nvGrpSpPr>
+      <p:grpSpPr>
+        <a:xfrm>
+          <a:off x="0" y="0"/>
+          <a:ext cx="0" cy="0"/>
+          <a:chOff x="0" y="0"/>
+          <a:chExt cx="0" cy="0"/>
+        </a:xfrm>
+      </p:grpSpPr>
+      <p:sp>
+        <p:nvSpPr>
+          <p:cNvPr id="10" name="Foliennummernplatzhalter 9">
+            <a:extLst>
+              <a:ext uri="{FF2B5EF4-FFF2-40B4-BE49-F238E27FC236}">
+                <a16:creationId xmlns:a16="http://schemas.microsoft.com/office/drawing/2014/main" xmlns="" id="{D931436D-0B25-4BC2-AB85-D177B4C7ED90}"/>
+              </a:ext>
+            </a:extLst>
+          </p:cNvPr>
+          <p:cNvSpPr>
+            <a:spLocks noGrp="1"/>
+          </p:cNvSpPr>
+          <p:nvPr>
+            <p:ph type="sldNum" sz="quarter" idx="12"/>
+          </p:nvPr>
+        </p:nvSpPr>
+        <p:spPr>
+          <a:xfrm>
+            <a:off x="9273076" y="6421667"/>
+            <a:ext cx="2743200" cy="365125"/>
+          </a:xfrm>
+        </p:spPr>
+        <p:txBody>
+          <a:bodyPr/>
+          <a:lstStyle/>
+          <a:p>
+            <a:r>
+              <a:rPr lang="de-DE" sz="1000" b="1" dirty="0">
+                <a:solidFill>
+                  <a:schemeClr val="tx1"/>
+                </a:solidFill>
+              </a:rPr>
+              <a:t>Seite </a:t>
+            </a:r>
+            <a:fld id="{2ACCF16B-2666-47AE-ACDC-C377DF350193}" type="slidenum">
+              <a:rPr lang="de-DE" sz="1000" b="1" smtClean="0">
+                <a:solidFill>
+                  <a:schemeClr val="tx1"/>
+                </a:solidFill>
+              </a:rPr>
+              <a:t>14</a:t>
+            </a:fld>
+            <a:endParaRPr lang="de-DE" sz="1000" b="1" dirty="0">
+              <a:solidFill>
+                <a:schemeClr val="tx1"/>
+              </a:solidFill>
+            </a:endParaRPr>
+          </a:p>
+        </p:txBody>
+      </p:sp>
+      <p:cxnSp>
+        <p:nvCxnSpPr>
+          <p:cNvPr id="12" name="Gerader Verbinder 11">
+            <a:extLst>
+              <a:ext uri="{FF2B5EF4-FFF2-40B4-BE49-F238E27FC236}">
+                <a16:creationId xmlns:a16="http://schemas.microsoft.com/office/drawing/2014/main" xmlns="" id="{4A855513-E5C1-4F05-A8FD-33AC62C22A5E}"/>
+              </a:ext>
+            </a:extLst>
+          </p:cNvPr>
+          <p:cNvCxnSpPr/>
+          <p:nvPr/>
+        </p:nvCxnSpPr>
+        <p:spPr>
+          <a:xfrm>
+            <a:off x="0" y="737118"/>
+            <a:ext cx="12192000" cy="0"/>
+          </a:xfrm>
+          <a:prstGeom prst="line">
+            <a:avLst/>
+          </a:prstGeom>
+          <a:ln w="15875">
+            <a:solidFill>
+              <a:srgbClr val="3333CC"/>
+            </a:solidFill>
+          </a:ln>
+        </p:spPr>
+        <p:style>
+          <a:lnRef idx="1">
+            <a:schemeClr val="accent1"/>
+          </a:lnRef>
+          <a:fillRef idx="0">
+            <a:schemeClr val="accent1"/>
+          </a:fillRef>
+          <a:effectRef idx="0">
+            <a:schemeClr val="accent1"/>
+          </a:effectRef>
+          <a:fontRef idx="minor">
+            <a:schemeClr val="tx1"/>
+          </a:fontRef>
+        </p:style>
+      </p:cxnSp>
+      <p:cxnSp>
+        <p:nvCxnSpPr>
+          <p:cNvPr id="13" name="Gerader Verbinder 12">
+            <a:extLst>
+              <a:ext uri="{FF2B5EF4-FFF2-40B4-BE49-F238E27FC236}">
+                <a16:creationId xmlns:a16="http://schemas.microsoft.com/office/drawing/2014/main" xmlns="" id="{F2778992-5E28-437C-AEA9-F9BBD6E6F5BB}"/>
+              </a:ext>
+            </a:extLst>
+          </p:cNvPr>
+          <p:cNvCxnSpPr/>
+          <p:nvPr/>
+        </p:nvCxnSpPr>
+        <p:spPr>
+          <a:xfrm>
+            <a:off x="0" y="6356350"/>
+            <a:ext cx="12192000" cy="0"/>
+          </a:xfrm>
+          <a:prstGeom prst="line">
+            <a:avLst/>
+          </a:prstGeom>
+          <a:ln w="15875">
+            <a:solidFill>
+              <a:srgbClr val="3333CC"/>
+            </a:solidFill>
+          </a:ln>
+        </p:spPr>
+        <p:style>
+          <a:lnRef idx="1">
+            <a:schemeClr val="accent1"/>
+          </a:lnRef>
+          <a:fillRef idx="0">
+            <a:schemeClr val="accent1"/>
+          </a:fillRef>
+          <a:effectRef idx="0">
+            <a:schemeClr val="accent1"/>
+          </a:effectRef>
+          <a:fontRef idx="minor">
+            <a:schemeClr val="tx1"/>
+          </a:fontRef>
+        </p:style>
+      </p:cxnSp>
+      <p:sp>
+        <p:nvSpPr>
+          <p:cNvPr id="14" name="Textfeld 13">
+            <a:extLst>
+              <a:ext uri="{FF2B5EF4-FFF2-40B4-BE49-F238E27FC236}">
+                <a16:creationId xmlns:a16="http://schemas.microsoft.com/office/drawing/2014/main" xmlns="" id="{6CF8FF9D-8A98-4CFA-94C2-E2074112639C}"/>
+              </a:ext>
+            </a:extLst>
+          </p:cNvPr>
+          <p:cNvSpPr txBox="1"/>
+          <p:nvPr/>
+        </p:nvSpPr>
+        <p:spPr>
+          <a:xfrm>
+            <a:off x="2653004" y="215779"/>
+            <a:ext cx="6885992" cy="369332"/>
+          </a:xfrm>
+          <a:prstGeom prst="rect">
+            <a:avLst/>
+          </a:prstGeom>
+          <a:noFill/>
+        </p:spPr>
+        <p:txBody>
+          <a:bodyPr wrap="square" rtlCol="0">
+            <a:spAutoFit/>
+          </a:bodyPr>
+          <a:lstStyle/>
+          <a:p>
+            <a:pPr algn="ctr"/>
+            <a:r>
+              <a:rPr lang="de-DE" b="1" dirty="0"/>
+              <a:t>Dynamische Container in C</a:t>
+            </a:r>
+          </a:p>
+        </p:txBody>
+      </p:sp>
+      <p:sp>
+        <p:nvSpPr>
+          <p:cNvPr id="6" name="Textfeld 5">
+            <a:extLst>
+              <a:ext uri="{FF2B5EF4-FFF2-40B4-BE49-F238E27FC236}">
+                <a16:creationId xmlns:a16="http://schemas.microsoft.com/office/drawing/2014/main" xmlns="" id="{8E05CB3E-FC8B-4C84-8452-A027AF29808D}"/>
+              </a:ext>
+            </a:extLst>
+          </p:cNvPr>
+          <p:cNvSpPr txBox="1"/>
+          <p:nvPr/>
+        </p:nvSpPr>
+        <p:spPr>
+          <a:xfrm>
+            <a:off x="485191" y="1154923"/>
+            <a:ext cx="3788228" cy="1015663"/>
+          </a:xfrm>
+          <a:prstGeom prst="rect">
+            <a:avLst/>
+          </a:prstGeom>
+          <a:noFill/>
+        </p:spPr>
+        <p:txBody>
+          <a:bodyPr wrap="square" rtlCol="0">
+            <a:spAutoFit/>
+          </a:bodyPr>
+          <a:lstStyle/>
+          <a:p>
+            <a:r>
+              <a:rPr lang="de-DE" sz="2000" b="1" dirty="0" smtClean="0"/>
+              <a:t>2.3 Stack</a:t>
+            </a:r>
+            <a:endParaRPr lang="de-DE" sz="2000" b="1" dirty="0"/>
+          </a:p>
+          <a:p>
+            <a:endParaRPr lang="de-DE" sz="2000" b="1" dirty="0"/>
+          </a:p>
+          <a:p>
+            <a:r>
+              <a:rPr lang="de-DE" sz="2000" b="1" dirty="0"/>
+              <a:t> 	</a:t>
+            </a:r>
+            <a:endParaRPr lang="de-DE" sz="2000" dirty="0"/>
+          </a:p>
+        </p:txBody>
+      </p:sp>
+      <p:pic>
+        <p:nvPicPr>
+          <p:cNvPr id="3" name="Grafik 2"/>
+          <p:cNvPicPr>
+            <a:picLocks noChangeAspect="1"/>
+          </p:cNvPicPr>
+          <p:nvPr/>
+        </p:nvPicPr>
+        <p:blipFill>
+          <a:blip r:embed="rId2">
+            <a:extLst>
+              <a:ext uri="{28A0092B-C50C-407E-A947-70E740481C1C}">
+                <a14:useLocalDpi xmlns:a14="http://schemas.microsoft.com/office/drawing/2010/main" val="0"/>
+              </a:ext>
+            </a:extLst>
+          </a:blip>
+          <a:stretch>
+            <a:fillRect/>
+          </a:stretch>
+        </p:blipFill>
+        <p:spPr>
+          <a:xfrm>
+            <a:off x="773013" y="1793291"/>
+            <a:ext cx="6155851" cy="4065474"/>
+          </a:xfrm>
+          <a:prstGeom prst="rect">
+            <a:avLst/>
+          </a:prstGeom>
+        </p:spPr>
+      </p:pic>
+      <p:graphicFrame>
+        <p:nvGraphicFramePr>
+          <p:cNvPr id="4" name="Tabelle 3"/>
+          <p:cNvGraphicFramePr>
+            <a:graphicFrameLocks noGrp="1"/>
+          </p:cNvGraphicFramePr>
+          <p:nvPr>
+            <p:extLst>
+              <p:ext uri="{D42A27DB-BD31-4B8C-83A1-F6EECF244321}">
+                <p14:modId xmlns:p14="http://schemas.microsoft.com/office/powerpoint/2010/main" val="1876004447"/>
+              </p:ext>
+            </p:extLst>
+          </p:nvPr>
+        </p:nvGraphicFramePr>
+        <p:xfrm>
+          <a:off x="4668333" y="2467626"/>
+          <a:ext cx="6476566" cy="1854200"/>
+        </p:xfrm>
+        <a:graphic>
+          <a:graphicData uri="http://schemas.openxmlformats.org/drawingml/2006/table">
+            <a:tbl>
+              <a:tblPr firstRow="1" bandRow="1">
+                <a:tableStyleId>{5940675A-B579-460E-94D1-54222C63F5DA}</a:tableStyleId>
+              </a:tblPr>
+              <a:tblGrid>
+                <a:gridCol w="1089020"/>
+                <a:gridCol w="996778"/>
+                <a:gridCol w="2075935"/>
+                <a:gridCol w="2314833"/>
+              </a:tblGrid>
+              <a:tr h="370840">
+                <a:tc>
+                  <a:txBody>
+                    <a:bodyPr/>
+                    <a:lstStyle/>
+                    <a:p>
+                      <a:pPr algn="just">
+                        <a:lnSpc>
+                          <a:spcPct val="107000"/>
+                        </a:lnSpc>
+                        <a:spcAft>
+                          <a:spcPts val="0"/>
+                        </a:spcAft>
+                      </a:pPr>
+                      <a:r>
+                        <a:rPr lang="de-DE" sz="1100" b="1" dirty="0">
+                          <a:effectLst/>
+                          <a:latin typeface="Calibri" panose="020F0502020204030204" pitchFamily="34" charset="0"/>
+                          <a:ea typeface="Calibri" panose="020F0502020204030204" pitchFamily="34" charset="0"/>
+                          <a:cs typeface="Times New Roman" panose="02020603050405020304" pitchFamily="18" charset="0"/>
+                        </a:rPr>
+                        <a:t>Funktionsname</a:t>
+                      </a:r>
+                      <a:endParaRPr lang="de-DE" sz="1100" dirty="0">
+                        <a:effectLst/>
+                        <a:latin typeface="Calibri" panose="020F0502020204030204" pitchFamily="34" charset="0"/>
+                        <a:ea typeface="Calibri" panose="020F0502020204030204" pitchFamily="34" charset="0"/>
+                        <a:cs typeface="Times New Roman" panose="02020603050405020304" pitchFamily="18" charset="0"/>
+                      </a:endParaRPr>
+                    </a:p>
+                  </a:txBody>
+                  <a:tcPr marL="68580" marR="68580" marT="0" marB="0"/>
+                </a:tc>
+                <a:tc>
+                  <a:txBody>
+                    <a:bodyPr/>
+                    <a:lstStyle/>
+                    <a:p>
+                      <a:pPr algn="just">
+                        <a:lnSpc>
+                          <a:spcPct val="107000"/>
+                        </a:lnSpc>
+                        <a:spcAft>
+                          <a:spcPts val="0"/>
+                        </a:spcAft>
+                      </a:pPr>
+                      <a:r>
+                        <a:rPr lang="de-DE" sz="1100" b="1" dirty="0">
+                          <a:effectLst/>
+                          <a:latin typeface="Calibri" panose="020F0502020204030204" pitchFamily="34" charset="0"/>
+                          <a:ea typeface="Calibri" panose="020F0502020204030204" pitchFamily="34" charset="0"/>
+                          <a:cs typeface="Times New Roman" panose="02020603050405020304" pitchFamily="18" charset="0"/>
+                        </a:rPr>
+                        <a:t>Rückgabewert</a:t>
+                      </a:r>
+                      <a:endParaRPr lang="de-DE" sz="1100" dirty="0">
+                        <a:effectLst/>
+                        <a:latin typeface="Calibri" panose="020F0502020204030204" pitchFamily="34" charset="0"/>
+                        <a:ea typeface="Calibri" panose="020F0502020204030204" pitchFamily="34" charset="0"/>
+                        <a:cs typeface="Times New Roman" panose="02020603050405020304" pitchFamily="18" charset="0"/>
+                      </a:endParaRPr>
+                    </a:p>
+                  </a:txBody>
+                  <a:tcPr marL="68580" marR="68580" marT="0" marB="0"/>
+                </a:tc>
+                <a:tc>
+                  <a:txBody>
+                    <a:bodyPr/>
+                    <a:lstStyle/>
+                    <a:p>
+                      <a:pPr algn="just">
+                        <a:lnSpc>
+                          <a:spcPct val="107000"/>
+                        </a:lnSpc>
+                        <a:spcAft>
+                          <a:spcPts val="0"/>
+                        </a:spcAft>
+                      </a:pPr>
+                      <a:r>
+                        <a:rPr lang="de-DE" sz="1100" b="1">
+                          <a:effectLst/>
+                          <a:latin typeface="Calibri" panose="020F0502020204030204" pitchFamily="34" charset="0"/>
+                          <a:ea typeface="Calibri" panose="020F0502020204030204" pitchFamily="34" charset="0"/>
+                          <a:cs typeface="Times New Roman" panose="02020603050405020304" pitchFamily="18" charset="0"/>
+                        </a:rPr>
+                        <a:t>Parameter</a:t>
+                      </a:r>
+                      <a:endParaRPr lang="de-DE" sz="1100">
+                        <a:effectLst/>
+                        <a:latin typeface="Calibri" panose="020F0502020204030204" pitchFamily="34" charset="0"/>
+                        <a:ea typeface="Calibri" panose="020F0502020204030204" pitchFamily="34" charset="0"/>
+                        <a:cs typeface="Times New Roman" panose="02020603050405020304" pitchFamily="18" charset="0"/>
+                      </a:endParaRPr>
+                    </a:p>
+                  </a:txBody>
+                  <a:tcPr marL="68580" marR="68580" marT="0" marB="0"/>
+                </a:tc>
+                <a:tc>
+                  <a:txBody>
+                    <a:bodyPr/>
+                    <a:lstStyle/>
+                    <a:p>
+                      <a:pPr algn="just">
+                        <a:lnSpc>
+                          <a:spcPct val="107000"/>
+                        </a:lnSpc>
+                        <a:spcAft>
+                          <a:spcPts val="0"/>
+                        </a:spcAft>
+                      </a:pPr>
+                      <a:r>
+                        <a:rPr lang="de-DE" sz="1100" b="1">
+                          <a:effectLst/>
+                          <a:latin typeface="Calibri" panose="020F0502020204030204" pitchFamily="34" charset="0"/>
+                          <a:ea typeface="Calibri" panose="020F0502020204030204" pitchFamily="34" charset="0"/>
+                          <a:cs typeface="Times New Roman" panose="02020603050405020304" pitchFamily="18" charset="0"/>
+                        </a:rPr>
+                        <a:t>Nutzen</a:t>
+                      </a:r>
+                      <a:endParaRPr lang="de-DE" sz="1100">
+                        <a:effectLst/>
+                        <a:latin typeface="Calibri" panose="020F0502020204030204" pitchFamily="34" charset="0"/>
+                        <a:ea typeface="Calibri" panose="020F0502020204030204" pitchFamily="34" charset="0"/>
+                        <a:cs typeface="Times New Roman" panose="02020603050405020304" pitchFamily="18" charset="0"/>
+                      </a:endParaRPr>
+                    </a:p>
+                  </a:txBody>
+                  <a:tcPr marL="68580" marR="68580" marT="0" marB="0"/>
+                </a:tc>
+              </a:tr>
+              <a:tr h="370840">
+                <a:tc>
+                  <a:txBody>
+                    <a:bodyPr/>
+                    <a:lstStyle/>
+                    <a:p>
+                      <a:pPr algn="just">
+                        <a:lnSpc>
+                          <a:spcPct val="107000"/>
+                        </a:lnSpc>
+                        <a:spcAft>
+                          <a:spcPts val="0"/>
+                        </a:spcAft>
+                      </a:pPr>
+                      <a:r>
+                        <a:rPr lang="de-DE" sz="1100" b="1">
+                          <a:effectLst/>
+                          <a:latin typeface="Calibri" panose="020F0502020204030204" pitchFamily="34" charset="0"/>
+                          <a:ea typeface="Calibri" panose="020F0502020204030204" pitchFamily="34" charset="0"/>
+                          <a:cs typeface="Times New Roman" panose="02020603050405020304" pitchFamily="18" charset="0"/>
+                        </a:rPr>
+                        <a:t>StackInitialize</a:t>
+                      </a:r>
+                      <a:endParaRPr lang="de-DE" sz="1100">
+                        <a:effectLst/>
+                        <a:latin typeface="Calibri" panose="020F0502020204030204" pitchFamily="34" charset="0"/>
+                        <a:ea typeface="Calibri" panose="020F0502020204030204" pitchFamily="34" charset="0"/>
+                        <a:cs typeface="Times New Roman" panose="02020603050405020304" pitchFamily="18" charset="0"/>
+                      </a:endParaRPr>
+                    </a:p>
+                  </a:txBody>
+                  <a:tcPr marL="68580" marR="68580" marT="0" marB="0"/>
+                </a:tc>
+                <a:tc>
+                  <a:txBody>
+                    <a:bodyPr/>
+                    <a:lstStyle/>
+                    <a:p>
+                      <a:pPr algn="just">
+                        <a:lnSpc>
+                          <a:spcPct val="107000"/>
+                        </a:lnSpc>
+                        <a:spcAft>
+                          <a:spcPts val="0"/>
+                        </a:spcAft>
+                      </a:pPr>
+                      <a:r>
+                        <a:rPr lang="de-DE" sz="1100">
+                          <a:effectLst/>
+                          <a:latin typeface="Calibri" panose="020F0502020204030204" pitchFamily="34" charset="0"/>
+                          <a:ea typeface="Calibri" panose="020F0502020204030204" pitchFamily="34" charset="0"/>
+                          <a:cs typeface="Times New Roman" panose="02020603050405020304" pitchFamily="18" charset="0"/>
+                        </a:rPr>
+                        <a:t>void</a:t>
+                      </a:r>
+                    </a:p>
+                  </a:txBody>
+                  <a:tcPr marL="68580" marR="68580" marT="0" marB="0"/>
+                </a:tc>
+                <a:tc>
+                  <a:txBody>
+                    <a:bodyPr/>
+                    <a:lstStyle/>
+                    <a:p>
+                      <a:pPr algn="just">
+                        <a:lnSpc>
+                          <a:spcPct val="107000"/>
+                        </a:lnSpc>
+                        <a:spcAft>
+                          <a:spcPts val="0"/>
+                        </a:spcAft>
+                      </a:pPr>
+                      <a:r>
+                        <a:rPr lang="en-US" sz="1100">
+                          <a:effectLst/>
+                          <a:latin typeface="Calibri" panose="020F0502020204030204" pitchFamily="34" charset="0"/>
+                          <a:ea typeface="Calibri" panose="020F0502020204030204" pitchFamily="34" charset="0"/>
+                          <a:cs typeface="Times New Roman" panose="02020603050405020304" pitchFamily="18" charset="0"/>
+                        </a:rPr>
+                        <a:t>Stack* stack</a:t>
+                      </a:r>
+                      <a:endParaRPr lang="de-DE" sz="1100">
+                        <a:effectLst/>
+                        <a:latin typeface="Calibri" panose="020F0502020204030204" pitchFamily="34" charset="0"/>
+                        <a:ea typeface="Calibri" panose="020F0502020204030204" pitchFamily="34" charset="0"/>
+                        <a:cs typeface="Times New Roman" panose="02020603050405020304" pitchFamily="18" charset="0"/>
+                      </a:endParaRPr>
+                    </a:p>
+                    <a:p>
+                      <a:pPr algn="just">
+                        <a:lnSpc>
+                          <a:spcPct val="107000"/>
+                        </a:lnSpc>
+                        <a:spcAft>
+                          <a:spcPts val="0"/>
+                        </a:spcAft>
+                      </a:pPr>
+                      <a:r>
+                        <a:rPr lang="en-US" sz="1100">
+                          <a:effectLst/>
+                          <a:latin typeface="Calibri" panose="020F0502020204030204" pitchFamily="34" charset="0"/>
+                          <a:ea typeface="Calibri" panose="020F0502020204030204" pitchFamily="34" charset="0"/>
+                          <a:cs typeface="Times New Roman" panose="02020603050405020304" pitchFamily="18" charset="0"/>
+                        </a:rPr>
+                        <a:t>unsigned int sizeOfSingleElement</a:t>
+                      </a:r>
+                      <a:endParaRPr lang="de-DE" sz="1100">
+                        <a:effectLst/>
+                        <a:latin typeface="Calibri" panose="020F0502020204030204" pitchFamily="34" charset="0"/>
+                        <a:ea typeface="Calibri" panose="020F0502020204030204" pitchFamily="34" charset="0"/>
+                        <a:cs typeface="Times New Roman" panose="02020603050405020304" pitchFamily="18" charset="0"/>
+                      </a:endParaRPr>
+                    </a:p>
+                  </a:txBody>
+                  <a:tcPr marL="68580" marR="68580" marT="0" marB="0"/>
+                </a:tc>
+                <a:tc>
+                  <a:txBody>
+                    <a:bodyPr/>
+                    <a:lstStyle/>
+                    <a:p>
+                      <a:pPr algn="just">
+                        <a:lnSpc>
+                          <a:spcPct val="107000"/>
+                        </a:lnSpc>
+                        <a:spcAft>
+                          <a:spcPts val="0"/>
+                        </a:spcAft>
+                      </a:pPr>
+                      <a:r>
+                        <a:rPr lang="en-US" sz="1100">
+                          <a:effectLst/>
+                          <a:latin typeface="Calibri" panose="020F0502020204030204" pitchFamily="34" charset="0"/>
+                          <a:ea typeface="Calibri" panose="020F0502020204030204" pitchFamily="34" charset="0"/>
+                          <a:cs typeface="Times New Roman" panose="02020603050405020304" pitchFamily="18" charset="0"/>
+                        </a:rPr>
+                        <a:t>Inizialisierung des Containers</a:t>
+                      </a:r>
+                      <a:endParaRPr lang="de-DE" sz="1100">
+                        <a:effectLst/>
+                        <a:latin typeface="Calibri" panose="020F0502020204030204" pitchFamily="34" charset="0"/>
+                        <a:ea typeface="Calibri" panose="020F0502020204030204" pitchFamily="34" charset="0"/>
+                        <a:cs typeface="Times New Roman" panose="02020603050405020304" pitchFamily="18" charset="0"/>
+                      </a:endParaRPr>
+                    </a:p>
+                  </a:txBody>
+                  <a:tcPr marL="68580" marR="68580" marT="0" marB="0"/>
+                </a:tc>
+              </a:tr>
+              <a:tr h="370840">
+                <a:tc>
+                  <a:txBody>
+                    <a:bodyPr/>
+                    <a:lstStyle/>
+                    <a:p>
+                      <a:pPr algn="just">
+                        <a:lnSpc>
+                          <a:spcPct val="107000"/>
+                        </a:lnSpc>
+                        <a:spcAft>
+                          <a:spcPts val="0"/>
+                        </a:spcAft>
+                      </a:pPr>
+                      <a:r>
+                        <a:rPr lang="de-DE" sz="1100" b="1" dirty="0" err="1">
+                          <a:effectLst/>
+                          <a:latin typeface="Calibri" panose="020F0502020204030204" pitchFamily="34" charset="0"/>
+                          <a:ea typeface="Calibri" panose="020F0502020204030204" pitchFamily="34" charset="0"/>
+                          <a:cs typeface="Times New Roman" panose="02020603050405020304" pitchFamily="18" charset="0"/>
+                        </a:rPr>
+                        <a:t>StackClear</a:t>
+                      </a:r>
+                      <a:endParaRPr lang="de-DE" sz="1100" dirty="0">
+                        <a:effectLst/>
+                        <a:latin typeface="Calibri" panose="020F0502020204030204" pitchFamily="34" charset="0"/>
+                        <a:ea typeface="Calibri" panose="020F0502020204030204" pitchFamily="34" charset="0"/>
+                        <a:cs typeface="Times New Roman" panose="02020603050405020304" pitchFamily="18" charset="0"/>
+                      </a:endParaRPr>
+                    </a:p>
+                  </a:txBody>
+                  <a:tcPr marL="68580" marR="68580" marT="0" marB="0"/>
+                </a:tc>
+                <a:tc>
+                  <a:txBody>
+                    <a:bodyPr/>
+                    <a:lstStyle/>
+                    <a:p>
+                      <a:pPr algn="just">
+                        <a:lnSpc>
+                          <a:spcPct val="107000"/>
+                        </a:lnSpc>
+                        <a:spcAft>
+                          <a:spcPts val="0"/>
+                        </a:spcAft>
+                      </a:pPr>
+                      <a:r>
+                        <a:rPr lang="de-DE" sz="1100" dirty="0" err="1">
+                          <a:effectLst/>
+                          <a:latin typeface="Calibri" panose="020F0502020204030204" pitchFamily="34" charset="0"/>
+                          <a:ea typeface="Calibri" panose="020F0502020204030204" pitchFamily="34" charset="0"/>
+                          <a:cs typeface="Times New Roman" panose="02020603050405020304" pitchFamily="18" charset="0"/>
+                        </a:rPr>
+                        <a:t>void</a:t>
+                      </a:r>
+                      <a:endParaRPr lang="de-DE" sz="1100" dirty="0">
+                        <a:effectLst/>
+                        <a:latin typeface="Calibri" panose="020F0502020204030204" pitchFamily="34" charset="0"/>
+                        <a:ea typeface="Calibri" panose="020F0502020204030204" pitchFamily="34" charset="0"/>
+                        <a:cs typeface="Times New Roman" panose="02020603050405020304" pitchFamily="18" charset="0"/>
+                      </a:endParaRPr>
+                    </a:p>
+                  </a:txBody>
+                  <a:tcPr marL="68580" marR="68580" marT="0" marB="0"/>
+                </a:tc>
+                <a:tc>
+                  <a:txBody>
+                    <a:bodyPr/>
+                    <a:lstStyle/>
+                    <a:p>
+                      <a:pPr algn="just">
+                        <a:lnSpc>
+                          <a:spcPct val="107000"/>
+                        </a:lnSpc>
+                        <a:spcAft>
+                          <a:spcPts val="0"/>
+                        </a:spcAft>
+                      </a:pPr>
+                      <a:r>
+                        <a:rPr lang="de-DE" sz="1100">
+                          <a:effectLst/>
+                          <a:latin typeface="Calibri" panose="020F0502020204030204" pitchFamily="34" charset="0"/>
+                          <a:ea typeface="Calibri" panose="020F0502020204030204" pitchFamily="34" charset="0"/>
+                          <a:cs typeface="Times New Roman" panose="02020603050405020304" pitchFamily="18" charset="0"/>
+                        </a:rPr>
+                        <a:t>Stack* stack</a:t>
+                      </a:r>
+                    </a:p>
+                  </a:txBody>
+                  <a:tcPr marL="68580" marR="68580" marT="0" marB="0"/>
+                </a:tc>
+                <a:tc>
+                  <a:txBody>
+                    <a:bodyPr/>
+                    <a:lstStyle/>
+                    <a:p>
+                      <a:pPr algn="just">
+                        <a:lnSpc>
+                          <a:spcPct val="107000"/>
+                        </a:lnSpc>
+                        <a:spcAft>
+                          <a:spcPts val="0"/>
+                        </a:spcAft>
+                      </a:pPr>
+                      <a:r>
+                        <a:rPr lang="de-DE" sz="1100">
+                          <a:effectLst/>
+                          <a:latin typeface="Calibri" panose="020F0502020204030204" pitchFamily="34" charset="0"/>
+                          <a:ea typeface="Calibri" panose="020F0502020204030204" pitchFamily="34" charset="0"/>
+                          <a:cs typeface="Times New Roman" panose="02020603050405020304" pitchFamily="18" charset="0"/>
+                        </a:rPr>
+                        <a:t>Löschen aller Daten des Containers</a:t>
+                      </a:r>
+                    </a:p>
+                  </a:txBody>
+                  <a:tcPr marL="68580" marR="68580" marT="0" marB="0"/>
+                </a:tc>
+              </a:tr>
+              <a:tr h="370840">
+                <a:tc>
+                  <a:txBody>
+                    <a:bodyPr/>
+                    <a:lstStyle/>
+                    <a:p>
+                      <a:pPr algn="just">
+                        <a:lnSpc>
+                          <a:spcPct val="107000"/>
+                        </a:lnSpc>
+                        <a:spcAft>
+                          <a:spcPts val="0"/>
+                        </a:spcAft>
+                      </a:pPr>
+                      <a:r>
+                        <a:rPr lang="de-DE" sz="1100" b="1">
+                          <a:effectLst/>
+                          <a:latin typeface="Calibri" panose="020F0502020204030204" pitchFamily="34" charset="0"/>
+                          <a:ea typeface="Calibri" panose="020F0502020204030204" pitchFamily="34" charset="0"/>
+                          <a:cs typeface="Times New Roman" panose="02020603050405020304" pitchFamily="18" charset="0"/>
+                        </a:rPr>
+                        <a:t>StackPush</a:t>
+                      </a:r>
+                      <a:endParaRPr lang="de-DE" sz="1100">
+                        <a:effectLst/>
+                        <a:latin typeface="Calibri" panose="020F0502020204030204" pitchFamily="34" charset="0"/>
+                        <a:ea typeface="Calibri" panose="020F0502020204030204" pitchFamily="34" charset="0"/>
+                        <a:cs typeface="Times New Roman" panose="02020603050405020304" pitchFamily="18" charset="0"/>
+                      </a:endParaRPr>
+                    </a:p>
+                  </a:txBody>
+                  <a:tcPr marL="68580" marR="68580" marT="0" marB="0"/>
+                </a:tc>
+                <a:tc>
+                  <a:txBody>
+                    <a:bodyPr/>
+                    <a:lstStyle/>
+                    <a:p>
+                      <a:pPr algn="just">
+                        <a:lnSpc>
+                          <a:spcPct val="107000"/>
+                        </a:lnSpc>
+                        <a:spcAft>
+                          <a:spcPts val="0"/>
+                        </a:spcAft>
+                      </a:pPr>
+                      <a:r>
+                        <a:rPr lang="de-DE" sz="1100">
+                          <a:effectLst/>
+                          <a:latin typeface="Calibri" panose="020F0502020204030204" pitchFamily="34" charset="0"/>
+                          <a:ea typeface="Calibri" panose="020F0502020204030204" pitchFamily="34" charset="0"/>
+                          <a:cs typeface="Times New Roman" panose="02020603050405020304" pitchFamily="18" charset="0"/>
+                        </a:rPr>
+                        <a:t>CollectionError</a:t>
+                      </a:r>
+                    </a:p>
+                  </a:txBody>
+                  <a:tcPr marL="68580" marR="68580" marT="0" marB="0"/>
+                </a:tc>
+                <a:tc>
+                  <a:txBody>
+                    <a:bodyPr/>
+                    <a:lstStyle/>
+                    <a:p>
+                      <a:pPr algn="just">
+                        <a:lnSpc>
+                          <a:spcPct val="107000"/>
+                        </a:lnSpc>
+                        <a:spcAft>
+                          <a:spcPts val="0"/>
+                        </a:spcAft>
+                      </a:pPr>
+                      <a:r>
+                        <a:rPr lang="de-DE" sz="1100">
+                          <a:effectLst/>
+                          <a:latin typeface="Calibri" panose="020F0502020204030204" pitchFamily="34" charset="0"/>
+                          <a:ea typeface="Calibri" panose="020F0502020204030204" pitchFamily="34" charset="0"/>
+                          <a:cs typeface="Times New Roman" panose="02020603050405020304" pitchFamily="18" charset="0"/>
+                        </a:rPr>
+                        <a:t>Stack* stack</a:t>
+                      </a:r>
+                    </a:p>
+                    <a:p>
+                      <a:pPr algn="just">
+                        <a:lnSpc>
+                          <a:spcPct val="107000"/>
+                        </a:lnSpc>
+                        <a:spcAft>
+                          <a:spcPts val="0"/>
+                        </a:spcAft>
+                      </a:pPr>
+                      <a:r>
+                        <a:rPr lang="de-DE" sz="1100">
+                          <a:effectLst/>
+                          <a:latin typeface="Calibri" panose="020F0502020204030204" pitchFamily="34" charset="0"/>
+                          <a:ea typeface="Calibri" panose="020F0502020204030204" pitchFamily="34" charset="0"/>
+                          <a:cs typeface="Times New Roman" panose="02020603050405020304" pitchFamily="18" charset="0"/>
+                        </a:rPr>
+                        <a:t>void* element</a:t>
+                      </a:r>
+                    </a:p>
+                  </a:txBody>
+                  <a:tcPr marL="68580" marR="68580" marT="0" marB="0"/>
+                </a:tc>
+                <a:tc>
+                  <a:txBody>
+                    <a:bodyPr/>
+                    <a:lstStyle/>
+                    <a:p>
+                      <a:pPr algn="just">
+                        <a:lnSpc>
+                          <a:spcPct val="107000"/>
+                        </a:lnSpc>
+                        <a:spcAft>
+                          <a:spcPts val="0"/>
+                        </a:spcAft>
+                      </a:pPr>
+                      <a:r>
+                        <a:rPr lang="de-DE" sz="1100">
+                          <a:effectLst/>
+                          <a:latin typeface="Calibri" panose="020F0502020204030204" pitchFamily="34" charset="0"/>
+                          <a:ea typeface="Calibri" panose="020F0502020204030204" pitchFamily="34" charset="0"/>
+                          <a:cs typeface="Times New Roman" panose="02020603050405020304" pitchFamily="18" charset="0"/>
+                        </a:rPr>
+                        <a:t>Fügt Wert zum Container hinzu</a:t>
+                      </a:r>
+                    </a:p>
+                  </a:txBody>
+                  <a:tcPr marL="68580" marR="68580" marT="0" marB="0"/>
+                </a:tc>
+              </a:tr>
+              <a:tr h="370840">
+                <a:tc>
+                  <a:txBody>
+                    <a:bodyPr/>
+                    <a:lstStyle/>
+                    <a:p>
+                      <a:pPr algn="just">
+                        <a:lnSpc>
+                          <a:spcPct val="107000"/>
+                        </a:lnSpc>
+                        <a:spcAft>
+                          <a:spcPts val="0"/>
+                        </a:spcAft>
+                      </a:pPr>
+                      <a:r>
+                        <a:rPr lang="de-DE" sz="1100" b="1" dirty="0" err="1">
+                          <a:effectLst/>
+                          <a:latin typeface="Calibri" panose="020F0502020204030204" pitchFamily="34" charset="0"/>
+                          <a:ea typeface="Calibri" panose="020F0502020204030204" pitchFamily="34" charset="0"/>
+                          <a:cs typeface="Times New Roman" panose="02020603050405020304" pitchFamily="18" charset="0"/>
+                        </a:rPr>
+                        <a:t>StackPull</a:t>
+                      </a:r>
+                      <a:endParaRPr lang="de-DE" sz="1100" dirty="0">
+                        <a:effectLst/>
+                        <a:latin typeface="Calibri" panose="020F0502020204030204" pitchFamily="34" charset="0"/>
+                        <a:ea typeface="Calibri" panose="020F0502020204030204" pitchFamily="34" charset="0"/>
+                        <a:cs typeface="Times New Roman" panose="02020603050405020304" pitchFamily="18" charset="0"/>
+                      </a:endParaRPr>
+                    </a:p>
+                  </a:txBody>
+                  <a:tcPr marL="68580" marR="68580" marT="0" marB="0"/>
+                </a:tc>
+                <a:tc>
+                  <a:txBody>
+                    <a:bodyPr/>
+                    <a:lstStyle/>
+                    <a:p>
+                      <a:pPr algn="just">
+                        <a:lnSpc>
+                          <a:spcPct val="107000"/>
+                        </a:lnSpc>
+                        <a:spcAft>
+                          <a:spcPts val="0"/>
+                        </a:spcAft>
+                      </a:pPr>
+                      <a:r>
+                        <a:rPr lang="de-DE" sz="1100" dirty="0" err="1">
+                          <a:effectLst/>
+                          <a:latin typeface="Calibri" panose="020F0502020204030204" pitchFamily="34" charset="0"/>
+                          <a:ea typeface="Calibri" panose="020F0502020204030204" pitchFamily="34" charset="0"/>
+                          <a:cs typeface="Times New Roman" panose="02020603050405020304" pitchFamily="18" charset="0"/>
+                        </a:rPr>
+                        <a:t>CollectionError</a:t>
+                      </a:r>
+                      <a:endParaRPr lang="de-DE" sz="1100" dirty="0">
+                        <a:effectLst/>
+                        <a:latin typeface="Calibri" panose="020F0502020204030204" pitchFamily="34" charset="0"/>
+                        <a:ea typeface="Calibri" panose="020F0502020204030204" pitchFamily="34" charset="0"/>
+                        <a:cs typeface="Times New Roman" panose="02020603050405020304" pitchFamily="18" charset="0"/>
+                      </a:endParaRPr>
+                    </a:p>
+                  </a:txBody>
+                  <a:tcPr marL="68580" marR="68580" marT="0" marB="0"/>
+                </a:tc>
+                <a:tc>
+                  <a:txBody>
+                    <a:bodyPr/>
+                    <a:lstStyle/>
+                    <a:p>
+                      <a:pPr algn="just">
+                        <a:lnSpc>
+                          <a:spcPct val="107000"/>
+                        </a:lnSpc>
+                        <a:spcAft>
+                          <a:spcPts val="0"/>
+                        </a:spcAft>
+                      </a:pPr>
+                      <a:r>
+                        <a:rPr lang="de-DE" sz="1100" dirty="0">
+                          <a:effectLst/>
+                          <a:latin typeface="Calibri" panose="020F0502020204030204" pitchFamily="34" charset="0"/>
+                          <a:ea typeface="Calibri" panose="020F0502020204030204" pitchFamily="34" charset="0"/>
+                          <a:cs typeface="Times New Roman" panose="02020603050405020304" pitchFamily="18" charset="0"/>
+                        </a:rPr>
+                        <a:t>Stack* </a:t>
+                      </a:r>
+                      <a:r>
+                        <a:rPr lang="de-DE" sz="1100" dirty="0" err="1">
+                          <a:effectLst/>
+                          <a:latin typeface="Calibri" panose="020F0502020204030204" pitchFamily="34" charset="0"/>
+                          <a:ea typeface="Calibri" panose="020F0502020204030204" pitchFamily="34" charset="0"/>
+                          <a:cs typeface="Times New Roman" panose="02020603050405020304" pitchFamily="18" charset="0"/>
+                        </a:rPr>
+                        <a:t>stack</a:t>
+                      </a:r>
+                      <a:endParaRPr lang="de-DE" sz="1100" dirty="0">
+                        <a:effectLst/>
+                        <a:latin typeface="Calibri" panose="020F0502020204030204" pitchFamily="34" charset="0"/>
+                        <a:ea typeface="Calibri" panose="020F0502020204030204" pitchFamily="34" charset="0"/>
+                        <a:cs typeface="Times New Roman" panose="02020603050405020304" pitchFamily="18" charset="0"/>
+                      </a:endParaRPr>
+                    </a:p>
+                    <a:p>
+                      <a:pPr algn="just">
+                        <a:lnSpc>
+                          <a:spcPct val="107000"/>
+                        </a:lnSpc>
+                        <a:spcAft>
+                          <a:spcPts val="0"/>
+                        </a:spcAft>
+                      </a:pPr>
+                      <a:r>
+                        <a:rPr lang="de-DE" sz="1100" dirty="0" err="1">
+                          <a:effectLst/>
+                          <a:latin typeface="Calibri" panose="020F0502020204030204" pitchFamily="34" charset="0"/>
+                          <a:ea typeface="Calibri" panose="020F0502020204030204" pitchFamily="34" charset="0"/>
+                          <a:cs typeface="Times New Roman" panose="02020603050405020304" pitchFamily="18" charset="0"/>
+                        </a:rPr>
+                        <a:t>void</a:t>
+                      </a:r>
+                      <a:r>
+                        <a:rPr lang="de-DE" sz="1100" dirty="0">
+                          <a:effectLst/>
+                          <a:latin typeface="Calibri" panose="020F0502020204030204" pitchFamily="34" charset="0"/>
+                          <a:ea typeface="Calibri" panose="020F0502020204030204" pitchFamily="34" charset="0"/>
+                          <a:cs typeface="Times New Roman" panose="02020603050405020304" pitchFamily="18" charset="0"/>
+                        </a:rPr>
+                        <a:t>* </a:t>
+                      </a:r>
+                      <a:r>
+                        <a:rPr lang="de-DE" sz="1100" dirty="0" err="1">
+                          <a:effectLst/>
+                          <a:latin typeface="Calibri" panose="020F0502020204030204" pitchFamily="34" charset="0"/>
+                          <a:ea typeface="Calibri" panose="020F0502020204030204" pitchFamily="34" charset="0"/>
+                          <a:cs typeface="Times New Roman" panose="02020603050405020304" pitchFamily="18" charset="0"/>
+                        </a:rPr>
+                        <a:t>element</a:t>
+                      </a:r>
+                      <a:endParaRPr lang="de-DE" sz="1100" dirty="0">
+                        <a:effectLst/>
+                        <a:latin typeface="Calibri" panose="020F0502020204030204" pitchFamily="34" charset="0"/>
+                        <a:ea typeface="Calibri" panose="020F0502020204030204" pitchFamily="34" charset="0"/>
+                        <a:cs typeface="Times New Roman" panose="02020603050405020304" pitchFamily="18" charset="0"/>
+                      </a:endParaRPr>
+                    </a:p>
+                  </a:txBody>
+                  <a:tcPr marL="68580" marR="68580" marT="0" marB="0"/>
+                </a:tc>
+                <a:tc>
+                  <a:txBody>
+                    <a:bodyPr/>
+                    <a:lstStyle/>
+                    <a:p>
+                      <a:pPr algn="just">
+                        <a:lnSpc>
+                          <a:spcPct val="107000"/>
+                        </a:lnSpc>
+                        <a:spcAft>
+                          <a:spcPts val="0"/>
+                        </a:spcAft>
+                      </a:pPr>
+                      <a:r>
+                        <a:rPr lang="de-DE" sz="1100" dirty="0">
+                          <a:effectLst/>
+                          <a:latin typeface="Calibri" panose="020F0502020204030204" pitchFamily="34" charset="0"/>
+                          <a:ea typeface="Calibri" panose="020F0502020204030204" pitchFamily="34" charset="0"/>
+                          <a:cs typeface="Times New Roman" panose="02020603050405020304" pitchFamily="18" charset="0"/>
+                        </a:rPr>
+                        <a:t>Nimmt einen Wert aus dem Container</a:t>
+                      </a:r>
+                    </a:p>
+                  </a:txBody>
+                  <a:tcPr marL="68580" marR="68580" marT="0" marB="0"/>
+                </a:tc>
+              </a:tr>
+            </a:tbl>
+          </a:graphicData>
+        </a:graphic>
+      </p:graphicFrame>
+    </p:spTree>
+    <p:extLst>
+      <p:ext uri="{BB962C8B-B14F-4D97-AF65-F5344CB8AC3E}">
+        <p14:creationId xmlns:p14="http://schemas.microsoft.com/office/powerpoint/2010/main" val="1365011277"/>
+      </p:ext>
+    </p:extLst>
+  </p:cSld>
+  <p:clrMapOvr>
+    <a:masterClrMapping/>
+  </p:clrMapOvr>
+</p:sld>
+</file>
+
+<file path=ppt/slides/slide15.xml><?xml version="1.0" encoding="utf-8"?>
+<p:sld xmlns:a="http://schemas.openxmlformats.org/drawingml/2006/main" xmlns:r="http://schemas.openxmlformats.org/officeDocument/2006/relationships" xmlns:p="http://schemas.openxmlformats.org/presentationml/2006/main">
+  <p:cSld>
+    <p:spTree>
+      <p:nvGrpSpPr>
+        <p:cNvPr id="1" name=""/>
+        <p:cNvGrpSpPr/>
+        <p:nvPr/>
+      </p:nvGrpSpPr>
+      <p:grpSpPr>
+        <a:xfrm>
+          <a:off x="0" y="0"/>
+          <a:ext cx="0" cy="0"/>
+          <a:chOff x="0" y="0"/>
+          <a:chExt cx="0" cy="0"/>
+        </a:xfrm>
+      </p:grpSpPr>
+      <p:sp>
+        <p:nvSpPr>
+          <p:cNvPr id="10" name="Foliennummernplatzhalter 9">
+            <a:extLst>
+              <a:ext uri="{FF2B5EF4-FFF2-40B4-BE49-F238E27FC236}">
+                <a16:creationId xmlns:a16="http://schemas.microsoft.com/office/drawing/2014/main" xmlns="" id="{D931436D-0B25-4BC2-AB85-D177B4C7ED90}"/>
+              </a:ext>
+            </a:extLst>
+          </p:cNvPr>
+          <p:cNvSpPr>
+            <a:spLocks noGrp="1"/>
+          </p:cNvSpPr>
+          <p:nvPr>
+            <p:ph type="sldNum" sz="quarter" idx="12"/>
+          </p:nvPr>
+        </p:nvSpPr>
+        <p:spPr>
+          <a:xfrm>
+            <a:off x="9273076" y="6421667"/>
+            <a:ext cx="2743200" cy="365125"/>
+          </a:xfrm>
+        </p:spPr>
+        <p:txBody>
+          <a:bodyPr/>
+          <a:lstStyle/>
+          <a:p>
+            <a:r>
+              <a:rPr lang="de-DE" sz="1000" b="1" dirty="0">
+                <a:solidFill>
+                  <a:schemeClr val="tx1"/>
+                </a:solidFill>
+              </a:rPr>
+              <a:t>Seite </a:t>
+            </a:r>
+            <a:fld id="{2ACCF16B-2666-47AE-ACDC-C377DF350193}" type="slidenum">
+              <a:rPr lang="de-DE" sz="1000" b="1" smtClean="0">
+                <a:solidFill>
+                  <a:schemeClr val="tx1"/>
+                </a:solidFill>
+              </a:rPr>
+              <a:t>15</a:t>
+            </a:fld>
+            <a:endParaRPr lang="de-DE" sz="1000" b="1" dirty="0">
+              <a:solidFill>
+                <a:schemeClr val="tx1"/>
+              </a:solidFill>
+            </a:endParaRPr>
+          </a:p>
+        </p:txBody>
+      </p:sp>
+      <p:cxnSp>
+        <p:nvCxnSpPr>
+          <p:cNvPr id="12" name="Gerader Verbinder 11">
+            <a:extLst>
+              <a:ext uri="{FF2B5EF4-FFF2-40B4-BE49-F238E27FC236}">
+                <a16:creationId xmlns:a16="http://schemas.microsoft.com/office/drawing/2014/main" xmlns="" id="{4A855513-E5C1-4F05-A8FD-33AC62C22A5E}"/>
+              </a:ext>
+            </a:extLst>
+          </p:cNvPr>
+          <p:cNvCxnSpPr/>
+          <p:nvPr/>
+        </p:nvCxnSpPr>
+        <p:spPr>
+          <a:xfrm>
+            <a:off x="0" y="737118"/>
+            <a:ext cx="12192000" cy="0"/>
+          </a:xfrm>
+          <a:prstGeom prst="line">
+            <a:avLst/>
+          </a:prstGeom>
+          <a:ln w="15875">
+            <a:solidFill>
+              <a:srgbClr val="3333CC"/>
+            </a:solidFill>
+          </a:ln>
+        </p:spPr>
+        <p:style>
+          <a:lnRef idx="1">
+            <a:schemeClr val="accent1"/>
+          </a:lnRef>
+          <a:fillRef idx="0">
+            <a:schemeClr val="accent1"/>
+          </a:fillRef>
+          <a:effectRef idx="0">
+            <a:schemeClr val="accent1"/>
+          </a:effectRef>
+          <a:fontRef idx="minor">
+            <a:schemeClr val="tx1"/>
+          </a:fontRef>
+        </p:style>
+      </p:cxnSp>
+      <p:cxnSp>
+        <p:nvCxnSpPr>
+          <p:cNvPr id="13" name="Gerader Verbinder 12">
+            <a:extLst>
+              <a:ext uri="{FF2B5EF4-FFF2-40B4-BE49-F238E27FC236}">
+                <a16:creationId xmlns:a16="http://schemas.microsoft.com/office/drawing/2014/main" xmlns="" id="{F2778992-5E28-437C-AEA9-F9BBD6E6F5BB}"/>
+              </a:ext>
+            </a:extLst>
+          </p:cNvPr>
+          <p:cNvCxnSpPr/>
+          <p:nvPr/>
+        </p:nvCxnSpPr>
+        <p:spPr>
+          <a:xfrm>
+            <a:off x="0" y="6356350"/>
+            <a:ext cx="12192000" cy="0"/>
+          </a:xfrm>
+          <a:prstGeom prst="line">
+            <a:avLst/>
+          </a:prstGeom>
+          <a:ln w="15875">
+            <a:solidFill>
+              <a:srgbClr val="3333CC"/>
+            </a:solidFill>
+          </a:ln>
+        </p:spPr>
+        <p:style>
+          <a:lnRef idx="1">
+            <a:schemeClr val="accent1"/>
+          </a:lnRef>
+          <a:fillRef idx="0">
+            <a:schemeClr val="accent1"/>
+          </a:fillRef>
+          <a:effectRef idx="0">
+            <a:schemeClr val="accent1"/>
+          </a:effectRef>
+          <a:fontRef idx="minor">
+            <a:schemeClr val="tx1"/>
+          </a:fontRef>
+        </p:style>
+      </p:cxnSp>
+      <p:sp>
+        <p:nvSpPr>
+          <p:cNvPr id="14" name="Textfeld 13">
+            <a:extLst>
+              <a:ext uri="{FF2B5EF4-FFF2-40B4-BE49-F238E27FC236}">
+                <a16:creationId xmlns:a16="http://schemas.microsoft.com/office/drawing/2014/main" xmlns="" id="{6CF8FF9D-8A98-4CFA-94C2-E2074112639C}"/>
+              </a:ext>
+            </a:extLst>
+          </p:cNvPr>
+          <p:cNvSpPr txBox="1"/>
+          <p:nvPr/>
+        </p:nvSpPr>
+        <p:spPr>
+          <a:xfrm>
+            <a:off x="2653004" y="215779"/>
+            <a:ext cx="6885992" cy="369332"/>
+          </a:xfrm>
+          <a:prstGeom prst="rect">
+            <a:avLst/>
+          </a:prstGeom>
+          <a:noFill/>
+        </p:spPr>
+        <p:txBody>
+          <a:bodyPr wrap="square" rtlCol="0">
+            <a:spAutoFit/>
+          </a:bodyPr>
+          <a:lstStyle/>
+          <a:p>
+            <a:pPr algn="ctr"/>
+            <a:r>
+              <a:rPr lang="de-DE" b="1" dirty="0"/>
+              <a:t>Dynamische Container in C</a:t>
+            </a:r>
+          </a:p>
+        </p:txBody>
+      </p:sp>
+      <p:pic>
+        <p:nvPicPr>
+          <p:cNvPr id="3" name="Grafik 2"/>
+          <p:cNvPicPr>
+            <a:picLocks noChangeAspect="1"/>
+          </p:cNvPicPr>
+          <p:nvPr/>
+        </p:nvPicPr>
+        <p:blipFill>
+          <a:blip r:embed="rId2">
+            <a:extLst>
+              <a:ext uri="{28A0092B-C50C-407E-A947-70E740481C1C}">
+                <a14:useLocalDpi xmlns:a14="http://schemas.microsoft.com/office/drawing/2010/main" val="0"/>
+              </a:ext>
+            </a:extLst>
+          </a:blip>
+          <a:stretch>
+            <a:fillRect/>
+          </a:stretch>
+        </p:blipFill>
+        <p:spPr>
+          <a:xfrm>
+            <a:off x="865779" y="2895317"/>
+            <a:ext cx="6979300" cy="2648395"/>
+          </a:xfrm>
+          <a:prstGeom prst="rect">
+            <a:avLst/>
+          </a:prstGeom>
+        </p:spPr>
+      </p:pic>
+      <p:sp>
+        <p:nvSpPr>
+          <p:cNvPr id="8" name="Textfeld 7">
+            <a:extLst>
+              <a:ext uri="{FF2B5EF4-FFF2-40B4-BE49-F238E27FC236}">
+                <a16:creationId xmlns:a16="http://schemas.microsoft.com/office/drawing/2014/main" xmlns="" id="{8E05CB3E-FC8B-4C84-8452-A027AF29808D}"/>
+              </a:ext>
+            </a:extLst>
+          </p:cNvPr>
+          <p:cNvSpPr txBox="1"/>
+          <p:nvPr/>
+        </p:nvSpPr>
+        <p:spPr>
+          <a:xfrm>
+            <a:off x="485191" y="1154922"/>
+            <a:ext cx="3788228" cy="1015663"/>
+          </a:xfrm>
+          <a:prstGeom prst="rect">
+            <a:avLst/>
+          </a:prstGeom>
+          <a:noFill/>
+        </p:spPr>
+        <p:txBody>
+          <a:bodyPr wrap="square" rtlCol="0">
+            <a:spAutoFit/>
+          </a:bodyPr>
+          <a:lstStyle/>
+          <a:p>
+            <a:r>
+              <a:rPr lang="de-DE" sz="2000" b="1" dirty="0" smtClean="0"/>
+              <a:t>2.4 Queue</a:t>
+            </a:r>
+            <a:endParaRPr lang="de-DE" sz="2000" b="1" dirty="0"/>
+          </a:p>
+          <a:p>
+            <a:endParaRPr lang="de-DE" sz="2000" b="1" dirty="0"/>
+          </a:p>
+          <a:p>
+            <a:r>
+              <a:rPr lang="de-DE" sz="2000" b="1" dirty="0"/>
+              <a:t> 	</a:t>
+            </a:r>
+            <a:endParaRPr lang="de-DE" sz="2000" dirty="0"/>
+          </a:p>
+        </p:txBody>
+      </p:sp>
+      <p:sp>
+        <p:nvSpPr>
+          <p:cNvPr id="4" name="Textfeld 3"/>
+          <p:cNvSpPr txBox="1"/>
+          <p:nvPr/>
+        </p:nvSpPr>
+        <p:spPr>
+          <a:xfrm>
+            <a:off x="865779" y="1782894"/>
+            <a:ext cx="4241680" cy="1200329"/>
+          </a:xfrm>
+          <a:prstGeom prst="rect">
+            <a:avLst/>
+          </a:prstGeom>
+          <a:noFill/>
+        </p:spPr>
+        <p:txBody>
+          <a:bodyPr wrap="square" rtlCol="0">
+            <a:spAutoFit/>
+          </a:bodyPr>
+          <a:lstStyle/>
+          <a:p>
+            <a:pPr marL="285750" indent="-285750">
+              <a:buFont typeface="Arial" panose="020B0604020202020204" pitchFamily="34" charset="0"/>
+              <a:buChar char="•"/>
+            </a:pPr>
+            <a:r>
+              <a:rPr lang="de-DE" dirty="0"/>
+              <a:t>FIFO – First in Last Out</a:t>
+            </a:r>
+          </a:p>
+          <a:p>
+            <a:pPr marL="285750" indent="-285750">
+              <a:buFont typeface="Arial" panose="020B0604020202020204" pitchFamily="34" charset="0"/>
+              <a:buChar char="•"/>
+            </a:pPr>
+            <a:r>
+              <a:rPr lang="de-DE" dirty="0"/>
+              <a:t>Unflexible Größe</a:t>
+            </a:r>
+          </a:p>
+          <a:p>
+            <a:pPr marL="285750" indent="-285750">
+              <a:buFont typeface="Arial" panose="020B0604020202020204" pitchFamily="34" charset="0"/>
+              <a:buChar char="•"/>
+            </a:pPr>
+            <a:r>
+              <a:rPr lang="de-DE" dirty="0"/>
+              <a:t>Toter Speicher Block</a:t>
+            </a:r>
+          </a:p>
+          <a:p>
+            <a:endParaRPr lang="de-DE" dirty="0"/>
+          </a:p>
+        </p:txBody>
+      </p:sp>
+    </p:spTree>
+    <p:extLst>
+      <p:ext uri="{BB962C8B-B14F-4D97-AF65-F5344CB8AC3E}">
+        <p14:creationId xmlns:p14="http://schemas.microsoft.com/office/powerpoint/2010/main" val="1953118052"/>
+      </p:ext>
+    </p:extLst>
+  </p:cSld>
+  <p:clrMapOvr>
+    <a:masterClrMapping/>
+  </p:clrMapOvr>
+</p:sld>
+</file>
+
+<file path=ppt/slides/slide16.xml><?xml version="1.0" encoding="utf-8"?>
+<p:sld xmlns:a="http://schemas.openxmlformats.org/drawingml/2006/main" xmlns:r="http://schemas.openxmlformats.org/officeDocument/2006/relationships" xmlns:p="http://schemas.openxmlformats.org/presentationml/2006/main">
+  <p:cSld>
+    <p:spTree>
+      <p:nvGrpSpPr>
+        <p:cNvPr id="1" name=""/>
+        <p:cNvGrpSpPr/>
+        <p:nvPr/>
+      </p:nvGrpSpPr>
+      <p:grpSpPr>
+        <a:xfrm>
+          <a:off x="0" y="0"/>
+          <a:ext cx="0" cy="0"/>
+          <a:chOff x="0" y="0"/>
+          <a:chExt cx="0" cy="0"/>
+        </a:xfrm>
+      </p:grpSpPr>
+      <p:sp>
+        <p:nvSpPr>
+          <p:cNvPr id="10" name="Foliennummernplatzhalter 9">
+            <a:extLst>
+              <a:ext uri="{FF2B5EF4-FFF2-40B4-BE49-F238E27FC236}">
+                <a16:creationId xmlns:a16="http://schemas.microsoft.com/office/drawing/2014/main" xmlns="" id="{D931436D-0B25-4BC2-AB85-D177B4C7ED90}"/>
+              </a:ext>
+            </a:extLst>
+          </p:cNvPr>
+          <p:cNvSpPr>
+            <a:spLocks noGrp="1"/>
+          </p:cNvSpPr>
+          <p:nvPr>
+            <p:ph type="sldNum" sz="quarter" idx="12"/>
+          </p:nvPr>
+        </p:nvSpPr>
+        <p:spPr>
+          <a:xfrm>
+            <a:off x="9273076" y="6421667"/>
+            <a:ext cx="2743200" cy="365125"/>
+          </a:xfrm>
+        </p:spPr>
+        <p:txBody>
+          <a:bodyPr/>
+          <a:lstStyle/>
+          <a:p>
+            <a:r>
+              <a:rPr lang="de-DE" sz="1000" b="1" dirty="0">
+                <a:solidFill>
+                  <a:schemeClr val="tx1"/>
+                </a:solidFill>
+              </a:rPr>
+              <a:t>Seite </a:t>
+            </a:r>
+            <a:fld id="{2ACCF16B-2666-47AE-ACDC-C377DF350193}" type="slidenum">
+              <a:rPr lang="de-DE" sz="1000" b="1" smtClean="0">
+                <a:solidFill>
+                  <a:schemeClr val="tx1"/>
+                </a:solidFill>
+              </a:rPr>
+              <a:t>16</a:t>
+            </a:fld>
+            <a:endParaRPr lang="de-DE" sz="1000" b="1" dirty="0">
+              <a:solidFill>
+                <a:schemeClr val="tx1"/>
+              </a:solidFill>
+            </a:endParaRPr>
+          </a:p>
+        </p:txBody>
+      </p:sp>
+      <p:cxnSp>
+        <p:nvCxnSpPr>
+          <p:cNvPr id="12" name="Gerader Verbinder 11">
+            <a:extLst>
+              <a:ext uri="{FF2B5EF4-FFF2-40B4-BE49-F238E27FC236}">
+                <a16:creationId xmlns:a16="http://schemas.microsoft.com/office/drawing/2014/main" xmlns="" id="{4A855513-E5C1-4F05-A8FD-33AC62C22A5E}"/>
+              </a:ext>
+            </a:extLst>
+          </p:cNvPr>
+          <p:cNvCxnSpPr/>
+          <p:nvPr/>
+        </p:nvCxnSpPr>
+        <p:spPr>
+          <a:xfrm>
+            <a:off x="0" y="737118"/>
+            <a:ext cx="12192000" cy="0"/>
+          </a:xfrm>
+          <a:prstGeom prst="line">
+            <a:avLst/>
+          </a:prstGeom>
+          <a:ln w="15875">
+            <a:solidFill>
+              <a:srgbClr val="3333CC"/>
+            </a:solidFill>
+          </a:ln>
+        </p:spPr>
+        <p:style>
+          <a:lnRef idx="1">
+            <a:schemeClr val="accent1"/>
+          </a:lnRef>
+          <a:fillRef idx="0">
+            <a:schemeClr val="accent1"/>
+          </a:fillRef>
+          <a:effectRef idx="0">
+            <a:schemeClr val="accent1"/>
+          </a:effectRef>
+          <a:fontRef idx="minor">
+            <a:schemeClr val="tx1"/>
+          </a:fontRef>
+        </p:style>
+      </p:cxnSp>
+      <p:cxnSp>
+        <p:nvCxnSpPr>
+          <p:cNvPr id="13" name="Gerader Verbinder 12">
+            <a:extLst>
+              <a:ext uri="{FF2B5EF4-FFF2-40B4-BE49-F238E27FC236}">
+                <a16:creationId xmlns:a16="http://schemas.microsoft.com/office/drawing/2014/main" xmlns="" id="{F2778992-5E28-437C-AEA9-F9BBD6E6F5BB}"/>
+              </a:ext>
+            </a:extLst>
+          </p:cNvPr>
+          <p:cNvCxnSpPr/>
+          <p:nvPr/>
+        </p:nvCxnSpPr>
+        <p:spPr>
+          <a:xfrm>
+            <a:off x="0" y="6356350"/>
+            <a:ext cx="12192000" cy="0"/>
+          </a:xfrm>
+          <a:prstGeom prst="line">
+            <a:avLst/>
+          </a:prstGeom>
+          <a:ln w="15875">
+            <a:solidFill>
+              <a:srgbClr val="3333CC"/>
+            </a:solidFill>
+          </a:ln>
+        </p:spPr>
+        <p:style>
+          <a:lnRef idx="1">
+            <a:schemeClr val="accent1"/>
+          </a:lnRef>
+          <a:fillRef idx="0">
+            <a:schemeClr val="accent1"/>
+          </a:fillRef>
+          <a:effectRef idx="0">
+            <a:schemeClr val="accent1"/>
+          </a:effectRef>
+          <a:fontRef idx="minor">
+            <a:schemeClr val="tx1"/>
+          </a:fontRef>
+        </p:style>
+      </p:cxnSp>
+      <p:sp>
+        <p:nvSpPr>
+          <p:cNvPr id="14" name="Textfeld 13">
+            <a:extLst>
+              <a:ext uri="{FF2B5EF4-FFF2-40B4-BE49-F238E27FC236}">
+                <a16:creationId xmlns:a16="http://schemas.microsoft.com/office/drawing/2014/main" xmlns="" id="{6CF8FF9D-8A98-4CFA-94C2-E2074112639C}"/>
+              </a:ext>
+            </a:extLst>
+          </p:cNvPr>
+          <p:cNvSpPr txBox="1"/>
+          <p:nvPr/>
+        </p:nvSpPr>
+        <p:spPr>
+          <a:xfrm>
+            <a:off x="2653004" y="215779"/>
+            <a:ext cx="6885992" cy="369332"/>
+          </a:xfrm>
+          <a:prstGeom prst="rect">
+            <a:avLst/>
+          </a:prstGeom>
+          <a:noFill/>
+        </p:spPr>
+        <p:txBody>
+          <a:bodyPr wrap="square" rtlCol="0">
+            <a:spAutoFit/>
+          </a:bodyPr>
+          <a:lstStyle/>
+          <a:p>
+            <a:pPr algn="ctr"/>
+            <a:r>
+              <a:rPr lang="de-DE" b="1" dirty="0"/>
+              <a:t>Dynamische Container in C</a:t>
+            </a:r>
+          </a:p>
+        </p:txBody>
+      </p:sp>
+      <p:sp>
+        <p:nvSpPr>
+          <p:cNvPr id="8" name="Textfeld 7">
+            <a:extLst>
+              <a:ext uri="{FF2B5EF4-FFF2-40B4-BE49-F238E27FC236}">
+                <a16:creationId xmlns:a16="http://schemas.microsoft.com/office/drawing/2014/main" xmlns="" id="{8E05CB3E-FC8B-4C84-8452-A027AF29808D}"/>
+              </a:ext>
+            </a:extLst>
+          </p:cNvPr>
+          <p:cNvSpPr txBox="1"/>
+          <p:nvPr/>
+        </p:nvSpPr>
+        <p:spPr>
+          <a:xfrm>
+            <a:off x="485191" y="1154923"/>
+            <a:ext cx="3788228" cy="1015663"/>
+          </a:xfrm>
+          <a:prstGeom prst="rect">
+            <a:avLst/>
+          </a:prstGeom>
+          <a:noFill/>
+        </p:spPr>
+        <p:txBody>
+          <a:bodyPr wrap="square" rtlCol="0">
+            <a:spAutoFit/>
+          </a:bodyPr>
+          <a:lstStyle/>
+          <a:p>
+            <a:r>
+              <a:rPr lang="de-DE" sz="2000" b="1" dirty="0" smtClean="0"/>
+              <a:t>2.4 Queue</a:t>
+            </a:r>
+            <a:endParaRPr lang="de-DE" sz="2000" b="1" dirty="0"/>
+          </a:p>
+          <a:p>
+            <a:endParaRPr lang="de-DE" sz="2000" b="1" dirty="0"/>
+          </a:p>
+          <a:p>
+            <a:r>
+              <a:rPr lang="de-DE" sz="2000" b="1" dirty="0"/>
+              <a:t> 	</a:t>
+            </a:r>
+            <a:endParaRPr lang="de-DE" sz="2000" dirty="0"/>
+          </a:p>
+        </p:txBody>
+      </p:sp>
+      <p:pic>
+        <p:nvPicPr>
+          <p:cNvPr id="4" name="Grafik 3"/>
+          <p:cNvPicPr>
+            <a:picLocks noChangeAspect="1"/>
+          </p:cNvPicPr>
+          <p:nvPr/>
+        </p:nvPicPr>
+        <p:blipFill>
+          <a:blip r:embed="rId2">
+            <a:extLst>
+              <a:ext uri="{28A0092B-C50C-407E-A947-70E740481C1C}">
+                <a14:useLocalDpi xmlns:a14="http://schemas.microsoft.com/office/drawing/2010/main" val="0"/>
+              </a:ext>
+            </a:extLst>
+          </a:blip>
+          <a:stretch>
+            <a:fillRect/>
+          </a:stretch>
+        </p:blipFill>
+        <p:spPr>
+          <a:xfrm>
+            <a:off x="763391" y="1672016"/>
+            <a:ext cx="6426931" cy="4247684"/>
+          </a:xfrm>
+          <a:prstGeom prst="rect">
+            <a:avLst/>
+          </a:prstGeom>
+        </p:spPr>
+      </p:pic>
+      <p:graphicFrame>
+        <p:nvGraphicFramePr>
+          <p:cNvPr id="11" name="Tabelle 10"/>
+          <p:cNvGraphicFramePr>
+            <a:graphicFrameLocks noGrp="1"/>
+          </p:cNvGraphicFramePr>
+          <p:nvPr>
+            <p:extLst>
+              <p:ext uri="{D42A27DB-BD31-4B8C-83A1-F6EECF244321}">
+                <p14:modId xmlns:p14="http://schemas.microsoft.com/office/powerpoint/2010/main" val="2852487607"/>
+              </p:ext>
+            </p:extLst>
+          </p:nvPr>
+        </p:nvGraphicFramePr>
+        <p:xfrm>
+          <a:off x="5284337" y="3439958"/>
+          <a:ext cx="6476566" cy="1854200"/>
+        </p:xfrm>
+        <a:graphic>
+          <a:graphicData uri="http://schemas.openxmlformats.org/drawingml/2006/table">
+            <a:tbl>
+              <a:tblPr firstRow="1" bandRow="1">
+                <a:tableStyleId>{5940675A-B579-460E-94D1-54222C63F5DA}</a:tableStyleId>
+              </a:tblPr>
+              <a:tblGrid>
+                <a:gridCol w="1089020"/>
+                <a:gridCol w="996778"/>
+                <a:gridCol w="2075935"/>
+                <a:gridCol w="2314833"/>
+              </a:tblGrid>
+              <a:tr h="370840">
+                <a:tc>
+                  <a:txBody>
+                    <a:bodyPr/>
+                    <a:lstStyle/>
+                    <a:p>
+                      <a:pPr algn="just">
+                        <a:lnSpc>
+                          <a:spcPct val="107000"/>
+                        </a:lnSpc>
+                        <a:spcAft>
+                          <a:spcPts val="0"/>
+                        </a:spcAft>
+                      </a:pPr>
+                      <a:r>
+                        <a:rPr lang="de-DE" sz="1100" b="1" dirty="0">
+                          <a:effectLst/>
+                          <a:latin typeface="Calibri" panose="020F0502020204030204" pitchFamily="34" charset="0"/>
+                          <a:ea typeface="Calibri" panose="020F0502020204030204" pitchFamily="34" charset="0"/>
+                          <a:cs typeface="Times New Roman" panose="02020603050405020304" pitchFamily="18" charset="0"/>
+                        </a:rPr>
+                        <a:t>Funktionsname</a:t>
+                      </a:r>
+                      <a:endParaRPr lang="de-DE" sz="1100" dirty="0">
+                        <a:effectLst/>
+                        <a:latin typeface="Calibri" panose="020F0502020204030204" pitchFamily="34" charset="0"/>
+                        <a:ea typeface="Calibri" panose="020F0502020204030204" pitchFamily="34" charset="0"/>
+                        <a:cs typeface="Times New Roman" panose="02020603050405020304" pitchFamily="18" charset="0"/>
+                      </a:endParaRPr>
+                    </a:p>
+                  </a:txBody>
+                  <a:tcPr marL="68580" marR="68580" marT="0" marB="0"/>
+                </a:tc>
+                <a:tc>
+                  <a:txBody>
+                    <a:bodyPr/>
+                    <a:lstStyle/>
+                    <a:p>
+                      <a:pPr algn="just">
+                        <a:lnSpc>
+                          <a:spcPct val="107000"/>
+                        </a:lnSpc>
+                        <a:spcAft>
+                          <a:spcPts val="0"/>
+                        </a:spcAft>
+                      </a:pPr>
+                      <a:r>
+                        <a:rPr lang="de-DE" sz="1100" b="1">
+                          <a:effectLst/>
+                          <a:latin typeface="Calibri" panose="020F0502020204030204" pitchFamily="34" charset="0"/>
+                          <a:ea typeface="Calibri" panose="020F0502020204030204" pitchFamily="34" charset="0"/>
+                          <a:cs typeface="Times New Roman" panose="02020603050405020304" pitchFamily="18" charset="0"/>
+                        </a:rPr>
+                        <a:t>Rückgabewert</a:t>
+                      </a:r>
+                      <a:endParaRPr lang="de-DE" sz="1100">
+                        <a:effectLst/>
+                        <a:latin typeface="Calibri" panose="020F0502020204030204" pitchFamily="34" charset="0"/>
+                        <a:ea typeface="Calibri" panose="020F0502020204030204" pitchFamily="34" charset="0"/>
+                        <a:cs typeface="Times New Roman" panose="02020603050405020304" pitchFamily="18" charset="0"/>
+                      </a:endParaRPr>
+                    </a:p>
+                  </a:txBody>
+                  <a:tcPr marL="68580" marR="68580" marT="0" marB="0"/>
+                </a:tc>
+                <a:tc>
+                  <a:txBody>
+                    <a:bodyPr/>
+                    <a:lstStyle/>
+                    <a:p>
+                      <a:pPr algn="just">
+                        <a:lnSpc>
+                          <a:spcPct val="107000"/>
+                        </a:lnSpc>
+                        <a:spcAft>
+                          <a:spcPts val="0"/>
+                        </a:spcAft>
+                      </a:pPr>
+                      <a:r>
+                        <a:rPr lang="de-DE" sz="1100" b="1" dirty="0">
+                          <a:effectLst/>
+                          <a:latin typeface="Calibri" panose="020F0502020204030204" pitchFamily="34" charset="0"/>
+                          <a:ea typeface="Calibri" panose="020F0502020204030204" pitchFamily="34" charset="0"/>
+                          <a:cs typeface="Times New Roman" panose="02020603050405020304" pitchFamily="18" charset="0"/>
+                        </a:rPr>
+                        <a:t>Parameter</a:t>
+                      </a:r>
+                      <a:endParaRPr lang="de-DE" sz="1100" dirty="0">
+                        <a:effectLst/>
+                        <a:latin typeface="Calibri" panose="020F0502020204030204" pitchFamily="34" charset="0"/>
+                        <a:ea typeface="Calibri" panose="020F0502020204030204" pitchFamily="34" charset="0"/>
+                        <a:cs typeface="Times New Roman" panose="02020603050405020304" pitchFamily="18" charset="0"/>
+                      </a:endParaRPr>
+                    </a:p>
+                  </a:txBody>
+                  <a:tcPr marL="68580" marR="68580" marT="0" marB="0"/>
+                </a:tc>
+                <a:tc>
+                  <a:txBody>
+                    <a:bodyPr/>
+                    <a:lstStyle/>
+                    <a:p>
+                      <a:pPr algn="just">
+                        <a:lnSpc>
+                          <a:spcPct val="107000"/>
+                        </a:lnSpc>
+                        <a:spcAft>
+                          <a:spcPts val="0"/>
+                        </a:spcAft>
+                      </a:pPr>
+                      <a:r>
+                        <a:rPr lang="de-DE" sz="1100" b="1">
+                          <a:effectLst/>
+                          <a:latin typeface="Calibri" panose="020F0502020204030204" pitchFamily="34" charset="0"/>
+                          <a:ea typeface="Calibri" panose="020F0502020204030204" pitchFamily="34" charset="0"/>
+                          <a:cs typeface="Times New Roman" panose="02020603050405020304" pitchFamily="18" charset="0"/>
+                        </a:rPr>
+                        <a:t>Nutzen</a:t>
+                      </a:r>
+                      <a:endParaRPr lang="de-DE" sz="1100">
+                        <a:effectLst/>
+                        <a:latin typeface="Calibri" panose="020F0502020204030204" pitchFamily="34" charset="0"/>
+                        <a:ea typeface="Calibri" panose="020F0502020204030204" pitchFamily="34" charset="0"/>
+                        <a:cs typeface="Times New Roman" panose="02020603050405020304" pitchFamily="18" charset="0"/>
+                      </a:endParaRPr>
+                    </a:p>
+                  </a:txBody>
+                  <a:tcPr marL="68580" marR="68580" marT="0" marB="0"/>
+                </a:tc>
+              </a:tr>
+              <a:tr h="370840">
+                <a:tc>
+                  <a:txBody>
+                    <a:bodyPr/>
+                    <a:lstStyle/>
+                    <a:p>
+                      <a:pPr algn="just">
+                        <a:lnSpc>
+                          <a:spcPct val="107000"/>
+                        </a:lnSpc>
+                        <a:spcAft>
+                          <a:spcPts val="0"/>
+                        </a:spcAft>
+                      </a:pPr>
+                      <a:r>
+                        <a:rPr lang="de-DE" sz="1100" b="1">
+                          <a:effectLst/>
+                          <a:latin typeface="Calibri" panose="020F0502020204030204" pitchFamily="34" charset="0"/>
+                          <a:ea typeface="Calibri" panose="020F0502020204030204" pitchFamily="34" charset="0"/>
+                          <a:cs typeface="Times New Roman" panose="02020603050405020304" pitchFamily="18" charset="0"/>
+                        </a:rPr>
+                        <a:t>QueueInitialize</a:t>
+                      </a:r>
+                      <a:endParaRPr lang="de-DE" sz="1100">
+                        <a:effectLst/>
+                        <a:latin typeface="Calibri" panose="020F0502020204030204" pitchFamily="34" charset="0"/>
+                        <a:ea typeface="Calibri" panose="020F0502020204030204" pitchFamily="34" charset="0"/>
+                        <a:cs typeface="Times New Roman" panose="02020603050405020304" pitchFamily="18" charset="0"/>
+                      </a:endParaRPr>
+                    </a:p>
+                  </a:txBody>
+                  <a:tcPr marL="68580" marR="68580" marT="0" marB="0"/>
+                </a:tc>
+                <a:tc>
+                  <a:txBody>
+                    <a:bodyPr/>
+                    <a:lstStyle/>
+                    <a:p>
+                      <a:pPr algn="just">
+                        <a:lnSpc>
+                          <a:spcPct val="107000"/>
+                        </a:lnSpc>
+                        <a:spcAft>
+                          <a:spcPts val="0"/>
+                        </a:spcAft>
+                      </a:pPr>
+                      <a:r>
+                        <a:rPr lang="de-DE" sz="1100">
+                          <a:effectLst/>
+                          <a:latin typeface="Calibri" panose="020F0502020204030204" pitchFamily="34" charset="0"/>
+                          <a:ea typeface="Calibri" panose="020F0502020204030204" pitchFamily="34" charset="0"/>
+                          <a:cs typeface="Times New Roman" panose="02020603050405020304" pitchFamily="18" charset="0"/>
+                        </a:rPr>
+                        <a:t>void</a:t>
+                      </a:r>
+                    </a:p>
+                  </a:txBody>
+                  <a:tcPr marL="68580" marR="68580" marT="0" marB="0"/>
+                </a:tc>
+                <a:tc>
+                  <a:txBody>
+                    <a:bodyPr/>
+                    <a:lstStyle/>
+                    <a:p>
+                      <a:pPr algn="just">
+                        <a:lnSpc>
+                          <a:spcPct val="107000"/>
+                        </a:lnSpc>
+                        <a:spcAft>
+                          <a:spcPts val="0"/>
+                        </a:spcAft>
+                      </a:pPr>
+                      <a:r>
+                        <a:rPr lang="en-US" sz="1100" dirty="0">
+                          <a:effectLst/>
+                          <a:latin typeface="Calibri" panose="020F0502020204030204" pitchFamily="34" charset="0"/>
+                          <a:ea typeface="Calibri" panose="020F0502020204030204" pitchFamily="34" charset="0"/>
+                          <a:cs typeface="Times New Roman" panose="02020603050405020304" pitchFamily="18" charset="0"/>
+                        </a:rPr>
+                        <a:t>Queue* queue</a:t>
+                      </a:r>
+                      <a:endParaRPr lang="de-DE" sz="1100" dirty="0">
+                        <a:effectLst/>
+                        <a:latin typeface="Calibri" panose="020F0502020204030204" pitchFamily="34" charset="0"/>
+                        <a:ea typeface="Calibri" panose="020F0502020204030204" pitchFamily="34" charset="0"/>
+                        <a:cs typeface="Times New Roman" panose="02020603050405020304" pitchFamily="18" charset="0"/>
+                      </a:endParaRPr>
+                    </a:p>
+                    <a:p>
+                      <a:pPr algn="just">
+                        <a:lnSpc>
+                          <a:spcPct val="107000"/>
+                        </a:lnSpc>
+                        <a:spcAft>
+                          <a:spcPts val="0"/>
+                        </a:spcAft>
+                      </a:pPr>
+                      <a:r>
+                        <a:rPr lang="en-US" sz="1100" dirty="0">
+                          <a:effectLst/>
+                          <a:latin typeface="Calibri" panose="020F0502020204030204" pitchFamily="34" charset="0"/>
+                          <a:ea typeface="Calibri" panose="020F0502020204030204" pitchFamily="34" charset="0"/>
+                          <a:cs typeface="Times New Roman" panose="02020603050405020304" pitchFamily="18" charset="0"/>
+                        </a:rPr>
+                        <a:t>unsigned </a:t>
+                      </a:r>
+                      <a:r>
+                        <a:rPr lang="en-US" sz="1100" dirty="0" err="1">
+                          <a:effectLst/>
+                          <a:latin typeface="Calibri" panose="020F0502020204030204" pitchFamily="34" charset="0"/>
+                          <a:ea typeface="Calibri" panose="020F0502020204030204" pitchFamily="34" charset="0"/>
+                          <a:cs typeface="Times New Roman" panose="02020603050405020304" pitchFamily="18" charset="0"/>
+                        </a:rPr>
+                        <a:t>int</a:t>
+                      </a:r>
+                      <a:r>
+                        <a:rPr lang="en-US" sz="1100" dirty="0">
+                          <a:effectLst/>
+                          <a:latin typeface="Calibri" panose="020F0502020204030204" pitchFamily="34" charset="0"/>
+                          <a:ea typeface="Calibri" panose="020F0502020204030204" pitchFamily="34" charset="0"/>
+                          <a:cs typeface="Times New Roman" panose="02020603050405020304" pitchFamily="18" charset="0"/>
+                        </a:rPr>
+                        <a:t> </a:t>
+                      </a:r>
+                      <a:r>
+                        <a:rPr lang="en-US" sz="1100" dirty="0" err="1">
+                          <a:effectLst/>
+                          <a:latin typeface="Calibri" panose="020F0502020204030204" pitchFamily="34" charset="0"/>
+                          <a:ea typeface="Calibri" panose="020F0502020204030204" pitchFamily="34" charset="0"/>
+                          <a:cs typeface="Times New Roman" panose="02020603050405020304" pitchFamily="18" charset="0"/>
+                        </a:rPr>
+                        <a:t>sizeOfSingleElement</a:t>
+                      </a:r>
+                      <a:endParaRPr lang="de-DE" sz="1100" dirty="0">
+                        <a:effectLst/>
+                        <a:latin typeface="Calibri" panose="020F0502020204030204" pitchFamily="34" charset="0"/>
+                        <a:ea typeface="Calibri" panose="020F0502020204030204" pitchFamily="34" charset="0"/>
+                        <a:cs typeface="Times New Roman" panose="02020603050405020304" pitchFamily="18" charset="0"/>
+                      </a:endParaRPr>
+                    </a:p>
+                  </a:txBody>
+                  <a:tcPr marL="68580" marR="68580" marT="0" marB="0"/>
+                </a:tc>
+                <a:tc>
+                  <a:txBody>
+                    <a:bodyPr/>
+                    <a:lstStyle/>
+                    <a:p>
+                      <a:pPr algn="just">
+                        <a:lnSpc>
+                          <a:spcPct val="107000"/>
+                        </a:lnSpc>
+                        <a:spcAft>
+                          <a:spcPts val="0"/>
+                        </a:spcAft>
+                      </a:pPr>
+                      <a:r>
+                        <a:rPr lang="en-US" sz="1100">
+                          <a:effectLst/>
+                          <a:latin typeface="Calibri" panose="020F0502020204030204" pitchFamily="34" charset="0"/>
+                          <a:ea typeface="Calibri" panose="020F0502020204030204" pitchFamily="34" charset="0"/>
+                          <a:cs typeface="Times New Roman" panose="02020603050405020304" pitchFamily="18" charset="0"/>
+                        </a:rPr>
+                        <a:t>Inizialisierung des Containers</a:t>
+                      </a:r>
+                      <a:endParaRPr lang="de-DE" sz="1100">
+                        <a:effectLst/>
+                        <a:latin typeface="Calibri" panose="020F0502020204030204" pitchFamily="34" charset="0"/>
+                        <a:ea typeface="Calibri" panose="020F0502020204030204" pitchFamily="34" charset="0"/>
+                        <a:cs typeface="Times New Roman" panose="02020603050405020304" pitchFamily="18" charset="0"/>
+                      </a:endParaRPr>
+                    </a:p>
+                  </a:txBody>
+                  <a:tcPr marL="68580" marR="68580" marT="0" marB="0"/>
+                </a:tc>
+              </a:tr>
+              <a:tr h="370840">
+                <a:tc>
+                  <a:txBody>
+                    <a:bodyPr/>
+                    <a:lstStyle/>
+                    <a:p>
+                      <a:pPr algn="just">
+                        <a:lnSpc>
+                          <a:spcPct val="107000"/>
+                        </a:lnSpc>
+                        <a:spcAft>
+                          <a:spcPts val="0"/>
+                        </a:spcAft>
+                      </a:pPr>
+                      <a:r>
+                        <a:rPr lang="de-DE" sz="1100" b="1">
+                          <a:effectLst/>
+                          <a:latin typeface="Calibri" panose="020F0502020204030204" pitchFamily="34" charset="0"/>
+                          <a:ea typeface="Calibri" panose="020F0502020204030204" pitchFamily="34" charset="0"/>
+                          <a:cs typeface="Times New Roman" panose="02020603050405020304" pitchFamily="18" charset="0"/>
+                        </a:rPr>
+                        <a:t>QueueClear</a:t>
+                      </a:r>
+                      <a:endParaRPr lang="de-DE" sz="1100">
+                        <a:effectLst/>
+                        <a:latin typeface="Calibri" panose="020F0502020204030204" pitchFamily="34" charset="0"/>
+                        <a:ea typeface="Calibri" panose="020F0502020204030204" pitchFamily="34" charset="0"/>
+                        <a:cs typeface="Times New Roman" panose="02020603050405020304" pitchFamily="18" charset="0"/>
+                      </a:endParaRPr>
+                    </a:p>
+                  </a:txBody>
+                  <a:tcPr marL="68580" marR="68580" marT="0" marB="0"/>
+                </a:tc>
+                <a:tc>
+                  <a:txBody>
+                    <a:bodyPr/>
+                    <a:lstStyle/>
+                    <a:p>
+                      <a:pPr algn="just">
+                        <a:lnSpc>
+                          <a:spcPct val="107000"/>
+                        </a:lnSpc>
+                        <a:spcAft>
+                          <a:spcPts val="0"/>
+                        </a:spcAft>
+                      </a:pPr>
+                      <a:r>
+                        <a:rPr lang="de-DE" sz="1100">
+                          <a:effectLst/>
+                          <a:latin typeface="Calibri" panose="020F0502020204030204" pitchFamily="34" charset="0"/>
+                          <a:ea typeface="Calibri" panose="020F0502020204030204" pitchFamily="34" charset="0"/>
+                          <a:cs typeface="Times New Roman" panose="02020603050405020304" pitchFamily="18" charset="0"/>
+                        </a:rPr>
+                        <a:t>void</a:t>
+                      </a:r>
+                    </a:p>
+                  </a:txBody>
+                  <a:tcPr marL="68580" marR="68580" marT="0" marB="0"/>
+                </a:tc>
+                <a:tc>
+                  <a:txBody>
+                    <a:bodyPr/>
+                    <a:lstStyle/>
+                    <a:p>
+                      <a:pPr algn="just">
+                        <a:lnSpc>
+                          <a:spcPct val="107000"/>
+                        </a:lnSpc>
+                        <a:spcAft>
+                          <a:spcPts val="0"/>
+                        </a:spcAft>
+                      </a:pPr>
+                      <a:r>
+                        <a:rPr lang="de-DE" sz="1100">
+                          <a:effectLst/>
+                          <a:latin typeface="Calibri" panose="020F0502020204030204" pitchFamily="34" charset="0"/>
+                          <a:ea typeface="Calibri" panose="020F0502020204030204" pitchFamily="34" charset="0"/>
+                          <a:cs typeface="Times New Roman" panose="02020603050405020304" pitchFamily="18" charset="0"/>
+                        </a:rPr>
+                        <a:t>Queue* queue</a:t>
+                      </a:r>
+                    </a:p>
+                  </a:txBody>
+                  <a:tcPr marL="68580" marR="68580" marT="0" marB="0"/>
+                </a:tc>
+                <a:tc>
+                  <a:txBody>
+                    <a:bodyPr/>
+                    <a:lstStyle/>
+                    <a:p>
+                      <a:pPr algn="just">
+                        <a:lnSpc>
+                          <a:spcPct val="107000"/>
+                        </a:lnSpc>
+                        <a:spcAft>
+                          <a:spcPts val="0"/>
+                        </a:spcAft>
+                      </a:pPr>
+                      <a:r>
+                        <a:rPr lang="de-DE" sz="1100">
+                          <a:effectLst/>
+                          <a:latin typeface="Calibri" panose="020F0502020204030204" pitchFamily="34" charset="0"/>
+                          <a:ea typeface="Calibri" panose="020F0502020204030204" pitchFamily="34" charset="0"/>
+                          <a:cs typeface="Times New Roman" panose="02020603050405020304" pitchFamily="18" charset="0"/>
+                        </a:rPr>
+                        <a:t>Löschen aller Daten des Containers</a:t>
+                      </a:r>
+                    </a:p>
+                  </a:txBody>
+                  <a:tcPr marL="68580" marR="68580" marT="0" marB="0"/>
+                </a:tc>
+              </a:tr>
+              <a:tr h="370840">
+                <a:tc>
+                  <a:txBody>
+                    <a:bodyPr/>
+                    <a:lstStyle/>
+                    <a:p>
+                      <a:pPr algn="just">
+                        <a:lnSpc>
+                          <a:spcPct val="107000"/>
+                        </a:lnSpc>
+                        <a:spcAft>
+                          <a:spcPts val="0"/>
+                        </a:spcAft>
+                      </a:pPr>
+                      <a:r>
+                        <a:rPr lang="de-DE" sz="1100" b="1">
+                          <a:effectLst/>
+                          <a:latin typeface="Calibri" panose="020F0502020204030204" pitchFamily="34" charset="0"/>
+                          <a:ea typeface="Calibri" panose="020F0502020204030204" pitchFamily="34" charset="0"/>
+                          <a:cs typeface="Times New Roman" panose="02020603050405020304" pitchFamily="18" charset="0"/>
+                        </a:rPr>
+                        <a:t>QueuePush</a:t>
+                      </a:r>
+                      <a:endParaRPr lang="de-DE" sz="1100">
+                        <a:effectLst/>
+                        <a:latin typeface="Calibri" panose="020F0502020204030204" pitchFamily="34" charset="0"/>
+                        <a:ea typeface="Calibri" panose="020F0502020204030204" pitchFamily="34" charset="0"/>
+                        <a:cs typeface="Times New Roman" panose="02020603050405020304" pitchFamily="18" charset="0"/>
+                      </a:endParaRPr>
+                    </a:p>
+                  </a:txBody>
+                  <a:tcPr marL="68580" marR="68580" marT="0" marB="0"/>
+                </a:tc>
+                <a:tc>
+                  <a:txBody>
+                    <a:bodyPr/>
+                    <a:lstStyle/>
+                    <a:p>
+                      <a:pPr algn="just">
+                        <a:lnSpc>
+                          <a:spcPct val="107000"/>
+                        </a:lnSpc>
+                        <a:spcAft>
+                          <a:spcPts val="0"/>
+                        </a:spcAft>
+                      </a:pPr>
+                      <a:r>
+                        <a:rPr lang="de-DE" sz="1100">
+                          <a:effectLst/>
+                          <a:latin typeface="Calibri" panose="020F0502020204030204" pitchFamily="34" charset="0"/>
+                          <a:ea typeface="Calibri" panose="020F0502020204030204" pitchFamily="34" charset="0"/>
+                          <a:cs typeface="Times New Roman" panose="02020603050405020304" pitchFamily="18" charset="0"/>
+                        </a:rPr>
+                        <a:t>CollectionError</a:t>
+                      </a:r>
+                    </a:p>
+                  </a:txBody>
+                  <a:tcPr marL="68580" marR="68580" marT="0" marB="0"/>
+                </a:tc>
+                <a:tc>
+                  <a:txBody>
+                    <a:bodyPr/>
+                    <a:lstStyle/>
+                    <a:p>
+                      <a:pPr algn="just">
+                        <a:lnSpc>
+                          <a:spcPct val="107000"/>
+                        </a:lnSpc>
+                        <a:spcAft>
+                          <a:spcPts val="0"/>
+                        </a:spcAft>
+                      </a:pPr>
+                      <a:r>
+                        <a:rPr lang="de-DE" sz="1100">
+                          <a:effectLst/>
+                          <a:latin typeface="Calibri" panose="020F0502020204030204" pitchFamily="34" charset="0"/>
+                          <a:ea typeface="Calibri" panose="020F0502020204030204" pitchFamily="34" charset="0"/>
+                          <a:cs typeface="Times New Roman" panose="02020603050405020304" pitchFamily="18" charset="0"/>
+                        </a:rPr>
+                        <a:t>Queue* queue</a:t>
+                      </a:r>
+                    </a:p>
+                    <a:p>
+                      <a:pPr algn="just">
+                        <a:lnSpc>
+                          <a:spcPct val="107000"/>
+                        </a:lnSpc>
+                        <a:spcAft>
+                          <a:spcPts val="0"/>
+                        </a:spcAft>
+                      </a:pPr>
+                      <a:r>
+                        <a:rPr lang="de-DE" sz="1100">
+                          <a:effectLst/>
+                          <a:latin typeface="Calibri" panose="020F0502020204030204" pitchFamily="34" charset="0"/>
+                          <a:ea typeface="Calibri" panose="020F0502020204030204" pitchFamily="34" charset="0"/>
+                          <a:cs typeface="Times New Roman" panose="02020603050405020304" pitchFamily="18" charset="0"/>
+                        </a:rPr>
+                        <a:t>void* element</a:t>
+                      </a:r>
+                    </a:p>
+                  </a:txBody>
+                  <a:tcPr marL="68580" marR="68580" marT="0" marB="0"/>
+                </a:tc>
+                <a:tc>
+                  <a:txBody>
+                    <a:bodyPr/>
+                    <a:lstStyle/>
+                    <a:p>
+                      <a:pPr algn="just">
+                        <a:lnSpc>
+                          <a:spcPct val="107000"/>
+                        </a:lnSpc>
+                        <a:spcAft>
+                          <a:spcPts val="0"/>
+                        </a:spcAft>
+                      </a:pPr>
+                      <a:r>
+                        <a:rPr lang="de-DE" sz="1100">
+                          <a:effectLst/>
+                          <a:latin typeface="Calibri" panose="020F0502020204030204" pitchFamily="34" charset="0"/>
+                          <a:ea typeface="Calibri" panose="020F0502020204030204" pitchFamily="34" charset="0"/>
+                          <a:cs typeface="Times New Roman" panose="02020603050405020304" pitchFamily="18" charset="0"/>
+                        </a:rPr>
+                        <a:t>Fügt Wert zum Container hinzu</a:t>
+                      </a:r>
+                    </a:p>
+                  </a:txBody>
+                  <a:tcPr marL="68580" marR="68580" marT="0" marB="0"/>
+                </a:tc>
+              </a:tr>
+              <a:tr h="370840">
+                <a:tc>
+                  <a:txBody>
+                    <a:bodyPr/>
+                    <a:lstStyle/>
+                    <a:p>
+                      <a:pPr algn="just">
+                        <a:lnSpc>
+                          <a:spcPct val="107000"/>
+                        </a:lnSpc>
+                        <a:spcAft>
+                          <a:spcPts val="0"/>
+                        </a:spcAft>
+                      </a:pPr>
+                      <a:r>
+                        <a:rPr lang="de-DE" sz="1100" b="1">
+                          <a:effectLst/>
+                          <a:latin typeface="Calibri" panose="020F0502020204030204" pitchFamily="34" charset="0"/>
+                          <a:ea typeface="Calibri" panose="020F0502020204030204" pitchFamily="34" charset="0"/>
+                          <a:cs typeface="Times New Roman" panose="02020603050405020304" pitchFamily="18" charset="0"/>
+                        </a:rPr>
+                        <a:t>QueuePull</a:t>
+                      </a:r>
+                      <a:endParaRPr lang="de-DE" sz="1100">
+                        <a:effectLst/>
+                        <a:latin typeface="Calibri" panose="020F0502020204030204" pitchFamily="34" charset="0"/>
+                        <a:ea typeface="Calibri" panose="020F0502020204030204" pitchFamily="34" charset="0"/>
+                        <a:cs typeface="Times New Roman" panose="02020603050405020304" pitchFamily="18" charset="0"/>
+                      </a:endParaRPr>
+                    </a:p>
+                  </a:txBody>
+                  <a:tcPr marL="68580" marR="68580" marT="0" marB="0"/>
+                </a:tc>
+                <a:tc>
+                  <a:txBody>
+                    <a:bodyPr/>
+                    <a:lstStyle/>
+                    <a:p>
+                      <a:pPr algn="just">
+                        <a:lnSpc>
+                          <a:spcPct val="107000"/>
+                        </a:lnSpc>
+                        <a:spcAft>
+                          <a:spcPts val="0"/>
+                        </a:spcAft>
+                      </a:pPr>
+                      <a:r>
+                        <a:rPr lang="de-DE" sz="1100">
+                          <a:effectLst/>
+                          <a:latin typeface="Calibri" panose="020F0502020204030204" pitchFamily="34" charset="0"/>
+                          <a:ea typeface="Calibri" panose="020F0502020204030204" pitchFamily="34" charset="0"/>
+                          <a:cs typeface="Times New Roman" panose="02020603050405020304" pitchFamily="18" charset="0"/>
+                        </a:rPr>
+                        <a:t>CollectionError</a:t>
+                      </a:r>
+                    </a:p>
+                  </a:txBody>
+                  <a:tcPr marL="68580" marR="68580" marT="0" marB="0"/>
+                </a:tc>
+                <a:tc>
+                  <a:txBody>
+                    <a:bodyPr/>
+                    <a:lstStyle/>
+                    <a:p>
+                      <a:pPr algn="just">
+                        <a:lnSpc>
+                          <a:spcPct val="107000"/>
+                        </a:lnSpc>
+                        <a:spcAft>
+                          <a:spcPts val="0"/>
+                        </a:spcAft>
+                      </a:pPr>
+                      <a:r>
+                        <a:rPr lang="de-DE" sz="1100">
+                          <a:effectLst/>
+                          <a:latin typeface="Calibri" panose="020F0502020204030204" pitchFamily="34" charset="0"/>
+                          <a:ea typeface="Calibri" panose="020F0502020204030204" pitchFamily="34" charset="0"/>
+                          <a:cs typeface="Times New Roman" panose="02020603050405020304" pitchFamily="18" charset="0"/>
+                        </a:rPr>
+                        <a:t>Queue* queue</a:t>
+                      </a:r>
+                    </a:p>
+                    <a:p>
+                      <a:pPr algn="just">
+                        <a:lnSpc>
+                          <a:spcPct val="107000"/>
+                        </a:lnSpc>
+                        <a:spcAft>
+                          <a:spcPts val="0"/>
+                        </a:spcAft>
+                      </a:pPr>
+                      <a:r>
+                        <a:rPr lang="de-DE" sz="1100">
+                          <a:effectLst/>
+                          <a:latin typeface="Calibri" panose="020F0502020204030204" pitchFamily="34" charset="0"/>
+                          <a:ea typeface="Calibri" panose="020F0502020204030204" pitchFamily="34" charset="0"/>
+                          <a:cs typeface="Times New Roman" panose="02020603050405020304" pitchFamily="18" charset="0"/>
+                        </a:rPr>
+                        <a:t>void* element</a:t>
+                      </a:r>
+                    </a:p>
+                  </a:txBody>
+                  <a:tcPr marL="68580" marR="68580" marT="0" marB="0"/>
+                </a:tc>
+                <a:tc>
+                  <a:txBody>
+                    <a:bodyPr/>
+                    <a:lstStyle/>
+                    <a:p>
+                      <a:pPr algn="just">
+                        <a:lnSpc>
+                          <a:spcPct val="107000"/>
+                        </a:lnSpc>
+                        <a:spcAft>
+                          <a:spcPts val="0"/>
+                        </a:spcAft>
+                      </a:pPr>
+                      <a:r>
+                        <a:rPr lang="de-DE" sz="1100" dirty="0">
+                          <a:effectLst/>
+                          <a:latin typeface="Calibri" panose="020F0502020204030204" pitchFamily="34" charset="0"/>
+                          <a:ea typeface="Calibri" panose="020F0502020204030204" pitchFamily="34" charset="0"/>
+                          <a:cs typeface="Times New Roman" panose="02020603050405020304" pitchFamily="18" charset="0"/>
+                        </a:rPr>
+                        <a:t>Nimmt einen Wert aus dem Container</a:t>
+                      </a:r>
+                    </a:p>
+                  </a:txBody>
+                  <a:tcPr marL="68580" marR="68580" marT="0" marB="0"/>
+                </a:tc>
+              </a:tr>
+            </a:tbl>
+          </a:graphicData>
+        </a:graphic>
+      </p:graphicFrame>
+    </p:spTree>
+    <p:extLst>
+      <p:ext uri="{BB962C8B-B14F-4D97-AF65-F5344CB8AC3E}">
+        <p14:creationId xmlns:p14="http://schemas.microsoft.com/office/powerpoint/2010/main" val="2188536814"/>
+      </p:ext>
+    </p:extLst>
+  </p:cSld>
+  <p:clrMapOvr>
+    <a:masterClrMapping/>
+  </p:clrMapOvr>
+</p:sld>
+</file>
+
+<file path=ppt/slides/slide17.xml><?xml version="1.0" encoding="utf-8"?>
+<p:sld xmlns:a="http://schemas.openxmlformats.org/drawingml/2006/main" xmlns:r="http://schemas.openxmlformats.org/officeDocument/2006/relationships" xmlns:p="http://schemas.openxmlformats.org/presentationml/2006/main">
+  <p:cSld>
+    <p:spTree>
+      <p:nvGrpSpPr>
+        <p:cNvPr id="1" name=""/>
+        <p:cNvGrpSpPr/>
+        <p:nvPr/>
+      </p:nvGrpSpPr>
+      <p:grpSpPr>
+        <a:xfrm>
+          <a:off x="0" y="0"/>
+          <a:ext cx="0" cy="0"/>
+          <a:chOff x="0" y="0"/>
+          <a:chExt cx="0" cy="0"/>
+        </a:xfrm>
+      </p:grpSpPr>
+      <p:sp>
+        <p:nvSpPr>
+          <p:cNvPr id="10" name="Foliennummernplatzhalter 9">
+            <a:extLst>
+              <a:ext uri="{FF2B5EF4-FFF2-40B4-BE49-F238E27FC236}">
+                <a16:creationId xmlns:a16="http://schemas.microsoft.com/office/drawing/2014/main" xmlns="" id="{D931436D-0B25-4BC2-AB85-D177B4C7ED90}"/>
+              </a:ext>
+            </a:extLst>
+          </p:cNvPr>
+          <p:cNvSpPr>
+            <a:spLocks noGrp="1"/>
+          </p:cNvSpPr>
+          <p:nvPr>
+            <p:ph type="sldNum" sz="quarter" idx="12"/>
+          </p:nvPr>
+        </p:nvSpPr>
+        <p:spPr>
+          <a:xfrm>
+            <a:off x="9273076" y="6421667"/>
+            <a:ext cx="2743200" cy="365125"/>
+          </a:xfrm>
+        </p:spPr>
+        <p:txBody>
+          <a:bodyPr/>
+          <a:lstStyle/>
+          <a:p>
+            <a:r>
+              <a:rPr lang="de-DE" sz="1000" b="1" dirty="0">
+                <a:solidFill>
+                  <a:schemeClr val="tx1"/>
+                </a:solidFill>
+              </a:rPr>
+              <a:t>Seite </a:t>
+            </a:r>
+            <a:fld id="{2ACCF16B-2666-47AE-ACDC-C377DF350193}" type="slidenum">
+              <a:rPr lang="de-DE" sz="1000" b="1" smtClean="0">
+                <a:solidFill>
+                  <a:schemeClr val="tx1"/>
+                </a:solidFill>
+              </a:rPr>
+              <a:t>17</a:t>
+            </a:fld>
+            <a:endParaRPr lang="de-DE" sz="1000" b="1" dirty="0">
+              <a:solidFill>
+                <a:schemeClr val="tx1"/>
+              </a:solidFill>
+            </a:endParaRPr>
+          </a:p>
+        </p:txBody>
+      </p:sp>
+      <p:cxnSp>
+        <p:nvCxnSpPr>
+          <p:cNvPr id="12" name="Gerader Verbinder 11">
+            <a:extLst>
+              <a:ext uri="{FF2B5EF4-FFF2-40B4-BE49-F238E27FC236}">
+                <a16:creationId xmlns:a16="http://schemas.microsoft.com/office/drawing/2014/main" xmlns="" id="{4A855513-E5C1-4F05-A8FD-33AC62C22A5E}"/>
+              </a:ext>
+            </a:extLst>
+          </p:cNvPr>
+          <p:cNvCxnSpPr/>
+          <p:nvPr/>
+        </p:nvCxnSpPr>
+        <p:spPr>
+          <a:xfrm>
+            <a:off x="0" y="737118"/>
+            <a:ext cx="12192000" cy="0"/>
+          </a:xfrm>
+          <a:prstGeom prst="line">
+            <a:avLst/>
+          </a:prstGeom>
+          <a:ln w="15875">
+            <a:solidFill>
+              <a:srgbClr val="3333CC"/>
+            </a:solidFill>
+          </a:ln>
+        </p:spPr>
+        <p:style>
+          <a:lnRef idx="1">
+            <a:schemeClr val="accent1"/>
+          </a:lnRef>
+          <a:fillRef idx="0">
+            <a:schemeClr val="accent1"/>
+          </a:fillRef>
+          <a:effectRef idx="0">
+            <a:schemeClr val="accent1"/>
+          </a:effectRef>
+          <a:fontRef idx="minor">
+            <a:schemeClr val="tx1"/>
+          </a:fontRef>
+        </p:style>
+      </p:cxnSp>
+      <p:cxnSp>
+        <p:nvCxnSpPr>
+          <p:cNvPr id="13" name="Gerader Verbinder 12">
+            <a:extLst>
+              <a:ext uri="{FF2B5EF4-FFF2-40B4-BE49-F238E27FC236}">
+                <a16:creationId xmlns:a16="http://schemas.microsoft.com/office/drawing/2014/main" xmlns="" id="{F2778992-5E28-437C-AEA9-F9BBD6E6F5BB}"/>
+              </a:ext>
+            </a:extLst>
+          </p:cNvPr>
+          <p:cNvCxnSpPr/>
+          <p:nvPr/>
+        </p:nvCxnSpPr>
+        <p:spPr>
+          <a:xfrm>
+            <a:off x="0" y="6356350"/>
+            <a:ext cx="12192000" cy="0"/>
+          </a:xfrm>
+          <a:prstGeom prst="line">
+            <a:avLst/>
+          </a:prstGeom>
+          <a:ln w="15875">
+            <a:solidFill>
+              <a:srgbClr val="3333CC"/>
+            </a:solidFill>
+          </a:ln>
+        </p:spPr>
+        <p:style>
+          <a:lnRef idx="1">
+            <a:schemeClr val="accent1"/>
+          </a:lnRef>
+          <a:fillRef idx="0">
+            <a:schemeClr val="accent1"/>
+          </a:fillRef>
+          <a:effectRef idx="0">
+            <a:schemeClr val="accent1"/>
+          </a:effectRef>
+          <a:fontRef idx="minor">
+            <a:schemeClr val="tx1"/>
+          </a:fontRef>
+        </p:style>
+      </p:cxnSp>
+      <p:sp>
+        <p:nvSpPr>
+          <p:cNvPr id="14" name="Textfeld 13">
+            <a:extLst>
+              <a:ext uri="{FF2B5EF4-FFF2-40B4-BE49-F238E27FC236}">
+                <a16:creationId xmlns:a16="http://schemas.microsoft.com/office/drawing/2014/main" xmlns="" id="{6CF8FF9D-8A98-4CFA-94C2-E2074112639C}"/>
+              </a:ext>
+            </a:extLst>
+          </p:cNvPr>
+          <p:cNvSpPr txBox="1"/>
+          <p:nvPr/>
+        </p:nvSpPr>
+        <p:spPr>
+          <a:xfrm>
+            <a:off x="2653004" y="215779"/>
+            <a:ext cx="6885992" cy="369332"/>
+          </a:xfrm>
+          <a:prstGeom prst="rect">
+            <a:avLst/>
+          </a:prstGeom>
+          <a:noFill/>
+        </p:spPr>
+        <p:txBody>
+          <a:bodyPr wrap="square" rtlCol="0">
+            <a:spAutoFit/>
+          </a:bodyPr>
+          <a:lstStyle/>
+          <a:p>
+            <a:pPr algn="ctr"/>
+            <a:r>
+              <a:rPr lang="de-DE" b="1" dirty="0"/>
+              <a:t>Dynamische Container in C</a:t>
+            </a:r>
+          </a:p>
+        </p:txBody>
+      </p:sp>
+      <p:pic>
+        <p:nvPicPr>
+          <p:cNvPr id="2" name="Grafik 1"/>
+          <p:cNvPicPr>
+            <a:picLocks noChangeAspect="1"/>
+          </p:cNvPicPr>
+          <p:nvPr/>
+        </p:nvPicPr>
+        <p:blipFill>
+          <a:blip r:embed="rId2">
+            <a:extLst>
+              <a:ext uri="{28A0092B-C50C-407E-A947-70E740481C1C}">
+                <a14:useLocalDpi xmlns:a14="http://schemas.microsoft.com/office/drawing/2010/main" val="0"/>
+              </a:ext>
+            </a:extLst>
+          </a:blip>
+          <a:stretch>
+            <a:fillRect/>
+          </a:stretch>
+        </p:blipFill>
+        <p:spPr>
+          <a:xfrm>
+            <a:off x="7285377" y="2093306"/>
+            <a:ext cx="3975397" cy="3242458"/>
+          </a:xfrm>
+          <a:prstGeom prst="rect">
+            <a:avLst/>
+          </a:prstGeom>
+        </p:spPr>
+      </p:pic>
+      <p:pic>
+        <p:nvPicPr>
+          <p:cNvPr id="3" name="Grafik 2"/>
+          <p:cNvPicPr>
+            <a:picLocks noChangeAspect="1"/>
+          </p:cNvPicPr>
+          <p:nvPr/>
+        </p:nvPicPr>
+        <p:blipFill>
+          <a:blip r:embed="rId3">
+            <a:extLst>
+              <a:ext uri="{28A0092B-C50C-407E-A947-70E740481C1C}">
+                <a14:useLocalDpi xmlns:a14="http://schemas.microsoft.com/office/drawing/2010/main" val="0"/>
+              </a:ext>
+            </a:extLst>
+          </a:blip>
+          <a:stretch>
+            <a:fillRect/>
+          </a:stretch>
+        </p:blipFill>
+        <p:spPr>
+          <a:xfrm>
+            <a:off x="485191" y="1813219"/>
+            <a:ext cx="6020640" cy="4058216"/>
+          </a:xfrm>
+          <a:prstGeom prst="rect">
+            <a:avLst/>
+          </a:prstGeom>
+        </p:spPr>
+      </p:pic>
+      <p:sp>
+        <p:nvSpPr>
+          <p:cNvPr id="8" name="Textfeld 7">
+            <a:extLst>
+              <a:ext uri="{FF2B5EF4-FFF2-40B4-BE49-F238E27FC236}">
+                <a16:creationId xmlns:a16="http://schemas.microsoft.com/office/drawing/2014/main" xmlns="" id="{8E05CB3E-FC8B-4C84-8452-A027AF29808D}"/>
+              </a:ext>
+            </a:extLst>
+          </p:cNvPr>
+          <p:cNvSpPr txBox="1"/>
+          <p:nvPr/>
+        </p:nvSpPr>
+        <p:spPr>
+          <a:xfrm>
+            <a:off x="485191" y="1154923"/>
+            <a:ext cx="3788228" cy="1015663"/>
+          </a:xfrm>
+          <a:prstGeom prst="rect">
+            <a:avLst/>
+          </a:prstGeom>
+          <a:noFill/>
+        </p:spPr>
+        <p:txBody>
+          <a:bodyPr wrap="square" rtlCol="0">
+            <a:spAutoFit/>
+          </a:bodyPr>
+          <a:lstStyle/>
+          <a:p>
+            <a:r>
+              <a:rPr lang="de-DE" sz="2000" b="1" dirty="0" smtClean="0"/>
+              <a:t>2.5 </a:t>
+            </a:r>
+            <a:r>
+              <a:rPr lang="de-DE" sz="2000" b="1" dirty="0" err="1" smtClean="0"/>
+              <a:t>LinkedList</a:t>
+            </a:r>
+            <a:endParaRPr lang="de-DE" sz="2000" b="1" dirty="0"/>
+          </a:p>
+          <a:p>
+            <a:endParaRPr lang="de-DE" sz="2000" b="1" dirty="0"/>
+          </a:p>
+          <a:p>
+            <a:r>
+              <a:rPr lang="de-DE" sz="2000" b="1" dirty="0"/>
+              <a:t> 	</a:t>
+            </a:r>
+            <a:endParaRPr lang="de-DE" sz="2000" dirty="0"/>
+          </a:p>
+        </p:txBody>
+      </p:sp>
+    </p:spTree>
+    <p:extLst>
+      <p:ext uri="{BB962C8B-B14F-4D97-AF65-F5344CB8AC3E}">
+        <p14:creationId xmlns:p14="http://schemas.microsoft.com/office/powerpoint/2010/main" val="798140199"/>
+      </p:ext>
+    </p:extLst>
+  </p:cSld>
+  <p:clrMapOvr>
+    <a:masterClrMapping/>
+  </p:clrMapOvr>
+</p:sld>
+</file>
+
+<file path=ppt/slides/slide18.xml><?xml version="1.0" encoding="utf-8"?>
+<p:sld xmlns:a="http://schemas.openxmlformats.org/drawingml/2006/main" xmlns:r="http://schemas.openxmlformats.org/officeDocument/2006/relationships" xmlns:p="http://schemas.openxmlformats.org/presentationml/2006/main">
+  <p:cSld>
+    <p:spTree>
+      <p:nvGrpSpPr>
+        <p:cNvPr id="1" name=""/>
+        <p:cNvGrpSpPr/>
+        <p:nvPr/>
+      </p:nvGrpSpPr>
+      <p:grpSpPr>
+        <a:xfrm>
+          <a:off x="0" y="0"/>
+          <a:ext cx="0" cy="0"/>
+          <a:chOff x="0" y="0"/>
+          <a:chExt cx="0" cy="0"/>
+        </a:xfrm>
+      </p:grpSpPr>
+      <p:sp>
+        <p:nvSpPr>
+          <p:cNvPr id="10" name="Foliennummernplatzhalter 9">
+            <a:extLst>
+              <a:ext uri="{FF2B5EF4-FFF2-40B4-BE49-F238E27FC236}">
+                <a16:creationId xmlns:a16="http://schemas.microsoft.com/office/drawing/2014/main" xmlns="" id="{D931436D-0B25-4BC2-AB85-D177B4C7ED90}"/>
+              </a:ext>
+            </a:extLst>
+          </p:cNvPr>
+          <p:cNvSpPr>
+            <a:spLocks noGrp="1"/>
+          </p:cNvSpPr>
+          <p:nvPr>
+            <p:ph type="sldNum" sz="quarter" idx="12"/>
+          </p:nvPr>
+        </p:nvSpPr>
+        <p:spPr>
+          <a:xfrm>
+            <a:off x="9273076" y="6421667"/>
+            <a:ext cx="2743200" cy="365125"/>
+          </a:xfrm>
+        </p:spPr>
+        <p:txBody>
+          <a:bodyPr/>
+          <a:lstStyle/>
+          <a:p>
+            <a:r>
+              <a:rPr lang="de-DE" sz="1000" b="1" dirty="0">
+                <a:solidFill>
+                  <a:schemeClr val="tx1"/>
+                </a:solidFill>
+              </a:rPr>
+              <a:t>Seite </a:t>
+            </a:r>
+            <a:fld id="{2ACCF16B-2666-47AE-ACDC-C377DF350193}" type="slidenum">
+              <a:rPr lang="de-DE" sz="1000" b="1" smtClean="0">
+                <a:solidFill>
+                  <a:schemeClr val="tx1"/>
+                </a:solidFill>
+              </a:rPr>
+              <a:t>18</a:t>
+            </a:fld>
+            <a:endParaRPr lang="de-DE" sz="1000" b="1" dirty="0">
+              <a:solidFill>
+                <a:schemeClr val="tx1"/>
+              </a:solidFill>
+            </a:endParaRPr>
+          </a:p>
+        </p:txBody>
+      </p:sp>
+      <p:cxnSp>
+        <p:nvCxnSpPr>
+          <p:cNvPr id="12" name="Gerader Verbinder 11">
+            <a:extLst>
+              <a:ext uri="{FF2B5EF4-FFF2-40B4-BE49-F238E27FC236}">
+                <a16:creationId xmlns:a16="http://schemas.microsoft.com/office/drawing/2014/main" xmlns="" id="{4A855513-E5C1-4F05-A8FD-33AC62C22A5E}"/>
+              </a:ext>
+            </a:extLst>
+          </p:cNvPr>
+          <p:cNvCxnSpPr/>
+          <p:nvPr/>
+        </p:nvCxnSpPr>
+        <p:spPr>
+          <a:xfrm>
+            <a:off x="0" y="737118"/>
+            <a:ext cx="12192000" cy="0"/>
+          </a:xfrm>
+          <a:prstGeom prst="line">
+            <a:avLst/>
+          </a:prstGeom>
+          <a:ln w="15875">
+            <a:solidFill>
+              <a:srgbClr val="3333CC"/>
+            </a:solidFill>
+          </a:ln>
+        </p:spPr>
+        <p:style>
+          <a:lnRef idx="1">
+            <a:schemeClr val="accent1"/>
+          </a:lnRef>
+          <a:fillRef idx="0">
+            <a:schemeClr val="accent1"/>
+          </a:fillRef>
+          <a:effectRef idx="0">
+            <a:schemeClr val="accent1"/>
+          </a:effectRef>
+          <a:fontRef idx="minor">
+            <a:schemeClr val="tx1"/>
+          </a:fontRef>
+        </p:style>
+      </p:cxnSp>
+      <p:cxnSp>
+        <p:nvCxnSpPr>
+          <p:cNvPr id="13" name="Gerader Verbinder 12">
+            <a:extLst>
+              <a:ext uri="{FF2B5EF4-FFF2-40B4-BE49-F238E27FC236}">
+                <a16:creationId xmlns:a16="http://schemas.microsoft.com/office/drawing/2014/main" xmlns="" id="{F2778992-5E28-437C-AEA9-F9BBD6E6F5BB}"/>
+              </a:ext>
+            </a:extLst>
+          </p:cNvPr>
+          <p:cNvCxnSpPr/>
+          <p:nvPr/>
+        </p:nvCxnSpPr>
+        <p:spPr>
+          <a:xfrm>
+            <a:off x="0" y="6356350"/>
+            <a:ext cx="12192000" cy="0"/>
+          </a:xfrm>
+          <a:prstGeom prst="line">
+            <a:avLst/>
+          </a:prstGeom>
+          <a:ln w="15875">
+            <a:solidFill>
+              <a:srgbClr val="3333CC"/>
+            </a:solidFill>
+          </a:ln>
+        </p:spPr>
+        <p:style>
+          <a:lnRef idx="1">
+            <a:schemeClr val="accent1"/>
+          </a:lnRef>
+          <a:fillRef idx="0">
+            <a:schemeClr val="accent1"/>
+          </a:fillRef>
+          <a:effectRef idx="0">
+            <a:schemeClr val="accent1"/>
+          </a:effectRef>
+          <a:fontRef idx="minor">
+            <a:schemeClr val="tx1"/>
+          </a:fontRef>
+        </p:style>
+      </p:cxnSp>
+      <p:sp>
+        <p:nvSpPr>
+          <p:cNvPr id="14" name="Textfeld 13">
+            <a:extLst>
+              <a:ext uri="{FF2B5EF4-FFF2-40B4-BE49-F238E27FC236}">
+                <a16:creationId xmlns:a16="http://schemas.microsoft.com/office/drawing/2014/main" xmlns="" id="{6CF8FF9D-8A98-4CFA-94C2-E2074112639C}"/>
+              </a:ext>
+            </a:extLst>
+          </p:cNvPr>
+          <p:cNvSpPr txBox="1"/>
+          <p:nvPr/>
+        </p:nvSpPr>
+        <p:spPr>
+          <a:xfrm>
+            <a:off x="2653004" y="215779"/>
+            <a:ext cx="6885992" cy="369332"/>
+          </a:xfrm>
+          <a:prstGeom prst="rect">
+            <a:avLst/>
+          </a:prstGeom>
+          <a:noFill/>
+        </p:spPr>
+        <p:txBody>
+          <a:bodyPr wrap="square" rtlCol="0">
+            <a:spAutoFit/>
+          </a:bodyPr>
+          <a:lstStyle/>
+          <a:p>
+            <a:pPr algn="ctr"/>
+            <a:r>
+              <a:rPr lang="de-DE" b="1" dirty="0"/>
+              <a:t>Dynamische Container in C</a:t>
+            </a:r>
+          </a:p>
+        </p:txBody>
+      </p:sp>
+      <p:sp>
+        <p:nvSpPr>
+          <p:cNvPr id="8" name="Textfeld 7">
+            <a:extLst>
+              <a:ext uri="{FF2B5EF4-FFF2-40B4-BE49-F238E27FC236}">
+                <a16:creationId xmlns:a16="http://schemas.microsoft.com/office/drawing/2014/main" xmlns="" id="{8E05CB3E-FC8B-4C84-8452-A027AF29808D}"/>
+              </a:ext>
+            </a:extLst>
+          </p:cNvPr>
+          <p:cNvSpPr txBox="1"/>
+          <p:nvPr/>
+        </p:nvSpPr>
+        <p:spPr>
+          <a:xfrm>
+            <a:off x="485191" y="1154923"/>
+            <a:ext cx="3788228" cy="1015663"/>
+          </a:xfrm>
+          <a:prstGeom prst="rect">
+            <a:avLst/>
+          </a:prstGeom>
+          <a:noFill/>
+        </p:spPr>
+        <p:txBody>
+          <a:bodyPr wrap="square" rtlCol="0">
+            <a:spAutoFit/>
+          </a:bodyPr>
+          <a:lstStyle/>
+          <a:p>
+            <a:r>
+              <a:rPr lang="de-DE" sz="2000" b="1" dirty="0" smtClean="0"/>
+              <a:t>2.5 </a:t>
+            </a:r>
+            <a:r>
+              <a:rPr lang="de-DE" sz="2000" b="1" dirty="0" err="1" smtClean="0"/>
+              <a:t>LinkedList</a:t>
+            </a:r>
+            <a:endParaRPr lang="de-DE" sz="2000" b="1" dirty="0"/>
+          </a:p>
+          <a:p>
+            <a:endParaRPr lang="de-DE" sz="2000" b="1" dirty="0"/>
+          </a:p>
+          <a:p>
+            <a:r>
+              <a:rPr lang="de-DE" sz="2000" b="1" dirty="0"/>
+              <a:t> 	</a:t>
+            </a:r>
+            <a:endParaRPr lang="de-DE" sz="2000" dirty="0"/>
+          </a:p>
+        </p:txBody>
+      </p:sp>
+      <p:pic>
+        <p:nvPicPr>
+          <p:cNvPr id="4" name="Grafik 3"/>
+          <p:cNvPicPr>
+            <a:picLocks noChangeAspect="1"/>
+          </p:cNvPicPr>
+          <p:nvPr/>
+        </p:nvPicPr>
+        <p:blipFill>
+          <a:blip r:embed="rId2">
+            <a:extLst>
+              <a:ext uri="{28A0092B-C50C-407E-A947-70E740481C1C}">
+                <a14:useLocalDpi xmlns:a14="http://schemas.microsoft.com/office/drawing/2010/main" val="0"/>
+              </a:ext>
+            </a:extLst>
+          </a:blip>
+          <a:stretch>
+            <a:fillRect/>
+          </a:stretch>
+        </p:blipFill>
+        <p:spPr>
+          <a:xfrm>
+            <a:off x="381366" y="1880112"/>
+            <a:ext cx="4610762" cy="4028748"/>
+          </a:xfrm>
+          <a:prstGeom prst="rect">
+            <a:avLst/>
+          </a:prstGeom>
+        </p:spPr>
+      </p:pic>
+      <p:graphicFrame>
+        <p:nvGraphicFramePr>
+          <p:cNvPr id="6" name="Tabelle 5"/>
+          <p:cNvGraphicFramePr>
+            <a:graphicFrameLocks noGrp="1"/>
+          </p:cNvGraphicFramePr>
+          <p:nvPr>
+            <p:extLst>
+              <p:ext uri="{D42A27DB-BD31-4B8C-83A1-F6EECF244321}">
+                <p14:modId xmlns:p14="http://schemas.microsoft.com/office/powerpoint/2010/main" val="3624266990"/>
+              </p:ext>
+            </p:extLst>
+          </p:nvPr>
+        </p:nvGraphicFramePr>
+        <p:xfrm>
+          <a:off x="4992128" y="1271256"/>
+          <a:ext cx="6933532" cy="4604946"/>
+        </p:xfrm>
+        <a:graphic>
+          <a:graphicData uri="http://schemas.openxmlformats.org/drawingml/2006/table">
+            <a:tbl>
+              <a:tblPr firstRow="1" bandRow="1">
+                <a:tableStyleId>{5940675A-B579-460E-94D1-54222C63F5DA}</a:tableStyleId>
+              </a:tblPr>
+              <a:tblGrid>
+                <a:gridCol w="1779375"/>
+                <a:gridCol w="1095632"/>
+                <a:gridCol w="1919416"/>
+                <a:gridCol w="2139109"/>
+              </a:tblGrid>
+              <a:tr h="433686">
+                <a:tc>
+                  <a:txBody>
+                    <a:bodyPr/>
+                    <a:lstStyle/>
+                    <a:p>
+                      <a:pPr algn="just">
+                        <a:lnSpc>
+                          <a:spcPct val="107000"/>
+                        </a:lnSpc>
+                        <a:spcAft>
+                          <a:spcPts val="0"/>
+                        </a:spcAft>
+                      </a:pPr>
+                      <a:r>
+                        <a:rPr lang="de-DE" sz="1100" dirty="0">
+                          <a:effectLst/>
+                        </a:rPr>
+                        <a:t>Funktionsname</a:t>
+                      </a:r>
+                      <a:endParaRPr lang="de-DE" sz="1100" dirty="0">
+                        <a:effectLst/>
+                        <a:latin typeface="Calibri" panose="020F0502020204030204" pitchFamily="34" charset="0"/>
+                        <a:ea typeface="Calibri" panose="020F0502020204030204" pitchFamily="34" charset="0"/>
+                        <a:cs typeface="Times New Roman" panose="02020603050405020304" pitchFamily="18" charset="0"/>
+                      </a:endParaRPr>
+                    </a:p>
+                  </a:txBody>
+                  <a:tcPr marL="68580" marR="68580" marT="0" marB="0"/>
+                </a:tc>
+                <a:tc>
+                  <a:txBody>
+                    <a:bodyPr/>
+                    <a:lstStyle/>
+                    <a:p>
+                      <a:pPr algn="just">
+                        <a:lnSpc>
+                          <a:spcPct val="107000"/>
+                        </a:lnSpc>
+                        <a:spcAft>
+                          <a:spcPts val="0"/>
+                        </a:spcAft>
+                      </a:pPr>
+                      <a:r>
+                        <a:rPr lang="de-DE" sz="1100">
+                          <a:effectLst/>
+                        </a:rPr>
+                        <a:t>Rückgabewert</a:t>
+                      </a:r>
+                      <a:endParaRPr lang="de-DE" sz="1100">
+                        <a:effectLst/>
+                        <a:latin typeface="Calibri" panose="020F0502020204030204" pitchFamily="34" charset="0"/>
+                        <a:ea typeface="Calibri" panose="020F0502020204030204" pitchFamily="34" charset="0"/>
+                        <a:cs typeface="Times New Roman" panose="02020603050405020304" pitchFamily="18" charset="0"/>
+                      </a:endParaRPr>
+                    </a:p>
+                  </a:txBody>
+                  <a:tcPr marL="68580" marR="68580" marT="0" marB="0"/>
+                </a:tc>
+                <a:tc>
+                  <a:txBody>
+                    <a:bodyPr/>
+                    <a:lstStyle/>
+                    <a:p>
+                      <a:pPr algn="just">
+                        <a:lnSpc>
+                          <a:spcPct val="107000"/>
+                        </a:lnSpc>
+                        <a:spcAft>
+                          <a:spcPts val="0"/>
+                        </a:spcAft>
+                      </a:pPr>
+                      <a:r>
+                        <a:rPr lang="de-DE" sz="1100" dirty="0">
+                          <a:effectLst/>
+                        </a:rPr>
+                        <a:t>Parameter</a:t>
+                      </a:r>
+                      <a:endParaRPr lang="de-DE" sz="1100" dirty="0">
+                        <a:effectLst/>
+                        <a:latin typeface="Calibri" panose="020F0502020204030204" pitchFamily="34" charset="0"/>
+                        <a:ea typeface="Calibri" panose="020F0502020204030204" pitchFamily="34" charset="0"/>
+                        <a:cs typeface="Times New Roman" panose="02020603050405020304" pitchFamily="18" charset="0"/>
+                      </a:endParaRPr>
+                    </a:p>
+                  </a:txBody>
+                  <a:tcPr marL="68580" marR="68580" marT="0" marB="0"/>
+                </a:tc>
+                <a:tc>
+                  <a:txBody>
+                    <a:bodyPr/>
+                    <a:lstStyle/>
+                    <a:p>
+                      <a:pPr algn="just">
+                        <a:lnSpc>
+                          <a:spcPct val="107000"/>
+                        </a:lnSpc>
+                        <a:spcAft>
+                          <a:spcPts val="0"/>
+                        </a:spcAft>
+                      </a:pPr>
+                      <a:r>
+                        <a:rPr lang="de-DE" sz="1100" dirty="0">
+                          <a:effectLst/>
+                        </a:rPr>
+                        <a:t>Nutzen</a:t>
+                      </a:r>
+                      <a:endParaRPr lang="de-DE" sz="1100" dirty="0">
+                        <a:effectLst/>
+                        <a:latin typeface="Calibri" panose="020F0502020204030204" pitchFamily="34" charset="0"/>
+                        <a:ea typeface="Calibri" panose="020F0502020204030204" pitchFamily="34" charset="0"/>
+                        <a:cs typeface="Times New Roman" panose="02020603050405020304" pitchFamily="18" charset="0"/>
+                      </a:endParaRPr>
+                    </a:p>
+                  </a:txBody>
+                  <a:tcPr marL="68580" marR="68580" marT="0" marB="0"/>
+                </a:tc>
+              </a:tr>
+              <a:tr h="433686">
+                <a:tc>
+                  <a:txBody>
+                    <a:bodyPr/>
+                    <a:lstStyle/>
+                    <a:p>
+                      <a:pPr algn="just">
+                        <a:lnSpc>
+                          <a:spcPct val="107000"/>
+                        </a:lnSpc>
+                        <a:spcAft>
+                          <a:spcPts val="0"/>
+                        </a:spcAft>
+                      </a:pPr>
+                      <a:r>
+                        <a:rPr lang="de-DE" sz="1100">
+                          <a:effectLst/>
+                        </a:rPr>
+                        <a:t>LinkedListInitialize</a:t>
+                      </a:r>
+                      <a:endParaRPr lang="de-DE" sz="1100">
+                        <a:effectLst/>
+                        <a:latin typeface="Calibri" panose="020F0502020204030204" pitchFamily="34" charset="0"/>
+                        <a:ea typeface="Calibri" panose="020F0502020204030204" pitchFamily="34" charset="0"/>
+                        <a:cs typeface="Times New Roman" panose="02020603050405020304" pitchFamily="18" charset="0"/>
+                      </a:endParaRPr>
+                    </a:p>
+                  </a:txBody>
+                  <a:tcPr marL="68580" marR="68580" marT="0" marB="0"/>
+                </a:tc>
+                <a:tc>
+                  <a:txBody>
+                    <a:bodyPr/>
+                    <a:lstStyle/>
+                    <a:p>
+                      <a:pPr algn="just">
+                        <a:lnSpc>
+                          <a:spcPct val="107000"/>
+                        </a:lnSpc>
+                        <a:spcAft>
+                          <a:spcPts val="0"/>
+                        </a:spcAft>
+                      </a:pPr>
+                      <a:r>
+                        <a:rPr lang="de-DE" sz="1100">
+                          <a:effectLst/>
+                        </a:rPr>
+                        <a:t>void</a:t>
+                      </a:r>
+                      <a:endParaRPr lang="de-DE" sz="1100">
+                        <a:effectLst/>
+                        <a:latin typeface="Calibri" panose="020F0502020204030204" pitchFamily="34" charset="0"/>
+                        <a:ea typeface="Calibri" panose="020F0502020204030204" pitchFamily="34" charset="0"/>
+                        <a:cs typeface="Times New Roman" panose="02020603050405020304" pitchFamily="18" charset="0"/>
+                      </a:endParaRPr>
+                    </a:p>
+                  </a:txBody>
+                  <a:tcPr marL="68580" marR="68580" marT="0" marB="0"/>
+                </a:tc>
+                <a:tc>
+                  <a:txBody>
+                    <a:bodyPr/>
+                    <a:lstStyle/>
+                    <a:p>
+                      <a:pPr algn="just">
+                        <a:lnSpc>
+                          <a:spcPct val="107000"/>
+                        </a:lnSpc>
+                        <a:spcAft>
+                          <a:spcPts val="0"/>
+                        </a:spcAft>
+                      </a:pPr>
+                      <a:r>
+                        <a:rPr lang="de-DE" sz="1100">
+                          <a:effectLst/>
+                        </a:rPr>
+                        <a:t>LinkedList* linkedList</a:t>
+                      </a:r>
+                    </a:p>
+                    <a:p>
+                      <a:pPr algn="just">
+                        <a:lnSpc>
+                          <a:spcPct val="107000"/>
+                        </a:lnSpc>
+                        <a:spcAft>
+                          <a:spcPts val="0"/>
+                        </a:spcAft>
+                      </a:pPr>
+                      <a:r>
+                        <a:rPr lang="en-US" sz="1100">
+                          <a:effectLst/>
+                        </a:rPr>
+                        <a:t>unsigned int sizeOfElement</a:t>
+                      </a:r>
+                      <a:endParaRPr lang="de-DE" sz="1100">
+                        <a:effectLst/>
+                        <a:latin typeface="Calibri" panose="020F0502020204030204" pitchFamily="34" charset="0"/>
+                        <a:ea typeface="Calibri" panose="020F0502020204030204" pitchFamily="34" charset="0"/>
+                        <a:cs typeface="Times New Roman" panose="02020603050405020304" pitchFamily="18" charset="0"/>
+                      </a:endParaRPr>
+                    </a:p>
+                  </a:txBody>
+                  <a:tcPr marL="68580" marR="68580" marT="0" marB="0"/>
+                </a:tc>
+                <a:tc>
+                  <a:txBody>
+                    <a:bodyPr/>
+                    <a:lstStyle/>
+                    <a:p>
+                      <a:pPr algn="just">
+                        <a:lnSpc>
+                          <a:spcPct val="107000"/>
+                        </a:lnSpc>
+                        <a:spcAft>
+                          <a:spcPts val="0"/>
+                        </a:spcAft>
+                      </a:pPr>
+                      <a:r>
+                        <a:rPr lang="en-US" sz="1100">
+                          <a:effectLst/>
+                        </a:rPr>
+                        <a:t>Inizialisierung des Containers</a:t>
+                      </a:r>
+                      <a:endParaRPr lang="de-DE" sz="1100">
+                        <a:effectLst/>
+                        <a:latin typeface="Calibri" panose="020F0502020204030204" pitchFamily="34" charset="0"/>
+                        <a:ea typeface="Calibri" panose="020F0502020204030204" pitchFamily="34" charset="0"/>
+                        <a:cs typeface="Times New Roman" panose="02020603050405020304" pitchFamily="18" charset="0"/>
+                      </a:endParaRPr>
+                    </a:p>
+                  </a:txBody>
+                  <a:tcPr marL="68580" marR="68580" marT="0" marB="0"/>
+                </a:tc>
+              </a:tr>
+              <a:tr h="433686">
+                <a:tc>
+                  <a:txBody>
+                    <a:bodyPr/>
+                    <a:lstStyle/>
+                    <a:p>
+                      <a:pPr algn="just">
+                        <a:lnSpc>
+                          <a:spcPct val="107000"/>
+                        </a:lnSpc>
+                        <a:spcAft>
+                          <a:spcPts val="0"/>
+                        </a:spcAft>
+                      </a:pPr>
+                      <a:r>
+                        <a:rPr lang="de-DE" sz="1100">
+                          <a:effectLst/>
+                        </a:rPr>
+                        <a:t>LinkedListClear</a:t>
+                      </a:r>
+                      <a:endParaRPr lang="de-DE" sz="1100">
+                        <a:effectLst/>
+                        <a:latin typeface="Calibri" panose="020F0502020204030204" pitchFamily="34" charset="0"/>
+                        <a:ea typeface="Calibri" panose="020F0502020204030204" pitchFamily="34" charset="0"/>
+                        <a:cs typeface="Times New Roman" panose="02020603050405020304" pitchFamily="18" charset="0"/>
+                      </a:endParaRPr>
+                    </a:p>
+                  </a:txBody>
+                  <a:tcPr marL="68580" marR="68580" marT="0" marB="0"/>
+                </a:tc>
+                <a:tc>
+                  <a:txBody>
+                    <a:bodyPr/>
+                    <a:lstStyle/>
+                    <a:p>
+                      <a:pPr algn="just">
+                        <a:lnSpc>
+                          <a:spcPct val="107000"/>
+                        </a:lnSpc>
+                        <a:spcAft>
+                          <a:spcPts val="0"/>
+                        </a:spcAft>
+                      </a:pPr>
+                      <a:r>
+                        <a:rPr lang="de-DE" sz="1100">
+                          <a:effectLst/>
+                        </a:rPr>
+                        <a:t>void</a:t>
+                      </a:r>
+                      <a:endParaRPr lang="de-DE" sz="1100">
+                        <a:effectLst/>
+                        <a:latin typeface="Calibri" panose="020F0502020204030204" pitchFamily="34" charset="0"/>
+                        <a:ea typeface="Calibri" panose="020F0502020204030204" pitchFamily="34" charset="0"/>
+                        <a:cs typeface="Times New Roman" panose="02020603050405020304" pitchFamily="18" charset="0"/>
+                      </a:endParaRPr>
+                    </a:p>
+                  </a:txBody>
+                  <a:tcPr marL="68580" marR="68580" marT="0" marB="0"/>
+                </a:tc>
+                <a:tc>
+                  <a:txBody>
+                    <a:bodyPr/>
+                    <a:lstStyle/>
+                    <a:p>
+                      <a:pPr algn="just">
+                        <a:lnSpc>
+                          <a:spcPct val="107000"/>
+                        </a:lnSpc>
+                        <a:spcAft>
+                          <a:spcPts val="0"/>
+                        </a:spcAft>
+                      </a:pPr>
+                      <a:r>
+                        <a:rPr lang="de-DE" sz="1100" dirty="0" err="1">
+                          <a:effectLst/>
+                        </a:rPr>
+                        <a:t>LinkedList</a:t>
+                      </a:r>
+                      <a:r>
+                        <a:rPr lang="de-DE" sz="1100" dirty="0">
+                          <a:effectLst/>
+                        </a:rPr>
+                        <a:t>* </a:t>
+                      </a:r>
+                      <a:r>
+                        <a:rPr lang="de-DE" sz="1100" dirty="0" err="1">
+                          <a:effectLst/>
+                        </a:rPr>
+                        <a:t>linkedList</a:t>
+                      </a:r>
+                      <a:endParaRPr lang="de-DE" sz="1100" dirty="0">
+                        <a:effectLst/>
+                        <a:latin typeface="Calibri" panose="020F0502020204030204" pitchFamily="34" charset="0"/>
+                        <a:ea typeface="Calibri" panose="020F0502020204030204" pitchFamily="34" charset="0"/>
+                        <a:cs typeface="Times New Roman" panose="02020603050405020304" pitchFamily="18" charset="0"/>
+                      </a:endParaRPr>
+                    </a:p>
+                  </a:txBody>
+                  <a:tcPr marL="68580" marR="68580" marT="0" marB="0"/>
+                </a:tc>
+                <a:tc>
+                  <a:txBody>
+                    <a:bodyPr/>
+                    <a:lstStyle/>
+                    <a:p>
+                      <a:pPr algn="just">
+                        <a:lnSpc>
+                          <a:spcPct val="107000"/>
+                        </a:lnSpc>
+                        <a:spcAft>
+                          <a:spcPts val="0"/>
+                        </a:spcAft>
+                      </a:pPr>
+                      <a:r>
+                        <a:rPr lang="de-DE" sz="1100">
+                          <a:effectLst/>
+                        </a:rPr>
+                        <a:t>Löschen aller Daten des Containers</a:t>
+                      </a:r>
+                      <a:endParaRPr lang="de-DE" sz="1100">
+                        <a:effectLst/>
+                        <a:latin typeface="Calibri" panose="020F0502020204030204" pitchFamily="34" charset="0"/>
+                        <a:ea typeface="Calibri" panose="020F0502020204030204" pitchFamily="34" charset="0"/>
+                        <a:cs typeface="Times New Roman" panose="02020603050405020304" pitchFamily="18" charset="0"/>
+                      </a:endParaRPr>
+                    </a:p>
+                  </a:txBody>
+                  <a:tcPr marL="68580" marR="68580" marT="0" marB="0"/>
+                </a:tc>
+              </a:tr>
+              <a:tr h="433686">
+                <a:tc>
+                  <a:txBody>
+                    <a:bodyPr/>
+                    <a:lstStyle/>
+                    <a:p>
+                      <a:pPr algn="just">
+                        <a:lnSpc>
+                          <a:spcPct val="107000"/>
+                        </a:lnSpc>
+                        <a:spcAft>
+                          <a:spcPts val="0"/>
+                        </a:spcAft>
+                      </a:pPr>
+                      <a:r>
+                        <a:rPr lang="de-DE" sz="1100">
+                          <a:effectLst/>
+                        </a:rPr>
+                        <a:t>LinkedListInsert</a:t>
+                      </a:r>
+                      <a:endParaRPr lang="de-DE" sz="1100">
+                        <a:effectLst/>
+                        <a:latin typeface="Calibri" panose="020F0502020204030204" pitchFamily="34" charset="0"/>
+                        <a:ea typeface="Calibri" panose="020F0502020204030204" pitchFamily="34" charset="0"/>
+                        <a:cs typeface="Times New Roman" panose="02020603050405020304" pitchFamily="18" charset="0"/>
+                      </a:endParaRPr>
+                    </a:p>
+                  </a:txBody>
+                  <a:tcPr marL="68580" marR="68580" marT="0" marB="0"/>
+                </a:tc>
+                <a:tc>
+                  <a:txBody>
+                    <a:bodyPr/>
+                    <a:lstStyle/>
+                    <a:p>
+                      <a:pPr algn="just">
+                        <a:lnSpc>
+                          <a:spcPct val="107000"/>
+                        </a:lnSpc>
+                        <a:spcAft>
+                          <a:spcPts val="0"/>
+                        </a:spcAft>
+                      </a:pPr>
+                      <a:r>
+                        <a:rPr lang="de-DE" sz="1100">
+                          <a:effectLst/>
+                        </a:rPr>
+                        <a:t>CollectionError</a:t>
+                      </a:r>
+                      <a:endParaRPr lang="de-DE" sz="1100">
+                        <a:effectLst/>
+                        <a:latin typeface="Calibri" panose="020F0502020204030204" pitchFamily="34" charset="0"/>
+                        <a:ea typeface="Calibri" panose="020F0502020204030204" pitchFamily="34" charset="0"/>
+                        <a:cs typeface="Times New Roman" panose="02020603050405020304" pitchFamily="18" charset="0"/>
+                      </a:endParaRPr>
+                    </a:p>
+                  </a:txBody>
+                  <a:tcPr marL="68580" marR="68580" marT="0" marB="0"/>
+                </a:tc>
+                <a:tc>
+                  <a:txBody>
+                    <a:bodyPr/>
+                    <a:lstStyle/>
+                    <a:p>
+                      <a:pPr algn="just">
+                        <a:lnSpc>
+                          <a:spcPct val="107000"/>
+                        </a:lnSpc>
+                        <a:spcAft>
+                          <a:spcPts val="0"/>
+                        </a:spcAft>
+                      </a:pPr>
+                      <a:r>
+                        <a:rPr lang="de-DE" sz="1100">
+                          <a:effectLst/>
+                        </a:rPr>
+                        <a:t>LinkedList* linkedList</a:t>
+                      </a:r>
+                    </a:p>
+                    <a:p>
+                      <a:pPr algn="just">
+                        <a:lnSpc>
+                          <a:spcPct val="107000"/>
+                        </a:lnSpc>
+                        <a:spcAft>
+                          <a:spcPts val="0"/>
+                        </a:spcAft>
+                      </a:pPr>
+                      <a:r>
+                        <a:rPr lang="en-US" sz="1100">
+                          <a:effectLst/>
+                        </a:rPr>
+                        <a:t>unsigned int index</a:t>
+                      </a:r>
+                      <a:endParaRPr lang="de-DE" sz="1100">
+                        <a:effectLst/>
+                      </a:endParaRPr>
+                    </a:p>
+                    <a:p>
+                      <a:pPr algn="just">
+                        <a:lnSpc>
+                          <a:spcPct val="107000"/>
+                        </a:lnSpc>
+                        <a:spcAft>
+                          <a:spcPts val="0"/>
+                        </a:spcAft>
+                      </a:pPr>
+                      <a:r>
+                        <a:rPr lang="en-US" sz="1100">
+                          <a:effectLst/>
+                        </a:rPr>
+                        <a:t>void* element</a:t>
+                      </a:r>
+                      <a:endParaRPr lang="de-DE" sz="1100">
+                        <a:effectLst/>
+                        <a:latin typeface="Calibri" panose="020F0502020204030204" pitchFamily="34" charset="0"/>
+                        <a:ea typeface="Calibri" panose="020F0502020204030204" pitchFamily="34" charset="0"/>
+                        <a:cs typeface="Times New Roman" panose="02020603050405020304" pitchFamily="18" charset="0"/>
+                      </a:endParaRPr>
+                    </a:p>
+                  </a:txBody>
+                  <a:tcPr marL="68580" marR="68580" marT="0" marB="0"/>
+                </a:tc>
+                <a:tc>
+                  <a:txBody>
+                    <a:bodyPr/>
+                    <a:lstStyle/>
+                    <a:p>
+                      <a:pPr algn="just">
+                        <a:lnSpc>
+                          <a:spcPct val="107000"/>
+                        </a:lnSpc>
+                        <a:spcAft>
+                          <a:spcPts val="0"/>
+                        </a:spcAft>
+                      </a:pPr>
+                      <a:r>
+                        <a:rPr lang="de-DE" sz="1100">
+                          <a:effectLst/>
+                        </a:rPr>
+                        <a:t>Fügt Wert zum Container hinzu</a:t>
+                      </a:r>
+                      <a:endParaRPr lang="de-DE" sz="1100">
+                        <a:effectLst/>
+                        <a:latin typeface="Calibri" panose="020F0502020204030204" pitchFamily="34" charset="0"/>
+                        <a:ea typeface="Calibri" panose="020F0502020204030204" pitchFamily="34" charset="0"/>
+                        <a:cs typeface="Times New Roman" panose="02020603050405020304" pitchFamily="18" charset="0"/>
+                      </a:endParaRPr>
+                    </a:p>
+                  </a:txBody>
+                  <a:tcPr marL="68580" marR="68580" marT="0" marB="0"/>
+                </a:tc>
+              </a:tr>
+              <a:tr h="433686">
+                <a:tc>
+                  <a:txBody>
+                    <a:bodyPr/>
+                    <a:lstStyle/>
+                    <a:p>
+                      <a:pPr algn="just">
+                        <a:lnSpc>
+                          <a:spcPct val="107000"/>
+                        </a:lnSpc>
+                        <a:spcAft>
+                          <a:spcPts val="0"/>
+                        </a:spcAft>
+                      </a:pPr>
+                      <a:r>
+                        <a:rPr lang="de-DE" sz="1100">
+                          <a:effectLst/>
+                        </a:rPr>
+                        <a:t>LinkedListAddToEnd</a:t>
+                      </a:r>
+                      <a:endParaRPr lang="de-DE" sz="1100">
+                        <a:effectLst/>
+                        <a:latin typeface="Calibri" panose="020F0502020204030204" pitchFamily="34" charset="0"/>
+                        <a:ea typeface="Calibri" panose="020F0502020204030204" pitchFamily="34" charset="0"/>
+                        <a:cs typeface="Times New Roman" panose="02020603050405020304" pitchFamily="18" charset="0"/>
+                      </a:endParaRPr>
+                    </a:p>
+                  </a:txBody>
+                  <a:tcPr marL="68580" marR="68580" marT="0" marB="0"/>
+                </a:tc>
+                <a:tc>
+                  <a:txBody>
+                    <a:bodyPr/>
+                    <a:lstStyle/>
+                    <a:p>
+                      <a:pPr algn="just">
+                        <a:lnSpc>
+                          <a:spcPct val="107000"/>
+                        </a:lnSpc>
+                        <a:spcAft>
+                          <a:spcPts val="0"/>
+                        </a:spcAft>
+                      </a:pPr>
+                      <a:r>
+                        <a:rPr lang="de-DE" sz="1100" dirty="0" err="1">
+                          <a:effectLst/>
+                        </a:rPr>
+                        <a:t>CollectionError</a:t>
+                      </a:r>
+                      <a:endParaRPr lang="de-DE" sz="1100" dirty="0">
+                        <a:effectLst/>
+                        <a:latin typeface="Calibri" panose="020F0502020204030204" pitchFamily="34" charset="0"/>
+                        <a:ea typeface="Calibri" panose="020F0502020204030204" pitchFamily="34" charset="0"/>
+                        <a:cs typeface="Times New Roman" panose="02020603050405020304" pitchFamily="18" charset="0"/>
+                      </a:endParaRPr>
+                    </a:p>
+                  </a:txBody>
+                  <a:tcPr marL="68580" marR="68580" marT="0" marB="0"/>
+                </a:tc>
+                <a:tc>
+                  <a:txBody>
+                    <a:bodyPr/>
+                    <a:lstStyle/>
+                    <a:p>
+                      <a:pPr algn="just">
+                        <a:lnSpc>
+                          <a:spcPct val="107000"/>
+                        </a:lnSpc>
+                        <a:spcAft>
+                          <a:spcPts val="0"/>
+                        </a:spcAft>
+                      </a:pPr>
+                      <a:r>
+                        <a:rPr lang="de-DE" sz="1100">
+                          <a:effectLst/>
+                        </a:rPr>
+                        <a:t>LinkedList* linkedList</a:t>
+                      </a:r>
+                    </a:p>
+                    <a:p>
+                      <a:pPr algn="just">
+                        <a:lnSpc>
+                          <a:spcPct val="107000"/>
+                        </a:lnSpc>
+                        <a:spcAft>
+                          <a:spcPts val="0"/>
+                        </a:spcAft>
+                      </a:pPr>
+                      <a:r>
+                        <a:rPr lang="en-US" sz="1100">
+                          <a:effectLst/>
+                        </a:rPr>
+                        <a:t>void* element</a:t>
+                      </a:r>
+                      <a:endParaRPr lang="de-DE" sz="1100">
+                        <a:effectLst/>
+                        <a:latin typeface="Calibri" panose="020F0502020204030204" pitchFamily="34" charset="0"/>
+                        <a:ea typeface="Calibri" panose="020F0502020204030204" pitchFamily="34" charset="0"/>
+                        <a:cs typeface="Times New Roman" panose="02020603050405020304" pitchFamily="18" charset="0"/>
+                      </a:endParaRPr>
+                    </a:p>
+                  </a:txBody>
+                  <a:tcPr marL="68580" marR="68580" marT="0" marB="0"/>
+                </a:tc>
+                <a:tc>
+                  <a:txBody>
+                    <a:bodyPr/>
+                    <a:lstStyle/>
+                    <a:p>
+                      <a:pPr algn="just">
+                        <a:lnSpc>
+                          <a:spcPct val="107000"/>
+                        </a:lnSpc>
+                        <a:spcAft>
+                          <a:spcPts val="0"/>
+                        </a:spcAft>
+                      </a:pPr>
+                      <a:r>
+                        <a:rPr lang="de-DE" sz="1100">
+                          <a:effectLst/>
+                        </a:rPr>
+                        <a:t>Fügt Wert am Ende  des Containers an</a:t>
+                      </a:r>
+                      <a:endParaRPr lang="de-DE" sz="1100">
+                        <a:effectLst/>
+                        <a:latin typeface="Calibri" panose="020F0502020204030204" pitchFamily="34" charset="0"/>
+                        <a:ea typeface="Calibri" panose="020F0502020204030204" pitchFamily="34" charset="0"/>
+                        <a:cs typeface="Times New Roman" panose="02020603050405020304" pitchFamily="18" charset="0"/>
+                      </a:endParaRPr>
+                    </a:p>
+                  </a:txBody>
+                  <a:tcPr marL="68580" marR="68580" marT="0" marB="0"/>
+                </a:tc>
+              </a:tr>
+              <a:tr h="433686">
+                <a:tc>
+                  <a:txBody>
+                    <a:bodyPr/>
+                    <a:lstStyle/>
+                    <a:p>
+                      <a:pPr algn="just">
+                        <a:lnSpc>
+                          <a:spcPct val="107000"/>
+                        </a:lnSpc>
+                        <a:spcAft>
+                          <a:spcPts val="0"/>
+                        </a:spcAft>
+                      </a:pPr>
+                      <a:r>
+                        <a:rPr lang="de-DE" sz="1100">
+                          <a:effectLst/>
+                        </a:rPr>
+                        <a:t>LinkedListRemoveAtIndex</a:t>
+                      </a:r>
+                      <a:endParaRPr lang="de-DE" sz="1100">
+                        <a:effectLst/>
+                        <a:latin typeface="Calibri" panose="020F0502020204030204" pitchFamily="34" charset="0"/>
+                        <a:ea typeface="Calibri" panose="020F0502020204030204" pitchFamily="34" charset="0"/>
+                        <a:cs typeface="Times New Roman" panose="02020603050405020304" pitchFamily="18" charset="0"/>
+                      </a:endParaRPr>
+                    </a:p>
+                  </a:txBody>
+                  <a:tcPr marL="68580" marR="68580" marT="0" marB="0"/>
+                </a:tc>
+                <a:tc>
+                  <a:txBody>
+                    <a:bodyPr/>
+                    <a:lstStyle/>
+                    <a:p>
+                      <a:pPr algn="just">
+                        <a:lnSpc>
+                          <a:spcPct val="107000"/>
+                        </a:lnSpc>
+                        <a:spcAft>
+                          <a:spcPts val="0"/>
+                        </a:spcAft>
+                      </a:pPr>
+                      <a:r>
+                        <a:rPr lang="de-DE" sz="1100">
+                          <a:effectLst/>
+                        </a:rPr>
+                        <a:t>CollectionError</a:t>
+                      </a:r>
+                      <a:endParaRPr lang="de-DE" sz="1100">
+                        <a:effectLst/>
+                        <a:latin typeface="Calibri" panose="020F0502020204030204" pitchFamily="34" charset="0"/>
+                        <a:ea typeface="Calibri" panose="020F0502020204030204" pitchFamily="34" charset="0"/>
+                        <a:cs typeface="Times New Roman" panose="02020603050405020304" pitchFamily="18" charset="0"/>
+                      </a:endParaRPr>
+                    </a:p>
+                  </a:txBody>
+                  <a:tcPr marL="68580" marR="68580" marT="0" marB="0"/>
+                </a:tc>
+                <a:tc>
+                  <a:txBody>
+                    <a:bodyPr/>
+                    <a:lstStyle/>
+                    <a:p>
+                      <a:pPr algn="just">
+                        <a:lnSpc>
+                          <a:spcPct val="107000"/>
+                        </a:lnSpc>
+                        <a:spcAft>
+                          <a:spcPts val="0"/>
+                        </a:spcAft>
+                      </a:pPr>
+                      <a:r>
+                        <a:rPr lang="de-DE" sz="1100" dirty="0" err="1">
+                          <a:effectLst/>
+                        </a:rPr>
+                        <a:t>LinkedList</a:t>
+                      </a:r>
+                      <a:r>
+                        <a:rPr lang="de-DE" sz="1100" dirty="0">
+                          <a:effectLst/>
+                        </a:rPr>
+                        <a:t>* </a:t>
+                      </a:r>
+                      <a:r>
+                        <a:rPr lang="de-DE" sz="1100" dirty="0" err="1">
+                          <a:effectLst/>
+                        </a:rPr>
+                        <a:t>linkedList</a:t>
+                      </a:r>
+                      <a:endParaRPr lang="de-DE" sz="1100" dirty="0">
+                        <a:effectLst/>
+                      </a:endParaRPr>
+                    </a:p>
+                    <a:p>
+                      <a:pPr algn="just">
+                        <a:lnSpc>
+                          <a:spcPct val="107000"/>
+                        </a:lnSpc>
+                        <a:spcAft>
+                          <a:spcPts val="0"/>
+                        </a:spcAft>
+                      </a:pPr>
+                      <a:r>
+                        <a:rPr lang="en-US" sz="1100" dirty="0">
+                          <a:effectLst/>
+                        </a:rPr>
+                        <a:t>unsigned </a:t>
+                      </a:r>
+                      <a:r>
+                        <a:rPr lang="en-US" sz="1100" dirty="0" err="1">
+                          <a:effectLst/>
+                        </a:rPr>
+                        <a:t>int</a:t>
+                      </a:r>
+                      <a:r>
+                        <a:rPr lang="en-US" sz="1100" dirty="0">
+                          <a:effectLst/>
+                        </a:rPr>
+                        <a:t> index</a:t>
+                      </a:r>
+                      <a:endParaRPr lang="de-DE" sz="1100" dirty="0">
+                        <a:effectLst/>
+                      </a:endParaRPr>
+                    </a:p>
+                    <a:p>
+                      <a:pPr algn="just">
+                        <a:lnSpc>
+                          <a:spcPct val="107000"/>
+                        </a:lnSpc>
+                        <a:spcAft>
+                          <a:spcPts val="0"/>
+                        </a:spcAft>
+                      </a:pPr>
+                      <a:r>
+                        <a:rPr lang="en-US" sz="1100" dirty="0">
+                          <a:effectLst/>
+                        </a:rPr>
+                        <a:t>void* element</a:t>
+                      </a:r>
+                      <a:endParaRPr lang="de-DE" sz="1100" dirty="0">
+                        <a:effectLst/>
+                        <a:latin typeface="Calibri" panose="020F0502020204030204" pitchFamily="34" charset="0"/>
+                        <a:ea typeface="Calibri" panose="020F0502020204030204" pitchFamily="34" charset="0"/>
+                        <a:cs typeface="Times New Roman" panose="02020603050405020304" pitchFamily="18" charset="0"/>
+                      </a:endParaRPr>
+                    </a:p>
+                  </a:txBody>
+                  <a:tcPr marL="68580" marR="68580" marT="0" marB="0"/>
+                </a:tc>
+                <a:tc>
+                  <a:txBody>
+                    <a:bodyPr/>
+                    <a:lstStyle/>
+                    <a:p>
+                      <a:pPr algn="just">
+                        <a:lnSpc>
+                          <a:spcPct val="107000"/>
+                        </a:lnSpc>
+                        <a:spcAft>
+                          <a:spcPts val="0"/>
+                        </a:spcAft>
+                      </a:pPr>
+                      <a:r>
+                        <a:rPr lang="de-DE" sz="1100">
+                          <a:effectLst/>
+                        </a:rPr>
+                        <a:t>Entnimmt Wert aus gegebener Position</a:t>
+                      </a:r>
+                      <a:endParaRPr lang="de-DE" sz="1100">
+                        <a:effectLst/>
+                        <a:latin typeface="Calibri" panose="020F0502020204030204" pitchFamily="34" charset="0"/>
+                        <a:ea typeface="Calibri" panose="020F0502020204030204" pitchFamily="34" charset="0"/>
+                        <a:cs typeface="Times New Roman" panose="02020603050405020304" pitchFamily="18" charset="0"/>
+                      </a:endParaRPr>
+                    </a:p>
+                  </a:txBody>
+                  <a:tcPr marL="68580" marR="68580" marT="0" marB="0"/>
+                </a:tc>
+              </a:tr>
+              <a:tr h="433686">
+                <a:tc>
+                  <a:txBody>
+                    <a:bodyPr/>
+                    <a:lstStyle/>
+                    <a:p>
+                      <a:pPr algn="just">
+                        <a:lnSpc>
+                          <a:spcPct val="107000"/>
+                        </a:lnSpc>
+                        <a:spcAft>
+                          <a:spcPts val="0"/>
+                        </a:spcAft>
+                      </a:pPr>
+                      <a:r>
+                        <a:rPr lang="de-DE" sz="1100">
+                          <a:effectLst/>
+                        </a:rPr>
+                        <a:t>LinkedListGetElement</a:t>
+                      </a:r>
+                      <a:endParaRPr lang="de-DE" sz="1100">
+                        <a:effectLst/>
+                        <a:latin typeface="Calibri" panose="020F0502020204030204" pitchFamily="34" charset="0"/>
+                        <a:ea typeface="Calibri" panose="020F0502020204030204" pitchFamily="34" charset="0"/>
+                        <a:cs typeface="Times New Roman" panose="02020603050405020304" pitchFamily="18" charset="0"/>
+                      </a:endParaRPr>
+                    </a:p>
+                  </a:txBody>
+                  <a:tcPr marL="68580" marR="68580" marT="0" marB="0"/>
+                </a:tc>
+                <a:tc>
+                  <a:txBody>
+                    <a:bodyPr/>
+                    <a:lstStyle/>
+                    <a:p>
+                      <a:pPr algn="just">
+                        <a:lnSpc>
+                          <a:spcPct val="107000"/>
+                        </a:lnSpc>
+                        <a:spcAft>
+                          <a:spcPts val="0"/>
+                        </a:spcAft>
+                      </a:pPr>
+                      <a:r>
+                        <a:rPr lang="de-DE" sz="1100">
+                          <a:effectLst/>
+                        </a:rPr>
+                        <a:t>CollectionError</a:t>
+                      </a:r>
+                      <a:endParaRPr lang="de-DE" sz="1100">
+                        <a:effectLst/>
+                        <a:latin typeface="Calibri" panose="020F0502020204030204" pitchFamily="34" charset="0"/>
+                        <a:ea typeface="Calibri" panose="020F0502020204030204" pitchFamily="34" charset="0"/>
+                        <a:cs typeface="Times New Roman" panose="02020603050405020304" pitchFamily="18" charset="0"/>
+                      </a:endParaRPr>
+                    </a:p>
+                  </a:txBody>
+                  <a:tcPr marL="68580" marR="68580" marT="0" marB="0"/>
+                </a:tc>
+                <a:tc>
+                  <a:txBody>
+                    <a:bodyPr/>
+                    <a:lstStyle/>
+                    <a:p>
+                      <a:pPr algn="just">
+                        <a:lnSpc>
+                          <a:spcPct val="107000"/>
+                        </a:lnSpc>
+                        <a:spcAft>
+                          <a:spcPts val="0"/>
+                        </a:spcAft>
+                      </a:pPr>
+                      <a:r>
+                        <a:rPr lang="de-DE" sz="1100">
+                          <a:effectLst/>
+                        </a:rPr>
+                        <a:t>LinkedList* linkedList</a:t>
+                      </a:r>
+                    </a:p>
+                    <a:p>
+                      <a:pPr algn="just">
+                        <a:lnSpc>
+                          <a:spcPct val="107000"/>
+                        </a:lnSpc>
+                        <a:spcAft>
+                          <a:spcPts val="0"/>
+                        </a:spcAft>
+                      </a:pPr>
+                      <a:r>
+                        <a:rPr lang="en-US" sz="1100">
+                          <a:effectLst/>
+                        </a:rPr>
+                        <a:t>unsigned int index</a:t>
+                      </a:r>
+                      <a:endParaRPr lang="de-DE" sz="1100">
+                        <a:effectLst/>
+                      </a:endParaRPr>
+                    </a:p>
+                    <a:p>
+                      <a:pPr algn="just">
+                        <a:lnSpc>
+                          <a:spcPct val="107000"/>
+                        </a:lnSpc>
+                        <a:spcAft>
+                          <a:spcPts val="0"/>
+                        </a:spcAft>
+                      </a:pPr>
+                      <a:r>
+                        <a:rPr lang="en-US" sz="1100">
+                          <a:effectLst/>
+                        </a:rPr>
+                        <a:t>void* element</a:t>
+                      </a:r>
+                      <a:endParaRPr lang="de-DE" sz="1100">
+                        <a:effectLst/>
+                        <a:latin typeface="Calibri" panose="020F0502020204030204" pitchFamily="34" charset="0"/>
+                        <a:ea typeface="Calibri" panose="020F0502020204030204" pitchFamily="34" charset="0"/>
+                        <a:cs typeface="Times New Roman" panose="02020603050405020304" pitchFamily="18" charset="0"/>
+                      </a:endParaRPr>
+                    </a:p>
+                  </a:txBody>
+                  <a:tcPr marL="68580" marR="68580" marT="0" marB="0"/>
+                </a:tc>
+                <a:tc>
+                  <a:txBody>
+                    <a:bodyPr/>
+                    <a:lstStyle/>
+                    <a:p>
+                      <a:pPr algn="just">
+                        <a:lnSpc>
+                          <a:spcPct val="107000"/>
+                        </a:lnSpc>
+                        <a:spcAft>
+                          <a:spcPts val="0"/>
+                        </a:spcAft>
+                      </a:pPr>
+                      <a:r>
+                        <a:rPr lang="de-DE" sz="1100">
+                          <a:effectLst/>
+                        </a:rPr>
+                        <a:t>Liest Wert aus gegebener Position</a:t>
+                      </a:r>
+                      <a:endParaRPr lang="de-DE" sz="1100">
+                        <a:effectLst/>
+                        <a:latin typeface="Calibri" panose="020F0502020204030204" pitchFamily="34" charset="0"/>
+                        <a:ea typeface="Calibri" panose="020F0502020204030204" pitchFamily="34" charset="0"/>
+                        <a:cs typeface="Times New Roman" panose="02020603050405020304" pitchFamily="18" charset="0"/>
+                      </a:endParaRPr>
+                    </a:p>
+                  </a:txBody>
+                  <a:tcPr marL="68580" marR="68580" marT="0" marB="0"/>
+                </a:tc>
+              </a:tr>
+              <a:tr h="433686">
+                <a:tc>
+                  <a:txBody>
+                    <a:bodyPr/>
+                    <a:lstStyle/>
+                    <a:p>
+                      <a:pPr algn="just">
+                        <a:lnSpc>
+                          <a:spcPct val="107000"/>
+                        </a:lnSpc>
+                        <a:spcAft>
+                          <a:spcPts val="0"/>
+                        </a:spcAft>
+                      </a:pPr>
+                      <a:r>
+                        <a:rPr lang="de-DE" sz="1100" dirty="0" err="1">
+                          <a:effectLst/>
+                        </a:rPr>
+                        <a:t>LinkedListGetNode</a:t>
+                      </a:r>
+                      <a:endParaRPr lang="de-DE" sz="1100" dirty="0">
+                        <a:effectLst/>
+                        <a:latin typeface="Calibri" panose="020F0502020204030204" pitchFamily="34" charset="0"/>
+                        <a:ea typeface="Calibri" panose="020F0502020204030204" pitchFamily="34" charset="0"/>
+                        <a:cs typeface="Times New Roman" panose="02020603050405020304" pitchFamily="18" charset="0"/>
+                      </a:endParaRPr>
+                    </a:p>
+                  </a:txBody>
+                  <a:tcPr marL="68580" marR="68580" marT="0" marB="0"/>
+                </a:tc>
+                <a:tc>
+                  <a:txBody>
+                    <a:bodyPr/>
+                    <a:lstStyle/>
+                    <a:p>
+                      <a:pPr algn="just">
+                        <a:lnSpc>
+                          <a:spcPct val="107000"/>
+                        </a:lnSpc>
+                        <a:spcAft>
+                          <a:spcPts val="0"/>
+                        </a:spcAft>
+                      </a:pPr>
+                      <a:r>
+                        <a:rPr lang="de-DE" sz="1100">
+                          <a:effectLst/>
+                        </a:rPr>
+                        <a:t>CollectionError</a:t>
+                      </a:r>
+                      <a:endParaRPr lang="de-DE" sz="1100">
+                        <a:effectLst/>
+                        <a:latin typeface="Calibri" panose="020F0502020204030204" pitchFamily="34" charset="0"/>
+                        <a:ea typeface="Calibri" panose="020F0502020204030204" pitchFamily="34" charset="0"/>
+                        <a:cs typeface="Times New Roman" panose="02020603050405020304" pitchFamily="18" charset="0"/>
+                      </a:endParaRPr>
+                    </a:p>
+                  </a:txBody>
+                  <a:tcPr marL="68580" marR="68580" marT="0" marB="0"/>
+                </a:tc>
+                <a:tc>
+                  <a:txBody>
+                    <a:bodyPr/>
+                    <a:lstStyle/>
+                    <a:p>
+                      <a:pPr algn="just">
+                        <a:lnSpc>
+                          <a:spcPct val="107000"/>
+                        </a:lnSpc>
+                        <a:spcAft>
+                          <a:spcPts val="0"/>
+                        </a:spcAft>
+                      </a:pPr>
+                      <a:r>
+                        <a:rPr lang="de-DE" sz="1100">
+                          <a:effectLst/>
+                        </a:rPr>
+                        <a:t>LinkedList* linkedList</a:t>
+                      </a:r>
+                    </a:p>
+                    <a:p>
+                      <a:pPr algn="just">
+                        <a:lnSpc>
+                          <a:spcPct val="107000"/>
+                        </a:lnSpc>
+                        <a:spcAft>
+                          <a:spcPts val="0"/>
+                        </a:spcAft>
+                      </a:pPr>
+                      <a:r>
+                        <a:rPr lang="de-DE" sz="1100">
+                          <a:effectLst/>
+                        </a:rPr>
+                        <a:t>unsigned int index</a:t>
+                      </a:r>
+                    </a:p>
+                    <a:p>
+                      <a:pPr algn="just">
+                        <a:lnSpc>
+                          <a:spcPct val="107000"/>
+                        </a:lnSpc>
+                        <a:spcAft>
+                          <a:spcPts val="0"/>
+                        </a:spcAft>
+                      </a:pPr>
+                      <a:r>
+                        <a:rPr lang="de-DE" sz="1100">
+                          <a:effectLst/>
+                        </a:rPr>
+                        <a:t>LinkedListNode** linkedListNode</a:t>
+                      </a:r>
+                      <a:endParaRPr lang="de-DE" sz="1100">
+                        <a:effectLst/>
+                        <a:latin typeface="Calibri" panose="020F0502020204030204" pitchFamily="34" charset="0"/>
+                        <a:ea typeface="Calibri" panose="020F0502020204030204" pitchFamily="34" charset="0"/>
+                        <a:cs typeface="Times New Roman" panose="02020603050405020304" pitchFamily="18" charset="0"/>
+                      </a:endParaRPr>
+                    </a:p>
+                  </a:txBody>
+                  <a:tcPr marL="68580" marR="68580" marT="0" marB="0"/>
+                </a:tc>
+                <a:tc>
+                  <a:txBody>
+                    <a:bodyPr/>
+                    <a:lstStyle/>
+                    <a:p>
+                      <a:pPr algn="just">
+                        <a:lnSpc>
+                          <a:spcPct val="107000"/>
+                        </a:lnSpc>
+                        <a:spcAft>
+                          <a:spcPts val="0"/>
+                        </a:spcAft>
+                      </a:pPr>
+                      <a:r>
+                        <a:rPr lang="de-DE" sz="1100">
+                          <a:effectLst/>
+                        </a:rPr>
+                        <a:t>Liest Knoten aus gegebener Position</a:t>
+                      </a:r>
+                      <a:endParaRPr lang="de-DE" sz="1100">
+                        <a:effectLst/>
+                        <a:latin typeface="Calibri" panose="020F0502020204030204" pitchFamily="34" charset="0"/>
+                        <a:ea typeface="Calibri" panose="020F0502020204030204" pitchFamily="34" charset="0"/>
+                        <a:cs typeface="Times New Roman" panose="02020603050405020304" pitchFamily="18" charset="0"/>
+                      </a:endParaRPr>
+                    </a:p>
+                  </a:txBody>
+                  <a:tcPr marL="68580" marR="68580" marT="0" marB="0"/>
+                </a:tc>
+              </a:tr>
+              <a:tr h="433686">
+                <a:tc>
+                  <a:txBody>
+                    <a:bodyPr/>
+                    <a:lstStyle/>
+                    <a:p>
+                      <a:pPr algn="just">
+                        <a:lnSpc>
+                          <a:spcPct val="107000"/>
+                        </a:lnSpc>
+                        <a:spcAft>
+                          <a:spcPts val="0"/>
+                        </a:spcAft>
+                      </a:pPr>
+                      <a:r>
+                        <a:rPr lang="de-DE" sz="1100">
+                          <a:effectLst/>
+                        </a:rPr>
+                        <a:t>LinkedListGetLastElement</a:t>
+                      </a:r>
+                      <a:endParaRPr lang="de-DE" sz="1100">
+                        <a:effectLst/>
+                        <a:latin typeface="Calibri" panose="020F0502020204030204" pitchFamily="34" charset="0"/>
+                        <a:ea typeface="Calibri" panose="020F0502020204030204" pitchFamily="34" charset="0"/>
+                        <a:cs typeface="Times New Roman" panose="02020603050405020304" pitchFamily="18" charset="0"/>
+                      </a:endParaRPr>
+                    </a:p>
+                  </a:txBody>
+                  <a:tcPr marL="68580" marR="68580" marT="0" marB="0"/>
+                </a:tc>
+                <a:tc>
+                  <a:txBody>
+                    <a:bodyPr/>
+                    <a:lstStyle/>
+                    <a:p>
+                      <a:pPr algn="just">
+                        <a:lnSpc>
+                          <a:spcPct val="107000"/>
+                        </a:lnSpc>
+                        <a:spcAft>
+                          <a:spcPts val="0"/>
+                        </a:spcAft>
+                      </a:pPr>
+                      <a:r>
+                        <a:rPr lang="de-DE" sz="1100">
+                          <a:effectLst/>
+                        </a:rPr>
+                        <a:t>CollectionError</a:t>
+                      </a:r>
+                      <a:endParaRPr lang="de-DE" sz="1100">
+                        <a:effectLst/>
+                        <a:latin typeface="Calibri" panose="020F0502020204030204" pitchFamily="34" charset="0"/>
+                        <a:ea typeface="Calibri" panose="020F0502020204030204" pitchFamily="34" charset="0"/>
+                        <a:cs typeface="Times New Roman" panose="02020603050405020304" pitchFamily="18" charset="0"/>
+                      </a:endParaRPr>
+                    </a:p>
+                  </a:txBody>
+                  <a:tcPr marL="68580" marR="68580" marT="0" marB="0"/>
+                </a:tc>
+                <a:tc>
+                  <a:txBody>
+                    <a:bodyPr/>
+                    <a:lstStyle/>
+                    <a:p>
+                      <a:pPr algn="just">
+                        <a:lnSpc>
+                          <a:spcPct val="107000"/>
+                        </a:lnSpc>
+                        <a:spcAft>
+                          <a:spcPts val="0"/>
+                        </a:spcAft>
+                      </a:pPr>
+                      <a:r>
+                        <a:rPr lang="de-DE" sz="1100">
+                          <a:effectLst/>
+                        </a:rPr>
+                        <a:t>LinkedList* linkedList</a:t>
+                      </a:r>
+                    </a:p>
+                    <a:p>
+                      <a:pPr algn="just">
+                        <a:lnSpc>
+                          <a:spcPct val="107000"/>
+                        </a:lnSpc>
+                        <a:spcAft>
+                          <a:spcPts val="0"/>
+                        </a:spcAft>
+                      </a:pPr>
+                      <a:r>
+                        <a:rPr lang="de-DE" sz="1100">
+                          <a:effectLst/>
+                        </a:rPr>
+                        <a:t>LinkedListNode** linkedListNode</a:t>
+                      </a:r>
+                      <a:endParaRPr lang="de-DE" sz="1100">
+                        <a:effectLst/>
+                        <a:latin typeface="Calibri" panose="020F0502020204030204" pitchFamily="34" charset="0"/>
+                        <a:ea typeface="Calibri" panose="020F0502020204030204" pitchFamily="34" charset="0"/>
+                        <a:cs typeface="Times New Roman" panose="02020603050405020304" pitchFamily="18" charset="0"/>
+                      </a:endParaRPr>
+                    </a:p>
+                  </a:txBody>
+                  <a:tcPr marL="68580" marR="68580" marT="0" marB="0"/>
+                </a:tc>
+                <a:tc>
+                  <a:txBody>
+                    <a:bodyPr/>
+                    <a:lstStyle/>
+                    <a:p>
+                      <a:pPr algn="just">
+                        <a:lnSpc>
+                          <a:spcPct val="107000"/>
+                        </a:lnSpc>
+                        <a:spcAft>
+                          <a:spcPts val="0"/>
+                        </a:spcAft>
+                      </a:pPr>
+                      <a:r>
+                        <a:rPr lang="de-DE" sz="1100" dirty="0">
+                          <a:effectLst/>
+                        </a:rPr>
+                        <a:t>Liest letzten Knoten</a:t>
+                      </a:r>
+                      <a:endParaRPr lang="de-DE" sz="1100" dirty="0">
+                        <a:effectLst/>
+                        <a:latin typeface="Calibri" panose="020F0502020204030204" pitchFamily="34" charset="0"/>
+                        <a:ea typeface="Calibri" panose="020F0502020204030204" pitchFamily="34" charset="0"/>
+                        <a:cs typeface="Times New Roman" panose="02020603050405020304" pitchFamily="18" charset="0"/>
+                      </a:endParaRPr>
+                    </a:p>
+                  </a:txBody>
+                  <a:tcPr marL="68580" marR="68580" marT="0" marB="0"/>
+                </a:tc>
+              </a:tr>
+            </a:tbl>
+          </a:graphicData>
+        </a:graphic>
+      </p:graphicFrame>
+    </p:spTree>
+    <p:extLst>
+      <p:ext uri="{BB962C8B-B14F-4D97-AF65-F5344CB8AC3E}">
+        <p14:creationId xmlns:p14="http://schemas.microsoft.com/office/powerpoint/2010/main" val="480397942"/>
+      </p:ext>
+    </p:extLst>
+  </p:cSld>
+  <p:clrMapOvr>
+    <a:masterClrMapping/>
+  </p:clrMapOvr>
+</p:sld>
+</file>
+
+<file path=ppt/slides/slide19.xml><?xml version="1.0" encoding="utf-8"?>
+<p:sld xmlns:a="http://schemas.openxmlformats.org/drawingml/2006/main" xmlns:r="http://schemas.openxmlformats.org/officeDocument/2006/relationships" xmlns:p="http://schemas.openxmlformats.org/presentationml/2006/main">
+  <p:cSld>
+    <p:spTree>
+      <p:nvGrpSpPr>
+        <p:cNvPr id="1" name=""/>
+        <p:cNvGrpSpPr/>
+        <p:nvPr/>
+      </p:nvGrpSpPr>
+      <p:grpSpPr>
+        <a:xfrm>
+          <a:off x="0" y="0"/>
+          <a:ext cx="0" cy="0"/>
+          <a:chOff x="0" y="0"/>
+          <a:chExt cx="0" cy="0"/>
+        </a:xfrm>
+      </p:grpSpPr>
+      <p:sp>
+        <p:nvSpPr>
+          <p:cNvPr id="10" name="Foliennummernplatzhalter 9">
+            <a:extLst>
+              <a:ext uri="{FF2B5EF4-FFF2-40B4-BE49-F238E27FC236}">
+                <a16:creationId xmlns:a16="http://schemas.microsoft.com/office/drawing/2014/main" xmlns="" id="{D931436D-0B25-4BC2-AB85-D177B4C7ED90}"/>
+              </a:ext>
+            </a:extLst>
+          </p:cNvPr>
+          <p:cNvSpPr>
+            <a:spLocks noGrp="1"/>
+          </p:cNvSpPr>
+          <p:nvPr>
+            <p:ph type="sldNum" sz="quarter" idx="12"/>
+          </p:nvPr>
+        </p:nvSpPr>
+        <p:spPr>
+          <a:xfrm>
+            <a:off x="9273076" y="6421667"/>
+            <a:ext cx="2743200" cy="365125"/>
+          </a:xfrm>
+        </p:spPr>
+        <p:txBody>
+          <a:bodyPr/>
+          <a:lstStyle/>
+          <a:p>
+            <a:r>
+              <a:rPr lang="de-DE" sz="1000" b="1" dirty="0">
+                <a:solidFill>
+                  <a:schemeClr val="tx1"/>
+                </a:solidFill>
+              </a:rPr>
+              <a:t>Seite </a:t>
+            </a:r>
+            <a:fld id="{2ACCF16B-2666-47AE-ACDC-C377DF350193}" type="slidenum">
+              <a:rPr lang="de-DE" sz="1000" b="1" smtClean="0">
+                <a:solidFill>
+                  <a:schemeClr val="tx1"/>
+                </a:solidFill>
+              </a:rPr>
+              <a:t>19</a:t>
+            </a:fld>
+            <a:endParaRPr lang="de-DE" sz="1000" b="1" dirty="0">
+              <a:solidFill>
+                <a:schemeClr val="tx1"/>
+              </a:solidFill>
+            </a:endParaRPr>
+          </a:p>
+        </p:txBody>
+      </p:sp>
+      <p:cxnSp>
+        <p:nvCxnSpPr>
+          <p:cNvPr id="12" name="Gerader Verbinder 11">
+            <a:extLst>
+              <a:ext uri="{FF2B5EF4-FFF2-40B4-BE49-F238E27FC236}">
+                <a16:creationId xmlns:a16="http://schemas.microsoft.com/office/drawing/2014/main" xmlns="" id="{4A855513-E5C1-4F05-A8FD-33AC62C22A5E}"/>
+              </a:ext>
+            </a:extLst>
+          </p:cNvPr>
+          <p:cNvCxnSpPr/>
+          <p:nvPr/>
+        </p:nvCxnSpPr>
+        <p:spPr>
+          <a:xfrm>
+            <a:off x="0" y="737118"/>
+            <a:ext cx="12192000" cy="0"/>
+          </a:xfrm>
+          <a:prstGeom prst="line">
+            <a:avLst/>
+          </a:prstGeom>
+          <a:ln w="15875">
+            <a:solidFill>
+              <a:srgbClr val="3333CC"/>
+            </a:solidFill>
+          </a:ln>
+        </p:spPr>
+        <p:style>
+          <a:lnRef idx="1">
+            <a:schemeClr val="accent1"/>
+          </a:lnRef>
+          <a:fillRef idx="0">
+            <a:schemeClr val="accent1"/>
+          </a:fillRef>
+          <a:effectRef idx="0">
+            <a:schemeClr val="accent1"/>
+          </a:effectRef>
+          <a:fontRef idx="minor">
+            <a:schemeClr val="tx1"/>
+          </a:fontRef>
+        </p:style>
+      </p:cxnSp>
+      <p:cxnSp>
+        <p:nvCxnSpPr>
+          <p:cNvPr id="13" name="Gerader Verbinder 12">
+            <a:extLst>
+              <a:ext uri="{FF2B5EF4-FFF2-40B4-BE49-F238E27FC236}">
+                <a16:creationId xmlns:a16="http://schemas.microsoft.com/office/drawing/2014/main" xmlns="" id="{F2778992-5E28-437C-AEA9-F9BBD6E6F5BB}"/>
+              </a:ext>
+            </a:extLst>
+          </p:cNvPr>
+          <p:cNvCxnSpPr/>
+          <p:nvPr/>
+        </p:nvCxnSpPr>
+        <p:spPr>
+          <a:xfrm>
+            <a:off x="0" y="6356350"/>
+            <a:ext cx="12192000" cy="0"/>
+          </a:xfrm>
+          <a:prstGeom prst="line">
+            <a:avLst/>
+          </a:prstGeom>
+          <a:ln w="15875">
+            <a:solidFill>
+              <a:srgbClr val="3333CC"/>
+            </a:solidFill>
+          </a:ln>
+        </p:spPr>
+        <p:style>
+          <a:lnRef idx="1">
+            <a:schemeClr val="accent1"/>
+          </a:lnRef>
+          <a:fillRef idx="0">
+            <a:schemeClr val="accent1"/>
+          </a:fillRef>
+          <a:effectRef idx="0">
+            <a:schemeClr val="accent1"/>
+          </a:effectRef>
+          <a:fontRef idx="minor">
+            <a:schemeClr val="tx1"/>
+          </a:fontRef>
+        </p:style>
+      </p:cxnSp>
+      <p:sp>
+        <p:nvSpPr>
+          <p:cNvPr id="14" name="Textfeld 13">
+            <a:extLst>
+              <a:ext uri="{FF2B5EF4-FFF2-40B4-BE49-F238E27FC236}">
+                <a16:creationId xmlns:a16="http://schemas.microsoft.com/office/drawing/2014/main" xmlns="" id="{6CF8FF9D-8A98-4CFA-94C2-E2074112639C}"/>
+              </a:ext>
+            </a:extLst>
+          </p:cNvPr>
+          <p:cNvSpPr txBox="1"/>
+          <p:nvPr/>
+        </p:nvSpPr>
+        <p:spPr>
+          <a:xfrm>
+            <a:off x="2653004" y="215779"/>
+            <a:ext cx="6885992" cy="369332"/>
+          </a:xfrm>
+          <a:prstGeom prst="rect">
+            <a:avLst/>
+          </a:prstGeom>
+          <a:noFill/>
+        </p:spPr>
+        <p:txBody>
+          <a:bodyPr wrap="square" rtlCol="0">
+            <a:spAutoFit/>
+          </a:bodyPr>
+          <a:lstStyle/>
+          <a:p>
+            <a:pPr algn="ctr"/>
+            <a:r>
+              <a:rPr lang="de-DE" b="1" dirty="0"/>
+              <a:t>Dynamische Container in C</a:t>
+            </a:r>
+          </a:p>
+        </p:txBody>
+      </p:sp>
+      <p:sp>
+        <p:nvSpPr>
+          <p:cNvPr id="6" name="Textfeld 5">
+            <a:extLst>
+              <a:ext uri="{FF2B5EF4-FFF2-40B4-BE49-F238E27FC236}">
+                <a16:creationId xmlns:a16="http://schemas.microsoft.com/office/drawing/2014/main" xmlns="" id="{8E05CB3E-FC8B-4C84-8452-A027AF29808D}"/>
+              </a:ext>
+            </a:extLst>
+          </p:cNvPr>
+          <p:cNvSpPr txBox="1"/>
+          <p:nvPr/>
+        </p:nvSpPr>
+        <p:spPr>
+          <a:xfrm>
+            <a:off x="485191" y="1154923"/>
+            <a:ext cx="3788228" cy="1015663"/>
+          </a:xfrm>
+          <a:prstGeom prst="rect">
+            <a:avLst/>
+          </a:prstGeom>
+          <a:noFill/>
+        </p:spPr>
+        <p:txBody>
+          <a:bodyPr wrap="square" rtlCol="0">
+            <a:spAutoFit/>
+          </a:bodyPr>
+          <a:lstStyle/>
+          <a:p>
+            <a:r>
+              <a:rPr lang="de-DE" sz="2000" b="1" dirty="0" smtClean="0"/>
+              <a:t>3</a:t>
+            </a:r>
+            <a:r>
+              <a:rPr lang="de-DE" sz="2000" b="1" dirty="0" smtClean="0"/>
+              <a:t> String</a:t>
+            </a:r>
+            <a:endParaRPr lang="de-DE" sz="2000" b="1" dirty="0"/>
+          </a:p>
+          <a:p>
+            <a:endParaRPr lang="de-DE" sz="2000" b="1" dirty="0"/>
+          </a:p>
+          <a:p>
+            <a:r>
+              <a:rPr lang="de-DE" sz="2000" b="1" dirty="0"/>
+              <a:t> 	</a:t>
+            </a:r>
+            <a:endParaRPr lang="de-DE" sz="2000" dirty="0"/>
+          </a:p>
+        </p:txBody>
+      </p:sp>
+    </p:spTree>
+    <p:extLst>
+      <p:ext uri="{BB962C8B-B14F-4D97-AF65-F5344CB8AC3E}">
+        <p14:creationId xmlns:p14="http://schemas.microsoft.com/office/powerpoint/2010/main" val="3081667605"/>
       </p:ext>
     </p:extLst>
   </p:cSld>
@@ -5174,7 +9862,7 @@
           <p:cNvPr id="10" name="Foliennummernplatzhalter 9">
             <a:extLst>
               <a:ext uri="{FF2B5EF4-FFF2-40B4-BE49-F238E27FC236}">
-                <a16:creationId xmlns:a16="http://schemas.microsoft.com/office/drawing/2014/main" id="{D931436D-0B25-4BC2-AB85-D177B4C7ED90}"/>
+                <a16:creationId xmlns:a16="http://schemas.microsoft.com/office/drawing/2014/main" xmlns="" id="{D931436D-0B25-4BC2-AB85-D177B4C7ED90}"/>
               </a:ext>
             </a:extLst>
           </p:cNvPr>
@@ -5224,7 +9912,7 @@
           <p:cNvPr id="12" name="Gerader Verbinder 11">
             <a:extLst>
               <a:ext uri="{FF2B5EF4-FFF2-40B4-BE49-F238E27FC236}">
-                <a16:creationId xmlns:a16="http://schemas.microsoft.com/office/drawing/2014/main" id="{4A855513-E5C1-4F05-A8FD-33AC62C22A5E}"/>
+                <a16:creationId xmlns:a16="http://schemas.microsoft.com/office/drawing/2014/main" xmlns="" id="{4A855513-E5C1-4F05-A8FD-33AC62C22A5E}"/>
               </a:ext>
             </a:extLst>
           </p:cNvPr>
@@ -5265,7 +9953,7 @@
           <p:cNvPr id="13" name="Gerader Verbinder 12">
             <a:extLst>
               <a:ext uri="{FF2B5EF4-FFF2-40B4-BE49-F238E27FC236}">
-                <a16:creationId xmlns:a16="http://schemas.microsoft.com/office/drawing/2014/main" id="{F2778992-5E28-437C-AEA9-F9BBD6E6F5BB}"/>
+                <a16:creationId xmlns:a16="http://schemas.microsoft.com/office/drawing/2014/main" xmlns="" id="{F2778992-5E28-437C-AEA9-F9BBD6E6F5BB}"/>
               </a:ext>
             </a:extLst>
           </p:cNvPr>
@@ -5306,7 +9994,7 @@
           <p:cNvPr id="14" name="Textfeld 13">
             <a:extLst>
               <a:ext uri="{FF2B5EF4-FFF2-40B4-BE49-F238E27FC236}">
-                <a16:creationId xmlns:a16="http://schemas.microsoft.com/office/drawing/2014/main" id="{6CF8FF9D-8A98-4CFA-94C2-E2074112639C}"/>
+                <a16:creationId xmlns:a16="http://schemas.microsoft.com/office/drawing/2014/main" xmlns="" id="{6CF8FF9D-8A98-4CFA-94C2-E2074112639C}"/>
               </a:ext>
             </a:extLst>
           </p:cNvPr>
@@ -5342,7 +10030,7 @@
           <p:cNvPr id="15" name="Textfeld 14">
             <a:extLst>
               <a:ext uri="{FF2B5EF4-FFF2-40B4-BE49-F238E27FC236}">
-                <a16:creationId xmlns:a16="http://schemas.microsoft.com/office/drawing/2014/main" id="{DD417980-0DD8-4DD7-BE87-C974912B8B82}"/>
+                <a16:creationId xmlns:a16="http://schemas.microsoft.com/office/drawing/2014/main" xmlns="" id="{DD417980-0DD8-4DD7-BE87-C974912B8B82}"/>
               </a:ext>
             </a:extLst>
           </p:cNvPr>
@@ -5377,7 +10065,7 @@
           <p:cNvPr id="17" name="Textfeld 16">
             <a:extLst>
               <a:ext uri="{FF2B5EF4-FFF2-40B4-BE49-F238E27FC236}">
-                <a16:creationId xmlns:a16="http://schemas.microsoft.com/office/drawing/2014/main" id="{BCB027A4-8BDB-4515-B3E5-91B6A22A1E00}"/>
+                <a16:creationId xmlns:a16="http://schemas.microsoft.com/office/drawing/2014/main" xmlns="" id="{BCB027A4-8BDB-4515-B3E5-91B6A22A1E00}"/>
               </a:ext>
             </a:extLst>
           </p:cNvPr>
@@ -5466,7 +10154,7 @@
           <p:cNvPr id="19" name="Textfeld 18">
             <a:extLst>
               <a:ext uri="{FF2B5EF4-FFF2-40B4-BE49-F238E27FC236}">
-                <a16:creationId xmlns:a16="http://schemas.microsoft.com/office/drawing/2014/main" id="{C814F180-BEAD-4EF5-9E52-0A793EAC896B}"/>
+                <a16:creationId xmlns:a16="http://schemas.microsoft.com/office/drawing/2014/main" xmlns="" id="{C814F180-BEAD-4EF5-9E52-0A793EAC896B}"/>
               </a:ext>
             </a:extLst>
           </p:cNvPr>
@@ -5506,7 +10194,7 @@
           <p:cNvPr id="21" name="Textfeld 20">
             <a:extLst>
               <a:ext uri="{FF2B5EF4-FFF2-40B4-BE49-F238E27FC236}">
-                <a16:creationId xmlns:a16="http://schemas.microsoft.com/office/drawing/2014/main" id="{57069215-89D3-4945-A74E-2B00B8E15F6C}"/>
+                <a16:creationId xmlns:a16="http://schemas.microsoft.com/office/drawing/2014/main" xmlns="" id="{57069215-89D3-4945-A74E-2B00B8E15F6C}"/>
               </a:ext>
             </a:extLst>
           </p:cNvPr>
@@ -5627,6 +10315,204 @@
     <p:extLst>
       <p:ext uri="{BB962C8B-B14F-4D97-AF65-F5344CB8AC3E}">
         <p14:creationId xmlns:p14="http://schemas.microsoft.com/office/powerpoint/2010/main" val="2146450357"/>
+      </p:ext>
+    </p:extLst>
+  </p:cSld>
+  <p:clrMapOvr>
+    <a:masterClrMapping/>
+  </p:clrMapOvr>
+</p:sld>
+</file>
+
+<file path=ppt/slides/slide20.xml><?xml version="1.0" encoding="utf-8"?>
+<p:sld xmlns:a="http://schemas.openxmlformats.org/drawingml/2006/main" xmlns:r="http://schemas.openxmlformats.org/officeDocument/2006/relationships" xmlns:p="http://schemas.openxmlformats.org/presentationml/2006/main">
+  <p:cSld>
+    <p:spTree>
+      <p:nvGrpSpPr>
+        <p:cNvPr id="1" name=""/>
+        <p:cNvGrpSpPr/>
+        <p:nvPr/>
+      </p:nvGrpSpPr>
+      <p:grpSpPr>
+        <a:xfrm>
+          <a:off x="0" y="0"/>
+          <a:ext cx="0" cy="0"/>
+          <a:chOff x="0" y="0"/>
+          <a:chExt cx="0" cy="0"/>
+        </a:xfrm>
+      </p:grpSpPr>
+      <p:sp>
+        <p:nvSpPr>
+          <p:cNvPr id="10" name="Foliennummernplatzhalter 9">
+            <a:extLst>
+              <a:ext uri="{FF2B5EF4-FFF2-40B4-BE49-F238E27FC236}">
+                <a16:creationId xmlns:a16="http://schemas.microsoft.com/office/drawing/2014/main" xmlns="" id="{D931436D-0B25-4BC2-AB85-D177B4C7ED90}"/>
+              </a:ext>
+            </a:extLst>
+          </p:cNvPr>
+          <p:cNvSpPr>
+            <a:spLocks noGrp="1"/>
+          </p:cNvSpPr>
+          <p:nvPr>
+            <p:ph type="sldNum" sz="quarter" idx="12"/>
+          </p:nvPr>
+        </p:nvSpPr>
+        <p:spPr>
+          <a:xfrm>
+            <a:off x="9273076" y="6421667"/>
+            <a:ext cx="2743200" cy="365125"/>
+          </a:xfrm>
+        </p:spPr>
+        <p:txBody>
+          <a:bodyPr/>
+          <a:lstStyle/>
+          <a:p>
+            <a:r>
+              <a:rPr lang="de-DE" sz="1000" b="1" dirty="0">
+                <a:solidFill>
+                  <a:schemeClr val="tx1"/>
+                </a:solidFill>
+              </a:rPr>
+              <a:t>Seite </a:t>
+            </a:r>
+            <a:fld id="{2ACCF16B-2666-47AE-ACDC-C377DF350193}" type="slidenum">
+              <a:rPr lang="de-DE" sz="1000" b="1" smtClean="0">
+                <a:solidFill>
+                  <a:schemeClr val="tx1"/>
+                </a:solidFill>
+              </a:rPr>
+              <a:t>20</a:t>
+            </a:fld>
+            <a:endParaRPr lang="de-DE" sz="1000" b="1" dirty="0">
+              <a:solidFill>
+                <a:schemeClr val="tx1"/>
+              </a:solidFill>
+            </a:endParaRPr>
+          </a:p>
+        </p:txBody>
+      </p:sp>
+      <p:cxnSp>
+        <p:nvCxnSpPr>
+          <p:cNvPr id="12" name="Gerader Verbinder 11">
+            <a:extLst>
+              <a:ext uri="{FF2B5EF4-FFF2-40B4-BE49-F238E27FC236}">
+                <a16:creationId xmlns:a16="http://schemas.microsoft.com/office/drawing/2014/main" xmlns="" id="{4A855513-E5C1-4F05-A8FD-33AC62C22A5E}"/>
+              </a:ext>
+            </a:extLst>
+          </p:cNvPr>
+          <p:cNvCxnSpPr/>
+          <p:nvPr/>
+        </p:nvCxnSpPr>
+        <p:spPr>
+          <a:xfrm>
+            <a:off x="0" y="737118"/>
+            <a:ext cx="12192000" cy="0"/>
+          </a:xfrm>
+          <a:prstGeom prst="line">
+            <a:avLst/>
+          </a:prstGeom>
+          <a:ln w="15875">
+            <a:solidFill>
+              <a:srgbClr val="3333CC"/>
+            </a:solidFill>
+          </a:ln>
+        </p:spPr>
+        <p:style>
+          <a:lnRef idx="1">
+            <a:schemeClr val="accent1"/>
+          </a:lnRef>
+          <a:fillRef idx="0">
+            <a:schemeClr val="accent1"/>
+          </a:fillRef>
+          <a:effectRef idx="0">
+            <a:schemeClr val="accent1"/>
+          </a:effectRef>
+          <a:fontRef idx="minor">
+            <a:schemeClr val="tx1"/>
+          </a:fontRef>
+        </p:style>
+      </p:cxnSp>
+      <p:cxnSp>
+        <p:nvCxnSpPr>
+          <p:cNvPr id="13" name="Gerader Verbinder 12">
+            <a:extLst>
+              <a:ext uri="{FF2B5EF4-FFF2-40B4-BE49-F238E27FC236}">
+                <a16:creationId xmlns:a16="http://schemas.microsoft.com/office/drawing/2014/main" xmlns="" id="{F2778992-5E28-437C-AEA9-F9BBD6E6F5BB}"/>
+              </a:ext>
+            </a:extLst>
+          </p:cNvPr>
+          <p:cNvCxnSpPr/>
+          <p:nvPr/>
+        </p:nvCxnSpPr>
+        <p:spPr>
+          <a:xfrm>
+            <a:off x="0" y="6356350"/>
+            <a:ext cx="12192000" cy="0"/>
+          </a:xfrm>
+          <a:prstGeom prst="line">
+            <a:avLst/>
+          </a:prstGeom>
+          <a:ln w="15875">
+            <a:solidFill>
+              <a:srgbClr val="3333CC"/>
+            </a:solidFill>
+          </a:ln>
+        </p:spPr>
+        <p:style>
+          <a:lnRef idx="1">
+            <a:schemeClr val="accent1"/>
+          </a:lnRef>
+          <a:fillRef idx="0">
+            <a:schemeClr val="accent1"/>
+          </a:fillRef>
+          <a:effectRef idx="0">
+            <a:schemeClr val="accent1"/>
+          </a:effectRef>
+          <a:fontRef idx="minor">
+            <a:schemeClr val="tx1"/>
+          </a:fontRef>
+        </p:style>
+      </p:cxnSp>
+      <p:sp>
+        <p:nvSpPr>
+          <p:cNvPr id="14" name="Textfeld 13">
+            <a:extLst>
+              <a:ext uri="{FF2B5EF4-FFF2-40B4-BE49-F238E27FC236}">
+                <a16:creationId xmlns:a16="http://schemas.microsoft.com/office/drawing/2014/main" xmlns="" id="{6CF8FF9D-8A98-4CFA-94C2-E2074112639C}"/>
+              </a:ext>
+            </a:extLst>
+          </p:cNvPr>
+          <p:cNvSpPr txBox="1"/>
+          <p:nvPr/>
+        </p:nvSpPr>
+        <p:spPr>
+          <a:xfrm>
+            <a:off x="2653004" y="215779"/>
+            <a:ext cx="6885992" cy="369332"/>
+          </a:xfrm>
+          <a:prstGeom prst="rect">
+            <a:avLst/>
+          </a:prstGeom>
+          <a:noFill/>
+        </p:spPr>
+        <p:txBody>
+          <a:bodyPr wrap="square" rtlCol="0">
+            <a:spAutoFit/>
+          </a:bodyPr>
+          <a:lstStyle/>
+          <a:p>
+            <a:pPr algn="ctr"/>
+            <a:r>
+              <a:rPr lang="de-DE" b="1" dirty="0"/>
+              <a:t>Dynamische Container in C</a:t>
+            </a:r>
+          </a:p>
+        </p:txBody>
+      </p:sp>
+    </p:spTree>
+    <p:extLst>
+      <p:ext uri="{BB962C8B-B14F-4D97-AF65-F5344CB8AC3E}">
+        <p14:creationId xmlns:p14="http://schemas.microsoft.com/office/powerpoint/2010/main" val="1818660360"/>
       </p:ext>
     </p:extLst>
   </p:cSld>
@@ -5658,7 +10544,7 @@
           <p:cNvPr id="10" name="Foliennummernplatzhalter 9">
             <a:extLst>
               <a:ext uri="{FF2B5EF4-FFF2-40B4-BE49-F238E27FC236}">
-                <a16:creationId xmlns:a16="http://schemas.microsoft.com/office/drawing/2014/main" id="{D931436D-0B25-4BC2-AB85-D177B4C7ED90}"/>
+                <a16:creationId xmlns:a16="http://schemas.microsoft.com/office/drawing/2014/main" xmlns="" id="{D931436D-0B25-4BC2-AB85-D177B4C7ED90}"/>
               </a:ext>
             </a:extLst>
           </p:cNvPr>
@@ -5708,7 +10594,7 @@
           <p:cNvPr id="12" name="Gerader Verbinder 11">
             <a:extLst>
               <a:ext uri="{FF2B5EF4-FFF2-40B4-BE49-F238E27FC236}">
-                <a16:creationId xmlns:a16="http://schemas.microsoft.com/office/drawing/2014/main" id="{4A855513-E5C1-4F05-A8FD-33AC62C22A5E}"/>
+                <a16:creationId xmlns:a16="http://schemas.microsoft.com/office/drawing/2014/main" xmlns="" id="{4A855513-E5C1-4F05-A8FD-33AC62C22A5E}"/>
               </a:ext>
             </a:extLst>
           </p:cNvPr>
@@ -5749,7 +10635,7 @@
           <p:cNvPr id="13" name="Gerader Verbinder 12">
             <a:extLst>
               <a:ext uri="{FF2B5EF4-FFF2-40B4-BE49-F238E27FC236}">
-                <a16:creationId xmlns:a16="http://schemas.microsoft.com/office/drawing/2014/main" id="{F2778992-5E28-437C-AEA9-F9BBD6E6F5BB}"/>
+                <a16:creationId xmlns:a16="http://schemas.microsoft.com/office/drawing/2014/main" xmlns="" id="{F2778992-5E28-437C-AEA9-F9BBD6E6F5BB}"/>
               </a:ext>
             </a:extLst>
           </p:cNvPr>
@@ -5790,7 +10676,7 @@
           <p:cNvPr id="14" name="Textfeld 13">
             <a:extLst>
               <a:ext uri="{FF2B5EF4-FFF2-40B4-BE49-F238E27FC236}">
-                <a16:creationId xmlns:a16="http://schemas.microsoft.com/office/drawing/2014/main" id="{6CF8FF9D-8A98-4CFA-94C2-E2074112639C}"/>
+                <a16:creationId xmlns:a16="http://schemas.microsoft.com/office/drawing/2014/main" xmlns="" id="{6CF8FF9D-8A98-4CFA-94C2-E2074112639C}"/>
               </a:ext>
             </a:extLst>
           </p:cNvPr>
@@ -5826,7 +10712,7 @@
           <p:cNvPr id="6" name="Textfeld 5">
             <a:extLst>
               <a:ext uri="{FF2B5EF4-FFF2-40B4-BE49-F238E27FC236}">
-                <a16:creationId xmlns:a16="http://schemas.microsoft.com/office/drawing/2014/main" id="{8E05CB3E-FC8B-4C84-8452-A027AF29808D}"/>
+                <a16:creationId xmlns:a16="http://schemas.microsoft.com/office/drawing/2014/main" xmlns="" id="{8E05CB3E-FC8B-4C84-8452-A027AF29808D}"/>
               </a:ext>
             </a:extLst>
           </p:cNvPr>
@@ -5868,7 +10754,7 @@
           <p:cNvPr id="8" name="Textfeld 7">
             <a:extLst>
               <a:ext uri="{FF2B5EF4-FFF2-40B4-BE49-F238E27FC236}">
-                <a16:creationId xmlns:a16="http://schemas.microsoft.com/office/drawing/2014/main" id="{4842BEFA-10C3-45C0-8997-167BE0586DAC}"/>
+                <a16:creationId xmlns:a16="http://schemas.microsoft.com/office/drawing/2014/main" xmlns="" id="{4842BEFA-10C3-45C0-8997-167BE0586DAC}"/>
               </a:ext>
             </a:extLst>
           </p:cNvPr>
@@ -5975,7 +10861,7 @@
           <p:cNvPr id="3" name="Textfeld 2">
             <a:extLst>
               <a:ext uri="{FF2B5EF4-FFF2-40B4-BE49-F238E27FC236}">
-                <a16:creationId xmlns:a16="http://schemas.microsoft.com/office/drawing/2014/main" id="{B616C74B-1A1C-4612-8D7A-608508876D6B}"/>
+                <a16:creationId xmlns:a16="http://schemas.microsoft.com/office/drawing/2014/main" xmlns="" id="{B616C74B-1A1C-4612-8D7A-608508876D6B}"/>
               </a:ext>
             </a:extLst>
           </p:cNvPr>
@@ -6040,7 +10926,7 @@
           <p:cNvPr id="10" name="Foliennummernplatzhalter 9">
             <a:extLst>
               <a:ext uri="{FF2B5EF4-FFF2-40B4-BE49-F238E27FC236}">
-                <a16:creationId xmlns:a16="http://schemas.microsoft.com/office/drawing/2014/main" id="{D931436D-0B25-4BC2-AB85-D177B4C7ED90}"/>
+                <a16:creationId xmlns:a16="http://schemas.microsoft.com/office/drawing/2014/main" xmlns="" id="{D931436D-0B25-4BC2-AB85-D177B4C7ED90}"/>
               </a:ext>
             </a:extLst>
           </p:cNvPr>
@@ -6090,7 +10976,7 @@
           <p:cNvPr id="12" name="Gerader Verbinder 11">
             <a:extLst>
               <a:ext uri="{FF2B5EF4-FFF2-40B4-BE49-F238E27FC236}">
-                <a16:creationId xmlns:a16="http://schemas.microsoft.com/office/drawing/2014/main" id="{4A855513-E5C1-4F05-A8FD-33AC62C22A5E}"/>
+                <a16:creationId xmlns:a16="http://schemas.microsoft.com/office/drawing/2014/main" xmlns="" id="{4A855513-E5C1-4F05-A8FD-33AC62C22A5E}"/>
               </a:ext>
             </a:extLst>
           </p:cNvPr>
@@ -6131,7 +11017,7 @@
           <p:cNvPr id="13" name="Gerader Verbinder 12">
             <a:extLst>
               <a:ext uri="{FF2B5EF4-FFF2-40B4-BE49-F238E27FC236}">
-                <a16:creationId xmlns:a16="http://schemas.microsoft.com/office/drawing/2014/main" id="{F2778992-5E28-437C-AEA9-F9BBD6E6F5BB}"/>
+                <a16:creationId xmlns:a16="http://schemas.microsoft.com/office/drawing/2014/main" xmlns="" id="{F2778992-5E28-437C-AEA9-F9BBD6E6F5BB}"/>
               </a:ext>
             </a:extLst>
           </p:cNvPr>
@@ -6172,7 +11058,7 @@
           <p:cNvPr id="14" name="Textfeld 13">
             <a:extLst>
               <a:ext uri="{FF2B5EF4-FFF2-40B4-BE49-F238E27FC236}">
-                <a16:creationId xmlns:a16="http://schemas.microsoft.com/office/drawing/2014/main" id="{6CF8FF9D-8A98-4CFA-94C2-E2074112639C}"/>
+                <a16:creationId xmlns:a16="http://schemas.microsoft.com/office/drawing/2014/main" xmlns="" id="{6CF8FF9D-8A98-4CFA-94C2-E2074112639C}"/>
               </a:ext>
             </a:extLst>
           </p:cNvPr>
@@ -6208,7 +11094,7 @@
           <p:cNvPr id="6" name="Textfeld 5">
             <a:extLst>
               <a:ext uri="{FF2B5EF4-FFF2-40B4-BE49-F238E27FC236}">
-                <a16:creationId xmlns:a16="http://schemas.microsoft.com/office/drawing/2014/main" id="{8E05CB3E-FC8B-4C84-8452-A027AF29808D}"/>
+                <a16:creationId xmlns:a16="http://schemas.microsoft.com/office/drawing/2014/main" xmlns="" id="{8E05CB3E-FC8B-4C84-8452-A027AF29808D}"/>
               </a:ext>
             </a:extLst>
           </p:cNvPr>
@@ -6250,7 +11136,7 @@
           <p:cNvPr id="8" name="Textfeld 7">
             <a:extLst>
               <a:ext uri="{FF2B5EF4-FFF2-40B4-BE49-F238E27FC236}">
-                <a16:creationId xmlns:a16="http://schemas.microsoft.com/office/drawing/2014/main" id="{4842BEFA-10C3-45C0-8997-167BE0586DAC}"/>
+                <a16:creationId xmlns:a16="http://schemas.microsoft.com/office/drawing/2014/main" xmlns="" id="{4842BEFA-10C3-45C0-8997-167BE0586DAC}"/>
               </a:ext>
             </a:extLst>
           </p:cNvPr>
@@ -6309,7 +11195,7 @@
           <p:cNvPr id="3" name="Textfeld 2">
             <a:extLst>
               <a:ext uri="{FF2B5EF4-FFF2-40B4-BE49-F238E27FC236}">
-                <a16:creationId xmlns:a16="http://schemas.microsoft.com/office/drawing/2014/main" id="{B616C74B-1A1C-4612-8D7A-608508876D6B}"/>
+                <a16:creationId xmlns:a16="http://schemas.microsoft.com/office/drawing/2014/main" xmlns="" id="{B616C74B-1A1C-4612-8D7A-608508876D6B}"/>
               </a:ext>
             </a:extLst>
           </p:cNvPr>
@@ -6344,10 +11230,10 @@
           <p:cNvPr id="4" name="Grafik 3">
             <a:extLst>
               <a:ext uri="{FF2B5EF4-FFF2-40B4-BE49-F238E27FC236}">
-                <a16:creationId xmlns:a16="http://schemas.microsoft.com/office/drawing/2014/main" id="{18938379-4D21-4DC3-9DFE-4CE90527DD2F}"/>
+                <a16:creationId xmlns:a16="http://schemas.microsoft.com/office/drawing/2014/main" xmlns="" id="{18938379-4D21-4DC3-9DFE-4CE90527DD2F}"/>
               </a:ext>
               <a:ext uri="{C183D7F6-B498-43B3-948B-1728B52AA6E4}">
-                <adec:decorative xmlns:adec="http://schemas.microsoft.com/office/drawing/2017/decorative" val="0"/>
+                <adec:decorative xmlns:adec="http://schemas.microsoft.com/office/drawing/2017/decorative" xmlns="" val="0"/>
               </a:ext>
             </a:extLst>
           </p:cNvPr>
@@ -6377,7 +11263,7 @@
           <p:cNvPr id="18" name="Grafik 17">
             <a:extLst>
               <a:ext uri="{FF2B5EF4-FFF2-40B4-BE49-F238E27FC236}">
-                <a16:creationId xmlns:a16="http://schemas.microsoft.com/office/drawing/2014/main" id="{FEB27C32-4E21-40FF-95F0-06C23EE6D5BA}"/>
+                <a16:creationId xmlns:a16="http://schemas.microsoft.com/office/drawing/2014/main" xmlns="" id="{FEB27C32-4E21-40FF-95F0-06C23EE6D5BA}"/>
               </a:ext>
             </a:extLst>
           </p:cNvPr>
@@ -6437,7 +11323,7 @@
           <p:cNvPr id="10" name="Foliennummernplatzhalter 9">
             <a:extLst>
               <a:ext uri="{FF2B5EF4-FFF2-40B4-BE49-F238E27FC236}">
-                <a16:creationId xmlns:a16="http://schemas.microsoft.com/office/drawing/2014/main" id="{D931436D-0B25-4BC2-AB85-D177B4C7ED90}"/>
+                <a16:creationId xmlns:a16="http://schemas.microsoft.com/office/drawing/2014/main" xmlns="" id="{D931436D-0B25-4BC2-AB85-D177B4C7ED90}"/>
               </a:ext>
             </a:extLst>
           </p:cNvPr>
@@ -6487,7 +11373,7 @@
           <p:cNvPr id="12" name="Gerader Verbinder 11">
             <a:extLst>
               <a:ext uri="{FF2B5EF4-FFF2-40B4-BE49-F238E27FC236}">
-                <a16:creationId xmlns:a16="http://schemas.microsoft.com/office/drawing/2014/main" id="{4A855513-E5C1-4F05-A8FD-33AC62C22A5E}"/>
+                <a16:creationId xmlns:a16="http://schemas.microsoft.com/office/drawing/2014/main" xmlns="" id="{4A855513-E5C1-4F05-A8FD-33AC62C22A5E}"/>
               </a:ext>
             </a:extLst>
           </p:cNvPr>
@@ -6528,7 +11414,7 @@
           <p:cNvPr id="13" name="Gerader Verbinder 12">
             <a:extLst>
               <a:ext uri="{FF2B5EF4-FFF2-40B4-BE49-F238E27FC236}">
-                <a16:creationId xmlns:a16="http://schemas.microsoft.com/office/drawing/2014/main" id="{F2778992-5E28-437C-AEA9-F9BBD6E6F5BB}"/>
+                <a16:creationId xmlns:a16="http://schemas.microsoft.com/office/drawing/2014/main" xmlns="" id="{F2778992-5E28-437C-AEA9-F9BBD6E6F5BB}"/>
               </a:ext>
             </a:extLst>
           </p:cNvPr>
@@ -6569,7 +11455,7 @@
           <p:cNvPr id="14" name="Textfeld 13">
             <a:extLst>
               <a:ext uri="{FF2B5EF4-FFF2-40B4-BE49-F238E27FC236}">
-                <a16:creationId xmlns:a16="http://schemas.microsoft.com/office/drawing/2014/main" id="{6CF8FF9D-8A98-4CFA-94C2-E2074112639C}"/>
+                <a16:creationId xmlns:a16="http://schemas.microsoft.com/office/drawing/2014/main" xmlns="" id="{6CF8FF9D-8A98-4CFA-94C2-E2074112639C}"/>
               </a:ext>
             </a:extLst>
           </p:cNvPr>
@@ -6605,7 +11491,7 @@
           <p:cNvPr id="6" name="Textfeld 5">
             <a:extLst>
               <a:ext uri="{FF2B5EF4-FFF2-40B4-BE49-F238E27FC236}">
-                <a16:creationId xmlns:a16="http://schemas.microsoft.com/office/drawing/2014/main" id="{8E05CB3E-FC8B-4C84-8452-A027AF29808D}"/>
+                <a16:creationId xmlns:a16="http://schemas.microsoft.com/office/drawing/2014/main" xmlns="" id="{8E05CB3E-FC8B-4C84-8452-A027AF29808D}"/>
               </a:ext>
             </a:extLst>
           </p:cNvPr>
@@ -6647,7 +11533,7 @@
           <p:cNvPr id="8" name="Textfeld 7">
             <a:extLst>
               <a:ext uri="{FF2B5EF4-FFF2-40B4-BE49-F238E27FC236}">
-                <a16:creationId xmlns:a16="http://schemas.microsoft.com/office/drawing/2014/main" id="{4842BEFA-10C3-45C0-8997-167BE0586DAC}"/>
+                <a16:creationId xmlns:a16="http://schemas.microsoft.com/office/drawing/2014/main" xmlns="" id="{4842BEFA-10C3-45C0-8997-167BE0586DAC}"/>
               </a:ext>
             </a:extLst>
           </p:cNvPr>
@@ -6687,7 +11573,7 @@
           <p:cNvPr id="3" name="Textfeld 2">
             <a:extLst>
               <a:ext uri="{FF2B5EF4-FFF2-40B4-BE49-F238E27FC236}">
-                <a16:creationId xmlns:a16="http://schemas.microsoft.com/office/drawing/2014/main" id="{B616C74B-1A1C-4612-8D7A-608508876D6B}"/>
+                <a16:creationId xmlns:a16="http://schemas.microsoft.com/office/drawing/2014/main" xmlns="" id="{B616C74B-1A1C-4612-8D7A-608508876D6B}"/>
               </a:ext>
             </a:extLst>
           </p:cNvPr>
@@ -6722,7 +11608,7 @@
           <p:cNvPr id="9" name="Grafik 8">
             <a:extLst>
               <a:ext uri="{FF2B5EF4-FFF2-40B4-BE49-F238E27FC236}">
-                <a16:creationId xmlns:a16="http://schemas.microsoft.com/office/drawing/2014/main" id="{FE433633-AAB8-4AC8-80DF-33EE4B97A434}"/>
+                <a16:creationId xmlns:a16="http://schemas.microsoft.com/office/drawing/2014/main" xmlns="" id="{FE433633-AAB8-4AC8-80DF-33EE4B97A434}"/>
               </a:ext>
             </a:extLst>
           </p:cNvPr>
@@ -6782,7 +11668,7 @@
           <p:cNvPr id="10" name="Foliennummernplatzhalter 9">
             <a:extLst>
               <a:ext uri="{FF2B5EF4-FFF2-40B4-BE49-F238E27FC236}">
-                <a16:creationId xmlns:a16="http://schemas.microsoft.com/office/drawing/2014/main" id="{D931436D-0B25-4BC2-AB85-D177B4C7ED90}"/>
+                <a16:creationId xmlns:a16="http://schemas.microsoft.com/office/drawing/2014/main" xmlns="" id="{D931436D-0B25-4BC2-AB85-D177B4C7ED90}"/>
               </a:ext>
             </a:extLst>
           </p:cNvPr>
@@ -6832,7 +11718,7 @@
           <p:cNvPr id="12" name="Gerader Verbinder 11">
             <a:extLst>
               <a:ext uri="{FF2B5EF4-FFF2-40B4-BE49-F238E27FC236}">
-                <a16:creationId xmlns:a16="http://schemas.microsoft.com/office/drawing/2014/main" id="{4A855513-E5C1-4F05-A8FD-33AC62C22A5E}"/>
+                <a16:creationId xmlns:a16="http://schemas.microsoft.com/office/drawing/2014/main" xmlns="" id="{4A855513-E5C1-4F05-A8FD-33AC62C22A5E}"/>
               </a:ext>
             </a:extLst>
           </p:cNvPr>
@@ -6873,7 +11759,7 @@
           <p:cNvPr id="13" name="Gerader Verbinder 12">
             <a:extLst>
               <a:ext uri="{FF2B5EF4-FFF2-40B4-BE49-F238E27FC236}">
-                <a16:creationId xmlns:a16="http://schemas.microsoft.com/office/drawing/2014/main" id="{F2778992-5E28-437C-AEA9-F9BBD6E6F5BB}"/>
+                <a16:creationId xmlns:a16="http://schemas.microsoft.com/office/drawing/2014/main" xmlns="" id="{F2778992-5E28-437C-AEA9-F9BBD6E6F5BB}"/>
               </a:ext>
             </a:extLst>
           </p:cNvPr>
@@ -6914,7 +11800,7 @@
           <p:cNvPr id="14" name="Textfeld 13">
             <a:extLst>
               <a:ext uri="{FF2B5EF4-FFF2-40B4-BE49-F238E27FC236}">
-                <a16:creationId xmlns:a16="http://schemas.microsoft.com/office/drawing/2014/main" id="{6CF8FF9D-8A98-4CFA-94C2-E2074112639C}"/>
+                <a16:creationId xmlns:a16="http://schemas.microsoft.com/office/drawing/2014/main" xmlns="" id="{6CF8FF9D-8A98-4CFA-94C2-E2074112639C}"/>
               </a:ext>
             </a:extLst>
           </p:cNvPr>
@@ -6950,7 +11836,7 @@
           <p:cNvPr id="6" name="Textfeld 5">
             <a:extLst>
               <a:ext uri="{FF2B5EF4-FFF2-40B4-BE49-F238E27FC236}">
-                <a16:creationId xmlns:a16="http://schemas.microsoft.com/office/drawing/2014/main" id="{8E05CB3E-FC8B-4C84-8452-A027AF29808D}"/>
+                <a16:creationId xmlns:a16="http://schemas.microsoft.com/office/drawing/2014/main" xmlns="" id="{8E05CB3E-FC8B-4C84-8452-A027AF29808D}"/>
               </a:ext>
             </a:extLst>
           </p:cNvPr>
@@ -6992,7 +11878,7 @@
           <p:cNvPr id="8" name="Textfeld 7">
             <a:extLst>
               <a:ext uri="{FF2B5EF4-FFF2-40B4-BE49-F238E27FC236}">
-                <a16:creationId xmlns:a16="http://schemas.microsoft.com/office/drawing/2014/main" id="{4842BEFA-10C3-45C0-8997-167BE0586DAC}"/>
+                <a16:creationId xmlns:a16="http://schemas.microsoft.com/office/drawing/2014/main" xmlns="" id="{4842BEFA-10C3-45C0-8997-167BE0586DAC}"/>
               </a:ext>
             </a:extLst>
           </p:cNvPr>
@@ -7095,7 +11981,7 @@
           <p:cNvPr id="3" name="Textfeld 2">
             <a:extLst>
               <a:ext uri="{FF2B5EF4-FFF2-40B4-BE49-F238E27FC236}">
-                <a16:creationId xmlns:a16="http://schemas.microsoft.com/office/drawing/2014/main" id="{B616C74B-1A1C-4612-8D7A-608508876D6B}"/>
+                <a16:creationId xmlns:a16="http://schemas.microsoft.com/office/drawing/2014/main" xmlns="" id="{B616C74B-1A1C-4612-8D7A-608508876D6B}"/>
               </a:ext>
             </a:extLst>
           </p:cNvPr>
@@ -7130,7 +12016,7 @@
           <p:cNvPr id="5" name="Grafik 4">
             <a:extLst>
               <a:ext uri="{FF2B5EF4-FFF2-40B4-BE49-F238E27FC236}">
-                <a16:creationId xmlns:a16="http://schemas.microsoft.com/office/drawing/2014/main" id="{6954ED34-E542-4C7A-A5A9-41971B50B93B}"/>
+                <a16:creationId xmlns:a16="http://schemas.microsoft.com/office/drawing/2014/main" xmlns="" id="{6954ED34-E542-4C7A-A5A9-41971B50B93B}"/>
               </a:ext>
             </a:extLst>
           </p:cNvPr>
@@ -7190,7 +12076,7 @@
           <p:cNvPr id="10" name="Foliennummernplatzhalter 9">
             <a:extLst>
               <a:ext uri="{FF2B5EF4-FFF2-40B4-BE49-F238E27FC236}">
-                <a16:creationId xmlns:a16="http://schemas.microsoft.com/office/drawing/2014/main" id="{D931436D-0B25-4BC2-AB85-D177B4C7ED90}"/>
+                <a16:creationId xmlns:a16="http://schemas.microsoft.com/office/drawing/2014/main" xmlns="" id="{D931436D-0B25-4BC2-AB85-D177B4C7ED90}"/>
               </a:ext>
             </a:extLst>
           </p:cNvPr>
@@ -7240,7 +12126,7 @@
           <p:cNvPr id="12" name="Gerader Verbinder 11">
             <a:extLst>
               <a:ext uri="{FF2B5EF4-FFF2-40B4-BE49-F238E27FC236}">
-                <a16:creationId xmlns:a16="http://schemas.microsoft.com/office/drawing/2014/main" id="{4A855513-E5C1-4F05-A8FD-33AC62C22A5E}"/>
+                <a16:creationId xmlns:a16="http://schemas.microsoft.com/office/drawing/2014/main" xmlns="" id="{4A855513-E5C1-4F05-A8FD-33AC62C22A5E}"/>
               </a:ext>
             </a:extLst>
           </p:cNvPr>
@@ -7281,7 +12167,7 @@
           <p:cNvPr id="13" name="Gerader Verbinder 12">
             <a:extLst>
               <a:ext uri="{FF2B5EF4-FFF2-40B4-BE49-F238E27FC236}">
-                <a16:creationId xmlns:a16="http://schemas.microsoft.com/office/drawing/2014/main" id="{F2778992-5E28-437C-AEA9-F9BBD6E6F5BB}"/>
+                <a16:creationId xmlns:a16="http://schemas.microsoft.com/office/drawing/2014/main" xmlns="" id="{F2778992-5E28-437C-AEA9-F9BBD6E6F5BB}"/>
               </a:ext>
             </a:extLst>
           </p:cNvPr>
@@ -7322,7 +12208,7 @@
           <p:cNvPr id="14" name="Textfeld 13">
             <a:extLst>
               <a:ext uri="{FF2B5EF4-FFF2-40B4-BE49-F238E27FC236}">
-                <a16:creationId xmlns:a16="http://schemas.microsoft.com/office/drawing/2014/main" id="{6CF8FF9D-8A98-4CFA-94C2-E2074112639C}"/>
+                <a16:creationId xmlns:a16="http://schemas.microsoft.com/office/drawing/2014/main" xmlns="" id="{6CF8FF9D-8A98-4CFA-94C2-E2074112639C}"/>
               </a:ext>
             </a:extLst>
           </p:cNvPr>
@@ -7358,7 +12244,7 @@
           <p:cNvPr id="6" name="Textfeld 5">
             <a:extLst>
               <a:ext uri="{FF2B5EF4-FFF2-40B4-BE49-F238E27FC236}">
-                <a16:creationId xmlns:a16="http://schemas.microsoft.com/office/drawing/2014/main" id="{8E05CB3E-FC8B-4C84-8452-A027AF29808D}"/>
+                <a16:creationId xmlns:a16="http://schemas.microsoft.com/office/drawing/2014/main" xmlns="" id="{8E05CB3E-FC8B-4C84-8452-A027AF29808D}"/>
               </a:ext>
             </a:extLst>
           </p:cNvPr>
@@ -7403,7 +12289,7 @@
           <p:cNvPr id="8" name="Textfeld 7">
             <a:extLst>
               <a:ext uri="{FF2B5EF4-FFF2-40B4-BE49-F238E27FC236}">
-                <a16:creationId xmlns:a16="http://schemas.microsoft.com/office/drawing/2014/main" id="{4842BEFA-10C3-45C0-8997-167BE0586DAC}"/>
+                <a16:creationId xmlns:a16="http://schemas.microsoft.com/office/drawing/2014/main" xmlns="" id="{4842BEFA-10C3-45C0-8997-167BE0586DAC}"/>
               </a:ext>
             </a:extLst>
           </p:cNvPr>
@@ -7459,7 +12345,7 @@
           <p:cNvPr id="3" name="Textfeld 2">
             <a:extLst>
               <a:ext uri="{FF2B5EF4-FFF2-40B4-BE49-F238E27FC236}">
-                <a16:creationId xmlns:a16="http://schemas.microsoft.com/office/drawing/2014/main" id="{B616C74B-1A1C-4612-8D7A-608508876D6B}"/>
+                <a16:creationId xmlns:a16="http://schemas.microsoft.com/office/drawing/2014/main" xmlns="" id="{B616C74B-1A1C-4612-8D7A-608508876D6B}"/>
               </a:ext>
             </a:extLst>
           </p:cNvPr>
@@ -7524,7 +12410,7 @@
           <p:cNvPr id="10" name="Foliennummernplatzhalter 9">
             <a:extLst>
               <a:ext uri="{FF2B5EF4-FFF2-40B4-BE49-F238E27FC236}">
-                <a16:creationId xmlns:a16="http://schemas.microsoft.com/office/drawing/2014/main" id="{D931436D-0B25-4BC2-AB85-D177B4C7ED90}"/>
+                <a16:creationId xmlns:a16="http://schemas.microsoft.com/office/drawing/2014/main" xmlns="" id="{D931436D-0B25-4BC2-AB85-D177B4C7ED90}"/>
               </a:ext>
             </a:extLst>
           </p:cNvPr>
@@ -7574,7 +12460,7 @@
           <p:cNvPr id="12" name="Gerader Verbinder 11">
             <a:extLst>
               <a:ext uri="{FF2B5EF4-FFF2-40B4-BE49-F238E27FC236}">
-                <a16:creationId xmlns:a16="http://schemas.microsoft.com/office/drawing/2014/main" id="{4A855513-E5C1-4F05-A8FD-33AC62C22A5E}"/>
+                <a16:creationId xmlns:a16="http://schemas.microsoft.com/office/drawing/2014/main" xmlns="" id="{4A855513-E5C1-4F05-A8FD-33AC62C22A5E}"/>
               </a:ext>
             </a:extLst>
           </p:cNvPr>
@@ -7615,7 +12501,7 @@
           <p:cNvPr id="13" name="Gerader Verbinder 12">
             <a:extLst>
               <a:ext uri="{FF2B5EF4-FFF2-40B4-BE49-F238E27FC236}">
-                <a16:creationId xmlns:a16="http://schemas.microsoft.com/office/drawing/2014/main" id="{F2778992-5E28-437C-AEA9-F9BBD6E6F5BB}"/>
+                <a16:creationId xmlns:a16="http://schemas.microsoft.com/office/drawing/2014/main" xmlns="" id="{F2778992-5E28-437C-AEA9-F9BBD6E6F5BB}"/>
               </a:ext>
             </a:extLst>
           </p:cNvPr>
@@ -7656,7 +12542,7 @@
           <p:cNvPr id="14" name="Textfeld 13">
             <a:extLst>
               <a:ext uri="{FF2B5EF4-FFF2-40B4-BE49-F238E27FC236}">
-                <a16:creationId xmlns:a16="http://schemas.microsoft.com/office/drawing/2014/main" id="{6CF8FF9D-8A98-4CFA-94C2-E2074112639C}"/>
+                <a16:creationId xmlns:a16="http://schemas.microsoft.com/office/drawing/2014/main" xmlns="" id="{6CF8FF9D-8A98-4CFA-94C2-E2074112639C}"/>
               </a:ext>
             </a:extLst>
           </p:cNvPr>
@@ -7692,7 +12578,7 @@
           <p:cNvPr id="6" name="Textfeld 5">
             <a:extLst>
               <a:ext uri="{FF2B5EF4-FFF2-40B4-BE49-F238E27FC236}">
-                <a16:creationId xmlns:a16="http://schemas.microsoft.com/office/drawing/2014/main" id="{8E05CB3E-FC8B-4C84-8452-A027AF29808D}"/>
+                <a16:creationId xmlns:a16="http://schemas.microsoft.com/office/drawing/2014/main" xmlns="" id="{8E05CB3E-FC8B-4C84-8452-A027AF29808D}"/>
               </a:ext>
             </a:extLst>
           </p:cNvPr>
@@ -7737,7 +12623,7 @@
           <p:cNvPr id="3" name="Textfeld 2">
             <a:extLst>
               <a:ext uri="{FF2B5EF4-FFF2-40B4-BE49-F238E27FC236}">
-                <a16:creationId xmlns:a16="http://schemas.microsoft.com/office/drawing/2014/main" id="{B616C74B-1A1C-4612-8D7A-608508876D6B}"/>
+                <a16:creationId xmlns:a16="http://schemas.microsoft.com/office/drawing/2014/main" xmlns="" id="{B616C74B-1A1C-4612-8D7A-608508876D6B}"/>
               </a:ext>
             </a:extLst>
           </p:cNvPr>
@@ -7772,7 +12658,7 @@
           <p:cNvPr id="4" name="Grafik 3">
             <a:extLst>
               <a:ext uri="{FF2B5EF4-FFF2-40B4-BE49-F238E27FC236}">
-                <a16:creationId xmlns:a16="http://schemas.microsoft.com/office/drawing/2014/main" id="{863B97F4-3285-4DE9-92AC-C781A68710D2}"/>
+                <a16:creationId xmlns:a16="http://schemas.microsoft.com/office/drawing/2014/main" xmlns="" id="{863B97F4-3285-4DE9-92AC-C781A68710D2}"/>
               </a:ext>
             </a:extLst>
           </p:cNvPr>
@@ -7832,7 +12718,7 @@
           <p:cNvPr id="10" name="Foliennummernplatzhalter 9">
             <a:extLst>
               <a:ext uri="{FF2B5EF4-FFF2-40B4-BE49-F238E27FC236}">
-                <a16:creationId xmlns:a16="http://schemas.microsoft.com/office/drawing/2014/main" id="{D931436D-0B25-4BC2-AB85-D177B4C7ED90}"/>
+                <a16:creationId xmlns:a16="http://schemas.microsoft.com/office/drawing/2014/main" xmlns="" id="{D931436D-0B25-4BC2-AB85-D177B4C7ED90}"/>
               </a:ext>
             </a:extLst>
           </p:cNvPr>
@@ -7882,7 +12768,7 @@
           <p:cNvPr id="12" name="Gerader Verbinder 11">
             <a:extLst>
               <a:ext uri="{FF2B5EF4-FFF2-40B4-BE49-F238E27FC236}">
-                <a16:creationId xmlns:a16="http://schemas.microsoft.com/office/drawing/2014/main" id="{4A855513-E5C1-4F05-A8FD-33AC62C22A5E}"/>
+                <a16:creationId xmlns:a16="http://schemas.microsoft.com/office/drawing/2014/main" xmlns="" id="{4A855513-E5C1-4F05-A8FD-33AC62C22A5E}"/>
               </a:ext>
             </a:extLst>
           </p:cNvPr>
@@ -7923,7 +12809,7 @@
           <p:cNvPr id="13" name="Gerader Verbinder 12">
             <a:extLst>
               <a:ext uri="{FF2B5EF4-FFF2-40B4-BE49-F238E27FC236}">
-                <a16:creationId xmlns:a16="http://schemas.microsoft.com/office/drawing/2014/main" id="{F2778992-5E28-437C-AEA9-F9BBD6E6F5BB}"/>
+                <a16:creationId xmlns:a16="http://schemas.microsoft.com/office/drawing/2014/main" xmlns="" id="{F2778992-5E28-437C-AEA9-F9BBD6E6F5BB}"/>
               </a:ext>
             </a:extLst>
           </p:cNvPr>
@@ -7964,7 +12850,7 @@
           <p:cNvPr id="14" name="Textfeld 13">
             <a:extLst>
               <a:ext uri="{FF2B5EF4-FFF2-40B4-BE49-F238E27FC236}">
-                <a16:creationId xmlns:a16="http://schemas.microsoft.com/office/drawing/2014/main" id="{6CF8FF9D-8A98-4CFA-94C2-E2074112639C}"/>
+                <a16:creationId xmlns:a16="http://schemas.microsoft.com/office/drawing/2014/main" xmlns="" id="{6CF8FF9D-8A98-4CFA-94C2-E2074112639C}"/>
               </a:ext>
             </a:extLst>
           </p:cNvPr>
@@ -8000,7 +12886,7 @@
           <p:cNvPr id="6" name="Textfeld 5">
             <a:extLst>
               <a:ext uri="{FF2B5EF4-FFF2-40B4-BE49-F238E27FC236}">
-                <a16:creationId xmlns:a16="http://schemas.microsoft.com/office/drawing/2014/main" id="{8E05CB3E-FC8B-4C84-8452-A027AF29808D}"/>
+                <a16:creationId xmlns:a16="http://schemas.microsoft.com/office/drawing/2014/main" xmlns="" id="{8E05CB3E-FC8B-4C84-8452-A027AF29808D}"/>
               </a:ext>
             </a:extLst>
           </p:cNvPr>
@@ -8045,7 +12931,7 @@
           <p:cNvPr id="3" name="Textfeld 2">
             <a:extLst>
               <a:ext uri="{FF2B5EF4-FFF2-40B4-BE49-F238E27FC236}">
-                <a16:creationId xmlns:a16="http://schemas.microsoft.com/office/drawing/2014/main" id="{B616C74B-1A1C-4612-8D7A-608508876D6B}"/>
+                <a16:creationId xmlns:a16="http://schemas.microsoft.com/office/drawing/2014/main" xmlns="" id="{B616C74B-1A1C-4612-8D7A-608508876D6B}"/>
               </a:ext>
             </a:extLst>
           </p:cNvPr>
@@ -8080,7 +12966,7 @@
           <p:cNvPr id="15" name="Textfeld 14">
             <a:extLst>
               <a:ext uri="{FF2B5EF4-FFF2-40B4-BE49-F238E27FC236}">
-                <a16:creationId xmlns:a16="http://schemas.microsoft.com/office/drawing/2014/main" id="{F66983C5-190C-4255-9AC6-9702FE35C815}"/>
+                <a16:creationId xmlns:a16="http://schemas.microsoft.com/office/drawing/2014/main" xmlns="" id="{F66983C5-190C-4255-9AC6-9702FE35C815}"/>
               </a:ext>
             </a:extLst>
           </p:cNvPr>

--- a/Dokumentation/Container - Präsentation.pptx
+++ b/Dokumentation/Container - Präsentation.pptx
@@ -575,6 +575,90 @@
     </a:lvl9pPr>
   </p:notesStyle>
 </p:notesMaster>
+</file>
+
+<file path=ppt/notesSlides/notesSlide1.xml><?xml version="1.0" encoding="utf-8"?>
+<p:notes xmlns:a="http://schemas.openxmlformats.org/drawingml/2006/main" xmlns:r="http://schemas.openxmlformats.org/officeDocument/2006/relationships" xmlns:p="http://schemas.openxmlformats.org/presentationml/2006/main">
+  <p:cSld>
+    <p:spTree>
+      <p:nvGrpSpPr>
+        <p:cNvPr id="1" name=""/>
+        <p:cNvGrpSpPr/>
+        <p:nvPr/>
+      </p:nvGrpSpPr>
+      <p:grpSpPr>
+        <a:xfrm>
+          <a:off x="0" y="0"/>
+          <a:ext cx="0" cy="0"/>
+          <a:chOff x="0" y="0"/>
+          <a:chExt cx="0" cy="0"/>
+        </a:xfrm>
+      </p:grpSpPr>
+      <p:sp>
+        <p:nvSpPr>
+          <p:cNvPr id="2" name="Folienbildplatzhalter 1"/>
+          <p:cNvSpPr>
+            <a:spLocks noGrp="1" noRot="1" noChangeAspect="1"/>
+          </p:cNvSpPr>
+          <p:nvPr>
+            <p:ph type="sldImg"/>
+          </p:nvPr>
+        </p:nvSpPr>
+        <p:spPr/>
+      </p:sp>
+      <p:sp>
+        <p:nvSpPr>
+          <p:cNvPr id="3" name="Notizenplatzhalter 2"/>
+          <p:cNvSpPr>
+            <a:spLocks noGrp="1"/>
+          </p:cNvSpPr>
+          <p:nvPr>
+            <p:ph type="body" idx="1"/>
+          </p:nvPr>
+        </p:nvSpPr>
+        <p:spPr/>
+        <p:txBody>
+          <a:bodyPr/>
+          <a:lstStyle/>
+          <a:p>
+            <a:endParaRPr lang="de-DE"/>
+          </a:p>
+        </p:txBody>
+      </p:sp>
+      <p:sp>
+        <p:nvSpPr>
+          <p:cNvPr id="4" name="Foliennummernplatzhalter 3"/>
+          <p:cNvSpPr>
+            <a:spLocks noGrp="1"/>
+          </p:cNvSpPr>
+          <p:nvPr>
+            <p:ph type="sldNum" sz="quarter" idx="10"/>
+          </p:nvPr>
+        </p:nvSpPr>
+        <p:spPr/>
+        <p:txBody>
+          <a:bodyPr/>
+          <a:lstStyle/>
+          <a:p>
+            <a:fld id="{2919E70D-7C09-4F1E-BCC5-F7A963131563}" type="slidenum">
+              <a:rPr lang="de-DE" smtClean="0"/>
+              <a:t>22</a:t>
+            </a:fld>
+            <a:endParaRPr lang="de-DE"/>
+          </a:p>
+        </p:txBody>
+      </p:sp>
+    </p:spTree>
+    <p:extLst>
+      <p:ext uri="{BB962C8B-B14F-4D97-AF65-F5344CB8AC3E}">
+        <p14:creationId xmlns:p14="http://schemas.microsoft.com/office/powerpoint/2010/main" val="3158884207"/>
+      </p:ext>
+    </p:extLst>
+  </p:cSld>
+  <p:clrMapOvr>
+    <a:masterClrMapping/>
+  </p:clrMapOvr>
+</p:notes>
 </file>
 
 <file path=ppt/slideLayouts/slideLayout1.xml><?xml version="1.0" encoding="utf-8"?>
@@ -3444,7 +3528,7 @@
           <p:cNvPr id="2" name="Titel 1">
             <a:extLst>
               <a:ext uri="{FF2B5EF4-FFF2-40B4-BE49-F238E27FC236}">
-                <a16:creationId xmlns:a16="http://schemas.microsoft.com/office/drawing/2014/main" id="{85D7B258-F523-4E91-90AB-2B5F742EF554}"/>
+                <a16:creationId xmlns:a16="http://schemas.microsoft.com/office/drawing/2014/main" xmlns="" id="{85D7B258-F523-4E91-90AB-2B5F742EF554}"/>
               </a:ext>
             </a:extLst>
           </p:cNvPr>
@@ -3488,7 +3572,7 @@
           <p:cNvPr id="3" name="Untertitel 2">
             <a:extLst>
               <a:ext uri="{FF2B5EF4-FFF2-40B4-BE49-F238E27FC236}">
-                <a16:creationId xmlns:a16="http://schemas.microsoft.com/office/drawing/2014/main" id="{C7CFF44E-7ED7-4CD9-A63C-0FE32841B732}"/>
+                <a16:creationId xmlns:a16="http://schemas.microsoft.com/office/drawing/2014/main" xmlns="" id="{C7CFF44E-7ED7-4CD9-A63C-0FE32841B732}"/>
               </a:ext>
             </a:extLst>
           </p:cNvPr>
@@ -3506,13 +3590,45 @@
           <a:p>
             <a:r>
               <a:rPr lang="de-DE" dirty="0"/>
-              <a:t>Lukas Momberg [11141259]</a:t>
-            </a:r>
-          </a:p>
-          <a:p>
+              <a:t>Lukas </a:t>
+            </a:r>
+            <a:r>
+              <a:rPr lang="de-DE" dirty="0" err="1"/>
+              <a:t>Momberg</a:t>
+            </a:r>
             <a:r>
               <a:rPr lang="de-DE" dirty="0"/>
-              <a:t>Dennis Goßler [11140150]</a:t>
+              <a:t> </a:t>
+            </a:r>
+            <a:r>
+              <a:rPr lang="de-DE" dirty="0" smtClean="0"/>
+              <a:t>	[</a:t>
+            </a:r>
+            <a:r>
+              <a:rPr lang="de-DE" dirty="0"/>
+              <a:t>11141259]</a:t>
+            </a:r>
+          </a:p>
+          <a:p>
+            <a:r>
+              <a:rPr lang="de-DE" dirty="0"/>
+              <a:t>Dennis </a:t>
+            </a:r>
+            <a:r>
+              <a:rPr lang="de-DE" dirty="0" err="1"/>
+              <a:t>Goßler</a:t>
+            </a:r>
+            <a:r>
+              <a:rPr lang="de-DE" dirty="0"/>
+              <a:t> </a:t>
+            </a:r>
+            <a:r>
+              <a:rPr lang="de-DE" dirty="0" smtClean="0"/>
+              <a:t>	[</a:t>
+            </a:r>
+            <a:r>
+              <a:rPr lang="de-DE" dirty="0"/>
+              <a:t>11140150]</a:t>
             </a:r>
           </a:p>
         </p:txBody>
@@ -3552,7 +3668,7 @@
           <p:cNvPr id="10" name="Foliennummernplatzhalter 9">
             <a:extLst>
               <a:ext uri="{FF2B5EF4-FFF2-40B4-BE49-F238E27FC236}">
-                <a16:creationId xmlns:a16="http://schemas.microsoft.com/office/drawing/2014/main" id="{D931436D-0B25-4BC2-AB85-D177B4C7ED90}"/>
+                <a16:creationId xmlns:a16="http://schemas.microsoft.com/office/drawing/2014/main" xmlns="" id="{D931436D-0B25-4BC2-AB85-D177B4C7ED90}"/>
               </a:ext>
             </a:extLst>
           </p:cNvPr>
@@ -3602,7 +3718,7 @@
           <p:cNvPr id="12" name="Gerader Verbinder 11">
             <a:extLst>
               <a:ext uri="{FF2B5EF4-FFF2-40B4-BE49-F238E27FC236}">
-                <a16:creationId xmlns:a16="http://schemas.microsoft.com/office/drawing/2014/main" id="{4A855513-E5C1-4F05-A8FD-33AC62C22A5E}"/>
+                <a16:creationId xmlns:a16="http://schemas.microsoft.com/office/drawing/2014/main" xmlns="" id="{4A855513-E5C1-4F05-A8FD-33AC62C22A5E}"/>
               </a:ext>
             </a:extLst>
           </p:cNvPr>
@@ -3643,7 +3759,7 @@
           <p:cNvPr id="13" name="Gerader Verbinder 12">
             <a:extLst>
               <a:ext uri="{FF2B5EF4-FFF2-40B4-BE49-F238E27FC236}">
-                <a16:creationId xmlns:a16="http://schemas.microsoft.com/office/drawing/2014/main" id="{F2778992-5E28-437C-AEA9-F9BBD6E6F5BB}"/>
+                <a16:creationId xmlns:a16="http://schemas.microsoft.com/office/drawing/2014/main" xmlns="" id="{F2778992-5E28-437C-AEA9-F9BBD6E6F5BB}"/>
               </a:ext>
             </a:extLst>
           </p:cNvPr>
@@ -3684,7 +3800,7 @@
           <p:cNvPr id="14" name="Textfeld 13">
             <a:extLst>
               <a:ext uri="{FF2B5EF4-FFF2-40B4-BE49-F238E27FC236}">
-                <a16:creationId xmlns:a16="http://schemas.microsoft.com/office/drawing/2014/main" id="{6CF8FF9D-8A98-4CFA-94C2-E2074112639C}"/>
+                <a16:creationId xmlns:a16="http://schemas.microsoft.com/office/drawing/2014/main" xmlns="" id="{6CF8FF9D-8A98-4CFA-94C2-E2074112639C}"/>
               </a:ext>
             </a:extLst>
           </p:cNvPr>
@@ -3720,7 +3836,7 @@
           <p:cNvPr id="6" name="Textfeld 5">
             <a:extLst>
               <a:ext uri="{FF2B5EF4-FFF2-40B4-BE49-F238E27FC236}">
-                <a16:creationId xmlns:a16="http://schemas.microsoft.com/office/drawing/2014/main" id="{8E05CB3E-FC8B-4C84-8452-A027AF29808D}"/>
+                <a16:creationId xmlns:a16="http://schemas.microsoft.com/office/drawing/2014/main" xmlns="" id="{8E05CB3E-FC8B-4C84-8452-A027AF29808D}"/>
               </a:ext>
             </a:extLst>
           </p:cNvPr>
@@ -3765,7 +3881,7 @@
           <p:cNvPr id="3" name="Textfeld 2">
             <a:extLst>
               <a:ext uri="{FF2B5EF4-FFF2-40B4-BE49-F238E27FC236}">
-                <a16:creationId xmlns:a16="http://schemas.microsoft.com/office/drawing/2014/main" id="{B616C74B-1A1C-4612-8D7A-608508876D6B}"/>
+                <a16:creationId xmlns:a16="http://schemas.microsoft.com/office/drawing/2014/main" xmlns="" id="{B616C74B-1A1C-4612-8D7A-608508876D6B}"/>
               </a:ext>
             </a:extLst>
           </p:cNvPr>
@@ -3800,7 +3916,7 @@
           <p:cNvPr id="5" name="Grafik 4">
             <a:extLst>
               <a:ext uri="{FF2B5EF4-FFF2-40B4-BE49-F238E27FC236}">
-                <a16:creationId xmlns:a16="http://schemas.microsoft.com/office/drawing/2014/main" id="{0140E6FD-8193-4AAF-9992-5309DF24B841}"/>
+                <a16:creationId xmlns:a16="http://schemas.microsoft.com/office/drawing/2014/main" xmlns="" id="{0140E6FD-8193-4AAF-9992-5309DF24B841}"/>
               </a:ext>
             </a:extLst>
           </p:cNvPr>
@@ -3860,7 +3976,7 @@
           <p:cNvPr id="10" name="Foliennummernplatzhalter 9">
             <a:extLst>
               <a:ext uri="{FF2B5EF4-FFF2-40B4-BE49-F238E27FC236}">
-                <a16:creationId xmlns:a16="http://schemas.microsoft.com/office/drawing/2014/main" id="{D931436D-0B25-4BC2-AB85-D177B4C7ED90}"/>
+                <a16:creationId xmlns:a16="http://schemas.microsoft.com/office/drawing/2014/main" xmlns="" id="{D931436D-0B25-4BC2-AB85-D177B4C7ED90}"/>
               </a:ext>
             </a:extLst>
           </p:cNvPr>
@@ -3910,7 +4026,7 @@
           <p:cNvPr id="12" name="Gerader Verbinder 11">
             <a:extLst>
               <a:ext uri="{FF2B5EF4-FFF2-40B4-BE49-F238E27FC236}">
-                <a16:creationId xmlns:a16="http://schemas.microsoft.com/office/drawing/2014/main" id="{4A855513-E5C1-4F05-A8FD-33AC62C22A5E}"/>
+                <a16:creationId xmlns:a16="http://schemas.microsoft.com/office/drawing/2014/main" xmlns="" id="{4A855513-E5C1-4F05-A8FD-33AC62C22A5E}"/>
               </a:ext>
             </a:extLst>
           </p:cNvPr>
@@ -3951,7 +4067,7 @@
           <p:cNvPr id="13" name="Gerader Verbinder 12">
             <a:extLst>
               <a:ext uri="{FF2B5EF4-FFF2-40B4-BE49-F238E27FC236}">
-                <a16:creationId xmlns:a16="http://schemas.microsoft.com/office/drawing/2014/main" id="{F2778992-5E28-437C-AEA9-F9BBD6E6F5BB}"/>
+                <a16:creationId xmlns:a16="http://schemas.microsoft.com/office/drawing/2014/main" xmlns="" id="{F2778992-5E28-437C-AEA9-F9BBD6E6F5BB}"/>
               </a:ext>
             </a:extLst>
           </p:cNvPr>
@@ -3992,7 +4108,7 @@
           <p:cNvPr id="14" name="Textfeld 13">
             <a:extLst>
               <a:ext uri="{FF2B5EF4-FFF2-40B4-BE49-F238E27FC236}">
-                <a16:creationId xmlns:a16="http://schemas.microsoft.com/office/drawing/2014/main" id="{6CF8FF9D-8A98-4CFA-94C2-E2074112639C}"/>
+                <a16:creationId xmlns:a16="http://schemas.microsoft.com/office/drawing/2014/main" xmlns="" id="{6CF8FF9D-8A98-4CFA-94C2-E2074112639C}"/>
               </a:ext>
             </a:extLst>
           </p:cNvPr>
@@ -4028,7 +4144,7 @@
           <p:cNvPr id="6" name="Textfeld 5">
             <a:extLst>
               <a:ext uri="{FF2B5EF4-FFF2-40B4-BE49-F238E27FC236}">
-                <a16:creationId xmlns:a16="http://schemas.microsoft.com/office/drawing/2014/main" id="{8E05CB3E-FC8B-4C84-8452-A027AF29808D}"/>
+                <a16:creationId xmlns:a16="http://schemas.microsoft.com/office/drawing/2014/main" xmlns="" id="{8E05CB3E-FC8B-4C84-8452-A027AF29808D}"/>
               </a:ext>
             </a:extLst>
           </p:cNvPr>
@@ -4073,7 +4189,7 @@
           <p:cNvPr id="3" name="Textfeld 2">
             <a:extLst>
               <a:ext uri="{FF2B5EF4-FFF2-40B4-BE49-F238E27FC236}">
-                <a16:creationId xmlns:a16="http://schemas.microsoft.com/office/drawing/2014/main" id="{B616C74B-1A1C-4612-8D7A-608508876D6B}"/>
+                <a16:creationId xmlns:a16="http://schemas.microsoft.com/office/drawing/2014/main" xmlns="" id="{B616C74B-1A1C-4612-8D7A-608508876D6B}"/>
               </a:ext>
             </a:extLst>
           </p:cNvPr>
@@ -4108,7 +4224,7 @@
           <p:cNvPr id="15" name="Textfeld 14">
             <a:extLst>
               <a:ext uri="{FF2B5EF4-FFF2-40B4-BE49-F238E27FC236}">
-                <a16:creationId xmlns:a16="http://schemas.microsoft.com/office/drawing/2014/main" id="{F66983C5-190C-4255-9AC6-9702FE35C815}"/>
+                <a16:creationId xmlns:a16="http://schemas.microsoft.com/office/drawing/2014/main" xmlns="" id="{F66983C5-190C-4255-9AC6-9702FE35C815}"/>
               </a:ext>
             </a:extLst>
           </p:cNvPr>
@@ -5274,7 +5390,7 @@
           <p:cNvPr id="10" name="Foliennummernplatzhalter 9">
             <a:extLst>
               <a:ext uri="{FF2B5EF4-FFF2-40B4-BE49-F238E27FC236}">
-                <a16:creationId xmlns:a16="http://schemas.microsoft.com/office/drawing/2014/main" id="{D931436D-0B25-4BC2-AB85-D177B4C7ED90}"/>
+                <a16:creationId xmlns:a16="http://schemas.microsoft.com/office/drawing/2014/main" xmlns="" id="{D931436D-0B25-4BC2-AB85-D177B4C7ED90}"/>
               </a:ext>
             </a:extLst>
           </p:cNvPr>
@@ -5324,7 +5440,7 @@
           <p:cNvPr id="12" name="Gerader Verbinder 11">
             <a:extLst>
               <a:ext uri="{FF2B5EF4-FFF2-40B4-BE49-F238E27FC236}">
-                <a16:creationId xmlns:a16="http://schemas.microsoft.com/office/drawing/2014/main" id="{4A855513-E5C1-4F05-A8FD-33AC62C22A5E}"/>
+                <a16:creationId xmlns:a16="http://schemas.microsoft.com/office/drawing/2014/main" xmlns="" id="{4A855513-E5C1-4F05-A8FD-33AC62C22A5E}"/>
               </a:ext>
             </a:extLst>
           </p:cNvPr>
@@ -5365,7 +5481,7 @@
           <p:cNvPr id="13" name="Gerader Verbinder 12">
             <a:extLst>
               <a:ext uri="{FF2B5EF4-FFF2-40B4-BE49-F238E27FC236}">
-                <a16:creationId xmlns:a16="http://schemas.microsoft.com/office/drawing/2014/main" id="{F2778992-5E28-437C-AEA9-F9BBD6E6F5BB}"/>
+                <a16:creationId xmlns:a16="http://schemas.microsoft.com/office/drawing/2014/main" xmlns="" id="{F2778992-5E28-437C-AEA9-F9BBD6E6F5BB}"/>
               </a:ext>
             </a:extLst>
           </p:cNvPr>
@@ -5406,7 +5522,7 @@
           <p:cNvPr id="14" name="Textfeld 13">
             <a:extLst>
               <a:ext uri="{FF2B5EF4-FFF2-40B4-BE49-F238E27FC236}">
-                <a16:creationId xmlns:a16="http://schemas.microsoft.com/office/drawing/2014/main" id="{6CF8FF9D-8A98-4CFA-94C2-E2074112639C}"/>
+                <a16:creationId xmlns:a16="http://schemas.microsoft.com/office/drawing/2014/main" xmlns="" id="{6CF8FF9D-8A98-4CFA-94C2-E2074112639C}"/>
               </a:ext>
             </a:extLst>
           </p:cNvPr>
@@ -5442,7 +5558,7 @@
           <p:cNvPr id="6" name="Textfeld 5">
             <a:extLst>
               <a:ext uri="{FF2B5EF4-FFF2-40B4-BE49-F238E27FC236}">
-                <a16:creationId xmlns:a16="http://schemas.microsoft.com/office/drawing/2014/main" id="{8E05CB3E-FC8B-4C84-8452-A027AF29808D}"/>
+                <a16:creationId xmlns:a16="http://schemas.microsoft.com/office/drawing/2014/main" xmlns="" id="{8E05CB3E-FC8B-4C84-8452-A027AF29808D}"/>
               </a:ext>
             </a:extLst>
           </p:cNvPr>
@@ -5487,7 +5603,7 @@
           <p:cNvPr id="3" name="Textfeld 2">
             <a:extLst>
               <a:ext uri="{FF2B5EF4-FFF2-40B4-BE49-F238E27FC236}">
-                <a16:creationId xmlns:a16="http://schemas.microsoft.com/office/drawing/2014/main" id="{B616C74B-1A1C-4612-8D7A-608508876D6B}"/>
+                <a16:creationId xmlns:a16="http://schemas.microsoft.com/office/drawing/2014/main" xmlns="" id="{B616C74B-1A1C-4612-8D7A-608508876D6B}"/>
               </a:ext>
             </a:extLst>
           </p:cNvPr>
@@ -5522,7 +5638,7 @@
           <p:cNvPr id="11" name="Textfeld 10">
             <a:extLst>
               <a:ext uri="{FF2B5EF4-FFF2-40B4-BE49-F238E27FC236}">
-                <a16:creationId xmlns:a16="http://schemas.microsoft.com/office/drawing/2014/main" id="{C616845B-AC50-4775-A32C-7BB8A4D3274B}"/>
+                <a16:creationId xmlns:a16="http://schemas.microsoft.com/office/drawing/2014/main" xmlns="" id="{C616845B-AC50-4775-A32C-7BB8A4D3274B}"/>
               </a:ext>
             </a:extLst>
           </p:cNvPr>
@@ -6326,7 +6442,7 @@
           <p:cNvPr id="10" name="Foliennummernplatzhalter 9">
             <a:extLst>
               <a:ext uri="{FF2B5EF4-FFF2-40B4-BE49-F238E27FC236}">
-                <a16:creationId xmlns:a16="http://schemas.microsoft.com/office/drawing/2014/main" id="{D931436D-0B25-4BC2-AB85-D177B4C7ED90}"/>
+                <a16:creationId xmlns:a16="http://schemas.microsoft.com/office/drawing/2014/main" xmlns="" id="{D931436D-0B25-4BC2-AB85-D177B4C7ED90}"/>
               </a:ext>
             </a:extLst>
           </p:cNvPr>
@@ -6376,7 +6492,7 @@
           <p:cNvPr id="12" name="Gerader Verbinder 11">
             <a:extLst>
               <a:ext uri="{FF2B5EF4-FFF2-40B4-BE49-F238E27FC236}">
-                <a16:creationId xmlns:a16="http://schemas.microsoft.com/office/drawing/2014/main" id="{4A855513-E5C1-4F05-A8FD-33AC62C22A5E}"/>
+                <a16:creationId xmlns:a16="http://schemas.microsoft.com/office/drawing/2014/main" xmlns="" id="{4A855513-E5C1-4F05-A8FD-33AC62C22A5E}"/>
               </a:ext>
             </a:extLst>
           </p:cNvPr>
@@ -6417,7 +6533,7 @@
           <p:cNvPr id="13" name="Gerader Verbinder 12">
             <a:extLst>
               <a:ext uri="{FF2B5EF4-FFF2-40B4-BE49-F238E27FC236}">
-                <a16:creationId xmlns:a16="http://schemas.microsoft.com/office/drawing/2014/main" id="{F2778992-5E28-437C-AEA9-F9BBD6E6F5BB}"/>
+                <a16:creationId xmlns:a16="http://schemas.microsoft.com/office/drawing/2014/main" xmlns="" id="{F2778992-5E28-437C-AEA9-F9BBD6E6F5BB}"/>
               </a:ext>
             </a:extLst>
           </p:cNvPr>
@@ -6458,7 +6574,7 @@
           <p:cNvPr id="14" name="Textfeld 13">
             <a:extLst>
               <a:ext uri="{FF2B5EF4-FFF2-40B4-BE49-F238E27FC236}">
-                <a16:creationId xmlns:a16="http://schemas.microsoft.com/office/drawing/2014/main" id="{6CF8FF9D-8A98-4CFA-94C2-E2074112639C}"/>
+                <a16:creationId xmlns:a16="http://schemas.microsoft.com/office/drawing/2014/main" xmlns="" id="{6CF8FF9D-8A98-4CFA-94C2-E2074112639C}"/>
               </a:ext>
             </a:extLst>
           </p:cNvPr>
@@ -6494,7 +6610,7 @@
           <p:cNvPr id="6" name="Textfeld 5">
             <a:extLst>
               <a:ext uri="{FF2B5EF4-FFF2-40B4-BE49-F238E27FC236}">
-                <a16:creationId xmlns:a16="http://schemas.microsoft.com/office/drawing/2014/main" id="{8E05CB3E-FC8B-4C84-8452-A027AF29808D}"/>
+                <a16:creationId xmlns:a16="http://schemas.microsoft.com/office/drawing/2014/main" xmlns="" id="{8E05CB3E-FC8B-4C84-8452-A027AF29808D}"/>
               </a:ext>
             </a:extLst>
           </p:cNvPr>
@@ -6539,7 +6655,7 @@
           <p:cNvPr id="8" name="Textfeld 7">
             <a:extLst>
               <a:ext uri="{FF2B5EF4-FFF2-40B4-BE49-F238E27FC236}">
-                <a16:creationId xmlns:a16="http://schemas.microsoft.com/office/drawing/2014/main" id="{4842BEFA-10C3-45C0-8997-167BE0586DAC}"/>
+                <a16:creationId xmlns:a16="http://schemas.microsoft.com/office/drawing/2014/main" xmlns="" id="{4842BEFA-10C3-45C0-8997-167BE0586DAC}"/>
               </a:ext>
             </a:extLst>
           </p:cNvPr>
@@ -6611,7 +6727,7 @@
           <p:cNvPr id="3" name="Textfeld 2">
             <a:extLst>
               <a:ext uri="{FF2B5EF4-FFF2-40B4-BE49-F238E27FC236}">
-                <a16:creationId xmlns:a16="http://schemas.microsoft.com/office/drawing/2014/main" id="{B616C74B-1A1C-4612-8D7A-608508876D6B}"/>
+                <a16:creationId xmlns:a16="http://schemas.microsoft.com/office/drawing/2014/main" xmlns="" id="{B616C74B-1A1C-4612-8D7A-608508876D6B}"/>
               </a:ext>
             </a:extLst>
           </p:cNvPr>
@@ -6646,7 +6762,7 @@
           <p:cNvPr id="4" name="Grafik 3">
             <a:extLst>
               <a:ext uri="{FF2B5EF4-FFF2-40B4-BE49-F238E27FC236}">
-                <a16:creationId xmlns:a16="http://schemas.microsoft.com/office/drawing/2014/main" id="{2F5448A5-105F-4C22-85A0-7C50C1DBA54C}"/>
+                <a16:creationId xmlns:a16="http://schemas.microsoft.com/office/drawing/2014/main" xmlns="" id="{2F5448A5-105F-4C22-85A0-7C50C1DBA54C}"/>
               </a:ext>
             </a:extLst>
           </p:cNvPr>
@@ -6682,7 +6798,7 @@
           <p:cNvPr id="7" name="Textfeld 6">
             <a:extLst>
               <a:ext uri="{FF2B5EF4-FFF2-40B4-BE49-F238E27FC236}">
-                <a16:creationId xmlns:a16="http://schemas.microsoft.com/office/drawing/2014/main" id="{2AB11AF8-E90B-4B4A-BE80-FE1C398D379A}"/>
+                <a16:creationId xmlns:a16="http://schemas.microsoft.com/office/drawing/2014/main" xmlns="" id="{2AB11AF8-E90B-4B4A-BE80-FE1C398D379A}"/>
               </a:ext>
             </a:extLst>
           </p:cNvPr>
@@ -6748,7 +6864,7 @@
           <p:cNvPr id="10" name="Foliennummernplatzhalter 9">
             <a:extLst>
               <a:ext uri="{FF2B5EF4-FFF2-40B4-BE49-F238E27FC236}">
-                <a16:creationId xmlns:a16="http://schemas.microsoft.com/office/drawing/2014/main" id="{D931436D-0B25-4BC2-AB85-D177B4C7ED90}"/>
+                <a16:creationId xmlns:a16="http://schemas.microsoft.com/office/drawing/2014/main" xmlns="" id="{D931436D-0B25-4BC2-AB85-D177B4C7ED90}"/>
               </a:ext>
             </a:extLst>
           </p:cNvPr>
@@ -6798,7 +6914,7 @@
           <p:cNvPr id="12" name="Gerader Verbinder 11">
             <a:extLst>
               <a:ext uri="{FF2B5EF4-FFF2-40B4-BE49-F238E27FC236}">
-                <a16:creationId xmlns:a16="http://schemas.microsoft.com/office/drawing/2014/main" id="{4A855513-E5C1-4F05-A8FD-33AC62C22A5E}"/>
+                <a16:creationId xmlns:a16="http://schemas.microsoft.com/office/drawing/2014/main" xmlns="" id="{4A855513-E5C1-4F05-A8FD-33AC62C22A5E}"/>
               </a:ext>
             </a:extLst>
           </p:cNvPr>
@@ -6839,7 +6955,7 @@
           <p:cNvPr id="13" name="Gerader Verbinder 12">
             <a:extLst>
               <a:ext uri="{FF2B5EF4-FFF2-40B4-BE49-F238E27FC236}">
-                <a16:creationId xmlns:a16="http://schemas.microsoft.com/office/drawing/2014/main" id="{F2778992-5E28-437C-AEA9-F9BBD6E6F5BB}"/>
+                <a16:creationId xmlns:a16="http://schemas.microsoft.com/office/drawing/2014/main" xmlns="" id="{F2778992-5E28-437C-AEA9-F9BBD6E6F5BB}"/>
               </a:ext>
             </a:extLst>
           </p:cNvPr>
@@ -6880,7 +6996,7 @@
           <p:cNvPr id="14" name="Textfeld 13">
             <a:extLst>
               <a:ext uri="{FF2B5EF4-FFF2-40B4-BE49-F238E27FC236}">
-                <a16:creationId xmlns:a16="http://schemas.microsoft.com/office/drawing/2014/main" id="{6CF8FF9D-8A98-4CFA-94C2-E2074112639C}"/>
+                <a16:creationId xmlns:a16="http://schemas.microsoft.com/office/drawing/2014/main" xmlns="" id="{6CF8FF9D-8A98-4CFA-94C2-E2074112639C}"/>
               </a:ext>
             </a:extLst>
           </p:cNvPr>
@@ -6916,7 +7032,7 @@
           <p:cNvPr id="6" name="Textfeld 5">
             <a:extLst>
               <a:ext uri="{FF2B5EF4-FFF2-40B4-BE49-F238E27FC236}">
-                <a16:creationId xmlns:a16="http://schemas.microsoft.com/office/drawing/2014/main" id="{8E05CB3E-FC8B-4C84-8452-A027AF29808D}"/>
+                <a16:creationId xmlns:a16="http://schemas.microsoft.com/office/drawing/2014/main" xmlns="" id="{8E05CB3E-FC8B-4C84-8452-A027AF29808D}"/>
               </a:ext>
             </a:extLst>
           </p:cNvPr>
@@ -6961,7 +7077,7 @@
           <p:cNvPr id="8" name="Textfeld 7">
             <a:extLst>
               <a:ext uri="{FF2B5EF4-FFF2-40B4-BE49-F238E27FC236}">
-                <a16:creationId xmlns:a16="http://schemas.microsoft.com/office/drawing/2014/main" id="{4842BEFA-10C3-45C0-8997-167BE0586DAC}"/>
+                <a16:creationId xmlns:a16="http://schemas.microsoft.com/office/drawing/2014/main" xmlns="" id="{4842BEFA-10C3-45C0-8997-167BE0586DAC}"/>
               </a:ext>
             </a:extLst>
           </p:cNvPr>
@@ -7104,7 +7220,7 @@
           <p:cNvPr id="3" name="Textfeld 2">
             <a:extLst>
               <a:ext uri="{FF2B5EF4-FFF2-40B4-BE49-F238E27FC236}">
-                <a16:creationId xmlns:a16="http://schemas.microsoft.com/office/drawing/2014/main" id="{B616C74B-1A1C-4612-8D7A-608508876D6B}"/>
+                <a16:creationId xmlns:a16="http://schemas.microsoft.com/office/drawing/2014/main" xmlns="" id="{B616C74B-1A1C-4612-8D7A-608508876D6B}"/>
               </a:ext>
             </a:extLst>
           </p:cNvPr>
@@ -7169,7 +7285,7 @@
           <p:cNvPr id="10" name="Foliennummernplatzhalter 9">
             <a:extLst>
               <a:ext uri="{FF2B5EF4-FFF2-40B4-BE49-F238E27FC236}">
-                <a16:creationId xmlns:a16="http://schemas.microsoft.com/office/drawing/2014/main" id="{D931436D-0B25-4BC2-AB85-D177B4C7ED90}"/>
+                <a16:creationId xmlns:a16="http://schemas.microsoft.com/office/drawing/2014/main" xmlns="" id="{D931436D-0B25-4BC2-AB85-D177B4C7ED90}"/>
               </a:ext>
             </a:extLst>
           </p:cNvPr>
@@ -7219,7 +7335,7 @@
           <p:cNvPr id="12" name="Gerader Verbinder 11">
             <a:extLst>
               <a:ext uri="{FF2B5EF4-FFF2-40B4-BE49-F238E27FC236}">
-                <a16:creationId xmlns:a16="http://schemas.microsoft.com/office/drawing/2014/main" id="{4A855513-E5C1-4F05-A8FD-33AC62C22A5E}"/>
+                <a16:creationId xmlns:a16="http://schemas.microsoft.com/office/drawing/2014/main" xmlns="" id="{4A855513-E5C1-4F05-A8FD-33AC62C22A5E}"/>
               </a:ext>
             </a:extLst>
           </p:cNvPr>
@@ -7260,7 +7376,7 @@
           <p:cNvPr id="13" name="Gerader Verbinder 12">
             <a:extLst>
               <a:ext uri="{FF2B5EF4-FFF2-40B4-BE49-F238E27FC236}">
-                <a16:creationId xmlns:a16="http://schemas.microsoft.com/office/drawing/2014/main" id="{F2778992-5E28-437C-AEA9-F9BBD6E6F5BB}"/>
+                <a16:creationId xmlns:a16="http://schemas.microsoft.com/office/drawing/2014/main" xmlns="" id="{F2778992-5E28-437C-AEA9-F9BBD6E6F5BB}"/>
               </a:ext>
             </a:extLst>
           </p:cNvPr>
@@ -7301,7 +7417,7 @@
           <p:cNvPr id="14" name="Textfeld 13">
             <a:extLst>
               <a:ext uri="{FF2B5EF4-FFF2-40B4-BE49-F238E27FC236}">
-                <a16:creationId xmlns:a16="http://schemas.microsoft.com/office/drawing/2014/main" id="{6CF8FF9D-8A98-4CFA-94C2-E2074112639C}"/>
+                <a16:creationId xmlns:a16="http://schemas.microsoft.com/office/drawing/2014/main" xmlns="" id="{6CF8FF9D-8A98-4CFA-94C2-E2074112639C}"/>
               </a:ext>
             </a:extLst>
           </p:cNvPr>
@@ -7337,7 +7453,7 @@
           <p:cNvPr id="6" name="Textfeld 5">
             <a:extLst>
               <a:ext uri="{FF2B5EF4-FFF2-40B4-BE49-F238E27FC236}">
-                <a16:creationId xmlns:a16="http://schemas.microsoft.com/office/drawing/2014/main" id="{8E05CB3E-FC8B-4C84-8452-A027AF29808D}"/>
+                <a16:creationId xmlns:a16="http://schemas.microsoft.com/office/drawing/2014/main" xmlns="" id="{8E05CB3E-FC8B-4C84-8452-A027AF29808D}"/>
               </a:ext>
             </a:extLst>
           </p:cNvPr>
@@ -7382,7 +7498,7 @@
           <p:cNvPr id="3" name="Textfeld 2">
             <a:extLst>
               <a:ext uri="{FF2B5EF4-FFF2-40B4-BE49-F238E27FC236}">
-                <a16:creationId xmlns:a16="http://schemas.microsoft.com/office/drawing/2014/main" id="{B616C74B-1A1C-4612-8D7A-608508876D6B}"/>
+                <a16:creationId xmlns:a16="http://schemas.microsoft.com/office/drawing/2014/main" xmlns="" id="{B616C74B-1A1C-4612-8D7A-608508876D6B}"/>
               </a:ext>
             </a:extLst>
           </p:cNvPr>
@@ -7417,7 +7533,7 @@
           <p:cNvPr id="4" name="Grafik 3">
             <a:extLst>
               <a:ext uri="{FF2B5EF4-FFF2-40B4-BE49-F238E27FC236}">
-                <a16:creationId xmlns:a16="http://schemas.microsoft.com/office/drawing/2014/main" id="{FA2D8E22-F62E-4F78-B108-253534630D75}"/>
+                <a16:creationId xmlns:a16="http://schemas.microsoft.com/office/drawing/2014/main" xmlns="" id="{FA2D8E22-F62E-4F78-B108-253534630D75}"/>
               </a:ext>
             </a:extLst>
           </p:cNvPr>
@@ -7477,7 +7593,7 @@
           <p:cNvPr id="10" name="Foliennummernplatzhalter 9">
             <a:extLst>
               <a:ext uri="{FF2B5EF4-FFF2-40B4-BE49-F238E27FC236}">
-                <a16:creationId xmlns:a16="http://schemas.microsoft.com/office/drawing/2014/main" id="{D931436D-0B25-4BC2-AB85-D177B4C7ED90}"/>
+                <a16:creationId xmlns:a16="http://schemas.microsoft.com/office/drawing/2014/main" xmlns="" id="{D931436D-0B25-4BC2-AB85-D177B4C7ED90}"/>
               </a:ext>
             </a:extLst>
           </p:cNvPr>
@@ -7527,7 +7643,7 @@
           <p:cNvPr id="12" name="Gerader Verbinder 11">
             <a:extLst>
               <a:ext uri="{FF2B5EF4-FFF2-40B4-BE49-F238E27FC236}">
-                <a16:creationId xmlns:a16="http://schemas.microsoft.com/office/drawing/2014/main" id="{4A855513-E5C1-4F05-A8FD-33AC62C22A5E}"/>
+                <a16:creationId xmlns:a16="http://schemas.microsoft.com/office/drawing/2014/main" xmlns="" id="{4A855513-E5C1-4F05-A8FD-33AC62C22A5E}"/>
               </a:ext>
             </a:extLst>
           </p:cNvPr>
@@ -7568,7 +7684,7 @@
           <p:cNvPr id="13" name="Gerader Verbinder 12">
             <a:extLst>
               <a:ext uri="{FF2B5EF4-FFF2-40B4-BE49-F238E27FC236}">
-                <a16:creationId xmlns:a16="http://schemas.microsoft.com/office/drawing/2014/main" id="{F2778992-5E28-437C-AEA9-F9BBD6E6F5BB}"/>
+                <a16:creationId xmlns:a16="http://schemas.microsoft.com/office/drawing/2014/main" xmlns="" id="{F2778992-5E28-437C-AEA9-F9BBD6E6F5BB}"/>
               </a:ext>
             </a:extLst>
           </p:cNvPr>
@@ -7609,7 +7725,7 @@
           <p:cNvPr id="14" name="Textfeld 13">
             <a:extLst>
               <a:ext uri="{FF2B5EF4-FFF2-40B4-BE49-F238E27FC236}">
-                <a16:creationId xmlns:a16="http://schemas.microsoft.com/office/drawing/2014/main" id="{6CF8FF9D-8A98-4CFA-94C2-E2074112639C}"/>
+                <a16:creationId xmlns:a16="http://schemas.microsoft.com/office/drawing/2014/main" xmlns="" id="{6CF8FF9D-8A98-4CFA-94C2-E2074112639C}"/>
               </a:ext>
             </a:extLst>
           </p:cNvPr>
@@ -7645,7 +7761,7 @@
           <p:cNvPr id="6" name="Textfeld 5">
             <a:extLst>
               <a:ext uri="{FF2B5EF4-FFF2-40B4-BE49-F238E27FC236}">
-                <a16:creationId xmlns:a16="http://schemas.microsoft.com/office/drawing/2014/main" id="{8E05CB3E-FC8B-4C84-8452-A027AF29808D}"/>
+                <a16:creationId xmlns:a16="http://schemas.microsoft.com/office/drawing/2014/main" xmlns="" id="{8E05CB3E-FC8B-4C84-8452-A027AF29808D}"/>
               </a:ext>
             </a:extLst>
           </p:cNvPr>
@@ -7690,7 +7806,7 @@
           <p:cNvPr id="3" name="Textfeld 2">
             <a:extLst>
               <a:ext uri="{FF2B5EF4-FFF2-40B4-BE49-F238E27FC236}">
-                <a16:creationId xmlns:a16="http://schemas.microsoft.com/office/drawing/2014/main" id="{B616C74B-1A1C-4612-8D7A-608508876D6B}"/>
+                <a16:creationId xmlns:a16="http://schemas.microsoft.com/office/drawing/2014/main" xmlns="" id="{B616C74B-1A1C-4612-8D7A-608508876D6B}"/>
               </a:ext>
             </a:extLst>
           </p:cNvPr>
@@ -7725,7 +7841,7 @@
           <p:cNvPr id="15" name="Textfeld 14">
             <a:extLst>
               <a:ext uri="{FF2B5EF4-FFF2-40B4-BE49-F238E27FC236}">
-                <a16:creationId xmlns:a16="http://schemas.microsoft.com/office/drawing/2014/main" id="{79F52149-1009-4870-BA4B-79BC8D3BBE17}"/>
+                <a16:creationId xmlns:a16="http://schemas.microsoft.com/office/drawing/2014/main" xmlns="" id="{79F52149-1009-4870-BA4B-79BC8D3BBE17}"/>
               </a:ext>
             </a:extLst>
           </p:cNvPr>
@@ -8686,7 +8802,7 @@
           <p:cNvPr id="10" name="Foliennummernplatzhalter 9">
             <a:extLst>
               <a:ext uri="{FF2B5EF4-FFF2-40B4-BE49-F238E27FC236}">
-                <a16:creationId xmlns:a16="http://schemas.microsoft.com/office/drawing/2014/main" id="{D931436D-0B25-4BC2-AB85-D177B4C7ED90}"/>
+                <a16:creationId xmlns:a16="http://schemas.microsoft.com/office/drawing/2014/main" xmlns="" id="{D931436D-0B25-4BC2-AB85-D177B4C7ED90}"/>
               </a:ext>
             </a:extLst>
           </p:cNvPr>
@@ -8736,7 +8852,7 @@
           <p:cNvPr id="12" name="Gerader Verbinder 11">
             <a:extLst>
               <a:ext uri="{FF2B5EF4-FFF2-40B4-BE49-F238E27FC236}">
-                <a16:creationId xmlns:a16="http://schemas.microsoft.com/office/drawing/2014/main" id="{4A855513-E5C1-4F05-A8FD-33AC62C22A5E}"/>
+                <a16:creationId xmlns:a16="http://schemas.microsoft.com/office/drawing/2014/main" xmlns="" id="{4A855513-E5C1-4F05-A8FD-33AC62C22A5E}"/>
               </a:ext>
             </a:extLst>
           </p:cNvPr>
@@ -8777,7 +8893,7 @@
           <p:cNvPr id="13" name="Gerader Verbinder 12">
             <a:extLst>
               <a:ext uri="{FF2B5EF4-FFF2-40B4-BE49-F238E27FC236}">
-                <a16:creationId xmlns:a16="http://schemas.microsoft.com/office/drawing/2014/main" id="{F2778992-5E28-437C-AEA9-F9BBD6E6F5BB}"/>
+                <a16:creationId xmlns:a16="http://schemas.microsoft.com/office/drawing/2014/main" xmlns="" id="{F2778992-5E28-437C-AEA9-F9BBD6E6F5BB}"/>
               </a:ext>
             </a:extLst>
           </p:cNvPr>
@@ -8818,7 +8934,7 @@
           <p:cNvPr id="14" name="Textfeld 13">
             <a:extLst>
               <a:ext uri="{FF2B5EF4-FFF2-40B4-BE49-F238E27FC236}">
-                <a16:creationId xmlns:a16="http://schemas.microsoft.com/office/drawing/2014/main" id="{6CF8FF9D-8A98-4CFA-94C2-E2074112639C}"/>
+                <a16:creationId xmlns:a16="http://schemas.microsoft.com/office/drawing/2014/main" xmlns="" id="{6CF8FF9D-8A98-4CFA-94C2-E2074112639C}"/>
               </a:ext>
             </a:extLst>
           </p:cNvPr>
@@ -8854,7 +8970,7 @@
           <p:cNvPr id="6" name="Textfeld 5">
             <a:extLst>
               <a:ext uri="{FF2B5EF4-FFF2-40B4-BE49-F238E27FC236}">
-                <a16:creationId xmlns:a16="http://schemas.microsoft.com/office/drawing/2014/main" id="{8E05CB3E-FC8B-4C84-8452-A027AF29808D}"/>
+                <a16:creationId xmlns:a16="http://schemas.microsoft.com/office/drawing/2014/main" xmlns="" id="{8E05CB3E-FC8B-4C84-8452-A027AF29808D}"/>
               </a:ext>
             </a:extLst>
           </p:cNvPr>
@@ -8899,7 +9015,7 @@
           <p:cNvPr id="3" name="Textfeld 2">
             <a:extLst>
               <a:ext uri="{FF2B5EF4-FFF2-40B4-BE49-F238E27FC236}">
-                <a16:creationId xmlns:a16="http://schemas.microsoft.com/office/drawing/2014/main" id="{B616C74B-1A1C-4612-8D7A-608508876D6B}"/>
+                <a16:creationId xmlns:a16="http://schemas.microsoft.com/office/drawing/2014/main" xmlns="" id="{B616C74B-1A1C-4612-8D7A-608508876D6B}"/>
               </a:ext>
             </a:extLst>
           </p:cNvPr>
@@ -8934,7 +9050,7 @@
           <p:cNvPr id="15" name="Textfeld 14">
             <a:extLst>
               <a:ext uri="{FF2B5EF4-FFF2-40B4-BE49-F238E27FC236}">
-                <a16:creationId xmlns:a16="http://schemas.microsoft.com/office/drawing/2014/main" id="{79F52149-1009-4870-BA4B-79BC8D3BBE17}"/>
+                <a16:creationId xmlns:a16="http://schemas.microsoft.com/office/drawing/2014/main" xmlns="" id="{79F52149-1009-4870-BA4B-79BC8D3BBE17}"/>
               </a:ext>
             </a:extLst>
           </p:cNvPr>
@@ -9373,7 +9489,7 @@
           <p:cNvPr id="10" name="Foliennummernplatzhalter 9">
             <a:extLst>
               <a:ext uri="{FF2B5EF4-FFF2-40B4-BE49-F238E27FC236}">
-                <a16:creationId xmlns:a16="http://schemas.microsoft.com/office/drawing/2014/main" id="{D931436D-0B25-4BC2-AB85-D177B4C7ED90}"/>
+                <a16:creationId xmlns:a16="http://schemas.microsoft.com/office/drawing/2014/main" xmlns="" id="{D931436D-0B25-4BC2-AB85-D177B4C7ED90}"/>
               </a:ext>
             </a:extLst>
           </p:cNvPr>
@@ -9423,7 +9539,7 @@
           <p:cNvPr id="12" name="Gerader Verbinder 11">
             <a:extLst>
               <a:ext uri="{FF2B5EF4-FFF2-40B4-BE49-F238E27FC236}">
-                <a16:creationId xmlns:a16="http://schemas.microsoft.com/office/drawing/2014/main" id="{4A855513-E5C1-4F05-A8FD-33AC62C22A5E}"/>
+                <a16:creationId xmlns:a16="http://schemas.microsoft.com/office/drawing/2014/main" xmlns="" id="{4A855513-E5C1-4F05-A8FD-33AC62C22A5E}"/>
               </a:ext>
             </a:extLst>
           </p:cNvPr>
@@ -9464,7 +9580,7 @@
           <p:cNvPr id="13" name="Gerader Verbinder 12">
             <a:extLst>
               <a:ext uri="{FF2B5EF4-FFF2-40B4-BE49-F238E27FC236}">
-                <a16:creationId xmlns:a16="http://schemas.microsoft.com/office/drawing/2014/main" id="{F2778992-5E28-437C-AEA9-F9BBD6E6F5BB}"/>
+                <a16:creationId xmlns:a16="http://schemas.microsoft.com/office/drawing/2014/main" xmlns="" id="{F2778992-5E28-437C-AEA9-F9BBD6E6F5BB}"/>
               </a:ext>
             </a:extLst>
           </p:cNvPr>
@@ -9505,7 +9621,7 @@
           <p:cNvPr id="14" name="Textfeld 13">
             <a:extLst>
               <a:ext uri="{FF2B5EF4-FFF2-40B4-BE49-F238E27FC236}">
-                <a16:creationId xmlns:a16="http://schemas.microsoft.com/office/drawing/2014/main" id="{6CF8FF9D-8A98-4CFA-94C2-E2074112639C}"/>
+                <a16:creationId xmlns:a16="http://schemas.microsoft.com/office/drawing/2014/main" xmlns="" id="{6CF8FF9D-8A98-4CFA-94C2-E2074112639C}"/>
               </a:ext>
             </a:extLst>
           </p:cNvPr>
@@ -9571,7 +9687,7 @@
           <p:cNvPr id="8" name="Textfeld 7">
             <a:extLst>
               <a:ext uri="{FF2B5EF4-FFF2-40B4-BE49-F238E27FC236}">
-                <a16:creationId xmlns:a16="http://schemas.microsoft.com/office/drawing/2014/main" id="{8E05CB3E-FC8B-4C84-8452-A027AF29808D}"/>
+                <a16:creationId xmlns:a16="http://schemas.microsoft.com/office/drawing/2014/main" xmlns="" id="{8E05CB3E-FC8B-4C84-8452-A027AF29808D}"/>
               </a:ext>
             </a:extLst>
           </p:cNvPr>
@@ -9619,8 +9735,8 @@
         </p:nvSpPr>
         <p:spPr>
           <a:xfrm>
-            <a:off x="864972" y="1802256"/>
-            <a:ext cx="3838833" cy="1200329"/>
+            <a:off x="864972" y="1662754"/>
+            <a:ext cx="10717428" cy="1477328"/>
           </a:xfrm>
           <a:prstGeom prst="rect">
             <a:avLst/>
@@ -9633,33 +9749,27 @@
           </a:bodyPr>
           <a:lstStyle/>
           <a:p>
-            <a:pPr marL="285750" indent="-285750">
-              <a:buFont typeface="Arial" panose="020B0604020202020204" pitchFamily="34" charset="0"/>
-              <a:buChar char="•"/>
-            </a:pPr>
             <a:r>
               <a:rPr lang="de-DE" dirty="0"/>
-              <a:t>FILO – First in Last Out</a:t>
-            </a:r>
-          </a:p>
-          <a:p>
-            <a:pPr marL="285750" indent="-285750">
-              <a:buFont typeface="Arial" panose="020B0604020202020204" pitchFamily="34" charset="0"/>
-              <a:buChar char="•"/>
-            </a:pPr>
+              <a:t>Daten  werden  gestapelt,  der  ältere  Wert  wird  vom  neuern  verdeckt.  </a:t>
+            </a:r>
+          </a:p>
+          <a:p>
             <a:r>
               <a:rPr lang="de-DE" dirty="0"/>
-              <a:t>Unflexible Größe</a:t>
-            </a:r>
-          </a:p>
-          <a:p>
-            <a:pPr marL="285750" indent="-285750">
-              <a:buFont typeface="Arial" panose="020B0604020202020204" pitchFamily="34" charset="0"/>
-              <a:buChar char="•"/>
-            </a:pPr>
+              <a:t>Es  kann  immer  ein  Wert hinzugefügt werden, beim Entfernen wird  der neueste Wert entfernt, </a:t>
+            </a:r>
+          </a:p>
+          <a:p>
             <a:r>
               <a:rPr lang="de-DE" dirty="0"/>
-              <a:t>Memory Safe</a:t>
+              <a:t>First In Last Out (FILO) Prinzip. </a:t>
+            </a:r>
+          </a:p>
+          <a:p>
+            <a:r>
+              <a:rPr lang="de-DE" dirty="0"/>
+              <a:t>Diese Vorgänge sind sehr schnell und sind generell sicher.</a:t>
             </a:r>
           </a:p>
           <a:p>
@@ -9702,7 +9812,7 @@
           <p:cNvPr id="10" name="Foliennummernplatzhalter 9">
             <a:extLst>
               <a:ext uri="{FF2B5EF4-FFF2-40B4-BE49-F238E27FC236}">
-                <a16:creationId xmlns:a16="http://schemas.microsoft.com/office/drawing/2014/main" id="{D931436D-0B25-4BC2-AB85-D177B4C7ED90}"/>
+                <a16:creationId xmlns:a16="http://schemas.microsoft.com/office/drawing/2014/main" xmlns="" id="{D931436D-0B25-4BC2-AB85-D177B4C7ED90}"/>
               </a:ext>
             </a:extLst>
           </p:cNvPr>
@@ -9752,7 +9862,7 @@
           <p:cNvPr id="12" name="Gerader Verbinder 11">
             <a:extLst>
               <a:ext uri="{FF2B5EF4-FFF2-40B4-BE49-F238E27FC236}">
-                <a16:creationId xmlns:a16="http://schemas.microsoft.com/office/drawing/2014/main" id="{4A855513-E5C1-4F05-A8FD-33AC62C22A5E}"/>
+                <a16:creationId xmlns:a16="http://schemas.microsoft.com/office/drawing/2014/main" xmlns="" id="{4A855513-E5C1-4F05-A8FD-33AC62C22A5E}"/>
               </a:ext>
             </a:extLst>
           </p:cNvPr>
@@ -9793,7 +9903,7 @@
           <p:cNvPr id="13" name="Gerader Verbinder 12">
             <a:extLst>
               <a:ext uri="{FF2B5EF4-FFF2-40B4-BE49-F238E27FC236}">
-                <a16:creationId xmlns:a16="http://schemas.microsoft.com/office/drawing/2014/main" id="{F2778992-5E28-437C-AEA9-F9BBD6E6F5BB}"/>
+                <a16:creationId xmlns:a16="http://schemas.microsoft.com/office/drawing/2014/main" xmlns="" id="{F2778992-5E28-437C-AEA9-F9BBD6E6F5BB}"/>
               </a:ext>
             </a:extLst>
           </p:cNvPr>
@@ -9834,7 +9944,7 @@
           <p:cNvPr id="14" name="Textfeld 13">
             <a:extLst>
               <a:ext uri="{FF2B5EF4-FFF2-40B4-BE49-F238E27FC236}">
-                <a16:creationId xmlns:a16="http://schemas.microsoft.com/office/drawing/2014/main" id="{6CF8FF9D-8A98-4CFA-94C2-E2074112639C}"/>
+                <a16:creationId xmlns:a16="http://schemas.microsoft.com/office/drawing/2014/main" xmlns="" id="{6CF8FF9D-8A98-4CFA-94C2-E2074112639C}"/>
               </a:ext>
             </a:extLst>
           </p:cNvPr>
@@ -9870,7 +9980,7 @@
           <p:cNvPr id="6" name="Textfeld 5">
             <a:extLst>
               <a:ext uri="{FF2B5EF4-FFF2-40B4-BE49-F238E27FC236}">
-                <a16:creationId xmlns:a16="http://schemas.microsoft.com/office/drawing/2014/main" id="{8E05CB3E-FC8B-4C84-8452-A027AF29808D}"/>
+                <a16:creationId xmlns:a16="http://schemas.microsoft.com/office/drawing/2014/main" xmlns="" id="{8E05CB3E-FC8B-4C84-8452-A027AF29808D}"/>
               </a:ext>
             </a:extLst>
           </p:cNvPr>
@@ -9968,28 +10078,28 @@
                 <a:gridCol w="1089020">
                   <a:extLst>
                     <a:ext uri="{9D8B030D-6E8A-4147-A177-3AD203B41FA5}">
-                      <a16:colId xmlns:a16="http://schemas.microsoft.com/office/drawing/2014/main" val="20000"/>
+                      <a16:colId xmlns:a16="http://schemas.microsoft.com/office/drawing/2014/main" xmlns="" val="20000"/>
                     </a:ext>
                   </a:extLst>
                 </a:gridCol>
                 <a:gridCol w="996778">
                   <a:extLst>
                     <a:ext uri="{9D8B030D-6E8A-4147-A177-3AD203B41FA5}">
-                      <a16:colId xmlns:a16="http://schemas.microsoft.com/office/drawing/2014/main" val="20001"/>
+                      <a16:colId xmlns:a16="http://schemas.microsoft.com/office/drawing/2014/main" xmlns="" val="20001"/>
                     </a:ext>
                   </a:extLst>
                 </a:gridCol>
                 <a:gridCol w="2075935">
                   <a:extLst>
                     <a:ext uri="{9D8B030D-6E8A-4147-A177-3AD203B41FA5}">
-                      <a16:colId xmlns:a16="http://schemas.microsoft.com/office/drawing/2014/main" val="20002"/>
+                      <a16:colId xmlns:a16="http://schemas.microsoft.com/office/drawing/2014/main" xmlns="" val="20002"/>
                     </a:ext>
                   </a:extLst>
                 </a:gridCol>
                 <a:gridCol w="2314833">
                   <a:extLst>
                     <a:ext uri="{9D8B030D-6E8A-4147-A177-3AD203B41FA5}">
-                      <a16:colId xmlns:a16="http://schemas.microsoft.com/office/drawing/2014/main" val="20003"/>
+                      <a16:colId xmlns:a16="http://schemas.microsoft.com/office/drawing/2014/main" xmlns="" val="20003"/>
                     </a:ext>
                   </a:extLst>
                 </a:gridCol>
@@ -10125,7 +10235,7 @@
                 </a:tc>
                 <a:extLst>
                   <a:ext uri="{0D108BD9-81ED-4DB2-BD59-A6C34878D82A}">
-                    <a16:rowId xmlns:a16="http://schemas.microsoft.com/office/drawing/2014/main" val="10000"/>
+                    <a16:rowId xmlns:a16="http://schemas.microsoft.com/office/drawing/2014/main" xmlns="" val="10000"/>
                   </a:ext>
                 </a:extLst>
               </a:tr>
@@ -10279,7 +10389,7 @@
                 </a:tc>
                 <a:extLst>
                   <a:ext uri="{0D108BD9-81ED-4DB2-BD59-A6C34878D82A}">
-                    <a16:rowId xmlns:a16="http://schemas.microsoft.com/office/drawing/2014/main" val="10001"/>
+                    <a16:rowId xmlns:a16="http://schemas.microsoft.com/office/drawing/2014/main" xmlns="" val="10001"/>
                   </a:ext>
                 </a:extLst>
               </a:tr>
@@ -10402,7 +10512,7 @@
                 </a:tc>
                 <a:extLst>
                   <a:ext uri="{0D108BD9-81ED-4DB2-BD59-A6C34878D82A}">
-                    <a16:rowId xmlns:a16="http://schemas.microsoft.com/office/drawing/2014/main" val="10002"/>
+                    <a16:rowId xmlns:a16="http://schemas.microsoft.com/office/drawing/2014/main" xmlns="" val="10002"/>
                   </a:ext>
                 </a:extLst>
               </a:tr>
@@ -10538,7 +10648,7 @@
                 </a:tc>
                 <a:extLst>
                   <a:ext uri="{0D108BD9-81ED-4DB2-BD59-A6C34878D82A}">
-                    <a16:rowId xmlns:a16="http://schemas.microsoft.com/office/drawing/2014/main" val="10003"/>
+                    <a16:rowId xmlns:a16="http://schemas.microsoft.com/office/drawing/2014/main" xmlns="" val="10003"/>
                   </a:ext>
                 </a:extLst>
               </a:tr>
@@ -10719,7 +10829,7 @@
                 </a:tc>
                 <a:extLst>
                   <a:ext uri="{0D108BD9-81ED-4DB2-BD59-A6C34878D82A}">
-                    <a16:rowId xmlns:a16="http://schemas.microsoft.com/office/drawing/2014/main" val="10004"/>
+                    <a16:rowId xmlns:a16="http://schemas.microsoft.com/office/drawing/2014/main" xmlns="" val="10004"/>
                   </a:ext>
                 </a:extLst>
               </a:tr>
@@ -10762,7 +10872,7 @@
           <p:cNvPr id="10" name="Foliennummernplatzhalter 9">
             <a:extLst>
               <a:ext uri="{FF2B5EF4-FFF2-40B4-BE49-F238E27FC236}">
-                <a16:creationId xmlns:a16="http://schemas.microsoft.com/office/drawing/2014/main" id="{D931436D-0B25-4BC2-AB85-D177B4C7ED90}"/>
+                <a16:creationId xmlns:a16="http://schemas.microsoft.com/office/drawing/2014/main" xmlns="" id="{D931436D-0B25-4BC2-AB85-D177B4C7ED90}"/>
               </a:ext>
             </a:extLst>
           </p:cNvPr>
@@ -10812,7 +10922,7 @@
           <p:cNvPr id="12" name="Gerader Verbinder 11">
             <a:extLst>
               <a:ext uri="{FF2B5EF4-FFF2-40B4-BE49-F238E27FC236}">
-                <a16:creationId xmlns:a16="http://schemas.microsoft.com/office/drawing/2014/main" id="{4A855513-E5C1-4F05-A8FD-33AC62C22A5E}"/>
+                <a16:creationId xmlns:a16="http://schemas.microsoft.com/office/drawing/2014/main" xmlns="" id="{4A855513-E5C1-4F05-A8FD-33AC62C22A5E}"/>
               </a:ext>
             </a:extLst>
           </p:cNvPr>
@@ -10853,7 +10963,7 @@
           <p:cNvPr id="13" name="Gerader Verbinder 12">
             <a:extLst>
               <a:ext uri="{FF2B5EF4-FFF2-40B4-BE49-F238E27FC236}">
-                <a16:creationId xmlns:a16="http://schemas.microsoft.com/office/drawing/2014/main" id="{F2778992-5E28-437C-AEA9-F9BBD6E6F5BB}"/>
+                <a16:creationId xmlns:a16="http://schemas.microsoft.com/office/drawing/2014/main" xmlns="" id="{F2778992-5E28-437C-AEA9-F9BBD6E6F5BB}"/>
               </a:ext>
             </a:extLst>
           </p:cNvPr>
@@ -10894,7 +11004,7 @@
           <p:cNvPr id="14" name="Textfeld 13">
             <a:extLst>
               <a:ext uri="{FF2B5EF4-FFF2-40B4-BE49-F238E27FC236}">
-                <a16:creationId xmlns:a16="http://schemas.microsoft.com/office/drawing/2014/main" id="{6CF8FF9D-8A98-4CFA-94C2-E2074112639C}"/>
+                <a16:creationId xmlns:a16="http://schemas.microsoft.com/office/drawing/2014/main" xmlns="" id="{6CF8FF9D-8A98-4CFA-94C2-E2074112639C}"/>
               </a:ext>
             </a:extLst>
           </p:cNvPr>
@@ -10930,7 +11040,7 @@
           <p:cNvPr id="15" name="Textfeld 14">
             <a:extLst>
               <a:ext uri="{FF2B5EF4-FFF2-40B4-BE49-F238E27FC236}">
-                <a16:creationId xmlns:a16="http://schemas.microsoft.com/office/drawing/2014/main" id="{DD417980-0DD8-4DD7-BE87-C974912B8B82}"/>
+                <a16:creationId xmlns:a16="http://schemas.microsoft.com/office/drawing/2014/main" xmlns="" id="{DD417980-0DD8-4DD7-BE87-C974912B8B82}"/>
               </a:ext>
             </a:extLst>
           </p:cNvPr>
@@ -10965,7 +11075,7 @@
           <p:cNvPr id="17" name="Textfeld 16">
             <a:extLst>
               <a:ext uri="{FF2B5EF4-FFF2-40B4-BE49-F238E27FC236}">
-                <a16:creationId xmlns:a16="http://schemas.microsoft.com/office/drawing/2014/main" id="{BCB027A4-8BDB-4515-B3E5-91B6A22A1E00}"/>
+                <a16:creationId xmlns:a16="http://schemas.microsoft.com/office/drawing/2014/main" xmlns="" id="{BCB027A4-8BDB-4515-B3E5-91B6A22A1E00}"/>
               </a:ext>
             </a:extLst>
           </p:cNvPr>
@@ -11054,7 +11164,7 @@
           <p:cNvPr id="19" name="Textfeld 18">
             <a:extLst>
               <a:ext uri="{FF2B5EF4-FFF2-40B4-BE49-F238E27FC236}">
-                <a16:creationId xmlns:a16="http://schemas.microsoft.com/office/drawing/2014/main" id="{C814F180-BEAD-4EF5-9E52-0A793EAC896B}"/>
+                <a16:creationId xmlns:a16="http://schemas.microsoft.com/office/drawing/2014/main" xmlns="" id="{C814F180-BEAD-4EF5-9E52-0A793EAC896B}"/>
               </a:ext>
             </a:extLst>
           </p:cNvPr>
@@ -11094,7 +11204,7 @@
           <p:cNvPr id="21" name="Textfeld 20">
             <a:extLst>
               <a:ext uri="{FF2B5EF4-FFF2-40B4-BE49-F238E27FC236}">
-                <a16:creationId xmlns:a16="http://schemas.microsoft.com/office/drawing/2014/main" id="{57069215-89D3-4945-A74E-2B00B8E15F6C}"/>
+                <a16:creationId xmlns:a16="http://schemas.microsoft.com/office/drawing/2014/main" xmlns="" id="{57069215-89D3-4945-A74E-2B00B8E15F6C}"/>
               </a:ext>
             </a:extLst>
           </p:cNvPr>
@@ -11259,7 +11369,7 @@
           <p:cNvPr id="10" name="Foliennummernplatzhalter 9">
             <a:extLst>
               <a:ext uri="{FF2B5EF4-FFF2-40B4-BE49-F238E27FC236}">
-                <a16:creationId xmlns:a16="http://schemas.microsoft.com/office/drawing/2014/main" id="{D931436D-0B25-4BC2-AB85-D177B4C7ED90}"/>
+                <a16:creationId xmlns:a16="http://schemas.microsoft.com/office/drawing/2014/main" xmlns="" id="{D931436D-0B25-4BC2-AB85-D177B4C7ED90}"/>
               </a:ext>
             </a:extLst>
           </p:cNvPr>
@@ -11309,7 +11419,7 @@
           <p:cNvPr id="12" name="Gerader Verbinder 11">
             <a:extLst>
               <a:ext uri="{FF2B5EF4-FFF2-40B4-BE49-F238E27FC236}">
-                <a16:creationId xmlns:a16="http://schemas.microsoft.com/office/drawing/2014/main" id="{4A855513-E5C1-4F05-A8FD-33AC62C22A5E}"/>
+                <a16:creationId xmlns:a16="http://schemas.microsoft.com/office/drawing/2014/main" xmlns="" id="{4A855513-E5C1-4F05-A8FD-33AC62C22A5E}"/>
               </a:ext>
             </a:extLst>
           </p:cNvPr>
@@ -11350,7 +11460,7 @@
           <p:cNvPr id="13" name="Gerader Verbinder 12">
             <a:extLst>
               <a:ext uri="{FF2B5EF4-FFF2-40B4-BE49-F238E27FC236}">
-                <a16:creationId xmlns:a16="http://schemas.microsoft.com/office/drawing/2014/main" id="{F2778992-5E28-437C-AEA9-F9BBD6E6F5BB}"/>
+                <a16:creationId xmlns:a16="http://schemas.microsoft.com/office/drawing/2014/main" xmlns="" id="{F2778992-5E28-437C-AEA9-F9BBD6E6F5BB}"/>
               </a:ext>
             </a:extLst>
           </p:cNvPr>
@@ -11391,7 +11501,7 @@
           <p:cNvPr id="14" name="Textfeld 13">
             <a:extLst>
               <a:ext uri="{FF2B5EF4-FFF2-40B4-BE49-F238E27FC236}">
-                <a16:creationId xmlns:a16="http://schemas.microsoft.com/office/drawing/2014/main" id="{6CF8FF9D-8A98-4CFA-94C2-E2074112639C}"/>
+                <a16:creationId xmlns:a16="http://schemas.microsoft.com/office/drawing/2014/main" xmlns="" id="{6CF8FF9D-8A98-4CFA-94C2-E2074112639C}"/>
               </a:ext>
             </a:extLst>
           </p:cNvPr>
@@ -11444,7 +11554,7 @@
         </p:blipFill>
         <p:spPr>
           <a:xfrm>
-            <a:off x="865779" y="2895317"/>
+            <a:off x="865778" y="3057363"/>
             <a:ext cx="6979300" cy="2648395"/>
           </a:xfrm>
           <a:prstGeom prst="rect">
@@ -11457,7 +11567,7 @@
           <p:cNvPr id="8" name="Textfeld 7">
             <a:extLst>
               <a:ext uri="{FF2B5EF4-FFF2-40B4-BE49-F238E27FC236}">
-                <a16:creationId xmlns:a16="http://schemas.microsoft.com/office/drawing/2014/main" id="{8E05CB3E-FC8B-4C84-8452-A027AF29808D}"/>
+                <a16:creationId xmlns:a16="http://schemas.microsoft.com/office/drawing/2014/main" xmlns="" id="{8E05CB3E-FC8B-4C84-8452-A027AF29808D}"/>
               </a:ext>
             </a:extLst>
           </p:cNvPr>
@@ -11505,8 +11615,8 @@
         </p:nvSpPr>
         <p:spPr>
           <a:xfrm>
-            <a:off x="865779" y="1782894"/>
-            <a:ext cx="4241680" cy="1200329"/>
+            <a:off x="865778" y="1689800"/>
+            <a:ext cx="10667195" cy="1200329"/>
           </a:xfrm>
           <a:prstGeom prst="rect">
             <a:avLst/>
@@ -11519,36 +11629,48 @@
           </a:bodyPr>
           <a:lstStyle/>
           <a:p>
-            <a:pPr marL="285750" indent="-285750">
-              <a:buFont typeface="Arial" panose="020B0604020202020204" pitchFamily="34" charset="0"/>
-              <a:buChar char="•"/>
-            </a:pPr>
             <a:r>
               <a:rPr lang="de-DE" dirty="0"/>
-              <a:t>FIFO – First in Last Out</a:t>
-            </a:r>
-          </a:p>
-          <a:p>
-            <a:pPr marL="285750" indent="-285750">
-              <a:buFont typeface="Arial" panose="020B0604020202020204" pitchFamily="34" charset="0"/>
-              <a:buChar char="•"/>
-            </a:pPr>
+              <a:t>Daten werden in einer Liste gespeichert, der älteste Wert wird hier entnommen. First in First out </a:t>
+            </a:r>
             <a:r>
               <a:rPr lang="de-DE" dirty="0"/>
-              <a:t>Unflexible Größe</a:t>
-            </a:r>
-          </a:p>
-          <a:p>
-            <a:pPr marL="285750" indent="-285750">
-              <a:buFont typeface="Arial" panose="020B0604020202020204" pitchFamily="34" charset="0"/>
-              <a:buChar char="•"/>
-            </a:pPr>
-            <a:r>
+              <a:t/>
+            </a:r>
+            <a:br>
               <a:rPr lang="de-DE" dirty="0"/>
-              <a:t>Toter Speicher Block</a:t>
-            </a:r>
-          </a:p>
-          <a:p>
+            </a:br>
+            <a:r>
+              <a:rPr lang="de-DE" dirty="0"/>
+              <a:t>(FIFO). Da Daten von Vorne entnommen werden entsteht ungenutzter Speicher. </a:t>
+            </a:r>
+            <a:endParaRPr lang="de-DE" dirty="0" smtClean="0"/>
+          </a:p>
+          <a:p>
+            <a:r>
+              <a:rPr lang="de-DE" dirty="0" smtClean="0"/>
+              <a:t>Hier </a:t>
+            </a:r>
+            <a:r>
+              <a:rPr lang="de-DE" dirty="0"/>
+              <a:t>ist zu Achten, </a:t>
+            </a:r>
+            <a:r>
+              <a:rPr lang="de-DE" dirty="0" smtClean="0"/>
+              <a:t>dass </a:t>
+            </a:r>
+            <a:r>
+              <a:rPr lang="de-DE" dirty="0"/>
+              <a:t>dieser Speicher möglichst freigegeben wird, natürlich ist eine umbauen des Speichers bei jedem </a:t>
+            </a:r>
+            <a:r>
+              <a:rPr lang="de-DE" dirty="0" smtClean="0"/>
+              <a:t>Zugriff </a:t>
+            </a:r>
+            <a:r>
+              <a:rPr lang="de-DE" dirty="0"/>
+              <a:t>nicht unbedingt Sinnvoll.</a:t>
+            </a:r>
             <a:endParaRPr lang="de-DE" dirty="0"/>
           </a:p>
         </p:txBody>
@@ -11588,7 +11710,7 @@
           <p:cNvPr id="10" name="Foliennummernplatzhalter 9">
             <a:extLst>
               <a:ext uri="{FF2B5EF4-FFF2-40B4-BE49-F238E27FC236}">
-                <a16:creationId xmlns:a16="http://schemas.microsoft.com/office/drawing/2014/main" id="{D931436D-0B25-4BC2-AB85-D177B4C7ED90}"/>
+                <a16:creationId xmlns:a16="http://schemas.microsoft.com/office/drawing/2014/main" xmlns="" id="{D931436D-0B25-4BC2-AB85-D177B4C7ED90}"/>
               </a:ext>
             </a:extLst>
           </p:cNvPr>
@@ -11638,7 +11760,7 @@
           <p:cNvPr id="12" name="Gerader Verbinder 11">
             <a:extLst>
               <a:ext uri="{FF2B5EF4-FFF2-40B4-BE49-F238E27FC236}">
-                <a16:creationId xmlns:a16="http://schemas.microsoft.com/office/drawing/2014/main" id="{4A855513-E5C1-4F05-A8FD-33AC62C22A5E}"/>
+                <a16:creationId xmlns:a16="http://schemas.microsoft.com/office/drawing/2014/main" xmlns="" id="{4A855513-E5C1-4F05-A8FD-33AC62C22A5E}"/>
               </a:ext>
             </a:extLst>
           </p:cNvPr>
@@ -11679,7 +11801,7 @@
           <p:cNvPr id="13" name="Gerader Verbinder 12">
             <a:extLst>
               <a:ext uri="{FF2B5EF4-FFF2-40B4-BE49-F238E27FC236}">
-                <a16:creationId xmlns:a16="http://schemas.microsoft.com/office/drawing/2014/main" id="{F2778992-5E28-437C-AEA9-F9BBD6E6F5BB}"/>
+                <a16:creationId xmlns:a16="http://schemas.microsoft.com/office/drawing/2014/main" xmlns="" id="{F2778992-5E28-437C-AEA9-F9BBD6E6F5BB}"/>
               </a:ext>
             </a:extLst>
           </p:cNvPr>
@@ -11720,7 +11842,7 @@
           <p:cNvPr id="14" name="Textfeld 13">
             <a:extLst>
               <a:ext uri="{FF2B5EF4-FFF2-40B4-BE49-F238E27FC236}">
-                <a16:creationId xmlns:a16="http://schemas.microsoft.com/office/drawing/2014/main" id="{6CF8FF9D-8A98-4CFA-94C2-E2074112639C}"/>
+                <a16:creationId xmlns:a16="http://schemas.microsoft.com/office/drawing/2014/main" xmlns="" id="{6CF8FF9D-8A98-4CFA-94C2-E2074112639C}"/>
               </a:ext>
             </a:extLst>
           </p:cNvPr>
@@ -11756,7 +11878,7 @@
           <p:cNvPr id="8" name="Textfeld 7">
             <a:extLst>
               <a:ext uri="{FF2B5EF4-FFF2-40B4-BE49-F238E27FC236}">
-                <a16:creationId xmlns:a16="http://schemas.microsoft.com/office/drawing/2014/main" id="{8E05CB3E-FC8B-4C84-8452-A027AF29808D}"/>
+                <a16:creationId xmlns:a16="http://schemas.microsoft.com/office/drawing/2014/main" xmlns="" id="{8E05CB3E-FC8B-4C84-8452-A027AF29808D}"/>
               </a:ext>
             </a:extLst>
           </p:cNvPr>
@@ -11854,28 +11976,28 @@
                 <a:gridCol w="1089020">
                   <a:extLst>
                     <a:ext uri="{9D8B030D-6E8A-4147-A177-3AD203B41FA5}">
-                      <a16:colId xmlns:a16="http://schemas.microsoft.com/office/drawing/2014/main" val="20000"/>
+                      <a16:colId xmlns:a16="http://schemas.microsoft.com/office/drawing/2014/main" xmlns="" val="20000"/>
                     </a:ext>
                   </a:extLst>
                 </a:gridCol>
                 <a:gridCol w="996778">
                   <a:extLst>
                     <a:ext uri="{9D8B030D-6E8A-4147-A177-3AD203B41FA5}">
-                      <a16:colId xmlns:a16="http://schemas.microsoft.com/office/drawing/2014/main" val="20001"/>
+                      <a16:colId xmlns:a16="http://schemas.microsoft.com/office/drawing/2014/main" xmlns="" val="20001"/>
                     </a:ext>
                   </a:extLst>
                 </a:gridCol>
                 <a:gridCol w="2075935">
                   <a:extLst>
                     <a:ext uri="{9D8B030D-6E8A-4147-A177-3AD203B41FA5}">
-                      <a16:colId xmlns:a16="http://schemas.microsoft.com/office/drawing/2014/main" val="20002"/>
+                      <a16:colId xmlns:a16="http://schemas.microsoft.com/office/drawing/2014/main" xmlns="" val="20002"/>
                     </a:ext>
                   </a:extLst>
                 </a:gridCol>
                 <a:gridCol w="2314833">
                   <a:extLst>
                     <a:ext uri="{9D8B030D-6E8A-4147-A177-3AD203B41FA5}">
-                      <a16:colId xmlns:a16="http://schemas.microsoft.com/office/drawing/2014/main" val="20003"/>
+                      <a16:colId xmlns:a16="http://schemas.microsoft.com/office/drawing/2014/main" xmlns="" val="20003"/>
                     </a:ext>
                   </a:extLst>
                 </a:gridCol>
@@ -12011,7 +12133,7 @@
                 </a:tc>
                 <a:extLst>
                   <a:ext uri="{0D108BD9-81ED-4DB2-BD59-A6C34878D82A}">
-                    <a16:rowId xmlns:a16="http://schemas.microsoft.com/office/drawing/2014/main" val="10000"/>
+                    <a16:rowId xmlns:a16="http://schemas.microsoft.com/office/drawing/2014/main" xmlns="" val="10000"/>
                   </a:ext>
                 </a:extLst>
               </a:tr>
@@ -12192,7 +12314,7 @@
                 </a:tc>
                 <a:extLst>
                   <a:ext uri="{0D108BD9-81ED-4DB2-BD59-A6C34878D82A}">
-                    <a16:rowId xmlns:a16="http://schemas.microsoft.com/office/drawing/2014/main" val="10001"/>
+                    <a16:rowId xmlns:a16="http://schemas.microsoft.com/office/drawing/2014/main" xmlns="" val="10001"/>
                   </a:ext>
                 </a:extLst>
               </a:tr>
@@ -12309,7 +12431,7 @@
                 </a:tc>
                 <a:extLst>
                   <a:ext uri="{0D108BD9-81ED-4DB2-BD59-A6C34878D82A}">
-                    <a16:rowId xmlns:a16="http://schemas.microsoft.com/office/drawing/2014/main" val="10002"/>
+                    <a16:rowId xmlns:a16="http://schemas.microsoft.com/office/drawing/2014/main" xmlns="" val="10002"/>
                   </a:ext>
                 </a:extLst>
               </a:tr>
@@ -12445,7 +12567,7 @@
                 </a:tc>
                 <a:extLst>
                   <a:ext uri="{0D108BD9-81ED-4DB2-BD59-A6C34878D82A}">
-                    <a16:rowId xmlns:a16="http://schemas.microsoft.com/office/drawing/2014/main" val="10003"/>
+                    <a16:rowId xmlns:a16="http://schemas.microsoft.com/office/drawing/2014/main" xmlns="" val="10003"/>
                   </a:ext>
                 </a:extLst>
               </a:tr>
@@ -12581,7 +12703,7 @@
                 </a:tc>
                 <a:extLst>
                   <a:ext uri="{0D108BD9-81ED-4DB2-BD59-A6C34878D82A}">
-                    <a16:rowId xmlns:a16="http://schemas.microsoft.com/office/drawing/2014/main" val="10004"/>
+                    <a16:rowId xmlns:a16="http://schemas.microsoft.com/office/drawing/2014/main" xmlns="" val="10004"/>
                   </a:ext>
                 </a:extLst>
               </a:tr>
@@ -12624,7 +12746,7 @@
           <p:cNvPr id="10" name="Foliennummernplatzhalter 9">
             <a:extLst>
               <a:ext uri="{FF2B5EF4-FFF2-40B4-BE49-F238E27FC236}">
-                <a16:creationId xmlns:a16="http://schemas.microsoft.com/office/drawing/2014/main" id="{D931436D-0B25-4BC2-AB85-D177B4C7ED90}"/>
+                <a16:creationId xmlns:a16="http://schemas.microsoft.com/office/drawing/2014/main" xmlns="" id="{D931436D-0B25-4BC2-AB85-D177B4C7ED90}"/>
               </a:ext>
             </a:extLst>
           </p:cNvPr>
@@ -12674,7 +12796,7 @@
           <p:cNvPr id="12" name="Gerader Verbinder 11">
             <a:extLst>
               <a:ext uri="{FF2B5EF4-FFF2-40B4-BE49-F238E27FC236}">
-                <a16:creationId xmlns:a16="http://schemas.microsoft.com/office/drawing/2014/main" id="{4A855513-E5C1-4F05-A8FD-33AC62C22A5E}"/>
+                <a16:creationId xmlns:a16="http://schemas.microsoft.com/office/drawing/2014/main" xmlns="" id="{4A855513-E5C1-4F05-A8FD-33AC62C22A5E}"/>
               </a:ext>
             </a:extLst>
           </p:cNvPr>
@@ -12715,7 +12837,7 @@
           <p:cNvPr id="13" name="Gerader Verbinder 12">
             <a:extLst>
               <a:ext uri="{FF2B5EF4-FFF2-40B4-BE49-F238E27FC236}">
-                <a16:creationId xmlns:a16="http://schemas.microsoft.com/office/drawing/2014/main" id="{F2778992-5E28-437C-AEA9-F9BBD6E6F5BB}"/>
+                <a16:creationId xmlns:a16="http://schemas.microsoft.com/office/drawing/2014/main" xmlns="" id="{F2778992-5E28-437C-AEA9-F9BBD6E6F5BB}"/>
               </a:ext>
             </a:extLst>
           </p:cNvPr>
@@ -12756,7 +12878,7 @@
           <p:cNvPr id="14" name="Textfeld 13">
             <a:extLst>
               <a:ext uri="{FF2B5EF4-FFF2-40B4-BE49-F238E27FC236}">
-                <a16:creationId xmlns:a16="http://schemas.microsoft.com/office/drawing/2014/main" id="{6CF8FF9D-8A98-4CFA-94C2-E2074112639C}"/>
+                <a16:creationId xmlns:a16="http://schemas.microsoft.com/office/drawing/2014/main" xmlns="" id="{6CF8FF9D-8A98-4CFA-94C2-E2074112639C}"/>
               </a:ext>
             </a:extLst>
           </p:cNvPr>
@@ -12790,36 +12912,6 @@
       <p:pic>
         <p:nvPicPr>
           <p:cNvPr id="2" name="Grafik 1"/>
-          <p:cNvPicPr>
-            <a:picLocks noChangeAspect="1"/>
-          </p:cNvPicPr>
-          <p:nvPr/>
-        </p:nvPicPr>
-        <p:blipFill>
-          <a:blip r:embed="rId2">
-            <a:extLst>
-              <a:ext uri="{28A0092B-C50C-407E-A947-70E740481C1C}">
-                <a14:useLocalDpi xmlns:a14="http://schemas.microsoft.com/office/drawing/2010/main" val="0"/>
-              </a:ext>
-            </a:extLst>
-          </a:blip>
-          <a:stretch>
-            <a:fillRect/>
-          </a:stretch>
-        </p:blipFill>
-        <p:spPr>
-          <a:xfrm>
-            <a:off x="7285377" y="2093306"/>
-            <a:ext cx="3975397" cy="3242458"/>
-          </a:xfrm>
-          <a:prstGeom prst="rect">
-            <a:avLst/>
-          </a:prstGeom>
-        </p:spPr>
-      </p:pic>
-      <p:pic>
-        <p:nvPicPr>
-          <p:cNvPr id="3" name="Grafik 2"/>
           <p:cNvPicPr>
             <a:picLocks noChangeAspect="1"/>
           </p:cNvPicPr>
@@ -12839,8 +12931,38 @@
         </p:blipFill>
         <p:spPr>
           <a:xfrm>
-            <a:off x="485191" y="1813219"/>
-            <a:ext cx="6020640" cy="4058216"/>
+            <a:off x="6782869" y="2836754"/>
+            <a:ext cx="3975397" cy="3242458"/>
+          </a:xfrm>
+          <a:prstGeom prst="rect">
+            <a:avLst/>
+          </a:prstGeom>
+        </p:spPr>
+      </p:pic>
+      <p:pic>
+        <p:nvPicPr>
+          <p:cNvPr id="3" name="Grafik 2"/>
+          <p:cNvPicPr>
+            <a:picLocks noChangeAspect="1"/>
+          </p:cNvPicPr>
+          <p:nvPr/>
+        </p:nvPicPr>
+        <p:blipFill>
+          <a:blip r:embed="rId4">
+            <a:extLst>
+              <a:ext uri="{28A0092B-C50C-407E-A947-70E740481C1C}">
+                <a14:useLocalDpi xmlns:a14="http://schemas.microsoft.com/office/drawing/2010/main" val="0"/>
+              </a:ext>
+            </a:extLst>
+          </a:blip>
+          <a:stretch>
+            <a:fillRect/>
+          </a:stretch>
+        </p:blipFill>
+        <p:spPr>
+          <a:xfrm>
+            <a:off x="754476" y="2598668"/>
+            <a:ext cx="5166470" cy="3482462"/>
           </a:xfrm>
           <a:prstGeom prst="rect">
             <a:avLst/>
@@ -12852,7 +12974,7 @@
           <p:cNvPr id="8" name="Textfeld 7">
             <a:extLst>
               <a:ext uri="{FF2B5EF4-FFF2-40B4-BE49-F238E27FC236}">
-                <a16:creationId xmlns:a16="http://schemas.microsoft.com/office/drawing/2014/main" id="{8E05CB3E-FC8B-4C84-8452-A027AF29808D}"/>
+                <a16:creationId xmlns:a16="http://schemas.microsoft.com/office/drawing/2014/main" xmlns="" id="{8E05CB3E-FC8B-4C84-8452-A027AF29808D}"/>
               </a:ext>
             </a:extLst>
           </p:cNvPr>
@@ -12862,7 +12984,7 @@
         <p:spPr>
           <a:xfrm>
             <a:off x="485191" y="1154923"/>
-            <a:ext cx="3788228" cy="1015663"/>
+            <a:ext cx="3788228" cy="400110"/>
           </a:xfrm>
           <a:prstGeom prst="rect">
             <a:avLst/>
@@ -12880,20 +13002,59 @@
               <a:t>2.5 </a:t>
             </a:r>
             <a:r>
-              <a:rPr lang="de-DE" sz="2000" b="1" dirty="0" err="1"/>
+              <a:rPr lang="de-DE" sz="2000" b="1" dirty="0" err="1" smtClean="0"/>
               <a:t>LinkedList</a:t>
             </a:r>
             <a:endParaRPr lang="de-DE" sz="2000" b="1" dirty="0"/>
           </a:p>
-          <a:p>
-            <a:endParaRPr lang="de-DE" sz="2000" b="1" dirty="0"/>
-          </a:p>
-          <a:p>
-            <a:r>
-              <a:rPr lang="de-DE" sz="2000" b="1" dirty="0"/>
-              <a:t> 	</a:t>
-            </a:r>
-            <a:endParaRPr lang="de-DE" sz="2000" dirty="0"/>
+        </p:txBody>
+      </p:sp>
+      <p:sp>
+        <p:nvSpPr>
+          <p:cNvPr id="4" name="Textfeld 3"/>
+          <p:cNvSpPr txBox="1"/>
+          <p:nvPr/>
+        </p:nvSpPr>
+        <p:spPr>
+          <a:xfrm>
+            <a:off x="762000" y="1638204"/>
+            <a:ext cx="10317892" cy="923330"/>
+          </a:xfrm>
+          <a:prstGeom prst="rect">
+            <a:avLst/>
+          </a:prstGeom>
+          <a:noFill/>
+        </p:spPr>
+        <p:txBody>
+          <a:bodyPr wrap="square" rtlCol="0">
+            <a:spAutoFit/>
+          </a:bodyPr>
+          <a:lstStyle/>
+          <a:p>
+            <a:r>
+              <a:rPr lang="de-DE" dirty="0"/>
+              <a:t>Daten werden in Ketten-Elementen gespeichert. Jedes zwischen Element kennt seinen nächsten </a:t>
+            </a:r>
+            <a:r>
+              <a:rPr lang="de-DE" dirty="0"/>
+              <a:t/>
+            </a:r>
+            <a:br>
+              <a:rPr lang="de-DE" dirty="0"/>
+            </a:br>
+            <a:r>
+              <a:rPr lang="de-DE" dirty="0"/>
+              <a:t>Nachbarn. Durch diese Kette kann man jedes Element ansprechen. Das Letze Element hat immer einen </a:t>
+            </a:r>
+            <a:r>
+              <a:rPr lang="de-DE" dirty="0" smtClean="0"/>
+              <a:t>Null </a:t>
+            </a:r>
+            <a:r>
+              <a:rPr lang="de-DE" dirty="0"/>
+              <a:t>Wert, da dieser der Letze Wert ist und keinen nächsten Wert besitzt. </a:t>
+            </a:r>
+            <a:endParaRPr lang="de-DE" dirty="0"/>
           </a:p>
         </p:txBody>
       </p:sp>
@@ -12932,7 +13093,7 @@
           <p:cNvPr id="10" name="Foliennummernplatzhalter 9">
             <a:extLst>
               <a:ext uri="{FF2B5EF4-FFF2-40B4-BE49-F238E27FC236}">
-                <a16:creationId xmlns:a16="http://schemas.microsoft.com/office/drawing/2014/main" id="{D931436D-0B25-4BC2-AB85-D177B4C7ED90}"/>
+                <a16:creationId xmlns:a16="http://schemas.microsoft.com/office/drawing/2014/main" xmlns="" id="{D931436D-0B25-4BC2-AB85-D177B4C7ED90}"/>
               </a:ext>
             </a:extLst>
           </p:cNvPr>
@@ -12982,7 +13143,7 @@
           <p:cNvPr id="12" name="Gerader Verbinder 11">
             <a:extLst>
               <a:ext uri="{FF2B5EF4-FFF2-40B4-BE49-F238E27FC236}">
-                <a16:creationId xmlns:a16="http://schemas.microsoft.com/office/drawing/2014/main" id="{4A855513-E5C1-4F05-A8FD-33AC62C22A5E}"/>
+                <a16:creationId xmlns:a16="http://schemas.microsoft.com/office/drawing/2014/main" xmlns="" id="{4A855513-E5C1-4F05-A8FD-33AC62C22A5E}"/>
               </a:ext>
             </a:extLst>
           </p:cNvPr>
@@ -13023,7 +13184,7 @@
           <p:cNvPr id="13" name="Gerader Verbinder 12">
             <a:extLst>
               <a:ext uri="{FF2B5EF4-FFF2-40B4-BE49-F238E27FC236}">
-                <a16:creationId xmlns:a16="http://schemas.microsoft.com/office/drawing/2014/main" id="{F2778992-5E28-437C-AEA9-F9BBD6E6F5BB}"/>
+                <a16:creationId xmlns:a16="http://schemas.microsoft.com/office/drawing/2014/main" xmlns="" id="{F2778992-5E28-437C-AEA9-F9BBD6E6F5BB}"/>
               </a:ext>
             </a:extLst>
           </p:cNvPr>
@@ -13064,7 +13225,7 @@
           <p:cNvPr id="14" name="Textfeld 13">
             <a:extLst>
               <a:ext uri="{FF2B5EF4-FFF2-40B4-BE49-F238E27FC236}">
-                <a16:creationId xmlns:a16="http://schemas.microsoft.com/office/drawing/2014/main" id="{6CF8FF9D-8A98-4CFA-94C2-E2074112639C}"/>
+                <a16:creationId xmlns:a16="http://schemas.microsoft.com/office/drawing/2014/main" xmlns="" id="{6CF8FF9D-8A98-4CFA-94C2-E2074112639C}"/>
               </a:ext>
             </a:extLst>
           </p:cNvPr>
@@ -13100,7 +13261,7 @@
           <p:cNvPr id="8" name="Textfeld 7">
             <a:extLst>
               <a:ext uri="{FF2B5EF4-FFF2-40B4-BE49-F238E27FC236}">
-                <a16:creationId xmlns:a16="http://schemas.microsoft.com/office/drawing/2014/main" id="{8E05CB3E-FC8B-4C84-8452-A027AF29808D}"/>
+                <a16:creationId xmlns:a16="http://schemas.microsoft.com/office/drawing/2014/main" xmlns="" id="{8E05CB3E-FC8B-4C84-8452-A027AF29808D}"/>
               </a:ext>
             </a:extLst>
           </p:cNvPr>
@@ -13203,28 +13364,28 @@
                 <a:gridCol w="1779375">
                   <a:extLst>
                     <a:ext uri="{9D8B030D-6E8A-4147-A177-3AD203B41FA5}">
-                      <a16:colId xmlns:a16="http://schemas.microsoft.com/office/drawing/2014/main" val="20000"/>
+                      <a16:colId xmlns:a16="http://schemas.microsoft.com/office/drawing/2014/main" xmlns="" val="20000"/>
                     </a:ext>
                   </a:extLst>
                 </a:gridCol>
                 <a:gridCol w="1095632">
                   <a:extLst>
                     <a:ext uri="{9D8B030D-6E8A-4147-A177-3AD203B41FA5}">
-                      <a16:colId xmlns:a16="http://schemas.microsoft.com/office/drawing/2014/main" val="20001"/>
+                      <a16:colId xmlns:a16="http://schemas.microsoft.com/office/drawing/2014/main" xmlns="" val="20001"/>
                     </a:ext>
                   </a:extLst>
                 </a:gridCol>
                 <a:gridCol w="1919416">
                   <a:extLst>
                     <a:ext uri="{9D8B030D-6E8A-4147-A177-3AD203B41FA5}">
-                      <a16:colId xmlns:a16="http://schemas.microsoft.com/office/drawing/2014/main" val="20002"/>
+                      <a16:colId xmlns:a16="http://schemas.microsoft.com/office/drawing/2014/main" xmlns="" val="20002"/>
                     </a:ext>
                   </a:extLst>
                 </a:gridCol>
                 <a:gridCol w="2139109">
                   <a:extLst>
                     <a:ext uri="{9D8B030D-6E8A-4147-A177-3AD203B41FA5}">
-                      <a16:colId xmlns:a16="http://schemas.microsoft.com/office/drawing/2014/main" val="20003"/>
+                      <a16:colId xmlns:a16="http://schemas.microsoft.com/office/drawing/2014/main" xmlns="" val="20003"/>
                     </a:ext>
                   </a:extLst>
                 </a:gridCol>
@@ -13348,7 +13509,7 @@
                 </a:tc>
                 <a:extLst>
                   <a:ext uri="{0D108BD9-81ED-4DB2-BD59-A6C34878D82A}">
-                    <a16:rowId xmlns:a16="http://schemas.microsoft.com/office/drawing/2014/main" val="10000"/>
+                    <a16:rowId xmlns:a16="http://schemas.microsoft.com/office/drawing/2014/main" xmlns="" val="10000"/>
                   </a:ext>
                 </a:extLst>
               </a:tr>
@@ -13487,7 +13648,7 @@
                 </a:tc>
                 <a:extLst>
                   <a:ext uri="{0D108BD9-81ED-4DB2-BD59-A6C34878D82A}">
-                    <a16:rowId xmlns:a16="http://schemas.microsoft.com/office/drawing/2014/main" val="10001"/>
+                    <a16:rowId xmlns:a16="http://schemas.microsoft.com/office/drawing/2014/main" xmlns="" val="10001"/>
                   </a:ext>
                 </a:extLst>
               </a:tr>
@@ -13622,7 +13783,7 @@
                 </a:tc>
                 <a:extLst>
                   <a:ext uri="{0D108BD9-81ED-4DB2-BD59-A6C34878D82A}">
-                    <a16:rowId xmlns:a16="http://schemas.microsoft.com/office/drawing/2014/main" val="10002"/>
+                    <a16:rowId xmlns:a16="http://schemas.microsoft.com/office/drawing/2014/main" xmlns="" val="10002"/>
                   </a:ext>
                 </a:extLst>
               </a:tr>
@@ -13780,7 +13941,7 @@
                 </a:tc>
                 <a:extLst>
                   <a:ext uri="{0D108BD9-81ED-4DB2-BD59-A6C34878D82A}">
-                    <a16:rowId xmlns:a16="http://schemas.microsoft.com/office/drawing/2014/main" val="10003"/>
+                    <a16:rowId xmlns:a16="http://schemas.microsoft.com/office/drawing/2014/main" xmlns="" val="10003"/>
                   </a:ext>
                 </a:extLst>
               </a:tr>
@@ -13919,7 +14080,7 @@
                 </a:tc>
                 <a:extLst>
                   <a:ext uri="{0D108BD9-81ED-4DB2-BD59-A6C34878D82A}">
-                    <a16:rowId xmlns:a16="http://schemas.microsoft.com/office/drawing/2014/main" val="10004"/>
+                    <a16:rowId xmlns:a16="http://schemas.microsoft.com/office/drawing/2014/main" xmlns="" val="10004"/>
                   </a:ext>
                 </a:extLst>
               </a:tr>
@@ -14104,7 +14265,7 @@
                 </a:tc>
                 <a:extLst>
                   <a:ext uri="{0D108BD9-81ED-4DB2-BD59-A6C34878D82A}">
-                    <a16:rowId xmlns:a16="http://schemas.microsoft.com/office/drawing/2014/main" val="10005"/>
+                    <a16:rowId xmlns:a16="http://schemas.microsoft.com/office/drawing/2014/main" xmlns="" val="10005"/>
                   </a:ext>
                 </a:extLst>
               </a:tr>
@@ -14262,7 +14423,7 @@
                 </a:tc>
                 <a:extLst>
                   <a:ext uri="{0D108BD9-81ED-4DB2-BD59-A6C34878D82A}">
-                    <a16:rowId xmlns:a16="http://schemas.microsoft.com/office/drawing/2014/main" val="10006"/>
+                    <a16:rowId xmlns:a16="http://schemas.microsoft.com/office/drawing/2014/main" xmlns="" val="10006"/>
                   </a:ext>
                 </a:extLst>
               </a:tr>
@@ -14417,7 +14578,7 @@
                 </a:tc>
                 <a:extLst>
                   <a:ext uri="{0D108BD9-81ED-4DB2-BD59-A6C34878D82A}">
-                    <a16:rowId xmlns:a16="http://schemas.microsoft.com/office/drawing/2014/main" val="10007"/>
+                    <a16:rowId xmlns:a16="http://schemas.microsoft.com/office/drawing/2014/main" xmlns="" val="10007"/>
                   </a:ext>
                 </a:extLst>
               </a:tr>
@@ -14556,7 +14717,7 @@
                 </a:tc>
                 <a:extLst>
                   <a:ext uri="{0D108BD9-81ED-4DB2-BD59-A6C34878D82A}">
-                    <a16:rowId xmlns:a16="http://schemas.microsoft.com/office/drawing/2014/main" val="10008"/>
+                    <a16:rowId xmlns:a16="http://schemas.microsoft.com/office/drawing/2014/main" xmlns="" val="10008"/>
                   </a:ext>
                 </a:extLst>
               </a:tr>
@@ -14599,7 +14760,7 @@
           <p:cNvPr id="10" name="Foliennummernplatzhalter 9">
             <a:extLst>
               <a:ext uri="{FF2B5EF4-FFF2-40B4-BE49-F238E27FC236}">
-                <a16:creationId xmlns:a16="http://schemas.microsoft.com/office/drawing/2014/main" id="{D931436D-0B25-4BC2-AB85-D177B4C7ED90}"/>
+                <a16:creationId xmlns:a16="http://schemas.microsoft.com/office/drawing/2014/main" xmlns="" id="{D931436D-0B25-4BC2-AB85-D177B4C7ED90}"/>
               </a:ext>
             </a:extLst>
           </p:cNvPr>
@@ -14649,7 +14810,7 @@
           <p:cNvPr id="12" name="Gerader Verbinder 11">
             <a:extLst>
               <a:ext uri="{FF2B5EF4-FFF2-40B4-BE49-F238E27FC236}">
-                <a16:creationId xmlns:a16="http://schemas.microsoft.com/office/drawing/2014/main" id="{4A855513-E5C1-4F05-A8FD-33AC62C22A5E}"/>
+                <a16:creationId xmlns:a16="http://schemas.microsoft.com/office/drawing/2014/main" xmlns="" id="{4A855513-E5C1-4F05-A8FD-33AC62C22A5E}"/>
               </a:ext>
             </a:extLst>
           </p:cNvPr>
@@ -14690,7 +14851,7 @@
           <p:cNvPr id="13" name="Gerader Verbinder 12">
             <a:extLst>
               <a:ext uri="{FF2B5EF4-FFF2-40B4-BE49-F238E27FC236}">
-                <a16:creationId xmlns:a16="http://schemas.microsoft.com/office/drawing/2014/main" id="{F2778992-5E28-437C-AEA9-F9BBD6E6F5BB}"/>
+                <a16:creationId xmlns:a16="http://schemas.microsoft.com/office/drawing/2014/main" xmlns="" id="{F2778992-5E28-437C-AEA9-F9BBD6E6F5BB}"/>
               </a:ext>
             </a:extLst>
           </p:cNvPr>
@@ -14731,7 +14892,7 @@
           <p:cNvPr id="14" name="Textfeld 13">
             <a:extLst>
               <a:ext uri="{FF2B5EF4-FFF2-40B4-BE49-F238E27FC236}">
-                <a16:creationId xmlns:a16="http://schemas.microsoft.com/office/drawing/2014/main" id="{6CF8FF9D-8A98-4CFA-94C2-E2074112639C}"/>
+                <a16:creationId xmlns:a16="http://schemas.microsoft.com/office/drawing/2014/main" xmlns="" id="{6CF8FF9D-8A98-4CFA-94C2-E2074112639C}"/>
               </a:ext>
             </a:extLst>
           </p:cNvPr>
@@ -14767,7 +14928,7 @@
           <p:cNvPr id="6" name="Textfeld 5">
             <a:extLst>
               <a:ext uri="{FF2B5EF4-FFF2-40B4-BE49-F238E27FC236}">
-                <a16:creationId xmlns:a16="http://schemas.microsoft.com/office/drawing/2014/main" id="{8E05CB3E-FC8B-4C84-8452-A027AF29808D}"/>
+                <a16:creationId xmlns:a16="http://schemas.microsoft.com/office/drawing/2014/main" xmlns="" id="{8E05CB3E-FC8B-4C84-8452-A027AF29808D}"/>
               </a:ext>
             </a:extLst>
           </p:cNvPr>
@@ -14815,7 +14976,7 @@
           <p:cNvPr id="8" name="Textfeld 7">
             <a:extLst>
               <a:ext uri="{FF2B5EF4-FFF2-40B4-BE49-F238E27FC236}">
-                <a16:creationId xmlns:a16="http://schemas.microsoft.com/office/drawing/2014/main" id="{4842BEFA-10C3-45C0-8997-167BE0586DAC}"/>
+                <a16:creationId xmlns:a16="http://schemas.microsoft.com/office/drawing/2014/main" xmlns="" id="{4842BEFA-10C3-45C0-8997-167BE0586DAC}"/>
               </a:ext>
             </a:extLst>
           </p:cNvPr>
@@ -14950,7 +15111,7 @@
           <p:cNvPr id="3" name="Textfeld 2">
             <a:extLst>
               <a:ext uri="{FF2B5EF4-FFF2-40B4-BE49-F238E27FC236}">
-                <a16:creationId xmlns:a16="http://schemas.microsoft.com/office/drawing/2014/main" id="{B616C74B-1A1C-4612-8D7A-608508876D6B}"/>
+                <a16:creationId xmlns:a16="http://schemas.microsoft.com/office/drawing/2014/main" xmlns="" id="{B616C74B-1A1C-4612-8D7A-608508876D6B}"/>
               </a:ext>
             </a:extLst>
           </p:cNvPr>
@@ -15015,7 +15176,7 @@
           <p:cNvPr id="10" name="Foliennummernplatzhalter 9">
             <a:extLst>
               <a:ext uri="{FF2B5EF4-FFF2-40B4-BE49-F238E27FC236}">
-                <a16:creationId xmlns:a16="http://schemas.microsoft.com/office/drawing/2014/main" id="{D931436D-0B25-4BC2-AB85-D177B4C7ED90}"/>
+                <a16:creationId xmlns:a16="http://schemas.microsoft.com/office/drawing/2014/main" xmlns="" id="{D931436D-0B25-4BC2-AB85-D177B4C7ED90}"/>
               </a:ext>
             </a:extLst>
           </p:cNvPr>
@@ -15065,7 +15226,7 @@
           <p:cNvPr id="12" name="Gerader Verbinder 11">
             <a:extLst>
               <a:ext uri="{FF2B5EF4-FFF2-40B4-BE49-F238E27FC236}">
-                <a16:creationId xmlns:a16="http://schemas.microsoft.com/office/drawing/2014/main" id="{4A855513-E5C1-4F05-A8FD-33AC62C22A5E}"/>
+                <a16:creationId xmlns:a16="http://schemas.microsoft.com/office/drawing/2014/main" xmlns="" id="{4A855513-E5C1-4F05-A8FD-33AC62C22A5E}"/>
               </a:ext>
             </a:extLst>
           </p:cNvPr>
@@ -15106,7 +15267,7 @@
           <p:cNvPr id="13" name="Gerader Verbinder 12">
             <a:extLst>
               <a:ext uri="{FF2B5EF4-FFF2-40B4-BE49-F238E27FC236}">
-                <a16:creationId xmlns:a16="http://schemas.microsoft.com/office/drawing/2014/main" id="{F2778992-5E28-437C-AEA9-F9BBD6E6F5BB}"/>
+                <a16:creationId xmlns:a16="http://schemas.microsoft.com/office/drawing/2014/main" xmlns="" id="{F2778992-5E28-437C-AEA9-F9BBD6E6F5BB}"/>
               </a:ext>
             </a:extLst>
           </p:cNvPr>
@@ -15147,7 +15308,7 @@
           <p:cNvPr id="14" name="Textfeld 13">
             <a:extLst>
               <a:ext uri="{FF2B5EF4-FFF2-40B4-BE49-F238E27FC236}">
-                <a16:creationId xmlns:a16="http://schemas.microsoft.com/office/drawing/2014/main" id="{6CF8FF9D-8A98-4CFA-94C2-E2074112639C}"/>
+                <a16:creationId xmlns:a16="http://schemas.microsoft.com/office/drawing/2014/main" xmlns="" id="{6CF8FF9D-8A98-4CFA-94C2-E2074112639C}"/>
               </a:ext>
             </a:extLst>
           </p:cNvPr>
@@ -15183,7 +15344,7 @@
           <p:cNvPr id="6" name="Textfeld 5">
             <a:extLst>
               <a:ext uri="{FF2B5EF4-FFF2-40B4-BE49-F238E27FC236}">
-                <a16:creationId xmlns:a16="http://schemas.microsoft.com/office/drawing/2014/main" id="{8E05CB3E-FC8B-4C84-8452-A027AF29808D}"/>
+                <a16:creationId xmlns:a16="http://schemas.microsoft.com/office/drawing/2014/main" xmlns="" id="{8E05CB3E-FC8B-4C84-8452-A027AF29808D}"/>
               </a:ext>
             </a:extLst>
           </p:cNvPr>
@@ -15231,7 +15392,7 @@
           <p:cNvPr id="3" name="Textfeld 2">
             <a:extLst>
               <a:ext uri="{FF2B5EF4-FFF2-40B4-BE49-F238E27FC236}">
-                <a16:creationId xmlns:a16="http://schemas.microsoft.com/office/drawing/2014/main" id="{B616C74B-1A1C-4612-8D7A-608508876D6B}"/>
+                <a16:creationId xmlns:a16="http://schemas.microsoft.com/office/drawing/2014/main" xmlns="" id="{B616C74B-1A1C-4612-8D7A-608508876D6B}"/>
               </a:ext>
             </a:extLst>
           </p:cNvPr>
@@ -15266,7 +15427,7 @@
           <p:cNvPr id="8" name="Grafik 7">
             <a:extLst>
               <a:ext uri="{FF2B5EF4-FFF2-40B4-BE49-F238E27FC236}">
-                <a16:creationId xmlns:a16="http://schemas.microsoft.com/office/drawing/2014/main" id="{0DFE0BE2-DBAD-43B4-8C9D-86A52F855DBF}"/>
+                <a16:creationId xmlns:a16="http://schemas.microsoft.com/office/drawing/2014/main" xmlns="" id="{0DFE0BE2-DBAD-43B4-8C9D-86A52F855DBF}"/>
               </a:ext>
             </a:extLst>
           </p:cNvPr>
@@ -15326,7 +15487,7 @@
           <p:cNvPr id="10" name="Foliennummernplatzhalter 9">
             <a:extLst>
               <a:ext uri="{FF2B5EF4-FFF2-40B4-BE49-F238E27FC236}">
-                <a16:creationId xmlns:a16="http://schemas.microsoft.com/office/drawing/2014/main" id="{D931436D-0B25-4BC2-AB85-D177B4C7ED90}"/>
+                <a16:creationId xmlns:a16="http://schemas.microsoft.com/office/drawing/2014/main" xmlns="" id="{D931436D-0B25-4BC2-AB85-D177B4C7ED90}"/>
               </a:ext>
             </a:extLst>
           </p:cNvPr>
@@ -15376,7 +15537,7 @@
           <p:cNvPr id="12" name="Gerader Verbinder 11">
             <a:extLst>
               <a:ext uri="{FF2B5EF4-FFF2-40B4-BE49-F238E27FC236}">
-                <a16:creationId xmlns:a16="http://schemas.microsoft.com/office/drawing/2014/main" id="{4A855513-E5C1-4F05-A8FD-33AC62C22A5E}"/>
+                <a16:creationId xmlns:a16="http://schemas.microsoft.com/office/drawing/2014/main" xmlns="" id="{4A855513-E5C1-4F05-A8FD-33AC62C22A5E}"/>
               </a:ext>
             </a:extLst>
           </p:cNvPr>
@@ -15417,7 +15578,7 @@
           <p:cNvPr id="13" name="Gerader Verbinder 12">
             <a:extLst>
               <a:ext uri="{FF2B5EF4-FFF2-40B4-BE49-F238E27FC236}">
-                <a16:creationId xmlns:a16="http://schemas.microsoft.com/office/drawing/2014/main" id="{F2778992-5E28-437C-AEA9-F9BBD6E6F5BB}"/>
+                <a16:creationId xmlns:a16="http://schemas.microsoft.com/office/drawing/2014/main" xmlns="" id="{F2778992-5E28-437C-AEA9-F9BBD6E6F5BB}"/>
               </a:ext>
             </a:extLst>
           </p:cNvPr>
@@ -15458,7 +15619,7 @@
           <p:cNvPr id="14" name="Textfeld 13">
             <a:extLst>
               <a:ext uri="{FF2B5EF4-FFF2-40B4-BE49-F238E27FC236}">
-                <a16:creationId xmlns:a16="http://schemas.microsoft.com/office/drawing/2014/main" id="{6CF8FF9D-8A98-4CFA-94C2-E2074112639C}"/>
+                <a16:creationId xmlns:a16="http://schemas.microsoft.com/office/drawing/2014/main" xmlns="" id="{6CF8FF9D-8A98-4CFA-94C2-E2074112639C}"/>
               </a:ext>
             </a:extLst>
           </p:cNvPr>
@@ -15494,7 +15655,7 @@
           <p:cNvPr id="6" name="Textfeld 5">
             <a:extLst>
               <a:ext uri="{FF2B5EF4-FFF2-40B4-BE49-F238E27FC236}">
-                <a16:creationId xmlns:a16="http://schemas.microsoft.com/office/drawing/2014/main" id="{8E05CB3E-FC8B-4C84-8452-A027AF29808D}"/>
+                <a16:creationId xmlns:a16="http://schemas.microsoft.com/office/drawing/2014/main" xmlns="" id="{8E05CB3E-FC8B-4C84-8452-A027AF29808D}"/>
               </a:ext>
             </a:extLst>
           </p:cNvPr>
@@ -15542,7 +15703,7 @@
           <p:cNvPr id="3" name="Textfeld 2">
             <a:extLst>
               <a:ext uri="{FF2B5EF4-FFF2-40B4-BE49-F238E27FC236}">
-                <a16:creationId xmlns:a16="http://schemas.microsoft.com/office/drawing/2014/main" id="{B616C74B-1A1C-4612-8D7A-608508876D6B}"/>
+                <a16:creationId xmlns:a16="http://schemas.microsoft.com/office/drawing/2014/main" xmlns="" id="{B616C74B-1A1C-4612-8D7A-608508876D6B}"/>
               </a:ext>
             </a:extLst>
           </p:cNvPr>
@@ -15577,7 +15738,7 @@
           <p:cNvPr id="11" name="Textfeld 10">
             <a:extLst>
               <a:ext uri="{FF2B5EF4-FFF2-40B4-BE49-F238E27FC236}">
-                <a16:creationId xmlns:a16="http://schemas.microsoft.com/office/drawing/2014/main" id="{24B508F8-733A-43EF-9B1C-791EC1949295}"/>
+                <a16:creationId xmlns:a16="http://schemas.microsoft.com/office/drawing/2014/main" xmlns="" id="{24B508F8-733A-43EF-9B1C-791EC1949295}"/>
               </a:ext>
             </a:extLst>
           </p:cNvPr>
@@ -16293,7 +16454,7 @@
           <p:cNvPr id="10" name="Foliennummernplatzhalter 9">
             <a:extLst>
               <a:ext uri="{FF2B5EF4-FFF2-40B4-BE49-F238E27FC236}">
-                <a16:creationId xmlns:a16="http://schemas.microsoft.com/office/drawing/2014/main" id="{D931436D-0B25-4BC2-AB85-D177B4C7ED90}"/>
+                <a16:creationId xmlns:a16="http://schemas.microsoft.com/office/drawing/2014/main" xmlns="" id="{D931436D-0B25-4BC2-AB85-D177B4C7ED90}"/>
               </a:ext>
             </a:extLst>
           </p:cNvPr>
@@ -16343,7 +16504,7 @@
           <p:cNvPr id="12" name="Gerader Verbinder 11">
             <a:extLst>
               <a:ext uri="{FF2B5EF4-FFF2-40B4-BE49-F238E27FC236}">
-                <a16:creationId xmlns:a16="http://schemas.microsoft.com/office/drawing/2014/main" id="{4A855513-E5C1-4F05-A8FD-33AC62C22A5E}"/>
+                <a16:creationId xmlns:a16="http://schemas.microsoft.com/office/drawing/2014/main" xmlns="" id="{4A855513-E5C1-4F05-A8FD-33AC62C22A5E}"/>
               </a:ext>
             </a:extLst>
           </p:cNvPr>
@@ -16384,7 +16545,7 @@
           <p:cNvPr id="13" name="Gerader Verbinder 12">
             <a:extLst>
               <a:ext uri="{FF2B5EF4-FFF2-40B4-BE49-F238E27FC236}">
-                <a16:creationId xmlns:a16="http://schemas.microsoft.com/office/drawing/2014/main" id="{F2778992-5E28-437C-AEA9-F9BBD6E6F5BB}"/>
+                <a16:creationId xmlns:a16="http://schemas.microsoft.com/office/drawing/2014/main" xmlns="" id="{F2778992-5E28-437C-AEA9-F9BBD6E6F5BB}"/>
               </a:ext>
             </a:extLst>
           </p:cNvPr>
@@ -16425,7 +16586,7 @@
           <p:cNvPr id="14" name="Textfeld 13">
             <a:extLst>
               <a:ext uri="{FF2B5EF4-FFF2-40B4-BE49-F238E27FC236}">
-                <a16:creationId xmlns:a16="http://schemas.microsoft.com/office/drawing/2014/main" id="{6CF8FF9D-8A98-4CFA-94C2-E2074112639C}"/>
+                <a16:creationId xmlns:a16="http://schemas.microsoft.com/office/drawing/2014/main" xmlns="" id="{6CF8FF9D-8A98-4CFA-94C2-E2074112639C}"/>
               </a:ext>
             </a:extLst>
           </p:cNvPr>
@@ -16461,7 +16622,7 @@
           <p:cNvPr id="6" name="Textfeld 5">
             <a:extLst>
               <a:ext uri="{FF2B5EF4-FFF2-40B4-BE49-F238E27FC236}">
-                <a16:creationId xmlns:a16="http://schemas.microsoft.com/office/drawing/2014/main" id="{8E05CB3E-FC8B-4C84-8452-A027AF29808D}"/>
+                <a16:creationId xmlns:a16="http://schemas.microsoft.com/office/drawing/2014/main" xmlns="" id="{8E05CB3E-FC8B-4C84-8452-A027AF29808D}"/>
               </a:ext>
             </a:extLst>
           </p:cNvPr>
@@ -16509,7 +16670,7 @@
           <p:cNvPr id="3" name="Textfeld 2">
             <a:extLst>
               <a:ext uri="{FF2B5EF4-FFF2-40B4-BE49-F238E27FC236}">
-                <a16:creationId xmlns:a16="http://schemas.microsoft.com/office/drawing/2014/main" id="{B616C74B-1A1C-4612-8D7A-608508876D6B}"/>
+                <a16:creationId xmlns:a16="http://schemas.microsoft.com/office/drawing/2014/main" xmlns="" id="{B616C74B-1A1C-4612-8D7A-608508876D6B}"/>
               </a:ext>
             </a:extLst>
           </p:cNvPr>
@@ -16544,7 +16705,7 @@
           <p:cNvPr id="11" name="Textfeld 10">
             <a:extLst>
               <a:ext uri="{FF2B5EF4-FFF2-40B4-BE49-F238E27FC236}">
-                <a16:creationId xmlns:a16="http://schemas.microsoft.com/office/drawing/2014/main" id="{24B508F8-733A-43EF-9B1C-791EC1949295}"/>
+                <a16:creationId xmlns:a16="http://schemas.microsoft.com/office/drawing/2014/main" xmlns="" id="{24B508F8-733A-43EF-9B1C-791EC1949295}"/>
               </a:ext>
             </a:extLst>
           </p:cNvPr>
@@ -17480,7 +17641,7 @@
           <p:cNvPr id="10" name="Foliennummernplatzhalter 9">
             <a:extLst>
               <a:ext uri="{FF2B5EF4-FFF2-40B4-BE49-F238E27FC236}">
-                <a16:creationId xmlns:a16="http://schemas.microsoft.com/office/drawing/2014/main" id="{D931436D-0B25-4BC2-AB85-D177B4C7ED90}"/>
+                <a16:creationId xmlns:a16="http://schemas.microsoft.com/office/drawing/2014/main" xmlns="" id="{D931436D-0B25-4BC2-AB85-D177B4C7ED90}"/>
               </a:ext>
             </a:extLst>
           </p:cNvPr>
@@ -17530,7 +17691,7 @@
           <p:cNvPr id="12" name="Gerader Verbinder 11">
             <a:extLst>
               <a:ext uri="{FF2B5EF4-FFF2-40B4-BE49-F238E27FC236}">
-                <a16:creationId xmlns:a16="http://schemas.microsoft.com/office/drawing/2014/main" id="{4A855513-E5C1-4F05-A8FD-33AC62C22A5E}"/>
+                <a16:creationId xmlns:a16="http://schemas.microsoft.com/office/drawing/2014/main" xmlns="" id="{4A855513-E5C1-4F05-A8FD-33AC62C22A5E}"/>
               </a:ext>
             </a:extLst>
           </p:cNvPr>
@@ -17571,7 +17732,7 @@
           <p:cNvPr id="13" name="Gerader Verbinder 12">
             <a:extLst>
               <a:ext uri="{FF2B5EF4-FFF2-40B4-BE49-F238E27FC236}">
-                <a16:creationId xmlns:a16="http://schemas.microsoft.com/office/drawing/2014/main" id="{F2778992-5E28-437C-AEA9-F9BBD6E6F5BB}"/>
+                <a16:creationId xmlns:a16="http://schemas.microsoft.com/office/drawing/2014/main" xmlns="" id="{F2778992-5E28-437C-AEA9-F9BBD6E6F5BB}"/>
               </a:ext>
             </a:extLst>
           </p:cNvPr>
@@ -17612,7 +17773,7 @@
           <p:cNvPr id="14" name="Textfeld 13">
             <a:extLst>
               <a:ext uri="{FF2B5EF4-FFF2-40B4-BE49-F238E27FC236}">
-                <a16:creationId xmlns:a16="http://schemas.microsoft.com/office/drawing/2014/main" id="{6CF8FF9D-8A98-4CFA-94C2-E2074112639C}"/>
+                <a16:creationId xmlns:a16="http://schemas.microsoft.com/office/drawing/2014/main" xmlns="" id="{6CF8FF9D-8A98-4CFA-94C2-E2074112639C}"/>
               </a:ext>
             </a:extLst>
           </p:cNvPr>
@@ -17648,7 +17809,7 @@
           <p:cNvPr id="6" name="Textfeld 5">
             <a:extLst>
               <a:ext uri="{FF2B5EF4-FFF2-40B4-BE49-F238E27FC236}">
-                <a16:creationId xmlns:a16="http://schemas.microsoft.com/office/drawing/2014/main" id="{8E05CB3E-FC8B-4C84-8452-A027AF29808D}"/>
+                <a16:creationId xmlns:a16="http://schemas.microsoft.com/office/drawing/2014/main" xmlns="" id="{8E05CB3E-FC8B-4C84-8452-A027AF29808D}"/>
               </a:ext>
             </a:extLst>
           </p:cNvPr>
@@ -17696,7 +17857,7 @@
           <p:cNvPr id="8" name="Textfeld 7">
             <a:extLst>
               <a:ext uri="{FF2B5EF4-FFF2-40B4-BE49-F238E27FC236}">
-                <a16:creationId xmlns:a16="http://schemas.microsoft.com/office/drawing/2014/main" id="{4842BEFA-10C3-45C0-8997-167BE0586DAC}"/>
+                <a16:creationId xmlns:a16="http://schemas.microsoft.com/office/drawing/2014/main" xmlns="" id="{4842BEFA-10C3-45C0-8997-167BE0586DAC}"/>
               </a:ext>
             </a:extLst>
           </p:cNvPr>
@@ -17901,7 +18062,7 @@
           <p:cNvPr id="10" name="Foliennummernplatzhalter 9">
             <a:extLst>
               <a:ext uri="{FF2B5EF4-FFF2-40B4-BE49-F238E27FC236}">
-                <a16:creationId xmlns:a16="http://schemas.microsoft.com/office/drawing/2014/main" id="{D931436D-0B25-4BC2-AB85-D177B4C7ED90}"/>
+                <a16:creationId xmlns:a16="http://schemas.microsoft.com/office/drawing/2014/main" xmlns="" id="{D931436D-0B25-4BC2-AB85-D177B4C7ED90}"/>
               </a:ext>
             </a:extLst>
           </p:cNvPr>
@@ -17951,7 +18112,7 @@
           <p:cNvPr id="12" name="Gerader Verbinder 11">
             <a:extLst>
               <a:ext uri="{FF2B5EF4-FFF2-40B4-BE49-F238E27FC236}">
-                <a16:creationId xmlns:a16="http://schemas.microsoft.com/office/drawing/2014/main" id="{4A855513-E5C1-4F05-A8FD-33AC62C22A5E}"/>
+                <a16:creationId xmlns:a16="http://schemas.microsoft.com/office/drawing/2014/main" xmlns="" id="{4A855513-E5C1-4F05-A8FD-33AC62C22A5E}"/>
               </a:ext>
             </a:extLst>
           </p:cNvPr>
@@ -17992,7 +18153,7 @@
           <p:cNvPr id="13" name="Gerader Verbinder 12">
             <a:extLst>
               <a:ext uri="{FF2B5EF4-FFF2-40B4-BE49-F238E27FC236}">
-                <a16:creationId xmlns:a16="http://schemas.microsoft.com/office/drawing/2014/main" id="{F2778992-5E28-437C-AEA9-F9BBD6E6F5BB}"/>
+                <a16:creationId xmlns:a16="http://schemas.microsoft.com/office/drawing/2014/main" xmlns="" id="{F2778992-5E28-437C-AEA9-F9BBD6E6F5BB}"/>
               </a:ext>
             </a:extLst>
           </p:cNvPr>
@@ -18033,7 +18194,7 @@
           <p:cNvPr id="14" name="Textfeld 13">
             <a:extLst>
               <a:ext uri="{FF2B5EF4-FFF2-40B4-BE49-F238E27FC236}">
-                <a16:creationId xmlns:a16="http://schemas.microsoft.com/office/drawing/2014/main" id="{6CF8FF9D-8A98-4CFA-94C2-E2074112639C}"/>
+                <a16:creationId xmlns:a16="http://schemas.microsoft.com/office/drawing/2014/main" xmlns="" id="{6CF8FF9D-8A98-4CFA-94C2-E2074112639C}"/>
               </a:ext>
             </a:extLst>
           </p:cNvPr>
@@ -18099,7 +18260,7 @@
           <p:cNvPr id="10" name="Foliennummernplatzhalter 9">
             <a:extLst>
               <a:ext uri="{FF2B5EF4-FFF2-40B4-BE49-F238E27FC236}">
-                <a16:creationId xmlns:a16="http://schemas.microsoft.com/office/drawing/2014/main" id="{D931436D-0B25-4BC2-AB85-D177B4C7ED90}"/>
+                <a16:creationId xmlns:a16="http://schemas.microsoft.com/office/drawing/2014/main" xmlns="" id="{D931436D-0B25-4BC2-AB85-D177B4C7ED90}"/>
               </a:ext>
             </a:extLst>
           </p:cNvPr>
@@ -18149,7 +18310,7 @@
           <p:cNvPr id="12" name="Gerader Verbinder 11">
             <a:extLst>
               <a:ext uri="{FF2B5EF4-FFF2-40B4-BE49-F238E27FC236}">
-                <a16:creationId xmlns:a16="http://schemas.microsoft.com/office/drawing/2014/main" id="{4A855513-E5C1-4F05-A8FD-33AC62C22A5E}"/>
+                <a16:creationId xmlns:a16="http://schemas.microsoft.com/office/drawing/2014/main" xmlns="" id="{4A855513-E5C1-4F05-A8FD-33AC62C22A5E}"/>
               </a:ext>
             </a:extLst>
           </p:cNvPr>
@@ -18190,7 +18351,7 @@
           <p:cNvPr id="13" name="Gerader Verbinder 12">
             <a:extLst>
               <a:ext uri="{FF2B5EF4-FFF2-40B4-BE49-F238E27FC236}">
-                <a16:creationId xmlns:a16="http://schemas.microsoft.com/office/drawing/2014/main" id="{F2778992-5E28-437C-AEA9-F9BBD6E6F5BB}"/>
+                <a16:creationId xmlns:a16="http://schemas.microsoft.com/office/drawing/2014/main" xmlns="" id="{F2778992-5E28-437C-AEA9-F9BBD6E6F5BB}"/>
               </a:ext>
             </a:extLst>
           </p:cNvPr>
@@ -18231,7 +18392,7 @@
           <p:cNvPr id="14" name="Textfeld 13">
             <a:extLst>
               <a:ext uri="{FF2B5EF4-FFF2-40B4-BE49-F238E27FC236}">
-                <a16:creationId xmlns:a16="http://schemas.microsoft.com/office/drawing/2014/main" id="{6CF8FF9D-8A98-4CFA-94C2-E2074112639C}"/>
+                <a16:creationId xmlns:a16="http://schemas.microsoft.com/office/drawing/2014/main" xmlns="" id="{6CF8FF9D-8A98-4CFA-94C2-E2074112639C}"/>
               </a:ext>
             </a:extLst>
           </p:cNvPr>
@@ -18267,7 +18428,7 @@
           <p:cNvPr id="6" name="Textfeld 5">
             <a:extLst>
               <a:ext uri="{FF2B5EF4-FFF2-40B4-BE49-F238E27FC236}">
-                <a16:creationId xmlns:a16="http://schemas.microsoft.com/office/drawing/2014/main" id="{8E05CB3E-FC8B-4C84-8452-A027AF29808D}"/>
+                <a16:creationId xmlns:a16="http://schemas.microsoft.com/office/drawing/2014/main" xmlns="" id="{8E05CB3E-FC8B-4C84-8452-A027AF29808D}"/>
               </a:ext>
             </a:extLst>
           </p:cNvPr>
@@ -18309,7 +18470,7 @@
           <p:cNvPr id="8" name="Textfeld 7">
             <a:extLst>
               <a:ext uri="{FF2B5EF4-FFF2-40B4-BE49-F238E27FC236}">
-                <a16:creationId xmlns:a16="http://schemas.microsoft.com/office/drawing/2014/main" id="{4842BEFA-10C3-45C0-8997-167BE0586DAC}"/>
+                <a16:creationId xmlns:a16="http://schemas.microsoft.com/office/drawing/2014/main" xmlns="" id="{4842BEFA-10C3-45C0-8997-167BE0586DAC}"/>
               </a:ext>
             </a:extLst>
           </p:cNvPr>
@@ -18416,7 +18577,7 @@
           <p:cNvPr id="3" name="Textfeld 2">
             <a:extLst>
               <a:ext uri="{FF2B5EF4-FFF2-40B4-BE49-F238E27FC236}">
-                <a16:creationId xmlns:a16="http://schemas.microsoft.com/office/drawing/2014/main" id="{B616C74B-1A1C-4612-8D7A-608508876D6B}"/>
+                <a16:creationId xmlns:a16="http://schemas.microsoft.com/office/drawing/2014/main" xmlns="" id="{B616C74B-1A1C-4612-8D7A-608508876D6B}"/>
               </a:ext>
             </a:extLst>
           </p:cNvPr>
@@ -18481,7 +18642,7 @@
           <p:cNvPr id="10" name="Foliennummernplatzhalter 9">
             <a:extLst>
               <a:ext uri="{FF2B5EF4-FFF2-40B4-BE49-F238E27FC236}">
-                <a16:creationId xmlns:a16="http://schemas.microsoft.com/office/drawing/2014/main" id="{D931436D-0B25-4BC2-AB85-D177B4C7ED90}"/>
+                <a16:creationId xmlns:a16="http://schemas.microsoft.com/office/drawing/2014/main" xmlns="" id="{D931436D-0B25-4BC2-AB85-D177B4C7ED90}"/>
               </a:ext>
             </a:extLst>
           </p:cNvPr>
@@ -18531,7 +18692,7 @@
           <p:cNvPr id="12" name="Gerader Verbinder 11">
             <a:extLst>
               <a:ext uri="{FF2B5EF4-FFF2-40B4-BE49-F238E27FC236}">
-                <a16:creationId xmlns:a16="http://schemas.microsoft.com/office/drawing/2014/main" id="{4A855513-E5C1-4F05-A8FD-33AC62C22A5E}"/>
+                <a16:creationId xmlns:a16="http://schemas.microsoft.com/office/drawing/2014/main" xmlns="" id="{4A855513-E5C1-4F05-A8FD-33AC62C22A5E}"/>
               </a:ext>
             </a:extLst>
           </p:cNvPr>
@@ -18572,7 +18733,7 @@
           <p:cNvPr id="13" name="Gerader Verbinder 12">
             <a:extLst>
               <a:ext uri="{FF2B5EF4-FFF2-40B4-BE49-F238E27FC236}">
-                <a16:creationId xmlns:a16="http://schemas.microsoft.com/office/drawing/2014/main" id="{F2778992-5E28-437C-AEA9-F9BBD6E6F5BB}"/>
+                <a16:creationId xmlns:a16="http://schemas.microsoft.com/office/drawing/2014/main" xmlns="" id="{F2778992-5E28-437C-AEA9-F9BBD6E6F5BB}"/>
               </a:ext>
             </a:extLst>
           </p:cNvPr>
@@ -18613,7 +18774,7 @@
           <p:cNvPr id="14" name="Textfeld 13">
             <a:extLst>
               <a:ext uri="{FF2B5EF4-FFF2-40B4-BE49-F238E27FC236}">
-                <a16:creationId xmlns:a16="http://schemas.microsoft.com/office/drawing/2014/main" id="{6CF8FF9D-8A98-4CFA-94C2-E2074112639C}"/>
+                <a16:creationId xmlns:a16="http://schemas.microsoft.com/office/drawing/2014/main" xmlns="" id="{6CF8FF9D-8A98-4CFA-94C2-E2074112639C}"/>
               </a:ext>
             </a:extLst>
           </p:cNvPr>
@@ -18649,7 +18810,7 @@
           <p:cNvPr id="6" name="Textfeld 5">
             <a:extLst>
               <a:ext uri="{FF2B5EF4-FFF2-40B4-BE49-F238E27FC236}">
-                <a16:creationId xmlns:a16="http://schemas.microsoft.com/office/drawing/2014/main" id="{8E05CB3E-FC8B-4C84-8452-A027AF29808D}"/>
+                <a16:creationId xmlns:a16="http://schemas.microsoft.com/office/drawing/2014/main" xmlns="" id="{8E05CB3E-FC8B-4C84-8452-A027AF29808D}"/>
               </a:ext>
             </a:extLst>
           </p:cNvPr>
@@ -18691,7 +18852,7 @@
           <p:cNvPr id="8" name="Textfeld 7">
             <a:extLst>
               <a:ext uri="{FF2B5EF4-FFF2-40B4-BE49-F238E27FC236}">
-                <a16:creationId xmlns:a16="http://schemas.microsoft.com/office/drawing/2014/main" id="{4842BEFA-10C3-45C0-8997-167BE0586DAC}"/>
+                <a16:creationId xmlns:a16="http://schemas.microsoft.com/office/drawing/2014/main" xmlns="" id="{4842BEFA-10C3-45C0-8997-167BE0586DAC}"/>
               </a:ext>
             </a:extLst>
           </p:cNvPr>
@@ -18750,7 +18911,7 @@
           <p:cNvPr id="3" name="Textfeld 2">
             <a:extLst>
               <a:ext uri="{FF2B5EF4-FFF2-40B4-BE49-F238E27FC236}">
-                <a16:creationId xmlns:a16="http://schemas.microsoft.com/office/drawing/2014/main" id="{B616C74B-1A1C-4612-8D7A-608508876D6B}"/>
+                <a16:creationId xmlns:a16="http://schemas.microsoft.com/office/drawing/2014/main" xmlns="" id="{B616C74B-1A1C-4612-8D7A-608508876D6B}"/>
               </a:ext>
             </a:extLst>
           </p:cNvPr>
@@ -18785,10 +18946,10 @@
           <p:cNvPr id="4" name="Grafik 3">
             <a:extLst>
               <a:ext uri="{FF2B5EF4-FFF2-40B4-BE49-F238E27FC236}">
-                <a16:creationId xmlns:a16="http://schemas.microsoft.com/office/drawing/2014/main" id="{18938379-4D21-4DC3-9DFE-4CE90527DD2F}"/>
+                <a16:creationId xmlns:a16="http://schemas.microsoft.com/office/drawing/2014/main" xmlns="" id="{18938379-4D21-4DC3-9DFE-4CE90527DD2F}"/>
               </a:ext>
               <a:ext uri="{C183D7F6-B498-43B3-948B-1728B52AA6E4}">
-                <adec:decorative xmlns:adec="http://schemas.microsoft.com/office/drawing/2017/decorative" val="0"/>
+                <adec:decorative xmlns:adec="http://schemas.microsoft.com/office/drawing/2017/decorative" xmlns="" val="0"/>
               </a:ext>
             </a:extLst>
           </p:cNvPr>
@@ -18818,7 +18979,7 @@
           <p:cNvPr id="18" name="Grafik 17">
             <a:extLst>
               <a:ext uri="{FF2B5EF4-FFF2-40B4-BE49-F238E27FC236}">
-                <a16:creationId xmlns:a16="http://schemas.microsoft.com/office/drawing/2014/main" id="{FEB27C32-4E21-40FF-95F0-06C23EE6D5BA}"/>
+                <a16:creationId xmlns:a16="http://schemas.microsoft.com/office/drawing/2014/main" xmlns="" id="{FEB27C32-4E21-40FF-95F0-06C23EE6D5BA}"/>
               </a:ext>
             </a:extLst>
           </p:cNvPr>
@@ -18878,7 +19039,7 @@
           <p:cNvPr id="10" name="Foliennummernplatzhalter 9">
             <a:extLst>
               <a:ext uri="{FF2B5EF4-FFF2-40B4-BE49-F238E27FC236}">
-                <a16:creationId xmlns:a16="http://schemas.microsoft.com/office/drawing/2014/main" id="{D931436D-0B25-4BC2-AB85-D177B4C7ED90}"/>
+                <a16:creationId xmlns:a16="http://schemas.microsoft.com/office/drawing/2014/main" xmlns="" id="{D931436D-0B25-4BC2-AB85-D177B4C7ED90}"/>
               </a:ext>
             </a:extLst>
           </p:cNvPr>
@@ -18928,7 +19089,7 @@
           <p:cNvPr id="12" name="Gerader Verbinder 11">
             <a:extLst>
               <a:ext uri="{FF2B5EF4-FFF2-40B4-BE49-F238E27FC236}">
-                <a16:creationId xmlns:a16="http://schemas.microsoft.com/office/drawing/2014/main" id="{4A855513-E5C1-4F05-A8FD-33AC62C22A5E}"/>
+                <a16:creationId xmlns:a16="http://schemas.microsoft.com/office/drawing/2014/main" xmlns="" id="{4A855513-E5C1-4F05-A8FD-33AC62C22A5E}"/>
               </a:ext>
             </a:extLst>
           </p:cNvPr>
@@ -18969,7 +19130,7 @@
           <p:cNvPr id="13" name="Gerader Verbinder 12">
             <a:extLst>
               <a:ext uri="{FF2B5EF4-FFF2-40B4-BE49-F238E27FC236}">
-                <a16:creationId xmlns:a16="http://schemas.microsoft.com/office/drawing/2014/main" id="{F2778992-5E28-437C-AEA9-F9BBD6E6F5BB}"/>
+                <a16:creationId xmlns:a16="http://schemas.microsoft.com/office/drawing/2014/main" xmlns="" id="{F2778992-5E28-437C-AEA9-F9BBD6E6F5BB}"/>
               </a:ext>
             </a:extLst>
           </p:cNvPr>
@@ -19010,7 +19171,7 @@
           <p:cNvPr id="14" name="Textfeld 13">
             <a:extLst>
               <a:ext uri="{FF2B5EF4-FFF2-40B4-BE49-F238E27FC236}">
-                <a16:creationId xmlns:a16="http://schemas.microsoft.com/office/drawing/2014/main" id="{6CF8FF9D-8A98-4CFA-94C2-E2074112639C}"/>
+                <a16:creationId xmlns:a16="http://schemas.microsoft.com/office/drawing/2014/main" xmlns="" id="{6CF8FF9D-8A98-4CFA-94C2-E2074112639C}"/>
               </a:ext>
             </a:extLst>
           </p:cNvPr>
@@ -19046,7 +19207,7 @@
           <p:cNvPr id="6" name="Textfeld 5">
             <a:extLst>
               <a:ext uri="{FF2B5EF4-FFF2-40B4-BE49-F238E27FC236}">
-                <a16:creationId xmlns:a16="http://schemas.microsoft.com/office/drawing/2014/main" id="{8E05CB3E-FC8B-4C84-8452-A027AF29808D}"/>
+                <a16:creationId xmlns:a16="http://schemas.microsoft.com/office/drawing/2014/main" xmlns="" id="{8E05CB3E-FC8B-4C84-8452-A027AF29808D}"/>
               </a:ext>
             </a:extLst>
           </p:cNvPr>
@@ -19088,7 +19249,7 @@
           <p:cNvPr id="8" name="Textfeld 7">
             <a:extLst>
               <a:ext uri="{FF2B5EF4-FFF2-40B4-BE49-F238E27FC236}">
-                <a16:creationId xmlns:a16="http://schemas.microsoft.com/office/drawing/2014/main" id="{4842BEFA-10C3-45C0-8997-167BE0586DAC}"/>
+                <a16:creationId xmlns:a16="http://schemas.microsoft.com/office/drawing/2014/main" xmlns="" id="{4842BEFA-10C3-45C0-8997-167BE0586DAC}"/>
               </a:ext>
             </a:extLst>
           </p:cNvPr>
@@ -19128,7 +19289,7 @@
           <p:cNvPr id="3" name="Textfeld 2">
             <a:extLst>
               <a:ext uri="{FF2B5EF4-FFF2-40B4-BE49-F238E27FC236}">
-                <a16:creationId xmlns:a16="http://schemas.microsoft.com/office/drawing/2014/main" id="{B616C74B-1A1C-4612-8D7A-608508876D6B}"/>
+                <a16:creationId xmlns:a16="http://schemas.microsoft.com/office/drawing/2014/main" xmlns="" id="{B616C74B-1A1C-4612-8D7A-608508876D6B}"/>
               </a:ext>
             </a:extLst>
           </p:cNvPr>
@@ -19163,7 +19324,7 @@
           <p:cNvPr id="9" name="Grafik 8">
             <a:extLst>
               <a:ext uri="{FF2B5EF4-FFF2-40B4-BE49-F238E27FC236}">
-                <a16:creationId xmlns:a16="http://schemas.microsoft.com/office/drawing/2014/main" id="{FE433633-AAB8-4AC8-80DF-33EE4B97A434}"/>
+                <a16:creationId xmlns:a16="http://schemas.microsoft.com/office/drawing/2014/main" xmlns="" id="{FE433633-AAB8-4AC8-80DF-33EE4B97A434}"/>
               </a:ext>
             </a:extLst>
           </p:cNvPr>
@@ -19223,7 +19384,7 @@
           <p:cNvPr id="10" name="Foliennummernplatzhalter 9">
             <a:extLst>
               <a:ext uri="{FF2B5EF4-FFF2-40B4-BE49-F238E27FC236}">
-                <a16:creationId xmlns:a16="http://schemas.microsoft.com/office/drawing/2014/main" id="{D931436D-0B25-4BC2-AB85-D177B4C7ED90}"/>
+                <a16:creationId xmlns:a16="http://schemas.microsoft.com/office/drawing/2014/main" xmlns="" id="{D931436D-0B25-4BC2-AB85-D177B4C7ED90}"/>
               </a:ext>
             </a:extLst>
           </p:cNvPr>
@@ -19273,7 +19434,7 @@
           <p:cNvPr id="12" name="Gerader Verbinder 11">
             <a:extLst>
               <a:ext uri="{FF2B5EF4-FFF2-40B4-BE49-F238E27FC236}">
-                <a16:creationId xmlns:a16="http://schemas.microsoft.com/office/drawing/2014/main" id="{4A855513-E5C1-4F05-A8FD-33AC62C22A5E}"/>
+                <a16:creationId xmlns:a16="http://schemas.microsoft.com/office/drawing/2014/main" xmlns="" id="{4A855513-E5C1-4F05-A8FD-33AC62C22A5E}"/>
               </a:ext>
             </a:extLst>
           </p:cNvPr>
@@ -19314,7 +19475,7 @@
           <p:cNvPr id="13" name="Gerader Verbinder 12">
             <a:extLst>
               <a:ext uri="{FF2B5EF4-FFF2-40B4-BE49-F238E27FC236}">
-                <a16:creationId xmlns:a16="http://schemas.microsoft.com/office/drawing/2014/main" id="{F2778992-5E28-437C-AEA9-F9BBD6E6F5BB}"/>
+                <a16:creationId xmlns:a16="http://schemas.microsoft.com/office/drawing/2014/main" xmlns="" id="{F2778992-5E28-437C-AEA9-F9BBD6E6F5BB}"/>
               </a:ext>
             </a:extLst>
           </p:cNvPr>
@@ -19355,7 +19516,7 @@
           <p:cNvPr id="14" name="Textfeld 13">
             <a:extLst>
               <a:ext uri="{FF2B5EF4-FFF2-40B4-BE49-F238E27FC236}">
-                <a16:creationId xmlns:a16="http://schemas.microsoft.com/office/drawing/2014/main" id="{6CF8FF9D-8A98-4CFA-94C2-E2074112639C}"/>
+                <a16:creationId xmlns:a16="http://schemas.microsoft.com/office/drawing/2014/main" xmlns="" id="{6CF8FF9D-8A98-4CFA-94C2-E2074112639C}"/>
               </a:ext>
             </a:extLst>
           </p:cNvPr>
@@ -19391,7 +19552,7 @@
           <p:cNvPr id="6" name="Textfeld 5">
             <a:extLst>
               <a:ext uri="{FF2B5EF4-FFF2-40B4-BE49-F238E27FC236}">
-                <a16:creationId xmlns:a16="http://schemas.microsoft.com/office/drawing/2014/main" id="{8E05CB3E-FC8B-4C84-8452-A027AF29808D}"/>
+                <a16:creationId xmlns:a16="http://schemas.microsoft.com/office/drawing/2014/main" xmlns="" id="{8E05CB3E-FC8B-4C84-8452-A027AF29808D}"/>
               </a:ext>
             </a:extLst>
           </p:cNvPr>
@@ -19433,7 +19594,7 @@
           <p:cNvPr id="8" name="Textfeld 7">
             <a:extLst>
               <a:ext uri="{FF2B5EF4-FFF2-40B4-BE49-F238E27FC236}">
-                <a16:creationId xmlns:a16="http://schemas.microsoft.com/office/drawing/2014/main" id="{4842BEFA-10C3-45C0-8997-167BE0586DAC}"/>
+                <a16:creationId xmlns:a16="http://schemas.microsoft.com/office/drawing/2014/main" xmlns="" id="{4842BEFA-10C3-45C0-8997-167BE0586DAC}"/>
               </a:ext>
             </a:extLst>
           </p:cNvPr>
@@ -19536,7 +19697,7 @@
           <p:cNvPr id="3" name="Textfeld 2">
             <a:extLst>
               <a:ext uri="{FF2B5EF4-FFF2-40B4-BE49-F238E27FC236}">
-                <a16:creationId xmlns:a16="http://schemas.microsoft.com/office/drawing/2014/main" id="{B616C74B-1A1C-4612-8D7A-608508876D6B}"/>
+                <a16:creationId xmlns:a16="http://schemas.microsoft.com/office/drawing/2014/main" xmlns="" id="{B616C74B-1A1C-4612-8D7A-608508876D6B}"/>
               </a:ext>
             </a:extLst>
           </p:cNvPr>
@@ -19571,7 +19732,7 @@
           <p:cNvPr id="5" name="Grafik 4">
             <a:extLst>
               <a:ext uri="{FF2B5EF4-FFF2-40B4-BE49-F238E27FC236}">
-                <a16:creationId xmlns:a16="http://schemas.microsoft.com/office/drawing/2014/main" id="{6954ED34-E542-4C7A-A5A9-41971B50B93B}"/>
+                <a16:creationId xmlns:a16="http://schemas.microsoft.com/office/drawing/2014/main" xmlns="" id="{6954ED34-E542-4C7A-A5A9-41971B50B93B}"/>
               </a:ext>
             </a:extLst>
           </p:cNvPr>
@@ -19631,7 +19792,7 @@
           <p:cNvPr id="10" name="Foliennummernplatzhalter 9">
             <a:extLst>
               <a:ext uri="{FF2B5EF4-FFF2-40B4-BE49-F238E27FC236}">
-                <a16:creationId xmlns:a16="http://schemas.microsoft.com/office/drawing/2014/main" id="{D931436D-0B25-4BC2-AB85-D177B4C7ED90}"/>
+                <a16:creationId xmlns:a16="http://schemas.microsoft.com/office/drawing/2014/main" xmlns="" id="{D931436D-0B25-4BC2-AB85-D177B4C7ED90}"/>
               </a:ext>
             </a:extLst>
           </p:cNvPr>
@@ -19681,7 +19842,7 @@
           <p:cNvPr id="12" name="Gerader Verbinder 11">
             <a:extLst>
               <a:ext uri="{FF2B5EF4-FFF2-40B4-BE49-F238E27FC236}">
-                <a16:creationId xmlns:a16="http://schemas.microsoft.com/office/drawing/2014/main" id="{4A855513-E5C1-4F05-A8FD-33AC62C22A5E}"/>
+                <a16:creationId xmlns:a16="http://schemas.microsoft.com/office/drawing/2014/main" xmlns="" id="{4A855513-E5C1-4F05-A8FD-33AC62C22A5E}"/>
               </a:ext>
             </a:extLst>
           </p:cNvPr>
@@ -19722,7 +19883,7 @@
           <p:cNvPr id="13" name="Gerader Verbinder 12">
             <a:extLst>
               <a:ext uri="{FF2B5EF4-FFF2-40B4-BE49-F238E27FC236}">
-                <a16:creationId xmlns:a16="http://schemas.microsoft.com/office/drawing/2014/main" id="{F2778992-5E28-437C-AEA9-F9BBD6E6F5BB}"/>
+                <a16:creationId xmlns:a16="http://schemas.microsoft.com/office/drawing/2014/main" xmlns="" id="{F2778992-5E28-437C-AEA9-F9BBD6E6F5BB}"/>
               </a:ext>
             </a:extLst>
           </p:cNvPr>
@@ -19763,7 +19924,7 @@
           <p:cNvPr id="14" name="Textfeld 13">
             <a:extLst>
               <a:ext uri="{FF2B5EF4-FFF2-40B4-BE49-F238E27FC236}">
-                <a16:creationId xmlns:a16="http://schemas.microsoft.com/office/drawing/2014/main" id="{6CF8FF9D-8A98-4CFA-94C2-E2074112639C}"/>
+                <a16:creationId xmlns:a16="http://schemas.microsoft.com/office/drawing/2014/main" xmlns="" id="{6CF8FF9D-8A98-4CFA-94C2-E2074112639C}"/>
               </a:ext>
             </a:extLst>
           </p:cNvPr>
@@ -19799,7 +19960,7 @@
           <p:cNvPr id="6" name="Textfeld 5">
             <a:extLst>
               <a:ext uri="{FF2B5EF4-FFF2-40B4-BE49-F238E27FC236}">
-                <a16:creationId xmlns:a16="http://schemas.microsoft.com/office/drawing/2014/main" id="{8E05CB3E-FC8B-4C84-8452-A027AF29808D}"/>
+                <a16:creationId xmlns:a16="http://schemas.microsoft.com/office/drawing/2014/main" xmlns="" id="{8E05CB3E-FC8B-4C84-8452-A027AF29808D}"/>
               </a:ext>
             </a:extLst>
           </p:cNvPr>
@@ -19844,7 +20005,7 @@
           <p:cNvPr id="8" name="Textfeld 7">
             <a:extLst>
               <a:ext uri="{FF2B5EF4-FFF2-40B4-BE49-F238E27FC236}">
-                <a16:creationId xmlns:a16="http://schemas.microsoft.com/office/drawing/2014/main" id="{4842BEFA-10C3-45C0-8997-167BE0586DAC}"/>
+                <a16:creationId xmlns:a16="http://schemas.microsoft.com/office/drawing/2014/main" xmlns="" id="{4842BEFA-10C3-45C0-8997-167BE0586DAC}"/>
               </a:ext>
             </a:extLst>
           </p:cNvPr>
@@ -20034,7 +20195,7 @@
           <p:cNvPr id="3" name="Textfeld 2">
             <a:extLst>
               <a:ext uri="{FF2B5EF4-FFF2-40B4-BE49-F238E27FC236}">
-                <a16:creationId xmlns:a16="http://schemas.microsoft.com/office/drawing/2014/main" id="{B616C74B-1A1C-4612-8D7A-608508876D6B}"/>
+                <a16:creationId xmlns:a16="http://schemas.microsoft.com/office/drawing/2014/main" xmlns="" id="{B616C74B-1A1C-4612-8D7A-608508876D6B}"/>
               </a:ext>
             </a:extLst>
           </p:cNvPr>
@@ -20099,7 +20260,7 @@
           <p:cNvPr id="10" name="Foliennummernplatzhalter 9">
             <a:extLst>
               <a:ext uri="{FF2B5EF4-FFF2-40B4-BE49-F238E27FC236}">
-                <a16:creationId xmlns:a16="http://schemas.microsoft.com/office/drawing/2014/main" id="{D931436D-0B25-4BC2-AB85-D177B4C7ED90}"/>
+                <a16:creationId xmlns:a16="http://schemas.microsoft.com/office/drawing/2014/main" xmlns="" id="{D931436D-0B25-4BC2-AB85-D177B4C7ED90}"/>
               </a:ext>
             </a:extLst>
           </p:cNvPr>
@@ -20149,7 +20310,7 @@
           <p:cNvPr id="12" name="Gerader Verbinder 11">
             <a:extLst>
               <a:ext uri="{FF2B5EF4-FFF2-40B4-BE49-F238E27FC236}">
-                <a16:creationId xmlns:a16="http://schemas.microsoft.com/office/drawing/2014/main" id="{4A855513-E5C1-4F05-A8FD-33AC62C22A5E}"/>
+                <a16:creationId xmlns:a16="http://schemas.microsoft.com/office/drawing/2014/main" xmlns="" id="{4A855513-E5C1-4F05-A8FD-33AC62C22A5E}"/>
               </a:ext>
             </a:extLst>
           </p:cNvPr>
@@ -20190,7 +20351,7 @@
           <p:cNvPr id="13" name="Gerader Verbinder 12">
             <a:extLst>
               <a:ext uri="{FF2B5EF4-FFF2-40B4-BE49-F238E27FC236}">
-                <a16:creationId xmlns:a16="http://schemas.microsoft.com/office/drawing/2014/main" id="{F2778992-5E28-437C-AEA9-F9BBD6E6F5BB}"/>
+                <a16:creationId xmlns:a16="http://schemas.microsoft.com/office/drawing/2014/main" xmlns="" id="{F2778992-5E28-437C-AEA9-F9BBD6E6F5BB}"/>
               </a:ext>
             </a:extLst>
           </p:cNvPr>
@@ -20231,7 +20392,7 @@
           <p:cNvPr id="14" name="Textfeld 13">
             <a:extLst>
               <a:ext uri="{FF2B5EF4-FFF2-40B4-BE49-F238E27FC236}">
-                <a16:creationId xmlns:a16="http://schemas.microsoft.com/office/drawing/2014/main" id="{6CF8FF9D-8A98-4CFA-94C2-E2074112639C}"/>
+                <a16:creationId xmlns:a16="http://schemas.microsoft.com/office/drawing/2014/main" xmlns="" id="{6CF8FF9D-8A98-4CFA-94C2-E2074112639C}"/>
               </a:ext>
             </a:extLst>
           </p:cNvPr>
@@ -20267,7 +20428,7 @@
           <p:cNvPr id="6" name="Textfeld 5">
             <a:extLst>
               <a:ext uri="{FF2B5EF4-FFF2-40B4-BE49-F238E27FC236}">
-                <a16:creationId xmlns:a16="http://schemas.microsoft.com/office/drawing/2014/main" id="{8E05CB3E-FC8B-4C84-8452-A027AF29808D}"/>
+                <a16:creationId xmlns:a16="http://schemas.microsoft.com/office/drawing/2014/main" xmlns="" id="{8E05CB3E-FC8B-4C84-8452-A027AF29808D}"/>
               </a:ext>
             </a:extLst>
           </p:cNvPr>
@@ -20312,7 +20473,7 @@
           <p:cNvPr id="8" name="Textfeld 7">
             <a:extLst>
               <a:ext uri="{FF2B5EF4-FFF2-40B4-BE49-F238E27FC236}">
-                <a16:creationId xmlns:a16="http://schemas.microsoft.com/office/drawing/2014/main" id="{4842BEFA-10C3-45C0-8997-167BE0586DAC}"/>
+                <a16:creationId xmlns:a16="http://schemas.microsoft.com/office/drawing/2014/main" xmlns="" id="{4842BEFA-10C3-45C0-8997-167BE0586DAC}"/>
               </a:ext>
             </a:extLst>
           </p:cNvPr>
@@ -20394,7 +20555,7 @@
           <p:cNvPr id="3" name="Textfeld 2">
             <a:extLst>
               <a:ext uri="{FF2B5EF4-FFF2-40B4-BE49-F238E27FC236}">
-                <a16:creationId xmlns:a16="http://schemas.microsoft.com/office/drawing/2014/main" id="{B616C74B-1A1C-4612-8D7A-608508876D6B}"/>
+                <a16:creationId xmlns:a16="http://schemas.microsoft.com/office/drawing/2014/main" xmlns="" id="{B616C74B-1A1C-4612-8D7A-608508876D6B}"/>
               </a:ext>
             </a:extLst>
           </p:cNvPr>
@@ -20424,14 +20585,14 @@
           </a:p>
         </p:txBody>
       </p:sp>
-      <mc:AlternateContent xmlns:mc="http://schemas.openxmlformats.org/markup-compatibility/2006">
-        <mc:Choice xmlns:a14="http://schemas.microsoft.com/office/drawing/2010/main" Requires="a14">
+      <mc:AlternateContent xmlns:mc="http://schemas.openxmlformats.org/markup-compatibility/2006" xmlns:a14="http://schemas.microsoft.com/office/drawing/2010/main">
+        <mc:Choice Requires="a14">
           <p:sp>
             <p:nvSpPr>
               <p:cNvPr id="11" name="Textfeld 10">
                 <a:extLst>
                   <a:ext uri="{FF2B5EF4-FFF2-40B4-BE49-F238E27FC236}">
-                    <a16:creationId xmlns:a16="http://schemas.microsoft.com/office/drawing/2014/main" id="{592B9E84-39A5-4D8D-ACE3-4A007C83F662}"/>
+                    <a16:creationId xmlns:a16="http://schemas.microsoft.com/office/drawing/2014/main" xmlns="" id="{592B9E84-39A5-4D8D-ACE3-4A007C83F662}"/>
                   </a:ext>
                 </a:extLst>
               </p:cNvPr>
@@ -20572,7 +20733,7 @@
             </p:txBody>
           </p:sp>
         </mc:Choice>
-        <mc:Fallback>
+        <mc:Fallback xmlns="">
           <p:sp>
             <p:nvSpPr>
               <p:cNvPr id="11" name="Textfeld 10">
@@ -20622,7 +20783,7 @@
           <p:cNvPr id="9" name="Textfeld 8">
             <a:extLst>
               <a:ext uri="{FF2B5EF4-FFF2-40B4-BE49-F238E27FC236}">
-                <a16:creationId xmlns:a16="http://schemas.microsoft.com/office/drawing/2014/main" id="{E0E7220F-EA15-48B0-B65C-F7D03C8374E7}"/>
+                <a16:creationId xmlns:a16="http://schemas.microsoft.com/office/drawing/2014/main" xmlns="" id="{E0E7220F-EA15-48B0-B65C-F7D03C8374E7}"/>
               </a:ext>
             </a:extLst>
           </p:cNvPr>
@@ -20688,7 +20849,7 @@
           <p:cNvPr id="10" name="Foliennummernplatzhalter 9">
             <a:extLst>
               <a:ext uri="{FF2B5EF4-FFF2-40B4-BE49-F238E27FC236}">
-                <a16:creationId xmlns:a16="http://schemas.microsoft.com/office/drawing/2014/main" id="{D931436D-0B25-4BC2-AB85-D177B4C7ED90}"/>
+                <a16:creationId xmlns:a16="http://schemas.microsoft.com/office/drawing/2014/main" xmlns="" id="{D931436D-0B25-4BC2-AB85-D177B4C7ED90}"/>
               </a:ext>
             </a:extLst>
           </p:cNvPr>
@@ -20738,7 +20899,7 @@
           <p:cNvPr id="12" name="Gerader Verbinder 11">
             <a:extLst>
               <a:ext uri="{FF2B5EF4-FFF2-40B4-BE49-F238E27FC236}">
-                <a16:creationId xmlns:a16="http://schemas.microsoft.com/office/drawing/2014/main" id="{4A855513-E5C1-4F05-A8FD-33AC62C22A5E}"/>
+                <a16:creationId xmlns:a16="http://schemas.microsoft.com/office/drawing/2014/main" xmlns="" id="{4A855513-E5C1-4F05-A8FD-33AC62C22A5E}"/>
               </a:ext>
             </a:extLst>
           </p:cNvPr>
@@ -20779,7 +20940,7 @@
           <p:cNvPr id="13" name="Gerader Verbinder 12">
             <a:extLst>
               <a:ext uri="{FF2B5EF4-FFF2-40B4-BE49-F238E27FC236}">
-                <a16:creationId xmlns:a16="http://schemas.microsoft.com/office/drawing/2014/main" id="{F2778992-5E28-437C-AEA9-F9BBD6E6F5BB}"/>
+                <a16:creationId xmlns:a16="http://schemas.microsoft.com/office/drawing/2014/main" xmlns="" id="{F2778992-5E28-437C-AEA9-F9BBD6E6F5BB}"/>
               </a:ext>
             </a:extLst>
           </p:cNvPr>
@@ -20820,7 +20981,7 @@
           <p:cNvPr id="14" name="Textfeld 13">
             <a:extLst>
               <a:ext uri="{FF2B5EF4-FFF2-40B4-BE49-F238E27FC236}">
-                <a16:creationId xmlns:a16="http://schemas.microsoft.com/office/drawing/2014/main" id="{6CF8FF9D-8A98-4CFA-94C2-E2074112639C}"/>
+                <a16:creationId xmlns:a16="http://schemas.microsoft.com/office/drawing/2014/main" xmlns="" id="{6CF8FF9D-8A98-4CFA-94C2-E2074112639C}"/>
               </a:ext>
             </a:extLst>
           </p:cNvPr>
@@ -20856,7 +21017,7 @@
           <p:cNvPr id="6" name="Textfeld 5">
             <a:extLst>
               <a:ext uri="{FF2B5EF4-FFF2-40B4-BE49-F238E27FC236}">
-                <a16:creationId xmlns:a16="http://schemas.microsoft.com/office/drawing/2014/main" id="{8E05CB3E-FC8B-4C84-8452-A027AF29808D}"/>
+                <a16:creationId xmlns:a16="http://schemas.microsoft.com/office/drawing/2014/main" xmlns="" id="{8E05CB3E-FC8B-4C84-8452-A027AF29808D}"/>
               </a:ext>
             </a:extLst>
           </p:cNvPr>
@@ -20901,7 +21062,7 @@
           <p:cNvPr id="3" name="Textfeld 2">
             <a:extLst>
               <a:ext uri="{FF2B5EF4-FFF2-40B4-BE49-F238E27FC236}">
-                <a16:creationId xmlns:a16="http://schemas.microsoft.com/office/drawing/2014/main" id="{B616C74B-1A1C-4612-8D7A-608508876D6B}"/>
+                <a16:creationId xmlns:a16="http://schemas.microsoft.com/office/drawing/2014/main" xmlns="" id="{B616C74B-1A1C-4612-8D7A-608508876D6B}"/>
               </a:ext>
             </a:extLst>
           </p:cNvPr>
@@ -20936,7 +21097,7 @@
           <p:cNvPr id="15" name="Grafik 14">
             <a:extLst>
               <a:ext uri="{FF2B5EF4-FFF2-40B4-BE49-F238E27FC236}">
-                <a16:creationId xmlns:a16="http://schemas.microsoft.com/office/drawing/2014/main" id="{136B5BB8-033D-440E-AC9E-E20865012A33}"/>
+                <a16:creationId xmlns:a16="http://schemas.microsoft.com/office/drawing/2014/main" xmlns="" id="{136B5BB8-033D-440E-AC9E-E20865012A33}"/>
               </a:ext>
             </a:extLst>
           </p:cNvPr>
@@ -20966,7 +21127,7 @@
           <p:cNvPr id="16" name="Textfeld 15">
             <a:extLst>
               <a:ext uri="{FF2B5EF4-FFF2-40B4-BE49-F238E27FC236}">
-                <a16:creationId xmlns:a16="http://schemas.microsoft.com/office/drawing/2014/main" id="{9FB9C9A7-C04C-436A-82EC-08E6EA453C8E}"/>
+                <a16:creationId xmlns:a16="http://schemas.microsoft.com/office/drawing/2014/main" xmlns="" id="{9FB9C9A7-C04C-436A-82EC-08E6EA453C8E}"/>
               </a:ext>
             </a:extLst>
           </p:cNvPr>

--- a/Dokumentation/Container - Präsentation.pptx
+++ b/Dokumentation/Container - Präsentation.pptx
@@ -5,7 +5,7 @@
     <p:sldMasterId id="2147483660" r:id="rId1"/>
   </p:sldMasterIdLst>
   <p:notesMasterIdLst>
-    <p:notesMasterId r:id="rId31"/>
+    <p:notesMasterId r:id="rId33"/>
   </p:notesMasterIdLst>
   <p:sldIdLst>
     <p:sldId id="256" r:id="rId2"/>
@@ -35,8 +35,10 @@
     <p:sldId id="279" r:id="rId26"/>
     <p:sldId id="280" r:id="rId27"/>
     <p:sldId id="281" r:id="rId28"/>
-    <p:sldId id="284" r:id="rId29"/>
-    <p:sldId id="270" r:id="rId30"/>
+    <p:sldId id="291" r:id="rId29"/>
+    <p:sldId id="293" r:id="rId30"/>
+    <p:sldId id="284" r:id="rId31"/>
+    <p:sldId id="270" r:id="rId32"/>
   </p:sldIdLst>
   <p:sldSz cx="12192000" cy="6858000"/>
   <p:notesSz cx="6858000" cy="9144000"/>
@@ -197,6 +199,12 @@
             <p14:sldId id="281"/>
           </p14:sldIdLst>
         </p14:section>
+        <p14:section name="Tests" id="{BD50EBE4-A130-4AC5-B2B6-84A86C6A5203}">
+          <p14:sldIdLst>
+            <p14:sldId id="291"/>
+            <p14:sldId id="293"/>
+          </p14:sldIdLst>
+        </p14:section>
         <p14:section name="Kompilierung" id="{162A76D2-B43A-416B-8B74-09F13CFF9195}">
           <p14:sldIdLst>
             <p14:sldId id="284"/>
@@ -310,7 +318,7 @@
           <a:p>
             <a:fld id="{B82DBB3C-062B-41DD-A7A6-D65BEDC67AC7}" type="datetimeFigureOut">
               <a:rPr lang="de-DE" smtClean="0"/>
-              <a:t>21.09.2021</a:t>
+              <a:t>22.09.2021</a:t>
             </a:fld>
             <a:endParaRPr lang="de-DE"/>
           </a:p>
@@ -792,7 +800,7 @@
           <a:p>
             <a:fld id="{687F1BB1-91A6-493A-8092-589E7D0BC4EF}" type="datetime1">
               <a:rPr lang="de-DE" smtClean="0"/>
-              <a:t>21.09.2021</a:t>
+              <a:t>22.09.2021</a:t>
             </a:fld>
             <a:endParaRPr lang="de-DE"/>
           </a:p>
@@ -962,7 +970,7 @@
           <a:p>
             <a:fld id="{4084A46B-956D-4745-944F-958EA31F732D}" type="datetime1">
               <a:rPr lang="de-DE" smtClean="0"/>
-              <a:t>21.09.2021</a:t>
+              <a:t>22.09.2021</a:t>
             </a:fld>
             <a:endParaRPr lang="de-DE"/>
           </a:p>
@@ -1142,7 +1150,7 @@
           <a:p>
             <a:fld id="{5CFC9353-6ECD-4E4E-9A9A-C1F5889321D4}" type="datetime1">
               <a:rPr lang="de-DE" smtClean="0"/>
-              <a:t>21.09.2021</a:t>
+              <a:t>22.09.2021</a:t>
             </a:fld>
             <a:endParaRPr lang="de-DE"/>
           </a:p>
@@ -1312,7 +1320,7 @@
           <a:p>
             <a:fld id="{7F1F3B81-8A15-474B-B7E5-38287625CD87}" type="datetime1">
               <a:rPr lang="de-DE" smtClean="0"/>
-              <a:t>21.09.2021</a:t>
+              <a:t>22.09.2021</a:t>
             </a:fld>
             <a:endParaRPr lang="de-DE"/>
           </a:p>
@@ -1558,7 +1566,7 @@
           <a:p>
             <a:fld id="{A4D5150D-CD18-40B2-A6B2-D2EA96CAE34C}" type="datetime1">
               <a:rPr lang="de-DE" smtClean="0"/>
-              <a:t>21.09.2021</a:t>
+              <a:t>22.09.2021</a:t>
             </a:fld>
             <a:endParaRPr lang="de-DE"/>
           </a:p>
@@ -1790,7 +1798,7 @@
           <a:p>
             <a:fld id="{F435291A-1E25-48D3-AE6C-1F5A84A8DAAA}" type="datetime1">
               <a:rPr lang="de-DE" smtClean="0"/>
-              <a:t>21.09.2021</a:t>
+              <a:t>22.09.2021</a:t>
             </a:fld>
             <a:endParaRPr lang="de-DE"/>
           </a:p>
@@ -2157,7 +2165,7 @@
           <a:p>
             <a:fld id="{D6D52EB2-CBB8-40AD-BEEE-8F70DA88514A}" type="datetime1">
               <a:rPr lang="de-DE" smtClean="0"/>
-              <a:t>21.09.2021</a:t>
+              <a:t>22.09.2021</a:t>
             </a:fld>
             <a:endParaRPr lang="de-DE"/>
           </a:p>
@@ -2275,7 +2283,7 @@
           <a:p>
             <a:fld id="{70D4ABC5-AF18-4B4F-B68F-5498C237A649}" type="datetime1">
               <a:rPr lang="de-DE" smtClean="0"/>
-              <a:t>21.09.2021</a:t>
+              <a:t>22.09.2021</a:t>
             </a:fld>
             <a:endParaRPr lang="de-DE"/>
           </a:p>
@@ -2370,7 +2378,7 @@
           <a:p>
             <a:fld id="{8E592A3C-0D52-4B8C-ACFB-562E69CAF87E}" type="datetime1">
               <a:rPr lang="de-DE" smtClean="0"/>
-              <a:t>21.09.2021</a:t>
+              <a:t>22.09.2021</a:t>
             </a:fld>
             <a:endParaRPr lang="de-DE"/>
           </a:p>
@@ -2647,7 +2655,7 @@
           <a:p>
             <a:fld id="{4C9EE53A-8BBB-4F82-BEF6-5E7E18990387}" type="datetime1">
               <a:rPr lang="de-DE" smtClean="0"/>
-              <a:t>21.09.2021</a:t>
+              <a:t>22.09.2021</a:t>
             </a:fld>
             <a:endParaRPr lang="de-DE"/>
           </a:p>
@@ -2904,7 +2912,7 @@
           <a:p>
             <a:fld id="{A38161D5-80F6-413D-9DDC-4FA5FAE9FF77}" type="datetime1">
               <a:rPr lang="de-DE" smtClean="0"/>
-              <a:t>21.09.2021</a:t>
+              <a:t>22.09.2021</a:t>
             </a:fld>
             <a:endParaRPr lang="de-DE"/>
           </a:p>
@@ -3117,7 +3125,7 @@
           <a:p>
             <a:fld id="{96FB673C-9F09-4775-8527-C49C77A4DC03}" type="datetime1">
               <a:rPr lang="de-DE" smtClean="0"/>
-              <a:t>21.09.2021</a:t>
+              <a:t>22.09.2021</a:t>
             </a:fld>
             <a:endParaRPr lang="de-DE"/>
           </a:p>
@@ -3528,7 +3536,7 @@
           <p:cNvPr id="2" name="Titel 1">
             <a:extLst>
               <a:ext uri="{FF2B5EF4-FFF2-40B4-BE49-F238E27FC236}">
-                <a16:creationId xmlns:a16="http://schemas.microsoft.com/office/drawing/2014/main" xmlns="" id="{85D7B258-F523-4E91-90AB-2B5F742EF554}"/>
+                <a16:creationId xmlns:a16="http://schemas.microsoft.com/office/drawing/2014/main" id="{85D7B258-F523-4E91-90AB-2B5F742EF554}"/>
               </a:ext>
             </a:extLst>
           </p:cNvPr>
@@ -3572,7 +3580,7 @@
           <p:cNvPr id="3" name="Untertitel 2">
             <a:extLst>
               <a:ext uri="{FF2B5EF4-FFF2-40B4-BE49-F238E27FC236}">
-                <a16:creationId xmlns:a16="http://schemas.microsoft.com/office/drawing/2014/main" xmlns="" id="{C7CFF44E-7ED7-4CD9-A63C-0FE32841B732}"/>
+                <a16:creationId xmlns:a16="http://schemas.microsoft.com/office/drawing/2014/main" id="{C7CFF44E-7ED7-4CD9-A63C-0FE32841B732}"/>
               </a:ext>
             </a:extLst>
           </p:cNvPr>
@@ -3598,15 +3606,7 @@
             </a:r>
             <a:r>
               <a:rPr lang="de-DE" dirty="0"/>
-              <a:t> </a:t>
-            </a:r>
-            <a:r>
-              <a:rPr lang="de-DE" dirty="0" smtClean="0"/>
-              <a:t>	[</a:t>
-            </a:r>
-            <a:r>
-              <a:rPr lang="de-DE" dirty="0"/>
-              <a:t>11141259]</a:t>
+              <a:t> 	[11141259]</a:t>
             </a:r>
           </a:p>
           <a:p>
@@ -3620,15 +3620,7 @@
             </a:r>
             <a:r>
               <a:rPr lang="de-DE" dirty="0"/>
-              <a:t> </a:t>
-            </a:r>
-            <a:r>
-              <a:rPr lang="de-DE" dirty="0" smtClean="0"/>
-              <a:t>	[</a:t>
-            </a:r>
-            <a:r>
-              <a:rPr lang="de-DE" dirty="0"/>
-              <a:t>11140150]</a:t>
+              <a:t> 	[11140150]</a:t>
             </a:r>
           </a:p>
         </p:txBody>
@@ -3668,7 +3660,7 @@
           <p:cNvPr id="10" name="Foliennummernplatzhalter 9">
             <a:extLst>
               <a:ext uri="{FF2B5EF4-FFF2-40B4-BE49-F238E27FC236}">
-                <a16:creationId xmlns:a16="http://schemas.microsoft.com/office/drawing/2014/main" xmlns="" id="{D931436D-0B25-4BC2-AB85-D177B4C7ED90}"/>
+                <a16:creationId xmlns:a16="http://schemas.microsoft.com/office/drawing/2014/main" id="{D931436D-0B25-4BC2-AB85-D177B4C7ED90}"/>
               </a:ext>
             </a:extLst>
           </p:cNvPr>
@@ -3718,7 +3710,7 @@
           <p:cNvPr id="12" name="Gerader Verbinder 11">
             <a:extLst>
               <a:ext uri="{FF2B5EF4-FFF2-40B4-BE49-F238E27FC236}">
-                <a16:creationId xmlns:a16="http://schemas.microsoft.com/office/drawing/2014/main" xmlns="" id="{4A855513-E5C1-4F05-A8FD-33AC62C22A5E}"/>
+                <a16:creationId xmlns:a16="http://schemas.microsoft.com/office/drawing/2014/main" id="{4A855513-E5C1-4F05-A8FD-33AC62C22A5E}"/>
               </a:ext>
             </a:extLst>
           </p:cNvPr>
@@ -3759,7 +3751,7 @@
           <p:cNvPr id="13" name="Gerader Verbinder 12">
             <a:extLst>
               <a:ext uri="{FF2B5EF4-FFF2-40B4-BE49-F238E27FC236}">
-                <a16:creationId xmlns:a16="http://schemas.microsoft.com/office/drawing/2014/main" xmlns="" id="{F2778992-5E28-437C-AEA9-F9BBD6E6F5BB}"/>
+                <a16:creationId xmlns:a16="http://schemas.microsoft.com/office/drawing/2014/main" id="{F2778992-5E28-437C-AEA9-F9BBD6E6F5BB}"/>
               </a:ext>
             </a:extLst>
           </p:cNvPr>
@@ -3800,7 +3792,7 @@
           <p:cNvPr id="14" name="Textfeld 13">
             <a:extLst>
               <a:ext uri="{FF2B5EF4-FFF2-40B4-BE49-F238E27FC236}">
-                <a16:creationId xmlns:a16="http://schemas.microsoft.com/office/drawing/2014/main" xmlns="" id="{6CF8FF9D-8A98-4CFA-94C2-E2074112639C}"/>
+                <a16:creationId xmlns:a16="http://schemas.microsoft.com/office/drawing/2014/main" id="{6CF8FF9D-8A98-4CFA-94C2-E2074112639C}"/>
               </a:ext>
             </a:extLst>
           </p:cNvPr>
@@ -3836,7 +3828,7 @@
           <p:cNvPr id="6" name="Textfeld 5">
             <a:extLst>
               <a:ext uri="{FF2B5EF4-FFF2-40B4-BE49-F238E27FC236}">
-                <a16:creationId xmlns:a16="http://schemas.microsoft.com/office/drawing/2014/main" xmlns="" id="{8E05CB3E-FC8B-4C84-8452-A027AF29808D}"/>
+                <a16:creationId xmlns:a16="http://schemas.microsoft.com/office/drawing/2014/main" id="{8E05CB3E-FC8B-4C84-8452-A027AF29808D}"/>
               </a:ext>
             </a:extLst>
           </p:cNvPr>
@@ -3881,7 +3873,7 @@
           <p:cNvPr id="3" name="Textfeld 2">
             <a:extLst>
               <a:ext uri="{FF2B5EF4-FFF2-40B4-BE49-F238E27FC236}">
-                <a16:creationId xmlns:a16="http://schemas.microsoft.com/office/drawing/2014/main" xmlns="" id="{B616C74B-1A1C-4612-8D7A-608508876D6B}"/>
+                <a16:creationId xmlns:a16="http://schemas.microsoft.com/office/drawing/2014/main" id="{B616C74B-1A1C-4612-8D7A-608508876D6B}"/>
               </a:ext>
             </a:extLst>
           </p:cNvPr>
@@ -3916,7 +3908,7 @@
           <p:cNvPr id="5" name="Grafik 4">
             <a:extLst>
               <a:ext uri="{FF2B5EF4-FFF2-40B4-BE49-F238E27FC236}">
-                <a16:creationId xmlns:a16="http://schemas.microsoft.com/office/drawing/2014/main" xmlns="" id="{0140E6FD-8193-4AAF-9992-5309DF24B841}"/>
+                <a16:creationId xmlns:a16="http://schemas.microsoft.com/office/drawing/2014/main" id="{0140E6FD-8193-4AAF-9992-5309DF24B841}"/>
               </a:ext>
             </a:extLst>
           </p:cNvPr>
@@ -3976,7 +3968,7 @@
           <p:cNvPr id="10" name="Foliennummernplatzhalter 9">
             <a:extLst>
               <a:ext uri="{FF2B5EF4-FFF2-40B4-BE49-F238E27FC236}">
-                <a16:creationId xmlns:a16="http://schemas.microsoft.com/office/drawing/2014/main" xmlns="" id="{D931436D-0B25-4BC2-AB85-D177B4C7ED90}"/>
+                <a16:creationId xmlns:a16="http://schemas.microsoft.com/office/drawing/2014/main" id="{D931436D-0B25-4BC2-AB85-D177B4C7ED90}"/>
               </a:ext>
             </a:extLst>
           </p:cNvPr>
@@ -4026,7 +4018,7 @@
           <p:cNvPr id="12" name="Gerader Verbinder 11">
             <a:extLst>
               <a:ext uri="{FF2B5EF4-FFF2-40B4-BE49-F238E27FC236}">
-                <a16:creationId xmlns:a16="http://schemas.microsoft.com/office/drawing/2014/main" xmlns="" id="{4A855513-E5C1-4F05-A8FD-33AC62C22A5E}"/>
+                <a16:creationId xmlns:a16="http://schemas.microsoft.com/office/drawing/2014/main" id="{4A855513-E5C1-4F05-A8FD-33AC62C22A5E}"/>
               </a:ext>
             </a:extLst>
           </p:cNvPr>
@@ -4067,7 +4059,7 @@
           <p:cNvPr id="13" name="Gerader Verbinder 12">
             <a:extLst>
               <a:ext uri="{FF2B5EF4-FFF2-40B4-BE49-F238E27FC236}">
-                <a16:creationId xmlns:a16="http://schemas.microsoft.com/office/drawing/2014/main" xmlns="" id="{F2778992-5E28-437C-AEA9-F9BBD6E6F5BB}"/>
+                <a16:creationId xmlns:a16="http://schemas.microsoft.com/office/drawing/2014/main" id="{F2778992-5E28-437C-AEA9-F9BBD6E6F5BB}"/>
               </a:ext>
             </a:extLst>
           </p:cNvPr>
@@ -4108,7 +4100,7 @@
           <p:cNvPr id="14" name="Textfeld 13">
             <a:extLst>
               <a:ext uri="{FF2B5EF4-FFF2-40B4-BE49-F238E27FC236}">
-                <a16:creationId xmlns:a16="http://schemas.microsoft.com/office/drawing/2014/main" xmlns="" id="{6CF8FF9D-8A98-4CFA-94C2-E2074112639C}"/>
+                <a16:creationId xmlns:a16="http://schemas.microsoft.com/office/drawing/2014/main" id="{6CF8FF9D-8A98-4CFA-94C2-E2074112639C}"/>
               </a:ext>
             </a:extLst>
           </p:cNvPr>
@@ -4144,7 +4136,7 @@
           <p:cNvPr id="6" name="Textfeld 5">
             <a:extLst>
               <a:ext uri="{FF2B5EF4-FFF2-40B4-BE49-F238E27FC236}">
-                <a16:creationId xmlns:a16="http://schemas.microsoft.com/office/drawing/2014/main" xmlns="" id="{8E05CB3E-FC8B-4C84-8452-A027AF29808D}"/>
+                <a16:creationId xmlns:a16="http://schemas.microsoft.com/office/drawing/2014/main" id="{8E05CB3E-FC8B-4C84-8452-A027AF29808D}"/>
               </a:ext>
             </a:extLst>
           </p:cNvPr>
@@ -4189,7 +4181,7 @@
           <p:cNvPr id="3" name="Textfeld 2">
             <a:extLst>
               <a:ext uri="{FF2B5EF4-FFF2-40B4-BE49-F238E27FC236}">
-                <a16:creationId xmlns:a16="http://schemas.microsoft.com/office/drawing/2014/main" xmlns="" id="{B616C74B-1A1C-4612-8D7A-608508876D6B}"/>
+                <a16:creationId xmlns:a16="http://schemas.microsoft.com/office/drawing/2014/main" id="{B616C74B-1A1C-4612-8D7A-608508876D6B}"/>
               </a:ext>
             </a:extLst>
           </p:cNvPr>
@@ -4224,7 +4216,7 @@
           <p:cNvPr id="15" name="Textfeld 14">
             <a:extLst>
               <a:ext uri="{FF2B5EF4-FFF2-40B4-BE49-F238E27FC236}">
-                <a16:creationId xmlns:a16="http://schemas.microsoft.com/office/drawing/2014/main" xmlns="" id="{F66983C5-190C-4255-9AC6-9702FE35C815}"/>
+                <a16:creationId xmlns:a16="http://schemas.microsoft.com/office/drawing/2014/main" id="{F66983C5-190C-4255-9AC6-9702FE35C815}"/>
               </a:ext>
             </a:extLst>
           </p:cNvPr>
@@ -5390,7 +5382,7 @@
           <p:cNvPr id="10" name="Foliennummernplatzhalter 9">
             <a:extLst>
               <a:ext uri="{FF2B5EF4-FFF2-40B4-BE49-F238E27FC236}">
-                <a16:creationId xmlns:a16="http://schemas.microsoft.com/office/drawing/2014/main" xmlns="" id="{D931436D-0B25-4BC2-AB85-D177B4C7ED90}"/>
+                <a16:creationId xmlns:a16="http://schemas.microsoft.com/office/drawing/2014/main" id="{D931436D-0B25-4BC2-AB85-D177B4C7ED90}"/>
               </a:ext>
             </a:extLst>
           </p:cNvPr>
@@ -5440,7 +5432,7 @@
           <p:cNvPr id="12" name="Gerader Verbinder 11">
             <a:extLst>
               <a:ext uri="{FF2B5EF4-FFF2-40B4-BE49-F238E27FC236}">
-                <a16:creationId xmlns:a16="http://schemas.microsoft.com/office/drawing/2014/main" xmlns="" id="{4A855513-E5C1-4F05-A8FD-33AC62C22A5E}"/>
+                <a16:creationId xmlns:a16="http://schemas.microsoft.com/office/drawing/2014/main" id="{4A855513-E5C1-4F05-A8FD-33AC62C22A5E}"/>
               </a:ext>
             </a:extLst>
           </p:cNvPr>
@@ -5481,7 +5473,7 @@
           <p:cNvPr id="13" name="Gerader Verbinder 12">
             <a:extLst>
               <a:ext uri="{FF2B5EF4-FFF2-40B4-BE49-F238E27FC236}">
-                <a16:creationId xmlns:a16="http://schemas.microsoft.com/office/drawing/2014/main" xmlns="" id="{F2778992-5E28-437C-AEA9-F9BBD6E6F5BB}"/>
+                <a16:creationId xmlns:a16="http://schemas.microsoft.com/office/drawing/2014/main" id="{F2778992-5E28-437C-AEA9-F9BBD6E6F5BB}"/>
               </a:ext>
             </a:extLst>
           </p:cNvPr>
@@ -5522,7 +5514,7 @@
           <p:cNvPr id="14" name="Textfeld 13">
             <a:extLst>
               <a:ext uri="{FF2B5EF4-FFF2-40B4-BE49-F238E27FC236}">
-                <a16:creationId xmlns:a16="http://schemas.microsoft.com/office/drawing/2014/main" xmlns="" id="{6CF8FF9D-8A98-4CFA-94C2-E2074112639C}"/>
+                <a16:creationId xmlns:a16="http://schemas.microsoft.com/office/drawing/2014/main" id="{6CF8FF9D-8A98-4CFA-94C2-E2074112639C}"/>
               </a:ext>
             </a:extLst>
           </p:cNvPr>
@@ -5558,7 +5550,7 @@
           <p:cNvPr id="6" name="Textfeld 5">
             <a:extLst>
               <a:ext uri="{FF2B5EF4-FFF2-40B4-BE49-F238E27FC236}">
-                <a16:creationId xmlns:a16="http://schemas.microsoft.com/office/drawing/2014/main" xmlns="" id="{8E05CB3E-FC8B-4C84-8452-A027AF29808D}"/>
+                <a16:creationId xmlns:a16="http://schemas.microsoft.com/office/drawing/2014/main" id="{8E05CB3E-FC8B-4C84-8452-A027AF29808D}"/>
               </a:ext>
             </a:extLst>
           </p:cNvPr>
@@ -5603,7 +5595,7 @@
           <p:cNvPr id="3" name="Textfeld 2">
             <a:extLst>
               <a:ext uri="{FF2B5EF4-FFF2-40B4-BE49-F238E27FC236}">
-                <a16:creationId xmlns:a16="http://schemas.microsoft.com/office/drawing/2014/main" xmlns="" id="{B616C74B-1A1C-4612-8D7A-608508876D6B}"/>
+                <a16:creationId xmlns:a16="http://schemas.microsoft.com/office/drawing/2014/main" id="{B616C74B-1A1C-4612-8D7A-608508876D6B}"/>
               </a:ext>
             </a:extLst>
           </p:cNvPr>
@@ -5638,7 +5630,7 @@
           <p:cNvPr id="11" name="Textfeld 10">
             <a:extLst>
               <a:ext uri="{FF2B5EF4-FFF2-40B4-BE49-F238E27FC236}">
-                <a16:creationId xmlns:a16="http://schemas.microsoft.com/office/drawing/2014/main" xmlns="" id="{C616845B-AC50-4775-A32C-7BB8A4D3274B}"/>
+                <a16:creationId xmlns:a16="http://schemas.microsoft.com/office/drawing/2014/main" id="{C616845B-AC50-4775-A32C-7BB8A4D3274B}"/>
               </a:ext>
             </a:extLst>
           </p:cNvPr>
@@ -6442,7 +6434,7 @@
           <p:cNvPr id="10" name="Foliennummernplatzhalter 9">
             <a:extLst>
               <a:ext uri="{FF2B5EF4-FFF2-40B4-BE49-F238E27FC236}">
-                <a16:creationId xmlns:a16="http://schemas.microsoft.com/office/drawing/2014/main" xmlns="" id="{D931436D-0B25-4BC2-AB85-D177B4C7ED90}"/>
+                <a16:creationId xmlns:a16="http://schemas.microsoft.com/office/drawing/2014/main" id="{D931436D-0B25-4BC2-AB85-D177B4C7ED90}"/>
               </a:ext>
             </a:extLst>
           </p:cNvPr>
@@ -6492,7 +6484,7 @@
           <p:cNvPr id="12" name="Gerader Verbinder 11">
             <a:extLst>
               <a:ext uri="{FF2B5EF4-FFF2-40B4-BE49-F238E27FC236}">
-                <a16:creationId xmlns:a16="http://schemas.microsoft.com/office/drawing/2014/main" xmlns="" id="{4A855513-E5C1-4F05-A8FD-33AC62C22A5E}"/>
+                <a16:creationId xmlns:a16="http://schemas.microsoft.com/office/drawing/2014/main" id="{4A855513-E5C1-4F05-A8FD-33AC62C22A5E}"/>
               </a:ext>
             </a:extLst>
           </p:cNvPr>
@@ -6533,7 +6525,7 @@
           <p:cNvPr id="13" name="Gerader Verbinder 12">
             <a:extLst>
               <a:ext uri="{FF2B5EF4-FFF2-40B4-BE49-F238E27FC236}">
-                <a16:creationId xmlns:a16="http://schemas.microsoft.com/office/drawing/2014/main" xmlns="" id="{F2778992-5E28-437C-AEA9-F9BBD6E6F5BB}"/>
+                <a16:creationId xmlns:a16="http://schemas.microsoft.com/office/drawing/2014/main" id="{F2778992-5E28-437C-AEA9-F9BBD6E6F5BB}"/>
               </a:ext>
             </a:extLst>
           </p:cNvPr>
@@ -6574,7 +6566,7 @@
           <p:cNvPr id="14" name="Textfeld 13">
             <a:extLst>
               <a:ext uri="{FF2B5EF4-FFF2-40B4-BE49-F238E27FC236}">
-                <a16:creationId xmlns:a16="http://schemas.microsoft.com/office/drawing/2014/main" xmlns="" id="{6CF8FF9D-8A98-4CFA-94C2-E2074112639C}"/>
+                <a16:creationId xmlns:a16="http://schemas.microsoft.com/office/drawing/2014/main" id="{6CF8FF9D-8A98-4CFA-94C2-E2074112639C}"/>
               </a:ext>
             </a:extLst>
           </p:cNvPr>
@@ -6610,7 +6602,7 @@
           <p:cNvPr id="6" name="Textfeld 5">
             <a:extLst>
               <a:ext uri="{FF2B5EF4-FFF2-40B4-BE49-F238E27FC236}">
-                <a16:creationId xmlns:a16="http://schemas.microsoft.com/office/drawing/2014/main" xmlns="" id="{8E05CB3E-FC8B-4C84-8452-A027AF29808D}"/>
+                <a16:creationId xmlns:a16="http://schemas.microsoft.com/office/drawing/2014/main" id="{8E05CB3E-FC8B-4C84-8452-A027AF29808D}"/>
               </a:ext>
             </a:extLst>
           </p:cNvPr>
@@ -6655,7 +6647,7 @@
           <p:cNvPr id="8" name="Textfeld 7">
             <a:extLst>
               <a:ext uri="{FF2B5EF4-FFF2-40B4-BE49-F238E27FC236}">
-                <a16:creationId xmlns:a16="http://schemas.microsoft.com/office/drawing/2014/main" xmlns="" id="{4842BEFA-10C3-45C0-8997-167BE0586DAC}"/>
+                <a16:creationId xmlns:a16="http://schemas.microsoft.com/office/drawing/2014/main" id="{4842BEFA-10C3-45C0-8997-167BE0586DAC}"/>
               </a:ext>
             </a:extLst>
           </p:cNvPr>
@@ -6727,7 +6719,7 @@
           <p:cNvPr id="3" name="Textfeld 2">
             <a:extLst>
               <a:ext uri="{FF2B5EF4-FFF2-40B4-BE49-F238E27FC236}">
-                <a16:creationId xmlns:a16="http://schemas.microsoft.com/office/drawing/2014/main" xmlns="" id="{B616C74B-1A1C-4612-8D7A-608508876D6B}"/>
+                <a16:creationId xmlns:a16="http://schemas.microsoft.com/office/drawing/2014/main" id="{B616C74B-1A1C-4612-8D7A-608508876D6B}"/>
               </a:ext>
             </a:extLst>
           </p:cNvPr>
@@ -6762,7 +6754,7 @@
           <p:cNvPr id="4" name="Grafik 3">
             <a:extLst>
               <a:ext uri="{FF2B5EF4-FFF2-40B4-BE49-F238E27FC236}">
-                <a16:creationId xmlns:a16="http://schemas.microsoft.com/office/drawing/2014/main" xmlns="" id="{2F5448A5-105F-4C22-85A0-7C50C1DBA54C}"/>
+                <a16:creationId xmlns:a16="http://schemas.microsoft.com/office/drawing/2014/main" id="{2F5448A5-105F-4C22-85A0-7C50C1DBA54C}"/>
               </a:ext>
             </a:extLst>
           </p:cNvPr>
@@ -6798,7 +6790,7 @@
           <p:cNvPr id="7" name="Textfeld 6">
             <a:extLst>
               <a:ext uri="{FF2B5EF4-FFF2-40B4-BE49-F238E27FC236}">
-                <a16:creationId xmlns:a16="http://schemas.microsoft.com/office/drawing/2014/main" xmlns="" id="{2AB11AF8-E90B-4B4A-BE80-FE1C398D379A}"/>
+                <a16:creationId xmlns:a16="http://schemas.microsoft.com/office/drawing/2014/main" id="{2AB11AF8-E90B-4B4A-BE80-FE1C398D379A}"/>
               </a:ext>
             </a:extLst>
           </p:cNvPr>
@@ -6864,7 +6856,7 @@
           <p:cNvPr id="10" name="Foliennummernplatzhalter 9">
             <a:extLst>
               <a:ext uri="{FF2B5EF4-FFF2-40B4-BE49-F238E27FC236}">
-                <a16:creationId xmlns:a16="http://schemas.microsoft.com/office/drawing/2014/main" xmlns="" id="{D931436D-0B25-4BC2-AB85-D177B4C7ED90}"/>
+                <a16:creationId xmlns:a16="http://schemas.microsoft.com/office/drawing/2014/main" id="{D931436D-0B25-4BC2-AB85-D177B4C7ED90}"/>
               </a:ext>
             </a:extLst>
           </p:cNvPr>
@@ -6914,7 +6906,7 @@
           <p:cNvPr id="12" name="Gerader Verbinder 11">
             <a:extLst>
               <a:ext uri="{FF2B5EF4-FFF2-40B4-BE49-F238E27FC236}">
-                <a16:creationId xmlns:a16="http://schemas.microsoft.com/office/drawing/2014/main" xmlns="" id="{4A855513-E5C1-4F05-A8FD-33AC62C22A5E}"/>
+                <a16:creationId xmlns:a16="http://schemas.microsoft.com/office/drawing/2014/main" id="{4A855513-E5C1-4F05-A8FD-33AC62C22A5E}"/>
               </a:ext>
             </a:extLst>
           </p:cNvPr>
@@ -6955,7 +6947,7 @@
           <p:cNvPr id="13" name="Gerader Verbinder 12">
             <a:extLst>
               <a:ext uri="{FF2B5EF4-FFF2-40B4-BE49-F238E27FC236}">
-                <a16:creationId xmlns:a16="http://schemas.microsoft.com/office/drawing/2014/main" xmlns="" id="{F2778992-5E28-437C-AEA9-F9BBD6E6F5BB}"/>
+                <a16:creationId xmlns:a16="http://schemas.microsoft.com/office/drawing/2014/main" id="{F2778992-5E28-437C-AEA9-F9BBD6E6F5BB}"/>
               </a:ext>
             </a:extLst>
           </p:cNvPr>
@@ -6996,7 +6988,7 @@
           <p:cNvPr id="14" name="Textfeld 13">
             <a:extLst>
               <a:ext uri="{FF2B5EF4-FFF2-40B4-BE49-F238E27FC236}">
-                <a16:creationId xmlns:a16="http://schemas.microsoft.com/office/drawing/2014/main" xmlns="" id="{6CF8FF9D-8A98-4CFA-94C2-E2074112639C}"/>
+                <a16:creationId xmlns:a16="http://schemas.microsoft.com/office/drawing/2014/main" id="{6CF8FF9D-8A98-4CFA-94C2-E2074112639C}"/>
               </a:ext>
             </a:extLst>
           </p:cNvPr>
@@ -7032,7 +7024,7 @@
           <p:cNvPr id="6" name="Textfeld 5">
             <a:extLst>
               <a:ext uri="{FF2B5EF4-FFF2-40B4-BE49-F238E27FC236}">
-                <a16:creationId xmlns:a16="http://schemas.microsoft.com/office/drawing/2014/main" xmlns="" id="{8E05CB3E-FC8B-4C84-8452-A027AF29808D}"/>
+                <a16:creationId xmlns:a16="http://schemas.microsoft.com/office/drawing/2014/main" id="{8E05CB3E-FC8B-4C84-8452-A027AF29808D}"/>
               </a:ext>
             </a:extLst>
           </p:cNvPr>
@@ -7077,7 +7069,7 @@
           <p:cNvPr id="8" name="Textfeld 7">
             <a:extLst>
               <a:ext uri="{FF2B5EF4-FFF2-40B4-BE49-F238E27FC236}">
-                <a16:creationId xmlns:a16="http://schemas.microsoft.com/office/drawing/2014/main" xmlns="" id="{4842BEFA-10C3-45C0-8997-167BE0586DAC}"/>
+                <a16:creationId xmlns:a16="http://schemas.microsoft.com/office/drawing/2014/main" id="{4842BEFA-10C3-45C0-8997-167BE0586DAC}"/>
               </a:ext>
             </a:extLst>
           </p:cNvPr>
@@ -7220,7 +7212,7 @@
           <p:cNvPr id="3" name="Textfeld 2">
             <a:extLst>
               <a:ext uri="{FF2B5EF4-FFF2-40B4-BE49-F238E27FC236}">
-                <a16:creationId xmlns:a16="http://schemas.microsoft.com/office/drawing/2014/main" xmlns="" id="{B616C74B-1A1C-4612-8D7A-608508876D6B}"/>
+                <a16:creationId xmlns:a16="http://schemas.microsoft.com/office/drawing/2014/main" id="{B616C74B-1A1C-4612-8D7A-608508876D6B}"/>
               </a:ext>
             </a:extLst>
           </p:cNvPr>
@@ -7285,7 +7277,7 @@
           <p:cNvPr id="10" name="Foliennummernplatzhalter 9">
             <a:extLst>
               <a:ext uri="{FF2B5EF4-FFF2-40B4-BE49-F238E27FC236}">
-                <a16:creationId xmlns:a16="http://schemas.microsoft.com/office/drawing/2014/main" xmlns="" id="{D931436D-0B25-4BC2-AB85-D177B4C7ED90}"/>
+                <a16:creationId xmlns:a16="http://schemas.microsoft.com/office/drawing/2014/main" id="{D931436D-0B25-4BC2-AB85-D177B4C7ED90}"/>
               </a:ext>
             </a:extLst>
           </p:cNvPr>
@@ -7335,7 +7327,7 @@
           <p:cNvPr id="12" name="Gerader Verbinder 11">
             <a:extLst>
               <a:ext uri="{FF2B5EF4-FFF2-40B4-BE49-F238E27FC236}">
-                <a16:creationId xmlns:a16="http://schemas.microsoft.com/office/drawing/2014/main" xmlns="" id="{4A855513-E5C1-4F05-A8FD-33AC62C22A5E}"/>
+                <a16:creationId xmlns:a16="http://schemas.microsoft.com/office/drawing/2014/main" id="{4A855513-E5C1-4F05-A8FD-33AC62C22A5E}"/>
               </a:ext>
             </a:extLst>
           </p:cNvPr>
@@ -7376,7 +7368,7 @@
           <p:cNvPr id="13" name="Gerader Verbinder 12">
             <a:extLst>
               <a:ext uri="{FF2B5EF4-FFF2-40B4-BE49-F238E27FC236}">
-                <a16:creationId xmlns:a16="http://schemas.microsoft.com/office/drawing/2014/main" xmlns="" id="{F2778992-5E28-437C-AEA9-F9BBD6E6F5BB}"/>
+                <a16:creationId xmlns:a16="http://schemas.microsoft.com/office/drawing/2014/main" id="{F2778992-5E28-437C-AEA9-F9BBD6E6F5BB}"/>
               </a:ext>
             </a:extLst>
           </p:cNvPr>
@@ -7417,7 +7409,7 @@
           <p:cNvPr id="14" name="Textfeld 13">
             <a:extLst>
               <a:ext uri="{FF2B5EF4-FFF2-40B4-BE49-F238E27FC236}">
-                <a16:creationId xmlns:a16="http://schemas.microsoft.com/office/drawing/2014/main" xmlns="" id="{6CF8FF9D-8A98-4CFA-94C2-E2074112639C}"/>
+                <a16:creationId xmlns:a16="http://schemas.microsoft.com/office/drawing/2014/main" id="{6CF8FF9D-8A98-4CFA-94C2-E2074112639C}"/>
               </a:ext>
             </a:extLst>
           </p:cNvPr>
@@ -7453,7 +7445,7 @@
           <p:cNvPr id="6" name="Textfeld 5">
             <a:extLst>
               <a:ext uri="{FF2B5EF4-FFF2-40B4-BE49-F238E27FC236}">
-                <a16:creationId xmlns:a16="http://schemas.microsoft.com/office/drawing/2014/main" xmlns="" id="{8E05CB3E-FC8B-4C84-8452-A027AF29808D}"/>
+                <a16:creationId xmlns:a16="http://schemas.microsoft.com/office/drawing/2014/main" id="{8E05CB3E-FC8B-4C84-8452-A027AF29808D}"/>
               </a:ext>
             </a:extLst>
           </p:cNvPr>
@@ -7498,7 +7490,7 @@
           <p:cNvPr id="3" name="Textfeld 2">
             <a:extLst>
               <a:ext uri="{FF2B5EF4-FFF2-40B4-BE49-F238E27FC236}">
-                <a16:creationId xmlns:a16="http://schemas.microsoft.com/office/drawing/2014/main" xmlns="" id="{B616C74B-1A1C-4612-8D7A-608508876D6B}"/>
+                <a16:creationId xmlns:a16="http://schemas.microsoft.com/office/drawing/2014/main" id="{B616C74B-1A1C-4612-8D7A-608508876D6B}"/>
               </a:ext>
             </a:extLst>
           </p:cNvPr>
@@ -7533,7 +7525,7 @@
           <p:cNvPr id="4" name="Grafik 3">
             <a:extLst>
               <a:ext uri="{FF2B5EF4-FFF2-40B4-BE49-F238E27FC236}">
-                <a16:creationId xmlns:a16="http://schemas.microsoft.com/office/drawing/2014/main" xmlns="" id="{FA2D8E22-F62E-4F78-B108-253534630D75}"/>
+                <a16:creationId xmlns:a16="http://schemas.microsoft.com/office/drawing/2014/main" id="{FA2D8E22-F62E-4F78-B108-253534630D75}"/>
               </a:ext>
             </a:extLst>
           </p:cNvPr>
@@ -7593,7 +7585,7 @@
           <p:cNvPr id="10" name="Foliennummernplatzhalter 9">
             <a:extLst>
               <a:ext uri="{FF2B5EF4-FFF2-40B4-BE49-F238E27FC236}">
-                <a16:creationId xmlns:a16="http://schemas.microsoft.com/office/drawing/2014/main" xmlns="" id="{D931436D-0B25-4BC2-AB85-D177B4C7ED90}"/>
+                <a16:creationId xmlns:a16="http://schemas.microsoft.com/office/drawing/2014/main" id="{D931436D-0B25-4BC2-AB85-D177B4C7ED90}"/>
               </a:ext>
             </a:extLst>
           </p:cNvPr>
@@ -7643,7 +7635,7 @@
           <p:cNvPr id="12" name="Gerader Verbinder 11">
             <a:extLst>
               <a:ext uri="{FF2B5EF4-FFF2-40B4-BE49-F238E27FC236}">
-                <a16:creationId xmlns:a16="http://schemas.microsoft.com/office/drawing/2014/main" xmlns="" id="{4A855513-E5C1-4F05-A8FD-33AC62C22A5E}"/>
+                <a16:creationId xmlns:a16="http://schemas.microsoft.com/office/drawing/2014/main" id="{4A855513-E5C1-4F05-A8FD-33AC62C22A5E}"/>
               </a:ext>
             </a:extLst>
           </p:cNvPr>
@@ -7684,7 +7676,7 @@
           <p:cNvPr id="13" name="Gerader Verbinder 12">
             <a:extLst>
               <a:ext uri="{FF2B5EF4-FFF2-40B4-BE49-F238E27FC236}">
-                <a16:creationId xmlns:a16="http://schemas.microsoft.com/office/drawing/2014/main" xmlns="" id="{F2778992-5E28-437C-AEA9-F9BBD6E6F5BB}"/>
+                <a16:creationId xmlns:a16="http://schemas.microsoft.com/office/drawing/2014/main" id="{F2778992-5E28-437C-AEA9-F9BBD6E6F5BB}"/>
               </a:ext>
             </a:extLst>
           </p:cNvPr>
@@ -7725,7 +7717,7 @@
           <p:cNvPr id="14" name="Textfeld 13">
             <a:extLst>
               <a:ext uri="{FF2B5EF4-FFF2-40B4-BE49-F238E27FC236}">
-                <a16:creationId xmlns:a16="http://schemas.microsoft.com/office/drawing/2014/main" xmlns="" id="{6CF8FF9D-8A98-4CFA-94C2-E2074112639C}"/>
+                <a16:creationId xmlns:a16="http://schemas.microsoft.com/office/drawing/2014/main" id="{6CF8FF9D-8A98-4CFA-94C2-E2074112639C}"/>
               </a:ext>
             </a:extLst>
           </p:cNvPr>
@@ -7761,7 +7753,7 @@
           <p:cNvPr id="6" name="Textfeld 5">
             <a:extLst>
               <a:ext uri="{FF2B5EF4-FFF2-40B4-BE49-F238E27FC236}">
-                <a16:creationId xmlns:a16="http://schemas.microsoft.com/office/drawing/2014/main" xmlns="" id="{8E05CB3E-FC8B-4C84-8452-A027AF29808D}"/>
+                <a16:creationId xmlns:a16="http://schemas.microsoft.com/office/drawing/2014/main" id="{8E05CB3E-FC8B-4C84-8452-A027AF29808D}"/>
               </a:ext>
             </a:extLst>
           </p:cNvPr>
@@ -7806,7 +7798,7 @@
           <p:cNvPr id="3" name="Textfeld 2">
             <a:extLst>
               <a:ext uri="{FF2B5EF4-FFF2-40B4-BE49-F238E27FC236}">
-                <a16:creationId xmlns:a16="http://schemas.microsoft.com/office/drawing/2014/main" xmlns="" id="{B616C74B-1A1C-4612-8D7A-608508876D6B}"/>
+                <a16:creationId xmlns:a16="http://schemas.microsoft.com/office/drawing/2014/main" id="{B616C74B-1A1C-4612-8D7A-608508876D6B}"/>
               </a:ext>
             </a:extLst>
           </p:cNvPr>
@@ -7841,7 +7833,7 @@
           <p:cNvPr id="15" name="Textfeld 14">
             <a:extLst>
               <a:ext uri="{FF2B5EF4-FFF2-40B4-BE49-F238E27FC236}">
-                <a16:creationId xmlns:a16="http://schemas.microsoft.com/office/drawing/2014/main" xmlns="" id="{79F52149-1009-4870-BA4B-79BC8D3BBE17}"/>
+                <a16:creationId xmlns:a16="http://schemas.microsoft.com/office/drawing/2014/main" id="{79F52149-1009-4870-BA4B-79BC8D3BBE17}"/>
               </a:ext>
             </a:extLst>
           </p:cNvPr>
@@ -8802,7 +8794,7 @@
           <p:cNvPr id="10" name="Foliennummernplatzhalter 9">
             <a:extLst>
               <a:ext uri="{FF2B5EF4-FFF2-40B4-BE49-F238E27FC236}">
-                <a16:creationId xmlns:a16="http://schemas.microsoft.com/office/drawing/2014/main" xmlns="" id="{D931436D-0B25-4BC2-AB85-D177B4C7ED90}"/>
+                <a16:creationId xmlns:a16="http://schemas.microsoft.com/office/drawing/2014/main" id="{D931436D-0B25-4BC2-AB85-D177B4C7ED90}"/>
               </a:ext>
             </a:extLst>
           </p:cNvPr>
@@ -8852,7 +8844,7 @@
           <p:cNvPr id="12" name="Gerader Verbinder 11">
             <a:extLst>
               <a:ext uri="{FF2B5EF4-FFF2-40B4-BE49-F238E27FC236}">
-                <a16:creationId xmlns:a16="http://schemas.microsoft.com/office/drawing/2014/main" xmlns="" id="{4A855513-E5C1-4F05-A8FD-33AC62C22A5E}"/>
+                <a16:creationId xmlns:a16="http://schemas.microsoft.com/office/drawing/2014/main" id="{4A855513-E5C1-4F05-A8FD-33AC62C22A5E}"/>
               </a:ext>
             </a:extLst>
           </p:cNvPr>
@@ -8893,7 +8885,7 @@
           <p:cNvPr id="13" name="Gerader Verbinder 12">
             <a:extLst>
               <a:ext uri="{FF2B5EF4-FFF2-40B4-BE49-F238E27FC236}">
-                <a16:creationId xmlns:a16="http://schemas.microsoft.com/office/drawing/2014/main" xmlns="" id="{F2778992-5E28-437C-AEA9-F9BBD6E6F5BB}"/>
+                <a16:creationId xmlns:a16="http://schemas.microsoft.com/office/drawing/2014/main" id="{F2778992-5E28-437C-AEA9-F9BBD6E6F5BB}"/>
               </a:ext>
             </a:extLst>
           </p:cNvPr>
@@ -8934,7 +8926,7 @@
           <p:cNvPr id="14" name="Textfeld 13">
             <a:extLst>
               <a:ext uri="{FF2B5EF4-FFF2-40B4-BE49-F238E27FC236}">
-                <a16:creationId xmlns:a16="http://schemas.microsoft.com/office/drawing/2014/main" xmlns="" id="{6CF8FF9D-8A98-4CFA-94C2-E2074112639C}"/>
+                <a16:creationId xmlns:a16="http://schemas.microsoft.com/office/drawing/2014/main" id="{6CF8FF9D-8A98-4CFA-94C2-E2074112639C}"/>
               </a:ext>
             </a:extLst>
           </p:cNvPr>
@@ -8970,7 +8962,7 @@
           <p:cNvPr id="6" name="Textfeld 5">
             <a:extLst>
               <a:ext uri="{FF2B5EF4-FFF2-40B4-BE49-F238E27FC236}">
-                <a16:creationId xmlns:a16="http://schemas.microsoft.com/office/drawing/2014/main" xmlns="" id="{8E05CB3E-FC8B-4C84-8452-A027AF29808D}"/>
+                <a16:creationId xmlns:a16="http://schemas.microsoft.com/office/drawing/2014/main" id="{8E05CB3E-FC8B-4C84-8452-A027AF29808D}"/>
               </a:ext>
             </a:extLst>
           </p:cNvPr>
@@ -9015,7 +9007,7 @@
           <p:cNvPr id="3" name="Textfeld 2">
             <a:extLst>
               <a:ext uri="{FF2B5EF4-FFF2-40B4-BE49-F238E27FC236}">
-                <a16:creationId xmlns:a16="http://schemas.microsoft.com/office/drawing/2014/main" xmlns="" id="{B616C74B-1A1C-4612-8D7A-608508876D6B}"/>
+                <a16:creationId xmlns:a16="http://schemas.microsoft.com/office/drawing/2014/main" id="{B616C74B-1A1C-4612-8D7A-608508876D6B}"/>
               </a:ext>
             </a:extLst>
           </p:cNvPr>
@@ -9050,7 +9042,7 @@
           <p:cNvPr id="15" name="Textfeld 14">
             <a:extLst>
               <a:ext uri="{FF2B5EF4-FFF2-40B4-BE49-F238E27FC236}">
-                <a16:creationId xmlns:a16="http://schemas.microsoft.com/office/drawing/2014/main" xmlns="" id="{79F52149-1009-4870-BA4B-79BC8D3BBE17}"/>
+                <a16:creationId xmlns:a16="http://schemas.microsoft.com/office/drawing/2014/main" id="{79F52149-1009-4870-BA4B-79BC8D3BBE17}"/>
               </a:ext>
             </a:extLst>
           </p:cNvPr>
@@ -9489,7 +9481,7 @@
           <p:cNvPr id="10" name="Foliennummernplatzhalter 9">
             <a:extLst>
               <a:ext uri="{FF2B5EF4-FFF2-40B4-BE49-F238E27FC236}">
-                <a16:creationId xmlns:a16="http://schemas.microsoft.com/office/drawing/2014/main" xmlns="" id="{D931436D-0B25-4BC2-AB85-D177B4C7ED90}"/>
+                <a16:creationId xmlns:a16="http://schemas.microsoft.com/office/drawing/2014/main" id="{D931436D-0B25-4BC2-AB85-D177B4C7ED90}"/>
               </a:ext>
             </a:extLst>
           </p:cNvPr>
@@ -9539,7 +9531,7 @@
           <p:cNvPr id="12" name="Gerader Verbinder 11">
             <a:extLst>
               <a:ext uri="{FF2B5EF4-FFF2-40B4-BE49-F238E27FC236}">
-                <a16:creationId xmlns:a16="http://schemas.microsoft.com/office/drawing/2014/main" xmlns="" id="{4A855513-E5C1-4F05-A8FD-33AC62C22A5E}"/>
+                <a16:creationId xmlns:a16="http://schemas.microsoft.com/office/drawing/2014/main" id="{4A855513-E5C1-4F05-A8FD-33AC62C22A5E}"/>
               </a:ext>
             </a:extLst>
           </p:cNvPr>
@@ -9580,7 +9572,7 @@
           <p:cNvPr id="13" name="Gerader Verbinder 12">
             <a:extLst>
               <a:ext uri="{FF2B5EF4-FFF2-40B4-BE49-F238E27FC236}">
-                <a16:creationId xmlns:a16="http://schemas.microsoft.com/office/drawing/2014/main" xmlns="" id="{F2778992-5E28-437C-AEA9-F9BBD6E6F5BB}"/>
+                <a16:creationId xmlns:a16="http://schemas.microsoft.com/office/drawing/2014/main" id="{F2778992-5E28-437C-AEA9-F9BBD6E6F5BB}"/>
               </a:ext>
             </a:extLst>
           </p:cNvPr>
@@ -9621,7 +9613,7 @@
           <p:cNvPr id="14" name="Textfeld 13">
             <a:extLst>
               <a:ext uri="{FF2B5EF4-FFF2-40B4-BE49-F238E27FC236}">
-                <a16:creationId xmlns:a16="http://schemas.microsoft.com/office/drawing/2014/main" xmlns="" id="{6CF8FF9D-8A98-4CFA-94C2-E2074112639C}"/>
+                <a16:creationId xmlns:a16="http://schemas.microsoft.com/office/drawing/2014/main" id="{6CF8FF9D-8A98-4CFA-94C2-E2074112639C}"/>
               </a:ext>
             </a:extLst>
           </p:cNvPr>
@@ -9687,7 +9679,7 @@
           <p:cNvPr id="8" name="Textfeld 7">
             <a:extLst>
               <a:ext uri="{FF2B5EF4-FFF2-40B4-BE49-F238E27FC236}">
-                <a16:creationId xmlns:a16="http://schemas.microsoft.com/office/drawing/2014/main" xmlns="" id="{8E05CB3E-FC8B-4C84-8452-A027AF29808D}"/>
+                <a16:creationId xmlns:a16="http://schemas.microsoft.com/office/drawing/2014/main" id="{8E05CB3E-FC8B-4C84-8452-A027AF29808D}"/>
               </a:ext>
             </a:extLst>
           </p:cNvPr>
@@ -9812,7 +9804,7 @@
           <p:cNvPr id="10" name="Foliennummernplatzhalter 9">
             <a:extLst>
               <a:ext uri="{FF2B5EF4-FFF2-40B4-BE49-F238E27FC236}">
-                <a16:creationId xmlns:a16="http://schemas.microsoft.com/office/drawing/2014/main" xmlns="" id="{D931436D-0B25-4BC2-AB85-D177B4C7ED90}"/>
+                <a16:creationId xmlns:a16="http://schemas.microsoft.com/office/drawing/2014/main" id="{D931436D-0B25-4BC2-AB85-D177B4C7ED90}"/>
               </a:ext>
             </a:extLst>
           </p:cNvPr>
@@ -9862,7 +9854,7 @@
           <p:cNvPr id="12" name="Gerader Verbinder 11">
             <a:extLst>
               <a:ext uri="{FF2B5EF4-FFF2-40B4-BE49-F238E27FC236}">
-                <a16:creationId xmlns:a16="http://schemas.microsoft.com/office/drawing/2014/main" xmlns="" id="{4A855513-E5C1-4F05-A8FD-33AC62C22A5E}"/>
+                <a16:creationId xmlns:a16="http://schemas.microsoft.com/office/drawing/2014/main" id="{4A855513-E5C1-4F05-A8FD-33AC62C22A5E}"/>
               </a:ext>
             </a:extLst>
           </p:cNvPr>
@@ -9903,7 +9895,7 @@
           <p:cNvPr id="13" name="Gerader Verbinder 12">
             <a:extLst>
               <a:ext uri="{FF2B5EF4-FFF2-40B4-BE49-F238E27FC236}">
-                <a16:creationId xmlns:a16="http://schemas.microsoft.com/office/drawing/2014/main" xmlns="" id="{F2778992-5E28-437C-AEA9-F9BBD6E6F5BB}"/>
+                <a16:creationId xmlns:a16="http://schemas.microsoft.com/office/drawing/2014/main" id="{F2778992-5E28-437C-AEA9-F9BBD6E6F5BB}"/>
               </a:ext>
             </a:extLst>
           </p:cNvPr>
@@ -9944,7 +9936,7 @@
           <p:cNvPr id="14" name="Textfeld 13">
             <a:extLst>
               <a:ext uri="{FF2B5EF4-FFF2-40B4-BE49-F238E27FC236}">
-                <a16:creationId xmlns:a16="http://schemas.microsoft.com/office/drawing/2014/main" xmlns="" id="{6CF8FF9D-8A98-4CFA-94C2-E2074112639C}"/>
+                <a16:creationId xmlns:a16="http://schemas.microsoft.com/office/drawing/2014/main" id="{6CF8FF9D-8A98-4CFA-94C2-E2074112639C}"/>
               </a:ext>
             </a:extLst>
           </p:cNvPr>
@@ -9980,7 +9972,7 @@
           <p:cNvPr id="6" name="Textfeld 5">
             <a:extLst>
               <a:ext uri="{FF2B5EF4-FFF2-40B4-BE49-F238E27FC236}">
-                <a16:creationId xmlns:a16="http://schemas.microsoft.com/office/drawing/2014/main" xmlns="" id="{8E05CB3E-FC8B-4C84-8452-A027AF29808D}"/>
+                <a16:creationId xmlns:a16="http://schemas.microsoft.com/office/drawing/2014/main" id="{8E05CB3E-FC8B-4C84-8452-A027AF29808D}"/>
               </a:ext>
             </a:extLst>
           </p:cNvPr>
@@ -10078,28 +10070,28 @@
                 <a:gridCol w="1089020">
                   <a:extLst>
                     <a:ext uri="{9D8B030D-6E8A-4147-A177-3AD203B41FA5}">
-                      <a16:colId xmlns:a16="http://schemas.microsoft.com/office/drawing/2014/main" xmlns="" val="20000"/>
+                      <a16:colId xmlns:a16="http://schemas.microsoft.com/office/drawing/2014/main" val="20000"/>
                     </a:ext>
                   </a:extLst>
                 </a:gridCol>
                 <a:gridCol w="996778">
                   <a:extLst>
                     <a:ext uri="{9D8B030D-6E8A-4147-A177-3AD203B41FA5}">
-                      <a16:colId xmlns:a16="http://schemas.microsoft.com/office/drawing/2014/main" xmlns="" val="20001"/>
+                      <a16:colId xmlns:a16="http://schemas.microsoft.com/office/drawing/2014/main" val="20001"/>
                     </a:ext>
                   </a:extLst>
                 </a:gridCol>
                 <a:gridCol w="2075935">
                   <a:extLst>
                     <a:ext uri="{9D8B030D-6E8A-4147-A177-3AD203B41FA5}">
-                      <a16:colId xmlns:a16="http://schemas.microsoft.com/office/drawing/2014/main" xmlns="" val="20002"/>
+                      <a16:colId xmlns:a16="http://schemas.microsoft.com/office/drawing/2014/main" val="20002"/>
                     </a:ext>
                   </a:extLst>
                 </a:gridCol>
                 <a:gridCol w="2314833">
                   <a:extLst>
                     <a:ext uri="{9D8B030D-6E8A-4147-A177-3AD203B41FA5}">
-                      <a16:colId xmlns:a16="http://schemas.microsoft.com/office/drawing/2014/main" xmlns="" val="20003"/>
+                      <a16:colId xmlns:a16="http://schemas.microsoft.com/office/drawing/2014/main" val="20003"/>
                     </a:ext>
                   </a:extLst>
                 </a:gridCol>
@@ -10235,7 +10227,7 @@
                 </a:tc>
                 <a:extLst>
                   <a:ext uri="{0D108BD9-81ED-4DB2-BD59-A6C34878D82A}">
-                    <a16:rowId xmlns:a16="http://schemas.microsoft.com/office/drawing/2014/main" xmlns="" val="10000"/>
+                    <a16:rowId xmlns:a16="http://schemas.microsoft.com/office/drawing/2014/main" val="10000"/>
                   </a:ext>
                 </a:extLst>
               </a:tr>
@@ -10389,7 +10381,7 @@
                 </a:tc>
                 <a:extLst>
                   <a:ext uri="{0D108BD9-81ED-4DB2-BD59-A6C34878D82A}">
-                    <a16:rowId xmlns:a16="http://schemas.microsoft.com/office/drawing/2014/main" xmlns="" val="10001"/>
+                    <a16:rowId xmlns:a16="http://schemas.microsoft.com/office/drawing/2014/main" val="10001"/>
                   </a:ext>
                 </a:extLst>
               </a:tr>
@@ -10512,7 +10504,7 @@
                 </a:tc>
                 <a:extLst>
                   <a:ext uri="{0D108BD9-81ED-4DB2-BD59-A6C34878D82A}">
-                    <a16:rowId xmlns:a16="http://schemas.microsoft.com/office/drawing/2014/main" xmlns="" val="10002"/>
+                    <a16:rowId xmlns:a16="http://schemas.microsoft.com/office/drawing/2014/main" val="10002"/>
                   </a:ext>
                 </a:extLst>
               </a:tr>
@@ -10648,7 +10640,7 @@
                 </a:tc>
                 <a:extLst>
                   <a:ext uri="{0D108BD9-81ED-4DB2-BD59-A6C34878D82A}">
-                    <a16:rowId xmlns:a16="http://schemas.microsoft.com/office/drawing/2014/main" xmlns="" val="10003"/>
+                    <a16:rowId xmlns:a16="http://schemas.microsoft.com/office/drawing/2014/main" val="10003"/>
                   </a:ext>
                 </a:extLst>
               </a:tr>
@@ -10829,7 +10821,7 @@
                 </a:tc>
                 <a:extLst>
                   <a:ext uri="{0D108BD9-81ED-4DB2-BD59-A6C34878D82A}">
-                    <a16:rowId xmlns:a16="http://schemas.microsoft.com/office/drawing/2014/main" xmlns="" val="10004"/>
+                    <a16:rowId xmlns:a16="http://schemas.microsoft.com/office/drawing/2014/main" val="10004"/>
                   </a:ext>
                 </a:extLst>
               </a:tr>
@@ -10872,7 +10864,7 @@
           <p:cNvPr id="10" name="Foliennummernplatzhalter 9">
             <a:extLst>
               <a:ext uri="{FF2B5EF4-FFF2-40B4-BE49-F238E27FC236}">
-                <a16:creationId xmlns:a16="http://schemas.microsoft.com/office/drawing/2014/main" xmlns="" id="{D931436D-0B25-4BC2-AB85-D177B4C7ED90}"/>
+                <a16:creationId xmlns:a16="http://schemas.microsoft.com/office/drawing/2014/main" id="{D931436D-0B25-4BC2-AB85-D177B4C7ED90}"/>
               </a:ext>
             </a:extLst>
           </p:cNvPr>
@@ -10922,7 +10914,7 @@
           <p:cNvPr id="12" name="Gerader Verbinder 11">
             <a:extLst>
               <a:ext uri="{FF2B5EF4-FFF2-40B4-BE49-F238E27FC236}">
-                <a16:creationId xmlns:a16="http://schemas.microsoft.com/office/drawing/2014/main" xmlns="" id="{4A855513-E5C1-4F05-A8FD-33AC62C22A5E}"/>
+                <a16:creationId xmlns:a16="http://schemas.microsoft.com/office/drawing/2014/main" id="{4A855513-E5C1-4F05-A8FD-33AC62C22A5E}"/>
               </a:ext>
             </a:extLst>
           </p:cNvPr>
@@ -10963,7 +10955,7 @@
           <p:cNvPr id="13" name="Gerader Verbinder 12">
             <a:extLst>
               <a:ext uri="{FF2B5EF4-FFF2-40B4-BE49-F238E27FC236}">
-                <a16:creationId xmlns:a16="http://schemas.microsoft.com/office/drawing/2014/main" xmlns="" id="{F2778992-5E28-437C-AEA9-F9BBD6E6F5BB}"/>
+                <a16:creationId xmlns:a16="http://schemas.microsoft.com/office/drawing/2014/main" id="{F2778992-5E28-437C-AEA9-F9BBD6E6F5BB}"/>
               </a:ext>
             </a:extLst>
           </p:cNvPr>
@@ -11004,7 +10996,7 @@
           <p:cNvPr id="14" name="Textfeld 13">
             <a:extLst>
               <a:ext uri="{FF2B5EF4-FFF2-40B4-BE49-F238E27FC236}">
-                <a16:creationId xmlns:a16="http://schemas.microsoft.com/office/drawing/2014/main" xmlns="" id="{6CF8FF9D-8A98-4CFA-94C2-E2074112639C}"/>
+                <a16:creationId xmlns:a16="http://schemas.microsoft.com/office/drawing/2014/main" id="{6CF8FF9D-8A98-4CFA-94C2-E2074112639C}"/>
               </a:ext>
             </a:extLst>
           </p:cNvPr>
@@ -11040,7 +11032,7 @@
           <p:cNvPr id="15" name="Textfeld 14">
             <a:extLst>
               <a:ext uri="{FF2B5EF4-FFF2-40B4-BE49-F238E27FC236}">
-                <a16:creationId xmlns:a16="http://schemas.microsoft.com/office/drawing/2014/main" xmlns="" id="{DD417980-0DD8-4DD7-BE87-C974912B8B82}"/>
+                <a16:creationId xmlns:a16="http://schemas.microsoft.com/office/drawing/2014/main" id="{DD417980-0DD8-4DD7-BE87-C974912B8B82}"/>
               </a:ext>
             </a:extLst>
           </p:cNvPr>
@@ -11075,7 +11067,7 @@
           <p:cNvPr id="17" name="Textfeld 16">
             <a:extLst>
               <a:ext uri="{FF2B5EF4-FFF2-40B4-BE49-F238E27FC236}">
-                <a16:creationId xmlns:a16="http://schemas.microsoft.com/office/drawing/2014/main" xmlns="" id="{BCB027A4-8BDB-4515-B3E5-91B6A22A1E00}"/>
+                <a16:creationId xmlns:a16="http://schemas.microsoft.com/office/drawing/2014/main" id="{BCB027A4-8BDB-4515-B3E5-91B6A22A1E00}"/>
               </a:ext>
             </a:extLst>
           </p:cNvPr>
@@ -11164,7 +11156,7 @@
           <p:cNvPr id="19" name="Textfeld 18">
             <a:extLst>
               <a:ext uri="{FF2B5EF4-FFF2-40B4-BE49-F238E27FC236}">
-                <a16:creationId xmlns:a16="http://schemas.microsoft.com/office/drawing/2014/main" xmlns="" id="{C814F180-BEAD-4EF5-9E52-0A793EAC896B}"/>
+                <a16:creationId xmlns:a16="http://schemas.microsoft.com/office/drawing/2014/main" id="{C814F180-BEAD-4EF5-9E52-0A793EAC896B}"/>
               </a:ext>
             </a:extLst>
           </p:cNvPr>
@@ -11204,7 +11196,7 @@
           <p:cNvPr id="21" name="Textfeld 20">
             <a:extLst>
               <a:ext uri="{FF2B5EF4-FFF2-40B4-BE49-F238E27FC236}">
-                <a16:creationId xmlns:a16="http://schemas.microsoft.com/office/drawing/2014/main" xmlns="" id="{57069215-89D3-4945-A74E-2B00B8E15F6C}"/>
+                <a16:creationId xmlns:a16="http://schemas.microsoft.com/office/drawing/2014/main" id="{57069215-89D3-4945-A74E-2B00B8E15F6C}"/>
               </a:ext>
             </a:extLst>
           </p:cNvPr>
@@ -11369,7 +11361,7 @@
           <p:cNvPr id="10" name="Foliennummernplatzhalter 9">
             <a:extLst>
               <a:ext uri="{FF2B5EF4-FFF2-40B4-BE49-F238E27FC236}">
-                <a16:creationId xmlns:a16="http://schemas.microsoft.com/office/drawing/2014/main" xmlns="" id="{D931436D-0B25-4BC2-AB85-D177B4C7ED90}"/>
+                <a16:creationId xmlns:a16="http://schemas.microsoft.com/office/drawing/2014/main" id="{D931436D-0B25-4BC2-AB85-D177B4C7ED90}"/>
               </a:ext>
             </a:extLst>
           </p:cNvPr>
@@ -11419,7 +11411,7 @@
           <p:cNvPr id="12" name="Gerader Verbinder 11">
             <a:extLst>
               <a:ext uri="{FF2B5EF4-FFF2-40B4-BE49-F238E27FC236}">
-                <a16:creationId xmlns:a16="http://schemas.microsoft.com/office/drawing/2014/main" xmlns="" id="{4A855513-E5C1-4F05-A8FD-33AC62C22A5E}"/>
+                <a16:creationId xmlns:a16="http://schemas.microsoft.com/office/drawing/2014/main" id="{4A855513-E5C1-4F05-A8FD-33AC62C22A5E}"/>
               </a:ext>
             </a:extLst>
           </p:cNvPr>
@@ -11460,7 +11452,7 @@
           <p:cNvPr id="13" name="Gerader Verbinder 12">
             <a:extLst>
               <a:ext uri="{FF2B5EF4-FFF2-40B4-BE49-F238E27FC236}">
-                <a16:creationId xmlns:a16="http://schemas.microsoft.com/office/drawing/2014/main" xmlns="" id="{F2778992-5E28-437C-AEA9-F9BBD6E6F5BB}"/>
+                <a16:creationId xmlns:a16="http://schemas.microsoft.com/office/drawing/2014/main" id="{F2778992-5E28-437C-AEA9-F9BBD6E6F5BB}"/>
               </a:ext>
             </a:extLst>
           </p:cNvPr>
@@ -11501,7 +11493,7 @@
           <p:cNvPr id="14" name="Textfeld 13">
             <a:extLst>
               <a:ext uri="{FF2B5EF4-FFF2-40B4-BE49-F238E27FC236}">
-                <a16:creationId xmlns:a16="http://schemas.microsoft.com/office/drawing/2014/main" xmlns="" id="{6CF8FF9D-8A98-4CFA-94C2-E2074112639C}"/>
+                <a16:creationId xmlns:a16="http://schemas.microsoft.com/office/drawing/2014/main" id="{6CF8FF9D-8A98-4CFA-94C2-E2074112639C}"/>
               </a:ext>
             </a:extLst>
           </p:cNvPr>
@@ -11567,7 +11559,7 @@
           <p:cNvPr id="8" name="Textfeld 7">
             <a:extLst>
               <a:ext uri="{FF2B5EF4-FFF2-40B4-BE49-F238E27FC236}">
-                <a16:creationId xmlns:a16="http://schemas.microsoft.com/office/drawing/2014/main" xmlns="" id="{8E05CB3E-FC8B-4C84-8452-A027AF29808D}"/>
+                <a16:creationId xmlns:a16="http://schemas.microsoft.com/office/drawing/2014/main" id="{8E05CB3E-FC8B-4C84-8452-A027AF29808D}"/>
               </a:ext>
             </a:extLst>
           </p:cNvPr>
@@ -11633,10 +11625,6 @@
               <a:rPr lang="de-DE" dirty="0"/>
               <a:t>Daten werden in einer Liste gespeichert, der älteste Wert wird hier entnommen. First in First out </a:t>
             </a:r>
-            <a:r>
-              <a:rPr lang="de-DE" dirty="0"/>
-              <a:t/>
-            </a:r>
             <a:br>
               <a:rPr lang="de-DE" dirty="0"/>
             </a:br>
@@ -11644,34 +11632,12 @@
               <a:rPr lang="de-DE" dirty="0"/>
               <a:t>(FIFO). Da Daten von Vorne entnommen werden entsteht ungenutzter Speicher. </a:t>
             </a:r>
-            <a:endParaRPr lang="de-DE" dirty="0" smtClean="0"/>
-          </a:p>
-          <a:p>
-            <a:r>
-              <a:rPr lang="de-DE" dirty="0" smtClean="0"/>
-              <a:t>Hier </a:t>
-            </a:r>
+          </a:p>
+          <a:p>
             <a:r>
               <a:rPr lang="de-DE" dirty="0"/>
-              <a:t>ist zu Achten, </a:t>
-            </a:r>
-            <a:r>
-              <a:rPr lang="de-DE" dirty="0" smtClean="0"/>
-              <a:t>dass </a:t>
-            </a:r>
-            <a:r>
-              <a:rPr lang="de-DE" dirty="0"/>
-              <a:t>dieser Speicher möglichst freigegeben wird, natürlich ist eine umbauen des Speichers bei jedem </a:t>
-            </a:r>
-            <a:r>
-              <a:rPr lang="de-DE" dirty="0" smtClean="0"/>
-              <a:t>Zugriff </a:t>
-            </a:r>
-            <a:r>
-              <a:rPr lang="de-DE" dirty="0"/>
-              <a:t>nicht unbedingt Sinnvoll.</a:t>
-            </a:r>
-            <a:endParaRPr lang="de-DE" dirty="0"/>
+              <a:t>Hier ist zu Achten, dass dieser Speicher möglichst freigegeben wird, natürlich ist eine umbauen des Speichers bei jedem Zugriff nicht unbedingt Sinnvoll.</a:t>
+            </a:r>
           </a:p>
         </p:txBody>
       </p:sp>
@@ -11710,7 +11676,7 @@
           <p:cNvPr id="10" name="Foliennummernplatzhalter 9">
             <a:extLst>
               <a:ext uri="{FF2B5EF4-FFF2-40B4-BE49-F238E27FC236}">
-                <a16:creationId xmlns:a16="http://schemas.microsoft.com/office/drawing/2014/main" xmlns="" id="{D931436D-0B25-4BC2-AB85-D177B4C7ED90}"/>
+                <a16:creationId xmlns:a16="http://schemas.microsoft.com/office/drawing/2014/main" id="{D931436D-0B25-4BC2-AB85-D177B4C7ED90}"/>
               </a:ext>
             </a:extLst>
           </p:cNvPr>
@@ -11760,7 +11726,7 @@
           <p:cNvPr id="12" name="Gerader Verbinder 11">
             <a:extLst>
               <a:ext uri="{FF2B5EF4-FFF2-40B4-BE49-F238E27FC236}">
-                <a16:creationId xmlns:a16="http://schemas.microsoft.com/office/drawing/2014/main" xmlns="" id="{4A855513-E5C1-4F05-A8FD-33AC62C22A5E}"/>
+                <a16:creationId xmlns:a16="http://schemas.microsoft.com/office/drawing/2014/main" id="{4A855513-E5C1-4F05-A8FD-33AC62C22A5E}"/>
               </a:ext>
             </a:extLst>
           </p:cNvPr>
@@ -11801,7 +11767,7 @@
           <p:cNvPr id="13" name="Gerader Verbinder 12">
             <a:extLst>
               <a:ext uri="{FF2B5EF4-FFF2-40B4-BE49-F238E27FC236}">
-                <a16:creationId xmlns:a16="http://schemas.microsoft.com/office/drawing/2014/main" xmlns="" id="{F2778992-5E28-437C-AEA9-F9BBD6E6F5BB}"/>
+                <a16:creationId xmlns:a16="http://schemas.microsoft.com/office/drawing/2014/main" id="{F2778992-5E28-437C-AEA9-F9BBD6E6F5BB}"/>
               </a:ext>
             </a:extLst>
           </p:cNvPr>
@@ -11842,7 +11808,7 @@
           <p:cNvPr id="14" name="Textfeld 13">
             <a:extLst>
               <a:ext uri="{FF2B5EF4-FFF2-40B4-BE49-F238E27FC236}">
-                <a16:creationId xmlns:a16="http://schemas.microsoft.com/office/drawing/2014/main" xmlns="" id="{6CF8FF9D-8A98-4CFA-94C2-E2074112639C}"/>
+                <a16:creationId xmlns:a16="http://schemas.microsoft.com/office/drawing/2014/main" id="{6CF8FF9D-8A98-4CFA-94C2-E2074112639C}"/>
               </a:ext>
             </a:extLst>
           </p:cNvPr>
@@ -11878,7 +11844,7 @@
           <p:cNvPr id="8" name="Textfeld 7">
             <a:extLst>
               <a:ext uri="{FF2B5EF4-FFF2-40B4-BE49-F238E27FC236}">
-                <a16:creationId xmlns:a16="http://schemas.microsoft.com/office/drawing/2014/main" xmlns="" id="{8E05CB3E-FC8B-4C84-8452-A027AF29808D}"/>
+                <a16:creationId xmlns:a16="http://schemas.microsoft.com/office/drawing/2014/main" id="{8E05CB3E-FC8B-4C84-8452-A027AF29808D}"/>
               </a:ext>
             </a:extLst>
           </p:cNvPr>
@@ -11976,28 +11942,28 @@
                 <a:gridCol w="1089020">
                   <a:extLst>
                     <a:ext uri="{9D8B030D-6E8A-4147-A177-3AD203B41FA5}">
-                      <a16:colId xmlns:a16="http://schemas.microsoft.com/office/drawing/2014/main" xmlns="" val="20000"/>
+                      <a16:colId xmlns:a16="http://schemas.microsoft.com/office/drawing/2014/main" val="20000"/>
                     </a:ext>
                   </a:extLst>
                 </a:gridCol>
                 <a:gridCol w="996778">
                   <a:extLst>
                     <a:ext uri="{9D8B030D-6E8A-4147-A177-3AD203B41FA5}">
-                      <a16:colId xmlns:a16="http://schemas.microsoft.com/office/drawing/2014/main" xmlns="" val="20001"/>
+                      <a16:colId xmlns:a16="http://schemas.microsoft.com/office/drawing/2014/main" val="20001"/>
                     </a:ext>
                   </a:extLst>
                 </a:gridCol>
                 <a:gridCol w="2075935">
                   <a:extLst>
                     <a:ext uri="{9D8B030D-6E8A-4147-A177-3AD203B41FA5}">
-                      <a16:colId xmlns:a16="http://schemas.microsoft.com/office/drawing/2014/main" xmlns="" val="20002"/>
+                      <a16:colId xmlns:a16="http://schemas.microsoft.com/office/drawing/2014/main" val="20002"/>
                     </a:ext>
                   </a:extLst>
                 </a:gridCol>
                 <a:gridCol w="2314833">
                   <a:extLst>
                     <a:ext uri="{9D8B030D-6E8A-4147-A177-3AD203B41FA5}">
-                      <a16:colId xmlns:a16="http://schemas.microsoft.com/office/drawing/2014/main" xmlns="" val="20003"/>
+                      <a16:colId xmlns:a16="http://schemas.microsoft.com/office/drawing/2014/main" val="20003"/>
                     </a:ext>
                   </a:extLst>
                 </a:gridCol>
@@ -12133,7 +12099,7 @@
                 </a:tc>
                 <a:extLst>
                   <a:ext uri="{0D108BD9-81ED-4DB2-BD59-A6C34878D82A}">
-                    <a16:rowId xmlns:a16="http://schemas.microsoft.com/office/drawing/2014/main" xmlns="" val="10000"/>
+                    <a16:rowId xmlns:a16="http://schemas.microsoft.com/office/drawing/2014/main" val="10000"/>
                   </a:ext>
                 </a:extLst>
               </a:tr>
@@ -12314,7 +12280,7 @@
                 </a:tc>
                 <a:extLst>
                   <a:ext uri="{0D108BD9-81ED-4DB2-BD59-A6C34878D82A}">
-                    <a16:rowId xmlns:a16="http://schemas.microsoft.com/office/drawing/2014/main" xmlns="" val="10001"/>
+                    <a16:rowId xmlns:a16="http://schemas.microsoft.com/office/drawing/2014/main" val="10001"/>
                   </a:ext>
                 </a:extLst>
               </a:tr>
@@ -12431,7 +12397,7 @@
                 </a:tc>
                 <a:extLst>
                   <a:ext uri="{0D108BD9-81ED-4DB2-BD59-A6C34878D82A}">
-                    <a16:rowId xmlns:a16="http://schemas.microsoft.com/office/drawing/2014/main" xmlns="" val="10002"/>
+                    <a16:rowId xmlns:a16="http://schemas.microsoft.com/office/drawing/2014/main" val="10002"/>
                   </a:ext>
                 </a:extLst>
               </a:tr>
@@ -12567,7 +12533,7 @@
                 </a:tc>
                 <a:extLst>
                   <a:ext uri="{0D108BD9-81ED-4DB2-BD59-A6C34878D82A}">
-                    <a16:rowId xmlns:a16="http://schemas.microsoft.com/office/drawing/2014/main" xmlns="" val="10003"/>
+                    <a16:rowId xmlns:a16="http://schemas.microsoft.com/office/drawing/2014/main" val="10003"/>
                   </a:ext>
                 </a:extLst>
               </a:tr>
@@ -12703,7 +12669,7 @@
                 </a:tc>
                 <a:extLst>
                   <a:ext uri="{0D108BD9-81ED-4DB2-BD59-A6C34878D82A}">
-                    <a16:rowId xmlns:a16="http://schemas.microsoft.com/office/drawing/2014/main" xmlns="" val="10004"/>
+                    <a16:rowId xmlns:a16="http://schemas.microsoft.com/office/drawing/2014/main" val="10004"/>
                   </a:ext>
                 </a:extLst>
               </a:tr>
@@ -12746,7 +12712,7 @@
           <p:cNvPr id="10" name="Foliennummernplatzhalter 9">
             <a:extLst>
               <a:ext uri="{FF2B5EF4-FFF2-40B4-BE49-F238E27FC236}">
-                <a16:creationId xmlns:a16="http://schemas.microsoft.com/office/drawing/2014/main" xmlns="" id="{D931436D-0B25-4BC2-AB85-D177B4C7ED90}"/>
+                <a16:creationId xmlns:a16="http://schemas.microsoft.com/office/drawing/2014/main" id="{D931436D-0B25-4BC2-AB85-D177B4C7ED90}"/>
               </a:ext>
             </a:extLst>
           </p:cNvPr>
@@ -12796,7 +12762,7 @@
           <p:cNvPr id="12" name="Gerader Verbinder 11">
             <a:extLst>
               <a:ext uri="{FF2B5EF4-FFF2-40B4-BE49-F238E27FC236}">
-                <a16:creationId xmlns:a16="http://schemas.microsoft.com/office/drawing/2014/main" xmlns="" id="{4A855513-E5C1-4F05-A8FD-33AC62C22A5E}"/>
+                <a16:creationId xmlns:a16="http://schemas.microsoft.com/office/drawing/2014/main" id="{4A855513-E5C1-4F05-A8FD-33AC62C22A5E}"/>
               </a:ext>
             </a:extLst>
           </p:cNvPr>
@@ -12837,7 +12803,7 @@
           <p:cNvPr id="13" name="Gerader Verbinder 12">
             <a:extLst>
               <a:ext uri="{FF2B5EF4-FFF2-40B4-BE49-F238E27FC236}">
-                <a16:creationId xmlns:a16="http://schemas.microsoft.com/office/drawing/2014/main" xmlns="" id="{F2778992-5E28-437C-AEA9-F9BBD6E6F5BB}"/>
+                <a16:creationId xmlns:a16="http://schemas.microsoft.com/office/drawing/2014/main" id="{F2778992-5E28-437C-AEA9-F9BBD6E6F5BB}"/>
               </a:ext>
             </a:extLst>
           </p:cNvPr>
@@ -12878,7 +12844,7 @@
           <p:cNvPr id="14" name="Textfeld 13">
             <a:extLst>
               <a:ext uri="{FF2B5EF4-FFF2-40B4-BE49-F238E27FC236}">
-                <a16:creationId xmlns:a16="http://schemas.microsoft.com/office/drawing/2014/main" xmlns="" id="{6CF8FF9D-8A98-4CFA-94C2-E2074112639C}"/>
+                <a16:creationId xmlns:a16="http://schemas.microsoft.com/office/drawing/2014/main" id="{6CF8FF9D-8A98-4CFA-94C2-E2074112639C}"/>
               </a:ext>
             </a:extLst>
           </p:cNvPr>
@@ -12974,7 +12940,7 @@
           <p:cNvPr id="8" name="Textfeld 7">
             <a:extLst>
               <a:ext uri="{FF2B5EF4-FFF2-40B4-BE49-F238E27FC236}">
-                <a16:creationId xmlns:a16="http://schemas.microsoft.com/office/drawing/2014/main" xmlns="" id="{8E05CB3E-FC8B-4C84-8452-A027AF29808D}"/>
+                <a16:creationId xmlns:a16="http://schemas.microsoft.com/office/drawing/2014/main" id="{8E05CB3E-FC8B-4C84-8452-A027AF29808D}"/>
               </a:ext>
             </a:extLst>
           </p:cNvPr>
@@ -13002,7 +12968,7 @@
               <a:t>2.5 </a:t>
             </a:r>
             <a:r>
-              <a:rPr lang="de-DE" sz="2000" b="1" dirty="0" err="1" smtClean="0"/>
+              <a:rPr lang="de-DE" sz="2000" b="1" dirty="0" err="1"/>
               <a:t>LinkedList</a:t>
             </a:r>
             <a:endParaRPr lang="de-DE" sz="2000" b="1" dirty="0"/>
@@ -13035,26 +13001,13 @@
               <a:rPr lang="de-DE" dirty="0"/>
               <a:t>Daten werden in Ketten-Elementen gespeichert. Jedes zwischen Element kennt seinen nächsten </a:t>
             </a:r>
-            <a:r>
-              <a:rPr lang="de-DE" dirty="0"/>
-              <a:t/>
-            </a:r>
             <a:br>
               <a:rPr lang="de-DE" dirty="0"/>
             </a:br>
             <a:r>
               <a:rPr lang="de-DE" dirty="0"/>
-              <a:t>Nachbarn. Durch diese Kette kann man jedes Element ansprechen. Das Letze Element hat immer einen </a:t>
-            </a:r>
-            <a:r>
-              <a:rPr lang="de-DE" dirty="0" smtClean="0"/>
-              <a:t>Null </a:t>
-            </a:r>
-            <a:r>
-              <a:rPr lang="de-DE" dirty="0"/>
-              <a:t>Wert, da dieser der Letze Wert ist und keinen nächsten Wert besitzt. </a:t>
-            </a:r>
-            <a:endParaRPr lang="de-DE" dirty="0"/>
+              <a:t>Nachbarn. Durch diese Kette kann man jedes Element ansprechen. Das Letze Element hat immer einen Null Wert, da dieser der Letze Wert ist und keinen nächsten Wert besitzt. </a:t>
+            </a:r>
           </a:p>
         </p:txBody>
       </p:sp>
@@ -13093,7 +13046,7 @@
           <p:cNvPr id="10" name="Foliennummernplatzhalter 9">
             <a:extLst>
               <a:ext uri="{FF2B5EF4-FFF2-40B4-BE49-F238E27FC236}">
-                <a16:creationId xmlns:a16="http://schemas.microsoft.com/office/drawing/2014/main" xmlns="" id="{D931436D-0B25-4BC2-AB85-D177B4C7ED90}"/>
+                <a16:creationId xmlns:a16="http://schemas.microsoft.com/office/drawing/2014/main" id="{D931436D-0B25-4BC2-AB85-D177B4C7ED90}"/>
               </a:ext>
             </a:extLst>
           </p:cNvPr>
@@ -13143,7 +13096,7 @@
           <p:cNvPr id="12" name="Gerader Verbinder 11">
             <a:extLst>
               <a:ext uri="{FF2B5EF4-FFF2-40B4-BE49-F238E27FC236}">
-                <a16:creationId xmlns:a16="http://schemas.microsoft.com/office/drawing/2014/main" xmlns="" id="{4A855513-E5C1-4F05-A8FD-33AC62C22A5E}"/>
+                <a16:creationId xmlns:a16="http://schemas.microsoft.com/office/drawing/2014/main" id="{4A855513-E5C1-4F05-A8FD-33AC62C22A5E}"/>
               </a:ext>
             </a:extLst>
           </p:cNvPr>
@@ -13184,7 +13137,7 @@
           <p:cNvPr id="13" name="Gerader Verbinder 12">
             <a:extLst>
               <a:ext uri="{FF2B5EF4-FFF2-40B4-BE49-F238E27FC236}">
-                <a16:creationId xmlns:a16="http://schemas.microsoft.com/office/drawing/2014/main" xmlns="" id="{F2778992-5E28-437C-AEA9-F9BBD6E6F5BB}"/>
+                <a16:creationId xmlns:a16="http://schemas.microsoft.com/office/drawing/2014/main" id="{F2778992-5E28-437C-AEA9-F9BBD6E6F5BB}"/>
               </a:ext>
             </a:extLst>
           </p:cNvPr>
@@ -13225,7 +13178,7 @@
           <p:cNvPr id="14" name="Textfeld 13">
             <a:extLst>
               <a:ext uri="{FF2B5EF4-FFF2-40B4-BE49-F238E27FC236}">
-                <a16:creationId xmlns:a16="http://schemas.microsoft.com/office/drawing/2014/main" xmlns="" id="{6CF8FF9D-8A98-4CFA-94C2-E2074112639C}"/>
+                <a16:creationId xmlns:a16="http://schemas.microsoft.com/office/drawing/2014/main" id="{6CF8FF9D-8A98-4CFA-94C2-E2074112639C}"/>
               </a:ext>
             </a:extLst>
           </p:cNvPr>
@@ -13261,7 +13214,7 @@
           <p:cNvPr id="8" name="Textfeld 7">
             <a:extLst>
               <a:ext uri="{FF2B5EF4-FFF2-40B4-BE49-F238E27FC236}">
-                <a16:creationId xmlns:a16="http://schemas.microsoft.com/office/drawing/2014/main" xmlns="" id="{8E05CB3E-FC8B-4C84-8452-A027AF29808D}"/>
+                <a16:creationId xmlns:a16="http://schemas.microsoft.com/office/drawing/2014/main" id="{8E05CB3E-FC8B-4C84-8452-A027AF29808D}"/>
               </a:ext>
             </a:extLst>
           </p:cNvPr>
@@ -13364,28 +13317,28 @@
                 <a:gridCol w="1779375">
                   <a:extLst>
                     <a:ext uri="{9D8B030D-6E8A-4147-A177-3AD203B41FA5}">
-                      <a16:colId xmlns:a16="http://schemas.microsoft.com/office/drawing/2014/main" xmlns="" val="20000"/>
+                      <a16:colId xmlns:a16="http://schemas.microsoft.com/office/drawing/2014/main" val="20000"/>
                     </a:ext>
                   </a:extLst>
                 </a:gridCol>
                 <a:gridCol w="1095632">
                   <a:extLst>
                     <a:ext uri="{9D8B030D-6E8A-4147-A177-3AD203B41FA5}">
-                      <a16:colId xmlns:a16="http://schemas.microsoft.com/office/drawing/2014/main" xmlns="" val="20001"/>
+                      <a16:colId xmlns:a16="http://schemas.microsoft.com/office/drawing/2014/main" val="20001"/>
                     </a:ext>
                   </a:extLst>
                 </a:gridCol>
                 <a:gridCol w="1919416">
                   <a:extLst>
                     <a:ext uri="{9D8B030D-6E8A-4147-A177-3AD203B41FA5}">
-                      <a16:colId xmlns:a16="http://schemas.microsoft.com/office/drawing/2014/main" xmlns="" val="20002"/>
+                      <a16:colId xmlns:a16="http://schemas.microsoft.com/office/drawing/2014/main" val="20002"/>
                     </a:ext>
                   </a:extLst>
                 </a:gridCol>
                 <a:gridCol w="2139109">
                   <a:extLst>
                     <a:ext uri="{9D8B030D-6E8A-4147-A177-3AD203B41FA5}">
-                      <a16:colId xmlns:a16="http://schemas.microsoft.com/office/drawing/2014/main" xmlns="" val="20003"/>
+                      <a16:colId xmlns:a16="http://schemas.microsoft.com/office/drawing/2014/main" val="20003"/>
                     </a:ext>
                   </a:extLst>
                 </a:gridCol>
@@ -13509,7 +13462,7 @@
                 </a:tc>
                 <a:extLst>
                   <a:ext uri="{0D108BD9-81ED-4DB2-BD59-A6C34878D82A}">
-                    <a16:rowId xmlns:a16="http://schemas.microsoft.com/office/drawing/2014/main" xmlns="" val="10000"/>
+                    <a16:rowId xmlns:a16="http://schemas.microsoft.com/office/drawing/2014/main" val="10000"/>
                   </a:ext>
                 </a:extLst>
               </a:tr>
@@ -13648,7 +13601,7 @@
                 </a:tc>
                 <a:extLst>
                   <a:ext uri="{0D108BD9-81ED-4DB2-BD59-A6C34878D82A}">
-                    <a16:rowId xmlns:a16="http://schemas.microsoft.com/office/drawing/2014/main" xmlns="" val="10001"/>
+                    <a16:rowId xmlns:a16="http://schemas.microsoft.com/office/drawing/2014/main" val="10001"/>
                   </a:ext>
                 </a:extLst>
               </a:tr>
@@ -13783,7 +13736,7 @@
                 </a:tc>
                 <a:extLst>
                   <a:ext uri="{0D108BD9-81ED-4DB2-BD59-A6C34878D82A}">
-                    <a16:rowId xmlns:a16="http://schemas.microsoft.com/office/drawing/2014/main" xmlns="" val="10002"/>
+                    <a16:rowId xmlns:a16="http://schemas.microsoft.com/office/drawing/2014/main" val="10002"/>
                   </a:ext>
                 </a:extLst>
               </a:tr>
@@ -13941,7 +13894,7 @@
                 </a:tc>
                 <a:extLst>
                   <a:ext uri="{0D108BD9-81ED-4DB2-BD59-A6C34878D82A}">
-                    <a16:rowId xmlns:a16="http://schemas.microsoft.com/office/drawing/2014/main" xmlns="" val="10003"/>
+                    <a16:rowId xmlns:a16="http://schemas.microsoft.com/office/drawing/2014/main" val="10003"/>
                   </a:ext>
                 </a:extLst>
               </a:tr>
@@ -14080,7 +14033,7 @@
                 </a:tc>
                 <a:extLst>
                   <a:ext uri="{0D108BD9-81ED-4DB2-BD59-A6C34878D82A}">
-                    <a16:rowId xmlns:a16="http://schemas.microsoft.com/office/drawing/2014/main" xmlns="" val="10004"/>
+                    <a16:rowId xmlns:a16="http://schemas.microsoft.com/office/drawing/2014/main" val="10004"/>
                   </a:ext>
                 </a:extLst>
               </a:tr>
@@ -14265,7 +14218,7 @@
                 </a:tc>
                 <a:extLst>
                   <a:ext uri="{0D108BD9-81ED-4DB2-BD59-A6C34878D82A}">
-                    <a16:rowId xmlns:a16="http://schemas.microsoft.com/office/drawing/2014/main" xmlns="" val="10005"/>
+                    <a16:rowId xmlns:a16="http://schemas.microsoft.com/office/drawing/2014/main" val="10005"/>
                   </a:ext>
                 </a:extLst>
               </a:tr>
@@ -14423,7 +14376,7 @@
                 </a:tc>
                 <a:extLst>
                   <a:ext uri="{0D108BD9-81ED-4DB2-BD59-A6C34878D82A}">
-                    <a16:rowId xmlns:a16="http://schemas.microsoft.com/office/drawing/2014/main" xmlns="" val="10006"/>
+                    <a16:rowId xmlns:a16="http://schemas.microsoft.com/office/drawing/2014/main" val="10006"/>
                   </a:ext>
                 </a:extLst>
               </a:tr>
@@ -14578,7 +14531,7 @@
                 </a:tc>
                 <a:extLst>
                   <a:ext uri="{0D108BD9-81ED-4DB2-BD59-A6C34878D82A}">
-                    <a16:rowId xmlns:a16="http://schemas.microsoft.com/office/drawing/2014/main" xmlns="" val="10007"/>
+                    <a16:rowId xmlns:a16="http://schemas.microsoft.com/office/drawing/2014/main" val="10007"/>
                   </a:ext>
                 </a:extLst>
               </a:tr>
@@ -14717,7 +14670,7 @@
                 </a:tc>
                 <a:extLst>
                   <a:ext uri="{0D108BD9-81ED-4DB2-BD59-A6C34878D82A}">
-                    <a16:rowId xmlns:a16="http://schemas.microsoft.com/office/drawing/2014/main" xmlns="" val="10008"/>
+                    <a16:rowId xmlns:a16="http://schemas.microsoft.com/office/drawing/2014/main" val="10008"/>
                   </a:ext>
                 </a:extLst>
               </a:tr>
@@ -14760,7 +14713,7 @@
           <p:cNvPr id="10" name="Foliennummernplatzhalter 9">
             <a:extLst>
               <a:ext uri="{FF2B5EF4-FFF2-40B4-BE49-F238E27FC236}">
-                <a16:creationId xmlns:a16="http://schemas.microsoft.com/office/drawing/2014/main" xmlns="" id="{D931436D-0B25-4BC2-AB85-D177B4C7ED90}"/>
+                <a16:creationId xmlns:a16="http://schemas.microsoft.com/office/drawing/2014/main" id="{D931436D-0B25-4BC2-AB85-D177B4C7ED90}"/>
               </a:ext>
             </a:extLst>
           </p:cNvPr>
@@ -14810,7 +14763,7 @@
           <p:cNvPr id="12" name="Gerader Verbinder 11">
             <a:extLst>
               <a:ext uri="{FF2B5EF4-FFF2-40B4-BE49-F238E27FC236}">
-                <a16:creationId xmlns:a16="http://schemas.microsoft.com/office/drawing/2014/main" xmlns="" id="{4A855513-E5C1-4F05-A8FD-33AC62C22A5E}"/>
+                <a16:creationId xmlns:a16="http://schemas.microsoft.com/office/drawing/2014/main" id="{4A855513-E5C1-4F05-A8FD-33AC62C22A5E}"/>
               </a:ext>
             </a:extLst>
           </p:cNvPr>
@@ -14851,7 +14804,7 @@
           <p:cNvPr id="13" name="Gerader Verbinder 12">
             <a:extLst>
               <a:ext uri="{FF2B5EF4-FFF2-40B4-BE49-F238E27FC236}">
-                <a16:creationId xmlns:a16="http://schemas.microsoft.com/office/drawing/2014/main" xmlns="" id="{F2778992-5E28-437C-AEA9-F9BBD6E6F5BB}"/>
+                <a16:creationId xmlns:a16="http://schemas.microsoft.com/office/drawing/2014/main" id="{F2778992-5E28-437C-AEA9-F9BBD6E6F5BB}"/>
               </a:ext>
             </a:extLst>
           </p:cNvPr>
@@ -14892,7 +14845,7 @@
           <p:cNvPr id="14" name="Textfeld 13">
             <a:extLst>
               <a:ext uri="{FF2B5EF4-FFF2-40B4-BE49-F238E27FC236}">
-                <a16:creationId xmlns:a16="http://schemas.microsoft.com/office/drawing/2014/main" xmlns="" id="{6CF8FF9D-8A98-4CFA-94C2-E2074112639C}"/>
+                <a16:creationId xmlns:a16="http://schemas.microsoft.com/office/drawing/2014/main" id="{6CF8FF9D-8A98-4CFA-94C2-E2074112639C}"/>
               </a:ext>
             </a:extLst>
           </p:cNvPr>
@@ -14928,7 +14881,7 @@
           <p:cNvPr id="6" name="Textfeld 5">
             <a:extLst>
               <a:ext uri="{FF2B5EF4-FFF2-40B4-BE49-F238E27FC236}">
-                <a16:creationId xmlns:a16="http://schemas.microsoft.com/office/drawing/2014/main" xmlns="" id="{8E05CB3E-FC8B-4C84-8452-A027AF29808D}"/>
+                <a16:creationId xmlns:a16="http://schemas.microsoft.com/office/drawing/2014/main" id="{8E05CB3E-FC8B-4C84-8452-A027AF29808D}"/>
               </a:ext>
             </a:extLst>
           </p:cNvPr>
@@ -14976,7 +14929,7 @@
           <p:cNvPr id="8" name="Textfeld 7">
             <a:extLst>
               <a:ext uri="{FF2B5EF4-FFF2-40B4-BE49-F238E27FC236}">
-                <a16:creationId xmlns:a16="http://schemas.microsoft.com/office/drawing/2014/main" xmlns="" id="{4842BEFA-10C3-45C0-8997-167BE0586DAC}"/>
+                <a16:creationId xmlns:a16="http://schemas.microsoft.com/office/drawing/2014/main" id="{4842BEFA-10C3-45C0-8997-167BE0586DAC}"/>
               </a:ext>
             </a:extLst>
           </p:cNvPr>
@@ -15111,7 +15064,7 @@
           <p:cNvPr id="3" name="Textfeld 2">
             <a:extLst>
               <a:ext uri="{FF2B5EF4-FFF2-40B4-BE49-F238E27FC236}">
-                <a16:creationId xmlns:a16="http://schemas.microsoft.com/office/drawing/2014/main" xmlns="" id="{B616C74B-1A1C-4612-8D7A-608508876D6B}"/>
+                <a16:creationId xmlns:a16="http://schemas.microsoft.com/office/drawing/2014/main" id="{B616C74B-1A1C-4612-8D7A-608508876D6B}"/>
               </a:ext>
             </a:extLst>
           </p:cNvPr>
@@ -15176,7 +15129,7 @@
           <p:cNvPr id="10" name="Foliennummernplatzhalter 9">
             <a:extLst>
               <a:ext uri="{FF2B5EF4-FFF2-40B4-BE49-F238E27FC236}">
-                <a16:creationId xmlns:a16="http://schemas.microsoft.com/office/drawing/2014/main" xmlns="" id="{D931436D-0B25-4BC2-AB85-D177B4C7ED90}"/>
+                <a16:creationId xmlns:a16="http://schemas.microsoft.com/office/drawing/2014/main" id="{D931436D-0B25-4BC2-AB85-D177B4C7ED90}"/>
               </a:ext>
             </a:extLst>
           </p:cNvPr>
@@ -15226,7 +15179,7 @@
           <p:cNvPr id="12" name="Gerader Verbinder 11">
             <a:extLst>
               <a:ext uri="{FF2B5EF4-FFF2-40B4-BE49-F238E27FC236}">
-                <a16:creationId xmlns:a16="http://schemas.microsoft.com/office/drawing/2014/main" xmlns="" id="{4A855513-E5C1-4F05-A8FD-33AC62C22A5E}"/>
+                <a16:creationId xmlns:a16="http://schemas.microsoft.com/office/drawing/2014/main" id="{4A855513-E5C1-4F05-A8FD-33AC62C22A5E}"/>
               </a:ext>
             </a:extLst>
           </p:cNvPr>
@@ -15267,7 +15220,7 @@
           <p:cNvPr id="13" name="Gerader Verbinder 12">
             <a:extLst>
               <a:ext uri="{FF2B5EF4-FFF2-40B4-BE49-F238E27FC236}">
-                <a16:creationId xmlns:a16="http://schemas.microsoft.com/office/drawing/2014/main" xmlns="" id="{F2778992-5E28-437C-AEA9-F9BBD6E6F5BB}"/>
+                <a16:creationId xmlns:a16="http://schemas.microsoft.com/office/drawing/2014/main" id="{F2778992-5E28-437C-AEA9-F9BBD6E6F5BB}"/>
               </a:ext>
             </a:extLst>
           </p:cNvPr>
@@ -15308,7 +15261,7 @@
           <p:cNvPr id="14" name="Textfeld 13">
             <a:extLst>
               <a:ext uri="{FF2B5EF4-FFF2-40B4-BE49-F238E27FC236}">
-                <a16:creationId xmlns:a16="http://schemas.microsoft.com/office/drawing/2014/main" xmlns="" id="{6CF8FF9D-8A98-4CFA-94C2-E2074112639C}"/>
+                <a16:creationId xmlns:a16="http://schemas.microsoft.com/office/drawing/2014/main" id="{6CF8FF9D-8A98-4CFA-94C2-E2074112639C}"/>
               </a:ext>
             </a:extLst>
           </p:cNvPr>
@@ -15344,7 +15297,7 @@
           <p:cNvPr id="6" name="Textfeld 5">
             <a:extLst>
               <a:ext uri="{FF2B5EF4-FFF2-40B4-BE49-F238E27FC236}">
-                <a16:creationId xmlns:a16="http://schemas.microsoft.com/office/drawing/2014/main" xmlns="" id="{8E05CB3E-FC8B-4C84-8452-A027AF29808D}"/>
+                <a16:creationId xmlns:a16="http://schemas.microsoft.com/office/drawing/2014/main" id="{8E05CB3E-FC8B-4C84-8452-A027AF29808D}"/>
               </a:ext>
             </a:extLst>
           </p:cNvPr>
@@ -15392,7 +15345,7 @@
           <p:cNvPr id="3" name="Textfeld 2">
             <a:extLst>
               <a:ext uri="{FF2B5EF4-FFF2-40B4-BE49-F238E27FC236}">
-                <a16:creationId xmlns:a16="http://schemas.microsoft.com/office/drawing/2014/main" xmlns="" id="{B616C74B-1A1C-4612-8D7A-608508876D6B}"/>
+                <a16:creationId xmlns:a16="http://schemas.microsoft.com/office/drawing/2014/main" id="{B616C74B-1A1C-4612-8D7A-608508876D6B}"/>
               </a:ext>
             </a:extLst>
           </p:cNvPr>
@@ -15427,7 +15380,7 @@
           <p:cNvPr id="8" name="Grafik 7">
             <a:extLst>
               <a:ext uri="{FF2B5EF4-FFF2-40B4-BE49-F238E27FC236}">
-                <a16:creationId xmlns:a16="http://schemas.microsoft.com/office/drawing/2014/main" xmlns="" id="{0DFE0BE2-DBAD-43B4-8C9D-86A52F855DBF}"/>
+                <a16:creationId xmlns:a16="http://schemas.microsoft.com/office/drawing/2014/main" id="{0DFE0BE2-DBAD-43B4-8C9D-86A52F855DBF}"/>
               </a:ext>
             </a:extLst>
           </p:cNvPr>
@@ -15487,7 +15440,7 @@
           <p:cNvPr id="10" name="Foliennummernplatzhalter 9">
             <a:extLst>
               <a:ext uri="{FF2B5EF4-FFF2-40B4-BE49-F238E27FC236}">
-                <a16:creationId xmlns:a16="http://schemas.microsoft.com/office/drawing/2014/main" xmlns="" id="{D931436D-0B25-4BC2-AB85-D177B4C7ED90}"/>
+                <a16:creationId xmlns:a16="http://schemas.microsoft.com/office/drawing/2014/main" id="{D931436D-0B25-4BC2-AB85-D177B4C7ED90}"/>
               </a:ext>
             </a:extLst>
           </p:cNvPr>
@@ -15537,7 +15490,7 @@
           <p:cNvPr id="12" name="Gerader Verbinder 11">
             <a:extLst>
               <a:ext uri="{FF2B5EF4-FFF2-40B4-BE49-F238E27FC236}">
-                <a16:creationId xmlns:a16="http://schemas.microsoft.com/office/drawing/2014/main" xmlns="" id="{4A855513-E5C1-4F05-A8FD-33AC62C22A5E}"/>
+                <a16:creationId xmlns:a16="http://schemas.microsoft.com/office/drawing/2014/main" id="{4A855513-E5C1-4F05-A8FD-33AC62C22A5E}"/>
               </a:ext>
             </a:extLst>
           </p:cNvPr>
@@ -15578,7 +15531,7 @@
           <p:cNvPr id="13" name="Gerader Verbinder 12">
             <a:extLst>
               <a:ext uri="{FF2B5EF4-FFF2-40B4-BE49-F238E27FC236}">
-                <a16:creationId xmlns:a16="http://schemas.microsoft.com/office/drawing/2014/main" xmlns="" id="{F2778992-5E28-437C-AEA9-F9BBD6E6F5BB}"/>
+                <a16:creationId xmlns:a16="http://schemas.microsoft.com/office/drawing/2014/main" id="{F2778992-5E28-437C-AEA9-F9BBD6E6F5BB}"/>
               </a:ext>
             </a:extLst>
           </p:cNvPr>
@@ -15619,7 +15572,7 @@
           <p:cNvPr id="14" name="Textfeld 13">
             <a:extLst>
               <a:ext uri="{FF2B5EF4-FFF2-40B4-BE49-F238E27FC236}">
-                <a16:creationId xmlns:a16="http://schemas.microsoft.com/office/drawing/2014/main" xmlns="" id="{6CF8FF9D-8A98-4CFA-94C2-E2074112639C}"/>
+                <a16:creationId xmlns:a16="http://schemas.microsoft.com/office/drawing/2014/main" id="{6CF8FF9D-8A98-4CFA-94C2-E2074112639C}"/>
               </a:ext>
             </a:extLst>
           </p:cNvPr>
@@ -15655,7 +15608,7 @@
           <p:cNvPr id="6" name="Textfeld 5">
             <a:extLst>
               <a:ext uri="{FF2B5EF4-FFF2-40B4-BE49-F238E27FC236}">
-                <a16:creationId xmlns:a16="http://schemas.microsoft.com/office/drawing/2014/main" xmlns="" id="{8E05CB3E-FC8B-4C84-8452-A027AF29808D}"/>
+                <a16:creationId xmlns:a16="http://schemas.microsoft.com/office/drawing/2014/main" id="{8E05CB3E-FC8B-4C84-8452-A027AF29808D}"/>
               </a:ext>
             </a:extLst>
           </p:cNvPr>
@@ -15703,7 +15656,7 @@
           <p:cNvPr id="3" name="Textfeld 2">
             <a:extLst>
               <a:ext uri="{FF2B5EF4-FFF2-40B4-BE49-F238E27FC236}">
-                <a16:creationId xmlns:a16="http://schemas.microsoft.com/office/drawing/2014/main" xmlns="" id="{B616C74B-1A1C-4612-8D7A-608508876D6B}"/>
+                <a16:creationId xmlns:a16="http://schemas.microsoft.com/office/drawing/2014/main" id="{B616C74B-1A1C-4612-8D7A-608508876D6B}"/>
               </a:ext>
             </a:extLst>
           </p:cNvPr>
@@ -15738,7 +15691,7 @@
           <p:cNvPr id="11" name="Textfeld 10">
             <a:extLst>
               <a:ext uri="{FF2B5EF4-FFF2-40B4-BE49-F238E27FC236}">
-                <a16:creationId xmlns:a16="http://schemas.microsoft.com/office/drawing/2014/main" xmlns="" id="{24B508F8-733A-43EF-9B1C-791EC1949295}"/>
+                <a16:creationId xmlns:a16="http://schemas.microsoft.com/office/drawing/2014/main" id="{24B508F8-733A-43EF-9B1C-791EC1949295}"/>
               </a:ext>
             </a:extLst>
           </p:cNvPr>
@@ -16454,7 +16407,7 @@
           <p:cNvPr id="10" name="Foliennummernplatzhalter 9">
             <a:extLst>
               <a:ext uri="{FF2B5EF4-FFF2-40B4-BE49-F238E27FC236}">
-                <a16:creationId xmlns:a16="http://schemas.microsoft.com/office/drawing/2014/main" xmlns="" id="{D931436D-0B25-4BC2-AB85-D177B4C7ED90}"/>
+                <a16:creationId xmlns:a16="http://schemas.microsoft.com/office/drawing/2014/main" id="{D931436D-0B25-4BC2-AB85-D177B4C7ED90}"/>
               </a:ext>
             </a:extLst>
           </p:cNvPr>
@@ -16504,7 +16457,7 @@
           <p:cNvPr id="12" name="Gerader Verbinder 11">
             <a:extLst>
               <a:ext uri="{FF2B5EF4-FFF2-40B4-BE49-F238E27FC236}">
-                <a16:creationId xmlns:a16="http://schemas.microsoft.com/office/drawing/2014/main" xmlns="" id="{4A855513-E5C1-4F05-A8FD-33AC62C22A5E}"/>
+                <a16:creationId xmlns:a16="http://schemas.microsoft.com/office/drawing/2014/main" id="{4A855513-E5C1-4F05-A8FD-33AC62C22A5E}"/>
               </a:ext>
             </a:extLst>
           </p:cNvPr>
@@ -16545,7 +16498,7 @@
           <p:cNvPr id="13" name="Gerader Verbinder 12">
             <a:extLst>
               <a:ext uri="{FF2B5EF4-FFF2-40B4-BE49-F238E27FC236}">
-                <a16:creationId xmlns:a16="http://schemas.microsoft.com/office/drawing/2014/main" xmlns="" id="{F2778992-5E28-437C-AEA9-F9BBD6E6F5BB}"/>
+                <a16:creationId xmlns:a16="http://schemas.microsoft.com/office/drawing/2014/main" id="{F2778992-5E28-437C-AEA9-F9BBD6E6F5BB}"/>
               </a:ext>
             </a:extLst>
           </p:cNvPr>
@@ -16586,7 +16539,7 @@
           <p:cNvPr id="14" name="Textfeld 13">
             <a:extLst>
               <a:ext uri="{FF2B5EF4-FFF2-40B4-BE49-F238E27FC236}">
-                <a16:creationId xmlns:a16="http://schemas.microsoft.com/office/drawing/2014/main" xmlns="" id="{6CF8FF9D-8A98-4CFA-94C2-E2074112639C}"/>
+                <a16:creationId xmlns:a16="http://schemas.microsoft.com/office/drawing/2014/main" id="{6CF8FF9D-8A98-4CFA-94C2-E2074112639C}"/>
               </a:ext>
             </a:extLst>
           </p:cNvPr>
@@ -16622,7 +16575,7 @@
           <p:cNvPr id="6" name="Textfeld 5">
             <a:extLst>
               <a:ext uri="{FF2B5EF4-FFF2-40B4-BE49-F238E27FC236}">
-                <a16:creationId xmlns:a16="http://schemas.microsoft.com/office/drawing/2014/main" xmlns="" id="{8E05CB3E-FC8B-4C84-8452-A027AF29808D}"/>
+                <a16:creationId xmlns:a16="http://schemas.microsoft.com/office/drawing/2014/main" id="{8E05CB3E-FC8B-4C84-8452-A027AF29808D}"/>
               </a:ext>
             </a:extLst>
           </p:cNvPr>
@@ -16670,7 +16623,7 @@
           <p:cNvPr id="3" name="Textfeld 2">
             <a:extLst>
               <a:ext uri="{FF2B5EF4-FFF2-40B4-BE49-F238E27FC236}">
-                <a16:creationId xmlns:a16="http://schemas.microsoft.com/office/drawing/2014/main" xmlns="" id="{B616C74B-1A1C-4612-8D7A-608508876D6B}"/>
+                <a16:creationId xmlns:a16="http://schemas.microsoft.com/office/drawing/2014/main" id="{B616C74B-1A1C-4612-8D7A-608508876D6B}"/>
               </a:ext>
             </a:extLst>
           </p:cNvPr>
@@ -16705,7 +16658,7 @@
           <p:cNvPr id="11" name="Textfeld 10">
             <a:extLst>
               <a:ext uri="{FF2B5EF4-FFF2-40B4-BE49-F238E27FC236}">
-                <a16:creationId xmlns:a16="http://schemas.microsoft.com/office/drawing/2014/main" xmlns="" id="{24B508F8-733A-43EF-9B1C-791EC1949295}"/>
+                <a16:creationId xmlns:a16="http://schemas.microsoft.com/office/drawing/2014/main" id="{24B508F8-733A-43EF-9B1C-791EC1949295}"/>
               </a:ext>
             </a:extLst>
           </p:cNvPr>
@@ -17641,7 +17594,7 @@
           <p:cNvPr id="10" name="Foliennummernplatzhalter 9">
             <a:extLst>
               <a:ext uri="{FF2B5EF4-FFF2-40B4-BE49-F238E27FC236}">
-                <a16:creationId xmlns:a16="http://schemas.microsoft.com/office/drawing/2014/main" xmlns="" id="{D931436D-0B25-4BC2-AB85-D177B4C7ED90}"/>
+                <a16:creationId xmlns:a16="http://schemas.microsoft.com/office/drawing/2014/main" id="{D931436D-0B25-4BC2-AB85-D177B4C7ED90}"/>
               </a:ext>
             </a:extLst>
           </p:cNvPr>
@@ -17691,7 +17644,7 @@
           <p:cNvPr id="12" name="Gerader Verbinder 11">
             <a:extLst>
               <a:ext uri="{FF2B5EF4-FFF2-40B4-BE49-F238E27FC236}">
-                <a16:creationId xmlns:a16="http://schemas.microsoft.com/office/drawing/2014/main" xmlns="" id="{4A855513-E5C1-4F05-A8FD-33AC62C22A5E}"/>
+                <a16:creationId xmlns:a16="http://schemas.microsoft.com/office/drawing/2014/main" id="{4A855513-E5C1-4F05-A8FD-33AC62C22A5E}"/>
               </a:ext>
             </a:extLst>
           </p:cNvPr>
@@ -17732,7 +17685,7 @@
           <p:cNvPr id="13" name="Gerader Verbinder 12">
             <a:extLst>
               <a:ext uri="{FF2B5EF4-FFF2-40B4-BE49-F238E27FC236}">
-                <a16:creationId xmlns:a16="http://schemas.microsoft.com/office/drawing/2014/main" xmlns="" id="{F2778992-5E28-437C-AEA9-F9BBD6E6F5BB}"/>
+                <a16:creationId xmlns:a16="http://schemas.microsoft.com/office/drawing/2014/main" id="{F2778992-5E28-437C-AEA9-F9BBD6E6F5BB}"/>
               </a:ext>
             </a:extLst>
           </p:cNvPr>
@@ -17773,7 +17726,7 @@
           <p:cNvPr id="14" name="Textfeld 13">
             <a:extLst>
               <a:ext uri="{FF2B5EF4-FFF2-40B4-BE49-F238E27FC236}">
-                <a16:creationId xmlns:a16="http://schemas.microsoft.com/office/drawing/2014/main" xmlns="" id="{6CF8FF9D-8A98-4CFA-94C2-E2074112639C}"/>
+                <a16:creationId xmlns:a16="http://schemas.microsoft.com/office/drawing/2014/main" id="{6CF8FF9D-8A98-4CFA-94C2-E2074112639C}"/>
               </a:ext>
             </a:extLst>
           </p:cNvPr>
@@ -17809,7 +17762,7 @@
           <p:cNvPr id="6" name="Textfeld 5">
             <a:extLst>
               <a:ext uri="{FF2B5EF4-FFF2-40B4-BE49-F238E27FC236}">
-                <a16:creationId xmlns:a16="http://schemas.microsoft.com/office/drawing/2014/main" xmlns="" id="{8E05CB3E-FC8B-4C84-8452-A027AF29808D}"/>
+                <a16:creationId xmlns:a16="http://schemas.microsoft.com/office/drawing/2014/main" id="{8E05CB3E-FC8B-4C84-8452-A027AF29808D}"/>
               </a:ext>
             </a:extLst>
           </p:cNvPr>
@@ -17834,7 +17787,7 @@
           <a:p>
             <a:r>
               <a:rPr lang="de-DE" sz="2000" b="1" dirty="0"/>
-              <a:t>4. Kompilierung</a:t>
+              <a:t>3. Tests</a:t>
             </a:r>
           </a:p>
           <a:p>
@@ -17854,10 +17807,10 @@
       </p:sp>
       <p:sp>
         <p:nvSpPr>
-          <p:cNvPr id="8" name="Textfeld 7">
+          <p:cNvPr id="9" name="Textfeld 8">
             <a:extLst>
               <a:ext uri="{FF2B5EF4-FFF2-40B4-BE49-F238E27FC236}">
-                <a16:creationId xmlns:a16="http://schemas.microsoft.com/office/drawing/2014/main" xmlns="" id="{4842BEFA-10C3-45C0-8997-167BE0586DAC}"/>
+                <a16:creationId xmlns:a16="http://schemas.microsoft.com/office/drawing/2014/main" id="{105407A1-FCD8-4DB9-8051-366A6497ED37}"/>
               </a:ext>
             </a:extLst>
           </p:cNvPr>
@@ -17866,7 +17819,7 @@
         </p:nvSpPr>
         <p:spPr>
           <a:xfrm>
-            <a:off x="783771" y="1945319"/>
+            <a:off x="1085461" y="1568119"/>
             <a:ext cx="10021077" cy="3046988"/>
           </a:xfrm>
           <a:prstGeom prst="rect">
@@ -17892,7 +17845,7 @@
                 </a:solidFill>
                 <a:latin typeface="+mj-lt"/>
               </a:rPr>
-              <a:t>Windows:</a:t>
+              <a:t>Erläuterung:</a:t>
             </a:r>
           </a:p>
           <a:p>
@@ -17903,17 +17856,26 @@
                 </a:solidFill>
                 <a:latin typeface="+mj-lt"/>
               </a:rPr>
-              <a:t>Öffne das Projekt in Visual Studio und klicke das Test-Projekt und wähle es als Start-Projekt aus. Ohne diese Einstellung wird möglicherweise versuch eine .</a:t>
-            </a:r>
-            <a:r>
-              <a:rPr lang="de-DE" sz="1600" dirty="0" err="1">
+              <a:t>Da wir schnell festgestellt haben, dass es sehr schwierig ist unsere Collections auf mehreren Plattformen fortlaufend zu testen, haben wir uns dafür entscheiden ein eigenes Testsystem zu schreiben.</a:t>
+            </a:r>
+          </a:p>
+          <a:p>
+            <a:pPr>
+              <a:lnSpc>
+                <a:spcPct val="200000"/>
+              </a:lnSpc>
+            </a:pPr>
+            <a:r>
+              <a:rPr lang="de-DE" sz="1600" b="1" dirty="0">
                 <a:solidFill>
                   <a:srgbClr val="000000"/>
                 </a:solidFill>
                 <a:latin typeface="+mj-lt"/>
               </a:rPr>
-              <a:t>lib</a:t>
-            </a:r>
+              <a:t>Funktionsweise:</a:t>
+            </a:r>
+          </a:p>
+          <a:p>
             <a:r>
               <a:rPr lang="de-DE" sz="1600" dirty="0">
                 <a:solidFill>
@@ -17921,7 +17883,7 @@
                 </a:solidFill>
                 <a:latin typeface="+mj-lt"/>
               </a:rPr>
-              <a:t> Datei zu öffnen, dort wird dann ein Fehler angezeigt.</a:t>
+              <a:t>Unsere Testfunktionen nehmen zwei Werte auf. Einer welcher der erwartetet Wert ist und welcher Wert zurückgeliefert wird. Am Ende bekommt man eine Auflistung wie viele Test geklappt oder fehlgeschlagen sind.</a:t>
             </a:r>
           </a:p>
           <a:p>
@@ -17933,22 +17895,24 @@
             </a:endParaRPr>
           </a:p>
           <a:p>
-            <a:pPr>
-              <a:lnSpc>
-                <a:spcPct val="200000"/>
-              </a:lnSpc>
-            </a:pPr>
-            <a:r>
-              <a:rPr lang="de-DE" sz="1600" b="1" dirty="0">
+            <a:r>
+              <a:rPr lang="de-DE" sz="1600" dirty="0">
                 <a:solidFill>
                   <a:srgbClr val="000000"/>
                 </a:solidFill>
                 <a:latin typeface="+mj-lt"/>
               </a:rPr>
-              <a:t>Linux:</a:t>
-            </a:r>
-          </a:p>
-          <a:p>
+              <a:t>Die Testfunktionen unterstützen Integer, String und </a:t>
+            </a:r>
+            <a:r>
+              <a:rPr lang="de-DE" sz="1600" dirty="0" err="1">
+                <a:solidFill>
+                  <a:srgbClr val="000000"/>
+                </a:solidFill>
+                <a:latin typeface="+mj-lt"/>
+              </a:rPr>
+              <a:t>CollectionError</a:t>
+            </a:r>
             <a:r>
               <a:rPr lang="de-DE" sz="1600" dirty="0">
                 <a:solidFill>
@@ -17956,69 +17920,11 @@
                 </a:solidFill>
                 <a:latin typeface="+mj-lt"/>
               </a:rPr>
-              <a:t>Navigiere zu der </a:t>
-            </a:r>
-            <a:r>
-              <a:rPr lang="de-DE" sz="1600" dirty="0" err="1">
-                <a:solidFill>
-                  <a:srgbClr val="000000"/>
-                </a:solidFill>
-                <a:latin typeface="+mj-lt"/>
-              </a:rPr>
-              <a:t>makefile</a:t>
-            </a:r>
-            <a:r>
-              <a:rPr lang="de-DE" sz="1600" dirty="0">
-                <a:solidFill>
-                  <a:srgbClr val="000000"/>
-                </a:solidFill>
-                <a:latin typeface="+mj-lt"/>
-              </a:rPr>
-              <a:t>. Dort befindet sich auch ein Skript das zum kompilieren genutzt werden kann. Es erstellt einen bin Order für Temporäre Daten, danach kompiliert es und startet das fertige Programm danach.</a:t>
-            </a:r>
-          </a:p>
-          <a:p>
-            <a:r>
-              <a:rPr lang="de-DE" sz="1600" dirty="0">
-                <a:solidFill>
-                  <a:srgbClr val="000000"/>
-                </a:solidFill>
-                <a:latin typeface="+mj-lt"/>
-              </a:rPr>
-              <a:t>Vergiss nicht die Skript-Datei ausführbar zu machen mit </a:t>
-            </a:r>
-            <a:r>
-              <a:rPr lang="de-DE" sz="1600" dirty="0" err="1">
-                <a:solidFill>
-                  <a:srgbClr val="000000"/>
-                </a:solidFill>
-                <a:latin typeface="+mj-lt"/>
-              </a:rPr>
-              <a:t>chmod</a:t>
-            </a:r>
-            <a:r>
-              <a:rPr lang="de-DE" sz="1600" dirty="0">
-                <a:solidFill>
-                  <a:srgbClr val="000000"/>
-                </a:solidFill>
-                <a:latin typeface="+mj-lt"/>
-              </a:rPr>
-              <a:t> +x FileName.sh. </a:t>
-            </a:r>
-          </a:p>
-          <a:p>
-            <a:r>
-              <a:rPr lang="de-DE" sz="1600" dirty="0">
-                <a:solidFill>
-                  <a:srgbClr val="000000"/>
-                </a:solidFill>
-                <a:latin typeface="+mj-lt"/>
-              </a:rPr>
-              <a:t>Dann zum Öffnen ./Filename.sh</a:t>
-            </a:r>
-          </a:p>
-          <a:p>
-            <a:endParaRPr lang="de-DE" sz="1600" b="0" i="0" u="none" strike="noStrike" baseline="0" dirty="0">
+              <a:t> Werte.</a:t>
+            </a:r>
+          </a:p>
+          <a:p>
+            <a:endParaRPr lang="de-DE" sz="1600" dirty="0">
               <a:solidFill>
                 <a:srgbClr val="000000"/>
               </a:solidFill>
@@ -18027,10 +17933,40 @@
           </a:p>
         </p:txBody>
       </p:sp>
+      <p:pic>
+        <p:nvPicPr>
+          <p:cNvPr id="4" name="Grafik 3">
+            <a:extLst>
+              <a:ext uri="{FF2B5EF4-FFF2-40B4-BE49-F238E27FC236}">
+                <a16:creationId xmlns:a16="http://schemas.microsoft.com/office/drawing/2014/main" id="{76244B43-9E69-4F23-9AD7-C79615969921}"/>
+              </a:ext>
+            </a:extLst>
+          </p:cNvPr>
+          <p:cNvPicPr>
+            <a:picLocks noChangeAspect="1"/>
+          </p:cNvPicPr>
+          <p:nvPr/>
+        </p:nvPicPr>
+        <p:blipFill>
+          <a:blip r:embed="rId2"/>
+          <a:stretch>
+            <a:fillRect/>
+          </a:stretch>
+        </p:blipFill>
+        <p:spPr>
+          <a:xfrm>
+            <a:off x="1496607" y="4558963"/>
+            <a:ext cx="7868748" cy="1133633"/>
+          </a:xfrm>
+          <a:prstGeom prst="rect">
+            <a:avLst/>
+          </a:prstGeom>
+        </p:spPr>
+      </p:pic>
     </p:spTree>
     <p:extLst>
       <p:ext uri="{BB962C8B-B14F-4D97-AF65-F5344CB8AC3E}">
-        <p14:creationId xmlns:p14="http://schemas.microsoft.com/office/powerpoint/2010/main" val="2796430297"/>
+        <p14:creationId xmlns:p14="http://schemas.microsoft.com/office/powerpoint/2010/main" val="588677708"/>
       </p:ext>
     </p:extLst>
   </p:cSld>
@@ -18062,7 +17998,7 @@
           <p:cNvPr id="10" name="Foliennummernplatzhalter 9">
             <a:extLst>
               <a:ext uri="{FF2B5EF4-FFF2-40B4-BE49-F238E27FC236}">
-                <a16:creationId xmlns:a16="http://schemas.microsoft.com/office/drawing/2014/main" xmlns="" id="{D931436D-0B25-4BC2-AB85-D177B4C7ED90}"/>
+                <a16:creationId xmlns:a16="http://schemas.microsoft.com/office/drawing/2014/main" id="{D931436D-0B25-4BC2-AB85-D177B4C7ED90}"/>
               </a:ext>
             </a:extLst>
           </p:cNvPr>
@@ -18112,7 +18048,7 @@
           <p:cNvPr id="12" name="Gerader Verbinder 11">
             <a:extLst>
               <a:ext uri="{FF2B5EF4-FFF2-40B4-BE49-F238E27FC236}">
-                <a16:creationId xmlns:a16="http://schemas.microsoft.com/office/drawing/2014/main" xmlns="" id="{4A855513-E5C1-4F05-A8FD-33AC62C22A5E}"/>
+                <a16:creationId xmlns:a16="http://schemas.microsoft.com/office/drawing/2014/main" id="{4A855513-E5C1-4F05-A8FD-33AC62C22A5E}"/>
               </a:ext>
             </a:extLst>
           </p:cNvPr>
@@ -18153,7 +18089,7 @@
           <p:cNvPr id="13" name="Gerader Verbinder 12">
             <a:extLst>
               <a:ext uri="{FF2B5EF4-FFF2-40B4-BE49-F238E27FC236}">
-                <a16:creationId xmlns:a16="http://schemas.microsoft.com/office/drawing/2014/main" xmlns="" id="{F2778992-5E28-437C-AEA9-F9BBD6E6F5BB}"/>
+                <a16:creationId xmlns:a16="http://schemas.microsoft.com/office/drawing/2014/main" id="{F2778992-5E28-437C-AEA9-F9BBD6E6F5BB}"/>
               </a:ext>
             </a:extLst>
           </p:cNvPr>
@@ -18194,7 +18130,7 @@
           <p:cNvPr id="14" name="Textfeld 13">
             <a:extLst>
               <a:ext uri="{FF2B5EF4-FFF2-40B4-BE49-F238E27FC236}">
-                <a16:creationId xmlns:a16="http://schemas.microsoft.com/office/drawing/2014/main" xmlns="" id="{6CF8FF9D-8A98-4CFA-94C2-E2074112639C}"/>
+                <a16:creationId xmlns:a16="http://schemas.microsoft.com/office/drawing/2014/main" id="{6CF8FF9D-8A98-4CFA-94C2-E2074112639C}"/>
               </a:ext>
             </a:extLst>
           </p:cNvPr>
@@ -18225,10 +18161,166 @@
           </a:p>
         </p:txBody>
       </p:sp>
+      <p:sp>
+        <p:nvSpPr>
+          <p:cNvPr id="6" name="Textfeld 5">
+            <a:extLst>
+              <a:ext uri="{FF2B5EF4-FFF2-40B4-BE49-F238E27FC236}">
+                <a16:creationId xmlns:a16="http://schemas.microsoft.com/office/drawing/2014/main" id="{8E05CB3E-FC8B-4C84-8452-A027AF29808D}"/>
+              </a:ext>
+            </a:extLst>
+          </p:cNvPr>
+          <p:cNvSpPr txBox="1"/>
+          <p:nvPr/>
+        </p:nvSpPr>
+        <p:spPr>
+          <a:xfrm>
+            <a:off x="485190" y="1154923"/>
+            <a:ext cx="4945791" cy="1323439"/>
+          </a:xfrm>
+          <a:prstGeom prst="rect">
+            <a:avLst/>
+          </a:prstGeom>
+          <a:noFill/>
+        </p:spPr>
+        <p:txBody>
+          <a:bodyPr wrap="square" rtlCol="0">
+            <a:spAutoFit/>
+          </a:bodyPr>
+          <a:lstStyle/>
+          <a:p>
+            <a:r>
+              <a:rPr lang="de-DE" sz="2000" b="1" dirty="0"/>
+              <a:t>3. Tests</a:t>
+            </a:r>
+          </a:p>
+          <a:p>
+            <a:endParaRPr lang="de-DE" sz="2000" b="1" dirty="0"/>
+          </a:p>
+          <a:p>
+            <a:endParaRPr lang="de-DE" sz="2000" b="1" dirty="0"/>
+          </a:p>
+          <a:p>
+            <a:r>
+              <a:rPr lang="de-DE" sz="2000" b="1" dirty="0"/>
+              <a:t> 	</a:t>
+            </a:r>
+            <a:endParaRPr lang="de-DE" sz="2000" dirty="0"/>
+          </a:p>
+        </p:txBody>
+      </p:sp>
+      <p:sp>
+        <p:nvSpPr>
+          <p:cNvPr id="9" name="Textfeld 8">
+            <a:extLst>
+              <a:ext uri="{FF2B5EF4-FFF2-40B4-BE49-F238E27FC236}">
+                <a16:creationId xmlns:a16="http://schemas.microsoft.com/office/drawing/2014/main" id="{105407A1-FCD8-4DB9-8051-366A6497ED37}"/>
+              </a:ext>
+            </a:extLst>
+          </p:cNvPr>
+          <p:cNvSpPr txBox="1"/>
+          <p:nvPr/>
+        </p:nvSpPr>
+        <p:spPr>
+          <a:xfrm>
+            <a:off x="1085461" y="1739968"/>
+            <a:ext cx="10021077" cy="1247008"/>
+          </a:xfrm>
+          <a:prstGeom prst="rect">
+            <a:avLst/>
+          </a:prstGeom>
+          <a:noFill/>
+        </p:spPr>
+        <p:txBody>
+          <a:bodyPr wrap="square">
+            <a:spAutoFit/>
+          </a:bodyPr>
+          <a:lstStyle/>
+          <a:p>
+            <a:pPr>
+              <a:lnSpc>
+                <a:spcPct val="200000"/>
+              </a:lnSpc>
+            </a:pPr>
+            <a:r>
+              <a:rPr lang="de-DE" sz="1600" b="1" dirty="0">
+                <a:solidFill>
+                  <a:srgbClr val="000000"/>
+                </a:solidFill>
+                <a:latin typeface="+mj-lt"/>
+              </a:rPr>
+              <a:t>Memory leak:</a:t>
+            </a:r>
+          </a:p>
+          <a:p>
+            <a:r>
+              <a:rPr lang="de-DE" sz="1600" dirty="0">
+                <a:solidFill>
+                  <a:srgbClr val="000000"/>
+                </a:solidFill>
+                <a:latin typeface="+mj-lt"/>
+              </a:rPr>
+              <a:t>Unser Projekt wurde vollständig auf Memory Leaks geprüft.</a:t>
+            </a:r>
+            <a:endParaRPr lang="de-DE" sz="1600" b="1" dirty="0">
+              <a:solidFill>
+                <a:srgbClr val="000000"/>
+              </a:solidFill>
+              <a:latin typeface="+mj-lt"/>
+            </a:endParaRPr>
+          </a:p>
+          <a:p>
+            <a:pPr>
+              <a:lnSpc>
+                <a:spcPct val="200000"/>
+              </a:lnSpc>
+            </a:pPr>
+            <a:r>
+              <a:rPr lang="de-DE" sz="1600" b="1" dirty="0">
+                <a:solidFill>
+                  <a:srgbClr val="000000"/>
+                </a:solidFill>
+                <a:latin typeface="+mj-lt"/>
+              </a:rPr>
+              <a:t>Unsere Tests:</a:t>
+            </a:r>
+          </a:p>
+        </p:txBody>
+      </p:sp>
+      <p:pic>
+        <p:nvPicPr>
+          <p:cNvPr id="3" name="Grafik 2">
+            <a:extLst>
+              <a:ext uri="{FF2B5EF4-FFF2-40B4-BE49-F238E27FC236}">
+                <a16:creationId xmlns:a16="http://schemas.microsoft.com/office/drawing/2014/main" id="{02FF0FAB-7B84-4149-AE0C-DFA7DF373C07}"/>
+              </a:ext>
+            </a:extLst>
+          </p:cNvPr>
+          <p:cNvPicPr>
+            <a:picLocks noChangeAspect="1"/>
+          </p:cNvPicPr>
+          <p:nvPr/>
+        </p:nvPicPr>
+        <p:blipFill>
+          <a:blip r:embed="rId2"/>
+          <a:stretch>
+            <a:fillRect/>
+          </a:stretch>
+        </p:blipFill>
+        <p:spPr>
+          <a:xfrm>
+            <a:off x="1412977" y="3063407"/>
+            <a:ext cx="4683022" cy="2945657"/>
+          </a:xfrm>
+          <a:prstGeom prst="rect">
+            <a:avLst/>
+          </a:prstGeom>
+        </p:spPr>
+      </p:pic>
     </p:spTree>
     <p:extLst>
       <p:ext uri="{BB962C8B-B14F-4D97-AF65-F5344CB8AC3E}">
-        <p14:creationId xmlns:p14="http://schemas.microsoft.com/office/powerpoint/2010/main" val="1818660360"/>
+        <p14:creationId xmlns:p14="http://schemas.microsoft.com/office/powerpoint/2010/main" val="2145051896"/>
       </p:ext>
     </p:extLst>
   </p:cSld>
@@ -18260,7 +18352,7 @@
           <p:cNvPr id="10" name="Foliennummernplatzhalter 9">
             <a:extLst>
               <a:ext uri="{FF2B5EF4-FFF2-40B4-BE49-F238E27FC236}">
-                <a16:creationId xmlns:a16="http://schemas.microsoft.com/office/drawing/2014/main" xmlns="" id="{D931436D-0B25-4BC2-AB85-D177B4C7ED90}"/>
+                <a16:creationId xmlns:a16="http://schemas.microsoft.com/office/drawing/2014/main" id="{D931436D-0B25-4BC2-AB85-D177B4C7ED90}"/>
               </a:ext>
             </a:extLst>
           </p:cNvPr>
@@ -18310,7 +18402,7 @@
           <p:cNvPr id="12" name="Gerader Verbinder 11">
             <a:extLst>
               <a:ext uri="{FF2B5EF4-FFF2-40B4-BE49-F238E27FC236}">
-                <a16:creationId xmlns:a16="http://schemas.microsoft.com/office/drawing/2014/main" xmlns="" id="{4A855513-E5C1-4F05-A8FD-33AC62C22A5E}"/>
+                <a16:creationId xmlns:a16="http://schemas.microsoft.com/office/drawing/2014/main" id="{4A855513-E5C1-4F05-A8FD-33AC62C22A5E}"/>
               </a:ext>
             </a:extLst>
           </p:cNvPr>
@@ -18351,7 +18443,7 @@
           <p:cNvPr id="13" name="Gerader Verbinder 12">
             <a:extLst>
               <a:ext uri="{FF2B5EF4-FFF2-40B4-BE49-F238E27FC236}">
-                <a16:creationId xmlns:a16="http://schemas.microsoft.com/office/drawing/2014/main" xmlns="" id="{F2778992-5E28-437C-AEA9-F9BBD6E6F5BB}"/>
+                <a16:creationId xmlns:a16="http://schemas.microsoft.com/office/drawing/2014/main" id="{F2778992-5E28-437C-AEA9-F9BBD6E6F5BB}"/>
               </a:ext>
             </a:extLst>
           </p:cNvPr>
@@ -18392,7 +18484,7 @@
           <p:cNvPr id="14" name="Textfeld 13">
             <a:extLst>
               <a:ext uri="{FF2B5EF4-FFF2-40B4-BE49-F238E27FC236}">
-                <a16:creationId xmlns:a16="http://schemas.microsoft.com/office/drawing/2014/main" xmlns="" id="{6CF8FF9D-8A98-4CFA-94C2-E2074112639C}"/>
+                <a16:creationId xmlns:a16="http://schemas.microsoft.com/office/drawing/2014/main" id="{6CF8FF9D-8A98-4CFA-94C2-E2074112639C}"/>
               </a:ext>
             </a:extLst>
           </p:cNvPr>
@@ -18428,7 +18520,7 @@
           <p:cNvPr id="6" name="Textfeld 5">
             <a:extLst>
               <a:ext uri="{FF2B5EF4-FFF2-40B4-BE49-F238E27FC236}">
-                <a16:creationId xmlns:a16="http://schemas.microsoft.com/office/drawing/2014/main" xmlns="" id="{8E05CB3E-FC8B-4C84-8452-A027AF29808D}"/>
+                <a16:creationId xmlns:a16="http://schemas.microsoft.com/office/drawing/2014/main" id="{8E05CB3E-FC8B-4C84-8452-A027AF29808D}"/>
               </a:ext>
             </a:extLst>
           </p:cNvPr>
@@ -18470,7 +18562,7 @@
           <p:cNvPr id="8" name="Textfeld 7">
             <a:extLst>
               <a:ext uri="{FF2B5EF4-FFF2-40B4-BE49-F238E27FC236}">
-                <a16:creationId xmlns:a16="http://schemas.microsoft.com/office/drawing/2014/main" xmlns="" id="{4842BEFA-10C3-45C0-8997-167BE0586DAC}"/>
+                <a16:creationId xmlns:a16="http://schemas.microsoft.com/office/drawing/2014/main" id="{4842BEFA-10C3-45C0-8997-167BE0586DAC}"/>
               </a:ext>
             </a:extLst>
           </p:cNvPr>
@@ -18577,7 +18669,7 @@
           <p:cNvPr id="3" name="Textfeld 2">
             <a:extLst>
               <a:ext uri="{FF2B5EF4-FFF2-40B4-BE49-F238E27FC236}">
-                <a16:creationId xmlns:a16="http://schemas.microsoft.com/office/drawing/2014/main" xmlns="" id="{B616C74B-1A1C-4612-8D7A-608508876D6B}"/>
+                <a16:creationId xmlns:a16="http://schemas.microsoft.com/office/drawing/2014/main" id="{B616C74B-1A1C-4612-8D7A-608508876D6B}"/>
               </a:ext>
             </a:extLst>
           </p:cNvPr>
@@ -18611,6 +18703,625 @@
     <p:extLst>
       <p:ext uri="{BB962C8B-B14F-4D97-AF65-F5344CB8AC3E}">
         <p14:creationId xmlns:p14="http://schemas.microsoft.com/office/powerpoint/2010/main" val="3960827049"/>
+      </p:ext>
+    </p:extLst>
+  </p:cSld>
+  <p:clrMapOvr>
+    <a:masterClrMapping/>
+  </p:clrMapOvr>
+</p:sld>
+</file>
+
+<file path=ppt/slides/slide30.xml><?xml version="1.0" encoding="utf-8"?>
+<p:sld xmlns:a="http://schemas.openxmlformats.org/drawingml/2006/main" xmlns:r="http://schemas.openxmlformats.org/officeDocument/2006/relationships" xmlns:p="http://schemas.openxmlformats.org/presentationml/2006/main">
+  <p:cSld>
+    <p:spTree>
+      <p:nvGrpSpPr>
+        <p:cNvPr id="1" name=""/>
+        <p:cNvGrpSpPr/>
+        <p:nvPr/>
+      </p:nvGrpSpPr>
+      <p:grpSpPr>
+        <a:xfrm>
+          <a:off x="0" y="0"/>
+          <a:ext cx="0" cy="0"/>
+          <a:chOff x="0" y="0"/>
+          <a:chExt cx="0" cy="0"/>
+        </a:xfrm>
+      </p:grpSpPr>
+      <p:sp>
+        <p:nvSpPr>
+          <p:cNvPr id="10" name="Foliennummernplatzhalter 9">
+            <a:extLst>
+              <a:ext uri="{FF2B5EF4-FFF2-40B4-BE49-F238E27FC236}">
+                <a16:creationId xmlns:a16="http://schemas.microsoft.com/office/drawing/2014/main" id="{D931436D-0B25-4BC2-AB85-D177B4C7ED90}"/>
+              </a:ext>
+            </a:extLst>
+          </p:cNvPr>
+          <p:cNvSpPr>
+            <a:spLocks noGrp="1"/>
+          </p:cNvSpPr>
+          <p:nvPr>
+            <p:ph type="sldNum" sz="quarter" idx="12"/>
+          </p:nvPr>
+        </p:nvSpPr>
+        <p:spPr>
+          <a:xfrm>
+            <a:off x="9273076" y="6421667"/>
+            <a:ext cx="2743200" cy="365125"/>
+          </a:xfrm>
+        </p:spPr>
+        <p:txBody>
+          <a:bodyPr/>
+          <a:lstStyle/>
+          <a:p>
+            <a:r>
+              <a:rPr lang="de-DE" sz="1000" b="1" dirty="0">
+                <a:solidFill>
+                  <a:schemeClr val="tx1"/>
+                </a:solidFill>
+              </a:rPr>
+              <a:t>Seite </a:t>
+            </a:r>
+            <a:fld id="{2ACCF16B-2666-47AE-ACDC-C377DF350193}" type="slidenum">
+              <a:rPr lang="de-DE" sz="1000" b="1" smtClean="0">
+                <a:solidFill>
+                  <a:schemeClr val="tx1"/>
+                </a:solidFill>
+              </a:rPr>
+              <a:t>30</a:t>
+            </a:fld>
+            <a:endParaRPr lang="de-DE" sz="1000" b="1" dirty="0">
+              <a:solidFill>
+                <a:schemeClr val="tx1"/>
+              </a:solidFill>
+            </a:endParaRPr>
+          </a:p>
+        </p:txBody>
+      </p:sp>
+      <p:cxnSp>
+        <p:nvCxnSpPr>
+          <p:cNvPr id="12" name="Gerader Verbinder 11">
+            <a:extLst>
+              <a:ext uri="{FF2B5EF4-FFF2-40B4-BE49-F238E27FC236}">
+                <a16:creationId xmlns:a16="http://schemas.microsoft.com/office/drawing/2014/main" id="{4A855513-E5C1-4F05-A8FD-33AC62C22A5E}"/>
+              </a:ext>
+            </a:extLst>
+          </p:cNvPr>
+          <p:cNvCxnSpPr/>
+          <p:nvPr/>
+        </p:nvCxnSpPr>
+        <p:spPr>
+          <a:xfrm>
+            <a:off x="0" y="737118"/>
+            <a:ext cx="12192000" cy="0"/>
+          </a:xfrm>
+          <a:prstGeom prst="line">
+            <a:avLst/>
+          </a:prstGeom>
+          <a:ln w="15875">
+            <a:solidFill>
+              <a:srgbClr val="3333CC"/>
+            </a:solidFill>
+          </a:ln>
+        </p:spPr>
+        <p:style>
+          <a:lnRef idx="1">
+            <a:schemeClr val="accent1"/>
+          </a:lnRef>
+          <a:fillRef idx="0">
+            <a:schemeClr val="accent1"/>
+          </a:fillRef>
+          <a:effectRef idx="0">
+            <a:schemeClr val="accent1"/>
+          </a:effectRef>
+          <a:fontRef idx="minor">
+            <a:schemeClr val="tx1"/>
+          </a:fontRef>
+        </p:style>
+      </p:cxnSp>
+      <p:cxnSp>
+        <p:nvCxnSpPr>
+          <p:cNvPr id="13" name="Gerader Verbinder 12">
+            <a:extLst>
+              <a:ext uri="{FF2B5EF4-FFF2-40B4-BE49-F238E27FC236}">
+                <a16:creationId xmlns:a16="http://schemas.microsoft.com/office/drawing/2014/main" id="{F2778992-5E28-437C-AEA9-F9BBD6E6F5BB}"/>
+              </a:ext>
+            </a:extLst>
+          </p:cNvPr>
+          <p:cNvCxnSpPr/>
+          <p:nvPr/>
+        </p:nvCxnSpPr>
+        <p:spPr>
+          <a:xfrm>
+            <a:off x="0" y="6356350"/>
+            <a:ext cx="12192000" cy="0"/>
+          </a:xfrm>
+          <a:prstGeom prst="line">
+            <a:avLst/>
+          </a:prstGeom>
+          <a:ln w="15875">
+            <a:solidFill>
+              <a:srgbClr val="3333CC"/>
+            </a:solidFill>
+          </a:ln>
+        </p:spPr>
+        <p:style>
+          <a:lnRef idx="1">
+            <a:schemeClr val="accent1"/>
+          </a:lnRef>
+          <a:fillRef idx="0">
+            <a:schemeClr val="accent1"/>
+          </a:fillRef>
+          <a:effectRef idx="0">
+            <a:schemeClr val="accent1"/>
+          </a:effectRef>
+          <a:fontRef idx="minor">
+            <a:schemeClr val="tx1"/>
+          </a:fontRef>
+        </p:style>
+      </p:cxnSp>
+      <p:sp>
+        <p:nvSpPr>
+          <p:cNvPr id="14" name="Textfeld 13">
+            <a:extLst>
+              <a:ext uri="{FF2B5EF4-FFF2-40B4-BE49-F238E27FC236}">
+                <a16:creationId xmlns:a16="http://schemas.microsoft.com/office/drawing/2014/main" id="{6CF8FF9D-8A98-4CFA-94C2-E2074112639C}"/>
+              </a:ext>
+            </a:extLst>
+          </p:cNvPr>
+          <p:cNvSpPr txBox="1"/>
+          <p:nvPr/>
+        </p:nvSpPr>
+        <p:spPr>
+          <a:xfrm>
+            <a:off x="2653004" y="215779"/>
+            <a:ext cx="6885992" cy="369332"/>
+          </a:xfrm>
+          <a:prstGeom prst="rect">
+            <a:avLst/>
+          </a:prstGeom>
+          <a:noFill/>
+        </p:spPr>
+        <p:txBody>
+          <a:bodyPr wrap="square" rtlCol="0">
+            <a:spAutoFit/>
+          </a:bodyPr>
+          <a:lstStyle/>
+          <a:p>
+            <a:pPr algn="ctr"/>
+            <a:r>
+              <a:rPr lang="de-DE" b="1" dirty="0"/>
+              <a:t>Dynamische Container in C</a:t>
+            </a:r>
+          </a:p>
+        </p:txBody>
+      </p:sp>
+      <p:sp>
+        <p:nvSpPr>
+          <p:cNvPr id="6" name="Textfeld 5">
+            <a:extLst>
+              <a:ext uri="{FF2B5EF4-FFF2-40B4-BE49-F238E27FC236}">
+                <a16:creationId xmlns:a16="http://schemas.microsoft.com/office/drawing/2014/main" id="{8E05CB3E-FC8B-4C84-8452-A027AF29808D}"/>
+              </a:ext>
+            </a:extLst>
+          </p:cNvPr>
+          <p:cNvSpPr txBox="1"/>
+          <p:nvPr/>
+        </p:nvSpPr>
+        <p:spPr>
+          <a:xfrm>
+            <a:off x="485190" y="1154923"/>
+            <a:ext cx="4945791" cy="1323439"/>
+          </a:xfrm>
+          <a:prstGeom prst="rect">
+            <a:avLst/>
+          </a:prstGeom>
+          <a:noFill/>
+        </p:spPr>
+        <p:txBody>
+          <a:bodyPr wrap="square" rtlCol="0">
+            <a:spAutoFit/>
+          </a:bodyPr>
+          <a:lstStyle/>
+          <a:p>
+            <a:r>
+              <a:rPr lang="de-DE" sz="2000" b="1" dirty="0"/>
+              <a:t>4. Kompilierung</a:t>
+            </a:r>
+          </a:p>
+          <a:p>
+            <a:endParaRPr lang="de-DE" sz="2000" b="1" dirty="0"/>
+          </a:p>
+          <a:p>
+            <a:endParaRPr lang="de-DE" sz="2000" b="1" dirty="0"/>
+          </a:p>
+          <a:p>
+            <a:r>
+              <a:rPr lang="de-DE" sz="2000" b="1" dirty="0"/>
+              <a:t> 	</a:t>
+            </a:r>
+            <a:endParaRPr lang="de-DE" sz="2000" dirty="0"/>
+          </a:p>
+        </p:txBody>
+      </p:sp>
+      <p:sp>
+        <p:nvSpPr>
+          <p:cNvPr id="8" name="Textfeld 7">
+            <a:extLst>
+              <a:ext uri="{FF2B5EF4-FFF2-40B4-BE49-F238E27FC236}">
+                <a16:creationId xmlns:a16="http://schemas.microsoft.com/office/drawing/2014/main" id="{4842BEFA-10C3-45C0-8997-167BE0586DAC}"/>
+              </a:ext>
+            </a:extLst>
+          </p:cNvPr>
+          <p:cNvSpPr txBox="1"/>
+          <p:nvPr/>
+        </p:nvSpPr>
+        <p:spPr>
+          <a:xfrm>
+            <a:off x="783771" y="1945319"/>
+            <a:ext cx="10021077" cy="3046988"/>
+          </a:xfrm>
+          <a:prstGeom prst="rect">
+            <a:avLst/>
+          </a:prstGeom>
+          <a:noFill/>
+        </p:spPr>
+        <p:txBody>
+          <a:bodyPr wrap="square">
+            <a:spAutoFit/>
+          </a:bodyPr>
+          <a:lstStyle/>
+          <a:p>
+            <a:pPr>
+              <a:lnSpc>
+                <a:spcPct val="200000"/>
+              </a:lnSpc>
+            </a:pPr>
+            <a:r>
+              <a:rPr lang="de-DE" sz="1600" b="1" dirty="0">
+                <a:solidFill>
+                  <a:srgbClr val="000000"/>
+                </a:solidFill>
+                <a:latin typeface="+mj-lt"/>
+              </a:rPr>
+              <a:t>Windows:</a:t>
+            </a:r>
+          </a:p>
+          <a:p>
+            <a:r>
+              <a:rPr lang="de-DE" sz="1600" dirty="0">
+                <a:solidFill>
+                  <a:srgbClr val="000000"/>
+                </a:solidFill>
+                <a:latin typeface="+mj-lt"/>
+              </a:rPr>
+              <a:t>Öffne das Projekt in Visual Studio und klicke das Test-Projekt und wähle es als Start-Projekt aus. Ohne diese Einstellung wird möglicherweise versuch eine .</a:t>
+            </a:r>
+            <a:r>
+              <a:rPr lang="de-DE" sz="1600" dirty="0" err="1">
+                <a:solidFill>
+                  <a:srgbClr val="000000"/>
+                </a:solidFill>
+                <a:latin typeface="+mj-lt"/>
+              </a:rPr>
+              <a:t>lib</a:t>
+            </a:r>
+            <a:r>
+              <a:rPr lang="de-DE" sz="1600" dirty="0">
+                <a:solidFill>
+                  <a:srgbClr val="000000"/>
+                </a:solidFill>
+                <a:latin typeface="+mj-lt"/>
+              </a:rPr>
+              <a:t> Datei zu öffnen, dort wird dann ein Fehler angezeigt.</a:t>
+            </a:r>
+          </a:p>
+          <a:p>
+            <a:endParaRPr lang="de-DE" sz="1600" dirty="0">
+              <a:solidFill>
+                <a:srgbClr val="000000"/>
+              </a:solidFill>
+              <a:latin typeface="+mj-lt"/>
+            </a:endParaRPr>
+          </a:p>
+          <a:p>
+            <a:pPr>
+              <a:lnSpc>
+                <a:spcPct val="200000"/>
+              </a:lnSpc>
+            </a:pPr>
+            <a:r>
+              <a:rPr lang="de-DE" sz="1600" b="1" dirty="0">
+                <a:solidFill>
+                  <a:srgbClr val="000000"/>
+                </a:solidFill>
+                <a:latin typeface="+mj-lt"/>
+              </a:rPr>
+              <a:t>Linux:</a:t>
+            </a:r>
+          </a:p>
+          <a:p>
+            <a:r>
+              <a:rPr lang="de-DE" sz="1600" dirty="0">
+                <a:solidFill>
+                  <a:srgbClr val="000000"/>
+                </a:solidFill>
+                <a:latin typeface="+mj-lt"/>
+              </a:rPr>
+              <a:t>Navigiere zu der </a:t>
+            </a:r>
+            <a:r>
+              <a:rPr lang="de-DE" sz="1600" dirty="0" err="1">
+                <a:solidFill>
+                  <a:srgbClr val="000000"/>
+                </a:solidFill>
+                <a:latin typeface="+mj-lt"/>
+              </a:rPr>
+              <a:t>makefile</a:t>
+            </a:r>
+            <a:r>
+              <a:rPr lang="de-DE" sz="1600" dirty="0">
+                <a:solidFill>
+                  <a:srgbClr val="000000"/>
+                </a:solidFill>
+                <a:latin typeface="+mj-lt"/>
+              </a:rPr>
+              <a:t>. Dort befindet sich auch ein Skript das zum kompilieren genutzt werden kann. Es erstellt einen bin Order für Temporäre Daten, danach kompiliert es und startet das fertige Programm danach.</a:t>
+            </a:r>
+          </a:p>
+          <a:p>
+            <a:r>
+              <a:rPr lang="de-DE" sz="1600" dirty="0">
+                <a:solidFill>
+                  <a:srgbClr val="000000"/>
+                </a:solidFill>
+                <a:latin typeface="+mj-lt"/>
+              </a:rPr>
+              <a:t>Vergiss nicht die Skript-Datei ausführbar zu machen mit </a:t>
+            </a:r>
+            <a:r>
+              <a:rPr lang="de-DE" sz="1600" dirty="0" err="1">
+                <a:solidFill>
+                  <a:srgbClr val="000000"/>
+                </a:solidFill>
+                <a:latin typeface="+mj-lt"/>
+              </a:rPr>
+              <a:t>chmod</a:t>
+            </a:r>
+            <a:r>
+              <a:rPr lang="de-DE" sz="1600" dirty="0">
+                <a:solidFill>
+                  <a:srgbClr val="000000"/>
+                </a:solidFill>
+                <a:latin typeface="+mj-lt"/>
+              </a:rPr>
+              <a:t> +x FileName.sh. </a:t>
+            </a:r>
+          </a:p>
+          <a:p>
+            <a:r>
+              <a:rPr lang="de-DE" sz="1600" dirty="0">
+                <a:solidFill>
+                  <a:srgbClr val="000000"/>
+                </a:solidFill>
+                <a:latin typeface="+mj-lt"/>
+              </a:rPr>
+              <a:t>Dann zum Öffnen ./Filename.sh</a:t>
+            </a:r>
+          </a:p>
+          <a:p>
+            <a:endParaRPr lang="de-DE" sz="1600" b="0" i="0" u="none" strike="noStrike" baseline="0" dirty="0">
+              <a:solidFill>
+                <a:srgbClr val="000000"/>
+              </a:solidFill>
+              <a:latin typeface="+mj-lt"/>
+            </a:endParaRPr>
+          </a:p>
+        </p:txBody>
+      </p:sp>
+    </p:spTree>
+    <p:extLst>
+      <p:ext uri="{BB962C8B-B14F-4D97-AF65-F5344CB8AC3E}">
+        <p14:creationId xmlns:p14="http://schemas.microsoft.com/office/powerpoint/2010/main" val="2796430297"/>
+      </p:ext>
+    </p:extLst>
+  </p:cSld>
+  <p:clrMapOvr>
+    <a:masterClrMapping/>
+  </p:clrMapOvr>
+</p:sld>
+</file>
+
+<file path=ppt/slides/slide31.xml><?xml version="1.0" encoding="utf-8"?>
+<p:sld xmlns:a="http://schemas.openxmlformats.org/drawingml/2006/main" xmlns:r="http://schemas.openxmlformats.org/officeDocument/2006/relationships" xmlns:p="http://schemas.openxmlformats.org/presentationml/2006/main">
+  <p:cSld>
+    <p:spTree>
+      <p:nvGrpSpPr>
+        <p:cNvPr id="1" name=""/>
+        <p:cNvGrpSpPr/>
+        <p:nvPr/>
+      </p:nvGrpSpPr>
+      <p:grpSpPr>
+        <a:xfrm>
+          <a:off x="0" y="0"/>
+          <a:ext cx="0" cy="0"/>
+          <a:chOff x="0" y="0"/>
+          <a:chExt cx="0" cy="0"/>
+        </a:xfrm>
+      </p:grpSpPr>
+      <p:sp>
+        <p:nvSpPr>
+          <p:cNvPr id="10" name="Foliennummernplatzhalter 9">
+            <a:extLst>
+              <a:ext uri="{FF2B5EF4-FFF2-40B4-BE49-F238E27FC236}">
+                <a16:creationId xmlns:a16="http://schemas.microsoft.com/office/drawing/2014/main" id="{D931436D-0B25-4BC2-AB85-D177B4C7ED90}"/>
+              </a:ext>
+            </a:extLst>
+          </p:cNvPr>
+          <p:cNvSpPr>
+            <a:spLocks noGrp="1"/>
+          </p:cNvSpPr>
+          <p:nvPr>
+            <p:ph type="sldNum" sz="quarter" idx="12"/>
+          </p:nvPr>
+        </p:nvSpPr>
+        <p:spPr>
+          <a:xfrm>
+            <a:off x="9273076" y="6421667"/>
+            <a:ext cx="2743200" cy="365125"/>
+          </a:xfrm>
+        </p:spPr>
+        <p:txBody>
+          <a:bodyPr/>
+          <a:lstStyle/>
+          <a:p>
+            <a:r>
+              <a:rPr lang="de-DE" sz="1000" b="1" dirty="0">
+                <a:solidFill>
+                  <a:schemeClr val="tx1"/>
+                </a:solidFill>
+              </a:rPr>
+              <a:t>Seite </a:t>
+            </a:r>
+            <a:fld id="{2ACCF16B-2666-47AE-ACDC-C377DF350193}" type="slidenum">
+              <a:rPr lang="de-DE" sz="1000" b="1" smtClean="0">
+                <a:solidFill>
+                  <a:schemeClr val="tx1"/>
+                </a:solidFill>
+              </a:rPr>
+              <a:t>31</a:t>
+            </a:fld>
+            <a:endParaRPr lang="de-DE" sz="1000" b="1" dirty="0">
+              <a:solidFill>
+                <a:schemeClr val="tx1"/>
+              </a:solidFill>
+            </a:endParaRPr>
+          </a:p>
+        </p:txBody>
+      </p:sp>
+      <p:cxnSp>
+        <p:nvCxnSpPr>
+          <p:cNvPr id="12" name="Gerader Verbinder 11">
+            <a:extLst>
+              <a:ext uri="{FF2B5EF4-FFF2-40B4-BE49-F238E27FC236}">
+                <a16:creationId xmlns:a16="http://schemas.microsoft.com/office/drawing/2014/main" id="{4A855513-E5C1-4F05-A8FD-33AC62C22A5E}"/>
+              </a:ext>
+            </a:extLst>
+          </p:cNvPr>
+          <p:cNvCxnSpPr/>
+          <p:nvPr/>
+        </p:nvCxnSpPr>
+        <p:spPr>
+          <a:xfrm>
+            <a:off x="0" y="737118"/>
+            <a:ext cx="12192000" cy="0"/>
+          </a:xfrm>
+          <a:prstGeom prst="line">
+            <a:avLst/>
+          </a:prstGeom>
+          <a:ln w="15875">
+            <a:solidFill>
+              <a:srgbClr val="3333CC"/>
+            </a:solidFill>
+          </a:ln>
+        </p:spPr>
+        <p:style>
+          <a:lnRef idx="1">
+            <a:schemeClr val="accent1"/>
+          </a:lnRef>
+          <a:fillRef idx="0">
+            <a:schemeClr val="accent1"/>
+          </a:fillRef>
+          <a:effectRef idx="0">
+            <a:schemeClr val="accent1"/>
+          </a:effectRef>
+          <a:fontRef idx="minor">
+            <a:schemeClr val="tx1"/>
+          </a:fontRef>
+        </p:style>
+      </p:cxnSp>
+      <p:cxnSp>
+        <p:nvCxnSpPr>
+          <p:cNvPr id="13" name="Gerader Verbinder 12">
+            <a:extLst>
+              <a:ext uri="{FF2B5EF4-FFF2-40B4-BE49-F238E27FC236}">
+                <a16:creationId xmlns:a16="http://schemas.microsoft.com/office/drawing/2014/main" id="{F2778992-5E28-437C-AEA9-F9BBD6E6F5BB}"/>
+              </a:ext>
+            </a:extLst>
+          </p:cNvPr>
+          <p:cNvCxnSpPr/>
+          <p:nvPr/>
+        </p:nvCxnSpPr>
+        <p:spPr>
+          <a:xfrm>
+            <a:off x="0" y="6356350"/>
+            <a:ext cx="12192000" cy="0"/>
+          </a:xfrm>
+          <a:prstGeom prst="line">
+            <a:avLst/>
+          </a:prstGeom>
+          <a:ln w="15875">
+            <a:solidFill>
+              <a:srgbClr val="3333CC"/>
+            </a:solidFill>
+          </a:ln>
+        </p:spPr>
+        <p:style>
+          <a:lnRef idx="1">
+            <a:schemeClr val="accent1"/>
+          </a:lnRef>
+          <a:fillRef idx="0">
+            <a:schemeClr val="accent1"/>
+          </a:fillRef>
+          <a:effectRef idx="0">
+            <a:schemeClr val="accent1"/>
+          </a:effectRef>
+          <a:fontRef idx="minor">
+            <a:schemeClr val="tx1"/>
+          </a:fontRef>
+        </p:style>
+      </p:cxnSp>
+      <p:sp>
+        <p:nvSpPr>
+          <p:cNvPr id="14" name="Textfeld 13">
+            <a:extLst>
+              <a:ext uri="{FF2B5EF4-FFF2-40B4-BE49-F238E27FC236}">
+                <a16:creationId xmlns:a16="http://schemas.microsoft.com/office/drawing/2014/main" id="{6CF8FF9D-8A98-4CFA-94C2-E2074112639C}"/>
+              </a:ext>
+            </a:extLst>
+          </p:cNvPr>
+          <p:cNvSpPr txBox="1"/>
+          <p:nvPr/>
+        </p:nvSpPr>
+        <p:spPr>
+          <a:xfrm>
+            <a:off x="2653004" y="215779"/>
+            <a:ext cx="6885992" cy="369332"/>
+          </a:xfrm>
+          <a:prstGeom prst="rect">
+            <a:avLst/>
+          </a:prstGeom>
+          <a:noFill/>
+        </p:spPr>
+        <p:txBody>
+          <a:bodyPr wrap="square" rtlCol="0">
+            <a:spAutoFit/>
+          </a:bodyPr>
+          <a:lstStyle/>
+          <a:p>
+            <a:pPr algn="ctr"/>
+            <a:r>
+              <a:rPr lang="de-DE" b="1" dirty="0"/>
+              <a:t>Dynamische Container in C</a:t>
+            </a:r>
+          </a:p>
+        </p:txBody>
+      </p:sp>
+    </p:spTree>
+    <p:extLst>
+      <p:ext uri="{BB962C8B-B14F-4D97-AF65-F5344CB8AC3E}">
+        <p14:creationId xmlns:p14="http://schemas.microsoft.com/office/powerpoint/2010/main" val="1818660360"/>
       </p:ext>
     </p:extLst>
   </p:cSld>
@@ -18642,7 +19353,7 @@
           <p:cNvPr id="10" name="Foliennummernplatzhalter 9">
             <a:extLst>
               <a:ext uri="{FF2B5EF4-FFF2-40B4-BE49-F238E27FC236}">
-                <a16:creationId xmlns:a16="http://schemas.microsoft.com/office/drawing/2014/main" xmlns="" id="{D931436D-0B25-4BC2-AB85-D177B4C7ED90}"/>
+                <a16:creationId xmlns:a16="http://schemas.microsoft.com/office/drawing/2014/main" id="{D931436D-0B25-4BC2-AB85-D177B4C7ED90}"/>
               </a:ext>
             </a:extLst>
           </p:cNvPr>
@@ -18692,7 +19403,7 @@
           <p:cNvPr id="12" name="Gerader Verbinder 11">
             <a:extLst>
               <a:ext uri="{FF2B5EF4-FFF2-40B4-BE49-F238E27FC236}">
-                <a16:creationId xmlns:a16="http://schemas.microsoft.com/office/drawing/2014/main" xmlns="" id="{4A855513-E5C1-4F05-A8FD-33AC62C22A5E}"/>
+                <a16:creationId xmlns:a16="http://schemas.microsoft.com/office/drawing/2014/main" id="{4A855513-E5C1-4F05-A8FD-33AC62C22A5E}"/>
               </a:ext>
             </a:extLst>
           </p:cNvPr>
@@ -18733,7 +19444,7 @@
           <p:cNvPr id="13" name="Gerader Verbinder 12">
             <a:extLst>
               <a:ext uri="{FF2B5EF4-FFF2-40B4-BE49-F238E27FC236}">
-                <a16:creationId xmlns:a16="http://schemas.microsoft.com/office/drawing/2014/main" xmlns="" id="{F2778992-5E28-437C-AEA9-F9BBD6E6F5BB}"/>
+                <a16:creationId xmlns:a16="http://schemas.microsoft.com/office/drawing/2014/main" id="{F2778992-5E28-437C-AEA9-F9BBD6E6F5BB}"/>
               </a:ext>
             </a:extLst>
           </p:cNvPr>
@@ -18774,7 +19485,7 @@
           <p:cNvPr id="14" name="Textfeld 13">
             <a:extLst>
               <a:ext uri="{FF2B5EF4-FFF2-40B4-BE49-F238E27FC236}">
-                <a16:creationId xmlns:a16="http://schemas.microsoft.com/office/drawing/2014/main" xmlns="" id="{6CF8FF9D-8A98-4CFA-94C2-E2074112639C}"/>
+                <a16:creationId xmlns:a16="http://schemas.microsoft.com/office/drawing/2014/main" id="{6CF8FF9D-8A98-4CFA-94C2-E2074112639C}"/>
               </a:ext>
             </a:extLst>
           </p:cNvPr>
@@ -18810,7 +19521,7 @@
           <p:cNvPr id="6" name="Textfeld 5">
             <a:extLst>
               <a:ext uri="{FF2B5EF4-FFF2-40B4-BE49-F238E27FC236}">
-                <a16:creationId xmlns:a16="http://schemas.microsoft.com/office/drawing/2014/main" xmlns="" id="{8E05CB3E-FC8B-4C84-8452-A027AF29808D}"/>
+                <a16:creationId xmlns:a16="http://schemas.microsoft.com/office/drawing/2014/main" id="{8E05CB3E-FC8B-4C84-8452-A027AF29808D}"/>
               </a:ext>
             </a:extLst>
           </p:cNvPr>
@@ -18852,7 +19563,7 @@
           <p:cNvPr id="8" name="Textfeld 7">
             <a:extLst>
               <a:ext uri="{FF2B5EF4-FFF2-40B4-BE49-F238E27FC236}">
-                <a16:creationId xmlns:a16="http://schemas.microsoft.com/office/drawing/2014/main" xmlns="" id="{4842BEFA-10C3-45C0-8997-167BE0586DAC}"/>
+                <a16:creationId xmlns:a16="http://schemas.microsoft.com/office/drawing/2014/main" id="{4842BEFA-10C3-45C0-8997-167BE0586DAC}"/>
               </a:ext>
             </a:extLst>
           </p:cNvPr>
@@ -18911,7 +19622,7 @@
           <p:cNvPr id="3" name="Textfeld 2">
             <a:extLst>
               <a:ext uri="{FF2B5EF4-FFF2-40B4-BE49-F238E27FC236}">
-                <a16:creationId xmlns:a16="http://schemas.microsoft.com/office/drawing/2014/main" xmlns="" id="{B616C74B-1A1C-4612-8D7A-608508876D6B}"/>
+                <a16:creationId xmlns:a16="http://schemas.microsoft.com/office/drawing/2014/main" id="{B616C74B-1A1C-4612-8D7A-608508876D6B}"/>
               </a:ext>
             </a:extLst>
           </p:cNvPr>
@@ -18946,10 +19657,10 @@
           <p:cNvPr id="4" name="Grafik 3">
             <a:extLst>
               <a:ext uri="{FF2B5EF4-FFF2-40B4-BE49-F238E27FC236}">
-                <a16:creationId xmlns:a16="http://schemas.microsoft.com/office/drawing/2014/main" xmlns="" id="{18938379-4D21-4DC3-9DFE-4CE90527DD2F}"/>
+                <a16:creationId xmlns:a16="http://schemas.microsoft.com/office/drawing/2014/main" id="{18938379-4D21-4DC3-9DFE-4CE90527DD2F}"/>
               </a:ext>
               <a:ext uri="{C183D7F6-B498-43B3-948B-1728B52AA6E4}">
-                <adec:decorative xmlns:adec="http://schemas.microsoft.com/office/drawing/2017/decorative" xmlns="" val="0"/>
+                <adec:decorative xmlns:adec="http://schemas.microsoft.com/office/drawing/2017/decorative" val="0"/>
               </a:ext>
             </a:extLst>
           </p:cNvPr>
@@ -18979,7 +19690,7 @@
           <p:cNvPr id="18" name="Grafik 17">
             <a:extLst>
               <a:ext uri="{FF2B5EF4-FFF2-40B4-BE49-F238E27FC236}">
-                <a16:creationId xmlns:a16="http://schemas.microsoft.com/office/drawing/2014/main" xmlns="" id="{FEB27C32-4E21-40FF-95F0-06C23EE6D5BA}"/>
+                <a16:creationId xmlns:a16="http://schemas.microsoft.com/office/drawing/2014/main" id="{FEB27C32-4E21-40FF-95F0-06C23EE6D5BA}"/>
               </a:ext>
             </a:extLst>
           </p:cNvPr>
@@ -19039,7 +19750,7 @@
           <p:cNvPr id="10" name="Foliennummernplatzhalter 9">
             <a:extLst>
               <a:ext uri="{FF2B5EF4-FFF2-40B4-BE49-F238E27FC236}">
-                <a16:creationId xmlns:a16="http://schemas.microsoft.com/office/drawing/2014/main" xmlns="" id="{D931436D-0B25-4BC2-AB85-D177B4C7ED90}"/>
+                <a16:creationId xmlns:a16="http://schemas.microsoft.com/office/drawing/2014/main" id="{D931436D-0B25-4BC2-AB85-D177B4C7ED90}"/>
               </a:ext>
             </a:extLst>
           </p:cNvPr>
@@ -19089,7 +19800,7 @@
           <p:cNvPr id="12" name="Gerader Verbinder 11">
             <a:extLst>
               <a:ext uri="{FF2B5EF4-FFF2-40B4-BE49-F238E27FC236}">
-                <a16:creationId xmlns:a16="http://schemas.microsoft.com/office/drawing/2014/main" xmlns="" id="{4A855513-E5C1-4F05-A8FD-33AC62C22A5E}"/>
+                <a16:creationId xmlns:a16="http://schemas.microsoft.com/office/drawing/2014/main" id="{4A855513-E5C1-4F05-A8FD-33AC62C22A5E}"/>
               </a:ext>
             </a:extLst>
           </p:cNvPr>
@@ -19130,7 +19841,7 @@
           <p:cNvPr id="13" name="Gerader Verbinder 12">
             <a:extLst>
               <a:ext uri="{FF2B5EF4-FFF2-40B4-BE49-F238E27FC236}">
-                <a16:creationId xmlns:a16="http://schemas.microsoft.com/office/drawing/2014/main" xmlns="" id="{F2778992-5E28-437C-AEA9-F9BBD6E6F5BB}"/>
+                <a16:creationId xmlns:a16="http://schemas.microsoft.com/office/drawing/2014/main" id="{F2778992-5E28-437C-AEA9-F9BBD6E6F5BB}"/>
               </a:ext>
             </a:extLst>
           </p:cNvPr>
@@ -19171,7 +19882,7 @@
           <p:cNvPr id="14" name="Textfeld 13">
             <a:extLst>
               <a:ext uri="{FF2B5EF4-FFF2-40B4-BE49-F238E27FC236}">
-                <a16:creationId xmlns:a16="http://schemas.microsoft.com/office/drawing/2014/main" xmlns="" id="{6CF8FF9D-8A98-4CFA-94C2-E2074112639C}"/>
+                <a16:creationId xmlns:a16="http://schemas.microsoft.com/office/drawing/2014/main" id="{6CF8FF9D-8A98-4CFA-94C2-E2074112639C}"/>
               </a:ext>
             </a:extLst>
           </p:cNvPr>
@@ -19207,7 +19918,7 @@
           <p:cNvPr id="6" name="Textfeld 5">
             <a:extLst>
               <a:ext uri="{FF2B5EF4-FFF2-40B4-BE49-F238E27FC236}">
-                <a16:creationId xmlns:a16="http://schemas.microsoft.com/office/drawing/2014/main" xmlns="" id="{8E05CB3E-FC8B-4C84-8452-A027AF29808D}"/>
+                <a16:creationId xmlns:a16="http://schemas.microsoft.com/office/drawing/2014/main" id="{8E05CB3E-FC8B-4C84-8452-A027AF29808D}"/>
               </a:ext>
             </a:extLst>
           </p:cNvPr>
@@ -19249,7 +19960,7 @@
           <p:cNvPr id="8" name="Textfeld 7">
             <a:extLst>
               <a:ext uri="{FF2B5EF4-FFF2-40B4-BE49-F238E27FC236}">
-                <a16:creationId xmlns:a16="http://schemas.microsoft.com/office/drawing/2014/main" xmlns="" id="{4842BEFA-10C3-45C0-8997-167BE0586DAC}"/>
+                <a16:creationId xmlns:a16="http://schemas.microsoft.com/office/drawing/2014/main" id="{4842BEFA-10C3-45C0-8997-167BE0586DAC}"/>
               </a:ext>
             </a:extLst>
           </p:cNvPr>
@@ -19289,7 +20000,7 @@
           <p:cNvPr id="3" name="Textfeld 2">
             <a:extLst>
               <a:ext uri="{FF2B5EF4-FFF2-40B4-BE49-F238E27FC236}">
-                <a16:creationId xmlns:a16="http://schemas.microsoft.com/office/drawing/2014/main" xmlns="" id="{B616C74B-1A1C-4612-8D7A-608508876D6B}"/>
+                <a16:creationId xmlns:a16="http://schemas.microsoft.com/office/drawing/2014/main" id="{B616C74B-1A1C-4612-8D7A-608508876D6B}"/>
               </a:ext>
             </a:extLst>
           </p:cNvPr>
@@ -19324,7 +20035,7 @@
           <p:cNvPr id="9" name="Grafik 8">
             <a:extLst>
               <a:ext uri="{FF2B5EF4-FFF2-40B4-BE49-F238E27FC236}">
-                <a16:creationId xmlns:a16="http://schemas.microsoft.com/office/drawing/2014/main" xmlns="" id="{FE433633-AAB8-4AC8-80DF-33EE4B97A434}"/>
+                <a16:creationId xmlns:a16="http://schemas.microsoft.com/office/drawing/2014/main" id="{FE433633-AAB8-4AC8-80DF-33EE4B97A434}"/>
               </a:ext>
             </a:extLst>
           </p:cNvPr>
@@ -19384,7 +20095,7 @@
           <p:cNvPr id="10" name="Foliennummernplatzhalter 9">
             <a:extLst>
               <a:ext uri="{FF2B5EF4-FFF2-40B4-BE49-F238E27FC236}">
-                <a16:creationId xmlns:a16="http://schemas.microsoft.com/office/drawing/2014/main" xmlns="" id="{D931436D-0B25-4BC2-AB85-D177B4C7ED90}"/>
+                <a16:creationId xmlns:a16="http://schemas.microsoft.com/office/drawing/2014/main" id="{D931436D-0B25-4BC2-AB85-D177B4C7ED90}"/>
               </a:ext>
             </a:extLst>
           </p:cNvPr>
@@ -19434,7 +20145,7 @@
           <p:cNvPr id="12" name="Gerader Verbinder 11">
             <a:extLst>
               <a:ext uri="{FF2B5EF4-FFF2-40B4-BE49-F238E27FC236}">
-                <a16:creationId xmlns:a16="http://schemas.microsoft.com/office/drawing/2014/main" xmlns="" id="{4A855513-E5C1-4F05-A8FD-33AC62C22A5E}"/>
+                <a16:creationId xmlns:a16="http://schemas.microsoft.com/office/drawing/2014/main" id="{4A855513-E5C1-4F05-A8FD-33AC62C22A5E}"/>
               </a:ext>
             </a:extLst>
           </p:cNvPr>
@@ -19475,7 +20186,7 @@
           <p:cNvPr id="13" name="Gerader Verbinder 12">
             <a:extLst>
               <a:ext uri="{FF2B5EF4-FFF2-40B4-BE49-F238E27FC236}">
-                <a16:creationId xmlns:a16="http://schemas.microsoft.com/office/drawing/2014/main" xmlns="" id="{F2778992-5E28-437C-AEA9-F9BBD6E6F5BB}"/>
+                <a16:creationId xmlns:a16="http://schemas.microsoft.com/office/drawing/2014/main" id="{F2778992-5E28-437C-AEA9-F9BBD6E6F5BB}"/>
               </a:ext>
             </a:extLst>
           </p:cNvPr>
@@ -19516,7 +20227,7 @@
           <p:cNvPr id="14" name="Textfeld 13">
             <a:extLst>
               <a:ext uri="{FF2B5EF4-FFF2-40B4-BE49-F238E27FC236}">
-                <a16:creationId xmlns:a16="http://schemas.microsoft.com/office/drawing/2014/main" xmlns="" id="{6CF8FF9D-8A98-4CFA-94C2-E2074112639C}"/>
+                <a16:creationId xmlns:a16="http://schemas.microsoft.com/office/drawing/2014/main" id="{6CF8FF9D-8A98-4CFA-94C2-E2074112639C}"/>
               </a:ext>
             </a:extLst>
           </p:cNvPr>
@@ -19552,7 +20263,7 @@
           <p:cNvPr id="6" name="Textfeld 5">
             <a:extLst>
               <a:ext uri="{FF2B5EF4-FFF2-40B4-BE49-F238E27FC236}">
-                <a16:creationId xmlns:a16="http://schemas.microsoft.com/office/drawing/2014/main" xmlns="" id="{8E05CB3E-FC8B-4C84-8452-A027AF29808D}"/>
+                <a16:creationId xmlns:a16="http://schemas.microsoft.com/office/drawing/2014/main" id="{8E05CB3E-FC8B-4C84-8452-A027AF29808D}"/>
               </a:ext>
             </a:extLst>
           </p:cNvPr>
@@ -19594,7 +20305,7 @@
           <p:cNvPr id="8" name="Textfeld 7">
             <a:extLst>
               <a:ext uri="{FF2B5EF4-FFF2-40B4-BE49-F238E27FC236}">
-                <a16:creationId xmlns:a16="http://schemas.microsoft.com/office/drawing/2014/main" xmlns="" id="{4842BEFA-10C3-45C0-8997-167BE0586DAC}"/>
+                <a16:creationId xmlns:a16="http://schemas.microsoft.com/office/drawing/2014/main" id="{4842BEFA-10C3-45C0-8997-167BE0586DAC}"/>
               </a:ext>
             </a:extLst>
           </p:cNvPr>
@@ -19697,7 +20408,7 @@
           <p:cNvPr id="3" name="Textfeld 2">
             <a:extLst>
               <a:ext uri="{FF2B5EF4-FFF2-40B4-BE49-F238E27FC236}">
-                <a16:creationId xmlns:a16="http://schemas.microsoft.com/office/drawing/2014/main" xmlns="" id="{B616C74B-1A1C-4612-8D7A-608508876D6B}"/>
+                <a16:creationId xmlns:a16="http://schemas.microsoft.com/office/drawing/2014/main" id="{B616C74B-1A1C-4612-8D7A-608508876D6B}"/>
               </a:ext>
             </a:extLst>
           </p:cNvPr>
@@ -19732,7 +20443,7 @@
           <p:cNvPr id="5" name="Grafik 4">
             <a:extLst>
               <a:ext uri="{FF2B5EF4-FFF2-40B4-BE49-F238E27FC236}">
-                <a16:creationId xmlns:a16="http://schemas.microsoft.com/office/drawing/2014/main" xmlns="" id="{6954ED34-E542-4C7A-A5A9-41971B50B93B}"/>
+                <a16:creationId xmlns:a16="http://schemas.microsoft.com/office/drawing/2014/main" id="{6954ED34-E542-4C7A-A5A9-41971B50B93B}"/>
               </a:ext>
             </a:extLst>
           </p:cNvPr>
@@ -19792,7 +20503,7 @@
           <p:cNvPr id="10" name="Foliennummernplatzhalter 9">
             <a:extLst>
               <a:ext uri="{FF2B5EF4-FFF2-40B4-BE49-F238E27FC236}">
-                <a16:creationId xmlns:a16="http://schemas.microsoft.com/office/drawing/2014/main" xmlns="" id="{D931436D-0B25-4BC2-AB85-D177B4C7ED90}"/>
+                <a16:creationId xmlns:a16="http://schemas.microsoft.com/office/drawing/2014/main" id="{D931436D-0B25-4BC2-AB85-D177B4C7ED90}"/>
               </a:ext>
             </a:extLst>
           </p:cNvPr>
@@ -19842,7 +20553,7 @@
           <p:cNvPr id="12" name="Gerader Verbinder 11">
             <a:extLst>
               <a:ext uri="{FF2B5EF4-FFF2-40B4-BE49-F238E27FC236}">
-                <a16:creationId xmlns:a16="http://schemas.microsoft.com/office/drawing/2014/main" xmlns="" id="{4A855513-E5C1-4F05-A8FD-33AC62C22A5E}"/>
+                <a16:creationId xmlns:a16="http://schemas.microsoft.com/office/drawing/2014/main" id="{4A855513-E5C1-4F05-A8FD-33AC62C22A5E}"/>
               </a:ext>
             </a:extLst>
           </p:cNvPr>
@@ -19883,7 +20594,7 @@
           <p:cNvPr id="13" name="Gerader Verbinder 12">
             <a:extLst>
               <a:ext uri="{FF2B5EF4-FFF2-40B4-BE49-F238E27FC236}">
-                <a16:creationId xmlns:a16="http://schemas.microsoft.com/office/drawing/2014/main" xmlns="" id="{F2778992-5E28-437C-AEA9-F9BBD6E6F5BB}"/>
+                <a16:creationId xmlns:a16="http://schemas.microsoft.com/office/drawing/2014/main" id="{F2778992-5E28-437C-AEA9-F9BBD6E6F5BB}"/>
               </a:ext>
             </a:extLst>
           </p:cNvPr>
@@ -19924,7 +20635,7 @@
           <p:cNvPr id="14" name="Textfeld 13">
             <a:extLst>
               <a:ext uri="{FF2B5EF4-FFF2-40B4-BE49-F238E27FC236}">
-                <a16:creationId xmlns:a16="http://schemas.microsoft.com/office/drawing/2014/main" xmlns="" id="{6CF8FF9D-8A98-4CFA-94C2-E2074112639C}"/>
+                <a16:creationId xmlns:a16="http://schemas.microsoft.com/office/drawing/2014/main" id="{6CF8FF9D-8A98-4CFA-94C2-E2074112639C}"/>
               </a:ext>
             </a:extLst>
           </p:cNvPr>
@@ -19960,7 +20671,7 @@
           <p:cNvPr id="6" name="Textfeld 5">
             <a:extLst>
               <a:ext uri="{FF2B5EF4-FFF2-40B4-BE49-F238E27FC236}">
-                <a16:creationId xmlns:a16="http://schemas.microsoft.com/office/drawing/2014/main" xmlns="" id="{8E05CB3E-FC8B-4C84-8452-A027AF29808D}"/>
+                <a16:creationId xmlns:a16="http://schemas.microsoft.com/office/drawing/2014/main" id="{8E05CB3E-FC8B-4C84-8452-A027AF29808D}"/>
               </a:ext>
             </a:extLst>
           </p:cNvPr>
@@ -20005,7 +20716,7 @@
           <p:cNvPr id="8" name="Textfeld 7">
             <a:extLst>
               <a:ext uri="{FF2B5EF4-FFF2-40B4-BE49-F238E27FC236}">
-                <a16:creationId xmlns:a16="http://schemas.microsoft.com/office/drawing/2014/main" xmlns="" id="{4842BEFA-10C3-45C0-8997-167BE0586DAC}"/>
+                <a16:creationId xmlns:a16="http://schemas.microsoft.com/office/drawing/2014/main" id="{4842BEFA-10C3-45C0-8997-167BE0586DAC}"/>
               </a:ext>
             </a:extLst>
           </p:cNvPr>
@@ -20195,7 +20906,7 @@
           <p:cNvPr id="3" name="Textfeld 2">
             <a:extLst>
               <a:ext uri="{FF2B5EF4-FFF2-40B4-BE49-F238E27FC236}">
-                <a16:creationId xmlns:a16="http://schemas.microsoft.com/office/drawing/2014/main" xmlns="" id="{B616C74B-1A1C-4612-8D7A-608508876D6B}"/>
+                <a16:creationId xmlns:a16="http://schemas.microsoft.com/office/drawing/2014/main" id="{B616C74B-1A1C-4612-8D7A-608508876D6B}"/>
               </a:ext>
             </a:extLst>
           </p:cNvPr>
@@ -20260,7 +20971,7 @@
           <p:cNvPr id="10" name="Foliennummernplatzhalter 9">
             <a:extLst>
               <a:ext uri="{FF2B5EF4-FFF2-40B4-BE49-F238E27FC236}">
-                <a16:creationId xmlns:a16="http://schemas.microsoft.com/office/drawing/2014/main" xmlns="" id="{D931436D-0B25-4BC2-AB85-D177B4C7ED90}"/>
+                <a16:creationId xmlns:a16="http://schemas.microsoft.com/office/drawing/2014/main" id="{D931436D-0B25-4BC2-AB85-D177B4C7ED90}"/>
               </a:ext>
             </a:extLst>
           </p:cNvPr>
@@ -20310,7 +21021,7 @@
           <p:cNvPr id="12" name="Gerader Verbinder 11">
             <a:extLst>
               <a:ext uri="{FF2B5EF4-FFF2-40B4-BE49-F238E27FC236}">
-                <a16:creationId xmlns:a16="http://schemas.microsoft.com/office/drawing/2014/main" xmlns="" id="{4A855513-E5C1-4F05-A8FD-33AC62C22A5E}"/>
+                <a16:creationId xmlns:a16="http://schemas.microsoft.com/office/drawing/2014/main" id="{4A855513-E5C1-4F05-A8FD-33AC62C22A5E}"/>
               </a:ext>
             </a:extLst>
           </p:cNvPr>
@@ -20351,7 +21062,7 @@
           <p:cNvPr id="13" name="Gerader Verbinder 12">
             <a:extLst>
               <a:ext uri="{FF2B5EF4-FFF2-40B4-BE49-F238E27FC236}">
-                <a16:creationId xmlns:a16="http://schemas.microsoft.com/office/drawing/2014/main" xmlns="" id="{F2778992-5E28-437C-AEA9-F9BBD6E6F5BB}"/>
+                <a16:creationId xmlns:a16="http://schemas.microsoft.com/office/drawing/2014/main" id="{F2778992-5E28-437C-AEA9-F9BBD6E6F5BB}"/>
               </a:ext>
             </a:extLst>
           </p:cNvPr>
@@ -20392,7 +21103,7 @@
           <p:cNvPr id="14" name="Textfeld 13">
             <a:extLst>
               <a:ext uri="{FF2B5EF4-FFF2-40B4-BE49-F238E27FC236}">
-                <a16:creationId xmlns:a16="http://schemas.microsoft.com/office/drawing/2014/main" xmlns="" id="{6CF8FF9D-8A98-4CFA-94C2-E2074112639C}"/>
+                <a16:creationId xmlns:a16="http://schemas.microsoft.com/office/drawing/2014/main" id="{6CF8FF9D-8A98-4CFA-94C2-E2074112639C}"/>
               </a:ext>
             </a:extLst>
           </p:cNvPr>
@@ -20428,7 +21139,7 @@
           <p:cNvPr id="6" name="Textfeld 5">
             <a:extLst>
               <a:ext uri="{FF2B5EF4-FFF2-40B4-BE49-F238E27FC236}">
-                <a16:creationId xmlns:a16="http://schemas.microsoft.com/office/drawing/2014/main" xmlns="" id="{8E05CB3E-FC8B-4C84-8452-A027AF29808D}"/>
+                <a16:creationId xmlns:a16="http://schemas.microsoft.com/office/drawing/2014/main" id="{8E05CB3E-FC8B-4C84-8452-A027AF29808D}"/>
               </a:ext>
             </a:extLst>
           </p:cNvPr>
@@ -20473,7 +21184,7 @@
           <p:cNvPr id="8" name="Textfeld 7">
             <a:extLst>
               <a:ext uri="{FF2B5EF4-FFF2-40B4-BE49-F238E27FC236}">
-                <a16:creationId xmlns:a16="http://schemas.microsoft.com/office/drawing/2014/main" xmlns="" id="{4842BEFA-10C3-45C0-8997-167BE0586DAC}"/>
+                <a16:creationId xmlns:a16="http://schemas.microsoft.com/office/drawing/2014/main" id="{4842BEFA-10C3-45C0-8997-167BE0586DAC}"/>
               </a:ext>
             </a:extLst>
           </p:cNvPr>
@@ -20555,7 +21266,7 @@
           <p:cNvPr id="3" name="Textfeld 2">
             <a:extLst>
               <a:ext uri="{FF2B5EF4-FFF2-40B4-BE49-F238E27FC236}">
-                <a16:creationId xmlns:a16="http://schemas.microsoft.com/office/drawing/2014/main" xmlns="" id="{B616C74B-1A1C-4612-8D7A-608508876D6B}"/>
+                <a16:creationId xmlns:a16="http://schemas.microsoft.com/office/drawing/2014/main" id="{B616C74B-1A1C-4612-8D7A-608508876D6B}"/>
               </a:ext>
             </a:extLst>
           </p:cNvPr>
@@ -20592,7 +21303,7 @@
               <p:cNvPr id="11" name="Textfeld 10">
                 <a:extLst>
                   <a:ext uri="{FF2B5EF4-FFF2-40B4-BE49-F238E27FC236}">
-                    <a16:creationId xmlns:a16="http://schemas.microsoft.com/office/drawing/2014/main" xmlns="" id="{592B9E84-39A5-4D8D-ACE3-4A007C83F662}"/>
+                    <a16:creationId xmlns:a16="http://schemas.microsoft.com/office/drawing/2014/main" id="{592B9E84-39A5-4D8D-ACE3-4A007C83F662}"/>
                   </a:ext>
                 </a:extLst>
               </p:cNvPr>
@@ -20783,7 +21494,7 @@
           <p:cNvPr id="9" name="Textfeld 8">
             <a:extLst>
               <a:ext uri="{FF2B5EF4-FFF2-40B4-BE49-F238E27FC236}">
-                <a16:creationId xmlns:a16="http://schemas.microsoft.com/office/drawing/2014/main" xmlns="" id="{E0E7220F-EA15-48B0-B65C-F7D03C8374E7}"/>
+                <a16:creationId xmlns:a16="http://schemas.microsoft.com/office/drawing/2014/main" id="{E0E7220F-EA15-48B0-B65C-F7D03C8374E7}"/>
               </a:ext>
             </a:extLst>
           </p:cNvPr>
@@ -20849,7 +21560,7 @@
           <p:cNvPr id="10" name="Foliennummernplatzhalter 9">
             <a:extLst>
               <a:ext uri="{FF2B5EF4-FFF2-40B4-BE49-F238E27FC236}">
-                <a16:creationId xmlns:a16="http://schemas.microsoft.com/office/drawing/2014/main" xmlns="" id="{D931436D-0B25-4BC2-AB85-D177B4C7ED90}"/>
+                <a16:creationId xmlns:a16="http://schemas.microsoft.com/office/drawing/2014/main" id="{D931436D-0B25-4BC2-AB85-D177B4C7ED90}"/>
               </a:ext>
             </a:extLst>
           </p:cNvPr>
@@ -20899,7 +21610,7 @@
           <p:cNvPr id="12" name="Gerader Verbinder 11">
             <a:extLst>
               <a:ext uri="{FF2B5EF4-FFF2-40B4-BE49-F238E27FC236}">
-                <a16:creationId xmlns:a16="http://schemas.microsoft.com/office/drawing/2014/main" xmlns="" id="{4A855513-E5C1-4F05-A8FD-33AC62C22A5E}"/>
+                <a16:creationId xmlns:a16="http://schemas.microsoft.com/office/drawing/2014/main" id="{4A855513-E5C1-4F05-A8FD-33AC62C22A5E}"/>
               </a:ext>
             </a:extLst>
           </p:cNvPr>
@@ -20940,7 +21651,7 @@
           <p:cNvPr id="13" name="Gerader Verbinder 12">
             <a:extLst>
               <a:ext uri="{FF2B5EF4-FFF2-40B4-BE49-F238E27FC236}">
-                <a16:creationId xmlns:a16="http://schemas.microsoft.com/office/drawing/2014/main" xmlns="" id="{F2778992-5E28-437C-AEA9-F9BBD6E6F5BB}"/>
+                <a16:creationId xmlns:a16="http://schemas.microsoft.com/office/drawing/2014/main" id="{F2778992-5E28-437C-AEA9-F9BBD6E6F5BB}"/>
               </a:ext>
             </a:extLst>
           </p:cNvPr>
@@ -20981,7 +21692,7 @@
           <p:cNvPr id="14" name="Textfeld 13">
             <a:extLst>
               <a:ext uri="{FF2B5EF4-FFF2-40B4-BE49-F238E27FC236}">
-                <a16:creationId xmlns:a16="http://schemas.microsoft.com/office/drawing/2014/main" xmlns="" id="{6CF8FF9D-8A98-4CFA-94C2-E2074112639C}"/>
+                <a16:creationId xmlns:a16="http://schemas.microsoft.com/office/drawing/2014/main" id="{6CF8FF9D-8A98-4CFA-94C2-E2074112639C}"/>
               </a:ext>
             </a:extLst>
           </p:cNvPr>
@@ -21017,7 +21728,7 @@
           <p:cNvPr id="6" name="Textfeld 5">
             <a:extLst>
               <a:ext uri="{FF2B5EF4-FFF2-40B4-BE49-F238E27FC236}">
-                <a16:creationId xmlns:a16="http://schemas.microsoft.com/office/drawing/2014/main" xmlns="" id="{8E05CB3E-FC8B-4C84-8452-A027AF29808D}"/>
+                <a16:creationId xmlns:a16="http://schemas.microsoft.com/office/drawing/2014/main" id="{8E05CB3E-FC8B-4C84-8452-A027AF29808D}"/>
               </a:ext>
             </a:extLst>
           </p:cNvPr>
@@ -21062,7 +21773,7 @@
           <p:cNvPr id="3" name="Textfeld 2">
             <a:extLst>
               <a:ext uri="{FF2B5EF4-FFF2-40B4-BE49-F238E27FC236}">
-                <a16:creationId xmlns:a16="http://schemas.microsoft.com/office/drawing/2014/main" xmlns="" id="{B616C74B-1A1C-4612-8D7A-608508876D6B}"/>
+                <a16:creationId xmlns:a16="http://schemas.microsoft.com/office/drawing/2014/main" id="{B616C74B-1A1C-4612-8D7A-608508876D6B}"/>
               </a:ext>
             </a:extLst>
           </p:cNvPr>
@@ -21097,7 +21808,7 @@
           <p:cNvPr id="15" name="Grafik 14">
             <a:extLst>
               <a:ext uri="{FF2B5EF4-FFF2-40B4-BE49-F238E27FC236}">
-                <a16:creationId xmlns:a16="http://schemas.microsoft.com/office/drawing/2014/main" xmlns="" id="{136B5BB8-033D-440E-AC9E-E20865012A33}"/>
+                <a16:creationId xmlns:a16="http://schemas.microsoft.com/office/drawing/2014/main" id="{136B5BB8-033D-440E-AC9E-E20865012A33}"/>
               </a:ext>
             </a:extLst>
           </p:cNvPr>
@@ -21127,7 +21838,7 @@
           <p:cNvPr id="16" name="Textfeld 15">
             <a:extLst>
               <a:ext uri="{FF2B5EF4-FFF2-40B4-BE49-F238E27FC236}">
-                <a16:creationId xmlns:a16="http://schemas.microsoft.com/office/drawing/2014/main" xmlns="" id="{9FB9C9A7-C04C-436A-82EC-08E6EA453C8E}"/>
+                <a16:creationId xmlns:a16="http://schemas.microsoft.com/office/drawing/2014/main" id="{9FB9C9A7-C04C-436A-82EC-08E6EA453C8E}"/>
               </a:ext>
             </a:extLst>
           </p:cNvPr>

--- a/Dokumentation/Container - Präsentation.pptx
+++ b/Dokumentation/Container - Präsentation.pptx
@@ -5,7 +5,7 @@
     <p:sldMasterId id="2147483660" r:id="rId1"/>
   </p:sldMasterIdLst>
   <p:notesMasterIdLst>
-    <p:notesMasterId r:id="rId33"/>
+    <p:notesMasterId r:id="rId36"/>
   </p:notesMasterIdLst>
   <p:sldIdLst>
     <p:sldId id="256" r:id="rId2"/>
@@ -26,19 +26,22 @@
     <p:sldId id="287" r:id="rId17"/>
     <p:sldId id="276" r:id="rId18"/>
     <p:sldId id="259" r:id="rId19"/>
-    <p:sldId id="273" r:id="rId20"/>
-    <p:sldId id="269" r:id="rId21"/>
-    <p:sldId id="274" r:id="rId22"/>
-    <p:sldId id="271" r:id="rId23"/>
-    <p:sldId id="275" r:id="rId24"/>
-    <p:sldId id="277" r:id="rId25"/>
-    <p:sldId id="279" r:id="rId26"/>
-    <p:sldId id="280" r:id="rId27"/>
-    <p:sldId id="281" r:id="rId28"/>
-    <p:sldId id="291" r:id="rId29"/>
-    <p:sldId id="293" r:id="rId30"/>
-    <p:sldId id="284" r:id="rId31"/>
-    <p:sldId id="270" r:id="rId32"/>
+    <p:sldId id="298" r:id="rId20"/>
+    <p:sldId id="273" r:id="rId21"/>
+    <p:sldId id="269" r:id="rId22"/>
+    <p:sldId id="297" r:id="rId23"/>
+    <p:sldId id="274" r:id="rId24"/>
+    <p:sldId id="271" r:id="rId25"/>
+    <p:sldId id="295" r:id="rId26"/>
+    <p:sldId id="296" r:id="rId27"/>
+    <p:sldId id="277" r:id="rId28"/>
+    <p:sldId id="279" r:id="rId29"/>
+    <p:sldId id="280" r:id="rId30"/>
+    <p:sldId id="281" r:id="rId31"/>
+    <p:sldId id="291" r:id="rId32"/>
+    <p:sldId id="293" r:id="rId33"/>
+    <p:sldId id="284" r:id="rId34"/>
+    <p:sldId id="270" r:id="rId35"/>
   </p:sldIdLst>
   <p:sldSz cx="12192000" cy="6858000"/>
   <p:notesSz cx="6858000" cy="9144000"/>
@@ -176,19 +179,22 @@
         <p14:section name="Grund Container - Stack" id="{AB138D7D-5257-4AC1-97C4-F3216E9261FC}">
           <p14:sldIdLst>
             <p14:sldId id="259"/>
+            <p14:sldId id="298"/>
             <p14:sldId id="273"/>
           </p14:sldIdLst>
         </p14:section>
         <p14:section name="Grund Container - Queue" id="{B6CE74E8-2263-4326-9D7D-E54E0F682509}">
           <p14:sldIdLst>
             <p14:sldId id="269"/>
+            <p14:sldId id="297"/>
             <p14:sldId id="274"/>
           </p14:sldIdLst>
         </p14:section>
         <p14:section name="Grund Container - LinkedList" id="{C90840DB-5EAB-44C6-95B9-84027DDFB03F}">
           <p14:sldIdLst>
             <p14:sldId id="271"/>
-            <p14:sldId id="275"/>
+            <p14:sldId id="295"/>
+            <p14:sldId id="296"/>
           </p14:sldIdLst>
         </p14:section>
         <p14:section name="Generelle Container - String" id="{ACCC2BC6-8B65-42FD-B73F-CA1A47F6D588}">
@@ -650,7 +656,7 @@
           <a:p>
             <a:fld id="{2919E70D-7C09-4F1E-BCC5-F7A963131563}" type="slidenum">
               <a:rPr lang="de-DE" smtClean="0"/>
-              <a:t>22</a:t>
+              <a:t>24</a:t>
             </a:fld>
             <a:endParaRPr lang="de-DE"/>
           </a:p>
@@ -3853,7 +3859,7 @@
           <a:p>
             <a:r>
               <a:rPr lang="de-DE" sz="2000" b="1" dirty="0"/>
-              <a:t>2. Grundcontainer [List] </a:t>
+              <a:t>2.1 Grundcontainer [List] </a:t>
             </a:r>
           </a:p>
           <a:p>
@@ -4161,7 +4167,7 @@
           <a:p>
             <a:r>
               <a:rPr lang="de-DE" sz="2000" b="1" dirty="0"/>
-              <a:t>2. Grundcontainer [List] </a:t>
+              <a:t>2.1 Grundcontainer [List] </a:t>
             </a:r>
           </a:p>
           <a:p>
@@ -5575,7 +5581,7 @@
           <a:p>
             <a:r>
               <a:rPr lang="de-DE" sz="2000" b="1" dirty="0"/>
-              <a:t>2. Grundcontainer [List] </a:t>
+              <a:t>2.1 Grundcontainer [List] </a:t>
             </a:r>
           </a:p>
           <a:p>
@@ -6627,7 +6633,7 @@
           <a:p>
             <a:r>
               <a:rPr lang="de-DE" sz="2000" b="1" dirty="0"/>
-              <a:t>2. Grundcontainer [Dictionary] </a:t>
+              <a:t>2.2 Grundcontainer [Dictionary] </a:t>
             </a:r>
           </a:p>
           <a:p>
@@ -7049,7 +7055,7 @@
           <a:p>
             <a:r>
               <a:rPr lang="de-DE" sz="2000" b="1" dirty="0"/>
-              <a:t>2. Grundcontainer [Dictionary] </a:t>
+              <a:t>2.2 Grundcontainer [Dictionary] </a:t>
             </a:r>
           </a:p>
           <a:p>
@@ -7470,7 +7476,7 @@
           <a:p>
             <a:r>
               <a:rPr lang="de-DE" sz="2000" b="1" dirty="0"/>
-              <a:t>2. Grundcontainer [Dictionary] </a:t>
+              <a:t>2.2 Grundcontainer [Dictionary] </a:t>
             </a:r>
           </a:p>
           <a:p>
@@ -7778,7 +7784,7 @@
           <a:p>
             <a:r>
               <a:rPr lang="de-DE" sz="2000" b="1" dirty="0"/>
-              <a:t>2. Grundcontainer [Dictionary] </a:t>
+              <a:t>2.2 Grundcontainer [Dictionary] </a:t>
             </a:r>
           </a:p>
           <a:p>
@@ -8987,7 +8993,7 @@
           <a:p>
             <a:r>
               <a:rPr lang="de-DE" sz="2000" b="1" dirty="0"/>
-              <a:t>2. Grundcontainer [Dictionary] </a:t>
+              <a:t>2.2 Grundcontainer [Dictionary] </a:t>
             </a:r>
           </a:p>
           <a:p>
@@ -9704,7 +9710,7 @@
           <a:p>
             <a:r>
               <a:rPr lang="de-DE" sz="2000" b="1" dirty="0"/>
-              <a:t>2.3 Stack</a:t>
+              <a:t>2.3 Grundcontainer Stack</a:t>
             </a:r>
           </a:p>
           <a:p>
@@ -9969,10 +9975,10 @@
       </p:sp>
       <p:sp>
         <p:nvSpPr>
-          <p:cNvPr id="6" name="Textfeld 5">
-            <a:extLst>
-              <a:ext uri="{FF2B5EF4-FFF2-40B4-BE49-F238E27FC236}">
-                <a16:creationId xmlns:a16="http://schemas.microsoft.com/office/drawing/2014/main" id="{8E05CB3E-FC8B-4C84-8452-A027AF29808D}"/>
+          <p:cNvPr id="9" name="Textfeld 8">
+            <a:extLst>
+              <a:ext uri="{FF2B5EF4-FFF2-40B4-BE49-F238E27FC236}">
+                <a16:creationId xmlns:a16="http://schemas.microsoft.com/office/drawing/2014/main" id="{7EEB7CFC-47CB-491B-B650-AC8E7A974B2C}"/>
               </a:ext>
             </a:extLst>
           </p:cNvPr>
@@ -9997,7 +10003,7 @@
           <a:p>
             <a:r>
               <a:rPr lang="de-DE" sz="2000" b="1" dirty="0"/>
-              <a:t>2.3 Stack</a:t>
+              <a:t>2.3 Grundcontainer Stack</a:t>
             </a:r>
           </a:p>
           <a:p>
@@ -10012,827 +10018,75 @@
           </a:p>
         </p:txBody>
       </p:sp>
+      <p:sp>
+        <p:nvSpPr>
+          <p:cNvPr id="11" name="Textfeld 10">
+            <a:extLst>
+              <a:ext uri="{FF2B5EF4-FFF2-40B4-BE49-F238E27FC236}">
+                <a16:creationId xmlns:a16="http://schemas.microsoft.com/office/drawing/2014/main" id="{3F7F28C9-9006-406C-9373-9008712D3B9C}"/>
+              </a:ext>
+            </a:extLst>
+          </p:cNvPr>
+          <p:cNvSpPr txBox="1"/>
+          <p:nvPr/>
+        </p:nvSpPr>
+        <p:spPr>
+          <a:xfrm>
+            <a:off x="933061" y="1678143"/>
+            <a:ext cx="4152123" cy="369332"/>
+          </a:xfrm>
+          <a:prstGeom prst="rect">
+            <a:avLst/>
+          </a:prstGeom>
+          <a:noFill/>
+        </p:spPr>
+        <p:txBody>
+          <a:bodyPr wrap="square" rtlCol="0">
+            <a:spAutoFit/>
+          </a:bodyPr>
+          <a:lstStyle/>
+          <a:p>
+            <a:r>
+              <a:rPr lang="de-DE" dirty="0"/>
+              <a:t>Stack [Alle Funktionen]:</a:t>
+            </a:r>
+          </a:p>
+        </p:txBody>
+      </p:sp>
       <p:pic>
         <p:nvPicPr>
-          <p:cNvPr id="3" name="Grafik 2"/>
+          <p:cNvPr id="5" name="Grafik 4">
+            <a:extLst>
+              <a:ext uri="{FF2B5EF4-FFF2-40B4-BE49-F238E27FC236}">
+                <a16:creationId xmlns:a16="http://schemas.microsoft.com/office/drawing/2014/main" id="{C924FE9A-8AAB-4710-A15C-153C5256B73A}"/>
+              </a:ext>
+            </a:extLst>
+          </p:cNvPr>
           <p:cNvPicPr>
             <a:picLocks noChangeAspect="1"/>
           </p:cNvPicPr>
           <p:nvPr/>
         </p:nvPicPr>
         <p:blipFill>
-          <a:blip r:embed="rId2">
-            <a:extLst>
-              <a:ext uri="{28A0092B-C50C-407E-A947-70E740481C1C}">
-                <a14:useLocalDpi xmlns:a14="http://schemas.microsoft.com/office/drawing/2010/main" val="0"/>
-              </a:ext>
-            </a:extLst>
-          </a:blip>
+          <a:blip r:embed="rId2"/>
           <a:stretch>
             <a:fillRect/>
           </a:stretch>
         </p:blipFill>
         <p:spPr>
           <a:xfrm>
-            <a:off x="773013" y="1793291"/>
-            <a:ext cx="6155851" cy="4065474"/>
+            <a:off x="1332030" y="2252138"/>
+            <a:ext cx="6658904" cy="1867161"/>
           </a:xfrm>
           <a:prstGeom prst="rect">
             <a:avLst/>
           </a:prstGeom>
         </p:spPr>
       </p:pic>
-      <p:graphicFrame>
-        <p:nvGraphicFramePr>
-          <p:cNvPr id="4" name="Tabelle 3"/>
-          <p:cNvGraphicFramePr>
-            <a:graphicFrameLocks noGrp="1"/>
-          </p:cNvGraphicFramePr>
-          <p:nvPr>
-            <p:extLst>
-              <p:ext uri="{D42A27DB-BD31-4B8C-83A1-F6EECF244321}">
-                <p14:modId xmlns:p14="http://schemas.microsoft.com/office/powerpoint/2010/main" val="1876004447"/>
-              </p:ext>
-            </p:extLst>
-          </p:nvPr>
-        </p:nvGraphicFramePr>
-        <p:xfrm>
-          <a:off x="4668333" y="2467626"/>
-          <a:ext cx="6476566" cy="1854200"/>
-        </p:xfrm>
-        <a:graphic>
-          <a:graphicData uri="http://schemas.openxmlformats.org/drawingml/2006/table">
-            <a:tbl>
-              <a:tblPr firstRow="1" bandRow="1">
-                <a:tableStyleId>{5940675A-B579-460E-94D1-54222C63F5DA}</a:tableStyleId>
-              </a:tblPr>
-              <a:tblGrid>
-                <a:gridCol w="1089020">
-                  <a:extLst>
-                    <a:ext uri="{9D8B030D-6E8A-4147-A177-3AD203B41FA5}">
-                      <a16:colId xmlns:a16="http://schemas.microsoft.com/office/drawing/2014/main" val="20000"/>
-                    </a:ext>
-                  </a:extLst>
-                </a:gridCol>
-                <a:gridCol w="996778">
-                  <a:extLst>
-                    <a:ext uri="{9D8B030D-6E8A-4147-A177-3AD203B41FA5}">
-                      <a16:colId xmlns:a16="http://schemas.microsoft.com/office/drawing/2014/main" val="20001"/>
-                    </a:ext>
-                  </a:extLst>
-                </a:gridCol>
-                <a:gridCol w="2075935">
-                  <a:extLst>
-                    <a:ext uri="{9D8B030D-6E8A-4147-A177-3AD203B41FA5}">
-                      <a16:colId xmlns:a16="http://schemas.microsoft.com/office/drawing/2014/main" val="20002"/>
-                    </a:ext>
-                  </a:extLst>
-                </a:gridCol>
-                <a:gridCol w="2314833">
-                  <a:extLst>
-                    <a:ext uri="{9D8B030D-6E8A-4147-A177-3AD203B41FA5}">
-                      <a16:colId xmlns:a16="http://schemas.microsoft.com/office/drawing/2014/main" val="20003"/>
-                    </a:ext>
-                  </a:extLst>
-                </a:gridCol>
-              </a:tblGrid>
-              <a:tr h="370840">
-                <a:tc>
-                  <a:txBody>
-                    <a:bodyPr/>
-                    <a:lstStyle/>
-                    <a:p>
-                      <a:pPr algn="just">
-                        <a:lnSpc>
-                          <a:spcPct val="107000"/>
-                        </a:lnSpc>
-                        <a:spcAft>
-                          <a:spcPts val="0"/>
-                        </a:spcAft>
-                      </a:pPr>
-                      <a:r>
-                        <a:rPr lang="de-DE" sz="1100" b="1" dirty="0">
-                          <a:effectLst/>
-                          <a:latin typeface="Calibri" panose="020F0502020204030204" pitchFamily="34" charset="0"/>
-                          <a:ea typeface="Calibri" panose="020F0502020204030204" pitchFamily="34" charset="0"/>
-                          <a:cs typeface="Times New Roman" panose="02020603050405020304" pitchFamily="18" charset="0"/>
-                        </a:rPr>
-                        <a:t>Funktionsname</a:t>
-                      </a:r>
-                      <a:endParaRPr lang="de-DE" sz="1100" dirty="0">
-                        <a:effectLst/>
-                        <a:latin typeface="Calibri" panose="020F0502020204030204" pitchFamily="34" charset="0"/>
-                        <a:ea typeface="Calibri" panose="020F0502020204030204" pitchFamily="34" charset="0"/>
-                        <a:cs typeface="Times New Roman" panose="02020603050405020304" pitchFamily="18" charset="0"/>
-                      </a:endParaRPr>
-                    </a:p>
-                  </a:txBody>
-                  <a:tcPr marL="68580" marR="68580" marT="0" marB="0"/>
-                </a:tc>
-                <a:tc>
-                  <a:txBody>
-                    <a:bodyPr/>
-                    <a:lstStyle/>
-                    <a:p>
-                      <a:pPr algn="just">
-                        <a:lnSpc>
-                          <a:spcPct val="107000"/>
-                        </a:lnSpc>
-                        <a:spcAft>
-                          <a:spcPts val="0"/>
-                        </a:spcAft>
-                      </a:pPr>
-                      <a:r>
-                        <a:rPr lang="de-DE" sz="1100" b="1" dirty="0">
-                          <a:effectLst/>
-                          <a:latin typeface="Calibri" panose="020F0502020204030204" pitchFamily="34" charset="0"/>
-                          <a:ea typeface="Calibri" panose="020F0502020204030204" pitchFamily="34" charset="0"/>
-                          <a:cs typeface="Times New Roman" panose="02020603050405020304" pitchFamily="18" charset="0"/>
-                        </a:rPr>
-                        <a:t>Rückgabewert</a:t>
-                      </a:r>
-                      <a:endParaRPr lang="de-DE" sz="1100" dirty="0">
-                        <a:effectLst/>
-                        <a:latin typeface="Calibri" panose="020F0502020204030204" pitchFamily="34" charset="0"/>
-                        <a:ea typeface="Calibri" panose="020F0502020204030204" pitchFamily="34" charset="0"/>
-                        <a:cs typeface="Times New Roman" panose="02020603050405020304" pitchFamily="18" charset="0"/>
-                      </a:endParaRPr>
-                    </a:p>
-                  </a:txBody>
-                  <a:tcPr marL="68580" marR="68580" marT="0" marB="0"/>
-                </a:tc>
-                <a:tc>
-                  <a:txBody>
-                    <a:bodyPr/>
-                    <a:lstStyle/>
-                    <a:p>
-                      <a:pPr algn="just">
-                        <a:lnSpc>
-                          <a:spcPct val="107000"/>
-                        </a:lnSpc>
-                        <a:spcAft>
-                          <a:spcPts val="0"/>
-                        </a:spcAft>
-                      </a:pPr>
-                      <a:r>
-                        <a:rPr lang="de-DE" sz="1100" b="1">
-                          <a:effectLst/>
-                          <a:latin typeface="Calibri" panose="020F0502020204030204" pitchFamily="34" charset="0"/>
-                          <a:ea typeface="Calibri" panose="020F0502020204030204" pitchFamily="34" charset="0"/>
-                          <a:cs typeface="Times New Roman" panose="02020603050405020304" pitchFamily="18" charset="0"/>
-                        </a:rPr>
-                        <a:t>Parameter</a:t>
-                      </a:r>
-                      <a:endParaRPr lang="de-DE" sz="1100">
-                        <a:effectLst/>
-                        <a:latin typeface="Calibri" panose="020F0502020204030204" pitchFamily="34" charset="0"/>
-                        <a:ea typeface="Calibri" panose="020F0502020204030204" pitchFamily="34" charset="0"/>
-                        <a:cs typeface="Times New Roman" panose="02020603050405020304" pitchFamily="18" charset="0"/>
-                      </a:endParaRPr>
-                    </a:p>
-                  </a:txBody>
-                  <a:tcPr marL="68580" marR="68580" marT="0" marB="0"/>
-                </a:tc>
-                <a:tc>
-                  <a:txBody>
-                    <a:bodyPr/>
-                    <a:lstStyle/>
-                    <a:p>
-                      <a:pPr algn="just">
-                        <a:lnSpc>
-                          <a:spcPct val="107000"/>
-                        </a:lnSpc>
-                        <a:spcAft>
-                          <a:spcPts val="0"/>
-                        </a:spcAft>
-                      </a:pPr>
-                      <a:r>
-                        <a:rPr lang="de-DE" sz="1100" b="1">
-                          <a:effectLst/>
-                          <a:latin typeface="Calibri" panose="020F0502020204030204" pitchFamily="34" charset="0"/>
-                          <a:ea typeface="Calibri" panose="020F0502020204030204" pitchFamily="34" charset="0"/>
-                          <a:cs typeface="Times New Roman" panose="02020603050405020304" pitchFamily="18" charset="0"/>
-                        </a:rPr>
-                        <a:t>Nutzen</a:t>
-                      </a:r>
-                      <a:endParaRPr lang="de-DE" sz="1100">
-                        <a:effectLst/>
-                        <a:latin typeface="Calibri" panose="020F0502020204030204" pitchFamily="34" charset="0"/>
-                        <a:ea typeface="Calibri" panose="020F0502020204030204" pitchFamily="34" charset="0"/>
-                        <a:cs typeface="Times New Roman" panose="02020603050405020304" pitchFamily="18" charset="0"/>
-                      </a:endParaRPr>
-                    </a:p>
-                  </a:txBody>
-                  <a:tcPr marL="68580" marR="68580" marT="0" marB="0"/>
-                </a:tc>
-                <a:extLst>
-                  <a:ext uri="{0D108BD9-81ED-4DB2-BD59-A6C34878D82A}">
-                    <a16:rowId xmlns:a16="http://schemas.microsoft.com/office/drawing/2014/main" val="10000"/>
-                  </a:ext>
-                </a:extLst>
-              </a:tr>
-              <a:tr h="370840">
-                <a:tc>
-                  <a:txBody>
-                    <a:bodyPr/>
-                    <a:lstStyle/>
-                    <a:p>
-                      <a:pPr algn="just">
-                        <a:lnSpc>
-                          <a:spcPct val="107000"/>
-                        </a:lnSpc>
-                        <a:spcAft>
-                          <a:spcPts val="0"/>
-                        </a:spcAft>
-                      </a:pPr>
-                      <a:r>
-                        <a:rPr lang="de-DE" sz="1100" b="1">
-                          <a:effectLst/>
-                          <a:latin typeface="Calibri" panose="020F0502020204030204" pitchFamily="34" charset="0"/>
-                          <a:ea typeface="Calibri" panose="020F0502020204030204" pitchFamily="34" charset="0"/>
-                          <a:cs typeface="Times New Roman" panose="02020603050405020304" pitchFamily="18" charset="0"/>
-                        </a:rPr>
-                        <a:t>StackInitialize</a:t>
-                      </a:r>
-                      <a:endParaRPr lang="de-DE" sz="1100">
-                        <a:effectLst/>
-                        <a:latin typeface="Calibri" panose="020F0502020204030204" pitchFamily="34" charset="0"/>
-                        <a:ea typeface="Calibri" panose="020F0502020204030204" pitchFamily="34" charset="0"/>
-                        <a:cs typeface="Times New Roman" panose="02020603050405020304" pitchFamily="18" charset="0"/>
-                      </a:endParaRPr>
-                    </a:p>
-                  </a:txBody>
-                  <a:tcPr marL="68580" marR="68580" marT="0" marB="0"/>
-                </a:tc>
-                <a:tc>
-                  <a:txBody>
-                    <a:bodyPr/>
-                    <a:lstStyle/>
-                    <a:p>
-                      <a:pPr algn="just">
-                        <a:lnSpc>
-                          <a:spcPct val="107000"/>
-                        </a:lnSpc>
-                        <a:spcAft>
-                          <a:spcPts val="0"/>
-                        </a:spcAft>
-                      </a:pPr>
-                      <a:r>
-                        <a:rPr lang="de-DE" sz="1100">
-                          <a:effectLst/>
-                          <a:latin typeface="Calibri" panose="020F0502020204030204" pitchFamily="34" charset="0"/>
-                          <a:ea typeface="Calibri" panose="020F0502020204030204" pitchFamily="34" charset="0"/>
-                          <a:cs typeface="Times New Roman" panose="02020603050405020304" pitchFamily="18" charset="0"/>
-                        </a:rPr>
-                        <a:t>void</a:t>
-                      </a:r>
-                    </a:p>
-                  </a:txBody>
-                  <a:tcPr marL="68580" marR="68580" marT="0" marB="0"/>
-                </a:tc>
-                <a:tc>
-                  <a:txBody>
-                    <a:bodyPr/>
-                    <a:lstStyle/>
-                    <a:p>
-                      <a:pPr algn="just">
-                        <a:lnSpc>
-                          <a:spcPct val="107000"/>
-                        </a:lnSpc>
-                        <a:spcAft>
-                          <a:spcPts val="0"/>
-                        </a:spcAft>
-                      </a:pPr>
-                      <a:r>
-                        <a:rPr lang="en-US" sz="1100">
-                          <a:effectLst/>
-                          <a:latin typeface="Calibri" panose="020F0502020204030204" pitchFamily="34" charset="0"/>
-                          <a:ea typeface="Calibri" panose="020F0502020204030204" pitchFamily="34" charset="0"/>
-                          <a:cs typeface="Times New Roman" panose="02020603050405020304" pitchFamily="18" charset="0"/>
-                        </a:rPr>
-                        <a:t>Stack* stack</a:t>
-                      </a:r>
-                      <a:endParaRPr lang="de-DE" sz="1100">
-                        <a:effectLst/>
-                        <a:latin typeface="Calibri" panose="020F0502020204030204" pitchFamily="34" charset="0"/>
-                        <a:ea typeface="Calibri" panose="020F0502020204030204" pitchFamily="34" charset="0"/>
-                        <a:cs typeface="Times New Roman" panose="02020603050405020304" pitchFamily="18" charset="0"/>
-                      </a:endParaRPr>
-                    </a:p>
-                    <a:p>
-                      <a:pPr algn="just">
-                        <a:lnSpc>
-                          <a:spcPct val="107000"/>
-                        </a:lnSpc>
-                        <a:spcAft>
-                          <a:spcPts val="0"/>
-                        </a:spcAft>
-                      </a:pPr>
-                      <a:r>
-                        <a:rPr lang="en-US" sz="1100">
-                          <a:effectLst/>
-                          <a:latin typeface="Calibri" panose="020F0502020204030204" pitchFamily="34" charset="0"/>
-                          <a:ea typeface="Calibri" panose="020F0502020204030204" pitchFamily="34" charset="0"/>
-                          <a:cs typeface="Times New Roman" panose="02020603050405020304" pitchFamily="18" charset="0"/>
-                        </a:rPr>
-                        <a:t>unsigned int sizeOfSingleElement</a:t>
-                      </a:r>
-                      <a:endParaRPr lang="de-DE" sz="1100">
-                        <a:effectLst/>
-                        <a:latin typeface="Calibri" panose="020F0502020204030204" pitchFamily="34" charset="0"/>
-                        <a:ea typeface="Calibri" panose="020F0502020204030204" pitchFamily="34" charset="0"/>
-                        <a:cs typeface="Times New Roman" panose="02020603050405020304" pitchFamily="18" charset="0"/>
-                      </a:endParaRPr>
-                    </a:p>
-                  </a:txBody>
-                  <a:tcPr marL="68580" marR="68580" marT="0" marB="0"/>
-                </a:tc>
-                <a:tc>
-                  <a:txBody>
-                    <a:bodyPr/>
-                    <a:lstStyle/>
-                    <a:p>
-                      <a:pPr algn="just">
-                        <a:lnSpc>
-                          <a:spcPct val="107000"/>
-                        </a:lnSpc>
-                        <a:spcAft>
-                          <a:spcPts val="0"/>
-                        </a:spcAft>
-                      </a:pPr>
-                      <a:r>
-                        <a:rPr lang="en-US" sz="1100">
-                          <a:effectLst/>
-                          <a:latin typeface="Calibri" panose="020F0502020204030204" pitchFamily="34" charset="0"/>
-                          <a:ea typeface="Calibri" panose="020F0502020204030204" pitchFamily="34" charset="0"/>
-                          <a:cs typeface="Times New Roman" panose="02020603050405020304" pitchFamily="18" charset="0"/>
-                        </a:rPr>
-                        <a:t>Inizialisierung des Containers</a:t>
-                      </a:r>
-                      <a:endParaRPr lang="de-DE" sz="1100">
-                        <a:effectLst/>
-                        <a:latin typeface="Calibri" panose="020F0502020204030204" pitchFamily="34" charset="0"/>
-                        <a:ea typeface="Calibri" panose="020F0502020204030204" pitchFamily="34" charset="0"/>
-                        <a:cs typeface="Times New Roman" panose="02020603050405020304" pitchFamily="18" charset="0"/>
-                      </a:endParaRPr>
-                    </a:p>
-                  </a:txBody>
-                  <a:tcPr marL="68580" marR="68580" marT="0" marB="0"/>
-                </a:tc>
-                <a:extLst>
-                  <a:ext uri="{0D108BD9-81ED-4DB2-BD59-A6C34878D82A}">
-                    <a16:rowId xmlns:a16="http://schemas.microsoft.com/office/drawing/2014/main" val="10001"/>
-                  </a:ext>
-                </a:extLst>
-              </a:tr>
-              <a:tr h="370840">
-                <a:tc>
-                  <a:txBody>
-                    <a:bodyPr/>
-                    <a:lstStyle/>
-                    <a:p>
-                      <a:pPr algn="just">
-                        <a:lnSpc>
-                          <a:spcPct val="107000"/>
-                        </a:lnSpc>
-                        <a:spcAft>
-                          <a:spcPts val="0"/>
-                        </a:spcAft>
-                      </a:pPr>
-                      <a:r>
-                        <a:rPr lang="de-DE" sz="1100" b="1" dirty="0" err="1">
-                          <a:effectLst/>
-                          <a:latin typeface="Calibri" panose="020F0502020204030204" pitchFamily="34" charset="0"/>
-                          <a:ea typeface="Calibri" panose="020F0502020204030204" pitchFamily="34" charset="0"/>
-                          <a:cs typeface="Times New Roman" panose="02020603050405020304" pitchFamily="18" charset="0"/>
-                        </a:rPr>
-                        <a:t>StackClear</a:t>
-                      </a:r>
-                      <a:endParaRPr lang="de-DE" sz="1100" dirty="0">
-                        <a:effectLst/>
-                        <a:latin typeface="Calibri" panose="020F0502020204030204" pitchFamily="34" charset="0"/>
-                        <a:ea typeface="Calibri" panose="020F0502020204030204" pitchFamily="34" charset="0"/>
-                        <a:cs typeface="Times New Roman" panose="02020603050405020304" pitchFamily="18" charset="0"/>
-                      </a:endParaRPr>
-                    </a:p>
-                  </a:txBody>
-                  <a:tcPr marL="68580" marR="68580" marT="0" marB="0"/>
-                </a:tc>
-                <a:tc>
-                  <a:txBody>
-                    <a:bodyPr/>
-                    <a:lstStyle/>
-                    <a:p>
-                      <a:pPr algn="just">
-                        <a:lnSpc>
-                          <a:spcPct val="107000"/>
-                        </a:lnSpc>
-                        <a:spcAft>
-                          <a:spcPts val="0"/>
-                        </a:spcAft>
-                      </a:pPr>
-                      <a:r>
-                        <a:rPr lang="de-DE" sz="1100" dirty="0" err="1">
-                          <a:effectLst/>
-                          <a:latin typeface="Calibri" panose="020F0502020204030204" pitchFamily="34" charset="0"/>
-                          <a:ea typeface="Calibri" panose="020F0502020204030204" pitchFamily="34" charset="0"/>
-                          <a:cs typeface="Times New Roman" panose="02020603050405020304" pitchFamily="18" charset="0"/>
-                        </a:rPr>
-                        <a:t>void</a:t>
-                      </a:r>
-                      <a:endParaRPr lang="de-DE" sz="1100" dirty="0">
-                        <a:effectLst/>
-                        <a:latin typeface="Calibri" panose="020F0502020204030204" pitchFamily="34" charset="0"/>
-                        <a:ea typeface="Calibri" panose="020F0502020204030204" pitchFamily="34" charset="0"/>
-                        <a:cs typeface="Times New Roman" panose="02020603050405020304" pitchFamily="18" charset="0"/>
-                      </a:endParaRPr>
-                    </a:p>
-                  </a:txBody>
-                  <a:tcPr marL="68580" marR="68580" marT="0" marB="0"/>
-                </a:tc>
-                <a:tc>
-                  <a:txBody>
-                    <a:bodyPr/>
-                    <a:lstStyle/>
-                    <a:p>
-                      <a:pPr algn="just">
-                        <a:lnSpc>
-                          <a:spcPct val="107000"/>
-                        </a:lnSpc>
-                        <a:spcAft>
-                          <a:spcPts val="0"/>
-                        </a:spcAft>
-                      </a:pPr>
-                      <a:r>
-                        <a:rPr lang="de-DE" sz="1100">
-                          <a:effectLst/>
-                          <a:latin typeface="Calibri" panose="020F0502020204030204" pitchFamily="34" charset="0"/>
-                          <a:ea typeface="Calibri" panose="020F0502020204030204" pitchFamily="34" charset="0"/>
-                          <a:cs typeface="Times New Roman" panose="02020603050405020304" pitchFamily="18" charset="0"/>
-                        </a:rPr>
-                        <a:t>Stack* stack</a:t>
-                      </a:r>
-                    </a:p>
-                  </a:txBody>
-                  <a:tcPr marL="68580" marR="68580" marT="0" marB="0"/>
-                </a:tc>
-                <a:tc>
-                  <a:txBody>
-                    <a:bodyPr/>
-                    <a:lstStyle/>
-                    <a:p>
-                      <a:pPr algn="just">
-                        <a:lnSpc>
-                          <a:spcPct val="107000"/>
-                        </a:lnSpc>
-                        <a:spcAft>
-                          <a:spcPts val="0"/>
-                        </a:spcAft>
-                      </a:pPr>
-                      <a:r>
-                        <a:rPr lang="de-DE" sz="1100">
-                          <a:effectLst/>
-                          <a:latin typeface="Calibri" panose="020F0502020204030204" pitchFamily="34" charset="0"/>
-                          <a:ea typeface="Calibri" panose="020F0502020204030204" pitchFamily="34" charset="0"/>
-                          <a:cs typeface="Times New Roman" panose="02020603050405020304" pitchFamily="18" charset="0"/>
-                        </a:rPr>
-                        <a:t>Löschen aller Daten des Containers</a:t>
-                      </a:r>
-                    </a:p>
-                  </a:txBody>
-                  <a:tcPr marL="68580" marR="68580" marT="0" marB="0"/>
-                </a:tc>
-                <a:extLst>
-                  <a:ext uri="{0D108BD9-81ED-4DB2-BD59-A6C34878D82A}">
-                    <a16:rowId xmlns:a16="http://schemas.microsoft.com/office/drawing/2014/main" val="10002"/>
-                  </a:ext>
-                </a:extLst>
-              </a:tr>
-              <a:tr h="370840">
-                <a:tc>
-                  <a:txBody>
-                    <a:bodyPr/>
-                    <a:lstStyle/>
-                    <a:p>
-                      <a:pPr algn="just">
-                        <a:lnSpc>
-                          <a:spcPct val="107000"/>
-                        </a:lnSpc>
-                        <a:spcAft>
-                          <a:spcPts val="0"/>
-                        </a:spcAft>
-                      </a:pPr>
-                      <a:r>
-                        <a:rPr lang="de-DE" sz="1100" b="1">
-                          <a:effectLst/>
-                          <a:latin typeface="Calibri" panose="020F0502020204030204" pitchFamily="34" charset="0"/>
-                          <a:ea typeface="Calibri" panose="020F0502020204030204" pitchFamily="34" charset="0"/>
-                          <a:cs typeface="Times New Roman" panose="02020603050405020304" pitchFamily="18" charset="0"/>
-                        </a:rPr>
-                        <a:t>StackPush</a:t>
-                      </a:r>
-                      <a:endParaRPr lang="de-DE" sz="1100">
-                        <a:effectLst/>
-                        <a:latin typeface="Calibri" panose="020F0502020204030204" pitchFamily="34" charset="0"/>
-                        <a:ea typeface="Calibri" panose="020F0502020204030204" pitchFamily="34" charset="0"/>
-                        <a:cs typeface="Times New Roman" panose="02020603050405020304" pitchFamily="18" charset="0"/>
-                      </a:endParaRPr>
-                    </a:p>
-                  </a:txBody>
-                  <a:tcPr marL="68580" marR="68580" marT="0" marB="0"/>
-                </a:tc>
-                <a:tc>
-                  <a:txBody>
-                    <a:bodyPr/>
-                    <a:lstStyle/>
-                    <a:p>
-                      <a:pPr algn="just">
-                        <a:lnSpc>
-                          <a:spcPct val="107000"/>
-                        </a:lnSpc>
-                        <a:spcAft>
-                          <a:spcPts val="0"/>
-                        </a:spcAft>
-                      </a:pPr>
-                      <a:r>
-                        <a:rPr lang="de-DE" sz="1100">
-                          <a:effectLst/>
-                          <a:latin typeface="Calibri" panose="020F0502020204030204" pitchFamily="34" charset="0"/>
-                          <a:ea typeface="Calibri" panose="020F0502020204030204" pitchFamily="34" charset="0"/>
-                          <a:cs typeface="Times New Roman" panose="02020603050405020304" pitchFamily="18" charset="0"/>
-                        </a:rPr>
-                        <a:t>CollectionError</a:t>
-                      </a:r>
-                    </a:p>
-                  </a:txBody>
-                  <a:tcPr marL="68580" marR="68580" marT="0" marB="0"/>
-                </a:tc>
-                <a:tc>
-                  <a:txBody>
-                    <a:bodyPr/>
-                    <a:lstStyle/>
-                    <a:p>
-                      <a:pPr algn="just">
-                        <a:lnSpc>
-                          <a:spcPct val="107000"/>
-                        </a:lnSpc>
-                        <a:spcAft>
-                          <a:spcPts val="0"/>
-                        </a:spcAft>
-                      </a:pPr>
-                      <a:r>
-                        <a:rPr lang="de-DE" sz="1100">
-                          <a:effectLst/>
-                          <a:latin typeface="Calibri" panose="020F0502020204030204" pitchFamily="34" charset="0"/>
-                          <a:ea typeface="Calibri" panose="020F0502020204030204" pitchFamily="34" charset="0"/>
-                          <a:cs typeface="Times New Roman" panose="02020603050405020304" pitchFamily="18" charset="0"/>
-                        </a:rPr>
-                        <a:t>Stack* stack</a:t>
-                      </a:r>
-                    </a:p>
-                    <a:p>
-                      <a:pPr algn="just">
-                        <a:lnSpc>
-                          <a:spcPct val="107000"/>
-                        </a:lnSpc>
-                        <a:spcAft>
-                          <a:spcPts val="0"/>
-                        </a:spcAft>
-                      </a:pPr>
-                      <a:r>
-                        <a:rPr lang="de-DE" sz="1100">
-                          <a:effectLst/>
-                          <a:latin typeface="Calibri" panose="020F0502020204030204" pitchFamily="34" charset="0"/>
-                          <a:ea typeface="Calibri" panose="020F0502020204030204" pitchFamily="34" charset="0"/>
-                          <a:cs typeface="Times New Roman" panose="02020603050405020304" pitchFamily="18" charset="0"/>
-                        </a:rPr>
-                        <a:t>void* element</a:t>
-                      </a:r>
-                    </a:p>
-                  </a:txBody>
-                  <a:tcPr marL="68580" marR="68580" marT="0" marB="0"/>
-                </a:tc>
-                <a:tc>
-                  <a:txBody>
-                    <a:bodyPr/>
-                    <a:lstStyle/>
-                    <a:p>
-                      <a:pPr algn="just">
-                        <a:lnSpc>
-                          <a:spcPct val="107000"/>
-                        </a:lnSpc>
-                        <a:spcAft>
-                          <a:spcPts val="0"/>
-                        </a:spcAft>
-                      </a:pPr>
-                      <a:r>
-                        <a:rPr lang="de-DE" sz="1100">
-                          <a:effectLst/>
-                          <a:latin typeface="Calibri" panose="020F0502020204030204" pitchFamily="34" charset="0"/>
-                          <a:ea typeface="Calibri" panose="020F0502020204030204" pitchFamily="34" charset="0"/>
-                          <a:cs typeface="Times New Roman" panose="02020603050405020304" pitchFamily="18" charset="0"/>
-                        </a:rPr>
-                        <a:t>Fügt Wert zum Container hinzu</a:t>
-                      </a:r>
-                    </a:p>
-                  </a:txBody>
-                  <a:tcPr marL="68580" marR="68580" marT="0" marB="0"/>
-                </a:tc>
-                <a:extLst>
-                  <a:ext uri="{0D108BD9-81ED-4DB2-BD59-A6C34878D82A}">
-                    <a16:rowId xmlns:a16="http://schemas.microsoft.com/office/drawing/2014/main" val="10003"/>
-                  </a:ext>
-                </a:extLst>
-              </a:tr>
-              <a:tr h="370840">
-                <a:tc>
-                  <a:txBody>
-                    <a:bodyPr/>
-                    <a:lstStyle/>
-                    <a:p>
-                      <a:pPr algn="just">
-                        <a:lnSpc>
-                          <a:spcPct val="107000"/>
-                        </a:lnSpc>
-                        <a:spcAft>
-                          <a:spcPts val="0"/>
-                        </a:spcAft>
-                      </a:pPr>
-                      <a:r>
-                        <a:rPr lang="de-DE" sz="1100" b="1" dirty="0" err="1">
-                          <a:effectLst/>
-                          <a:latin typeface="Calibri" panose="020F0502020204030204" pitchFamily="34" charset="0"/>
-                          <a:ea typeface="Calibri" panose="020F0502020204030204" pitchFamily="34" charset="0"/>
-                          <a:cs typeface="Times New Roman" panose="02020603050405020304" pitchFamily="18" charset="0"/>
-                        </a:rPr>
-                        <a:t>StackPull</a:t>
-                      </a:r>
-                      <a:endParaRPr lang="de-DE" sz="1100" dirty="0">
-                        <a:effectLst/>
-                        <a:latin typeface="Calibri" panose="020F0502020204030204" pitchFamily="34" charset="0"/>
-                        <a:ea typeface="Calibri" panose="020F0502020204030204" pitchFamily="34" charset="0"/>
-                        <a:cs typeface="Times New Roman" panose="02020603050405020304" pitchFamily="18" charset="0"/>
-                      </a:endParaRPr>
-                    </a:p>
-                  </a:txBody>
-                  <a:tcPr marL="68580" marR="68580" marT="0" marB="0"/>
-                </a:tc>
-                <a:tc>
-                  <a:txBody>
-                    <a:bodyPr/>
-                    <a:lstStyle/>
-                    <a:p>
-                      <a:pPr algn="just">
-                        <a:lnSpc>
-                          <a:spcPct val="107000"/>
-                        </a:lnSpc>
-                        <a:spcAft>
-                          <a:spcPts val="0"/>
-                        </a:spcAft>
-                      </a:pPr>
-                      <a:r>
-                        <a:rPr lang="de-DE" sz="1100" dirty="0" err="1">
-                          <a:effectLst/>
-                          <a:latin typeface="Calibri" panose="020F0502020204030204" pitchFamily="34" charset="0"/>
-                          <a:ea typeface="Calibri" panose="020F0502020204030204" pitchFamily="34" charset="0"/>
-                          <a:cs typeface="Times New Roman" panose="02020603050405020304" pitchFamily="18" charset="0"/>
-                        </a:rPr>
-                        <a:t>CollectionError</a:t>
-                      </a:r>
-                      <a:endParaRPr lang="de-DE" sz="1100" dirty="0">
-                        <a:effectLst/>
-                        <a:latin typeface="Calibri" panose="020F0502020204030204" pitchFamily="34" charset="0"/>
-                        <a:ea typeface="Calibri" panose="020F0502020204030204" pitchFamily="34" charset="0"/>
-                        <a:cs typeface="Times New Roman" panose="02020603050405020304" pitchFamily="18" charset="0"/>
-                      </a:endParaRPr>
-                    </a:p>
-                  </a:txBody>
-                  <a:tcPr marL="68580" marR="68580" marT="0" marB="0"/>
-                </a:tc>
-                <a:tc>
-                  <a:txBody>
-                    <a:bodyPr/>
-                    <a:lstStyle/>
-                    <a:p>
-                      <a:pPr algn="just">
-                        <a:lnSpc>
-                          <a:spcPct val="107000"/>
-                        </a:lnSpc>
-                        <a:spcAft>
-                          <a:spcPts val="0"/>
-                        </a:spcAft>
-                      </a:pPr>
-                      <a:r>
-                        <a:rPr lang="de-DE" sz="1100" dirty="0">
-                          <a:effectLst/>
-                          <a:latin typeface="Calibri" panose="020F0502020204030204" pitchFamily="34" charset="0"/>
-                          <a:ea typeface="Calibri" panose="020F0502020204030204" pitchFamily="34" charset="0"/>
-                          <a:cs typeface="Times New Roman" panose="02020603050405020304" pitchFamily="18" charset="0"/>
-                        </a:rPr>
-                        <a:t>Stack* </a:t>
-                      </a:r>
-                      <a:r>
-                        <a:rPr lang="de-DE" sz="1100" dirty="0" err="1">
-                          <a:effectLst/>
-                          <a:latin typeface="Calibri" panose="020F0502020204030204" pitchFamily="34" charset="0"/>
-                          <a:ea typeface="Calibri" panose="020F0502020204030204" pitchFamily="34" charset="0"/>
-                          <a:cs typeface="Times New Roman" panose="02020603050405020304" pitchFamily="18" charset="0"/>
-                        </a:rPr>
-                        <a:t>stack</a:t>
-                      </a:r>
-                      <a:endParaRPr lang="de-DE" sz="1100" dirty="0">
-                        <a:effectLst/>
-                        <a:latin typeface="Calibri" panose="020F0502020204030204" pitchFamily="34" charset="0"/>
-                        <a:ea typeface="Calibri" panose="020F0502020204030204" pitchFamily="34" charset="0"/>
-                        <a:cs typeface="Times New Roman" panose="02020603050405020304" pitchFamily="18" charset="0"/>
-                      </a:endParaRPr>
-                    </a:p>
-                    <a:p>
-                      <a:pPr algn="just">
-                        <a:lnSpc>
-                          <a:spcPct val="107000"/>
-                        </a:lnSpc>
-                        <a:spcAft>
-                          <a:spcPts val="0"/>
-                        </a:spcAft>
-                      </a:pPr>
-                      <a:r>
-                        <a:rPr lang="de-DE" sz="1100" dirty="0" err="1">
-                          <a:effectLst/>
-                          <a:latin typeface="Calibri" panose="020F0502020204030204" pitchFamily="34" charset="0"/>
-                          <a:ea typeface="Calibri" panose="020F0502020204030204" pitchFamily="34" charset="0"/>
-                          <a:cs typeface="Times New Roman" panose="02020603050405020304" pitchFamily="18" charset="0"/>
-                        </a:rPr>
-                        <a:t>void</a:t>
-                      </a:r>
-                      <a:r>
-                        <a:rPr lang="de-DE" sz="1100" dirty="0">
-                          <a:effectLst/>
-                          <a:latin typeface="Calibri" panose="020F0502020204030204" pitchFamily="34" charset="0"/>
-                          <a:ea typeface="Calibri" panose="020F0502020204030204" pitchFamily="34" charset="0"/>
-                          <a:cs typeface="Times New Roman" panose="02020603050405020304" pitchFamily="18" charset="0"/>
-                        </a:rPr>
-                        <a:t>* </a:t>
-                      </a:r>
-                      <a:r>
-                        <a:rPr lang="de-DE" sz="1100" dirty="0" err="1">
-                          <a:effectLst/>
-                          <a:latin typeface="Calibri" panose="020F0502020204030204" pitchFamily="34" charset="0"/>
-                          <a:ea typeface="Calibri" panose="020F0502020204030204" pitchFamily="34" charset="0"/>
-                          <a:cs typeface="Times New Roman" panose="02020603050405020304" pitchFamily="18" charset="0"/>
-                        </a:rPr>
-                        <a:t>element</a:t>
-                      </a:r>
-                      <a:endParaRPr lang="de-DE" sz="1100" dirty="0">
-                        <a:effectLst/>
-                        <a:latin typeface="Calibri" panose="020F0502020204030204" pitchFamily="34" charset="0"/>
-                        <a:ea typeface="Calibri" panose="020F0502020204030204" pitchFamily="34" charset="0"/>
-                        <a:cs typeface="Times New Roman" panose="02020603050405020304" pitchFamily="18" charset="0"/>
-                      </a:endParaRPr>
-                    </a:p>
-                  </a:txBody>
-                  <a:tcPr marL="68580" marR="68580" marT="0" marB="0"/>
-                </a:tc>
-                <a:tc>
-                  <a:txBody>
-                    <a:bodyPr/>
-                    <a:lstStyle/>
-                    <a:p>
-                      <a:pPr algn="just">
-                        <a:lnSpc>
-                          <a:spcPct val="107000"/>
-                        </a:lnSpc>
-                        <a:spcAft>
-                          <a:spcPts val="0"/>
-                        </a:spcAft>
-                      </a:pPr>
-                      <a:r>
-                        <a:rPr lang="de-DE" sz="1100" dirty="0">
-                          <a:effectLst/>
-                          <a:latin typeface="Calibri" panose="020F0502020204030204" pitchFamily="34" charset="0"/>
-                          <a:ea typeface="Calibri" panose="020F0502020204030204" pitchFamily="34" charset="0"/>
-                          <a:cs typeface="Times New Roman" panose="02020603050405020304" pitchFamily="18" charset="0"/>
-                        </a:rPr>
-                        <a:t>Nimmt einen Wert aus dem Container</a:t>
-                      </a:r>
-                    </a:p>
-                  </a:txBody>
-                  <a:tcPr marL="68580" marR="68580" marT="0" marB="0"/>
-                </a:tc>
-                <a:extLst>
-                  <a:ext uri="{0D108BD9-81ED-4DB2-BD59-A6C34878D82A}">
-                    <a16:rowId xmlns:a16="http://schemas.microsoft.com/office/drawing/2014/main" val="10004"/>
-                  </a:ext>
-                </a:extLst>
-              </a:tr>
-            </a:tbl>
-          </a:graphicData>
-        </a:graphic>
-      </p:graphicFrame>
     </p:spTree>
     <p:extLst>
       <p:ext uri="{BB962C8B-B14F-4D97-AF65-F5344CB8AC3E}">
-        <p14:creationId xmlns:p14="http://schemas.microsoft.com/office/powerpoint/2010/main" val="1365011277"/>
+        <p14:creationId xmlns:p14="http://schemas.microsoft.com/office/powerpoint/2010/main" val="3761037812"/>
       </p:ext>
     </p:extLst>
   </p:cSld>
@@ -11546,8 +10800,8 @@
         </p:blipFill>
         <p:spPr>
           <a:xfrm>
-            <a:off x="865778" y="3057363"/>
-            <a:ext cx="6979300" cy="2648395"/>
+            <a:off x="1117618" y="2138868"/>
+            <a:ext cx="6155851" cy="4065474"/>
           </a:xfrm>
           <a:prstGeom prst="rect">
             <a:avLst/>
@@ -11556,10 +10810,10 @@
       </p:pic>
       <p:sp>
         <p:nvSpPr>
-          <p:cNvPr id="8" name="Textfeld 7">
-            <a:extLst>
-              <a:ext uri="{FF2B5EF4-FFF2-40B4-BE49-F238E27FC236}">
-                <a16:creationId xmlns:a16="http://schemas.microsoft.com/office/drawing/2014/main" id="{8E05CB3E-FC8B-4C84-8452-A027AF29808D}"/>
+          <p:cNvPr id="9" name="Textfeld 8">
+            <a:extLst>
+              <a:ext uri="{FF2B5EF4-FFF2-40B4-BE49-F238E27FC236}">
+                <a16:creationId xmlns:a16="http://schemas.microsoft.com/office/drawing/2014/main" id="{7EEB7CFC-47CB-491B-B650-AC8E7A974B2C}"/>
               </a:ext>
             </a:extLst>
           </p:cNvPr>
@@ -11568,7 +10822,7 @@
         </p:nvSpPr>
         <p:spPr>
           <a:xfrm>
-            <a:off x="485191" y="1154922"/>
+            <a:off x="485191" y="1154923"/>
             <a:ext cx="3788228" cy="1015663"/>
           </a:xfrm>
           <a:prstGeom prst="rect">
@@ -11584,7 +10838,7 @@
           <a:p>
             <a:r>
               <a:rPr lang="de-DE" sz="2000" b="1" dirty="0"/>
-              <a:t>2.4 Queue</a:t>
+              <a:t>2.3 Grundcontainer Stack</a:t>
             </a:r>
           </a:p>
           <a:p>
@@ -11601,14 +10855,20 @@
       </p:sp>
       <p:sp>
         <p:nvSpPr>
-          <p:cNvPr id="4" name="Textfeld 3"/>
+          <p:cNvPr id="11" name="Textfeld 10">
+            <a:extLst>
+              <a:ext uri="{FF2B5EF4-FFF2-40B4-BE49-F238E27FC236}">
+                <a16:creationId xmlns:a16="http://schemas.microsoft.com/office/drawing/2014/main" id="{3F7F28C9-9006-406C-9373-9008712D3B9C}"/>
+              </a:ext>
+            </a:extLst>
+          </p:cNvPr>
           <p:cNvSpPr txBox="1"/>
           <p:nvPr/>
         </p:nvSpPr>
         <p:spPr>
           <a:xfrm>
-            <a:off x="865778" y="1689800"/>
-            <a:ext cx="10667195" cy="1200329"/>
+            <a:off x="933061" y="1678143"/>
+            <a:ext cx="4152123" cy="369332"/>
           </a:xfrm>
           <a:prstGeom prst="rect">
             <a:avLst/>
@@ -11623,20 +10883,15 @@
           <a:p>
             <a:r>
               <a:rPr lang="de-DE" dirty="0"/>
-              <a:t>Daten werden in einer Liste gespeichert, der älteste Wert wird hier entnommen. First in First out </a:t>
-            </a:r>
-            <a:br>
+              <a:t>Stack [</a:t>
+            </a:r>
+            <a:r>
+              <a:rPr lang="de-DE" dirty="0" err="1"/>
+              <a:t>Beispeilcode</a:t>
+            </a:r>
+            <a:r>
               <a:rPr lang="de-DE" dirty="0"/>
-            </a:br>
-            <a:r>
-              <a:rPr lang="de-DE" dirty="0"/>
-              <a:t>(FIFO). Da Daten von Vorne entnommen werden entsteht ungenutzter Speicher. </a:t>
-            </a:r>
-          </a:p>
-          <a:p>
-            <a:r>
-              <a:rPr lang="de-DE" dirty="0"/>
-              <a:t>Hier ist zu Achten, dass dieser Speicher möglichst freigegeben wird, natürlich ist eine umbauen des Speichers bei jedem Zugriff nicht unbedingt Sinnvoll.</a:t>
+              <a:t>]:</a:t>
             </a:r>
           </a:p>
         </p:txBody>
@@ -11644,7 +10899,7 @@
     </p:spTree>
     <p:extLst>
       <p:ext uri="{BB962C8B-B14F-4D97-AF65-F5344CB8AC3E}">
-        <p14:creationId xmlns:p14="http://schemas.microsoft.com/office/powerpoint/2010/main" val="1953118052"/>
+        <p14:creationId xmlns:p14="http://schemas.microsoft.com/office/powerpoint/2010/main" val="1365011277"/>
       </p:ext>
     </p:extLst>
   </p:cSld>
@@ -11839,54 +11094,9 @@
           </a:p>
         </p:txBody>
       </p:sp>
-      <p:sp>
-        <p:nvSpPr>
-          <p:cNvPr id="8" name="Textfeld 7">
-            <a:extLst>
-              <a:ext uri="{FF2B5EF4-FFF2-40B4-BE49-F238E27FC236}">
-                <a16:creationId xmlns:a16="http://schemas.microsoft.com/office/drawing/2014/main" id="{8E05CB3E-FC8B-4C84-8452-A027AF29808D}"/>
-              </a:ext>
-            </a:extLst>
-          </p:cNvPr>
-          <p:cNvSpPr txBox="1"/>
-          <p:nvPr/>
-        </p:nvSpPr>
-        <p:spPr>
-          <a:xfrm>
-            <a:off x="485191" y="1154923"/>
-            <a:ext cx="3788228" cy="1015663"/>
-          </a:xfrm>
-          <a:prstGeom prst="rect">
-            <a:avLst/>
-          </a:prstGeom>
-          <a:noFill/>
-        </p:spPr>
-        <p:txBody>
-          <a:bodyPr wrap="square" rtlCol="0">
-            <a:spAutoFit/>
-          </a:bodyPr>
-          <a:lstStyle/>
-          <a:p>
-            <a:r>
-              <a:rPr lang="de-DE" sz="2000" b="1" dirty="0"/>
-              <a:t>2.4 Queue</a:t>
-            </a:r>
-          </a:p>
-          <a:p>
-            <a:endParaRPr lang="de-DE" sz="2000" b="1" dirty="0"/>
-          </a:p>
-          <a:p>
-            <a:r>
-              <a:rPr lang="de-DE" sz="2000" b="1" dirty="0"/>
-              <a:t> 	</a:t>
-            </a:r>
-            <a:endParaRPr lang="de-DE" sz="2000" dirty="0"/>
-          </a:p>
-        </p:txBody>
-      </p:sp>
       <p:pic>
         <p:nvPicPr>
-          <p:cNvPr id="4" name="Grafik 3"/>
+          <p:cNvPr id="3" name="Grafik 2"/>
           <p:cNvPicPr>
             <a:picLocks noChangeAspect="1"/>
           </p:cNvPicPr>
@@ -11906,781 +11116,105 @@
         </p:blipFill>
         <p:spPr>
           <a:xfrm>
-            <a:off x="763391" y="1672016"/>
-            <a:ext cx="6426931" cy="4247684"/>
+            <a:off x="865778" y="3057363"/>
+            <a:ext cx="6979300" cy="2648395"/>
           </a:xfrm>
           <a:prstGeom prst="rect">
             <a:avLst/>
           </a:prstGeom>
         </p:spPr>
       </p:pic>
-      <p:graphicFrame>
-        <p:nvGraphicFramePr>
-          <p:cNvPr id="11" name="Tabelle 10"/>
-          <p:cNvGraphicFramePr>
-            <a:graphicFrameLocks noGrp="1"/>
-          </p:cNvGraphicFramePr>
-          <p:nvPr>
-            <p:extLst>
-              <p:ext uri="{D42A27DB-BD31-4B8C-83A1-F6EECF244321}">
-                <p14:modId xmlns:p14="http://schemas.microsoft.com/office/powerpoint/2010/main" val="2852487607"/>
-              </p:ext>
-            </p:extLst>
-          </p:nvPr>
-        </p:nvGraphicFramePr>
-        <p:xfrm>
-          <a:off x="5284337" y="3439958"/>
-          <a:ext cx="6476566" cy="1854200"/>
-        </p:xfrm>
-        <a:graphic>
-          <a:graphicData uri="http://schemas.openxmlformats.org/drawingml/2006/table">
-            <a:tbl>
-              <a:tblPr firstRow="1" bandRow="1">
-                <a:tableStyleId>{5940675A-B579-460E-94D1-54222C63F5DA}</a:tableStyleId>
-              </a:tblPr>
-              <a:tblGrid>
-                <a:gridCol w="1089020">
-                  <a:extLst>
-                    <a:ext uri="{9D8B030D-6E8A-4147-A177-3AD203B41FA5}">
-                      <a16:colId xmlns:a16="http://schemas.microsoft.com/office/drawing/2014/main" val="20000"/>
-                    </a:ext>
-                  </a:extLst>
-                </a:gridCol>
-                <a:gridCol w="996778">
-                  <a:extLst>
-                    <a:ext uri="{9D8B030D-6E8A-4147-A177-3AD203B41FA5}">
-                      <a16:colId xmlns:a16="http://schemas.microsoft.com/office/drawing/2014/main" val="20001"/>
-                    </a:ext>
-                  </a:extLst>
-                </a:gridCol>
-                <a:gridCol w="2075935">
-                  <a:extLst>
-                    <a:ext uri="{9D8B030D-6E8A-4147-A177-3AD203B41FA5}">
-                      <a16:colId xmlns:a16="http://schemas.microsoft.com/office/drawing/2014/main" val="20002"/>
-                    </a:ext>
-                  </a:extLst>
-                </a:gridCol>
-                <a:gridCol w="2314833">
-                  <a:extLst>
-                    <a:ext uri="{9D8B030D-6E8A-4147-A177-3AD203B41FA5}">
-                      <a16:colId xmlns:a16="http://schemas.microsoft.com/office/drawing/2014/main" val="20003"/>
-                    </a:ext>
-                  </a:extLst>
-                </a:gridCol>
-              </a:tblGrid>
-              <a:tr h="370840">
-                <a:tc>
-                  <a:txBody>
-                    <a:bodyPr/>
-                    <a:lstStyle/>
-                    <a:p>
-                      <a:pPr algn="just">
-                        <a:lnSpc>
-                          <a:spcPct val="107000"/>
-                        </a:lnSpc>
-                        <a:spcAft>
-                          <a:spcPts val="0"/>
-                        </a:spcAft>
-                      </a:pPr>
-                      <a:r>
-                        <a:rPr lang="de-DE" sz="1100" b="1" dirty="0">
-                          <a:effectLst/>
-                          <a:latin typeface="Calibri" panose="020F0502020204030204" pitchFamily="34" charset="0"/>
-                          <a:ea typeface="Calibri" panose="020F0502020204030204" pitchFamily="34" charset="0"/>
-                          <a:cs typeface="Times New Roman" panose="02020603050405020304" pitchFamily="18" charset="0"/>
-                        </a:rPr>
-                        <a:t>Funktionsname</a:t>
-                      </a:r>
-                      <a:endParaRPr lang="de-DE" sz="1100" dirty="0">
-                        <a:effectLst/>
-                        <a:latin typeface="Calibri" panose="020F0502020204030204" pitchFamily="34" charset="0"/>
-                        <a:ea typeface="Calibri" panose="020F0502020204030204" pitchFamily="34" charset="0"/>
-                        <a:cs typeface="Times New Roman" panose="02020603050405020304" pitchFamily="18" charset="0"/>
-                      </a:endParaRPr>
-                    </a:p>
-                  </a:txBody>
-                  <a:tcPr marL="68580" marR="68580" marT="0" marB="0"/>
-                </a:tc>
-                <a:tc>
-                  <a:txBody>
-                    <a:bodyPr/>
-                    <a:lstStyle/>
-                    <a:p>
-                      <a:pPr algn="just">
-                        <a:lnSpc>
-                          <a:spcPct val="107000"/>
-                        </a:lnSpc>
-                        <a:spcAft>
-                          <a:spcPts val="0"/>
-                        </a:spcAft>
-                      </a:pPr>
-                      <a:r>
-                        <a:rPr lang="de-DE" sz="1100" b="1">
-                          <a:effectLst/>
-                          <a:latin typeface="Calibri" panose="020F0502020204030204" pitchFamily="34" charset="0"/>
-                          <a:ea typeface="Calibri" panose="020F0502020204030204" pitchFamily="34" charset="0"/>
-                          <a:cs typeface="Times New Roman" panose="02020603050405020304" pitchFamily="18" charset="0"/>
-                        </a:rPr>
-                        <a:t>Rückgabewert</a:t>
-                      </a:r>
-                      <a:endParaRPr lang="de-DE" sz="1100">
-                        <a:effectLst/>
-                        <a:latin typeface="Calibri" panose="020F0502020204030204" pitchFamily="34" charset="0"/>
-                        <a:ea typeface="Calibri" panose="020F0502020204030204" pitchFamily="34" charset="0"/>
-                        <a:cs typeface="Times New Roman" panose="02020603050405020304" pitchFamily="18" charset="0"/>
-                      </a:endParaRPr>
-                    </a:p>
-                  </a:txBody>
-                  <a:tcPr marL="68580" marR="68580" marT="0" marB="0"/>
-                </a:tc>
-                <a:tc>
-                  <a:txBody>
-                    <a:bodyPr/>
-                    <a:lstStyle/>
-                    <a:p>
-                      <a:pPr algn="just">
-                        <a:lnSpc>
-                          <a:spcPct val="107000"/>
-                        </a:lnSpc>
-                        <a:spcAft>
-                          <a:spcPts val="0"/>
-                        </a:spcAft>
-                      </a:pPr>
-                      <a:r>
-                        <a:rPr lang="de-DE" sz="1100" b="1" dirty="0">
-                          <a:effectLst/>
-                          <a:latin typeface="Calibri" panose="020F0502020204030204" pitchFamily="34" charset="0"/>
-                          <a:ea typeface="Calibri" panose="020F0502020204030204" pitchFamily="34" charset="0"/>
-                          <a:cs typeface="Times New Roman" panose="02020603050405020304" pitchFamily="18" charset="0"/>
-                        </a:rPr>
-                        <a:t>Parameter</a:t>
-                      </a:r>
-                      <a:endParaRPr lang="de-DE" sz="1100" dirty="0">
-                        <a:effectLst/>
-                        <a:latin typeface="Calibri" panose="020F0502020204030204" pitchFamily="34" charset="0"/>
-                        <a:ea typeface="Calibri" panose="020F0502020204030204" pitchFamily="34" charset="0"/>
-                        <a:cs typeface="Times New Roman" panose="02020603050405020304" pitchFamily="18" charset="0"/>
-                      </a:endParaRPr>
-                    </a:p>
-                  </a:txBody>
-                  <a:tcPr marL="68580" marR="68580" marT="0" marB="0"/>
-                </a:tc>
-                <a:tc>
-                  <a:txBody>
-                    <a:bodyPr/>
-                    <a:lstStyle/>
-                    <a:p>
-                      <a:pPr algn="just">
-                        <a:lnSpc>
-                          <a:spcPct val="107000"/>
-                        </a:lnSpc>
-                        <a:spcAft>
-                          <a:spcPts val="0"/>
-                        </a:spcAft>
-                      </a:pPr>
-                      <a:r>
-                        <a:rPr lang="de-DE" sz="1100" b="1">
-                          <a:effectLst/>
-                          <a:latin typeface="Calibri" panose="020F0502020204030204" pitchFamily="34" charset="0"/>
-                          <a:ea typeface="Calibri" panose="020F0502020204030204" pitchFamily="34" charset="0"/>
-                          <a:cs typeface="Times New Roman" panose="02020603050405020304" pitchFamily="18" charset="0"/>
-                        </a:rPr>
-                        <a:t>Nutzen</a:t>
-                      </a:r>
-                      <a:endParaRPr lang="de-DE" sz="1100">
-                        <a:effectLst/>
-                        <a:latin typeface="Calibri" panose="020F0502020204030204" pitchFamily="34" charset="0"/>
-                        <a:ea typeface="Calibri" panose="020F0502020204030204" pitchFamily="34" charset="0"/>
-                        <a:cs typeface="Times New Roman" panose="02020603050405020304" pitchFamily="18" charset="0"/>
-                      </a:endParaRPr>
-                    </a:p>
-                  </a:txBody>
-                  <a:tcPr marL="68580" marR="68580" marT="0" marB="0"/>
-                </a:tc>
-                <a:extLst>
-                  <a:ext uri="{0D108BD9-81ED-4DB2-BD59-A6C34878D82A}">
-                    <a16:rowId xmlns:a16="http://schemas.microsoft.com/office/drawing/2014/main" val="10000"/>
-                  </a:ext>
-                </a:extLst>
-              </a:tr>
-              <a:tr h="370840">
-                <a:tc>
-                  <a:txBody>
-                    <a:bodyPr/>
-                    <a:lstStyle/>
-                    <a:p>
-                      <a:pPr algn="just">
-                        <a:lnSpc>
-                          <a:spcPct val="107000"/>
-                        </a:lnSpc>
-                        <a:spcAft>
-                          <a:spcPts val="0"/>
-                        </a:spcAft>
-                      </a:pPr>
-                      <a:r>
-                        <a:rPr lang="de-DE" sz="1100" b="1">
-                          <a:effectLst/>
-                          <a:latin typeface="Calibri" panose="020F0502020204030204" pitchFamily="34" charset="0"/>
-                          <a:ea typeface="Calibri" panose="020F0502020204030204" pitchFamily="34" charset="0"/>
-                          <a:cs typeface="Times New Roman" panose="02020603050405020304" pitchFamily="18" charset="0"/>
-                        </a:rPr>
-                        <a:t>QueueInitialize</a:t>
-                      </a:r>
-                      <a:endParaRPr lang="de-DE" sz="1100">
-                        <a:effectLst/>
-                        <a:latin typeface="Calibri" panose="020F0502020204030204" pitchFamily="34" charset="0"/>
-                        <a:ea typeface="Calibri" panose="020F0502020204030204" pitchFamily="34" charset="0"/>
-                        <a:cs typeface="Times New Roman" panose="02020603050405020304" pitchFamily="18" charset="0"/>
-                      </a:endParaRPr>
-                    </a:p>
-                  </a:txBody>
-                  <a:tcPr marL="68580" marR="68580" marT="0" marB="0"/>
-                </a:tc>
-                <a:tc>
-                  <a:txBody>
-                    <a:bodyPr/>
-                    <a:lstStyle/>
-                    <a:p>
-                      <a:pPr algn="just">
-                        <a:lnSpc>
-                          <a:spcPct val="107000"/>
-                        </a:lnSpc>
-                        <a:spcAft>
-                          <a:spcPts val="0"/>
-                        </a:spcAft>
-                      </a:pPr>
-                      <a:r>
-                        <a:rPr lang="de-DE" sz="1100">
-                          <a:effectLst/>
-                          <a:latin typeface="Calibri" panose="020F0502020204030204" pitchFamily="34" charset="0"/>
-                          <a:ea typeface="Calibri" panose="020F0502020204030204" pitchFamily="34" charset="0"/>
-                          <a:cs typeface="Times New Roman" panose="02020603050405020304" pitchFamily="18" charset="0"/>
-                        </a:rPr>
-                        <a:t>void</a:t>
-                      </a:r>
-                    </a:p>
-                  </a:txBody>
-                  <a:tcPr marL="68580" marR="68580" marT="0" marB="0"/>
-                </a:tc>
-                <a:tc>
-                  <a:txBody>
-                    <a:bodyPr/>
-                    <a:lstStyle/>
-                    <a:p>
-                      <a:pPr algn="just">
-                        <a:lnSpc>
-                          <a:spcPct val="107000"/>
-                        </a:lnSpc>
-                        <a:spcAft>
-                          <a:spcPts val="0"/>
-                        </a:spcAft>
-                      </a:pPr>
-                      <a:r>
-                        <a:rPr lang="en-US" sz="1100" dirty="0">
-                          <a:effectLst/>
-                          <a:latin typeface="Calibri" panose="020F0502020204030204" pitchFamily="34" charset="0"/>
-                          <a:ea typeface="Calibri" panose="020F0502020204030204" pitchFamily="34" charset="0"/>
-                          <a:cs typeface="Times New Roman" panose="02020603050405020304" pitchFamily="18" charset="0"/>
-                        </a:rPr>
-                        <a:t>Queue* queue</a:t>
-                      </a:r>
-                      <a:endParaRPr lang="de-DE" sz="1100" dirty="0">
-                        <a:effectLst/>
-                        <a:latin typeface="Calibri" panose="020F0502020204030204" pitchFamily="34" charset="0"/>
-                        <a:ea typeface="Calibri" panose="020F0502020204030204" pitchFamily="34" charset="0"/>
-                        <a:cs typeface="Times New Roman" panose="02020603050405020304" pitchFamily="18" charset="0"/>
-                      </a:endParaRPr>
-                    </a:p>
-                    <a:p>
-                      <a:pPr algn="just">
-                        <a:lnSpc>
-                          <a:spcPct val="107000"/>
-                        </a:lnSpc>
-                        <a:spcAft>
-                          <a:spcPts val="0"/>
-                        </a:spcAft>
-                      </a:pPr>
-                      <a:r>
-                        <a:rPr lang="en-US" sz="1100" dirty="0">
-                          <a:effectLst/>
-                          <a:latin typeface="Calibri" panose="020F0502020204030204" pitchFamily="34" charset="0"/>
-                          <a:ea typeface="Calibri" panose="020F0502020204030204" pitchFamily="34" charset="0"/>
-                          <a:cs typeface="Times New Roman" panose="02020603050405020304" pitchFamily="18" charset="0"/>
-                        </a:rPr>
-                        <a:t>unsigned </a:t>
-                      </a:r>
-                      <a:r>
-                        <a:rPr lang="en-US" sz="1100" dirty="0" err="1">
-                          <a:effectLst/>
-                          <a:latin typeface="Calibri" panose="020F0502020204030204" pitchFamily="34" charset="0"/>
-                          <a:ea typeface="Calibri" panose="020F0502020204030204" pitchFamily="34" charset="0"/>
-                          <a:cs typeface="Times New Roman" panose="02020603050405020304" pitchFamily="18" charset="0"/>
-                        </a:rPr>
-                        <a:t>int</a:t>
-                      </a:r>
-                      <a:r>
-                        <a:rPr lang="en-US" sz="1100" dirty="0">
-                          <a:effectLst/>
-                          <a:latin typeface="Calibri" panose="020F0502020204030204" pitchFamily="34" charset="0"/>
-                          <a:ea typeface="Calibri" panose="020F0502020204030204" pitchFamily="34" charset="0"/>
-                          <a:cs typeface="Times New Roman" panose="02020603050405020304" pitchFamily="18" charset="0"/>
-                        </a:rPr>
-                        <a:t> </a:t>
-                      </a:r>
-                      <a:r>
-                        <a:rPr lang="en-US" sz="1100" dirty="0" err="1">
-                          <a:effectLst/>
-                          <a:latin typeface="Calibri" panose="020F0502020204030204" pitchFamily="34" charset="0"/>
-                          <a:ea typeface="Calibri" panose="020F0502020204030204" pitchFamily="34" charset="0"/>
-                          <a:cs typeface="Times New Roman" panose="02020603050405020304" pitchFamily="18" charset="0"/>
-                        </a:rPr>
-                        <a:t>sizeOfSingleElement</a:t>
-                      </a:r>
-                      <a:endParaRPr lang="de-DE" sz="1100" dirty="0">
-                        <a:effectLst/>
-                        <a:latin typeface="Calibri" panose="020F0502020204030204" pitchFamily="34" charset="0"/>
-                        <a:ea typeface="Calibri" panose="020F0502020204030204" pitchFamily="34" charset="0"/>
-                        <a:cs typeface="Times New Roman" panose="02020603050405020304" pitchFamily="18" charset="0"/>
-                      </a:endParaRPr>
-                    </a:p>
-                  </a:txBody>
-                  <a:tcPr marL="68580" marR="68580" marT="0" marB="0"/>
-                </a:tc>
-                <a:tc>
-                  <a:txBody>
-                    <a:bodyPr/>
-                    <a:lstStyle/>
-                    <a:p>
-                      <a:pPr algn="just">
-                        <a:lnSpc>
-                          <a:spcPct val="107000"/>
-                        </a:lnSpc>
-                        <a:spcAft>
-                          <a:spcPts val="0"/>
-                        </a:spcAft>
-                      </a:pPr>
-                      <a:r>
-                        <a:rPr lang="en-US" sz="1100">
-                          <a:effectLst/>
-                          <a:latin typeface="Calibri" panose="020F0502020204030204" pitchFamily="34" charset="0"/>
-                          <a:ea typeface="Calibri" panose="020F0502020204030204" pitchFamily="34" charset="0"/>
-                          <a:cs typeface="Times New Roman" panose="02020603050405020304" pitchFamily="18" charset="0"/>
-                        </a:rPr>
-                        <a:t>Inizialisierung des Containers</a:t>
-                      </a:r>
-                      <a:endParaRPr lang="de-DE" sz="1100">
-                        <a:effectLst/>
-                        <a:latin typeface="Calibri" panose="020F0502020204030204" pitchFamily="34" charset="0"/>
-                        <a:ea typeface="Calibri" panose="020F0502020204030204" pitchFamily="34" charset="0"/>
-                        <a:cs typeface="Times New Roman" panose="02020603050405020304" pitchFamily="18" charset="0"/>
-                      </a:endParaRPr>
-                    </a:p>
-                  </a:txBody>
-                  <a:tcPr marL="68580" marR="68580" marT="0" marB="0"/>
-                </a:tc>
-                <a:extLst>
-                  <a:ext uri="{0D108BD9-81ED-4DB2-BD59-A6C34878D82A}">
-                    <a16:rowId xmlns:a16="http://schemas.microsoft.com/office/drawing/2014/main" val="10001"/>
-                  </a:ext>
-                </a:extLst>
-              </a:tr>
-              <a:tr h="370840">
-                <a:tc>
-                  <a:txBody>
-                    <a:bodyPr/>
-                    <a:lstStyle/>
-                    <a:p>
-                      <a:pPr algn="just">
-                        <a:lnSpc>
-                          <a:spcPct val="107000"/>
-                        </a:lnSpc>
-                        <a:spcAft>
-                          <a:spcPts val="0"/>
-                        </a:spcAft>
-                      </a:pPr>
-                      <a:r>
-                        <a:rPr lang="de-DE" sz="1100" b="1">
-                          <a:effectLst/>
-                          <a:latin typeface="Calibri" panose="020F0502020204030204" pitchFamily="34" charset="0"/>
-                          <a:ea typeface="Calibri" panose="020F0502020204030204" pitchFamily="34" charset="0"/>
-                          <a:cs typeface="Times New Roman" panose="02020603050405020304" pitchFamily="18" charset="0"/>
-                        </a:rPr>
-                        <a:t>QueueClear</a:t>
-                      </a:r>
-                      <a:endParaRPr lang="de-DE" sz="1100">
-                        <a:effectLst/>
-                        <a:latin typeface="Calibri" panose="020F0502020204030204" pitchFamily="34" charset="0"/>
-                        <a:ea typeface="Calibri" panose="020F0502020204030204" pitchFamily="34" charset="0"/>
-                        <a:cs typeface="Times New Roman" panose="02020603050405020304" pitchFamily="18" charset="0"/>
-                      </a:endParaRPr>
-                    </a:p>
-                  </a:txBody>
-                  <a:tcPr marL="68580" marR="68580" marT="0" marB="0"/>
-                </a:tc>
-                <a:tc>
-                  <a:txBody>
-                    <a:bodyPr/>
-                    <a:lstStyle/>
-                    <a:p>
-                      <a:pPr algn="just">
-                        <a:lnSpc>
-                          <a:spcPct val="107000"/>
-                        </a:lnSpc>
-                        <a:spcAft>
-                          <a:spcPts val="0"/>
-                        </a:spcAft>
-                      </a:pPr>
-                      <a:r>
-                        <a:rPr lang="de-DE" sz="1100">
-                          <a:effectLst/>
-                          <a:latin typeface="Calibri" panose="020F0502020204030204" pitchFamily="34" charset="0"/>
-                          <a:ea typeface="Calibri" panose="020F0502020204030204" pitchFamily="34" charset="0"/>
-                          <a:cs typeface="Times New Roman" panose="02020603050405020304" pitchFamily="18" charset="0"/>
-                        </a:rPr>
-                        <a:t>void</a:t>
-                      </a:r>
-                    </a:p>
-                  </a:txBody>
-                  <a:tcPr marL="68580" marR="68580" marT="0" marB="0"/>
-                </a:tc>
-                <a:tc>
-                  <a:txBody>
-                    <a:bodyPr/>
-                    <a:lstStyle/>
-                    <a:p>
-                      <a:pPr algn="just">
-                        <a:lnSpc>
-                          <a:spcPct val="107000"/>
-                        </a:lnSpc>
-                        <a:spcAft>
-                          <a:spcPts val="0"/>
-                        </a:spcAft>
-                      </a:pPr>
-                      <a:r>
-                        <a:rPr lang="de-DE" sz="1100">
-                          <a:effectLst/>
-                          <a:latin typeface="Calibri" panose="020F0502020204030204" pitchFamily="34" charset="0"/>
-                          <a:ea typeface="Calibri" panose="020F0502020204030204" pitchFamily="34" charset="0"/>
-                          <a:cs typeface="Times New Roman" panose="02020603050405020304" pitchFamily="18" charset="0"/>
-                        </a:rPr>
-                        <a:t>Queue* queue</a:t>
-                      </a:r>
-                    </a:p>
-                  </a:txBody>
-                  <a:tcPr marL="68580" marR="68580" marT="0" marB="0"/>
-                </a:tc>
-                <a:tc>
-                  <a:txBody>
-                    <a:bodyPr/>
-                    <a:lstStyle/>
-                    <a:p>
-                      <a:pPr algn="just">
-                        <a:lnSpc>
-                          <a:spcPct val="107000"/>
-                        </a:lnSpc>
-                        <a:spcAft>
-                          <a:spcPts val="0"/>
-                        </a:spcAft>
-                      </a:pPr>
-                      <a:r>
-                        <a:rPr lang="de-DE" sz="1100">
-                          <a:effectLst/>
-                          <a:latin typeface="Calibri" panose="020F0502020204030204" pitchFamily="34" charset="0"/>
-                          <a:ea typeface="Calibri" panose="020F0502020204030204" pitchFamily="34" charset="0"/>
-                          <a:cs typeface="Times New Roman" panose="02020603050405020304" pitchFamily="18" charset="0"/>
-                        </a:rPr>
-                        <a:t>Löschen aller Daten des Containers</a:t>
-                      </a:r>
-                    </a:p>
-                  </a:txBody>
-                  <a:tcPr marL="68580" marR="68580" marT="0" marB="0"/>
-                </a:tc>
-                <a:extLst>
-                  <a:ext uri="{0D108BD9-81ED-4DB2-BD59-A6C34878D82A}">
-                    <a16:rowId xmlns:a16="http://schemas.microsoft.com/office/drawing/2014/main" val="10002"/>
-                  </a:ext>
-                </a:extLst>
-              </a:tr>
-              <a:tr h="370840">
-                <a:tc>
-                  <a:txBody>
-                    <a:bodyPr/>
-                    <a:lstStyle/>
-                    <a:p>
-                      <a:pPr algn="just">
-                        <a:lnSpc>
-                          <a:spcPct val="107000"/>
-                        </a:lnSpc>
-                        <a:spcAft>
-                          <a:spcPts val="0"/>
-                        </a:spcAft>
-                      </a:pPr>
-                      <a:r>
-                        <a:rPr lang="de-DE" sz="1100" b="1">
-                          <a:effectLst/>
-                          <a:latin typeface="Calibri" panose="020F0502020204030204" pitchFamily="34" charset="0"/>
-                          <a:ea typeface="Calibri" panose="020F0502020204030204" pitchFamily="34" charset="0"/>
-                          <a:cs typeface="Times New Roman" panose="02020603050405020304" pitchFamily="18" charset="0"/>
-                        </a:rPr>
-                        <a:t>QueuePush</a:t>
-                      </a:r>
-                      <a:endParaRPr lang="de-DE" sz="1100">
-                        <a:effectLst/>
-                        <a:latin typeface="Calibri" panose="020F0502020204030204" pitchFamily="34" charset="0"/>
-                        <a:ea typeface="Calibri" panose="020F0502020204030204" pitchFamily="34" charset="0"/>
-                        <a:cs typeface="Times New Roman" panose="02020603050405020304" pitchFamily="18" charset="0"/>
-                      </a:endParaRPr>
-                    </a:p>
-                  </a:txBody>
-                  <a:tcPr marL="68580" marR="68580" marT="0" marB="0"/>
-                </a:tc>
-                <a:tc>
-                  <a:txBody>
-                    <a:bodyPr/>
-                    <a:lstStyle/>
-                    <a:p>
-                      <a:pPr algn="just">
-                        <a:lnSpc>
-                          <a:spcPct val="107000"/>
-                        </a:lnSpc>
-                        <a:spcAft>
-                          <a:spcPts val="0"/>
-                        </a:spcAft>
-                      </a:pPr>
-                      <a:r>
-                        <a:rPr lang="de-DE" sz="1100">
-                          <a:effectLst/>
-                          <a:latin typeface="Calibri" panose="020F0502020204030204" pitchFamily="34" charset="0"/>
-                          <a:ea typeface="Calibri" panose="020F0502020204030204" pitchFamily="34" charset="0"/>
-                          <a:cs typeface="Times New Roman" panose="02020603050405020304" pitchFamily="18" charset="0"/>
-                        </a:rPr>
-                        <a:t>CollectionError</a:t>
-                      </a:r>
-                    </a:p>
-                  </a:txBody>
-                  <a:tcPr marL="68580" marR="68580" marT="0" marB="0"/>
-                </a:tc>
-                <a:tc>
-                  <a:txBody>
-                    <a:bodyPr/>
-                    <a:lstStyle/>
-                    <a:p>
-                      <a:pPr algn="just">
-                        <a:lnSpc>
-                          <a:spcPct val="107000"/>
-                        </a:lnSpc>
-                        <a:spcAft>
-                          <a:spcPts val="0"/>
-                        </a:spcAft>
-                      </a:pPr>
-                      <a:r>
-                        <a:rPr lang="de-DE" sz="1100">
-                          <a:effectLst/>
-                          <a:latin typeface="Calibri" panose="020F0502020204030204" pitchFamily="34" charset="0"/>
-                          <a:ea typeface="Calibri" panose="020F0502020204030204" pitchFamily="34" charset="0"/>
-                          <a:cs typeface="Times New Roman" panose="02020603050405020304" pitchFamily="18" charset="0"/>
-                        </a:rPr>
-                        <a:t>Queue* queue</a:t>
-                      </a:r>
-                    </a:p>
-                    <a:p>
-                      <a:pPr algn="just">
-                        <a:lnSpc>
-                          <a:spcPct val="107000"/>
-                        </a:lnSpc>
-                        <a:spcAft>
-                          <a:spcPts val="0"/>
-                        </a:spcAft>
-                      </a:pPr>
-                      <a:r>
-                        <a:rPr lang="de-DE" sz="1100">
-                          <a:effectLst/>
-                          <a:latin typeface="Calibri" panose="020F0502020204030204" pitchFamily="34" charset="0"/>
-                          <a:ea typeface="Calibri" panose="020F0502020204030204" pitchFamily="34" charset="0"/>
-                          <a:cs typeface="Times New Roman" panose="02020603050405020304" pitchFamily="18" charset="0"/>
-                        </a:rPr>
-                        <a:t>void* element</a:t>
-                      </a:r>
-                    </a:p>
-                  </a:txBody>
-                  <a:tcPr marL="68580" marR="68580" marT="0" marB="0"/>
-                </a:tc>
-                <a:tc>
-                  <a:txBody>
-                    <a:bodyPr/>
-                    <a:lstStyle/>
-                    <a:p>
-                      <a:pPr algn="just">
-                        <a:lnSpc>
-                          <a:spcPct val="107000"/>
-                        </a:lnSpc>
-                        <a:spcAft>
-                          <a:spcPts val="0"/>
-                        </a:spcAft>
-                      </a:pPr>
-                      <a:r>
-                        <a:rPr lang="de-DE" sz="1100">
-                          <a:effectLst/>
-                          <a:latin typeface="Calibri" panose="020F0502020204030204" pitchFamily="34" charset="0"/>
-                          <a:ea typeface="Calibri" panose="020F0502020204030204" pitchFamily="34" charset="0"/>
-                          <a:cs typeface="Times New Roman" panose="02020603050405020304" pitchFamily="18" charset="0"/>
-                        </a:rPr>
-                        <a:t>Fügt Wert zum Container hinzu</a:t>
-                      </a:r>
-                    </a:p>
-                  </a:txBody>
-                  <a:tcPr marL="68580" marR="68580" marT="0" marB="0"/>
-                </a:tc>
-                <a:extLst>
-                  <a:ext uri="{0D108BD9-81ED-4DB2-BD59-A6C34878D82A}">
-                    <a16:rowId xmlns:a16="http://schemas.microsoft.com/office/drawing/2014/main" val="10003"/>
-                  </a:ext>
-                </a:extLst>
-              </a:tr>
-              <a:tr h="370840">
-                <a:tc>
-                  <a:txBody>
-                    <a:bodyPr/>
-                    <a:lstStyle/>
-                    <a:p>
-                      <a:pPr algn="just">
-                        <a:lnSpc>
-                          <a:spcPct val="107000"/>
-                        </a:lnSpc>
-                        <a:spcAft>
-                          <a:spcPts val="0"/>
-                        </a:spcAft>
-                      </a:pPr>
-                      <a:r>
-                        <a:rPr lang="de-DE" sz="1100" b="1">
-                          <a:effectLst/>
-                          <a:latin typeface="Calibri" panose="020F0502020204030204" pitchFamily="34" charset="0"/>
-                          <a:ea typeface="Calibri" panose="020F0502020204030204" pitchFamily="34" charset="0"/>
-                          <a:cs typeface="Times New Roman" panose="02020603050405020304" pitchFamily="18" charset="0"/>
-                        </a:rPr>
-                        <a:t>QueuePull</a:t>
-                      </a:r>
-                      <a:endParaRPr lang="de-DE" sz="1100">
-                        <a:effectLst/>
-                        <a:latin typeface="Calibri" panose="020F0502020204030204" pitchFamily="34" charset="0"/>
-                        <a:ea typeface="Calibri" panose="020F0502020204030204" pitchFamily="34" charset="0"/>
-                        <a:cs typeface="Times New Roman" panose="02020603050405020304" pitchFamily="18" charset="0"/>
-                      </a:endParaRPr>
-                    </a:p>
-                  </a:txBody>
-                  <a:tcPr marL="68580" marR="68580" marT="0" marB="0"/>
-                </a:tc>
-                <a:tc>
-                  <a:txBody>
-                    <a:bodyPr/>
-                    <a:lstStyle/>
-                    <a:p>
-                      <a:pPr algn="just">
-                        <a:lnSpc>
-                          <a:spcPct val="107000"/>
-                        </a:lnSpc>
-                        <a:spcAft>
-                          <a:spcPts val="0"/>
-                        </a:spcAft>
-                      </a:pPr>
-                      <a:r>
-                        <a:rPr lang="de-DE" sz="1100">
-                          <a:effectLst/>
-                          <a:latin typeface="Calibri" panose="020F0502020204030204" pitchFamily="34" charset="0"/>
-                          <a:ea typeface="Calibri" panose="020F0502020204030204" pitchFamily="34" charset="0"/>
-                          <a:cs typeface="Times New Roman" panose="02020603050405020304" pitchFamily="18" charset="0"/>
-                        </a:rPr>
-                        <a:t>CollectionError</a:t>
-                      </a:r>
-                    </a:p>
-                  </a:txBody>
-                  <a:tcPr marL="68580" marR="68580" marT="0" marB="0"/>
-                </a:tc>
-                <a:tc>
-                  <a:txBody>
-                    <a:bodyPr/>
-                    <a:lstStyle/>
-                    <a:p>
-                      <a:pPr algn="just">
-                        <a:lnSpc>
-                          <a:spcPct val="107000"/>
-                        </a:lnSpc>
-                        <a:spcAft>
-                          <a:spcPts val="0"/>
-                        </a:spcAft>
-                      </a:pPr>
-                      <a:r>
-                        <a:rPr lang="de-DE" sz="1100">
-                          <a:effectLst/>
-                          <a:latin typeface="Calibri" panose="020F0502020204030204" pitchFamily="34" charset="0"/>
-                          <a:ea typeface="Calibri" panose="020F0502020204030204" pitchFamily="34" charset="0"/>
-                          <a:cs typeface="Times New Roman" panose="02020603050405020304" pitchFamily="18" charset="0"/>
-                        </a:rPr>
-                        <a:t>Queue* queue</a:t>
-                      </a:r>
-                    </a:p>
-                    <a:p>
-                      <a:pPr algn="just">
-                        <a:lnSpc>
-                          <a:spcPct val="107000"/>
-                        </a:lnSpc>
-                        <a:spcAft>
-                          <a:spcPts val="0"/>
-                        </a:spcAft>
-                      </a:pPr>
-                      <a:r>
-                        <a:rPr lang="de-DE" sz="1100">
-                          <a:effectLst/>
-                          <a:latin typeface="Calibri" panose="020F0502020204030204" pitchFamily="34" charset="0"/>
-                          <a:ea typeface="Calibri" panose="020F0502020204030204" pitchFamily="34" charset="0"/>
-                          <a:cs typeface="Times New Roman" panose="02020603050405020304" pitchFamily="18" charset="0"/>
-                        </a:rPr>
-                        <a:t>void* element</a:t>
-                      </a:r>
-                    </a:p>
-                  </a:txBody>
-                  <a:tcPr marL="68580" marR="68580" marT="0" marB="0"/>
-                </a:tc>
-                <a:tc>
-                  <a:txBody>
-                    <a:bodyPr/>
-                    <a:lstStyle/>
-                    <a:p>
-                      <a:pPr algn="just">
-                        <a:lnSpc>
-                          <a:spcPct val="107000"/>
-                        </a:lnSpc>
-                        <a:spcAft>
-                          <a:spcPts val="0"/>
-                        </a:spcAft>
-                      </a:pPr>
-                      <a:r>
-                        <a:rPr lang="de-DE" sz="1100" dirty="0">
-                          <a:effectLst/>
-                          <a:latin typeface="Calibri" panose="020F0502020204030204" pitchFamily="34" charset="0"/>
-                          <a:ea typeface="Calibri" panose="020F0502020204030204" pitchFamily="34" charset="0"/>
-                          <a:cs typeface="Times New Roman" panose="02020603050405020304" pitchFamily="18" charset="0"/>
-                        </a:rPr>
-                        <a:t>Nimmt einen Wert aus dem Container</a:t>
-                      </a:r>
-                    </a:p>
-                  </a:txBody>
-                  <a:tcPr marL="68580" marR="68580" marT="0" marB="0"/>
-                </a:tc>
-                <a:extLst>
-                  <a:ext uri="{0D108BD9-81ED-4DB2-BD59-A6C34878D82A}">
-                    <a16:rowId xmlns:a16="http://schemas.microsoft.com/office/drawing/2014/main" val="10004"/>
-                  </a:ext>
-                </a:extLst>
-              </a:tr>
-            </a:tbl>
-          </a:graphicData>
-        </a:graphic>
-      </p:graphicFrame>
+      <p:sp>
+        <p:nvSpPr>
+          <p:cNvPr id="8" name="Textfeld 7">
+            <a:extLst>
+              <a:ext uri="{FF2B5EF4-FFF2-40B4-BE49-F238E27FC236}">
+                <a16:creationId xmlns:a16="http://schemas.microsoft.com/office/drawing/2014/main" id="{8E05CB3E-FC8B-4C84-8452-A027AF29808D}"/>
+              </a:ext>
+            </a:extLst>
+          </p:cNvPr>
+          <p:cNvSpPr txBox="1"/>
+          <p:nvPr/>
+        </p:nvSpPr>
+        <p:spPr>
+          <a:xfrm>
+            <a:off x="485191" y="1154922"/>
+            <a:ext cx="3788228" cy="1015663"/>
+          </a:xfrm>
+          <a:prstGeom prst="rect">
+            <a:avLst/>
+          </a:prstGeom>
+          <a:noFill/>
+        </p:spPr>
+        <p:txBody>
+          <a:bodyPr wrap="square" rtlCol="0">
+            <a:spAutoFit/>
+          </a:bodyPr>
+          <a:lstStyle/>
+          <a:p>
+            <a:r>
+              <a:rPr lang="de-DE" sz="2000" b="1" dirty="0"/>
+              <a:t>2.4 Grundcontainer Queue</a:t>
+            </a:r>
+          </a:p>
+          <a:p>
+            <a:endParaRPr lang="de-DE" sz="2000" b="1" dirty="0"/>
+          </a:p>
+          <a:p>
+            <a:r>
+              <a:rPr lang="de-DE" sz="2000" b="1" dirty="0"/>
+              <a:t> 	</a:t>
+            </a:r>
+            <a:endParaRPr lang="de-DE" sz="2000" dirty="0"/>
+          </a:p>
+        </p:txBody>
+      </p:sp>
+      <p:sp>
+        <p:nvSpPr>
+          <p:cNvPr id="4" name="Textfeld 3"/>
+          <p:cNvSpPr txBox="1"/>
+          <p:nvPr/>
+        </p:nvSpPr>
+        <p:spPr>
+          <a:xfrm>
+            <a:off x="865778" y="1689800"/>
+            <a:ext cx="10667195" cy="1200329"/>
+          </a:xfrm>
+          <a:prstGeom prst="rect">
+            <a:avLst/>
+          </a:prstGeom>
+          <a:noFill/>
+        </p:spPr>
+        <p:txBody>
+          <a:bodyPr wrap="square" rtlCol="0">
+            <a:spAutoFit/>
+          </a:bodyPr>
+          <a:lstStyle/>
+          <a:p>
+            <a:r>
+              <a:rPr lang="de-DE" dirty="0"/>
+              <a:t>Daten werden in einer Liste gespeichert, der älteste Wert wird hier entnommen. First in First out </a:t>
+            </a:r>
+            <a:br>
+              <a:rPr lang="de-DE" dirty="0"/>
+            </a:br>
+            <a:r>
+              <a:rPr lang="de-DE" dirty="0"/>
+              <a:t>(FIFO). Da Daten von Vorne entnommen werden entsteht ungenutzter Speicher. </a:t>
+            </a:r>
+          </a:p>
+          <a:p>
+            <a:r>
+              <a:rPr lang="de-DE" dirty="0"/>
+              <a:t>Hier ist zu Achten, dass dieser Speicher möglichst freigegeben wird, natürlich ist eine umbauen des Speichers bei jedem Zugriff nicht unbedingt Sinnvoll.</a:t>
+            </a:r>
+          </a:p>
+        </p:txBody>
+      </p:sp>
     </p:spTree>
     <p:extLst>
       <p:ext uri="{BB962C8B-B14F-4D97-AF65-F5344CB8AC3E}">
-        <p14:creationId xmlns:p14="http://schemas.microsoft.com/office/powerpoint/2010/main" val="2188536814"/>
+        <p14:creationId xmlns:p14="http://schemas.microsoft.com/office/powerpoint/2010/main" val="1953118052"/>
       </p:ext>
     </p:extLst>
   </p:cSld>
@@ -12875,146 +11409,120 @@
           </a:p>
         </p:txBody>
       </p:sp>
+      <p:sp>
+        <p:nvSpPr>
+          <p:cNvPr id="9" name="Textfeld 8">
+            <a:extLst>
+              <a:ext uri="{FF2B5EF4-FFF2-40B4-BE49-F238E27FC236}">
+                <a16:creationId xmlns:a16="http://schemas.microsoft.com/office/drawing/2014/main" id="{D23F62FE-992B-41D4-94ED-A3EBBFC54A60}"/>
+              </a:ext>
+            </a:extLst>
+          </p:cNvPr>
+          <p:cNvSpPr txBox="1"/>
+          <p:nvPr/>
+        </p:nvSpPr>
+        <p:spPr>
+          <a:xfrm>
+            <a:off x="485191" y="1154922"/>
+            <a:ext cx="3788228" cy="1015663"/>
+          </a:xfrm>
+          <a:prstGeom prst="rect">
+            <a:avLst/>
+          </a:prstGeom>
+          <a:noFill/>
+        </p:spPr>
+        <p:txBody>
+          <a:bodyPr wrap="square" rtlCol="0">
+            <a:spAutoFit/>
+          </a:bodyPr>
+          <a:lstStyle/>
+          <a:p>
+            <a:r>
+              <a:rPr lang="de-DE" sz="2000" b="1" dirty="0"/>
+              <a:t>2.4 Grundcontainer Queue</a:t>
+            </a:r>
+          </a:p>
+          <a:p>
+            <a:endParaRPr lang="de-DE" sz="2000" b="1" dirty="0"/>
+          </a:p>
+          <a:p>
+            <a:r>
+              <a:rPr lang="de-DE" sz="2000" b="1" dirty="0"/>
+              <a:t> 	</a:t>
+            </a:r>
+            <a:endParaRPr lang="de-DE" sz="2000" dirty="0"/>
+          </a:p>
+        </p:txBody>
+      </p:sp>
+      <p:sp>
+        <p:nvSpPr>
+          <p:cNvPr id="15" name="Textfeld 14">
+            <a:extLst>
+              <a:ext uri="{FF2B5EF4-FFF2-40B4-BE49-F238E27FC236}">
+                <a16:creationId xmlns:a16="http://schemas.microsoft.com/office/drawing/2014/main" id="{194A7AE9-3F8B-4413-81E7-B8A660361B31}"/>
+              </a:ext>
+            </a:extLst>
+          </p:cNvPr>
+          <p:cNvSpPr txBox="1"/>
+          <p:nvPr/>
+        </p:nvSpPr>
+        <p:spPr>
+          <a:xfrm>
+            <a:off x="933061" y="1678143"/>
+            <a:ext cx="4152123" cy="369332"/>
+          </a:xfrm>
+          <a:prstGeom prst="rect">
+            <a:avLst/>
+          </a:prstGeom>
+          <a:noFill/>
+        </p:spPr>
+        <p:txBody>
+          <a:bodyPr wrap="square" rtlCol="0">
+            <a:spAutoFit/>
+          </a:bodyPr>
+          <a:lstStyle/>
+          <a:p>
+            <a:r>
+              <a:rPr lang="de-DE" dirty="0"/>
+              <a:t>Queue [Alle Funktionen]:</a:t>
+            </a:r>
+          </a:p>
+        </p:txBody>
+      </p:sp>
       <p:pic>
         <p:nvPicPr>
-          <p:cNvPr id="2" name="Grafik 1"/>
+          <p:cNvPr id="3" name="Grafik 2">
+            <a:extLst>
+              <a:ext uri="{FF2B5EF4-FFF2-40B4-BE49-F238E27FC236}">
+                <a16:creationId xmlns:a16="http://schemas.microsoft.com/office/drawing/2014/main" id="{BB065843-1D83-4F66-AC44-B46A93286272}"/>
+              </a:ext>
+            </a:extLst>
+          </p:cNvPr>
           <p:cNvPicPr>
             <a:picLocks noChangeAspect="1"/>
           </p:cNvPicPr>
           <p:nvPr/>
         </p:nvPicPr>
         <p:blipFill>
-          <a:blip r:embed="rId3">
-            <a:extLst>
-              <a:ext uri="{28A0092B-C50C-407E-A947-70E740481C1C}">
-                <a14:useLocalDpi xmlns:a14="http://schemas.microsoft.com/office/drawing/2010/main" val="0"/>
-              </a:ext>
-            </a:extLst>
-          </a:blip>
+          <a:blip r:embed="rId2"/>
           <a:stretch>
             <a:fillRect/>
           </a:stretch>
         </p:blipFill>
         <p:spPr>
           <a:xfrm>
-            <a:off x="6782869" y="2836754"/>
-            <a:ext cx="3975397" cy="3242458"/>
+            <a:off x="1225461" y="2182792"/>
+            <a:ext cx="6687483" cy="1857634"/>
           </a:xfrm>
           <a:prstGeom prst="rect">
             <a:avLst/>
           </a:prstGeom>
         </p:spPr>
       </p:pic>
-      <p:pic>
-        <p:nvPicPr>
-          <p:cNvPr id="3" name="Grafik 2"/>
-          <p:cNvPicPr>
-            <a:picLocks noChangeAspect="1"/>
-          </p:cNvPicPr>
-          <p:nvPr/>
-        </p:nvPicPr>
-        <p:blipFill>
-          <a:blip r:embed="rId4">
-            <a:extLst>
-              <a:ext uri="{28A0092B-C50C-407E-A947-70E740481C1C}">
-                <a14:useLocalDpi xmlns:a14="http://schemas.microsoft.com/office/drawing/2010/main" val="0"/>
-              </a:ext>
-            </a:extLst>
-          </a:blip>
-          <a:stretch>
-            <a:fillRect/>
-          </a:stretch>
-        </p:blipFill>
-        <p:spPr>
-          <a:xfrm>
-            <a:off x="754476" y="2598668"/>
-            <a:ext cx="5166470" cy="3482462"/>
-          </a:xfrm>
-          <a:prstGeom prst="rect">
-            <a:avLst/>
-          </a:prstGeom>
-        </p:spPr>
-      </p:pic>
-      <p:sp>
-        <p:nvSpPr>
-          <p:cNvPr id="8" name="Textfeld 7">
-            <a:extLst>
-              <a:ext uri="{FF2B5EF4-FFF2-40B4-BE49-F238E27FC236}">
-                <a16:creationId xmlns:a16="http://schemas.microsoft.com/office/drawing/2014/main" id="{8E05CB3E-FC8B-4C84-8452-A027AF29808D}"/>
-              </a:ext>
-            </a:extLst>
-          </p:cNvPr>
-          <p:cNvSpPr txBox="1"/>
-          <p:nvPr/>
-        </p:nvSpPr>
-        <p:spPr>
-          <a:xfrm>
-            <a:off x="485191" y="1154923"/>
-            <a:ext cx="3788228" cy="400110"/>
-          </a:xfrm>
-          <a:prstGeom prst="rect">
-            <a:avLst/>
-          </a:prstGeom>
-          <a:noFill/>
-        </p:spPr>
-        <p:txBody>
-          <a:bodyPr wrap="square" rtlCol="0">
-            <a:spAutoFit/>
-          </a:bodyPr>
-          <a:lstStyle/>
-          <a:p>
-            <a:r>
-              <a:rPr lang="de-DE" sz="2000" b="1" dirty="0"/>
-              <a:t>2.5 </a:t>
-            </a:r>
-            <a:r>
-              <a:rPr lang="de-DE" sz="2000" b="1" dirty="0" err="1"/>
-              <a:t>LinkedList</a:t>
-            </a:r>
-            <a:endParaRPr lang="de-DE" sz="2000" b="1" dirty="0"/>
-          </a:p>
-        </p:txBody>
-      </p:sp>
-      <p:sp>
-        <p:nvSpPr>
-          <p:cNvPr id="4" name="Textfeld 3"/>
-          <p:cNvSpPr txBox="1"/>
-          <p:nvPr/>
-        </p:nvSpPr>
-        <p:spPr>
-          <a:xfrm>
-            <a:off x="762000" y="1638204"/>
-            <a:ext cx="10317892" cy="923330"/>
-          </a:xfrm>
-          <a:prstGeom prst="rect">
-            <a:avLst/>
-          </a:prstGeom>
-          <a:noFill/>
-        </p:spPr>
-        <p:txBody>
-          <a:bodyPr wrap="square" rtlCol="0">
-            <a:spAutoFit/>
-          </a:bodyPr>
-          <a:lstStyle/>
-          <a:p>
-            <a:r>
-              <a:rPr lang="de-DE" dirty="0"/>
-              <a:t>Daten werden in Ketten-Elementen gespeichert. Jedes zwischen Element kennt seinen nächsten </a:t>
-            </a:r>
-            <a:br>
-              <a:rPr lang="de-DE" dirty="0"/>
-            </a:br>
-            <a:r>
-              <a:rPr lang="de-DE" dirty="0"/>
-              <a:t>Nachbarn. Durch diese Kette kann man jedes Element ansprechen. Das Letze Element hat immer einen Null Wert, da dieser der Letze Wert ist und keinen nächsten Wert besitzt. </a:t>
-            </a:r>
-          </a:p>
-        </p:txBody>
-      </p:sp>
     </p:spTree>
     <p:extLst>
       <p:ext uri="{BB962C8B-B14F-4D97-AF65-F5344CB8AC3E}">
-        <p14:creationId xmlns:p14="http://schemas.microsoft.com/office/powerpoint/2010/main" val="798140199"/>
+        <p14:creationId xmlns:p14="http://schemas.microsoft.com/office/powerpoint/2010/main" val="1869769239"/>
       </p:ext>
     </p:extLst>
   </p:cSld>
@@ -13209,56 +11717,6 @@
           </a:p>
         </p:txBody>
       </p:sp>
-      <p:sp>
-        <p:nvSpPr>
-          <p:cNvPr id="8" name="Textfeld 7">
-            <a:extLst>
-              <a:ext uri="{FF2B5EF4-FFF2-40B4-BE49-F238E27FC236}">
-                <a16:creationId xmlns:a16="http://schemas.microsoft.com/office/drawing/2014/main" id="{8E05CB3E-FC8B-4C84-8452-A027AF29808D}"/>
-              </a:ext>
-            </a:extLst>
-          </p:cNvPr>
-          <p:cNvSpPr txBox="1"/>
-          <p:nvPr/>
-        </p:nvSpPr>
-        <p:spPr>
-          <a:xfrm>
-            <a:off x="485191" y="1154923"/>
-            <a:ext cx="3788228" cy="1015663"/>
-          </a:xfrm>
-          <a:prstGeom prst="rect">
-            <a:avLst/>
-          </a:prstGeom>
-          <a:noFill/>
-        </p:spPr>
-        <p:txBody>
-          <a:bodyPr wrap="square" rtlCol="0">
-            <a:spAutoFit/>
-          </a:bodyPr>
-          <a:lstStyle/>
-          <a:p>
-            <a:r>
-              <a:rPr lang="de-DE" sz="2000" b="1" dirty="0"/>
-              <a:t>2.5 </a:t>
-            </a:r>
-            <a:r>
-              <a:rPr lang="de-DE" sz="2000" b="1" dirty="0" err="1"/>
-              <a:t>LinkedList</a:t>
-            </a:r>
-            <a:endParaRPr lang="de-DE" sz="2000" b="1" dirty="0"/>
-          </a:p>
-          <a:p>
-            <a:endParaRPr lang="de-DE" sz="2000" b="1" dirty="0"/>
-          </a:p>
-          <a:p>
-            <a:r>
-              <a:rPr lang="de-DE" sz="2000" b="1" dirty="0"/>
-              <a:t> 	</a:t>
-            </a:r>
-            <a:endParaRPr lang="de-DE" sz="2000" dirty="0"/>
-          </a:p>
-        </p:txBody>
-      </p:sp>
       <p:pic>
         <p:nvPicPr>
           <p:cNvPr id="4" name="Grafik 3"/>
@@ -13281,1407 +11739,98 @@
         </p:blipFill>
         <p:spPr>
           <a:xfrm>
-            <a:off x="381366" y="1880112"/>
-            <a:ext cx="4610762" cy="4028748"/>
+            <a:off x="1059953" y="2033793"/>
+            <a:ext cx="6426931" cy="4247684"/>
           </a:xfrm>
           <a:prstGeom prst="rect">
             <a:avLst/>
           </a:prstGeom>
         </p:spPr>
       </p:pic>
-      <p:graphicFrame>
-        <p:nvGraphicFramePr>
-          <p:cNvPr id="6" name="Tabelle 5"/>
-          <p:cNvGraphicFramePr>
-            <a:graphicFrameLocks noGrp="1"/>
-          </p:cNvGraphicFramePr>
-          <p:nvPr>
-            <p:extLst>
-              <p:ext uri="{D42A27DB-BD31-4B8C-83A1-F6EECF244321}">
-                <p14:modId xmlns:p14="http://schemas.microsoft.com/office/powerpoint/2010/main" val="3624266990"/>
-              </p:ext>
-            </p:extLst>
-          </p:nvPr>
-        </p:nvGraphicFramePr>
-        <p:xfrm>
-          <a:off x="4992128" y="1271256"/>
-          <a:ext cx="6933532" cy="4604946"/>
-        </p:xfrm>
-        <a:graphic>
-          <a:graphicData uri="http://schemas.openxmlformats.org/drawingml/2006/table">
-            <a:tbl>
-              <a:tblPr firstRow="1" bandRow="1">
-                <a:tableStyleId>{5940675A-B579-460E-94D1-54222C63F5DA}</a:tableStyleId>
-              </a:tblPr>
-              <a:tblGrid>
-                <a:gridCol w="1779375">
-                  <a:extLst>
-                    <a:ext uri="{9D8B030D-6E8A-4147-A177-3AD203B41FA5}">
-                      <a16:colId xmlns:a16="http://schemas.microsoft.com/office/drawing/2014/main" val="20000"/>
-                    </a:ext>
-                  </a:extLst>
-                </a:gridCol>
-                <a:gridCol w="1095632">
-                  <a:extLst>
-                    <a:ext uri="{9D8B030D-6E8A-4147-A177-3AD203B41FA5}">
-                      <a16:colId xmlns:a16="http://schemas.microsoft.com/office/drawing/2014/main" val="20001"/>
-                    </a:ext>
-                  </a:extLst>
-                </a:gridCol>
-                <a:gridCol w="1919416">
-                  <a:extLst>
-                    <a:ext uri="{9D8B030D-6E8A-4147-A177-3AD203B41FA5}">
-                      <a16:colId xmlns:a16="http://schemas.microsoft.com/office/drawing/2014/main" val="20002"/>
-                    </a:ext>
-                  </a:extLst>
-                </a:gridCol>
-                <a:gridCol w="2139109">
-                  <a:extLst>
-                    <a:ext uri="{9D8B030D-6E8A-4147-A177-3AD203B41FA5}">
-                      <a16:colId xmlns:a16="http://schemas.microsoft.com/office/drawing/2014/main" val="20003"/>
-                    </a:ext>
-                  </a:extLst>
-                </a:gridCol>
-              </a:tblGrid>
-              <a:tr h="433686">
-                <a:tc>
-                  <a:txBody>
-                    <a:bodyPr/>
-                    <a:lstStyle/>
-                    <a:p>
-                      <a:pPr algn="just">
-                        <a:lnSpc>
-                          <a:spcPct val="107000"/>
-                        </a:lnSpc>
-                        <a:spcAft>
-                          <a:spcPts val="0"/>
-                        </a:spcAft>
-                      </a:pPr>
-                      <a:r>
-                        <a:rPr lang="de-DE" sz="1100" dirty="0">
-                          <a:effectLst/>
-                        </a:rPr>
-                        <a:t>Funktionsname</a:t>
-                      </a:r>
-                      <a:endParaRPr lang="de-DE" sz="1100" dirty="0">
-                        <a:effectLst/>
-                        <a:latin typeface="Calibri" panose="020F0502020204030204" pitchFamily="34" charset="0"/>
-                        <a:ea typeface="Calibri" panose="020F0502020204030204" pitchFamily="34" charset="0"/>
-                        <a:cs typeface="Times New Roman" panose="02020603050405020304" pitchFamily="18" charset="0"/>
-                      </a:endParaRPr>
-                    </a:p>
-                  </a:txBody>
-                  <a:tcPr marL="68580" marR="68580" marT="0" marB="0"/>
-                </a:tc>
-                <a:tc>
-                  <a:txBody>
-                    <a:bodyPr/>
-                    <a:lstStyle/>
-                    <a:p>
-                      <a:pPr algn="just">
-                        <a:lnSpc>
-                          <a:spcPct val="107000"/>
-                        </a:lnSpc>
-                        <a:spcAft>
-                          <a:spcPts val="0"/>
-                        </a:spcAft>
-                      </a:pPr>
-                      <a:r>
-                        <a:rPr lang="de-DE" sz="1100">
-                          <a:effectLst/>
-                        </a:rPr>
-                        <a:t>Rückgabewert</a:t>
-                      </a:r>
-                      <a:endParaRPr lang="de-DE" sz="1100">
-                        <a:effectLst/>
-                        <a:latin typeface="Calibri" panose="020F0502020204030204" pitchFamily="34" charset="0"/>
-                        <a:ea typeface="Calibri" panose="020F0502020204030204" pitchFamily="34" charset="0"/>
-                        <a:cs typeface="Times New Roman" panose="02020603050405020304" pitchFamily="18" charset="0"/>
-                      </a:endParaRPr>
-                    </a:p>
-                  </a:txBody>
-                  <a:tcPr marL="68580" marR="68580" marT="0" marB="0"/>
-                </a:tc>
-                <a:tc>
-                  <a:txBody>
-                    <a:bodyPr/>
-                    <a:lstStyle/>
-                    <a:p>
-                      <a:pPr algn="just">
-                        <a:lnSpc>
-                          <a:spcPct val="107000"/>
-                        </a:lnSpc>
-                        <a:spcAft>
-                          <a:spcPts val="0"/>
-                        </a:spcAft>
-                      </a:pPr>
-                      <a:r>
-                        <a:rPr lang="de-DE" sz="1100" dirty="0">
-                          <a:effectLst/>
-                        </a:rPr>
-                        <a:t>Parameter</a:t>
-                      </a:r>
-                      <a:endParaRPr lang="de-DE" sz="1100" dirty="0">
-                        <a:effectLst/>
-                        <a:latin typeface="Calibri" panose="020F0502020204030204" pitchFamily="34" charset="0"/>
-                        <a:ea typeface="Calibri" panose="020F0502020204030204" pitchFamily="34" charset="0"/>
-                        <a:cs typeface="Times New Roman" panose="02020603050405020304" pitchFamily="18" charset="0"/>
-                      </a:endParaRPr>
-                    </a:p>
-                  </a:txBody>
-                  <a:tcPr marL="68580" marR="68580" marT="0" marB="0"/>
-                </a:tc>
-                <a:tc>
-                  <a:txBody>
-                    <a:bodyPr/>
-                    <a:lstStyle/>
-                    <a:p>
-                      <a:pPr algn="just">
-                        <a:lnSpc>
-                          <a:spcPct val="107000"/>
-                        </a:lnSpc>
-                        <a:spcAft>
-                          <a:spcPts val="0"/>
-                        </a:spcAft>
-                      </a:pPr>
-                      <a:r>
-                        <a:rPr lang="de-DE" sz="1100" dirty="0">
-                          <a:effectLst/>
-                        </a:rPr>
-                        <a:t>Nutzen</a:t>
-                      </a:r>
-                      <a:endParaRPr lang="de-DE" sz="1100" dirty="0">
-                        <a:effectLst/>
-                        <a:latin typeface="Calibri" panose="020F0502020204030204" pitchFamily="34" charset="0"/>
-                        <a:ea typeface="Calibri" panose="020F0502020204030204" pitchFamily="34" charset="0"/>
-                        <a:cs typeface="Times New Roman" panose="02020603050405020304" pitchFamily="18" charset="0"/>
-                      </a:endParaRPr>
-                    </a:p>
-                  </a:txBody>
-                  <a:tcPr marL="68580" marR="68580" marT="0" marB="0"/>
-                </a:tc>
-                <a:extLst>
-                  <a:ext uri="{0D108BD9-81ED-4DB2-BD59-A6C34878D82A}">
-                    <a16:rowId xmlns:a16="http://schemas.microsoft.com/office/drawing/2014/main" val="10000"/>
-                  </a:ext>
-                </a:extLst>
-              </a:tr>
-              <a:tr h="433686">
-                <a:tc>
-                  <a:txBody>
-                    <a:bodyPr/>
-                    <a:lstStyle/>
-                    <a:p>
-                      <a:pPr algn="just">
-                        <a:lnSpc>
-                          <a:spcPct val="107000"/>
-                        </a:lnSpc>
-                        <a:spcAft>
-                          <a:spcPts val="0"/>
-                        </a:spcAft>
-                      </a:pPr>
-                      <a:r>
-                        <a:rPr lang="de-DE" sz="1100">
-                          <a:effectLst/>
-                        </a:rPr>
-                        <a:t>LinkedListInitialize</a:t>
-                      </a:r>
-                      <a:endParaRPr lang="de-DE" sz="1100">
-                        <a:effectLst/>
-                        <a:latin typeface="Calibri" panose="020F0502020204030204" pitchFamily="34" charset="0"/>
-                        <a:ea typeface="Calibri" panose="020F0502020204030204" pitchFamily="34" charset="0"/>
-                        <a:cs typeface="Times New Roman" panose="02020603050405020304" pitchFamily="18" charset="0"/>
-                      </a:endParaRPr>
-                    </a:p>
-                  </a:txBody>
-                  <a:tcPr marL="68580" marR="68580" marT="0" marB="0"/>
-                </a:tc>
-                <a:tc>
-                  <a:txBody>
-                    <a:bodyPr/>
-                    <a:lstStyle/>
-                    <a:p>
-                      <a:pPr algn="just">
-                        <a:lnSpc>
-                          <a:spcPct val="107000"/>
-                        </a:lnSpc>
-                        <a:spcAft>
-                          <a:spcPts val="0"/>
-                        </a:spcAft>
-                      </a:pPr>
-                      <a:r>
-                        <a:rPr lang="de-DE" sz="1100">
-                          <a:effectLst/>
-                        </a:rPr>
-                        <a:t>void</a:t>
-                      </a:r>
-                      <a:endParaRPr lang="de-DE" sz="1100">
-                        <a:effectLst/>
-                        <a:latin typeface="Calibri" panose="020F0502020204030204" pitchFamily="34" charset="0"/>
-                        <a:ea typeface="Calibri" panose="020F0502020204030204" pitchFamily="34" charset="0"/>
-                        <a:cs typeface="Times New Roman" panose="02020603050405020304" pitchFamily="18" charset="0"/>
-                      </a:endParaRPr>
-                    </a:p>
-                  </a:txBody>
-                  <a:tcPr marL="68580" marR="68580" marT="0" marB="0"/>
-                </a:tc>
-                <a:tc>
-                  <a:txBody>
-                    <a:bodyPr/>
-                    <a:lstStyle/>
-                    <a:p>
-                      <a:pPr algn="just">
-                        <a:lnSpc>
-                          <a:spcPct val="107000"/>
-                        </a:lnSpc>
-                        <a:spcAft>
-                          <a:spcPts val="0"/>
-                        </a:spcAft>
-                      </a:pPr>
-                      <a:r>
-                        <a:rPr lang="de-DE" sz="1100">
-                          <a:effectLst/>
-                        </a:rPr>
-                        <a:t>LinkedList* linkedList</a:t>
-                      </a:r>
-                    </a:p>
-                    <a:p>
-                      <a:pPr algn="just">
-                        <a:lnSpc>
-                          <a:spcPct val="107000"/>
-                        </a:lnSpc>
-                        <a:spcAft>
-                          <a:spcPts val="0"/>
-                        </a:spcAft>
-                      </a:pPr>
-                      <a:r>
-                        <a:rPr lang="en-US" sz="1100">
-                          <a:effectLst/>
-                        </a:rPr>
-                        <a:t>unsigned int sizeOfElement</a:t>
-                      </a:r>
-                      <a:endParaRPr lang="de-DE" sz="1100">
-                        <a:effectLst/>
-                        <a:latin typeface="Calibri" panose="020F0502020204030204" pitchFamily="34" charset="0"/>
-                        <a:ea typeface="Calibri" panose="020F0502020204030204" pitchFamily="34" charset="0"/>
-                        <a:cs typeface="Times New Roman" panose="02020603050405020304" pitchFamily="18" charset="0"/>
-                      </a:endParaRPr>
-                    </a:p>
-                  </a:txBody>
-                  <a:tcPr marL="68580" marR="68580" marT="0" marB="0"/>
-                </a:tc>
-                <a:tc>
-                  <a:txBody>
-                    <a:bodyPr/>
-                    <a:lstStyle/>
-                    <a:p>
-                      <a:pPr algn="just">
-                        <a:lnSpc>
-                          <a:spcPct val="107000"/>
-                        </a:lnSpc>
-                        <a:spcAft>
-                          <a:spcPts val="0"/>
-                        </a:spcAft>
-                      </a:pPr>
-                      <a:r>
-                        <a:rPr lang="en-US" sz="1100">
-                          <a:effectLst/>
-                        </a:rPr>
-                        <a:t>Inizialisierung des Containers</a:t>
-                      </a:r>
-                      <a:endParaRPr lang="de-DE" sz="1100">
-                        <a:effectLst/>
-                        <a:latin typeface="Calibri" panose="020F0502020204030204" pitchFamily="34" charset="0"/>
-                        <a:ea typeface="Calibri" panose="020F0502020204030204" pitchFamily="34" charset="0"/>
-                        <a:cs typeface="Times New Roman" panose="02020603050405020304" pitchFamily="18" charset="0"/>
-                      </a:endParaRPr>
-                    </a:p>
-                  </a:txBody>
-                  <a:tcPr marL="68580" marR="68580" marT="0" marB="0"/>
-                </a:tc>
-                <a:extLst>
-                  <a:ext uri="{0D108BD9-81ED-4DB2-BD59-A6C34878D82A}">
-                    <a16:rowId xmlns:a16="http://schemas.microsoft.com/office/drawing/2014/main" val="10001"/>
-                  </a:ext>
-                </a:extLst>
-              </a:tr>
-              <a:tr h="433686">
-                <a:tc>
-                  <a:txBody>
-                    <a:bodyPr/>
-                    <a:lstStyle/>
-                    <a:p>
-                      <a:pPr algn="just">
-                        <a:lnSpc>
-                          <a:spcPct val="107000"/>
-                        </a:lnSpc>
-                        <a:spcAft>
-                          <a:spcPts val="0"/>
-                        </a:spcAft>
-                      </a:pPr>
-                      <a:r>
-                        <a:rPr lang="de-DE" sz="1100">
-                          <a:effectLst/>
-                        </a:rPr>
-                        <a:t>LinkedListClear</a:t>
-                      </a:r>
-                      <a:endParaRPr lang="de-DE" sz="1100">
-                        <a:effectLst/>
-                        <a:latin typeface="Calibri" panose="020F0502020204030204" pitchFamily="34" charset="0"/>
-                        <a:ea typeface="Calibri" panose="020F0502020204030204" pitchFamily="34" charset="0"/>
-                        <a:cs typeface="Times New Roman" panose="02020603050405020304" pitchFamily="18" charset="0"/>
-                      </a:endParaRPr>
-                    </a:p>
-                  </a:txBody>
-                  <a:tcPr marL="68580" marR="68580" marT="0" marB="0"/>
-                </a:tc>
-                <a:tc>
-                  <a:txBody>
-                    <a:bodyPr/>
-                    <a:lstStyle/>
-                    <a:p>
-                      <a:pPr algn="just">
-                        <a:lnSpc>
-                          <a:spcPct val="107000"/>
-                        </a:lnSpc>
-                        <a:spcAft>
-                          <a:spcPts val="0"/>
-                        </a:spcAft>
-                      </a:pPr>
-                      <a:r>
-                        <a:rPr lang="de-DE" sz="1100">
-                          <a:effectLst/>
-                        </a:rPr>
-                        <a:t>void</a:t>
-                      </a:r>
-                      <a:endParaRPr lang="de-DE" sz="1100">
-                        <a:effectLst/>
-                        <a:latin typeface="Calibri" panose="020F0502020204030204" pitchFamily="34" charset="0"/>
-                        <a:ea typeface="Calibri" panose="020F0502020204030204" pitchFamily="34" charset="0"/>
-                        <a:cs typeface="Times New Roman" panose="02020603050405020304" pitchFamily="18" charset="0"/>
-                      </a:endParaRPr>
-                    </a:p>
-                  </a:txBody>
-                  <a:tcPr marL="68580" marR="68580" marT="0" marB="0"/>
-                </a:tc>
-                <a:tc>
-                  <a:txBody>
-                    <a:bodyPr/>
-                    <a:lstStyle/>
-                    <a:p>
-                      <a:pPr algn="just">
-                        <a:lnSpc>
-                          <a:spcPct val="107000"/>
-                        </a:lnSpc>
-                        <a:spcAft>
-                          <a:spcPts val="0"/>
-                        </a:spcAft>
-                      </a:pPr>
-                      <a:r>
-                        <a:rPr lang="de-DE" sz="1100" dirty="0" err="1">
-                          <a:effectLst/>
-                        </a:rPr>
-                        <a:t>LinkedList</a:t>
-                      </a:r>
-                      <a:r>
-                        <a:rPr lang="de-DE" sz="1100" dirty="0">
-                          <a:effectLst/>
-                        </a:rPr>
-                        <a:t>* </a:t>
-                      </a:r>
-                      <a:r>
-                        <a:rPr lang="de-DE" sz="1100" dirty="0" err="1">
-                          <a:effectLst/>
-                        </a:rPr>
-                        <a:t>linkedList</a:t>
-                      </a:r>
-                      <a:endParaRPr lang="de-DE" sz="1100" dirty="0">
-                        <a:effectLst/>
-                        <a:latin typeface="Calibri" panose="020F0502020204030204" pitchFamily="34" charset="0"/>
-                        <a:ea typeface="Calibri" panose="020F0502020204030204" pitchFamily="34" charset="0"/>
-                        <a:cs typeface="Times New Roman" panose="02020603050405020304" pitchFamily="18" charset="0"/>
-                      </a:endParaRPr>
-                    </a:p>
-                  </a:txBody>
-                  <a:tcPr marL="68580" marR="68580" marT="0" marB="0"/>
-                </a:tc>
-                <a:tc>
-                  <a:txBody>
-                    <a:bodyPr/>
-                    <a:lstStyle/>
-                    <a:p>
-                      <a:pPr algn="just">
-                        <a:lnSpc>
-                          <a:spcPct val="107000"/>
-                        </a:lnSpc>
-                        <a:spcAft>
-                          <a:spcPts val="0"/>
-                        </a:spcAft>
-                      </a:pPr>
-                      <a:r>
-                        <a:rPr lang="de-DE" sz="1100">
-                          <a:effectLst/>
-                        </a:rPr>
-                        <a:t>Löschen aller Daten des Containers</a:t>
-                      </a:r>
-                      <a:endParaRPr lang="de-DE" sz="1100">
-                        <a:effectLst/>
-                        <a:latin typeface="Calibri" panose="020F0502020204030204" pitchFamily="34" charset="0"/>
-                        <a:ea typeface="Calibri" panose="020F0502020204030204" pitchFamily="34" charset="0"/>
-                        <a:cs typeface="Times New Roman" panose="02020603050405020304" pitchFamily="18" charset="0"/>
-                      </a:endParaRPr>
-                    </a:p>
-                  </a:txBody>
-                  <a:tcPr marL="68580" marR="68580" marT="0" marB="0"/>
-                </a:tc>
-                <a:extLst>
-                  <a:ext uri="{0D108BD9-81ED-4DB2-BD59-A6C34878D82A}">
-                    <a16:rowId xmlns:a16="http://schemas.microsoft.com/office/drawing/2014/main" val="10002"/>
-                  </a:ext>
-                </a:extLst>
-              </a:tr>
-              <a:tr h="433686">
-                <a:tc>
-                  <a:txBody>
-                    <a:bodyPr/>
-                    <a:lstStyle/>
-                    <a:p>
-                      <a:pPr algn="just">
-                        <a:lnSpc>
-                          <a:spcPct val="107000"/>
-                        </a:lnSpc>
-                        <a:spcAft>
-                          <a:spcPts val="0"/>
-                        </a:spcAft>
-                      </a:pPr>
-                      <a:r>
-                        <a:rPr lang="de-DE" sz="1100">
-                          <a:effectLst/>
-                        </a:rPr>
-                        <a:t>LinkedListInsert</a:t>
-                      </a:r>
-                      <a:endParaRPr lang="de-DE" sz="1100">
-                        <a:effectLst/>
-                        <a:latin typeface="Calibri" panose="020F0502020204030204" pitchFamily="34" charset="0"/>
-                        <a:ea typeface="Calibri" panose="020F0502020204030204" pitchFamily="34" charset="0"/>
-                        <a:cs typeface="Times New Roman" panose="02020603050405020304" pitchFamily="18" charset="0"/>
-                      </a:endParaRPr>
-                    </a:p>
-                  </a:txBody>
-                  <a:tcPr marL="68580" marR="68580" marT="0" marB="0"/>
-                </a:tc>
-                <a:tc>
-                  <a:txBody>
-                    <a:bodyPr/>
-                    <a:lstStyle/>
-                    <a:p>
-                      <a:pPr algn="just">
-                        <a:lnSpc>
-                          <a:spcPct val="107000"/>
-                        </a:lnSpc>
-                        <a:spcAft>
-                          <a:spcPts val="0"/>
-                        </a:spcAft>
-                      </a:pPr>
-                      <a:r>
-                        <a:rPr lang="de-DE" sz="1100">
-                          <a:effectLst/>
-                        </a:rPr>
-                        <a:t>CollectionError</a:t>
-                      </a:r>
-                      <a:endParaRPr lang="de-DE" sz="1100">
-                        <a:effectLst/>
-                        <a:latin typeface="Calibri" panose="020F0502020204030204" pitchFamily="34" charset="0"/>
-                        <a:ea typeface="Calibri" panose="020F0502020204030204" pitchFamily="34" charset="0"/>
-                        <a:cs typeface="Times New Roman" panose="02020603050405020304" pitchFamily="18" charset="0"/>
-                      </a:endParaRPr>
-                    </a:p>
-                  </a:txBody>
-                  <a:tcPr marL="68580" marR="68580" marT="0" marB="0"/>
-                </a:tc>
-                <a:tc>
-                  <a:txBody>
-                    <a:bodyPr/>
-                    <a:lstStyle/>
-                    <a:p>
-                      <a:pPr algn="just">
-                        <a:lnSpc>
-                          <a:spcPct val="107000"/>
-                        </a:lnSpc>
-                        <a:spcAft>
-                          <a:spcPts val="0"/>
-                        </a:spcAft>
-                      </a:pPr>
-                      <a:r>
-                        <a:rPr lang="de-DE" sz="1100">
-                          <a:effectLst/>
-                        </a:rPr>
-                        <a:t>LinkedList* linkedList</a:t>
-                      </a:r>
-                    </a:p>
-                    <a:p>
-                      <a:pPr algn="just">
-                        <a:lnSpc>
-                          <a:spcPct val="107000"/>
-                        </a:lnSpc>
-                        <a:spcAft>
-                          <a:spcPts val="0"/>
-                        </a:spcAft>
-                      </a:pPr>
-                      <a:r>
-                        <a:rPr lang="en-US" sz="1100">
-                          <a:effectLst/>
-                        </a:rPr>
-                        <a:t>unsigned int index</a:t>
-                      </a:r>
-                      <a:endParaRPr lang="de-DE" sz="1100">
-                        <a:effectLst/>
-                      </a:endParaRPr>
-                    </a:p>
-                    <a:p>
-                      <a:pPr algn="just">
-                        <a:lnSpc>
-                          <a:spcPct val="107000"/>
-                        </a:lnSpc>
-                        <a:spcAft>
-                          <a:spcPts val="0"/>
-                        </a:spcAft>
-                      </a:pPr>
-                      <a:r>
-                        <a:rPr lang="en-US" sz="1100">
-                          <a:effectLst/>
-                        </a:rPr>
-                        <a:t>void* element</a:t>
-                      </a:r>
-                      <a:endParaRPr lang="de-DE" sz="1100">
-                        <a:effectLst/>
-                        <a:latin typeface="Calibri" panose="020F0502020204030204" pitchFamily="34" charset="0"/>
-                        <a:ea typeface="Calibri" panose="020F0502020204030204" pitchFamily="34" charset="0"/>
-                        <a:cs typeface="Times New Roman" panose="02020603050405020304" pitchFamily="18" charset="0"/>
-                      </a:endParaRPr>
-                    </a:p>
-                  </a:txBody>
-                  <a:tcPr marL="68580" marR="68580" marT="0" marB="0"/>
-                </a:tc>
-                <a:tc>
-                  <a:txBody>
-                    <a:bodyPr/>
-                    <a:lstStyle/>
-                    <a:p>
-                      <a:pPr algn="just">
-                        <a:lnSpc>
-                          <a:spcPct val="107000"/>
-                        </a:lnSpc>
-                        <a:spcAft>
-                          <a:spcPts val="0"/>
-                        </a:spcAft>
-                      </a:pPr>
-                      <a:r>
-                        <a:rPr lang="de-DE" sz="1100">
-                          <a:effectLst/>
-                        </a:rPr>
-                        <a:t>Fügt Wert zum Container hinzu</a:t>
-                      </a:r>
-                      <a:endParaRPr lang="de-DE" sz="1100">
-                        <a:effectLst/>
-                        <a:latin typeface="Calibri" panose="020F0502020204030204" pitchFamily="34" charset="0"/>
-                        <a:ea typeface="Calibri" panose="020F0502020204030204" pitchFamily="34" charset="0"/>
-                        <a:cs typeface="Times New Roman" panose="02020603050405020304" pitchFamily="18" charset="0"/>
-                      </a:endParaRPr>
-                    </a:p>
-                  </a:txBody>
-                  <a:tcPr marL="68580" marR="68580" marT="0" marB="0"/>
-                </a:tc>
-                <a:extLst>
-                  <a:ext uri="{0D108BD9-81ED-4DB2-BD59-A6C34878D82A}">
-                    <a16:rowId xmlns:a16="http://schemas.microsoft.com/office/drawing/2014/main" val="10003"/>
-                  </a:ext>
-                </a:extLst>
-              </a:tr>
-              <a:tr h="433686">
-                <a:tc>
-                  <a:txBody>
-                    <a:bodyPr/>
-                    <a:lstStyle/>
-                    <a:p>
-                      <a:pPr algn="just">
-                        <a:lnSpc>
-                          <a:spcPct val="107000"/>
-                        </a:lnSpc>
-                        <a:spcAft>
-                          <a:spcPts val="0"/>
-                        </a:spcAft>
-                      </a:pPr>
-                      <a:r>
-                        <a:rPr lang="de-DE" sz="1100">
-                          <a:effectLst/>
-                        </a:rPr>
-                        <a:t>LinkedListAddToEnd</a:t>
-                      </a:r>
-                      <a:endParaRPr lang="de-DE" sz="1100">
-                        <a:effectLst/>
-                        <a:latin typeface="Calibri" panose="020F0502020204030204" pitchFamily="34" charset="0"/>
-                        <a:ea typeface="Calibri" panose="020F0502020204030204" pitchFamily="34" charset="0"/>
-                        <a:cs typeface="Times New Roman" panose="02020603050405020304" pitchFamily="18" charset="0"/>
-                      </a:endParaRPr>
-                    </a:p>
-                  </a:txBody>
-                  <a:tcPr marL="68580" marR="68580" marT="0" marB="0"/>
-                </a:tc>
-                <a:tc>
-                  <a:txBody>
-                    <a:bodyPr/>
-                    <a:lstStyle/>
-                    <a:p>
-                      <a:pPr algn="just">
-                        <a:lnSpc>
-                          <a:spcPct val="107000"/>
-                        </a:lnSpc>
-                        <a:spcAft>
-                          <a:spcPts val="0"/>
-                        </a:spcAft>
-                      </a:pPr>
-                      <a:r>
-                        <a:rPr lang="de-DE" sz="1100" dirty="0" err="1">
-                          <a:effectLst/>
-                        </a:rPr>
-                        <a:t>CollectionError</a:t>
-                      </a:r>
-                      <a:endParaRPr lang="de-DE" sz="1100" dirty="0">
-                        <a:effectLst/>
-                        <a:latin typeface="Calibri" panose="020F0502020204030204" pitchFamily="34" charset="0"/>
-                        <a:ea typeface="Calibri" panose="020F0502020204030204" pitchFamily="34" charset="0"/>
-                        <a:cs typeface="Times New Roman" panose="02020603050405020304" pitchFamily="18" charset="0"/>
-                      </a:endParaRPr>
-                    </a:p>
-                  </a:txBody>
-                  <a:tcPr marL="68580" marR="68580" marT="0" marB="0"/>
-                </a:tc>
-                <a:tc>
-                  <a:txBody>
-                    <a:bodyPr/>
-                    <a:lstStyle/>
-                    <a:p>
-                      <a:pPr algn="just">
-                        <a:lnSpc>
-                          <a:spcPct val="107000"/>
-                        </a:lnSpc>
-                        <a:spcAft>
-                          <a:spcPts val="0"/>
-                        </a:spcAft>
-                      </a:pPr>
-                      <a:r>
-                        <a:rPr lang="de-DE" sz="1100">
-                          <a:effectLst/>
-                        </a:rPr>
-                        <a:t>LinkedList* linkedList</a:t>
-                      </a:r>
-                    </a:p>
-                    <a:p>
-                      <a:pPr algn="just">
-                        <a:lnSpc>
-                          <a:spcPct val="107000"/>
-                        </a:lnSpc>
-                        <a:spcAft>
-                          <a:spcPts val="0"/>
-                        </a:spcAft>
-                      </a:pPr>
-                      <a:r>
-                        <a:rPr lang="en-US" sz="1100">
-                          <a:effectLst/>
-                        </a:rPr>
-                        <a:t>void* element</a:t>
-                      </a:r>
-                      <a:endParaRPr lang="de-DE" sz="1100">
-                        <a:effectLst/>
-                        <a:latin typeface="Calibri" panose="020F0502020204030204" pitchFamily="34" charset="0"/>
-                        <a:ea typeface="Calibri" panose="020F0502020204030204" pitchFamily="34" charset="0"/>
-                        <a:cs typeface="Times New Roman" panose="02020603050405020304" pitchFamily="18" charset="0"/>
-                      </a:endParaRPr>
-                    </a:p>
-                  </a:txBody>
-                  <a:tcPr marL="68580" marR="68580" marT="0" marB="0"/>
-                </a:tc>
-                <a:tc>
-                  <a:txBody>
-                    <a:bodyPr/>
-                    <a:lstStyle/>
-                    <a:p>
-                      <a:pPr algn="just">
-                        <a:lnSpc>
-                          <a:spcPct val="107000"/>
-                        </a:lnSpc>
-                        <a:spcAft>
-                          <a:spcPts val="0"/>
-                        </a:spcAft>
-                      </a:pPr>
-                      <a:r>
-                        <a:rPr lang="de-DE" sz="1100">
-                          <a:effectLst/>
-                        </a:rPr>
-                        <a:t>Fügt Wert am Ende  des Containers an</a:t>
-                      </a:r>
-                      <a:endParaRPr lang="de-DE" sz="1100">
-                        <a:effectLst/>
-                        <a:latin typeface="Calibri" panose="020F0502020204030204" pitchFamily="34" charset="0"/>
-                        <a:ea typeface="Calibri" panose="020F0502020204030204" pitchFamily="34" charset="0"/>
-                        <a:cs typeface="Times New Roman" panose="02020603050405020304" pitchFamily="18" charset="0"/>
-                      </a:endParaRPr>
-                    </a:p>
-                  </a:txBody>
-                  <a:tcPr marL="68580" marR="68580" marT="0" marB="0"/>
-                </a:tc>
-                <a:extLst>
-                  <a:ext uri="{0D108BD9-81ED-4DB2-BD59-A6C34878D82A}">
-                    <a16:rowId xmlns:a16="http://schemas.microsoft.com/office/drawing/2014/main" val="10004"/>
-                  </a:ext>
-                </a:extLst>
-              </a:tr>
-              <a:tr h="433686">
-                <a:tc>
-                  <a:txBody>
-                    <a:bodyPr/>
-                    <a:lstStyle/>
-                    <a:p>
-                      <a:pPr algn="just">
-                        <a:lnSpc>
-                          <a:spcPct val="107000"/>
-                        </a:lnSpc>
-                        <a:spcAft>
-                          <a:spcPts val="0"/>
-                        </a:spcAft>
-                      </a:pPr>
-                      <a:r>
-                        <a:rPr lang="de-DE" sz="1100">
-                          <a:effectLst/>
-                        </a:rPr>
-                        <a:t>LinkedListRemoveAtIndex</a:t>
-                      </a:r>
-                      <a:endParaRPr lang="de-DE" sz="1100">
-                        <a:effectLst/>
-                        <a:latin typeface="Calibri" panose="020F0502020204030204" pitchFamily="34" charset="0"/>
-                        <a:ea typeface="Calibri" panose="020F0502020204030204" pitchFamily="34" charset="0"/>
-                        <a:cs typeface="Times New Roman" panose="02020603050405020304" pitchFamily="18" charset="0"/>
-                      </a:endParaRPr>
-                    </a:p>
-                  </a:txBody>
-                  <a:tcPr marL="68580" marR="68580" marT="0" marB="0"/>
-                </a:tc>
-                <a:tc>
-                  <a:txBody>
-                    <a:bodyPr/>
-                    <a:lstStyle/>
-                    <a:p>
-                      <a:pPr algn="just">
-                        <a:lnSpc>
-                          <a:spcPct val="107000"/>
-                        </a:lnSpc>
-                        <a:spcAft>
-                          <a:spcPts val="0"/>
-                        </a:spcAft>
-                      </a:pPr>
-                      <a:r>
-                        <a:rPr lang="de-DE" sz="1100">
-                          <a:effectLst/>
-                        </a:rPr>
-                        <a:t>CollectionError</a:t>
-                      </a:r>
-                      <a:endParaRPr lang="de-DE" sz="1100">
-                        <a:effectLst/>
-                        <a:latin typeface="Calibri" panose="020F0502020204030204" pitchFamily="34" charset="0"/>
-                        <a:ea typeface="Calibri" panose="020F0502020204030204" pitchFamily="34" charset="0"/>
-                        <a:cs typeface="Times New Roman" panose="02020603050405020304" pitchFamily="18" charset="0"/>
-                      </a:endParaRPr>
-                    </a:p>
-                  </a:txBody>
-                  <a:tcPr marL="68580" marR="68580" marT="0" marB="0"/>
-                </a:tc>
-                <a:tc>
-                  <a:txBody>
-                    <a:bodyPr/>
-                    <a:lstStyle/>
-                    <a:p>
-                      <a:pPr algn="just">
-                        <a:lnSpc>
-                          <a:spcPct val="107000"/>
-                        </a:lnSpc>
-                        <a:spcAft>
-                          <a:spcPts val="0"/>
-                        </a:spcAft>
-                      </a:pPr>
-                      <a:r>
-                        <a:rPr lang="de-DE" sz="1100" dirty="0" err="1">
-                          <a:effectLst/>
-                        </a:rPr>
-                        <a:t>LinkedList</a:t>
-                      </a:r>
-                      <a:r>
-                        <a:rPr lang="de-DE" sz="1100" dirty="0">
-                          <a:effectLst/>
-                        </a:rPr>
-                        <a:t>* </a:t>
-                      </a:r>
-                      <a:r>
-                        <a:rPr lang="de-DE" sz="1100" dirty="0" err="1">
-                          <a:effectLst/>
-                        </a:rPr>
-                        <a:t>linkedList</a:t>
-                      </a:r>
-                      <a:endParaRPr lang="de-DE" sz="1100" dirty="0">
-                        <a:effectLst/>
-                      </a:endParaRPr>
-                    </a:p>
-                    <a:p>
-                      <a:pPr algn="just">
-                        <a:lnSpc>
-                          <a:spcPct val="107000"/>
-                        </a:lnSpc>
-                        <a:spcAft>
-                          <a:spcPts val="0"/>
-                        </a:spcAft>
-                      </a:pPr>
-                      <a:r>
-                        <a:rPr lang="en-US" sz="1100" dirty="0">
-                          <a:effectLst/>
-                        </a:rPr>
-                        <a:t>unsigned </a:t>
-                      </a:r>
-                      <a:r>
-                        <a:rPr lang="en-US" sz="1100" dirty="0" err="1">
-                          <a:effectLst/>
-                        </a:rPr>
-                        <a:t>int</a:t>
-                      </a:r>
-                      <a:r>
-                        <a:rPr lang="en-US" sz="1100" dirty="0">
-                          <a:effectLst/>
-                        </a:rPr>
-                        <a:t> index</a:t>
-                      </a:r>
-                      <a:endParaRPr lang="de-DE" sz="1100" dirty="0">
-                        <a:effectLst/>
-                      </a:endParaRPr>
-                    </a:p>
-                    <a:p>
-                      <a:pPr algn="just">
-                        <a:lnSpc>
-                          <a:spcPct val="107000"/>
-                        </a:lnSpc>
-                        <a:spcAft>
-                          <a:spcPts val="0"/>
-                        </a:spcAft>
-                      </a:pPr>
-                      <a:r>
-                        <a:rPr lang="en-US" sz="1100" dirty="0">
-                          <a:effectLst/>
-                        </a:rPr>
-                        <a:t>void* element</a:t>
-                      </a:r>
-                      <a:endParaRPr lang="de-DE" sz="1100" dirty="0">
-                        <a:effectLst/>
-                        <a:latin typeface="Calibri" panose="020F0502020204030204" pitchFamily="34" charset="0"/>
-                        <a:ea typeface="Calibri" panose="020F0502020204030204" pitchFamily="34" charset="0"/>
-                        <a:cs typeface="Times New Roman" panose="02020603050405020304" pitchFamily="18" charset="0"/>
-                      </a:endParaRPr>
-                    </a:p>
-                  </a:txBody>
-                  <a:tcPr marL="68580" marR="68580" marT="0" marB="0"/>
-                </a:tc>
-                <a:tc>
-                  <a:txBody>
-                    <a:bodyPr/>
-                    <a:lstStyle/>
-                    <a:p>
-                      <a:pPr algn="just">
-                        <a:lnSpc>
-                          <a:spcPct val="107000"/>
-                        </a:lnSpc>
-                        <a:spcAft>
-                          <a:spcPts val="0"/>
-                        </a:spcAft>
-                      </a:pPr>
-                      <a:r>
-                        <a:rPr lang="de-DE" sz="1100">
-                          <a:effectLst/>
-                        </a:rPr>
-                        <a:t>Entnimmt Wert aus gegebener Position</a:t>
-                      </a:r>
-                      <a:endParaRPr lang="de-DE" sz="1100">
-                        <a:effectLst/>
-                        <a:latin typeface="Calibri" panose="020F0502020204030204" pitchFamily="34" charset="0"/>
-                        <a:ea typeface="Calibri" panose="020F0502020204030204" pitchFamily="34" charset="0"/>
-                        <a:cs typeface="Times New Roman" panose="02020603050405020304" pitchFamily="18" charset="0"/>
-                      </a:endParaRPr>
-                    </a:p>
-                  </a:txBody>
-                  <a:tcPr marL="68580" marR="68580" marT="0" marB="0"/>
-                </a:tc>
-                <a:extLst>
-                  <a:ext uri="{0D108BD9-81ED-4DB2-BD59-A6C34878D82A}">
-                    <a16:rowId xmlns:a16="http://schemas.microsoft.com/office/drawing/2014/main" val="10005"/>
-                  </a:ext>
-                </a:extLst>
-              </a:tr>
-              <a:tr h="433686">
-                <a:tc>
-                  <a:txBody>
-                    <a:bodyPr/>
-                    <a:lstStyle/>
-                    <a:p>
-                      <a:pPr algn="just">
-                        <a:lnSpc>
-                          <a:spcPct val="107000"/>
-                        </a:lnSpc>
-                        <a:spcAft>
-                          <a:spcPts val="0"/>
-                        </a:spcAft>
-                      </a:pPr>
-                      <a:r>
-                        <a:rPr lang="de-DE" sz="1100">
-                          <a:effectLst/>
-                        </a:rPr>
-                        <a:t>LinkedListGetElement</a:t>
-                      </a:r>
-                      <a:endParaRPr lang="de-DE" sz="1100">
-                        <a:effectLst/>
-                        <a:latin typeface="Calibri" panose="020F0502020204030204" pitchFamily="34" charset="0"/>
-                        <a:ea typeface="Calibri" panose="020F0502020204030204" pitchFamily="34" charset="0"/>
-                        <a:cs typeface="Times New Roman" panose="02020603050405020304" pitchFamily="18" charset="0"/>
-                      </a:endParaRPr>
-                    </a:p>
-                  </a:txBody>
-                  <a:tcPr marL="68580" marR="68580" marT="0" marB="0"/>
-                </a:tc>
-                <a:tc>
-                  <a:txBody>
-                    <a:bodyPr/>
-                    <a:lstStyle/>
-                    <a:p>
-                      <a:pPr algn="just">
-                        <a:lnSpc>
-                          <a:spcPct val="107000"/>
-                        </a:lnSpc>
-                        <a:spcAft>
-                          <a:spcPts val="0"/>
-                        </a:spcAft>
-                      </a:pPr>
-                      <a:r>
-                        <a:rPr lang="de-DE" sz="1100">
-                          <a:effectLst/>
-                        </a:rPr>
-                        <a:t>CollectionError</a:t>
-                      </a:r>
-                      <a:endParaRPr lang="de-DE" sz="1100">
-                        <a:effectLst/>
-                        <a:latin typeface="Calibri" panose="020F0502020204030204" pitchFamily="34" charset="0"/>
-                        <a:ea typeface="Calibri" panose="020F0502020204030204" pitchFamily="34" charset="0"/>
-                        <a:cs typeface="Times New Roman" panose="02020603050405020304" pitchFamily="18" charset="0"/>
-                      </a:endParaRPr>
-                    </a:p>
-                  </a:txBody>
-                  <a:tcPr marL="68580" marR="68580" marT="0" marB="0"/>
-                </a:tc>
-                <a:tc>
-                  <a:txBody>
-                    <a:bodyPr/>
-                    <a:lstStyle/>
-                    <a:p>
-                      <a:pPr algn="just">
-                        <a:lnSpc>
-                          <a:spcPct val="107000"/>
-                        </a:lnSpc>
-                        <a:spcAft>
-                          <a:spcPts val="0"/>
-                        </a:spcAft>
-                      </a:pPr>
-                      <a:r>
-                        <a:rPr lang="de-DE" sz="1100">
-                          <a:effectLst/>
-                        </a:rPr>
-                        <a:t>LinkedList* linkedList</a:t>
-                      </a:r>
-                    </a:p>
-                    <a:p>
-                      <a:pPr algn="just">
-                        <a:lnSpc>
-                          <a:spcPct val="107000"/>
-                        </a:lnSpc>
-                        <a:spcAft>
-                          <a:spcPts val="0"/>
-                        </a:spcAft>
-                      </a:pPr>
-                      <a:r>
-                        <a:rPr lang="en-US" sz="1100">
-                          <a:effectLst/>
-                        </a:rPr>
-                        <a:t>unsigned int index</a:t>
-                      </a:r>
-                      <a:endParaRPr lang="de-DE" sz="1100">
-                        <a:effectLst/>
-                      </a:endParaRPr>
-                    </a:p>
-                    <a:p>
-                      <a:pPr algn="just">
-                        <a:lnSpc>
-                          <a:spcPct val="107000"/>
-                        </a:lnSpc>
-                        <a:spcAft>
-                          <a:spcPts val="0"/>
-                        </a:spcAft>
-                      </a:pPr>
-                      <a:r>
-                        <a:rPr lang="en-US" sz="1100">
-                          <a:effectLst/>
-                        </a:rPr>
-                        <a:t>void* element</a:t>
-                      </a:r>
-                      <a:endParaRPr lang="de-DE" sz="1100">
-                        <a:effectLst/>
-                        <a:latin typeface="Calibri" panose="020F0502020204030204" pitchFamily="34" charset="0"/>
-                        <a:ea typeface="Calibri" panose="020F0502020204030204" pitchFamily="34" charset="0"/>
-                        <a:cs typeface="Times New Roman" panose="02020603050405020304" pitchFamily="18" charset="0"/>
-                      </a:endParaRPr>
-                    </a:p>
-                  </a:txBody>
-                  <a:tcPr marL="68580" marR="68580" marT="0" marB="0"/>
-                </a:tc>
-                <a:tc>
-                  <a:txBody>
-                    <a:bodyPr/>
-                    <a:lstStyle/>
-                    <a:p>
-                      <a:pPr algn="just">
-                        <a:lnSpc>
-                          <a:spcPct val="107000"/>
-                        </a:lnSpc>
-                        <a:spcAft>
-                          <a:spcPts val="0"/>
-                        </a:spcAft>
-                      </a:pPr>
-                      <a:r>
-                        <a:rPr lang="de-DE" sz="1100">
-                          <a:effectLst/>
-                        </a:rPr>
-                        <a:t>Liest Wert aus gegebener Position</a:t>
-                      </a:r>
-                      <a:endParaRPr lang="de-DE" sz="1100">
-                        <a:effectLst/>
-                        <a:latin typeface="Calibri" panose="020F0502020204030204" pitchFamily="34" charset="0"/>
-                        <a:ea typeface="Calibri" panose="020F0502020204030204" pitchFamily="34" charset="0"/>
-                        <a:cs typeface="Times New Roman" panose="02020603050405020304" pitchFamily="18" charset="0"/>
-                      </a:endParaRPr>
-                    </a:p>
-                  </a:txBody>
-                  <a:tcPr marL="68580" marR="68580" marT="0" marB="0"/>
-                </a:tc>
-                <a:extLst>
-                  <a:ext uri="{0D108BD9-81ED-4DB2-BD59-A6C34878D82A}">
-                    <a16:rowId xmlns:a16="http://schemas.microsoft.com/office/drawing/2014/main" val="10006"/>
-                  </a:ext>
-                </a:extLst>
-              </a:tr>
-              <a:tr h="433686">
-                <a:tc>
-                  <a:txBody>
-                    <a:bodyPr/>
-                    <a:lstStyle/>
-                    <a:p>
-                      <a:pPr algn="just">
-                        <a:lnSpc>
-                          <a:spcPct val="107000"/>
-                        </a:lnSpc>
-                        <a:spcAft>
-                          <a:spcPts val="0"/>
-                        </a:spcAft>
-                      </a:pPr>
-                      <a:r>
-                        <a:rPr lang="de-DE" sz="1100" dirty="0" err="1">
-                          <a:effectLst/>
-                        </a:rPr>
-                        <a:t>LinkedListGetNode</a:t>
-                      </a:r>
-                      <a:endParaRPr lang="de-DE" sz="1100" dirty="0">
-                        <a:effectLst/>
-                        <a:latin typeface="Calibri" panose="020F0502020204030204" pitchFamily="34" charset="0"/>
-                        <a:ea typeface="Calibri" panose="020F0502020204030204" pitchFamily="34" charset="0"/>
-                        <a:cs typeface="Times New Roman" panose="02020603050405020304" pitchFamily="18" charset="0"/>
-                      </a:endParaRPr>
-                    </a:p>
-                  </a:txBody>
-                  <a:tcPr marL="68580" marR="68580" marT="0" marB="0"/>
-                </a:tc>
-                <a:tc>
-                  <a:txBody>
-                    <a:bodyPr/>
-                    <a:lstStyle/>
-                    <a:p>
-                      <a:pPr algn="just">
-                        <a:lnSpc>
-                          <a:spcPct val="107000"/>
-                        </a:lnSpc>
-                        <a:spcAft>
-                          <a:spcPts val="0"/>
-                        </a:spcAft>
-                      </a:pPr>
-                      <a:r>
-                        <a:rPr lang="de-DE" sz="1100">
-                          <a:effectLst/>
-                        </a:rPr>
-                        <a:t>CollectionError</a:t>
-                      </a:r>
-                      <a:endParaRPr lang="de-DE" sz="1100">
-                        <a:effectLst/>
-                        <a:latin typeface="Calibri" panose="020F0502020204030204" pitchFamily="34" charset="0"/>
-                        <a:ea typeface="Calibri" panose="020F0502020204030204" pitchFamily="34" charset="0"/>
-                        <a:cs typeface="Times New Roman" panose="02020603050405020304" pitchFamily="18" charset="0"/>
-                      </a:endParaRPr>
-                    </a:p>
-                  </a:txBody>
-                  <a:tcPr marL="68580" marR="68580" marT="0" marB="0"/>
-                </a:tc>
-                <a:tc>
-                  <a:txBody>
-                    <a:bodyPr/>
-                    <a:lstStyle/>
-                    <a:p>
-                      <a:pPr algn="just">
-                        <a:lnSpc>
-                          <a:spcPct val="107000"/>
-                        </a:lnSpc>
-                        <a:spcAft>
-                          <a:spcPts val="0"/>
-                        </a:spcAft>
-                      </a:pPr>
-                      <a:r>
-                        <a:rPr lang="de-DE" sz="1100">
-                          <a:effectLst/>
-                        </a:rPr>
-                        <a:t>LinkedList* linkedList</a:t>
-                      </a:r>
-                    </a:p>
-                    <a:p>
-                      <a:pPr algn="just">
-                        <a:lnSpc>
-                          <a:spcPct val="107000"/>
-                        </a:lnSpc>
-                        <a:spcAft>
-                          <a:spcPts val="0"/>
-                        </a:spcAft>
-                      </a:pPr>
-                      <a:r>
-                        <a:rPr lang="de-DE" sz="1100">
-                          <a:effectLst/>
-                        </a:rPr>
-                        <a:t>unsigned int index</a:t>
-                      </a:r>
-                    </a:p>
-                    <a:p>
-                      <a:pPr algn="just">
-                        <a:lnSpc>
-                          <a:spcPct val="107000"/>
-                        </a:lnSpc>
-                        <a:spcAft>
-                          <a:spcPts val="0"/>
-                        </a:spcAft>
-                      </a:pPr>
-                      <a:r>
-                        <a:rPr lang="de-DE" sz="1100">
-                          <a:effectLst/>
-                        </a:rPr>
-                        <a:t>LinkedListNode** linkedListNode</a:t>
-                      </a:r>
-                      <a:endParaRPr lang="de-DE" sz="1100">
-                        <a:effectLst/>
-                        <a:latin typeface="Calibri" panose="020F0502020204030204" pitchFamily="34" charset="0"/>
-                        <a:ea typeface="Calibri" panose="020F0502020204030204" pitchFamily="34" charset="0"/>
-                        <a:cs typeface="Times New Roman" panose="02020603050405020304" pitchFamily="18" charset="0"/>
-                      </a:endParaRPr>
-                    </a:p>
-                  </a:txBody>
-                  <a:tcPr marL="68580" marR="68580" marT="0" marB="0"/>
-                </a:tc>
-                <a:tc>
-                  <a:txBody>
-                    <a:bodyPr/>
-                    <a:lstStyle/>
-                    <a:p>
-                      <a:pPr algn="just">
-                        <a:lnSpc>
-                          <a:spcPct val="107000"/>
-                        </a:lnSpc>
-                        <a:spcAft>
-                          <a:spcPts val="0"/>
-                        </a:spcAft>
-                      </a:pPr>
-                      <a:r>
-                        <a:rPr lang="de-DE" sz="1100">
-                          <a:effectLst/>
-                        </a:rPr>
-                        <a:t>Liest Knoten aus gegebener Position</a:t>
-                      </a:r>
-                      <a:endParaRPr lang="de-DE" sz="1100">
-                        <a:effectLst/>
-                        <a:latin typeface="Calibri" panose="020F0502020204030204" pitchFamily="34" charset="0"/>
-                        <a:ea typeface="Calibri" panose="020F0502020204030204" pitchFamily="34" charset="0"/>
-                        <a:cs typeface="Times New Roman" panose="02020603050405020304" pitchFamily="18" charset="0"/>
-                      </a:endParaRPr>
-                    </a:p>
-                  </a:txBody>
-                  <a:tcPr marL="68580" marR="68580" marT="0" marB="0"/>
-                </a:tc>
-                <a:extLst>
-                  <a:ext uri="{0D108BD9-81ED-4DB2-BD59-A6C34878D82A}">
-                    <a16:rowId xmlns:a16="http://schemas.microsoft.com/office/drawing/2014/main" val="10007"/>
-                  </a:ext>
-                </a:extLst>
-              </a:tr>
-              <a:tr h="433686">
-                <a:tc>
-                  <a:txBody>
-                    <a:bodyPr/>
-                    <a:lstStyle/>
-                    <a:p>
-                      <a:pPr algn="just">
-                        <a:lnSpc>
-                          <a:spcPct val="107000"/>
-                        </a:lnSpc>
-                        <a:spcAft>
-                          <a:spcPts val="0"/>
-                        </a:spcAft>
-                      </a:pPr>
-                      <a:r>
-                        <a:rPr lang="de-DE" sz="1100">
-                          <a:effectLst/>
-                        </a:rPr>
-                        <a:t>LinkedListGetLastElement</a:t>
-                      </a:r>
-                      <a:endParaRPr lang="de-DE" sz="1100">
-                        <a:effectLst/>
-                        <a:latin typeface="Calibri" panose="020F0502020204030204" pitchFamily="34" charset="0"/>
-                        <a:ea typeface="Calibri" panose="020F0502020204030204" pitchFamily="34" charset="0"/>
-                        <a:cs typeface="Times New Roman" panose="02020603050405020304" pitchFamily="18" charset="0"/>
-                      </a:endParaRPr>
-                    </a:p>
-                  </a:txBody>
-                  <a:tcPr marL="68580" marR="68580" marT="0" marB="0"/>
-                </a:tc>
-                <a:tc>
-                  <a:txBody>
-                    <a:bodyPr/>
-                    <a:lstStyle/>
-                    <a:p>
-                      <a:pPr algn="just">
-                        <a:lnSpc>
-                          <a:spcPct val="107000"/>
-                        </a:lnSpc>
-                        <a:spcAft>
-                          <a:spcPts val="0"/>
-                        </a:spcAft>
-                      </a:pPr>
-                      <a:r>
-                        <a:rPr lang="de-DE" sz="1100">
-                          <a:effectLst/>
-                        </a:rPr>
-                        <a:t>CollectionError</a:t>
-                      </a:r>
-                      <a:endParaRPr lang="de-DE" sz="1100">
-                        <a:effectLst/>
-                        <a:latin typeface="Calibri" panose="020F0502020204030204" pitchFamily="34" charset="0"/>
-                        <a:ea typeface="Calibri" panose="020F0502020204030204" pitchFamily="34" charset="0"/>
-                        <a:cs typeface="Times New Roman" panose="02020603050405020304" pitchFamily="18" charset="0"/>
-                      </a:endParaRPr>
-                    </a:p>
-                  </a:txBody>
-                  <a:tcPr marL="68580" marR="68580" marT="0" marB="0"/>
-                </a:tc>
-                <a:tc>
-                  <a:txBody>
-                    <a:bodyPr/>
-                    <a:lstStyle/>
-                    <a:p>
-                      <a:pPr algn="just">
-                        <a:lnSpc>
-                          <a:spcPct val="107000"/>
-                        </a:lnSpc>
-                        <a:spcAft>
-                          <a:spcPts val="0"/>
-                        </a:spcAft>
-                      </a:pPr>
-                      <a:r>
-                        <a:rPr lang="de-DE" sz="1100">
-                          <a:effectLst/>
-                        </a:rPr>
-                        <a:t>LinkedList* linkedList</a:t>
-                      </a:r>
-                    </a:p>
-                    <a:p>
-                      <a:pPr algn="just">
-                        <a:lnSpc>
-                          <a:spcPct val="107000"/>
-                        </a:lnSpc>
-                        <a:spcAft>
-                          <a:spcPts val="0"/>
-                        </a:spcAft>
-                      </a:pPr>
-                      <a:r>
-                        <a:rPr lang="de-DE" sz="1100">
-                          <a:effectLst/>
-                        </a:rPr>
-                        <a:t>LinkedListNode** linkedListNode</a:t>
-                      </a:r>
-                      <a:endParaRPr lang="de-DE" sz="1100">
-                        <a:effectLst/>
-                        <a:latin typeface="Calibri" panose="020F0502020204030204" pitchFamily="34" charset="0"/>
-                        <a:ea typeface="Calibri" panose="020F0502020204030204" pitchFamily="34" charset="0"/>
-                        <a:cs typeface="Times New Roman" panose="02020603050405020304" pitchFamily="18" charset="0"/>
-                      </a:endParaRPr>
-                    </a:p>
-                  </a:txBody>
-                  <a:tcPr marL="68580" marR="68580" marT="0" marB="0"/>
-                </a:tc>
-                <a:tc>
-                  <a:txBody>
-                    <a:bodyPr/>
-                    <a:lstStyle/>
-                    <a:p>
-                      <a:pPr algn="just">
-                        <a:lnSpc>
-                          <a:spcPct val="107000"/>
-                        </a:lnSpc>
-                        <a:spcAft>
-                          <a:spcPts val="0"/>
-                        </a:spcAft>
-                      </a:pPr>
-                      <a:r>
-                        <a:rPr lang="de-DE" sz="1100" dirty="0">
-                          <a:effectLst/>
-                        </a:rPr>
-                        <a:t>Liest letzten Knoten</a:t>
-                      </a:r>
-                      <a:endParaRPr lang="de-DE" sz="1100" dirty="0">
-                        <a:effectLst/>
-                        <a:latin typeface="Calibri" panose="020F0502020204030204" pitchFamily="34" charset="0"/>
-                        <a:ea typeface="Calibri" panose="020F0502020204030204" pitchFamily="34" charset="0"/>
-                        <a:cs typeface="Times New Roman" panose="02020603050405020304" pitchFamily="18" charset="0"/>
-                      </a:endParaRPr>
-                    </a:p>
-                  </a:txBody>
-                  <a:tcPr marL="68580" marR="68580" marT="0" marB="0"/>
-                </a:tc>
-                <a:extLst>
-                  <a:ext uri="{0D108BD9-81ED-4DB2-BD59-A6C34878D82A}">
-                    <a16:rowId xmlns:a16="http://schemas.microsoft.com/office/drawing/2014/main" val="10008"/>
-                  </a:ext>
-                </a:extLst>
-              </a:tr>
-            </a:tbl>
-          </a:graphicData>
-        </a:graphic>
-      </p:graphicFrame>
+      <p:sp>
+        <p:nvSpPr>
+          <p:cNvPr id="9" name="Textfeld 8">
+            <a:extLst>
+              <a:ext uri="{FF2B5EF4-FFF2-40B4-BE49-F238E27FC236}">
+                <a16:creationId xmlns:a16="http://schemas.microsoft.com/office/drawing/2014/main" id="{D23F62FE-992B-41D4-94ED-A3EBBFC54A60}"/>
+              </a:ext>
+            </a:extLst>
+          </p:cNvPr>
+          <p:cNvSpPr txBox="1"/>
+          <p:nvPr/>
+        </p:nvSpPr>
+        <p:spPr>
+          <a:xfrm>
+            <a:off x="485191" y="1154922"/>
+            <a:ext cx="3788228" cy="1015663"/>
+          </a:xfrm>
+          <a:prstGeom prst="rect">
+            <a:avLst/>
+          </a:prstGeom>
+          <a:noFill/>
+        </p:spPr>
+        <p:txBody>
+          <a:bodyPr wrap="square" rtlCol="0">
+            <a:spAutoFit/>
+          </a:bodyPr>
+          <a:lstStyle/>
+          <a:p>
+            <a:r>
+              <a:rPr lang="de-DE" sz="2000" b="1" dirty="0"/>
+              <a:t>2.4 Grundcontainer Queue</a:t>
+            </a:r>
+          </a:p>
+          <a:p>
+            <a:endParaRPr lang="de-DE" sz="2000" b="1" dirty="0"/>
+          </a:p>
+          <a:p>
+            <a:r>
+              <a:rPr lang="de-DE" sz="2000" b="1" dirty="0"/>
+              <a:t> 	</a:t>
+            </a:r>
+            <a:endParaRPr lang="de-DE" sz="2000" dirty="0"/>
+          </a:p>
+        </p:txBody>
+      </p:sp>
+      <p:sp>
+        <p:nvSpPr>
+          <p:cNvPr id="15" name="Textfeld 14">
+            <a:extLst>
+              <a:ext uri="{FF2B5EF4-FFF2-40B4-BE49-F238E27FC236}">
+                <a16:creationId xmlns:a16="http://schemas.microsoft.com/office/drawing/2014/main" id="{A3D6E67C-A0D4-4C98-9676-9D59EF3192A1}"/>
+              </a:ext>
+            </a:extLst>
+          </p:cNvPr>
+          <p:cNvSpPr txBox="1"/>
+          <p:nvPr/>
+        </p:nvSpPr>
+        <p:spPr>
+          <a:xfrm>
+            <a:off x="933061" y="1678143"/>
+            <a:ext cx="4152123" cy="369332"/>
+          </a:xfrm>
+          <a:prstGeom prst="rect">
+            <a:avLst/>
+          </a:prstGeom>
+          <a:noFill/>
+        </p:spPr>
+        <p:txBody>
+          <a:bodyPr wrap="square" rtlCol="0">
+            <a:spAutoFit/>
+          </a:bodyPr>
+          <a:lstStyle/>
+          <a:p>
+            <a:r>
+              <a:rPr lang="de-DE" dirty="0"/>
+              <a:t>Queue [Beispielcode]:</a:t>
+            </a:r>
+          </a:p>
+        </p:txBody>
+      </p:sp>
     </p:spTree>
     <p:extLst>
       <p:ext uri="{BB962C8B-B14F-4D97-AF65-F5344CB8AC3E}">
-        <p14:creationId xmlns:p14="http://schemas.microsoft.com/office/powerpoint/2010/main" val="480397942"/>
+        <p14:creationId xmlns:p14="http://schemas.microsoft.com/office/powerpoint/2010/main" val="2188536814"/>
       </p:ext>
     </p:extLst>
   </p:cSld>
@@ -14876,22 +12025,76 @@
           </a:p>
         </p:txBody>
       </p:sp>
-      <p:sp>
-        <p:nvSpPr>
-          <p:cNvPr id="6" name="Textfeld 5">
-            <a:extLst>
-              <a:ext uri="{FF2B5EF4-FFF2-40B4-BE49-F238E27FC236}">
-                <a16:creationId xmlns:a16="http://schemas.microsoft.com/office/drawing/2014/main" id="{8E05CB3E-FC8B-4C84-8452-A027AF29808D}"/>
-              </a:ext>
-            </a:extLst>
-          </p:cNvPr>
+      <p:pic>
+        <p:nvPicPr>
+          <p:cNvPr id="2" name="Grafik 1"/>
+          <p:cNvPicPr>
+            <a:picLocks noChangeAspect="1"/>
+          </p:cNvPicPr>
+          <p:nvPr/>
+        </p:nvPicPr>
+        <p:blipFill>
+          <a:blip r:embed="rId3">
+            <a:extLst>
+              <a:ext uri="{28A0092B-C50C-407E-A947-70E740481C1C}">
+                <a14:useLocalDpi xmlns:a14="http://schemas.microsoft.com/office/drawing/2010/main" val="0"/>
+              </a:ext>
+            </a:extLst>
+          </a:blip>
+          <a:stretch>
+            <a:fillRect/>
+          </a:stretch>
+        </p:blipFill>
+        <p:spPr>
+          <a:xfrm>
+            <a:off x="6782869" y="2836754"/>
+            <a:ext cx="3975397" cy="3242458"/>
+          </a:xfrm>
+          <a:prstGeom prst="rect">
+            <a:avLst/>
+          </a:prstGeom>
+        </p:spPr>
+      </p:pic>
+      <p:pic>
+        <p:nvPicPr>
+          <p:cNvPr id="3" name="Grafik 2"/>
+          <p:cNvPicPr>
+            <a:picLocks noChangeAspect="1"/>
+          </p:cNvPicPr>
+          <p:nvPr/>
+        </p:nvPicPr>
+        <p:blipFill>
+          <a:blip r:embed="rId4">
+            <a:extLst>
+              <a:ext uri="{28A0092B-C50C-407E-A947-70E740481C1C}">
+                <a14:useLocalDpi xmlns:a14="http://schemas.microsoft.com/office/drawing/2010/main" val="0"/>
+              </a:ext>
+            </a:extLst>
+          </a:blip>
+          <a:stretch>
+            <a:fillRect/>
+          </a:stretch>
+        </p:blipFill>
+        <p:spPr>
+          <a:xfrm>
+            <a:off x="754476" y="2598668"/>
+            <a:ext cx="5166470" cy="3482462"/>
+          </a:xfrm>
+          <a:prstGeom prst="rect">
+            <a:avLst/>
+          </a:prstGeom>
+        </p:spPr>
+      </p:pic>
+      <p:sp>
+        <p:nvSpPr>
+          <p:cNvPr id="4" name="Textfeld 3"/>
           <p:cNvSpPr txBox="1"/>
           <p:nvPr/>
         </p:nvSpPr>
         <p:spPr>
           <a:xfrm>
-            <a:off x="485190" y="1154923"/>
-            <a:ext cx="4945791" cy="1323439"/>
+            <a:off x="762000" y="1638204"/>
+            <a:ext cx="10317892" cy="923330"/>
           </a:xfrm>
           <a:prstGeom prst="rect">
             <a:avLst/>
@@ -14905,31 +12108,25 @@
           <a:lstStyle/>
           <a:p>
             <a:r>
-              <a:rPr lang="de-DE" sz="2000" b="1" dirty="0"/>
-              <a:t>3. Generelle Container [String]</a:t>
-            </a:r>
-          </a:p>
-          <a:p>
-            <a:endParaRPr lang="de-DE" sz="2000" b="1" dirty="0"/>
-          </a:p>
-          <a:p>
-            <a:endParaRPr lang="de-DE" sz="2000" b="1" dirty="0"/>
-          </a:p>
-          <a:p>
-            <a:r>
-              <a:rPr lang="de-DE" sz="2000" b="1" dirty="0"/>
-              <a:t> 	</a:t>
-            </a:r>
-            <a:endParaRPr lang="de-DE" sz="2000" dirty="0"/>
-          </a:p>
-        </p:txBody>
-      </p:sp>
-      <p:sp>
-        <p:nvSpPr>
-          <p:cNvPr id="8" name="Textfeld 7">
-            <a:extLst>
-              <a:ext uri="{FF2B5EF4-FFF2-40B4-BE49-F238E27FC236}">
-                <a16:creationId xmlns:a16="http://schemas.microsoft.com/office/drawing/2014/main" id="{4842BEFA-10C3-45C0-8997-167BE0586DAC}"/>
+              <a:rPr lang="de-DE" dirty="0"/>
+              <a:t>Daten werden in Ketten-Elementen gespeichert. Jedes zwischen Element kennt seinen nächsten </a:t>
+            </a:r>
+            <a:br>
+              <a:rPr lang="de-DE" dirty="0"/>
+            </a:br>
+            <a:r>
+              <a:rPr lang="de-DE" dirty="0"/>
+              <a:t>Nachbarn. Durch diese Kette kann man jedes Element ansprechen. Das Letze Element hat immer einen Null Wert, da dieser der Letze Wert ist und keinen nächsten Wert besitzt. </a:t>
+            </a:r>
+          </a:p>
+        </p:txBody>
+      </p:sp>
+      <p:sp>
+        <p:nvSpPr>
+          <p:cNvPr id="15" name="Textfeld 14">
+            <a:extLst>
+              <a:ext uri="{FF2B5EF4-FFF2-40B4-BE49-F238E27FC236}">
+                <a16:creationId xmlns:a16="http://schemas.microsoft.com/office/drawing/2014/main" id="{5CFBE2C9-9D9F-44FF-AC19-5AB61CDAEA97}"/>
               </a:ext>
             </a:extLst>
           </p:cNvPr>
@@ -14938,143 +12135,8 @@
         </p:nvSpPr>
         <p:spPr>
           <a:xfrm>
-            <a:off x="1085461" y="2075948"/>
-            <a:ext cx="10021077" cy="2800767"/>
-          </a:xfrm>
-          <a:prstGeom prst="rect">
-            <a:avLst/>
-          </a:prstGeom>
-          <a:noFill/>
-        </p:spPr>
-        <p:txBody>
-          <a:bodyPr wrap="square">
-            <a:spAutoFit/>
-          </a:bodyPr>
-          <a:lstStyle/>
-          <a:p>
-            <a:pPr>
-              <a:lnSpc>
-                <a:spcPct val="200000"/>
-              </a:lnSpc>
-            </a:pPr>
-            <a:r>
-              <a:rPr lang="de-DE" sz="1600" b="1" dirty="0">
-                <a:solidFill>
-                  <a:srgbClr val="000000"/>
-                </a:solidFill>
-                <a:latin typeface="+mj-lt"/>
-              </a:rPr>
-              <a:t>Ziel:</a:t>
-            </a:r>
-          </a:p>
-          <a:p>
-            <a:r>
-              <a:rPr lang="de-DE" sz="1600" dirty="0">
-                <a:solidFill>
-                  <a:srgbClr val="000000"/>
-                </a:solidFill>
-                <a:latin typeface="+mj-lt"/>
-              </a:rPr>
-              <a:t>Ziel hinter diesem Container war es zu zeigen wie leicht es ist unsere Container zu erweitern und oder zu verändern.</a:t>
-            </a:r>
-          </a:p>
-          <a:p>
-            <a:endParaRPr lang="de-DE" sz="1600" dirty="0">
-              <a:solidFill>
-                <a:srgbClr val="000000"/>
-              </a:solidFill>
-              <a:latin typeface="+mj-lt"/>
-            </a:endParaRPr>
-          </a:p>
-          <a:p>
-            <a:pPr>
-              <a:lnSpc>
-                <a:spcPct val="200000"/>
-              </a:lnSpc>
-            </a:pPr>
-            <a:r>
-              <a:rPr lang="de-DE" sz="1600" b="1" dirty="0">
-                <a:solidFill>
-                  <a:srgbClr val="000000"/>
-                </a:solidFill>
-                <a:latin typeface="+mj-lt"/>
-              </a:rPr>
-              <a:t>Möglichkeiten:</a:t>
-            </a:r>
-          </a:p>
-          <a:p>
-            <a:r>
-              <a:rPr lang="de-DE" sz="1600" dirty="0">
-                <a:solidFill>
-                  <a:srgbClr val="000000"/>
-                </a:solidFill>
-                <a:latin typeface="+mj-lt"/>
-              </a:rPr>
-              <a:t>Da unser ‚String Container‘ auf unser Liste aufbaut, sieht dieser Container der List sehr ähnlich. Es wurden zusätzliche Funktionalitäten hinzugefügt, wie zum Beispiel, dass dem </a:t>
-            </a:r>
-            <a:r>
-              <a:rPr lang="de-DE" sz="1600" dirty="0" err="1">
-                <a:solidFill>
-                  <a:srgbClr val="000000"/>
-                </a:solidFill>
-                <a:latin typeface="+mj-lt"/>
-              </a:rPr>
-              <a:t>Conatiner</a:t>
-            </a:r>
-            <a:r>
-              <a:rPr lang="de-DE" sz="1600" dirty="0">
-                <a:solidFill>
-                  <a:srgbClr val="000000"/>
-                </a:solidFill>
-                <a:latin typeface="+mj-lt"/>
-              </a:rPr>
-              <a:t> ein weiterer String angehangen werden kann (</a:t>
-            </a:r>
-            <a:r>
-              <a:rPr lang="de-DE" sz="1600" dirty="0" err="1">
-                <a:solidFill>
-                  <a:srgbClr val="000000"/>
-                </a:solidFill>
-                <a:latin typeface="+mj-lt"/>
-              </a:rPr>
-              <a:t>Concat</a:t>
-            </a:r>
-            <a:r>
-              <a:rPr lang="de-DE" sz="1600" dirty="0">
-                <a:solidFill>
-                  <a:srgbClr val="000000"/>
-                </a:solidFill>
-                <a:latin typeface="+mj-lt"/>
-              </a:rPr>
-              <a:t> Funktion). </a:t>
-            </a:r>
-          </a:p>
-          <a:p>
-            <a:endParaRPr lang="de-DE" sz="1600" b="0" i="0" u="none" strike="noStrike" baseline="0" dirty="0">
-              <a:solidFill>
-                <a:srgbClr val="000000"/>
-              </a:solidFill>
-              <a:latin typeface="+mj-lt"/>
-            </a:endParaRPr>
-          </a:p>
-        </p:txBody>
-      </p:sp>
-      <p:sp>
-        <p:nvSpPr>
-          <p:cNvPr id="3" name="Textfeld 2">
-            <a:extLst>
-              <a:ext uri="{FF2B5EF4-FFF2-40B4-BE49-F238E27FC236}">
-                <a16:creationId xmlns:a16="http://schemas.microsoft.com/office/drawing/2014/main" id="{B616C74B-1A1C-4612-8D7A-608508876D6B}"/>
-              </a:ext>
-            </a:extLst>
-          </p:cNvPr>
-          <p:cNvSpPr txBox="1"/>
-          <p:nvPr/>
-        </p:nvSpPr>
-        <p:spPr>
-          <a:xfrm>
-            <a:off x="933061" y="1678143"/>
-            <a:ext cx="4152123" cy="369332"/>
+            <a:off x="485191" y="1154923"/>
+            <a:ext cx="5873664" cy="1015663"/>
           </a:xfrm>
           <a:prstGeom prst="rect">
             <a:avLst/>
@@ -15088,16 +12150,34 @@
           <a:lstStyle/>
           <a:p>
             <a:r>
-              <a:rPr lang="de-DE" dirty="0"/>
-              <a:t>String:</a:t>
-            </a:r>
+              <a:rPr lang="de-DE" sz="2000" b="1" dirty="0"/>
+              <a:t>2.5 Grundcontainer [</a:t>
+            </a:r>
+            <a:r>
+              <a:rPr lang="de-DE" sz="2000" b="1" dirty="0" err="1"/>
+              <a:t>LinkedList</a:t>
+            </a:r>
+            <a:r>
+              <a:rPr lang="de-DE" sz="2000" b="1" dirty="0"/>
+              <a:t>] </a:t>
+            </a:r>
+          </a:p>
+          <a:p>
+            <a:endParaRPr lang="de-DE" sz="2000" b="1" dirty="0"/>
+          </a:p>
+          <a:p>
+            <a:r>
+              <a:rPr lang="de-DE" sz="2000" b="1" dirty="0"/>
+              <a:t> 	</a:t>
+            </a:r>
+            <a:endParaRPr lang="de-DE" sz="2000" dirty="0"/>
           </a:p>
         </p:txBody>
       </p:sp>
     </p:spTree>
     <p:extLst>
       <p:ext uri="{BB962C8B-B14F-4D97-AF65-F5344CB8AC3E}">
-        <p14:creationId xmlns:p14="http://schemas.microsoft.com/office/powerpoint/2010/main" val="2697791190"/>
+        <p14:creationId xmlns:p14="http://schemas.microsoft.com/office/powerpoint/2010/main" val="798140199"/>
       </p:ext>
     </p:extLst>
   </p:cSld>
@@ -15306,8 +12386,8 @@
         </p:nvSpPr>
         <p:spPr>
           <a:xfrm>
-            <a:off x="485190" y="1154923"/>
-            <a:ext cx="7947609" cy="1323439"/>
+            <a:off x="485191" y="1154923"/>
+            <a:ext cx="5873664" cy="1015663"/>
           </a:xfrm>
           <a:prstGeom prst="rect">
             <a:avLst/>
@@ -15322,11 +12402,16 @@
           <a:p>
             <a:r>
               <a:rPr lang="de-DE" sz="2000" b="1" dirty="0"/>
-              <a:t>3. Generelle Container [String]</a:t>
-            </a:r>
-          </a:p>
-          <a:p>
-            <a:endParaRPr lang="de-DE" sz="2000" b="1" dirty="0"/>
+              <a:t>2.5 Grundcontainer [</a:t>
+            </a:r>
+            <a:r>
+              <a:rPr lang="de-DE" sz="2000" b="1" dirty="0" err="1"/>
+              <a:t>LinkedList</a:t>
+            </a:r>
+            <a:r>
+              <a:rPr lang="de-DE" sz="2000" b="1" dirty="0"/>
+              <a:t>] </a:t>
+            </a:r>
           </a:p>
           <a:p>
             <a:endParaRPr lang="de-DE" sz="2000" b="1" dirty="0"/>
@@ -15369,18 +12454,22 @@
           <a:lstStyle/>
           <a:p>
             <a:r>
+              <a:rPr lang="de-DE" dirty="0" err="1"/>
+              <a:t>LinkedList</a:t>
+            </a:r>
+            <a:r>
               <a:rPr lang="de-DE" dirty="0"/>
-              <a:t>String [Alle Funktionen]:</a:t>
+              <a:t> [Alle Funktionen]:</a:t>
             </a:r>
           </a:p>
         </p:txBody>
       </p:sp>
       <p:pic>
         <p:nvPicPr>
-          <p:cNvPr id="8" name="Grafik 7">
-            <a:extLst>
-              <a:ext uri="{FF2B5EF4-FFF2-40B4-BE49-F238E27FC236}">
-                <a16:creationId xmlns:a16="http://schemas.microsoft.com/office/drawing/2014/main" id="{0DFE0BE2-DBAD-43B4-8C9D-86A52F855DBF}"/>
+          <p:cNvPr id="9" name="Grafik 8">
+            <a:extLst>
+              <a:ext uri="{FF2B5EF4-FFF2-40B4-BE49-F238E27FC236}">
+                <a16:creationId xmlns:a16="http://schemas.microsoft.com/office/drawing/2014/main" id="{06960C2E-70A4-46BD-9EE6-C6F05E38C9CD}"/>
               </a:ext>
             </a:extLst>
           </p:cNvPr>
@@ -15397,8 +12486,8 @@
         </p:blipFill>
         <p:spPr>
           <a:xfrm>
-            <a:off x="1102011" y="2059728"/>
-            <a:ext cx="7947609" cy="3891777"/>
+            <a:off x="1319519" y="2091830"/>
+            <a:ext cx="6868484" cy="4220164"/>
           </a:xfrm>
           <a:prstGeom prst="rect">
             <a:avLst/>
@@ -15408,7 +12497,7 @@
     </p:spTree>
     <p:extLst>
       <p:ext uri="{BB962C8B-B14F-4D97-AF65-F5344CB8AC3E}">
-        <p14:creationId xmlns:p14="http://schemas.microsoft.com/office/powerpoint/2010/main" val="140145594"/>
+        <p14:creationId xmlns:p14="http://schemas.microsoft.com/office/powerpoint/2010/main" val="980392125"/>
       </p:ext>
     </p:extLst>
   </p:cSld>
@@ -15618,7 +12707,7 @@
         <p:spPr>
           <a:xfrm>
             <a:off x="485190" y="1154923"/>
-            <a:ext cx="7947609" cy="1323439"/>
+            <a:ext cx="7341737" cy="1015663"/>
           </a:xfrm>
           <a:prstGeom prst="rect">
             <a:avLst/>
@@ -15633,11 +12722,16 @@
           <a:p>
             <a:r>
               <a:rPr lang="de-DE" sz="2000" b="1" dirty="0"/>
-              <a:t>3. Generelle Container [String]</a:t>
-            </a:r>
-          </a:p>
-          <a:p>
-            <a:endParaRPr lang="de-DE" sz="2000" b="1" dirty="0"/>
+              <a:t>2.5 Grundcontainer [</a:t>
+            </a:r>
+            <a:r>
+              <a:rPr lang="de-DE" sz="2000" b="1" dirty="0" err="1"/>
+              <a:t>LinkedList</a:t>
+            </a:r>
+            <a:r>
+              <a:rPr lang="de-DE" sz="2000" b="1" dirty="0"/>
+              <a:t>] </a:t>
+            </a:r>
           </a:p>
           <a:p>
             <a:endParaRPr lang="de-DE" sz="2000" b="1" dirty="0"/>
@@ -15680,702 +12774,56 @@
           <a:lstStyle/>
           <a:p>
             <a:r>
+              <a:rPr lang="de-DE" dirty="0" err="1"/>
+              <a:t>LinkedList</a:t>
+            </a:r>
+            <a:r>
               <a:rPr lang="de-DE" dirty="0"/>
-              <a:t>String [Beispiel 1/2]:</a:t>
-            </a:r>
-          </a:p>
-        </p:txBody>
-      </p:sp>
-      <p:sp>
-        <p:nvSpPr>
-          <p:cNvPr id="11" name="Textfeld 10">
-            <a:extLst>
-              <a:ext uri="{FF2B5EF4-FFF2-40B4-BE49-F238E27FC236}">
-                <a16:creationId xmlns:a16="http://schemas.microsoft.com/office/drawing/2014/main" id="{24B508F8-733A-43EF-9B1C-791EC1949295}"/>
-              </a:ext>
-            </a:extLst>
-          </p:cNvPr>
-          <p:cNvSpPr txBox="1"/>
+              <a:t> [Beispielcode]:</a:t>
+            </a:r>
+          </a:p>
+        </p:txBody>
+      </p:sp>
+      <p:pic>
+        <p:nvPicPr>
+          <p:cNvPr id="9" name="Grafik 8">
+            <a:extLst>
+              <a:ext uri="{FF2B5EF4-FFF2-40B4-BE49-F238E27FC236}">
+                <a16:creationId xmlns:a16="http://schemas.microsoft.com/office/drawing/2014/main" id="{D74F39CC-E48D-4699-B257-8BF1D792BA62}"/>
+              </a:ext>
+            </a:extLst>
+          </p:cNvPr>
+          <p:cNvPicPr>
+            <a:picLocks noChangeAspect="1"/>
+          </p:cNvPicPr>
           <p:nvPr/>
-        </p:nvSpPr>
-        <p:spPr>
-          <a:xfrm>
-            <a:off x="461345" y="2309582"/>
-            <a:ext cx="6100618" cy="2852063"/>
+        </p:nvPicPr>
+        <p:blipFill>
+          <a:blip r:embed="rId2">
+            <a:extLst>
+              <a:ext uri="{28A0092B-C50C-407E-A947-70E740481C1C}">
+                <a14:useLocalDpi xmlns:a14="http://schemas.microsoft.com/office/drawing/2010/main" val="0"/>
+              </a:ext>
+            </a:extLst>
+          </a:blip>
+          <a:stretch>
+            <a:fillRect/>
+          </a:stretch>
+        </p:blipFill>
+        <p:spPr>
+          <a:xfrm>
+            <a:off x="1044097" y="2092134"/>
+            <a:ext cx="4610762" cy="4028748"/>
           </a:xfrm>
           <a:prstGeom prst="rect">
             <a:avLst/>
           </a:prstGeom>
-          <a:noFill/>
-        </p:spPr>
-        <p:txBody>
-          <a:bodyPr wrap="square">
-            <a:spAutoFit/>
-          </a:bodyPr>
-          <a:lstStyle/>
-          <a:p>
-            <a:pPr>
-              <a:spcAft>
-                <a:spcPts val="800"/>
-              </a:spcAft>
-            </a:pPr>
-            <a:r>
-              <a:rPr lang="de-DE" sz="1400" dirty="0">
-                <a:solidFill>
-                  <a:srgbClr val="000000"/>
-                </a:solidFill>
-                <a:effectLst/>
-                <a:latin typeface="Consolas" panose="020B0609020204030204" pitchFamily="49" charset="0"/>
-                <a:ea typeface="Calibri" panose="020F0502020204030204" pitchFamily="34" charset="0"/>
-                <a:cs typeface="Consolas" panose="020B0609020204030204" pitchFamily="49" charset="0"/>
-              </a:rPr>
-              <a:t>	</a:t>
-            </a:r>
-            <a:r>
-              <a:rPr lang="de-DE" sz="1400" dirty="0" err="1">
-                <a:solidFill>
-                  <a:srgbClr val="0000FF"/>
-                </a:solidFill>
-                <a:effectLst/>
-                <a:latin typeface="Consolas" panose="020B0609020204030204" pitchFamily="49" charset="0"/>
-                <a:ea typeface="Calibri" panose="020F0502020204030204" pitchFamily="34" charset="0"/>
-                <a:cs typeface="Consolas" panose="020B0609020204030204" pitchFamily="49" charset="0"/>
-              </a:rPr>
-              <a:t>char</a:t>
-            </a:r>
-            <a:r>
-              <a:rPr lang="de-DE" sz="1400" dirty="0">
-                <a:solidFill>
-                  <a:srgbClr val="000000"/>
-                </a:solidFill>
-                <a:effectLst/>
-                <a:latin typeface="Consolas" panose="020B0609020204030204" pitchFamily="49" charset="0"/>
-                <a:ea typeface="Calibri" panose="020F0502020204030204" pitchFamily="34" charset="0"/>
-                <a:cs typeface="Consolas" panose="020B0609020204030204" pitchFamily="49" charset="0"/>
-              </a:rPr>
-              <a:t>* </a:t>
-            </a:r>
-            <a:r>
-              <a:rPr lang="de-DE" sz="1400" dirty="0" err="1">
-                <a:solidFill>
-                  <a:srgbClr val="000000"/>
-                </a:solidFill>
-                <a:effectLst/>
-                <a:latin typeface="Consolas" panose="020B0609020204030204" pitchFamily="49" charset="0"/>
-                <a:ea typeface="Calibri" panose="020F0502020204030204" pitchFamily="34" charset="0"/>
-                <a:cs typeface="Consolas" panose="020B0609020204030204" pitchFamily="49" charset="0"/>
-              </a:rPr>
-              <a:t>testChar</a:t>
-            </a:r>
-            <a:r>
-              <a:rPr lang="de-DE" sz="1400" dirty="0">
-                <a:solidFill>
-                  <a:srgbClr val="000000"/>
-                </a:solidFill>
-                <a:effectLst/>
-                <a:latin typeface="Consolas" panose="020B0609020204030204" pitchFamily="49" charset="0"/>
-                <a:ea typeface="Calibri" panose="020F0502020204030204" pitchFamily="34" charset="0"/>
-                <a:cs typeface="Consolas" panose="020B0609020204030204" pitchFamily="49" charset="0"/>
-              </a:rPr>
-              <a:t> = </a:t>
-            </a:r>
-            <a:r>
-              <a:rPr lang="de-DE" sz="1400" dirty="0" err="1">
-                <a:solidFill>
-                  <a:srgbClr val="483D8B"/>
-                </a:solidFill>
-                <a:effectLst/>
-                <a:latin typeface="Consolas" panose="020B0609020204030204" pitchFamily="49" charset="0"/>
-                <a:ea typeface="Calibri" panose="020F0502020204030204" pitchFamily="34" charset="0"/>
-                <a:cs typeface="Consolas" panose="020B0609020204030204" pitchFamily="49" charset="0"/>
-              </a:rPr>
-              <a:t>calloc</a:t>
-            </a:r>
-            <a:r>
-              <a:rPr lang="de-DE" sz="1400" dirty="0">
-                <a:solidFill>
-                  <a:srgbClr val="000000"/>
-                </a:solidFill>
-                <a:effectLst/>
-                <a:latin typeface="Consolas" panose="020B0609020204030204" pitchFamily="49" charset="0"/>
-                <a:ea typeface="Calibri" panose="020F0502020204030204" pitchFamily="34" charset="0"/>
-                <a:cs typeface="Consolas" panose="020B0609020204030204" pitchFamily="49" charset="0"/>
-              </a:rPr>
-              <a:t>(12, </a:t>
-            </a:r>
-            <a:r>
-              <a:rPr lang="de-DE" sz="1400" dirty="0" err="1">
-                <a:solidFill>
-                  <a:srgbClr val="0000FF"/>
-                </a:solidFill>
-                <a:effectLst/>
-                <a:latin typeface="Consolas" panose="020B0609020204030204" pitchFamily="49" charset="0"/>
-                <a:ea typeface="Calibri" panose="020F0502020204030204" pitchFamily="34" charset="0"/>
-                <a:cs typeface="Consolas" panose="020B0609020204030204" pitchFamily="49" charset="0"/>
-              </a:rPr>
-              <a:t>sizeof</a:t>
-            </a:r>
-            <a:r>
-              <a:rPr lang="de-DE" sz="1400" dirty="0">
-                <a:solidFill>
-                  <a:srgbClr val="000000"/>
-                </a:solidFill>
-                <a:effectLst/>
-                <a:latin typeface="Consolas" panose="020B0609020204030204" pitchFamily="49" charset="0"/>
-                <a:ea typeface="Calibri" panose="020F0502020204030204" pitchFamily="34" charset="0"/>
-                <a:cs typeface="Consolas" panose="020B0609020204030204" pitchFamily="49" charset="0"/>
-              </a:rPr>
-              <a:t>(</a:t>
-            </a:r>
-            <a:r>
-              <a:rPr lang="de-DE" sz="1400" dirty="0" err="1">
-                <a:solidFill>
-                  <a:srgbClr val="0000FF"/>
-                </a:solidFill>
-                <a:effectLst/>
-                <a:latin typeface="Consolas" panose="020B0609020204030204" pitchFamily="49" charset="0"/>
-                <a:ea typeface="Calibri" panose="020F0502020204030204" pitchFamily="34" charset="0"/>
-                <a:cs typeface="Consolas" panose="020B0609020204030204" pitchFamily="49" charset="0"/>
-              </a:rPr>
-              <a:t>char</a:t>
-            </a:r>
-            <a:r>
-              <a:rPr lang="de-DE" sz="1400" dirty="0">
-                <a:solidFill>
-                  <a:srgbClr val="000000"/>
-                </a:solidFill>
-                <a:effectLst/>
-                <a:latin typeface="Consolas" panose="020B0609020204030204" pitchFamily="49" charset="0"/>
-                <a:ea typeface="Calibri" panose="020F0502020204030204" pitchFamily="34" charset="0"/>
-                <a:cs typeface="Consolas" panose="020B0609020204030204" pitchFamily="49" charset="0"/>
-              </a:rPr>
-              <a:t>));</a:t>
-            </a:r>
-            <a:endParaRPr lang="de-DE" sz="1400" dirty="0">
-              <a:effectLst/>
-              <a:latin typeface="Calibri" panose="020F0502020204030204" pitchFamily="34" charset="0"/>
-              <a:ea typeface="Calibri" panose="020F0502020204030204" pitchFamily="34" charset="0"/>
-              <a:cs typeface="Times New Roman" panose="02020603050405020304" pitchFamily="18" charset="0"/>
-            </a:endParaRPr>
-          </a:p>
-          <a:p>
-            <a:pPr>
-              <a:spcAft>
-                <a:spcPts val="800"/>
-              </a:spcAft>
-            </a:pPr>
-            <a:r>
-              <a:rPr lang="de-DE" sz="1400" dirty="0">
-                <a:solidFill>
-                  <a:srgbClr val="000000"/>
-                </a:solidFill>
-                <a:effectLst/>
-                <a:latin typeface="Consolas" panose="020B0609020204030204" pitchFamily="49" charset="0"/>
-                <a:ea typeface="Calibri" panose="020F0502020204030204" pitchFamily="34" charset="0"/>
-                <a:cs typeface="Consolas" panose="020B0609020204030204" pitchFamily="49" charset="0"/>
-              </a:rPr>
-              <a:t>	</a:t>
-            </a:r>
-            <a:r>
-              <a:rPr lang="de-DE" sz="1400" dirty="0" err="1">
-                <a:solidFill>
-                  <a:srgbClr val="483D8B"/>
-                </a:solidFill>
-                <a:effectLst/>
-                <a:latin typeface="Consolas" panose="020B0609020204030204" pitchFamily="49" charset="0"/>
-                <a:ea typeface="Calibri" panose="020F0502020204030204" pitchFamily="34" charset="0"/>
-                <a:cs typeface="Consolas" panose="020B0609020204030204" pitchFamily="49" charset="0"/>
-              </a:rPr>
-              <a:t>memcpy</a:t>
-            </a:r>
-            <a:r>
-              <a:rPr lang="de-DE" sz="1400" dirty="0">
-                <a:solidFill>
-                  <a:srgbClr val="000000"/>
-                </a:solidFill>
-                <a:effectLst/>
-                <a:latin typeface="Consolas" panose="020B0609020204030204" pitchFamily="49" charset="0"/>
-                <a:ea typeface="Calibri" panose="020F0502020204030204" pitchFamily="34" charset="0"/>
-                <a:cs typeface="Consolas" panose="020B0609020204030204" pitchFamily="49" charset="0"/>
-              </a:rPr>
-              <a:t>(</a:t>
-            </a:r>
-            <a:r>
-              <a:rPr lang="de-DE" sz="1400" dirty="0" err="1">
-                <a:solidFill>
-                  <a:srgbClr val="000000"/>
-                </a:solidFill>
-                <a:effectLst/>
-                <a:latin typeface="Consolas" panose="020B0609020204030204" pitchFamily="49" charset="0"/>
-                <a:ea typeface="Calibri" panose="020F0502020204030204" pitchFamily="34" charset="0"/>
-                <a:cs typeface="Consolas" panose="020B0609020204030204" pitchFamily="49" charset="0"/>
-              </a:rPr>
-              <a:t>testChar</a:t>
-            </a:r>
-            <a:r>
-              <a:rPr lang="de-DE" sz="1400" dirty="0">
-                <a:solidFill>
-                  <a:srgbClr val="000000"/>
-                </a:solidFill>
-                <a:effectLst/>
-                <a:latin typeface="Consolas" panose="020B0609020204030204" pitchFamily="49" charset="0"/>
-                <a:ea typeface="Calibri" panose="020F0502020204030204" pitchFamily="34" charset="0"/>
-                <a:cs typeface="Consolas" panose="020B0609020204030204" pitchFamily="49" charset="0"/>
-              </a:rPr>
-              <a:t>, </a:t>
-            </a:r>
-            <a:r>
-              <a:rPr lang="de-DE" sz="1400" dirty="0">
-                <a:solidFill>
-                  <a:srgbClr val="A31515"/>
-                </a:solidFill>
-                <a:effectLst/>
-                <a:latin typeface="Consolas" panose="020B0609020204030204" pitchFamily="49" charset="0"/>
-                <a:ea typeface="Calibri" panose="020F0502020204030204" pitchFamily="34" charset="0"/>
-                <a:cs typeface="Consolas" panose="020B0609020204030204" pitchFamily="49" charset="0"/>
-              </a:rPr>
-              <a:t>"Test String"</a:t>
-            </a:r>
-            <a:r>
-              <a:rPr lang="de-DE" sz="1400" dirty="0">
-                <a:solidFill>
-                  <a:srgbClr val="000000"/>
-                </a:solidFill>
-                <a:effectLst/>
-                <a:latin typeface="Consolas" panose="020B0609020204030204" pitchFamily="49" charset="0"/>
-                <a:ea typeface="Calibri" panose="020F0502020204030204" pitchFamily="34" charset="0"/>
-                <a:cs typeface="Consolas" panose="020B0609020204030204" pitchFamily="49" charset="0"/>
-              </a:rPr>
-              <a:t>, 11 * </a:t>
-            </a:r>
-            <a:r>
-              <a:rPr lang="de-DE" sz="1400" dirty="0" err="1">
-                <a:solidFill>
-                  <a:srgbClr val="0000FF"/>
-                </a:solidFill>
-                <a:effectLst/>
-                <a:latin typeface="Consolas" panose="020B0609020204030204" pitchFamily="49" charset="0"/>
-                <a:ea typeface="Calibri" panose="020F0502020204030204" pitchFamily="34" charset="0"/>
-                <a:cs typeface="Consolas" panose="020B0609020204030204" pitchFamily="49" charset="0"/>
-              </a:rPr>
-              <a:t>sizeof</a:t>
-            </a:r>
-            <a:r>
-              <a:rPr lang="de-DE" sz="1400" dirty="0">
-                <a:solidFill>
-                  <a:srgbClr val="000000"/>
-                </a:solidFill>
-                <a:effectLst/>
-                <a:latin typeface="Consolas" panose="020B0609020204030204" pitchFamily="49" charset="0"/>
-                <a:ea typeface="Calibri" panose="020F0502020204030204" pitchFamily="34" charset="0"/>
-                <a:cs typeface="Consolas" panose="020B0609020204030204" pitchFamily="49" charset="0"/>
-              </a:rPr>
-              <a:t>(</a:t>
-            </a:r>
-            <a:r>
-              <a:rPr lang="de-DE" sz="1400" dirty="0" err="1">
-                <a:solidFill>
-                  <a:srgbClr val="0000FF"/>
-                </a:solidFill>
-                <a:effectLst/>
-                <a:latin typeface="Consolas" panose="020B0609020204030204" pitchFamily="49" charset="0"/>
-                <a:ea typeface="Calibri" panose="020F0502020204030204" pitchFamily="34" charset="0"/>
-                <a:cs typeface="Consolas" panose="020B0609020204030204" pitchFamily="49" charset="0"/>
-              </a:rPr>
-              <a:t>char</a:t>
-            </a:r>
-            <a:r>
-              <a:rPr lang="de-DE" sz="1400" dirty="0">
-                <a:solidFill>
-                  <a:srgbClr val="000000"/>
-                </a:solidFill>
-                <a:effectLst/>
-                <a:latin typeface="Consolas" panose="020B0609020204030204" pitchFamily="49" charset="0"/>
-                <a:ea typeface="Calibri" panose="020F0502020204030204" pitchFamily="34" charset="0"/>
-                <a:cs typeface="Consolas" panose="020B0609020204030204" pitchFamily="49" charset="0"/>
-              </a:rPr>
-              <a:t>));</a:t>
-            </a:r>
-            <a:endParaRPr lang="de-DE" sz="1400" dirty="0">
-              <a:effectLst/>
-              <a:latin typeface="Calibri" panose="020F0502020204030204" pitchFamily="34" charset="0"/>
-              <a:ea typeface="Calibri" panose="020F0502020204030204" pitchFamily="34" charset="0"/>
-              <a:cs typeface="Times New Roman" panose="02020603050405020304" pitchFamily="18" charset="0"/>
-            </a:endParaRPr>
-          </a:p>
-          <a:p>
-            <a:pPr>
-              <a:spcAft>
-                <a:spcPts val="800"/>
-              </a:spcAft>
-            </a:pPr>
-            <a:r>
-              <a:rPr lang="de-DE" sz="1400" dirty="0">
-                <a:solidFill>
-                  <a:srgbClr val="000000"/>
-                </a:solidFill>
-                <a:effectLst/>
-                <a:latin typeface="Consolas" panose="020B0609020204030204" pitchFamily="49" charset="0"/>
-                <a:ea typeface="Calibri" panose="020F0502020204030204" pitchFamily="34" charset="0"/>
-                <a:cs typeface="Consolas" panose="020B0609020204030204" pitchFamily="49" charset="0"/>
-              </a:rPr>
-              <a:t> </a:t>
-            </a:r>
-            <a:endParaRPr lang="de-DE" sz="1400" dirty="0">
-              <a:effectLst/>
-              <a:latin typeface="Calibri" panose="020F0502020204030204" pitchFamily="34" charset="0"/>
-              <a:ea typeface="Calibri" panose="020F0502020204030204" pitchFamily="34" charset="0"/>
-              <a:cs typeface="Times New Roman" panose="02020603050405020304" pitchFamily="18" charset="0"/>
-            </a:endParaRPr>
-          </a:p>
-          <a:p>
-            <a:pPr>
-              <a:spcAft>
-                <a:spcPts val="800"/>
-              </a:spcAft>
-            </a:pPr>
-            <a:r>
-              <a:rPr lang="de-DE" sz="1400" dirty="0">
-                <a:solidFill>
-                  <a:srgbClr val="000000"/>
-                </a:solidFill>
-                <a:effectLst/>
-                <a:latin typeface="Consolas" panose="020B0609020204030204" pitchFamily="49" charset="0"/>
-                <a:ea typeface="Calibri" panose="020F0502020204030204" pitchFamily="34" charset="0"/>
-                <a:cs typeface="Consolas" panose="020B0609020204030204" pitchFamily="49" charset="0"/>
-              </a:rPr>
-              <a:t>	</a:t>
-            </a:r>
-            <a:r>
-              <a:rPr lang="de-DE" sz="1400" dirty="0">
-                <a:solidFill>
-                  <a:srgbClr val="008B8B"/>
-                </a:solidFill>
-                <a:effectLst/>
-                <a:latin typeface="Consolas" panose="020B0609020204030204" pitchFamily="49" charset="0"/>
-                <a:ea typeface="Calibri" panose="020F0502020204030204" pitchFamily="34" charset="0"/>
-                <a:cs typeface="Consolas" panose="020B0609020204030204" pitchFamily="49" charset="0"/>
-              </a:rPr>
-              <a:t>String</a:t>
-            </a:r>
-            <a:r>
-              <a:rPr lang="de-DE" sz="1400" dirty="0">
-                <a:solidFill>
-                  <a:srgbClr val="000000"/>
-                </a:solidFill>
-                <a:effectLst/>
-                <a:latin typeface="Consolas" panose="020B0609020204030204" pitchFamily="49" charset="0"/>
-                <a:ea typeface="Calibri" panose="020F0502020204030204" pitchFamily="34" charset="0"/>
-                <a:cs typeface="Consolas" panose="020B0609020204030204" pitchFamily="49" charset="0"/>
-              </a:rPr>
-              <a:t> </a:t>
-            </a:r>
-            <a:r>
-              <a:rPr lang="de-DE" sz="1400" dirty="0" err="1">
-                <a:solidFill>
-                  <a:srgbClr val="000000"/>
-                </a:solidFill>
-                <a:effectLst/>
-                <a:latin typeface="Consolas" panose="020B0609020204030204" pitchFamily="49" charset="0"/>
-                <a:ea typeface="Calibri" panose="020F0502020204030204" pitchFamily="34" charset="0"/>
-                <a:cs typeface="Consolas" panose="020B0609020204030204" pitchFamily="49" charset="0"/>
-              </a:rPr>
-              <a:t>testString</a:t>
-            </a:r>
-            <a:r>
-              <a:rPr lang="de-DE" sz="1400" dirty="0">
-                <a:solidFill>
-                  <a:srgbClr val="000000"/>
-                </a:solidFill>
-                <a:effectLst/>
-                <a:latin typeface="Consolas" panose="020B0609020204030204" pitchFamily="49" charset="0"/>
-                <a:ea typeface="Calibri" panose="020F0502020204030204" pitchFamily="34" charset="0"/>
-                <a:cs typeface="Consolas" panose="020B0609020204030204" pitchFamily="49" charset="0"/>
-              </a:rPr>
-              <a:t> = </a:t>
-            </a:r>
-            <a:r>
-              <a:rPr lang="de-DE" sz="1400" dirty="0">
-                <a:solidFill>
-                  <a:srgbClr val="6F008A"/>
-                </a:solidFill>
-                <a:effectLst/>
-                <a:latin typeface="Consolas" panose="020B0609020204030204" pitchFamily="49" charset="0"/>
-                <a:ea typeface="Calibri" panose="020F0502020204030204" pitchFamily="34" charset="0"/>
-                <a:cs typeface="Consolas" panose="020B0609020204030204" pitchFamily="49" charset="0"/>
-              </a:rPr>
-              <a:t>EMPTYSTRING</a:t>
-            </a:r>
-            <a:r>
-              <a:rPr lang="de-DE" sz="1400" dirty="0">
-                <a:solidFill>
-                  <a:srgbClr val="000000"/>
-                </a:solidFill>
-                <a:effectLst/>
-                <a:latin typeface="Consolas" panose="020B0609020204030204" pitchFamily="49" charset="0"/>
-                <a:ea typeface="Calibri" panose="020F0502020204030204" pitchFamily="34" charset="0"/>
-                <a:cs typeface="Consolas" panose="020B0609020204030204" pitchFamily="49" charset="0"/>
-              </a:rPr>
-              <a:t>;</a:t>
-            </a:r>
-            <a:endParaRPr lang="de-DE" sz="1400" dirty="0">
-              <a:effectLst/>
-              <a:latin typeface="Calibri" panose="020F0502020204030204" pitchFamily="34" charset="0"/>
-              <a:ea typeface="Calibri" panose="020F0502020204030204" pitchFamily="34" charset="0"/>
-              <a:cs typeface="Times New Roman" panose="02020603050405020304" pitchFamily="18" charset="0"/>
-            </a:endParaRPr>
-          </a:p>
-          <a:p>
-            <a:pPr>
-              <a:spcAft>
-                <a:spcPts val="800"/>
-              </a:spcAft>
-            </a:pPr>
-            <a:r>
-              <a:rPr lang="de-DE" sz="1400" dirty="0">
-                <a:solidFill>
-                  <a:srgbClr val="000000"/>
-                </a:solidFill>
-                <a:effectLst/>
-                <a:latin typeface="Consolas" panose="020B0609020204030204" pitchFamily="49" charset="0"/>
-                <a:ea typeface="Calibri" panose="020F0502020204030204" pitchFamily="34" charset="0"/>
-                <a:cs typeface="Consolas" panose="020B0609020204030204" pitchFamily="49" charset="0"/>
-              </a:rPr>
-              <a:t> </a:t>
-            </a:r>
-            <a:endParaRPr lang="de-DE" sz="1400" dirty="0">
-              <a:effectLst/>
-              <a:latin typeface="Calibri" panose="020F0502020204030204" pitchFamily="34" charset="0"/>
-              <a:ea typeface="Calibri" panose="020F0502020204030204" pitchFamily="34" charset="0"/>
-              <a:cs typeface="Times New Roman" panose="02020603050405020304" pitchFamily="18" charset="0"/>
-            </a:endParaRPr>
-          </a:p>
-          <a:p>
-            <a:pPr>
-              <a:spcAft>
-                <a:spcPts val="800"/>
-              </a:spcAft>
-            </a:pPr>
-            <a:r>
-              <a:rPr lang="de-DE" sz="1400" dirty="0">
-                <a:solidFill>
-                  <a:srgbClr val="000000"/>
-                </a:solidFill>
-                <a:effectLst/>
-                <a:latin typeface="Consolas" panose="020B0609020204030204" pitchFamily="49" charset="0"/>
-                <a:ea typeface="Calibri" panose="020F0502020204030204" pitchFamily="34" charset="0"/>
-                <a:cs typeface="Consolas" panose="020B0609020204030204" pitchFamily="49" charset="0"/>
-              </a:rPr>
-              <a:t>	</a:t>
-            </a:r>
-            <a:r>
-              <a:rPr lang="de-DE" sz="1400" dirty="0" err="1">
-                <a:solidFill>
-                  <a:srgbClr val="483D8B"/>
-                </a:solidFill>
-                <a:effectLst/>
-                <a:latin typeface="Consolas" panose="020B0609020204030204" pitchFamily="49" charset="0"/>
-                <a:ea typeface="Calibri" panose="020F0502020204030204" pitchFamily="34" charset="0"/>
-                <a:cs typeface="Consolas" panose="020B0609020204030204" pitchFamily="49" charset="0"/>
-              </a:rPr>
-              <a:t>StringInitialize</a:t>
-            </a:r>
-            <a:r>
-              <a:rPr lang="de-DE" sz="1400" dirty="0">
-                <a:solidFill>
-                  <a:srgbClr val="000000"/>
-                </a:solidFill>
-                <a:effectLst/>
-                <a:latin typeface="Consolas" panose="020B0609020204030204" pitchFamily="49" charset="0"/>
-                <a:ea typeface="Calibri" panose="020F0502020204030204" pitchFamily="34" charset="0"/>
-                <a:cs typeface="Consolas" panose="020B0609020204030204" pitchFamily="49" charset="0"/>
-              </a:rPr>
-              <a:t>(&amp;</a:t>
-            </a:r>
-            <a:r>
-              <a:rPr lang="de-DE" sz="1400" dirty="0" err="1">
-                <a:solidFill>
-                  <a:srgbClr val="000000"/>
-                </a:solidFill>
-                <a:effectLst/>
-                <a:latin typeface="Consolas" panose="020B0609020204030204" pitchFamily="49" charset="0"/>
-                <a:ea typeface="Calibri" panose="020F0502020204030204" pitchFamily="34" charset="0"/>
-                <a:cs typeface="Consolas" panose="020B0609020204030204" pitchFamily="49" charset="0"/>
-              </a:rPr>
-              <a:t>testString</a:t>
-            </a:r>
-            <a:r>
-              <a:rPr lang="de-DE" sz="1400" dirty="0">
-                <a:solidFill>
-                  <a:srgbClr val="000000"/>
-                </a:solidFill>
-                <a:effectLst/>
-                <a:latin typeface="Consolas" panose="020B0609020204030204" pitchFamily="49" charset="0"/>
-                <a:ea typeface="Calibri" panose="020F0502020204030204" pitchFamily="34" charset="0"/>
-                <a:cs typeface="Consolas" panose="020B0609020204030204" pitchFamily="49" charset="0"/>
-              </a:rPr>
-              <a:t>, </a:t>
-            </a:r>
-            <a:r>
-              <a:rPr lang="de-DE" sz="1400" dirty="0" err="1">
-                <a:solidFill>
-                  <a:srgbClr val="000000"/>
-                </a:solidFill>
-                <a:effectLst/>
-                <a:latin typeface="Consolas" panose="020B0609020204030204" pitchFamily="49" charset="0"/>
-                <a:ea typeface="Calibri" panose="020F0502020204030204" pitchFamily="34" charset="0"/>
-                <a:cs typeface="Consolas" panose="020B0609020204030204" pitchFamily="49" charset="0"/>
-              </a:rPr>
-              <a:t>testChar</a:t>
-            </a:r>
-            <a:r>
-              <a:rPr lang="de-DE" sz="1400" dirty="0">
-                <a:solidFill>
-                  <a:srgbClr val="000000"/>
-                </a:solidFill>
-                <a:effectLst/>
-                <a:latin typeface="Consolas" panose="020B0609020204030204" pitchFamily="49" charset="0"/>
-                <a:ea typeface="Calibri" panose="020F0502020204030204" pitchFamily="34" charset="0"/>
-                <a:cs typeface="Consolas" panose="020B0609020204030204" pitchFamily="49" charset="0"/>
-              </a:rPr>
-              <a:t>);</a:t>
-            </a:r>
-            <a:endParaRPr lang="de-DE" sz="1400" dirty="0">
-              <a:effectLst/>
-              <a:latin typeface="Calibri" panose="020F0502020204030204" pitchFamily="34" charset="0"/>
-              <a:ea typeface="Calibri" panose="020F0502020204030204" pitchFamily="34" charset="0"/>
-              <a:cs typeface="Times New Roman" panose="02020603050405020304" pitchFamily="18" charset="0"/>
-            </a:endParaRPr>
-          </a:p>
-          <a:p>
-            <a:pPr>
-              <a:spcAft>
-                <a:spcPts val="800"/>
-              </a:spcAft>
-            </a:pPr>
-            <a:r>
-              <a:rPr lang="de-DE" sz="1400" dirty="0">
-                <a:solidFill>
-                  <a:srgbClr val="000000"/>
-                </a:solidFill>
-                <a:effectLst/>
-                <a:latin typeface="Consolas" panose="020B0609020204030204" pitchFamily="49" charset="0"/>
-                <a:ea typeface="Calibri" panose="020F0502020204030204" pitchFamily="34" charset="0"/>
-                <a:cs typeface="Consolas" panose="020B0609020204030204" pitchFamily="49" charset="0"/>
-              </a:rPr>
-              <a:t> </a:t>
-            </a:r>
-            <a:endParaRPr lang="de-DE" sz="1400" dirty="0">
-              <a:effectLst/>
-              <a:latin typeface="Calibri" panose="020F0502020204030204" pitchFamily="34" charset="0"/>
-              <a:ea typeface="Calibri" panose="020F0502020204030204" pitchFamily="34" charset="0"/>
-              <a:cs typeface="Times New Roman" panose="02020603050405020304" pitchFamily="18" charset="0"/>
-            </a:endParaRPr>
-          </a:p>
-          <a:p>
-            <a:pPr indent="449580">
-              <a:spcAft>
-                <a:spcPts val="800"/>
-              </a:spcAft>
-            </a:pPr>
-            <a:r>
-              <a:rPr lang="de-DE" sz="1400" dirty="0" err="1">
-                <a:solidFill>
-                  <a:srgbClr val="0000FF"/>
-                </a:solidFill>
-                <a:effectLst/>
-                <a:latin typeface="Consolas" panose="020B0609020204030204" pitchFamily="49" charset="0"/>
-                <a:ea typeface="Calibri" panose="020F0502020204030204" pitchFamily="34" charset="0"/>
-                <a:cs typeface="Consolas" panose="020B0609020204030204" pitchFamily="49" charset="0"/>
-              </a:rPr>
-              <a:t>char</a:t>
-            </a:r>
-            <a:r>
-              <a:rPr lang="de-DE" sz="1400" dirty="0">
-                <a:solidFill>
-                  <a:srgbClr val="0000FF"/>
-                </a:solidFill>
-                <a:effectLst/>
-                <a:latin typeface="Consolas" panose="020B0609020204030204" pitchFamily="49" charset="0"/>
-                <a:ea typeface="Calibri" panose="020F0502020204030204" pitchFamily="34" charset="0"/>
-                <a:cs typeface="Consolas" panose="020B0609020204030204" pitchFamily="49" charset="0"/>
-              </a:rPr>
-              <a:t>*</a:t>
-            </a:r>
-            <a:r>
-              <a:rPr lang="de-DE" sz="1400" dirty="0">
-                <a:solidFill>
-                  <a:srgbClr val="000000"/>
-                </a:solidFill>
-                <a:effectLst/>
-                <a:latin typeface="Consolas" panose="020B0609020204030204" pitchFamily="49" charset="0"/>
-                <a:ea typeface="Calibri" panose="020F0502020204030204" pitchFamily="34" charset="0"/>
-                <a:cs typeface="Consolas" panose="020B0609020204030204" pitchFamily="49" charset="0"/>
-              </a:rPr>
-              <a:t> </a:t>
-            </a:r>
-            <a:r>
-              <a:rPr lang="de-DE" sz="1400" dirty="0" err="1">
-                <a:solidFill>
-                  <a:srgbClr val="000000"/>
-                </a:solidFill>
-                <a:effectLst/>
-                <a:latin typeface="Consolas" panose="020B0609020204030204" pitchFamily="49" charset="0"/>
-                <a:ea typeface="Calibri" panose="020F0502020204030204" pitchFamily="34" charset="0"/>
-                <a:cs typeface="Consolas" panose="020B0609020204030204" pitchFamily="49" charset="0"/>
-              </a:rPr>
-              <a:t>outputChar</a:t>
-            </a:r>
-            <a:r>
-              <a:rPr lang="de-DE" sz="1400" dirty="0">
-                <a:solidFill>
-                  <a:srgbClr val="000000"/>
-                </a:solidFill>
-                <a:effectLst/>
-                <a:latin typeface="Consolas" panose="020B0609020204030204" pitchFamily="49" charset="0"/>
-                <a:ea typeface="Calibri" panose="020F0502020204030204" pitchFamily="34" charset="0"/>
-                <a:cs typeface="Consolas" panose="020B0609020204030204" pitchFamily="49" charset="0"/>
-              </a:rPr>
-              <a:t>;</a:t>
-            </a:r>
-            <a:endParaRPr lang="de-DE" sz="1400" dirty="0">
-              <a:effectLst/>
-              <a:latin typeface="Calibri" panose="020F0502020204030204" pitchFamily="34" charset="0"/>
-              <a:ea typeface="Calibri" panose="020F0502020204030204" pitchFamily="34" charset="0"/>
-              <a:cs typeface="Times New Roman" panose="02020603050405020304" pitchFamily="18" charset="0"/>
-            </a:endParaRPr>
-          </a:p>
-          <a:p>
-            <a:pPr>
-              <a:spcAft>
-                <a:spcPts val="800"/>
-              </a:spcAft>
-            </a:pPr>
-            <a:r>
-              <a:rPr lang="de-DE" sz="1400" dirty="0">
-                <a:solidFill>
-                  <a:srgbClr val="000000"/>
-                </a:solidFill>
-                <a:effectLst/>
-                <a:latin typeface="Consolas" panose="020B0609020204030204" pitchFamily="49" charset="0"/>
-                <a:ea typeface="Calibri" panose="020F0502020204030204" pitchFamily="34" charset="0"/>
-                <a:cs typeface="Consolas" panose="020B0609020204030204" pitchFamily="49" charset="0"/>
-              </a:rPr>
-              <a:t>	</a:t>
-            </a:r>
-            <a:endParaRPr lang="de-DE" sz="1400" dirty="0">
-              <a:effectLst/>
-              <a:latin typeface="Calibri" panose="020F0502020204030204" pitchFamily="34" charset="0"/>
-              <a:ea typeface="Calibri" panose="020F0502020204030204" pitchFamily="34" charset="0"/>
-              <a:cs typeface="Times New Roman" panose="02020603050405020304" pitchFamily="18" charset="0"/>
-            </a:endParaRPr>
-          </a:p>
-        </p:txBody>
-      </p:sp>
+        </p:spPr>
+      </p:pic>
     </p:spTree>
     <p:extLst>
       <p:ext uri="{BB962C8B-B14F-4D97-AF65-F5344CB8AC3E}">
-        <p14:creationId xmlns:p14="http://schemas.microsoft.com/office/powerpoint/2010/main" val="1488618271"/>
+        <p14:creationId xmlns:p14="http://schemas.microsoft.com/office/powerpoint/2010/main" val="1565784313"/>
       </p:ext>
     </p:extLst>
   </p:cSld>
@@ -16585,7 +13033,7 @@
         <p:spPr>
           <a:xfrm>
             <a:off x="485190" y="1154923"/>
-            <a:ext cx="7947609" cy="1323439"/>
+            <a:ext cx="4945791" cy="1323439"/>
           </a:xfrm>
           <a:prstGeom prst="rect">
             <a:avLst/>
@@ -16600,7 +13048,7 @@
           <a:p>
             <a:r>
               <a:rPr lang="de-DE" sz="2000" b="1" dirty="0"/>
-              <a:t>3. Generelle Container [String]</a:t>
+              <a:t>3.1 Generelle Container [String]</a:t>
             </a:r>
           </a:p>
           <a:p>
@@ -16615,6 +13063,141 @@
               <a:t> 	</a:t>
             </a:r>
             <a:endParaRPr lang="de-DE" sz="2000" dirty="0"/>
+          </a:p>
+        </p:txBody>
+      </p:sp>
+      <p:sp>
+        <p:nvSpPr>
+          <p:cNvPr id="8" name="Textfeld 7">
+            <a:extLst>
+              <a:ext uri="{FF2B5EF4-FFF2-40B4-BE49-F238E27FC236}">
+                <a16:creationId xmlns:a16="http://schemas.microsoft.com/office/drawing/2014/main" id="{4842BEFA-10C3-45C0-8997-167BE0586DAC}"/>
+              </a:ext>
+            </a:extLst>
+          </p:cNvPr>
+          <p:cNvSpPr txBox="1"/>
+          <p:nvPr/>
+        </p:nvSpPr>
+        <p:spPr>
+          <a:xfrm>
+            <a:off x="1085461" y="2075948"/>
+            <a:ext cx="10021077" cy="2800767"/>
+          </a:xfrm>
+          <a:prstGeom prst="rect">
+            <a:avLst/>
+          </a:prstGeom>
+          <a:noFill/>
+        </p:spPr>
+        <p:txBody>
+          <a:bodyPr wrap="square">
+            <a:spAutoFit/>
+          </a:bodyPr>
+          <a:lstStyle/>
+          <a:p>
+            <a:pPr>
+              <a:lnSpc>
+                <a:spcPct val="200000"/>
+              </a:lnSpc>
+            </a:pPr>
+            <a:r>
+              <a:rPr lang="de-DE" sz="1600" b="1" dirty="0">
+                <a:solidFill>
+                  <a:srgbClr val="000000"/>
+                </a:solidFill>
+                <a:latin typeface="+mj-lt"/>
+              </a:rPr>
+              <a:t>Ziel:</a:t>
+            </a:r>
+          </a:p>
+          <a:p>
+            <a:r>
+              <a:rPr lang="de-DE" sz="1600" dirty="0">
+                <a:solidFill>
+                  <a:srgbClr val="000000"/>
+                </a:solidFill>
+                <a:latin typeface="+mj-lt"/>
+              </a:rPr>
+              <a:t>Ziel hinter diesem Container war es zu zeigen wie leicht es ist unsere Container zu erweitern und oder zu verändern.</a:t>
+            </a:r>
+          </a:p>
+          <a:p>
+            <a:endParaRPr lang="de-DE" sz="1600" dirty="0">
+              <a:solidFill>
+                <a:srgbClr val="000000"/>
+              </a:solidFill>
+              <a:latin typeface="+mj-lt"/>
+            </a:endParaRPr>
+          </a:p>
+          <a:p>
+            <a:pPr>
+              <a:lnSpc>
+                <a:spcPct val="200000"/>
+              </a:lnSpc>
+            </a:pPr>
+            <a:r>
+              <a:rPr lang="de-DE" sz="1600" b="1" dirty="0">
+                <a:solidFill>
+                  <a:srgbClr val="000000"/>
+                </a:solidFill>
+                <a:latin typeface="+mj-lt"/>
+              </a:rPr>
+              <a:t>Möglichkeiten:</a:t>
+            </a:r>
+          </a:p>
+          <a:p>
+            <a:r>
+              <a:rPr lang="de-DE" sz="1600" dirty="0">
+                <a:solidFill>
+                  <a:srgbClr val="000000"/>
+                </a:solidFill>
+                <a:latin typeface="+mj-lt"/>
+              </a:rPr>
+              <a:t>Da unser ‚String Container‘ auf unser Liste aufbaut, sieht dieser Container der List sehr ähnlich. Es wurden zusätzliche Funktionalitäten hinzugefügt, wie zum Beispiel, dass dem </a:t>
+            </a:r>
+            <a:r>
+              <a:rPr lang="de-DE" sz="1600" dirty="0" err="1">
+                <a:solidFill>
+                  <a:srgbClr val="000000"/>
+                </a:solidFill>
+                <a:latin typeface="+mj-lt"/>
+              </a:rPr>
+              <a:t>Conatiner</a:t>
+            </a:r>
+            <a:r>
+              <a:rPr lang="de-DE" sz="1600" dirty="0">
+                <a:solidFill>
+                  <a:srgbClr val="000000"/>
+                </a:solidFill>
+                <a:latin typeface="+mj-lt"/>
+              </a:rPr>
+              <a:t> ein weiterer String angehangen werden kann (</a:t>
+            </a:r>
+            <a:r>
+              <a:rPr lang="de-DE" sz="1600" dirty="0" err="1">
+                <a:solidFill>
+                  <a:srgbClr val="000000"/>
+                </a:solidFill>
+                <a:latin typeface="+mj-lt"/>
+              </a:rPr>
+              <a:t>Concat</a:t>
+            </a:r>
+            <a:r>
+              <a:rPr lang="de-DE" sz="1600" dirty="0">
+                <a:solidFill>
+                  <a:srgbClr val="000000"/>
+                </a:solidFill>
+                <a:latin typeface="+mj-lt"/>
+              </a:rPr>
+              <a:t> Funktion). </a:t>
+            </a:r>
+          </a:p>
+          <a:p>
+            <a:endParaRPr lang="de-DE" sz="1600" b="0" i="0" u="none" strike="noStrike" baseline="0" dirty="0">
+              <a:solidFill>
+                <a:srgbClr val="000000"/>
+              </a:solidFill>
+              <a:latin typeface="+mj-lt"/>
+            </a:endParaRPr>
           </a:p>
         </p:txBody>
       </p:sp>
@@ -16648,921 +13231,15 @@
           <a:p>
             <a:r>
               <a:rPr lang="de-DE" dirty="0"/>
-              <a:t>String [Beispiel 2/2]:</a:t>
-            </a:r>
-          </a:p>
-        </p:txBody>
-      </p:sp>
-      <p:sp>
-        <p:nvSpPr>
-          <p:cNvPr id="11" name="Textfeld 10">
-            <a:extLst>
-              <a:ext uri="{FF2B5EF4-FFF2-40B4-BE49-F238E27FC236}">
-                <a16:creationId xmlns:a16="http://schemas.microsoft.com/office/drawing/2014/main" id="{24B508F8-733A-43EF-9B1C-791EC1949295}"/>
-              </a:ext>
-            </a:extLst>
-          </p:cNvPr>
-          <p:cNvSpPr txBox="1"/>
-          <p:nvPr/>
-        </p:nvSpPr>
-        <p:spPr>
-          <a:xfrm>
-            <a:off x="485190" y="2222496"/>
-            <a:ext cx="6100618" cy="4124206"/>
-          </a:xfrm>
-          <a:prstGeom prst="rect">
-            <a:avLst/>
-          </a:prstGeom>
-          <a:noFill/>
-        </p:spPr>
-        <p:txBody>
-          <a:bodyPr wrap="square">
-            <a:spAutoFit/>
-          </a:bodyPr>
-          <a:lstStyle/>
-          <a:p>
-            <a:pPr indent="449580">
-              <a:spcAft>
-                <a:spcPts val="800"/>
-              </a:spcAft>
-            </a:pPr>
-            <a:r>
-              <a:rPr lang="de-DE" sz="1400" dirty="0">
-                <a:solidFill>
-                  <a:srgbClr val="008000"/>
-                </a:solidFill>
-                <a:effectLst/>
-                <a:latin typeface="Consolas" panose="020B0609020204030204" pitchFamily="49" charset="0"/>
-                <a:ea typeface="Calibri" panose="020F0502020204030204" pitchFamily="34" charset="0"/>
-                <a:cs typeface="Consolas" panose="020B0609020204030204" pitchFamily="49" charset="0"/>
-              </a:rPr>
-              <a:t>//</a:t>
-            </a:r>
-            <a:r>
-              <a:rPr lang="de-DE" sz="1400" dirty="0" err="1">
-                <a:solidFill>
-                  <a:srgbClr val="008000"/>
-                </a:solidFill>
-                <a:effectLst/>
-                <a:latin typeface="Consolas" panose="020B0609020204030204" pitchFamily="49" charset="0"/>
-                <a:ea typeface="Calibri" panose="020F0502020204030204" pitchFamily="34" charset="0"/>
-                <a:cs typeface="Consolas" panose="020B0609020204030204" pitchFamily="49" charset="0"/>
-              </a:rPr>
-              <a:t>Gets</a:t>
-            </a:r>
-            <a:r>
-              <a:rPr lang="de-DE" sz="1400" dirty="0">
-                <a:solidFill>
-                  <a:srgbClr val="000000"/>
-                </a:solidFill>
-                <a:effectLst/>
-                <a:latin typeface="Consolas" panose="020B0609020204030204" pitchFamily="49" charset="0"/>
-                <a:ea typeface="Calibri" panose="020F0502020204030204" pitchFamily="34" charset="0"/>
-                <a:cs typeface="Consolas" panose="020B0609020204030204" pitchFamily="49" charset="0"/>
-              </a:rPr>
-              <a:t> </a:t>
-            </a:r>
-            <a:r>
-              <a:rPr lang="de-DE" sz="1400" dirty="0">
-                <a:solidFill>
-                  <a:srgbClr val="008000"/>
-                </a:solidFill>
-                <a:effectLst/>
-                <a:latin typeface="Consolas" panose="020B0609020204030204" pitchFamily="49" charset="0"/>
-                <a:ea typeface="Calibri" panose="020F0502020204030204" pitchFamily="34" charset="0"/>
-                <a:cs typeface="Consolas" panose="020B0609020204030204" pitchFamily="49" charset="0"/>
-              </a:rPr>
-              <a:t>'t'</a:t>
-            </a:r>
-            <a:endParaRPr lang="de-DE" sz="1400" dirty="0">
-              <a:effectLst/>
-              <a:latin typeface="Calibri" panose="020F0502020204030204" pitchFamily="34" charset="0"/>
-              <a:ea typeface="Calibri" panose="020F0502020204030204" pitchFamily="34" charset="0"/>
-              <a:cs typeface="Times New Roman" panose="02020603050405020304" pitchFamily="18" charset="0"/>
-            </a:endParaRPr>
-          </a:p>
-          <a:p>
-            <a:pPr indent="449580">
-              <a:spcAft>
-                <a:spcPts val="800"/>
-              </a:spcAft>
-            </a:pPr>
-            <a:r>
-              <a:rPr lang="de-DE" sz="1400" dirty="0" err="1">
-                <a:solidFill>
-                  <a:srgbClr val="483D8B"/>
-                </a:solidFill>
-                <a:effectLst/>
-                <a:latin typeface="Consolas" panose="020B0609020204030204" pitchFamily="49" charset="0"/>
-                <a:ea typeface="Calibri" panose="020F0502020204030204" pitchFamily="34" charset="0"/>
-                <a:cs typeface="Consolas" panose="020B0609020204030204" pitchFamily="49" charset="0"/>
-              </a:rPr>
-              <a:t>StringCharGet</a:t>
-            </a:r>
-            <a:r>
-              <a:rPr lang="de-DE" sz="1400" dirty="0">
-                <a:solidFill>
-                  <a:srgbClr val="000000"/>
-                </a:solidFill>
-                <a:effectLst/>
-                <a:latin typeface="Consolas" panose="020B0609020204030204" pitchFamily="49" charset="0"/>
-                <a:ea typeface="Calibri" panose="020F0502020204030204" pitchFamily="34" charset="0"/>
-                <a:cs typeface="Consolas" panose="020B0609020204030204" pitchFamily="49" charset="0"/>
-              </a:rPr>
-              <a:t>(&amp;</a:t>
-            </a:r>
-            <a:r>
-              <a:rPr lang="de-DE" sz="1400" dirty="0" err="1">
-                <a:solidFill>
-                  <a:srgbClr val="000000"/>
-                </a:solidFill>
-                <a:effectLst/>
-                <a:latin typeface="Consolas" panose="020B0609020204030204" pitchFamily="49" charset="0"/>
-                <a:ea typeface="Calibri" panose="020F0502020204030204" pitchFamily="34" charset="0"/>
-                <a:cs typeface="Consolas" panose="020B0609020204030204" pitchFamily="49" charset="0"/>
-              </a:rPr>
-              <a:t>testString</a:t>
-            </a:r>
-            <a:r>
-              <a:rPr lang="de-DE" sz="1400" dirty="0">
-                <a:solidFill>
-                  <a:srgbClr val="000000"/>
-                </a:solidFill>
-                <a:effectLst/>
-                <a:latin typeface="Consolas" panose="020B0609020204030204" pitchFamily="49" charset="0"/>
-                <a:ea typeface="Calibri" panose="020F0502020204030204" pitchFamily="34" charset="0"/>
-                <a:cs typeface="Consolas" panose="020B0609020204030204" pitchFamily="49" charset="0"/>
-              </a:rPr>
-              <a:t>, 3, &amp;</a:t>
-            </a:r>
-            <a:r>
-              <a:rPr lang="de-DE" sz="1400" dirty="0" err="1">
-                <a:solidFill>
-                  <a:srgbClr val="000000"/>
-                </a:solidFill>
-                <a:effectLst/>
-                <a:latin typeface="Consolas" panose="020B0609020204030204" pitchFamily="49" charset="0"/>
-                <a:ea typeface="Calibri" panose="020F0502020204030204" pitchFamily="34" charset="0"/>
-                <a:cs typeface="Consolas" panose="020B0609020204030204" pitchFamily="49" charset="0"/>
-              </a:rPr>
-              <a:t>outputChar</a:t>
-            </a:r>
-            <a:r>
-              <a:rPr lang="de-DE" sz="1400" dirty="0">
-                <a:solidFill>
-                  <a:srgbClr val="000000"/>
-                </a:solidFill>
-                <a:effectLst/>
-                <a:latin typeface="Consolas" panose="020B0609020204030204" pitchFamily="49" charset="0"/>
-                <a:ea typeface="Calibri" panose="020F0502020204030204" pitchFamily="34" charset="0"/>
-                <a:cs typeface="Consolas" panose="020B0609020204030204" pitchFamily="49" charset="0"/>
-              </a:rPr>
-              <a:t>);</a:t>
-            </a:r>
-            <a:endParaRPr lang="de-DE" sz="1400" dirty="0">
-              <a:effectLst/>
-              <a:latin typeface="Calibri" panose="020F0502020204030204" pitchFamily="34" charset="0"/>
-              <a:ea typeface="Calibri" panose="020F0502020204030204" pitchFamily="34" charset="0"/>
-              <a:cs typeface="Times New Roman" panose="02020603050405020304" pitchFamily="18" charset="0"/>
-            </a:endParaRPr>
-          </a:p>
-          <a:p>
-            <a:pPr indent="449580">
-              <a:spcAft>
-                <a:spcPts val="800"/>
-              </a:spcAft>
-            </a:pPr>
-            <a:r>
-              <a:rPr lang="de-DE" sz="1400" dirty="0">
-                <a:solidFill>
-                  <a:srgbClr val="008000"/>
-                </a:solidFill>
-                <a:effectLst/>
-                <a:latin typeface="Consolas" panose="020B0609020204030204" pitchFamily="49" charset="0"/>
-                <a:ea typeface="Calibri" panose="020F0502020204030204" pitchFamily="34" charset="0"/>
-                <a:cs typeface="Consolas" panose="020B0609020204030204" pitchFamily="49" charset="0"/>
-              </a:rPr>
-              <a:t>//</a:t>
-            </a:r>
-            <a:r>
-              <a:rPr lang="de-DE" sz="1400" dirty="0" err="1">
-                <a:solidFill>
-                  <a:srgbClr val="008000"/>
-                </a:solidFill>
-                <a:effectLst/>
-                <a:latin typeface="Consolas" panose="020B0609020204030204" pitchFamily="49" charset="0"/>
-                <a:ea typeface="Calibri" panose="020F0502020204030204" pitchFamily="34" charset="0"/>
-                <a:cs typeface="Consolas" panose="020B0609020204030204" pitchFamily="49" charset="0"/>
-              </a:rPr>
-              <a:t>Adds</a:t>
-            </a:r>
-            <a:r>
-              <a:rPr lang="de-DE" sz="1400" dirty="0">
-                <a:solidFill>
-                  <a:srgbClr val="008000"/>
-                </a:solidFill>
-                <a:effectLst/>
-                <a:latin typeface="Consolas" panose="020B0609020204030204" pitchFamily="49" charset="0"/>
-                <a:ea typeface="Calibri" panose="020F0502020204030204" pitchFamily="34" charset="0"/>
-                <a:cs typeface="Consolas" panose="020B0609020204030204" pitchFamily="49" charset="0"/>
-              </a:rPr>
-              <a:t> '!' </a:t>
-            </a:r>
-            <a:r>
-              <a:rPr lang="de-DE" sz="1400" dirty="0" err="1">
-                <a:solidFill>
-                  <a:srgbClr val="008000"/>
-                </a:solidFill>
-                <a:effectLst/>
-                <a:latin typeface="Consolas" panose="020B0609020204030204" pitchFamily="49" charset="0"/>
-                <a:ea typeface="Calibri" panose="020F0502020204030204" pitchFamily="34" charset="0"/>
-                <a:cs typeface="Consolas" panose="020B0609020204030204" pitchFamily="49" charset="0"/>
-              </a:rPr>
-              <a:t>to</a:t>
-            </a:r>
-            <a:r>
-              <a:rPr lang="de-DE" sz="1400" dirty="0">
-                <a:solidFill>
-                  <a:srgbClr val="008000"/>
-                </a:solidFill>
-                <a:effectLst/>
-                <a:latin typeface="Consolas" panose="020B0609020204030204" pitchFamily="49" charset="0"/>
-                <a:ea typeface="Calibri" panose="020F0502020204030204" pitchFamily="34" charset="0"/>
-                <a:cs typeface="Consolas" panose="020B0609020204030204" pitchFamily="49" charset="0"/>
-              </a:rPr>
-              <a:t> </a:t>
-            </a:r>
-            <a:r>
-              <a:rPr lang="de-DE" sz="1400" dirty="0" err="1">
-                <a:solidFill>
-                  <a:srgbClr val="008000"/>
-                </a:solidFill>
-                <a:effectLst/>
-                <a:latin typeface="Consolas" panose="020B0609020204030204" pitchFamily="49" charset="0"/>
-                <a:ea typeface="Calibri" panose="020F0502020204030204" pitchFamily="34" charset="0"/>
-                <a:cs typeface="Consolas" panose="020B0609020204030204" pitchFamily="49" charset="0"/>
-              </a:rPr>
-              <a:t>the</a:t>
-            </a:r>
-            <a:r>
-              <a:rPr lang="de-DE" sz="1400" dirty="0">
-                <a:solidFill>
-                  <a:srgbClr val="008000"/>
-                </a:solidFill>
-                <a:effectLst/>
-                <a:latin typeface="Consolas" panose="020B0609020204030204" pitchFamily="49" charset="0"/>
-                <a:ea typeface="Calibri" panose="020F0502020204030204" pitchFamily="34" charset="0"/>
-                <a:cs typeface="Consolas" panose="020B0609020204030204" pitchFamily="49" charset="0"/>
-              </a:rPr>
-              <a:t> end</a:t>
-            </a:r>
-            <a:endParaRPr lang="de-DE" sz="1400" dirty="0">
-              <a:effectLst/>
-              <a:latin typeface="Calibri" panose="020F0502020204030204" pitchFamily="34" charset="0"/>
-              <a:ea typeface="Calibri" panose="020F0502020204030204" pitchFamily="34" charset="0"/>
-              <a:cs typeface="Times New Roman" panose="02020603050405020304" pitchFamily="18" charset="0"/>
-            </a:endParaRPr>
-          </a:p>
-          <a:p>
-            <a:pPr indent="449580">
-              <a:spcAft>
-                <a:spcPts val="800"/>
-              </a:spcAft>
-            </a:pPr>
-            <a:r>
-              <a:rPr lang="de-DE" sz="1400" dirty="0" err="1">
-                <a:solidFill>
-                  <a:srgbClr val="483D8B"/>
-                </a:solidFill>
-                <a:effectLst/>
-                <a:latin typeface="Consolas" panose="020B0609020204030204" pitchFamily="49" charset="0"/>
-                <a:ea typeface="Calibri" panose="020F0502020204030204" pitchFamily="34" charset="0"/>
-                <a:cs typeface="Consolas" panose="020B0609020204030204" pitchFamily="49" charset="0"/>
-              </a:rPr>
-              <a:t>StringCharAdd</a:t>
-            </a:r>
-            <a:r>
-              <a:rPr lang="de-DE" sz="1400" dirty="0">
-                <a:solidFill>
-                  <a:srgbClr val="000000"/>
-                </a:solidFill>
-                <a:effectLst/>
-                <a:latin typeface="Consolas" panose="020B0609020204030204" pitchFamily="49" charset="0"/>
-                <a:ea typeface="Calibri" panose="020F0502020204030204" pitchFamily="34" charset="0"/>
-                <a:cs typeface="Consolas" panose="020B0609020204030204" pitchFamily="49" charset="0"/>
-              </a:rPr>
-              <a:t>(&amp;</a:t>
-            </a:r>
-            <a:r>
-              <a:rPr lang="de-DE" sz="1400" dirty="0" err="1">
-                <a:solidFill>
-                  <a:srgbClr val="000000"/>
-                </a:solidFill>
-                <a:effectLst/>
-                <a:latin typeface="Consolas" panose="020B0609020204030204" pitchFamily="49" charset="0"/>
-                <a:ea typeface="Calibri" panose="020F0502020204030204" pitchFamily="34" charset="0"/>
-                <a:cs typeface="Consolas" panose="020B0609020204030204" pitchFamily="49" charset="0"/>
-              </a:rPr>
-              <a:t>testString</a:t>
-            </a:r>
-            <a:r>
-              <a:rPr lang="de-DE" sz="1400" dirty="0">
-                <a:solidFill>
-                  <a:srgbClr val="000000"/>
-                </a:solidFill>
-                <a:effectLst/>
-                <a:latin typeface="Consolas" panose="020B0609020204030204" pitchFamily="49" charset="0"/>
-                <a:ea typeface="Calibri" panose="020F0502020204030204" pitchFamily="34" charset="0"/>
-                <a:cs typeface="Consolas" panose="020B0609020204030204" pitchFamily="49" charset="0"/>
-              </a:rPr>
-              <a:t>, </a:t>
-            </a:r>
-            <a:r>
-              <a:rPr lang="de-DE" sz="1400" dirty="0">
-                <a:solidFill>
-                  <a:srgbClr val="A31515"/>
-                </a:solidFill>
-                <a:effectLst/>
-                <a:latin typeface="Consolas" panose="020B0609020204030204" pitchFamily="49" charset="0"/>
-                <a:ea typeface="Calibri" panose="020F0502020204030204" pitchFamily="34" charset="0"/>
-                <a:cs typeface="Consolas" panose="020B0609020204030204" pitchFamily="49" charset="0"/>
-              </a:rPr>
-              <a:t>'!'</a:t>
-            </a:r>
-            <a:r>
-              <a:rPr lang="de-DE" sz="1400" dirty="0">
-                <a:solidFill>
-                  <a:srgbClr val="000000"/>
-                </a:solidFill>
-                <a:effectLst/>
-                <a:latin typeface="Consolas" panose="020B0609020204030204" pitchFamily="49" charset="0"/>
-                <a:ea typeface="Calibri" panose="020F0502020204030204" pitchFamily="34" charset="0"/>
-                <a:cs typeface="Consolas" panose="020B0609020204030204" pitchFamily="49" charset="0"/>
-              </a:rPr>
-              <a:t>);</a:t>
-            </a:r>
-            <a:endParaRPr lang="de-DE" sz="1400" dirty="0">
-              <a:effectLst/>
-              <a:latin typeface="Calibri" panose="020F0502020204030204" pitchFamily="34" charset="0"/>
-              <a:ea typeface="Calibri" panose="020F0502020204030204" pitchFamily="34" charset="0"/>
-              <a:cs typeface="Times New Roman" panose="02020603050405020304" pitchFamily="18" charset="0"/>
-            </a:endParaRPr>
-          </a:p>
-          <a:p>
-            <a:pPr indent="449580">
-              <a:spcAft>
-                <a:spcPts val="800"/>
-              </a:spcAft>
-            </a:pPr>
-            <a:r>
-              <a:rPr lang="de-DE" sz="1400" dirty="0">
-                <a:solidFill>
-                  <a:srgbClr val="000000"/>
-                </a:solidFill>
-                <a:effectLst/>
-                <a:latin typeface="Consolas" panose="020B0609020204030204" pitchFamily="49" charset="0"/>
-                <a:ea typeface="Calibri" panose="020F0502020204030204" pitchFamily="34" charset="0"/>
-                <a:cs typeface="Consolas" panose="020B0609020204030204" pitchFamily="49" charset="0"/>
-              </a:rPr>
-              <a:t> </a:t>
-            </a:r>
-            <a:endParaRPr lang="de-DE" sz="1400" dirty="0">
-              <a:effectLst/>
-              <a:latin typeface="Calibri" panose="020F0502020204030204" pitchFamily="34" charset="0"/>
-              <a:ea typeface="Calibri" panose="020F0502020204030204" pitchFamily="34" charset="0"/>
-              <a:cs typeface="Times New Roman" panose="02020603050405020304" pitchFamily="18" charset="0"/>
-            </a:endParaRPr>
-          </a:p>
-          <a:p>
-            <a:pPr indent="449580">
-              <a:spcAft>
-                <a:spcPts val="800"/>
-              </a:spcAft>
-            </a:pPr>
-            <a:r>
-              <a:rPr lang="de-DE" sz="1400" dirty="0">
-                <a:solidFill>
-                  <a:srgbClr val="008000"/>
-                </a:solidFill>
-                <a:effectLst/>
-                <a:latin typeface="Consolas" panose="020B0609020204030204" pitchFamily="49" charset="0"/>
-                <a:ea typeface="Calibri" panose="020F0502020204030204" pitchFamily="34" charset="0"/>
-                <a:cs typeface="Consolas" panose="020B0609020204030204" pitchFamily="49" charset="0"/>
-              </a:rPr>
-              <a:t>//</a:t>
-            </a:r>
-            <a:r>
-              <a:rPr lang="de-DE" sz="1400" dirty="0" err="1">
-                <a:solidFill>
-                  <a:srgbClr val="008000"/>
-                </a:solidFill>
-                <a:effectLst/>
-                <a:latin typeface="Consolas" panose="020B0609020204030204" pitchFamily="49" charset="0"/>
-                <a:ea typeface="Calibri" panose="020F0502020204030204" pitchFamily="34" charset="0"/>
-                <a:cs typeface="Consolas" panose="020B0609020204030204" pitchFamily="49" charset="0"/>
-              </a:rPr>
-              <a:t>Gets</a:t>
-            </a:r>
-            <a:r>
-              <a:rPr lang="de-DE" sz="1400" dirty="0">
-                <a:solidFill>
-                  <a:srgbClr val="000000"/>
-                </a:solidFill>
-                <a:effectLst/>
-                <a:latin typeface="Consolas" panose="020B0609020204030204" pitchFamily="49" charset="0"/>
-                <a:ea typeface="Calibri" panose="020F0502020204030204" pitchFamily="34" charset="0"/>
-                <a:cs typeface="Consolas" panose="020B0609020204030204" pitchFamily="49" charset="0"/>
-              </a:rPr>
-              <a:t> </a:t>
-            </a:r>
-            <a:r>
-              <a:rPr lang="de-DE" sz="1400" dirty="0">
-                <a:solidFill>
-                  <a:srgbClr val="008000"/>
-                </a:solidFill>
-                <a:effectLst/>
-                <a:latin typeface="Consolas" panose="020B0609020204030204" pitchFamily="49" charset="0"/>
-                <a:ea typeface="Calibri" panose="020F0502020204030204" pitchFamily="34" charset="0"/>
-                <a:cs typeface="Consolas" panose="020B0609020204030204" pitchFamily="49" charset="0"/>
-              </a:rPr>
-              <a:t>'!'</a:t>
-            </a:r>
-            <a:endParaRPr lang="de-DE" sz="1400" dirty="0">
-              <a:effectLst/>
-              <a:latin typeface="Calibri" panose="020F0502020204030204" pitchFamily="34" charset="0"/>
-              <a:ea typeface="Calibri" panose="020F0502020204030204" pitchFamily="34" charset="0"/>
-              <a:cs typeface="Times New Roman" panose="02020603050405020304" pitchFamily="18" charset="0"/>
-            </a:endParaRPr>
-          </a:p>
-          <a:p>
-            <a:pPr indent="449580">
-              <a:spcAft>
-                <a:spcPts val="800"/>
-              </a:spcAft>
-            </a:pPr>
-            <a:r>
-              <a:rPr lang="de-DE" sz="1400" dirty="0" err="1">
-                <a:solidFill>
-                  <a:srgbClr val="483D8B"/>
-                </a:solidFill>
-                <a:effectLst/>
-                <a:latin typeface="Consolas" panose="020B0609020204030204" pitchFamily="49" charset="0"/>
-                <a:ea typeface="Calibri" panose="020F0502020204030204" pitchFamily="34" charset="0"/>
-                <a:cs typeface="Consolas" panose="020B0609020204030204" pitchFamily="49" charset="0"/>
-              </a:rPr>
-              <a:t>StringCharGet</a:t>
-            </a:r>
-            <a:r>
-              <a:rPr lang="de-DE" sz="1400" dirty="0">
-                <a:solidFill>
-                  <a:srgbClr val="000000"/>
-                </a:solidFill>
-                <a:effectLst/>
-                <a:latin typeface="Consolas" panose="020B0609020204030204" pitchFamily="49" charset="0"/>
-                <a:ea typeface="Calibri" panose="020F0502020204030204" pitchFamily="34" charset="0"/>
-                <a:cs typeface="Consolas" panose="020B0609020204030204" pitchFamily="49" charset="0"/>
-              </a:rPr>
-              <a:t>(&amp;</a:t>
-            </a:r>
-            <a:r>
-              <a:rPr lang="de-DE" sz="1400" dirty="0" err="1">
-                <a:solidFill>
-                  <a:srgbClr val="000000"/>
-                </a:solidFill>
-                <a:effectLst/>
-                <a:latin typeface="Consolas" panose="020B0609020204030204" pitchFamily="49" charset="0"/>
-                <a:ea typeface="Calibri" panose="020F0502020204030204" pitchFamily="34" charset="0"/>
-                <a:cs typeface="Consolas" panose="020B0609020204030204" pitchFamily="49" charset="0"/>
-              </a:rPr>
-              <a:t>testString</a:t>
-            </a:r>
-            <a:r>
-              <a:rPr lang="de-DE" sz="1400" dirty="0">
-                <a:solidFill>
-                  <a:srgbClr val="000000"/>
-                </a:solidFill>
-                <a:effectLst/>
-                <a:latin typeface="Consolas" panose="020B0609020204030204" pitchFamily="49" charset="0"/>
-                <a:ea typeface="Calibri" panose="020F0502020204030204" pitchFamily="34" charset="0"/>
-                <a:cs typeface="Consolas" panose="020B0609020204030204" pitchFamily="49" charset="0"/>
-              </a:rPr>
-              <a:t>, 11, &amp;</a:t>
-            </a:r>
-            <a:r>
-              <a:rPr lang="de-DE" sz="1400" dirty="0" err="1">
-                <a:solidFill>
-                  <a:srgbClr val="000000"/>
-                </a:solidFill>
-                <a:effectLst/>
-                <a:latin typeface="Consolas" panose="020B0609020204030204" pitchFamily="49" charset="0"/>
-                <a:ea typeface="Calibri" panose="020F0502020204030204" pitchFamily="34" charset="0"/>
-                <a:cs typeface="Consolas" panose="020B0609020204030204" pitchFamily="49" charset="0"/>
-              </a:rPr>
-              <a:t>outputChar</a:t>
-            </a:r>
-            <a:r>
-              <a:rPr lang="de-DE" sz="1400" dirty="0">
-                <a:solidFill>
-                  <a:srgbClr val="000000"/>
-                </a:solidFill>
-                <a:effectLst/>
-                <a:latin typeface="Consolas" panose="020B0609020204030204" pitchFamily="49" charset="0"/>
-                <a:ea typeface="Calibri" panose="020F0502020204030204" pitchFamily="34" charset="0"/>
-                <a:cs typeface="Consolas" panose="020B0609020204030204" pitchFamily="49" charset="0"/>
-              </a:rPr>
-              <a:t>);</a:t>
-            </a:r>
-            <a:endParaRPr lang="de-DE" sz="1400" dirty="0">
-              <a:effectLst/>
-              <a:latin typeface="Calibri" panose="020F0502020204030204" pitchFamily="34" charset="0"/>
-              <a:ea typeface="Calibri" panose="020F0502020204030204" pitchFamily="34" charset="0"/>
-              <a:cs typeface="Times New Roman" panose="02020603050405020304" pitchFamily="18" charset="0"/>
-            </a:endParaRPr>
-          </a:p>
-          <a:p>
-            <a:pPr indent="449580">
-              <a:spcAft>
-                <a:spcPts val="800"/>
-              </a:spcAft>
-            </a:pPr>
-            <a:r>
-              <a:rPr lang="de-DE" sz="1400" dirty="0" err="1">
-                <a:solidFill>
-                  <a:srgbClr val="483D8B"/>
-                </a:solidFill>
-                <a:effectLst/>
-                <a:latin typeface="Consolas" panose="020B0609020204030204" pitchFamily="49" charset="0"/>
-                <a:ea typeface="Calibri" panose="020F0502020204030204" pitchFamily="34" charset="0"/>
-                <a:cs typeface="Consolas" panose="020B0609020204030204" pitchFamily="49" charset="0"/>
-              </a:rPr>
-              <a:t>StringConcat</a:t>
-            </a:r>
-            <a:r>
-              <a:rPr lang="de-DE" sz="1400" dirty="0">
-                <a:solidFill>
-                  <a:srgbClr val="000000"/>
-                </a:solidFill>
-                <a:effectLst/>
-                <a:latin typeface="Consolas" panose="020B0609020204030204" pitchFamily="49" charset="0"/>
-                <a:ea typeface="Calibri" panose="020F0502020204030204" pitchFamily="34" charset="0"/>
-                <a:cs typeface="Consolas" panose="020B0609020204030204" pitchFamily="49" charset="0"/>
-              </a:rPr>
-              <a:t>(&amp;</a:t>
-            </a:r>
-            <a:r>
-              <a:rPr lang="de-DE" sz="1400" dirty="0" err="1">
-                <a:solidFill>
-                  <a:srgbClr val="000000"/>
-                </a:solidFill>
-                <a:effectLst/>
-                <a:latin typeface="Consolas" panose="020B0609020204030204" pitchFamily="49" charset="0"/>
-                <a:ea typeface="Calibri" panose="020F0502020204030204" pitchFamily="34" charset="0"/>
-                <a:cs typeface="Consolas" panose="020B0609020204030204" pitchFamily="49" charset="0"/>
-              </a:rPr>
-              <a:t>testString</a:t>
-            </a:r>
-            <a:r>
-              <a:rPr lang="de-DE" sz="1400" dirty="0">
-                <a:solidFill>
-                  <a:srgbClr val="000000"/>
-                </a:solidFill>
-                <a:effectLst/>
-                <a:latin typeface="Consolas" panose="020B0609020204030204" pitchFamily="49" charset="0"/>
-                <a:ea typeface="Calibri" panose="020F0502020204030204" pitchFamily="34" charset="0"/>
-                <a:cs typeface="Consolas" panose="020B0609020204030204" pitchFamily="49" charset="0"/>
-              </a:rPr>
-              <a:t>, </a:t>
-            </a:r>
-            <a:r>
-              <a:rPr lang="de-DE" sz="1400" dirty="0">
-                <a:solidFill>
-                  <a:srgbClr val="A31515"/>
-                </a:solidFill>
-                <a:effectLst/>
-                <a:latin typeface="Consolas" panose="020B0609020204030204" pitchFamily="49" charset="0"/>
-                <a:ea typeface="Calibri" panose="020F0502020204030204" pitchFamily="34" charset="0"/>
-                <a:cs typeface="Consolas" panose="020B0609020204030204" pitchFamily="49" charset="0"/>
-              </a:rPr>
-              <a:t>"TEST"</a:t>
-            </a:r>
-            <a:r>
-              <a:rPr lang="de-DE" sz="1400" dirty="0">
-                <a:solidFill>
-                  <a:srgbClr val="000000"/>
-                </a:solidFill>
-                <a:effectLst/>
-                <a:latin typeface="Consolas" panose="020B0609020204030204" pitchFamily="49" charset="0"/>
-                <a:ea typeface="Calibri" panose="020F0502020204030204" pitchFamily="34" charset="0"/>
-                <a:cs typeface="Consolas" panose="020B0609020204030204" pitchFamily="49" charset="0"/>
-              </a:rPr>
-              <a:t>);</a:t>
-            </a:r>
-            <a:endParaRPr lang="de-DE" sz="1400" dirty="0">
-              <a:effectLst/>
-              <a:latin typeface="Calibri" panose="020F0502020204030204" pitchFamily="34" charset="0"/>
-              <a:ea typeface="Calibri" panose="020F0502020204030204" pitchFamily="34" charset="0"/>
-              <a:cs typeface="Times New Roman" panose="02020603050405020304" pitchFamily="18" charset="0"/>
-            </a:endParaRPr>
-          </a:p>
-          <a:p>
-            <a:pPr indent="449580">
-              <a:spcAft>
-                <a:spcPts val="800"/>
-              </a:spcAft>
-            </a:pPr>
-            <a:r>
-              <a:rPr lang="de-DE" sz="1400" dirty="0">
-                <a:solidFill>
-                  <a:srgbClr val="000000"/>
-                </a:solidFill>
-                <a:effectLst/>
-                <a:latin typeface="Consolas" panose="020B0609020204030204" pitchFamily="49" charset="0"/>
-                <a:ea typeface="Calibri" panose="020F0502020204030204" pitchFamily="34" charset="0"/>
-                <a:cs typeface="Consolas" panose="020B0609020204030204" pitchFamily="49" charset="0"/>
-              </a:rPr>
-              <a:t> </a:t>
-            </a:r>
-            <a:endParaRPr lang="de-DE" sz="1400" dirty="0">
-              <a:effectLst/>
-              <a:latin typeface="Calibri" panose="020F0502020204030204" pitchFamily="34" charset="0"/>
-              <a:ea typeface="Calibri" panose="020F0502020204030204" pitchFamily="34" charset="0"/>
-              <a:cs typeface="Times New Roman" panose="02020603050405020304" pitchFamily="18" charset="0"/>
-            </a:endParaRPr>
-          </a:p>
-          <a:p>
-            <a:pPr indent="449580">
-              <a:spcAft>
-                <a:spcPts val="800"/>
-              </a:spcAft>
-            </a:pPr>
-            <a:r>
-              <a:rPr lang="de-DE" sz="1400" dirty="0" err="1">
-                <a:solidFill>
-                  <a:srgbClr val="000000"/>
-                </a:solidFill>
-                <a:effectLst/>
-                <a:latin typeface="Consolas" panose="020B0609020204030204" pitchFamily="49" charset="0"/>
-                <a:ea typeface="Calibri" panose="020F0502020204030204" pitchFamily="34" charset="0"/>
-                <a:cs typeface="Consolas" panose="020B0609020204030204" pitchFamily="49" charset="0"/>
-              </a:rPr>
-              <a:t>char</a:t>
-            </a:r>
-            <a:r>
-              <a:rPr lang="de-DE" sz="1400" dirty="0">
-                <a:solidFill>
-                  <a:srgbClr val="000000"/>
-                </a:solidFill>
-                <a:effectLst/>
-                <a:latin typeface="Consolas" panose="020B0609020204030204" pitchFamily="49" charset="0"/>
-                <a:ea typeface="Calibri" panose="020F0502020204030204" pitchFamily="34" charset="0"/>
-                <a:cs typeface="Consolas" panose="020B0609020204030204" pitchFamily="49" charset="0"/>
-              </a:rPr>
-              <a:t>* </a:t>
-            </a:r>
-            <a:r>
-              <a:rPr lang="de-DE" sz="1400" dirty="0" err="1">
-                <a:solidFill>
-                  <a:srgbClr val="000000"/>
-                </a:solidFill>
-                <a:effectLst/>
-                <a:latin typeface="Consolas" panose="020B0609020204030204" pitchFamily="49" charset="0"/>
-                <a:ea typeface="Calibri" panose="020F0502020204030204" pitchFamily="34" charset="0"/>
-                <a:cs typeface="Consolas" panose="020B0609020204030204" pitchFamily="49" charset="0"/>
-              </a:rPr>
-              <a:t>output</a:t>
-            </a:r>
-            <a:r>
-              <a:rPr lang="de-DE" sz="1400" dirty="0">
-                <a:solidFill>
-                  <a:srgbClr val="000000"/>
-                </a:solidFill>
-                <a:effectLst/>
-                <a:latin typeface="Consolas" panose="020B0609020204030204" pitchFamily="49" charset="0"/>
-                <a:ea typeface="Calibri" panose="020F0502020204030204" pitchFamily="34" charset="0"/>
-                <a:cs typeface="Consolas" panose="020B0609020204030204" pitchFamily="49" charset="0"/>
-              </a:rPr>
-              <a:t> = </a:t>
-            </a:r>
-            <a:r>
-              <a:rPr lang="de-DE" sz="1400" dirty="0" err="1">
-                <a:solidFill>
-                  <a:srgbClr val="483D8B"/>
-                </a:solidFill>
-                <a:effectLst/>
-                <a:latin typeface="Consolas" panose="020B0609020204030204" pitchFamily="49" charset="0"/>
-                <a:ea typeface="Calibri" panose="020F0502020204030204" pitchFamily="34" charset="0"/>
-                <a:cs typeface="Consolas" panose="020B0609020204030204" pitchFamily="49" charset="0"/>
-              </a:rPr>
-              <a:t>StringGetFullString</a:t>
-            </a:r>
-            <a:r>
-              <a:rPr lang="de-DE" sz="1400" dirty="0">
-                <a:solidFill>
-                  <a:srgbClr val="000000"/>
-                </a:solidFill>
-                <a:effectLst/>
-                <a:latin typeface="Consolas" panose="020B0609020204030204" pitchFamily="49" charset="0"/>
-                <a:ea typeface="Calibri" panose="020F0502020204030204" pitchFamily="34" charset="0"/>
-                <a:cs typeface="Consolas" panose="020B0609020204030204" pitchFamily="49" charset="0"/>
-              </a:rPr>
-              <a:t>(&amp;</a:t>
-            </a:r>
-            <a:r>
-              <a:rPr lang="de-DE" sz="1400" dirty="0" err="1">
-                <a:solidFill>
-                  <a:srgbClr val="000000"/>
-                </a:solidFill>
-                <a:effectLst/>
-                <a:latin typeface="Consolas" panose="020B0609020204030204" pitchFamily="49" charset="0"/>
-                <a:ea typeface="Calibri" panose="020F0502020204030204" pitchFamily="34" charset="0"/>
-                <a:cs typeface="Consolas" panose="020B0609020204030204" pitchFamily="49" charset="0"/>
-              </a:rPr>
-              <a:t>testString</a:t>
-            </a:r>
-            <a:r>
-              <a:rPr lang="de-DE" sz="1400" dirty="0">
-                <a:solidFill>
-                  <a:srgbClr val="000000"/>
-                </a:solidFill>
-                <a:effectLst/>
-                <a:latin typeface="Consolas" panose="020B0609020204030204" pitchFamily="49" charset="0"/>
-                <a:ea typeface="Calibri" panose="020F0502020204030204" pitchFamily="34" charset="0"/>
-                <a:cs typeface="Consolas" panose="020B0609020204030204" pitchFamily="49" charset="0"/>
-              </a:rPr>
-              <a:t>);</a:t>
-            </a:r>
-            <a:endParaRPr lang="de-DE" sz="1400" dirty="0">
-              <a:effectLst/>
-              <a:latin typeface="Calibri" panose="020F0502020204030204" pitchFamily="34" charset="0"/>
-              <a:ea typeface="Calibri" panose="020F0502020204030204" pitchFamily="34" charset="0"/>
-              <a:cs typeface="Times New Roman" panose="02020603050405020304" pitchFamily="18" charset="0"/>
-            </a:endParaRPr>
-          </a:p>
-          <a:p>
-            <a:pPr indent="449580">
-              <a:spcAft>
-                <a:spcPts val="800"/>
-              </a:spcAft>
-            </a:pPr>
-            <a:r>
-              <a:rPr lang="de-DE" sz="1400" dirty="0">
-                <a:solidFill>
-                  <a:srgbClr val="000000"/>
-                </a:solidFill>
-                <a:effectLst/>
-                <a:latin typeface="Consolas" panose="020B0609020204030204" pitchFamily="49" charset="0"/>
-                <a:ea typeface="Calibri" panose="020F0502020204030204" pitchFamily="34" charset="0"/>
-                <a:cs typeface="Consolas" panose="020B0609020204030204" pitchFamily="49" charset="0"/>
-              </a:rPr>
-              <a:t> </a:t>
-            </a:r>
-            <a:endParaRPr lang="de-DE" sz="1400" dirty="0">
-              <a:effectLst/>
-              <a:latin typeface="Calibri" panose="020F0502020204030204" pitchFamily="34" charset="0"/>
-              <a:ea typeface="Calibri" panose="020F0502020204030204" pitchFamily="34" charset="0"/>
-              <a:cs typeface="Times New Roman" panose="02020603050405020304" pitchFamily="18" charset="0"/>
-            </a:endParaRPr>
-          </a:p>
-          <a:p>
-            <a:pPr>
-              <a:spcAft>
-                <a:spcPts val="800"/>
-              </a:spcAft>
-            </a:pPr>
-            <a:r>
-              <a:rPr lang="de-DE" sz="1400" dirty="0">
-                <a:solidFill>
-                  <a:srgbClr val="000000"/>
-                </a:solidFill>
-                <a:effectLst/>
-                <a:latin typeface="Consolas" panose="020B0609020204030204" pitchFamily="49" charset="0"/>
-                <a:ea typeface="Calibri" panose="020F0502020204030204" pitchFamily="34" charset="0"/>
-                <a:cs typeface="Consolas" panose="020B0609020204030204" pitchFamily="49" charset="0"/>
-              </a:rPr>
-              <a:t>	</a:t>
-            </a:r>
-            <a:r>
-              <a:rPr lang="de-DE" sz="1400" dirty="0" err="1">
-                <a:solidFill>
-                  <a:srgbClr val="483D8B"/>
-                </a:solidFill>
-                <a:effectLst/>
-                <a:latin typeface="Consolas" panose="020B0609020204030204" pitchFamily="49" charset="0"/>
-                <a:ea typeface="Calibri" panose="020F0502020204030204" pitchFamily="34" charset="0"/>
-                <a:cs typeface="Consolas" panose="020B0609020204030204" pitchFamily="49" charset="0"/>
-              </a:rPr>
-              <a:t>StringDestruction</a:t>
-            </a:r>
-            <a:r>
-              <a:rPr lang="de-DE" sz="1400" dirty="0">
-                <a:solidFill>
-                  <a:srgbClr val="000000"/>
-                </a:solidFill>
-                <a:effectLst/>
-                <a:latin typeface="Consolas" panose="020B0609020204030204" pitchFamily="49" charset="0"/>
-                <a:ea typeface="Calibri" panose="020F0502020204030204" pitchFamily="34" charset="0"/>
-                <a:cs typeface="Consolas" panose="020B0609020204030204" pitchFamily="49" charset="0"/>
-              </a:rPr>
-              <a:t>(&amp;</a:t>
-            </a:r>
-            <a:r>
-              <a:rPr lang="de-DE" sz="1400" dirty="0" err="1">
-                <a:solidFill>
-                  <a:srgbClr val="000000"/>
-                </a:solidFill>
-                <a:effectLst/>
-                <a:latin typeface="Consolas" panose="020B0609020204030204" pitchFamily="49" charset="0"/>
-                <a:ea typeface="Calibri" panose="020F0502020204030204" pitchFamily="34" charset="0"/>
-                <a:cs typeface="Consolas" panose="020B0609020204030204" pitchFamily="49" charset="0"/>
-              </a:rPr>
-              <a:t>testString</a:t>
-            </a:r>
-            <a:r>
-              <a:rPr lang="de-DE" sz="1400" dirty="0">
-                <a:solidFill>
-                  <a:srgbClr val="000000"/>
-                </a:solidFill>
-                <a:effectLst/>
-                <a:latin typeface="Consolas" panose="020B0609020204030204" pitchFamily="49" charset="0"/>
-                <a:ea typeface="Calibri" panose="020F0502020204030204" pitchFamily="34" charset="0"/>
-                <a:cs typeface="Consolas" panose="020B0609020204030204" pitchFamily="49" charset="0"/>
-              </a:rPr>
-              <a:t>);</a:t>
-            </a:r>
-            <a:endParaRPr lang="de-DE" sz="1400" dirty="0">
-              <a:effectLst/>
-              <a:latin typeface="Calibri" panose="020F0502020204030204" pitchFamily="34" charset="0"/>
-              <a:ea typeface="Calibri" panose="020F0502020204030204" pitchFamily="34" charset="0"/>
-              <a:cs typeface="Times New Roman" panose="02020603050405020304" pitchFamily="18" charset="0"/>
-            </a:endParaRPr>
-          </a:p>
-          <a:p>
-            <a:pPr indent="449580">
-              <a:spcAft>
-                <a:spcPts val="800"/>
-              </a:spcAft>
-            </a:pPr>
-            <a:r>
-              <a:rPr lang="de-DE" sz="1400" dirty="0" err="1">
-                <a:solidFill>
-                  <a:srgbClr val="483D8B"/>
-                </a:solidFill>
-                <a:effectLst/>
-                <a:latin typeface="Consolas" panose="020B0609020204030204" pitchFamily="49" charset="0"/>
-                <a:ea typeface="Calibri" panose="020F0502020204030204" pitchFamily="34" charset="0"/>
-                <a:cs typeface="Consolas" panose="020B0609020204030204" pitchFamily="49" charset="0"/>
-              </a:rPr>
-              <a:t>free</a:t>
-            </a:r>
-            <a:r>
-              <a:rPr lang="de-DE" sz="1400" dirty="0">
-                <a:solidFill>
-                  <a:srgbClr val="000000"/>
-                </a:solidFill>
-                <a:effectLst/>
-                <a:latin typeface="Consolas" panose="020B0609020204030204" pitchFamily="49" charset="0"/>
-                <a:ea typeface="Calibri" panose="020F0502020204030204" pitchFamily="34" charset="0"/>
-                <a:cs typeface="Consolas" panose="020B0609020204030204" pitchFamily="49" charset="0"/>
-              </a:rPr>
-              <a:t>(</a:t>
-            </a:r>
-            <a:r>
-              <a:rPr lang="de-DE" sz="1400" dirty="0" err="1">
-                <a:solidFill>
-                  <a:srgbClr val="000000"/>
-                </a:solidFill>
-                <a:effectLst/>
-                <a:latin typeface="Consolas" panose="020B0609020204030204" pitchFamily="49" charset="0"/>
-                <a:ea typeface="Calibri" panose="020F0502020204030204" pitchFamily="34" charset="0"/>
-                <a:cs typeface="Consolas" panose="020B0609020204030204" pitchFamily="49" charset="0"/>
-              </a:rPr>
-              <a:t>output</a:t>
-            </a:r>
-            <a:r>
-              <a:rPr lang="de-DE" sz="1400" dirty="0">
-                <a:solidFill>
-                  <a:srgbClr val="000000"/>
-                </a:solidFill>
-                <a:effectLst/>
-                <a:latin typeface="Consolas" panose="020B0609020204030204" pitchFamily="49" charset="0"/>
-                <a:ea typeface="Calibri" panose="020F0502020204030204" pitchFamily="34" charset="0"/>
-                <a:cs typeface="Consolas" panose="020B0609020204030204" pitchFamily="49" charset="0"/>
-              </a:rPr>
-              <a:t>);</a:t>
-            </a:r>
-            <a:endParaRPr lang="de-DE" sz="1400" dirty="0">
-              <a:effectLst/>
-              <a:latin typeface="Calibri" panose="020F0502020204030204" pitchFamily="34" charset="0"/>
-              <a:ea typeface="Calibri" panose="020F0502020204030204" pitchFamily="34" charset="0"/>
-              <a:cs typeface="Times New Roman" panose="02020603050405020304" pitchFamily="18" charset="0"/>
-            </a:endParaRPr>
+              <a:t>String:</a:t>
+            </a:r>
           </a:p>
         </p:txBody>
       </p:sp>
     </p:spTree>
     <p:extLst>
       <p:ext uri="{BB962C8B-B14F-4D97-AF65-F5344CB8AC3E}">
-        <p14:creationId xmlns:p14="http://schemas.microsoft.com/office/powerpoint/2010/main" val="2250978272"/>
+        <p14:creationId xmlns:p14="http://schemas.microsoft.com/office/powerpoint/2010/main" val="2697791190"/>
       </p:ext>
     </p:extLst>
   </p:cSld>
@@ -17772,7 +13449,7 @@
         <p:spPr>
           <a:xfrm>
             <a:off x="485190" y="1154923"/>
-            <a:ext cx="4945791" cy="1323439"/>
+            <a:ext cx="7947609" cy="1323439"/>
           </a:xfrm>
           <a:prstGeom prst="rect">
             <a:avLst/>
@@ -17787,7 +13464,7 @@
           <a:p>
             <a:r>
               <a:rPr lang="de-DE" sz="2000" b="1" dirty="0"/>
-              <a:t>3. Tests</a:t>
+              <a:t>3.1 Generelle Container [String]</a:t>
             </a:r>
           </a:p>
           <a:p>
@@ -17807,10 +13484,10 @@
       </p:sp>
       <p:sp>
         <p:nvSpPr>
-          <p:cNvPr id="9" name="Textfeld 8">
-            <a:extLst>
-              <a:ext uri="{FF2B5EF4-FFF2-40B4-BE49-F238E27FC236}">
-                <a16:creationId xmlns:a16="http://schemas.microsoft.com/office/drawing/2014/main" id="{105407A1-FCD8-4DB9-8051-366A6497ED37}"/>
+          <p:cNvPr id="3" name="Textfeld 2">
+            <a:extLst>
+              <a:ext uri="{FF2B5EF4-FFF2-40B4-BE49-F238E27FC236}">
+                <a16:creationId xmlns:a16="http://schemas.microsoft.com/office/drawing/2014/main" id="{B616C74B-1A1C-4612-8D7A-608508876D6B}"/>
               </a:ext>
             </a:extLst>
           </p:cNvPr>
@@ -17819,8 +13496,8 @@
         </p:nvSpPr>
         <p:spPr>
           <a:xfrm>
-            <a:off x="1085461" y="1568119"/>
-            <a:ext cx="10021077" cy="3046988"/>
+            <a:off x="933061" y="1678143"/>
+            <a:ext cx="4152123" cy="369332"/>
           </a:xfrm>
           <a:prstGeom prst="rect">
             <a:avLst/>
@@ -17828,117 +13505,24 @@
           <a:noFill/>
         </p:spPr>
         <p:txBody>
-          <a:bodyPr wrap="square">
+          <a:bodyPr wrap="square" rtlCol="0">
             <a:spAutoFit/>
           </a:bodyPr>
           <a:lstStyle/>
           <a:p>
-            <a:pPr>
-              <a:lnSpc>
-                <a:spcPct val="200000"/>
-              </a:lnSpc>
-            </a:pPr>
-            <a:r>
-              <a:rPr lang="de-DE" sz="1600" b="1" dirty="0">
-                <a:solidFill>
-                  <a:srgbClr val="000000"/>
-                </a:solidFill>
-                <a:latin typeface="+mj-lt"/>
-              </a:rPr>
-              <a:t>Erläuterung:</a:t>
-            </a:r>
-          </a:p>
-          <a:p>
-            <a:r>
-              <a:rPr lang="de-DE" sz="1600" dirty="0">
-                <a:solidFill>
-                  <a:srgbClr val="000000"/>
-                </a:solidFill>
-                <a:latin typeface="+mj-lt"/>
-              </a:rPr>
-              <a:t>Da wir schnell festgestellt haben, dass es sehr schwierig ist unsere Collections auf mehreren Plattformen fortlaufend zu testen, haben wir uns dafür entscheiden ein eigenes Testsystem zu schreiben.</a:t>
-            </a:r>
-          </a:p>
-          <a:p>
-            <a:pPr>
-              <a:lnSpc>
-                <a:spcPct val="200000"/>
-              </a:lnSpc>
-            </a:pPr>
-            <a:r>
-              <a:rPr lang="de-DE" sz="1600" b="1" dirty="0">
-                <a:solidFill>
-                  <a:srgbClr val="000000"/>
-                </a:solidFill>
-                <a:latin typeface="+mj-lt"/>
-              </a:rPr>
-              <a:t>Funktionsweise:</a:t>
-            </a:r>
-          </a:p>
-          <a:p>
-            <a:r>
-              <a:rPr lang="de-DE" sz="1600" dirty="0">
-                <a:solidFill>
-                  <a:srgbClr val="000000"/>
-                </a:solidFill>
-                <a:latin typeface="+mj-lt"/>
-              </a:rPr>
-              <a:t>Unsere Testfunktionen nehmen zwei Werte auf. Einer welcher der erwartetet Wert ist und welcher Wert zurückgeliefert wird. Am Ende bekommt man eine Auflistung wie viele Test geklappt oder fehlgeschlagen sind.</a:t>
-            </a:r>
-          </a:p>
-          <a:p>
-            <a:endParaRPr lang="de-DE" sz="1600" dirty="0">
-              <a:solidFill>
-                <a:srgbClr val="000000"/>
-              </a:solidFill>
-              <a:latin typeface="+mj-lt"/>
-            </a:endParaRPr>
-          </a:p>
-          <a:p>
-            <a:r>
-              <a:rPr lang="de-DE" sz="1600" dirty="0">
-                <a:solidFill>
-                  <a:srgbClr val="000000"/>
-                </a:solidFill>
-                <a:latin typeface="+mj-lt"/>
-              </a:rPr>
-              <a:t>Die Testfunktionen unterstützen Integer, String und </a:t>
-            </a:r>
-            <a:r>
-              <a:rPr lang="de-DE" sz="1600" dirty="0" err="1">
-                <a:solidFill>
-                  <a:srgbClr val="000000"/>
-                </a:solidFill>
-                <a:latin typeface="+mj-lt"/>
-              </a:rPr>
-              <a:t>CollectionError</a:t>
-            </a:r>
-            <a:r>
-              <a:rPr lang="de-DE" sz="1600" dirty="0">
-                <a:solidFill>
-                  <a:srgbClr val="000000"/>
-                </a:solidFill>
-                <a:latin typeface="+mj-lt"/>
-              </a:rPr>
-              <a:t> Werte.</a:t>
-            </a:r>
-          </a:p>
-          <a:p>
-            <a:endParaRPr lang="de-DE" sz="1600" dirty="0">
-              <a:solidFill>
-                <a:srgbClr val="000000"/>
-              </a:solidFill>
-              <a:latin typeface="+mj-lt"/>
-            </a:endParaRPr>
+            <a:r>
+              <a:rPr lang="de-DE" dirty="0"/>
+              <a:t>String [Alle Funktionen]:</a:t>
+            </a:r>
           </a:p>
         </p:txBody>
       </p:sp>
       <p:pic>
         <p:nvPicPr>
-          <p:cNvPr id="4" name="Grafik 3">
-            <a:extLst>
-              <a:ext uri="{FF2B5EF4-FFF2-40B4-BE49-F238E27FC236}">
-                <a16:creationId xmlns:a16="http://schemas.microsoft.com/office/drawing/2014/main" id="{76244B43-9E69-4F23-9AD7-C79615969921}"/>
+          <p:cNvPr id="8" name="Grafik 7">
+            <a:extLst>
+              <a:ext uri="{FF2B5EF4-FFF2-40B4-BE49-F238E27FC236}">
+                <a16:creationId xmlns:a16="http://schemas.microsoft.com/office/drawing/2014/main" id="{0DFE0BE2-DBAD-43B4-8C9D-86A52F855DBF}"/>
               </a:ext>
             </a:extLst>
           </p:cNvPr>
@@ -17955,8 +13539,8 @@
         </p:blipFill>
         <p:spPr>
           <a:xfrm>
-            <a:off x="1496607" y="4558963"/>
-            <a:ext cx="7868748" cy="1133633"/>
+            <a:off x="1102011" y="2059728"/>
+            <a:ext cx="7947609" cy="3891777"/>
           </a:xfrm>
           <a:prstGeom prst="rect">
             <a:avLst/>
@@ -17966,7 +13550,7 @@
     </p:spTree>
     <p:extLst>
       <p:ext uri="{BB962C8B-B14F-4D97-AF65-F5344CB8AC3E}">
-        <p14:creationId xmlns:p14="http://schemas.microsoft.com/office/powerpoint/2010/main" val="588677708"/>
+        <p14:creationId xmlns:p14="http://schemas.microsoft.com/office/powerpoint/2010/main" val="140145594"/>
       </p:ext>
     </p:extLst>
   </p:cSld>
@@ -18176,7 +13760,7 @@
         <p:spPr>
           <a:xfrm>
             <a:off x="485190" y="1154923"/>
-            <a:ext cx="4945791" cy="1323439"/>
+            <a:ext cx="7947609" cy="1323439"/>
           </a:xfrm>
           <a:prstGeom prst="rect">
             <a:avLst/>
@@ -18191,7 +13775,7 @@
           <a:p>
             <a:r>
               <a:rPr lang="de-DE" sz="2000" b="1" dirty="0"/>
-              <a:t>3. Tests</a:t>
+              <a:t>3.1 Generelle Container [String]</a:t>
             </a:r>
           </a:p>
           <a:p>
@@ -18211,10 +13795,10 @@
       </p:sp>
       <p:sp>
         <p:nvSpPr>
-          <p:cNvPr id="9" name="Textfeld 8">
-            <a:extLst>
-              <a:ext uri="{FF2B5EF4-FFF2-40B4-BE49-F238E27FC236}">
-                <a16:creationId xmlns:a16="http://schemas.microsoft.com/office/drawing/2014/main" id="{105407A1-FCD8-4DB9-8051-366A6497ED37}"/>
+          <p:cNvPr id="3" name="Textfeld 2">
+            <a:extLst>
+              <a:ext uri="{FF2B5EF4-FFF2-40B4-BE49-F238E27FC236}">
+                <a16:creationId xmlns:a16="http://schemas.microsoft.com/office/drawing/2014/main" id="{B616C74B-1A1C-4612-8D7A-608508876D6B}"/>
               </a:ext>
             </a:extLst>
           </p:cNvPr>
@@ -18223,8 +13807,43 @@
         </p:nvSpPr>
         <p:spPr>
           <a:xfrm>
-            <a:off x="1085461" y="1739968"/>
-            <a:ext cx="10021077" cy="1247008"/>
+            <a:off x="933061" y="1678143"/>
+            <a:ext cx="4152123" cy="369332"/>
+          </a:xfrm>
+          <a:prstGeom prst="rect">
+            <a:avLst/>
+          </a:prstGeom>
+          <a:noFill/>
+        </p:spPr>
+        <p:txBody>
+          <a:bodyPr wrap="square" rtlCol="0">
+            <a:spAutoFit/>
+          </a:bodyPr>
+          <a:lstStyle/>
+          <a:p>
+            <a:r>
+              <a:rPr lang="de-DE" dirty="0"/>
+              <a:t>String [Beispiel 1/2]:</a:t>
+            </a:r>
+          </a:p>
+        </p:txBody>
+      </p:sp>
+      <p:sp>
+        <p:nvSpPr>
+          <p:cNvPr id="11" name="Textfeld 10">
+            <a:extLst>
+              <a:ext uri="{FF2B5EF4-FFF2-40B4-BE49-F238E27FC236}">
+                <a16:creationId xmlns:a16="http://schemas.microsoft.com/office/drawing/2014/main" id="{24B508F8-733A-43EF-9B1C-791EC1949295}"/>
+              </a:ext>
+            </a:extLst>
+          </p:cNvPr>
+          <p:cNvSpPr txBox="1"/>
+          <p:nvPr/>
+        </p:nvSpPr>
+        <p:spPr>
+          <a:xfrm>
+            <a:off x="461345" y="2309582"/>
+            <a:ext cx="6100618" cy="2852063"/>
           </a:xfrm>
           <a:prstGeom prst="rect">
             <a:avLst/>
@@ -18238,89 +13857,667 @@
           <a:lstStyle/>
           <a:p>
             <a:pPr>
-              <a:lnSpc>
-                <a:spcPct val="200000"/>
-              </a:lnSpc>
+              <a:spcAft>
+                <a:spcPts val="800"/>
+              </a:spcAft>
             </a:pPr>
             <a:r>
-              <a:rPr lang="de-DE" sz="1600" b="1" dirty="0">
-                <a:solidFill>
-                  <a:srgbClr val="000000"/>
-                </a:solidFill>
-                <a:latin typeface="+mj-lt"/>
-              </a:rPr>
-              <a:t>Memory leak:</a:t>
-            </a:r>
-          </a:p>
-          <a:p>
-            <a:r>
-              <a:rPr lang="de-DE" sz="1600" dirty="0">
-                <a:solidFill>
-                  <a:srgbClr val="000000"/>
-                </a:solidFill>
-                <a:latin typeface="+mj-lt"/>
-              </a:rPr>
-              <a:t>Unser Projekt wurde vollständig auf Memory Leaks geprüft.</a:t>
-            </a:r>
-            <a:endParaRPr lang="de-DE" sz="1600" b="1" dirty="0">
-              <a:solidFill>
-                <a:srgbClr val="000000"/>
-              </a:solidFill>
-              <a:latin typeface="+mj-lt"/>
+              <a:rPr lang="de-DE" sz="1400" dirty="0">
+                <a:solidFill>
+                  <a:srgbClr val="000000"/>
+                </a:solidFill>
+                <a:effectLst/>
+                <a:latin typeface="Consolas" panose="020B0609020204030204" pitchFamily="49" charset="0"/>
+                <a:ea typeface="Calibri" panose="020F0502020204030204" pitchFamily="34" charset="0"/>
+                <a:cs typeface="Consolas" panose="020B0609020204030204" pitchFamily="49" charset="0"/>
+              </a:rPr>
+              <a:t>	</a:t>
+            </a:r>
+            <a:r>
+              <a:rPr lang="de-DE" sz="1400" dirty="0" err="1">
+                <a:solidFill>
+                  <a:srgbClr val="0000FF"/>
+                </a:solidFill>
+                <a:effectLst/>
+                <a:latin typeface="Consolas" panose="020B0609020204030204" pitchFamily="49" charset="0"/>
+                <a:ea typeface="Calibri" panose="020F0502020204030204" pitchFamily="34" charset="0"/>
+                <a:cs typeface="Consolas" panose="020B0609020204030204" pitchFamily="49" charset="0"/>
+              </a:rPr>
+              <a:t>char</a:t>
+            </a:r>
+            <a:r>
+              <a:rPr lang="de-DE" sz="1400" dirty="0">
+                <a:solidFill>
+                  <a:srgbClr val="000000"/>
+                </a:solidFill>
+                <a:effectLst/>
+                <a:latin typeface="Consolas" panose="020B0609020204030204" pitchFamily="49" charset="0"/>
+                <a:ea typeface="Calibri" panose="020F0502020204030204" pitchFamily="34" charset="0"/>
+                <a:cs typeface="Consolas" panose="020B0609020204030204" pitchFamily="49" charset="0"/>
+              </a:rPr>
+              <a:t>* </a:t>
+            </a:r>
+            <a:r>
+              <a:rPr lang="de-DE" sz="1400" dirty="0" err="1">
+                <a:solidFill>
+                  <a:srgbClr val="000000"/>
+                </a:solidFill>
+                <a:effectLst/>
+                <a:latin typeface="Consolas" panose="020B0609020204030204" pitchFamily="49" charset="0"/>
+                <a:ea typeface="Calibri" panose="020F0502020204030204" pitchFamily="34" charset="0"/>
+                <a:cs typeface="Consolas" panose="020B0609020204030204" pitchFamily="49" charset="0"/>
+              </a:rPr>
+              <a:t>testChar</a:t>
+            </a:r>
+            <a:r>
+              <a:rPr lang="de-DE" sz="1400" dirty="0">
+                <a:solidFill>
+                  <a:srgbClr val="000000"/>
+                </a:solidFill>
+                <a:effectLst/>
+                <a:latin typeface="Consolas" panose="020B0609020204030204" pitchFamily="49" charset="0"/>
+                <a:ea typeface="Calibri" panose="020F0502020204030204" pitchFamily="34" charset="0"/>
+                <a:cs typeface="Consolas" panose="020B0609020204030204" pitchFamily="49" charset="0"/>
+              </a:rPr>
+              <a:t> = </a:t>
+            </a:r>
+            <a:r>
+              <a:rPr lang="de-DE" sz="1400" dirty="0" err="1">
+                <a:solidFill>
+                  <a:srgbClr val="483D8B"/>
+                </a:solidFill>
+                <a:effectLst/>
+                <a:latin typeface="Consolas" panose="020B0609020204030204" pitchFamily="49" charset="0"/>
+                <a:ea typeface="Calibri" panose="020F0502020204030204" pitchFamily="34" charset="0"/>
+                <a:cs typeface="Consolas" panose="020B0609020204030204" pitchFamily="49" charset="0"/>
+              </a:rPr>
+              <a:t>calloc</a:t>
+            </a:r>
+            <a:r>
+              <a:rPr lang="de-DE" sz="1400" dirty="0">
+                <a:solidFill>
+                  <a:srgbClr val="000000"/>
+                </a:solidFill>
+                <a:effectLst/>
+                <a:latin typeface="Consolas" panose="020B0609020204030204" pitchFamily="49" charset="0"/>
+                <a:ea typeface="Calibri" panose="020F0502020204030204" pitchFamily="34" charset="0"/>
+                <a:cs typeface="Consolas" panose="020B0609020204030204" pitchFamily="49" charset="0"/>
+              </a:rPr>
+              <a:t>(12, </a:t>
+            </a:r>
+            <a:r>
+              <a:rPr lang="de-DE" sz="1400" dirty="0" err="1">
+                <a:solidFill>
+                  <a:srgbClr val="0000FF"/>
+                </a:solidFill>
+                <a:effectLst/>
+                <a:latin typeface="Consolas" panose="020B0609020204030204" pitchFamily="49" charset="0"/>
+                <a:ea typeface="Calibri" panose="020F0502020204030204" pitchFamily="34" charset="0"/>
+                <a:cs typeface="Consolas" panose="020B0609020204030204" pitchFamily="49" charset="0"/>
+              </a:rPr>
+              <a:t>sizeof</a:t>
+            </a:r>
+            <a:r>
+              <a:rPr lang="de-DE" sz="1400" dirty="0">
+                <a:solidFill>
+                  <a:srgbClr val="000000"/>
+                </a:solidFill>
+                <a:effectLst/>
+                <a:latin typeface="Consolas" panose="020B0609020204030204" pitchFamily="49" charset="0"/>
+                <a:ea typeface="Calibri" panose="020F0502020204030204" pitchFamily="34" charset="0"/>
+                <a:cs typeface="Consolas" panose="020B0609020204030204" pitchFamily="49" charset="0"/>
+              </a:rPr>
+              <a:t>(</a:t>
+            </a:r>
+            <a:r>
+              <a:rPr lang="de-DE" sz="1400" dirty="0" err="1">
+                <a:solidFill>
+                  <a:srgbClr val="0000FF"/>
+                </a:solidFill>
+                <a:effectLst/>
+                <a:latin typeface="Consolas" panose="020B0609020204030204" pitchFamily="49" charset="0"/>
+                <a:ea typeface="Calibri" panose="020F0502020204030204" pitchFamily="34" charset="0"/>
+                <a:cs typeface="Consolas" panose="020B0609020204030204" pitchFamily="49" charset="0"/>
+              </a:rPr>
+              <a:t>char</a:t>
+            </a:r>
+            <a:r>
+              <a:rPr lang="de-DE" sz="1400" dirty="0">
+                <a:solidFill>
+                  <a:srgbClr val="000000"/>
+                </a:solidFill>
+                <a:effectLst/>
+                <a:latin typeface="Consolas" panose="020B0609020204030204" pitchFamily="49" charset="0"/>
+                <a:ea typeface="Calibri" panose="020F0502020204030204" pitchFamily="34" charset="0"/>
+                <a:cs typeface="Consolas" panose="020B0609020204030204" pitchFamily="49" charset="0"/>
+              </a:rPr>
+              <a:t>));</a:t>
+            </a:r>
+            <a:endParaRPr lang="de-DE" sz="1400" dirty="0">
+              <a:effectLst/>
+              <a:latin typeface="Calibri" panose="020F0502020204030204" pitchFamily="34" charset="0"/>
+              <a:ea typeface="Calibri" panose="020F0502020204030204" pitchFamily="34" charset="0"/>
+              <a:cs typeface="Times New Roman" panose="02020603050405020304" pitchFamily="18" charset="0"/>
             </a:endParaRPr>
           </a:p>
           <a:p>
             <a:pPr>
-              <a:lnSpc>
-                <a:spcPct val="200000"/>
-              </a:lnSpc>
+              <a:spcAft>
+                <a:spcPts val="800"/>
+              </a:spcAft>
             </a:pPr>
             <a:r>
-              <a:rPr lang="de-DE" sz="1600" b="1" dirty="0">
-                <a:solidFill>
-                  <a:srgbClr val="000000"/>
-                </a:solidFill>
-                <a:latin typeface="+mj-lt"/>
-              </a:rPr>
-              <a:t>Unsere Tests:</a:t>
-            </a:r>
-          </a:p>
-        </p:txBody>
-      </p:sp>
-      <p:pic>
-        <p:nvPicPr>
-          <p:cNvPr id="3" name="Grafik 2">
-            <a:extLst>
-              <a:ext uri="{FF2B5EF4-FFF2-40B4-BE49-F238E27FC236}">
-                <a16:creationId xmlns:a16="http://schemas.microsoft.com/office/drawing/2014/main" id="{02FF0FAB-7B84-4149-AE0C-DFA7DF373C07}"/>
-              </a:ext>
-            </a:extLst>
-          </p:cNvPr>
-          <p:cNvPicPr>
-            <a:picLocks noChangeAspect="1"/>
-          </p:cNvPicPr>
-          <p:nvPr/>
-        </p:nvPicPr>
-        <p:blipFill>
-          <a:blip r:embed="rId2"/>
-          <a:stretch>
-            <a:fillRect/>
-          </a:stretch>
-        </p:blipFill>
-        <p:spPr>
-          <a:xfrm>
-            <a:off x="1412977" y="3063407"/>
-            <a:ext cx="4683022" cy="2945657"/>
-          </a:xfrm>
-          <a:prstGeom prst="rect">
-            <a:avLst/>
-          </a:prstGeom>
-        </p:spPr>
-      </p:pic>
+              <a:rPr lang="de-DE" sz="1400" dirty="0">
+                <a:solidFill>
+                  <a:srgbClr val="000000"/>
+                </a:solidFill>
+                <a:effectLst/>
+                <a:latin typeface="Consolas" panose="020B0609020204030204" pitchFamily="49" charset="0"/>
+                <a:ea typeface="Calibri" panose="020F0502020204030204" pitchFamily="34" charset="0"/>
+                <a:cs typeface="Consolas" panose="020B0609020204030204" pitchFamily="49" charset="0"/>
+              </a:rPr>
+              <a:t>	</a:t>
+            </a:r>
+            <a:r>
+              <a:rPr lang="de-DE" sz="1400" dirty="0" err="1">
+                <a:solidFill>
+                  <a:srgbClr val="483D8B"/>
+                </a:solidFill>
+                <a:effectLst/>
+                <a:latin typeface="Consolas" panose="020B0609020204030204" pitchFamily="49" charset="0"/>
+                <a:ea typeface="Calibri" panose="020F0502020204030204" pitchFamily="34" charset="0"/>
+                <a:cs typeface="Consolas" panose="020B0609020204030204" pitchFamily="49" charset="0"/>
+              </a:rPr>
+              <a:t>memcpy</a:t>
+            </a:r>
+            <a:r>
+              <a:rPr lang="de-DE" sz="1400" dirty="0">
+                <a:solidFill>
+                  <a:srgbClr val="000000"/>
+                </a:solidFill>
+                <a:effectLst/>
+                <a:latin typeface="Consolas" panose="020B0609020204030204" pitchFamily="49" charset="0"/>
+                <a:ea typeface="Calibri" panose="020F0502020204030204" pitchFamily="34" charset="0"/>
+                <a:cs typeface="Consolas" panose="020B0609020204030204" pitchFamily="49" charset="0"/>
+              </a:rPr>
+              <a:t>(</a:t>
+            </a:r>
+            <a:r>
+              <a:rPr lang="de-DE" sz="1400" dirty="0" err="1">
+                <a:solidFill>
+                  <a:srgbClr val="000000"/>
+                </a:solidFill>
+                <a:effectLst/>
+                <a:latin typeface="Consolas" panose="020B0609020204030204" pitchFamily="49" charset="0"/>
+                <a:ea typeface="Calibri" panose="020F0502020204030204" pitchFamily="34" charset="0"/>
+                <a:cs typeface="Consolas" panose="020B0609020204030204" pitchFamily="49" charset="0"/>
+              </a:rPr>
+              <a:t>testChar</a:t>
+            </a:r>
+            <a:r>
+              <a:rPr lang="de-DE" sz="1400" dirty="0">
+                <a:solidFill>
+                  <a:srgbClr val="000000"/>
+                </a:solidFill>
+                <a:effectLst/>
+                <a:latin typeface="Consolas" panose="020B0609020204030204" pitchFamily="49" charset="0"/>
+                <a:ea typeface="Calibri" panose="020F0502020204030204" pitchFamily="34" charset="0"/>
+                <a:cs typeface="Consolas" panose="020B0609020204030204" pitchFamily="49" charset="0"/>
+              </a:rPr>
+              <a:t>, </a:t>
+            </a:r>
+            <a:r>
+              <a:rPr lang="de-DE" sz="1400" dirty="0">
+                <a:solidFill>
+                  <a:srgbClr val="A31515"/>
+                </a:solidFill>
+                <a:effectLst/>
+                <a:latin typeface="Consolas" panose="020B0609020204030204" pitchFamily="49" charset="0"/>
+                <a:ea typeface="Calibri" panose="020F0502020204030204" pitchFamily="34" charset="0"/>
+                <a:cs typeface="Consolas" panose="020B0609020204030204" pitchFamily="49" charset="0"/>
+              </a:rPr>
+              <a:t>"Test String"</a:t>
+            </a:r>
+            <a:r>
+              <a:rPr lang="de-DE" sz="1400" dirty="0">
+                <a:solidFill>
+                  <a:srgbClr val="000000"/>
+                </a:solidFill>
+                <a:effectLst/>
+                <a:latin typeface="Consolas" panose="020B0609020204030204" pitchFamily="49" charset="0"/>
+                <a:ea typeface="Calibri" panose="020F0502020204030204" pitchFamily="34" charset="0"/>
+                <a:cs typeface="Consolas" panose="020B0609020204030204" pitchFamily="49" charset="0"/>
+              </a:rPr>
+              <a:t>, 11 * </a:t>
+            </a:r>
+            <a:r>
+              <a:rPr lang="de-DE" sz="1400" dirty="0" err="1">
+                <a:solidFill>
+                  <a:srgbClr val="0000FF"/>
+                </a:solidFill>
+                <a:effectLst/>
+                <a:latin typeface="Consolas" panose="020B0609020204030204" pitchFamily="49" charset="0"/>
+                <a:ea typeface="Calibri" panose="020F0502020204030204" pitchFamily="34" charset="0"/>
+                <a:cs typeface="Consolas" panose="020B0609020204030204" pitchFamily="49" charset="0"/>
+              </a:rPr>
+              <a:t>sizeof</a:t>
+            </a:r>
+            <a:r>
+              <a:rPr lang="de-DE" sz="1400" dirty="0">
+                <a:solidFill>
+                  <a:srgbClr val="000000"/>
+                </a:solidFill>
+                <a:effectLst/>
+                <a:latin typeface="Consolas" panose="020B0609020204030204" pitchFamily="49" charset="0"/>
+                <a:ea typeface="Calibri" panose="020F0502020204030204" pitchFamily="34" charset="0"/>
+                <a:cs typeface="Consolas" panose="020B0609020204030204" pitchFamily="49" charset="0"/>
+              </a:rPr>
+              <a:t>(</a:t>
+            </a:r>
+            <a:r>
+              <a:rPr lang="de-DE" sz="1400" dirty="0" err="1">
+                <a:solidFill>
+                  <a:srgbClr val="0000FF"/>
+                </a:solidFill>
+                <a:effectLst/>
+                <a:latin typeface="Consolas" panose="020B0609020204030204" pitchFamily="49" charset="0"/>
+                <a:ea typeface="Calibri" panose="020F0502020204030204" pitchFamily="34" charset="0"/>
+                <a:cs typeface="Consolas" panose="020B0609020204030204" pitchFamily="49" charset="0"/>
+              </a:rPr>
+              <a:t>char</a:t>
+            </a:r>
+            <a:r>
+              <a:rPr lang="de-DE" sz="1400" dirty="0">
+                <a:solidFill>
+                  <a:srgbClr val="000000"/>
+                </a:solidFill>
+                <a:effectLst/>
+                <a:latin typeface="Consolas" panose="020B0609020204030204" pitchFamily="49" charset="0"/>
+                <a:ea typeface="Calibri" panose="020F0502020204030204" pitchFamily="34" charset="0"/>
+                <a:cs typeface="Consolas" panose="020B0609020204030204" pitchFamily="49" charset="0"/>
+              </a:rPr>
+              <a:t>));</a:t>
+            </a:r>
+            <a:endParaRPr lang="de-DE" sz="1400" dirty="0">
+              <a:effectLst/>
+              <a:latin typeface="Calibri" panose="020F0502020204030204" pitchFamily="34" charset="0"/>
+              <a:ea typeface="Calibri" panose="020F0502020204030204" pitchFamily="34" charset="0"/>
+              <a:cs typeface="Times New Roman" panose="02020603050405020304" pitchFamily="18" charset="0"/>
+            </a:endParaRPr>
+          </a:p>
+          <a:p>
+            <a:pPr>
+              <a:spcAft>
+                <a:spcPts val="800"/>
+              </a:spcAft>
+            </a:pPr>
+            <a:r>
+              <a:rPr lang="de-DE" sz="1400" dirty="0">
+                <a:solidFill>
+                  <a:srgbClr val="000000"/>
+                </a:solidFill>
+                <a:effectLst/>
+                <a:latin typeface="Consolas" panose="020B0609020204030204" pitchFamily="49" charset="0"/>
+                <a:ea typeface="Calibri" panose="020F0502020204030204" pitchFamily="34" charset="0"/>
+                <a:cs typeface="Consolas" panose="020B0609020204030204" pitchFamily="49" charset="0"/>
+              </a:rPr>
+              <a:t> </a:t>
+            </a:r>
+            <a:endParaRPr lang="de-DE" sz="1400" dirty="0">
+              <a:effectLst/>
+              <a:latin typeface="Calibri" panose="020F0502020204030204" pitchFamily="34" charset="0"/>
+              <a:ea typeface="Calibri" panose="020F0502020204030204" pitchFamily="34" charset="0"/>
+              <a:cs typeface="Times New Roman" panose="02020603050405020304" pitchFamily="18" charset="0"/>
+            </a:endParaRPr>
+          </a:p>
+          <a:p>
+            <a:pPr>
+              <a:spcAft>
+                <a:spcPts val="800"/>
+              </a:spcAft>
+            </a:pPr>
+            <a:r>
+              <a:rPr lang="de-DE" sz="1400" dirty="0">
+                <a:solidFill>
+                  <a:srgbClr val="000000"/>
+                </a:solidFill>
+                <a:effectLst/>
+                <a:latin typeface="Consolas" panose="020B0609020204030204" pitchFamily="49" charset="0"/>
+                <a:ea typeface="Calibri" panose="020F0502020204030204" pitchFamily="34" charset="0"/>
+                <a:cs typeface="Consolas" panose="020B0609020204030204" pitchFamily="49" charset="0"/>
+              </a:rPr>
+              <a:t>	</a:t>
+            </a:r>
+            <a:r>
+              <a:rPr lang="de-DE" sz="1400" dirty="0">
+                <a:solidFill>
+                  <a:srgbClr val="008B8B"/>
+                </a:solidFill>
+                <a:effectLst/>
+                <a:latin typeface="Consolas" panose="020B0609020204030204" pitchFamily="49" charset="0"/>
+                <a:ea typeface="Calibri" panose="020F0502020204030204" pitchFamily="34" charset="0"/>
+                <a:cs typeface="Consolas" panose="020B0609020204030204" pitchFamily="49" charset="0"/>
+              </a:rPr>
+              <a:t>String</a:t>
+            </a:r>
+            <a:r>
+              <a:rPr lang="de-DE" sz="1400" dirty="0">
+                <a:solidFill>
+                  <a:srgbClr val="000000"/>
+                </a:solidFill>
+                <a:effectLst/>
+                <a:latin typeface="Consolas" panose="020B0609020204030204" pitchFamily="49" charset="0"/>
+                <a:ea typeface="Calibri" panose="020F0502020204030204" pitchFamily="34" charset="0"/>
+                <a:cs typeface="Consolas" panose="020B0609020204030204" pitchFamily="49" charset="0"/>
+              </a:rPr>
+              <a:t> </a:t>
+            </a:r>
+            <a:r>
+              <a:rPr lang="de-DE" sz="1400" dirty="0" err="1">
+                <a:solidFill>
+                  <a:srgbClr val="000000"/>
+                </a:solidFill>
+                <a:effectLst/>
+                <a:latin typeface="Consolas" panose="020B0609020204030204" pitchFamily="49" charset="0"/>
+                <a:ea typeface="Calibri" panose="020F0502020204030204" pitchFamily="34" charset="0"/>
+                <a:cs typeface="Consolas" panose="020B0609020204030204" pitchFamily="49" charset="0"/>
+              </a:rPr>
+              <a:t>testString</a:t>
+            </a:r>
+            <a:r>
+              <a:rPr lang="de-DE" sz="1400" dirty="0">
+                <a:solidFill>
+                  <a:srgbClr val="000000"/>
+                </a:solidFill>
+                <a:effectLst/>
+                <a:latin typeface="Consolas" panose="020B0609020204030204" pitchFamily="49" charset="0"/>
+                <a:ea typeface="Calibri" panose="020F0502020204030204" pitchFamily="34" charset="0"/>
+                <a:cs typeface="Consolas" panose="020B0609020204030204" pitchFamily="49" charset="0"/>
+              </a:rPr>
+              <a:t> = </a:t>
+            </a:r>
+            <a:r>
+              <a:rPr lang="de-DE" sz="1400" dirty="0">
+                <a:solidFill>
+                  <a:srgbClr val="6F008A"/>
+                </a:solidFill>
+                <a:effectLst/>
+                <a:latin typeface="Consolas" panose="020B0609020204030204" pitchFamily="49" charset="0"/>
+                <a:ea typeface="Calibri" panose="020F0502020204030204" pitchFamily="34" charset="0"/>
+                <a:cs typeface="Consolas" panose="020B0609020204030204" pitchFamily="49" charset="0"/>
+              </a:rPr>
+              <a:t>EMPTYSTRING</a:t>
+            </a:r>
+            <a:r>
+              <a:rPr lang="de-DE" sz="1400" dirty="0">
+                <a:solidFill>
+                  <a:srgbClr val="000000"/>
+                </a:solidFill>
+                <a:effectLst/>
+                <a:latin typeface="Consolas" panose="020B0609020204030204" pitchFamily="49" charset="0"/>
+                <a:ea typeface="Calibri" panose="020F0502020204030204" pitchFamily="34" charset="0"/>
+                <a:cs typeface="Consolas" panose="020B0609020204030204" pitchFamily="49" charset="0"/>
+              </a:rPr>
+              <a:t>;</a:t>
+            </a:r>
+            <a:endParaRPr lang="de-DE" sz="1400" dirty="0">
+              <a:effectLst/>
+              <a:latin typeface="Calibri" panose="020F0502020204030204" pitchFamily="34" charset="0"/>
+              <a:ea typeface="Calibri" panose="020F0502020204030204" pitchFamily="34" charset="0"/>
+              <a:cs typeface="Times New Roman" panose="02020603050405020304" pitchFamily="18" charset="0"/>
+            </a:endParaRPr>
+          </a:p>
+          <a:p>
+            <a:pPr>
+              <a:spcAft>
+                <a:spcPts val="800"/>
+              </a:spcAft>
+            </a:pPr>
+            <a:r>
+              <a:rPr lang="de-DE" sz="1400" dirty="0">
+                <a:solidFill>
+                  <a:srgbClr val="000000"/>
+                </a:solidFill>
+                <a:effectLst/>
+                <a:latin typeface="Consolas" panose="020B0609020204030204" pitchFamily="49" charset="0"/>
+                <a:ea typeface="Calibri" panose="020F0502020204030204" pitchFamily="34" charset="0"/>
+                <a:cs typeface="Consolas" panose="020B0609020204030204" pitchFamily="49" charset="0"/>
+              </a:rPr>
+              <a:t> </a:t>
+            </a:r>
+            <a:endParaRPr lang="de-DE" sz="1400" dirty="0">
+              <a:effectLst/>
+              <a:latin typeface="Calibri" panose="020F0502020204030204" pitchFamily="34" charset="0"/>
+              <a:ea typeface="Calibri" panose="020F0502020204030204" pitchFamily="34" charset="0"/>
+              <a:cs typeface="Times New Roman" panose="02020603050405020304" pitchFamily="18" charset="0"/>
+            </a:endParaRPr>
+          </a:p>
+          <a:p>
+            <a:pPr>
+              <a:spcAft>
+                <a:spcPts val="800"/>
+              </a:spcAft>
+            </a:pPr>
+            <a:r>
+              <a:rPr lang="de-DE" sz="1400" dirty="0">
+                <a:solidFill>
+                  <a:srgbClr val="000000"/>
+                </a:solidFill>
+                <a:effectLst/>
+                <a:latin typeface="Consolas" panose="020B0609020204030204" pitchFamily="49" charset="0"/>
+                <a:ea typeface="Calibri" panose="020F0502020204030204" pitchFamily="34" charset="0"/>
+                <a:cs typeface="Consolas" panose="020B0609020204030204" pitchFamily="49" charset="0"/>
+              </a:rPr>
+              <a:t>	</a:t>
+            </a:r>
+            <a:r>
+              <a:rPr lang="de-DE" sz="1400" dirty="0" err="1">
+                <a:solidFill>
+                  <a:srgbClr val="483D8B"/>
+                </a:solidFill>
+                <a:effectLst/>
+                <a:latin typeface="Consolas" panose="020B0609020204030204" pitchFamily="49" charset="0"/>
+                <a:ea typeface="Calibri" panose="020F0502020204030204" pitchFamily="34" charset="0"/>
+                <a:cs typeface="Consolas" panose="020B0609020204030204" pitchFamily="49" charset="0"/>
+              </a:rPr>
+              <a:t>StringInitialize</a:t>
+            </a:r>
+            <a:r>
+              <a:rPr lang="de-DE" sz="1400" dirty="0">
+                <a:solidFill>
+                  <a:srgbClr val="000000"/>
+                </a:solidFill>
+                <a:effectLst/>
+                <a:latin typeface="Consolas" panose="020B0609020204030204" pitchFamily="49" charset="0"/>
+                <a:ea typeface="Calibri" panose="020F0502020204030204" pitchFamily="34" charset="0"/>
+                <a:cs typeface="Consolas" panose="020B0609020204030204" pitchFamily="49" charset="0"/>
+              </a:rPr>
+              <a:t>(&amp;</a:t>
+            </a:r>
+            <a:r>
+              <a:rPr lang="de-DE" sz="1400" dirty="0" err="1">
+                <a:solidFill>
+                  <a:srgbClr val="000000"/>
+                </a:solidFill>
+                <a:effectLst/>
+                <a:latin typeface="Consolas" panose="020B0609020204030204" pitchFamily="49" charset="0"/>
+                <a:ea typeface="Calibri" panose="020F0502020204030204" pitchFamily="34" charset="0"/>
+                <a:cs typeface="Consolas" panose="020B0609020204030204" pitchFamily="49" charset="0"/>
+              </a:rPr>
+              <a:t>testString</a:t>
+            </a:r>
+            <a:r>
+              <a:rPr lang="de-DE" sz="1400" dirty="0">
+                <a:solidFill>
+                  <a:srgbClr val="000000"/>
+                </a:solidFill>
+                <a:effectLst/>
+                <a:latin typeface="Consolas" panose="020B0609020204030204" pitchFamily="49" charset="0"/>
+                <a:ea typeface="Calibri" panose="020F0502020204030204" pitchFamily="34" charset="0"/>
+                <a:cs typeface="Consolas" panose="020B0609020204030204" pitchFamily="49" charset="0"/>
+              </a:rPr>
+              <a:t>, </a:t>
+            </a:r>
+            <a:r>
+              <a:rPr lang="de-DE" sz="1400" dirty="0" err="1">
+                <a:solidFill>
+                  <a:srgbClr val="000000"/>
+                </a:solidFill>
+                <a:effectLst/>
+                <a:latin typeface="Consolas" panose="020B0609020204030204" pitchFamily="49" charset="0"/>
+                <a:ea typeface="Calibri" panose="020F0502020204030204" pitchFamily="34" charset="0"/>
+                <a:cs typeface="Consolas" panose="020B0609020204030204" pitchFamily="49" charset="0"/>
+              </a:rPr>
+              <a:t>testChar</a:t>
+            </a:r>
+            <a:r>
+              <a:rPr lang="de-DE" sz="1400" dirty="0">
+                <a:solidFill>
+                  <a:srgbClr val="000000"/>
+                </a:solidFill>
+                <a:effectLst/>
+                <a:latin typeface="Consolas" panose="020B0609020204030204" pitchFamily="49" charset="0"/>
+                <a:ea typeface="Calibri" panose="020F0502020204030204" pitchFamily="34" charset="0"/>
+                <a:cs typeface="Consolas" panose="020B0609020204030204" pitchFamily="49" charset="0"/>
+              </a:rPr>
+              <a:t>);</a:t>
+            </a:r>
+            <a:endParaRPr lang="de-DE" sz="1400" dirty="0">
+              <a:effectLst/>
+              <a:latin typeface="Calibri" panose="020F0502020204030204" pitchFamily="34" charset="0"/>
+              <a:ea typeface="Calibri" panose="020F0502020204030204" pitchFamily="34" charset="0"/>
+              <a:cs typeface="Times New Roman" panose="02020603050405020304" pitchFamily="18" charset="0"/>
+            </a:endParaRPr>
+          </a:p>
+          <a:p>
+            <a:pPr>
+              <a:spcAft>
+                <a:spcPts val="800"/>
+              </a:spcAft>
+            </a:pPr>
+            <a:r>
+              <a:rPr lang="de-DE" sz="1400" dirty="0">
+                <a:solidFill>
+                  <a:srgbClr val="000000"/>
+                </a:solidFill>
+                <a:effectLst/>
+                <a:latin typeface="Consolas" panose="020B0609020204030204" pitchFamily="49" charset="0"/>
+                <a:ea typeface="Calibri" panose="020F0502020204030204" pitchFamily="34" charset="0"/>
+                <a:cs typeface="Consolas" panose="020B0609020204030204" pitchFamily="49" charset="0"/>
+              </a:rPr>
+              <a:t> </a:t>
+            </a:r>
+            <a:endParaRPr lang="de-DE" sz="1400" dirty="0">
+              <a:effectLst/>
+              <a:latin typeface="Calibri" panose="020F0502020204030204" pitchFamily="34" charset="0"/>
+              <a:ea typeface="Calibri" panose="020F0502020204030204" pitchFamily="34" charset="0"/>
+              <a:cs typeface="Times New Roman" panose="02020603050405020304" pitchFamily="18" charset="0"/>
+            </a:endParaRPr>
+          </a:p>
+          <a:p>
+            <a:pPr indent="449580">
+              <a:spcAft>
+                <a:spcPts val="800"/>
+              </a:spcAft>
+            </a:pPr>
+            <a:r>
+              <a:rPr lang="de-DE" sz="1400" dirty="0" err="1">
+                <a:solidFill>
+                  <a:srgbClr val="0000FF"/>
+                </a:solidFill>
+                <a:effectLst/>
+                <a:latin typeface="Consolas" panose="020B0609020204030204" pitchFamily="49" charset="0"/>
+                <a:ea typeface="Calibri" panose="020F0502020204030204" pitchFamily="34" charset="0"/>
+                <a:cs typeface="Consolas" panose="020B0609020204030204" pitchFamily="49" charset="0"/>
+              </a:rPr>
+              <a:t>char</a:t>
+            </a:r>
+            <a:r>
+              <a:rPr lang="de-DE" sz="1400" dirty="0">
+                <a:solidFill>
+                  <a:srgbClr val="0000FF"/>
+                </a:solidFill>
+                <a:effectLst/>
+                <a:latin typeface="Consolas" panose="020B0609020204030204" pitchFamily="49" charset="0"/>
+                <a:ea typeface="Calibri" panose="020F0502020204030204" pitchFamily="34" charset="0"/>
+                <a:cs typeface="Consolas" panose="020B0609020204030204" pitchFamily="49" charset="0"/>
+              </a:rPr>
+              <a:t>*</a:t>
+            </a:r>
+            <a:r>
+              <a:rPr lang="de-DE" sz="1400" dirty="0">
+                <a:solidFill>
+                  <a:srgbClr val="000000"/>
+                </a:solidFill>
+                <a:effectLst/>
+                <a:latin typeface="Consolas" panose="020B0609020204030204" pitchFamily="49" charset="0"/>
+                <a:ea typeface="Calibri" panose="020F0502020204030204" pitchFamily="34" charset="0"/>
+                <a:cs typeface="Consolas" panose="020B0609020204030204" pitchFamily="49" charset="0"/>
+              </a:rPr>
+              <a:t> </a:t>
+            </a:r>
+            <a:r>
+              <a:rPr lang="de-DE" sz="1400" dirty="0" err="1">
+                <a:solidFill>
+                  <a:srgbClr val="000000"/>
+                </a:solidFill>
+                <a:effectLst/>
+                <a:latin typeface="Consolas" panose="020B0609020204030204" pitchFamily="49" charset="0"/>
+                <a:ea typeface="Calibri" panose="020F0502020204030204" pitchFamily="34" charset="0"/>
+                <a:cs typeface="Consolas" panose="020B0609020204030204" pitchFamily="49" charset="0"/>
+              </a:rPr>
+              <a:t>outputChar</a:t>
+            </a:r>
+            <a:r>
+              <a:rPr lang="de-DE" sz="1400" dirty="0">
+                <a:solidFill>
+                  <a:srgbClr val="000000"/>
+                </a:solidFill>
+                <a:effectLst/>
+                <a:latin typeface="Consolas" panose="020B0609020204030204" pitchFamily="49" charset="0"/>
+                <a:ea typeface="Calibri" panose="020F0502020204030204" pitchFamily="34" charset="0"/>
+                <a:cs typeface="Consolas" panose="020B0609020204030204" pitchFamily="49" charset="0"/>
+              </a:rPr>
+              <a:t>;</a:t>
+            </a:r>
+            <a:endParaRPr lang="de-DE" sz="1400" dirty="0">
+              <a:effectLst/>
+              <a:latin typeface="Calibri" panose="020F0502020204030204" pitchFamily="34" charset="0"/>
+              <a:ea typeface="Calibri" panose="020F0502020204030204" pitchFamily="34" charset="0"/>
+              <a:cs typeface="Times New Roman" panose="02020603050405020304" pitchFamily="18" charset="0"/>
+            </a:endParaRPr>
+          </a:p>
+          <a:p>
+            <a:pPr>
+              <a:spcAft>
+                <a:spcPts val="800"/>
+              </a:spcAft>
+            </a:pPr>
+            <a:r>
+              <a:rPr lang="de-DE" sz="1400" dirty="0">
+                <a:solidFill>
+                  <a:srgbClr val="000000"/>
+                </a:solidFill>
+                <a:effectLst/>
+                <a:latin typeface="Consolas" panose="020B0609020204030204" pitchFamily="49" charset="0"/>
+                <a:ea typeface="Calibri" panose="020F0502020204030204" pitchFamily="34" charset="0"/>
+                <a:cs typeface="Consolas" panose="020B0609020204030204" pitchFamily="49" charset="0"/>
+              </a:rPr>
+              <a:t>	</a:t>
+            </a:r>
+            <a:endParaRPr lang="de-DE" sz="1400" dirty="0">
+              <a:effectLst/>
+              <a:latin typeface="Calibri" panose="020F0502020204030204" pitchFamily="34" charset="0"/>
+              <a:ea typeface="Calibri" panose="020F0502020204030204" pitchFamily="34" charset="0"/>
+              <a:cs typeface="Times New Roman" panose="02020603050405020304" pitchFamily="18" charset="0"/>
+            </a:endParaRPr>
+          </a:p>
+        </p:txBody>
+      </p:sp>
     </p:spTree>
     <p:extLst>
       <p:ext uri="{BB962C8B-B14F-4D97-AF65-F5344CB8AC3E}">
-        <p14:creationId xmlns:p14="http://schemas.microsoft.com/office/powerpoint/2010/main" val="2145051896"/>
+        <p14:creationId xmlns:p14="http://schemas.microsoft.com/office/powerpoint/2010/main" val="1488618271"/>
       </p:ext>
     </p:extLst>
   </p:cSld>
@@ -18912,7 +15109,7 @@
         <p:spPr>
           <a:xfrm>
             <a:off x="485190" y="1154923"/>
-            <a:ext cx="4945791" cy="1323439"/>
+            <a:ext cx="7947609" cy="1323439"/>
           </a:xfrm>
           <a:prstGeom prst="rect">
             <a:avLst/>
@@ -18927,7 +15124,7 @@
           <a:p>
             <a:r>
               <a:rPr lang="de-DE" sz="2000" b="1" dirty="0"/>
-              <a:t>4. Kompilierung</a:t>
+              <a:t>3.1 Generelle Container [String]</a:t>
             </a:r>
           </a:p>
           <a:p>
@@ -18947,10 +15144,10 @@
       </p:sp>
       <p:sp>
         <p:nvSpPr>
-          <p:cNvPr id="8" name="Textfeld 7">
-            <a:extLst>
-              <a:ext uri="{FF2B5EF4-FFF2-40B4-BE49-F238E27FC236}">
-                <a16:creationId xmlns:a16="http://schemas.microsoft.com/office/drawing/2014/main" id="{4842BEFA-10C3-45C0-8997-167BE0586DAC}"/>
+          <p:cNvPr id="3" name="Textfeld 2">
+            <a:extLst>
+              <a:ext uri="{FF2B5EF4-FFF2-40B4-BE49-F238E27FC236}">
+                <a16:creationId xmlns:a16="http://schemas.microsoft.com/office/drawing/2014/main" id="{B616C74B-1A1C-4612-8D7A-608508876D6B}"/>
               </a:ext>
             </a:extLst>
           </p:cNvPr>
@@ -18959,8 +15156,43 @@
         </p:nvSpPr>
         <p:spPr>
           <a:xfrm>
-            <a:off x="783771" y="1945319"/>
-            <a:ext cx="10021077" cy="3046988"/>
+            <a:off x="933061" y="1678143"/>
+            <a:ext cx="4152123" cy="369332"/>
+          </a:xfrm>
+          <a:prstGeom prst="rect">
+            <a:avLst/>
+          </a:prstGeom>
+          <a:noFill/>
+        </p:spPr>
+        <p:txBody>
+          <a:bodyPr wrap="square" rtlCol="0">
+            <a:spAutoFit/>
+          </a:bodyPr>
+          <a:lstStyle/>
+          <a:p>
+            <a:r>
+              <a:rPr lang="de-DE" dirty="0"/>
+              <a:t>String [Beispiel 2/2]:</a:t>
+            </a:r>
+          </a:p>
+        </p:txBody>
+      </p:sp>
+      <p:sp>
+        <p:nvSpPr>
+          <p:cNvPr id="11" name="Textfeld 10">
+            <a:extLst>
+              <a:ext uri="{FF2B5EF4-FFF2-40B4-BE49-F238E27FC236}">
+                <a16:creationId xmlns:a16="http://schemas.microsoft.com/office/drawing/2014/main" id="{24B508F8-733A-43EF-9B1C-791EC1949295}"/>
+              </a:ext>
+            </a:extLst>
+          </p:cNvPr>
+          <p:cNvSpPr txBox="1"/>
+          <p:nvPr/>
+        </p:nvSpPr>
+        <p:spPr>
+          <a:xfrm>
+            <a:off x="485190" y="2222496"/>
+            <a:ext cx="6100618" cy="4124206"/>
           </a:xfrm>
           <a:prstGeom prst="rect">
             <a:avLst/>
@@ -18973,149 +15205,880 @@
           </a:bodyPr>
           <a:lstStyle/>
           <a:p>
+            <a:pPr indent="449580">
+              <a:spcAft>
+                <a:spcPts val="800"/>
+              </a:spcAft>
+            </a:pPr>
+            <a:r>
+              <a:rPr lang="de-DE" sz="1400" dirty="0">
+                <a:solidFill>
+                  <a:srgbClr val="008000"/>
+                </a:solidFill>
+                <a:effectLst/>
+                <a:latin typeface="Consolas" panose="020B0609020204030204" pitchFamily="49" charset="0"/>
+                <a:ea typeface="Calibri" panose="020F0502020204030204" pitchFamily="34" charset="0"/>
+                <a:cs typeface="Consolas" panose="020B0609020204030204" pitchFamily="49" charset="0"/>
+              </a:rPr>
+              <a:t>//</a:t>
+            </a:r>
+            <a:r>
+              <a:rPr lang="de-DE" sz="1400" dirty="0" err="1">
+                <a:solidFill>
+                  <a:srgbClr val="008000"/>
+                </a:solidFill>
+                <a:effectLst/>
+                <a:latin typeface="Consolas" panose="020B0609020204030204" pitchFamily="49" charset="0"/>
+                <a:ea typeface="Calibri" panose="020F0502020204030204" pitchFamily="34" charset="0"/>
+                <a:cs typeface="Consolas" panose="020B0609020204030204" pitchFamily="49" charset="0"/>
+              </a:rPr>
+              <a:t>Gets</a:t>
+            </a:r>
+            <a:r>
+              <a:rPr lang="de-DE" sz="1400" dirty="0">
+                <a:solidFill>
+                  <a:srgbClr val="000000"/>
+                </a:solidFill>
+                <a:effectLst/>
+                <a:latin typeface="Consolas" panose="020B0609020204030204" pitchFamily="49" charset="0"/>
+                <a:ea typeface="Calibri" panose="020F0502020204030204" pitchFamily="34" charset="0"/>
+                <a:cs typeface="Consolas" panose="020B0609020204030204" pitchFamily="49" charset="0"/>
+              </a:rPr>
+              <a:t> </a:t>
+            </a:r>
+            <a:r>
+              <a:rPr lang="de-DE" sz="1400" dirty="0">
+                <a:solidFill>
+                  <a:srgbClr val="008000"/>
+                </a:solidFill>
+                <a:effectLst/>
+                <a:latin typeface="Consolas" panose="020B0609020204030204" pitchFamily="49" charset="0"/>
+                <a:ea typeface="Calibri" panose="020F0502020204030204" pitchFamily="34" charset="0"/>
+                <a:cs typeface="Consolas" panose="020B0609020204030204" pitchFamily="49" charset="0"/>
+              </a:rPr>
+              <a:t>'t'</a:t>
+            </a:r>
+            <a:endParaRPr lang="de-DE" sz="1400" dirty="0">
+              <a:effectLst/>
+              <a:latin typeface="Calibri" panose="020F0502020204030204" pitchFamily="34" charset="0"/>
+              <a:ea typeface="Calibri" panose="020F0502020204030204" pitchFamily="34" charset="0"/>
+              <a:cs typeface="Times New Roman" panose="02020603050405020304" pitchFamily="18" charset="0"/>
+            </a:endParaRPr>
+          </a:p>
+          <a:p>
+            <a:pPr indent="449580">
+              <a:spcAft>
+                <a:spcPts val="800"/>
+              </a:spcAft>
+            </a:pPr>
+            <a:r>
+              <a:rPr lang="de-DE" sz="1400" dirty="0" err="1">
+                <a:solidFill>
+                  <a:srgbClr val="483D8B"/>
+                </a:solidFill>
+                <a:effectLst/>
+                <a:latin typeface="Consolas" panose="020B0609020204030204" pitchFamily="49" charset="0"/>
+                <a:ea typeface="Calibri" panose="020F0502020204030204" pitchFamily="34" charset="0"/>
+                <a:cs typeface="Consolas" panose="020B0609020204030204" pitchFamily="49" charset="0"/>
+              </a:rPr>
+              <a:t>StringCharGet</a:t>
+            </a:r>
+            <a:r>
+              <a:rPr lang="de-DE" sz="1400" dirty="0">
+                <a:solidFill>
+                  <a:srgbClr val="000000"/>
+                </a:solidFill>
+                <a:effectLst/>
+                <a:latin typeface="Consolas" panose="020B0609020204030204" pitchFamily="49" charset="0"/>
+                <a:ea typeface="Calibri" panose="020F0502020204030204" pitchFamily="34" charset="0"/>
+                <a:cs typeface="Consolas" panose="020B0609020204030204" pitchFamily="49" charset="0"/>
+              </a:rPr>
+              <a:t>(&amp;</a:t>
+            </a:r>
+            <a:r>
+              <a:rPr lang="de-DE" sz="1400" dirty="0" err="1">
+                <a:solidFill>
+                  <a:srgbClr val="000000"/>
+                </a:solidFill>
+                <a:effectLst/>
+                <a:latin typeface="Consolas" panose="020B0609020204030204" pitchFamily="49" charset="0"/>
+                <a:ea typeface="Calibri" panose="020F0502020204030204" pitchFamily="34" charset="0"/>
+                <a:cs typeface="Consolas" panose="020B0609020204030204" pitchFamily="49" charset="0"/>
+              </a:rPr>
+              <a:t>testString</a:t>
+            </a:r>
+            <a:r>
+              <a:rPr lang="de-DE" sz="1400" dirty="0">
+                <a:solidFill>
+                  <a:srgbClr val="000000"/>
+                </a:solidFill>
+                <a:effectLst/>
+                <a:latin typeface="Consolas" panose="020B0609020204030204" pitchFamily="49" charset="0"/>
+                <a:ea typeface="Calibri" panose="020F0502020204030204" pitchFamily="34" charset="0"/>
+                <a:cs typeface="Consolas" panose="020B0609020204030204" pitchFamily="49" charset="0"/>
+              </a:rPr>
+              <a:t>, 3, &amp;</a:t>
+            </a:r>
+            <a:r>
+              <a:rPr lang="de-DE" sz="1400" dirty="0" err="1">
+                <a:solidFill>
+                  <a:srgbClr val="000000"/>
+                </a:solidFill>
+                <a:effectLst/>
+                <a:latin typeface="Consolas" panose="020B0609020204030204" pitchFamily="49" charset="0"/>
+                <a:ea typeface="Calibri" panose="020F0502020204030204" pitchFamily="34" charset="0"/>
+                <a:cs typeface="Consolas" panose="020B0609020204030204" pitchFamily="49" charset="0"/>
+              </a:rPr>
+              <a:t>outputChar</a:t>
+            </a:r>
+            <a:r>
+              <a:rPr lang="de-DE" sz="1400" dirty="0">
+                <a:solidFill>
+                  <a:srgbClr val="000000"/>
+                </a:solidFill>
+                <a:effectLst/>
+                <a:latin typeface="Consolas" panose="020B0609020204030204" pitchFamily="49" charset="0"/>
+                <a:ea typeface="Calibri" panose="020F0502020204030204" pitchFamily="34" charset="0"/>
+                <a:cs typeface="Consolas" panose="020B0609020204030204" pitchFamily="49" charset="0"/>
+              </a:rPr>
+              <a:t>);</a:t>
+            </a:r>
+            <a:endParaRPr lang="de-DE" sz="1400" dirty="0">
+              <a:effectLst/>
+              <a:latin typeface="Calibri" panose="020F0502020204030204" pitchFamily="34" charset="0"/>
+              <a:ea typeface="Calibri" panose="020F0502020204030204" pitchFamily="34" charset="0"/>
+              <a:cs typeface="Times New Roman" panose="02020603050405020304" pitchFamily="18" charset="0"/>
+            </a:endParaRPr>
+          </a:p>
+          <a:p>
+            <a:pPr indent="449580">
+              <a:spcAft>
+                <a:spcPts val="800"/>
+              </a:spcAft>
+            </a:pPr>
+            <a:r>
+              <a:rPr lang="de-DE" sz="1400" dirty="0">
+                <a:solidFill>
+                  <a:srgbClr val="008000"/>
+                </a:solidFill>
+                <a:effectLst/>
+                <a:latin typeface="Consolas" panose="020B0609020204030204" pitchFamily="49" charset="0"/>
+                <a:ea typeface="Calibri" panose="020F0502020204030204" pitchFamily="34" charset="0"/>
+                <a:cs typeface="Consolas" panose="020B0609020204030204" pitchFamily="49" charset="0"/>
+              </a:rPr>
+              <a:t>//</a:t>
+            </a:r>
+            <a:r>
+              <a:rPr lang="de-DE" sz="1400" dirty="0" err="1">
+                <a:solidFill>
+                  <a:srgbClr val="008000"/>
+                </a:solidFill>
+                <a:effectLst/>
+                <a:latin typeface="Consolas" panose="020B0609020204030204" pitchFamily="49" charset="0"/>
+                <a:ea typeface="Calibri" panose="020F0502020204030204" pitchFamily="34" charset="0"/>
+                <a:cs typeface="Consolas" panose="020B0609020204030204" pitchFamily="49" charset="0"/>
+              </a:rPr>
+              <a:t>Adds</a:t>
+            </a:r>
+            <a:r>
+              <a:rPr lang="de-DE" sz="1400" dirty="0">
+                <a:solidFill>
+                  <a:srgbClr val="008000"/>
+                </a:solidFill>
+                <a:effectLst/>
+                <a:latin typeface="Consolas" panose="020B0609020204030204" pitchFamily="49" charset="0"/>
+                <a:ea typeface="Calibri" panose="020F0502020204030204" pitchFamily="34" charset="0"/>
+                <a:cs typeface="Consolas" panose="020B0609020204030204" pitchFamily="49" charset="0"/>
+              </a:rPr>
+              <a:t> '!' </a:t>
+            </a:r>
+            <a:r>
+              <a:rPr lang="de-DE" sz="1400" dirty="0" err="1">
+                <a:solidFill>
+                  <a:srgbClr val="008000"/>
+                </a:solidFill>
+                <a:effectLst/>
+                <a:latin typeface="Consolas" panose="020B0609020204030204" pitchFamily="49" charset="0"/>
+                <a:ea typeface="Calibri" panose="020F0502020204030204" pitchFamily="34" charset="0"/>
+                <a:cs typeface="Consolas" panose="020B0609020204030204" pitchFamily="49" charset="0"/>
+              </a:rPr>
+              <a:t>to</a:t>
+            </a:r>
+            <a:r>
+              <a:rPr lang="de-DE" sz="1400" dirty="0">
+                <a:solidFill>
+                  <a:srgbClr val="008000"/>
+                </a:solidFill>
+                <a:effectLst/>
+                <a:latin typeface="Consolas" panose="020B0609020204030204" pitchFamily="49" charset="0"/>
+                <a:ea typeface="Calibri" panose="020F0502020204030204" pitchFamily="34" charset="0"/>
+                <a:cs typeface="Consolas" panose="020B0609020204030204" pitchFamily="49" charset="0"/>
+              </a:rPr>
+              <a:t> </a:t>
+            </a:r>
+            <a:r>
+              <a:rPr lang="de-DE" sz="1400" dirty="0" err="1">
+                <a:solidFill>
+                  <a:srgbClr val="008000"/>
+                </a:solidFill>
+                <a:effectLst/>
+                <a:latin typeface="Consolas" panose="020B0609020204030204" pitchFamily="49" charset="0"/>
+                <a:ea typeface="Calibri" panose="020F0502020204030204" pitchFamily="34" charset="0"/>
+                <a:cs typeface="Consolas" panose="020B0609020204030204" pitchFamily="49" charset="0"/>
+              </a:rPr>
+              <a:t>the</a:t>
+            </a:r>
+            <a:r>
+              <a:rPr lang="de-DE" sz="1400" dirty="0">
+                <a:solidFill>
+                  <a:srgbClr val="008000"/>
+                </a:solidFill>
+                <a:effectLst/>
+                <a:latin typeface="Consolas" panose="020B0609020204030204" pitchFamily="49" charset="0"/>
+                <a:ea typeface="Calibri" panose="020F0502020204030204" pitchFamily="34" charset="0"/>
+                <a:cs typeface="Consolas" panose="020B0609020204030204" pitchFamily="49" charset="0"/>
+              </a:rPr>
+              <a:t> end</a:t>
+            </a:r>
+            <a:endParaRPr lang="de-DE" sz="1400" dirty="0">
+              <a:effectLst/>
+              <a:latin typeface="Calibri" panose="020F0502020204030204" pitchFamily="34" charset="0"/>
+              <a:ea typeface="Calibri" panose="020F0502020204030204" pitchFamily="34" charset="0"/>
+              <a:cs typeface="Times New Roman" panose="02020603050405020304" pitchFamily="18" charset="0"/>
+            </a:endParaRPr>
+          </a:p>
+          <a:p>
+            <a:pPr indent="449580">
+              <a:spcAft>
+                <a:spcPts val="800"/>
+              </a:spcAft>
+            </a:pPr>
+            <a:r>
+              <a:rPr lang="de-DE" sz="1400" dirty="0" err="1">
+                <a:solidFill>
+                  <a:srgbClr val="483D8B"/>
+                </a:solidFill>
+                <a:effectLst/>
+                <a:latin typeface="Consolas" panose="020B0609020204030204" pitchFamily="49" charset="0"/>
+                <a:ea typeface="Calibri" panose="020F0502020204030204" pitchFamily="34" charset="0"/>
+                <a:cs typeface="Consolas" panose="020B0609020204030204" pitchFamily="49" charset="0"/>
+              </a:rPr>
+              <a:t>StringCharAdd</a:t>
+            </a:r>
+            <a:r>
+              <a:rPr lang="de-DE" sz="1400" dirty="0">
+                <a:solidFill>
+                  <a:srgbClr val="000000"/>
+                </a:solidFill>
+                <a:effectLst/>
+                <a:latin typeface="Consolas" panose="020B0609020204030204" pitchFamily="49" charset="0"/>
+                <a:ea typeface="Calibri" panose="020F0502020204030204" pitchFamily="34" charset="0"/>
+                <a:cs typeface="Consolas" panose="020B0609020204030204" pitchFamily="49" charset="0"/>
+              </a:rPr>
+              <a:t>(&amp;</a:t>
+            </a:r>
+            <a:r>
+              <a:rPr lang="de-DE" sz="1400" dirty="0" err="1">
+                <a:solidFill>
+                  <a:srgbClr val="000000"/>
+                </a:solidFill>
+                <a:effectLst/>
+                <a:latin typeface="Consolas" panose="020B0609020204030204" pitchFamily="49" charset="0"/>
+                <a:ea typeface="Calibri" panose="020F0502020204030204" pitchFamily="34" charset="0"/>
+                <a:cs typeface="Consolas" panose="020B0609020204030204" pitchFamily="49" charset="0"/>
+              </a:rPr>
+              <a:t>testString</a:t>
+            </a:r>
+            <a:r>
+              <a:rPr lang="de-DE" sz="1400" dirty="0">
+                <a:solidFill>
+                  <a:srgbClr val="000000"/>
+                </a:solidFill>
+                <a:effectLst/>
+                <a:latin typeface="Consolas" panose="020B0609020204030204" pitchFamily="49" charset="0"/>
+                <a:ea typeface="Calibri" panose="020F0502020204030204" pitchFamily="34" charset="0"/>
+                <a:cs typeface="Consolas" panose="020B0609020204030204" pitchFamily="49" charset="0"/>
+              </a:rPr>
+              <a:t>, </a:t>
+            </a:r>
+            <a:r>
+              <a:rPr lang="de-DE" sz="1400" dirty="0">
+                <a:solidFill>
+                  <a:srgbClr val="A31515"/>
+                </a:solidFill>
+                <a:effectLst/>
+                <a:latin typeface="Consolas" panose="020B0609020204030204" pitchFamily="49" charset="0"/>
+                <a:ea typeface="Calibri" panose="020F0502020204030204" pitchFamily="34" charset="0"/>
+                <a:cs typeface="Consolas" panose="020B0609020204030204" pitchFamily="49" charset="0"/>
+              </a:rPr>
+              <a:t>'!'</a:t>
+            </a:r>
+            <a:r>
+              <a:rPr lang="de-DE" sz="1400" dirty="0">
+                <a:solidFill>
+                  <a:srgbClr val="000000"/>
+                </a:solidFill>
+                <a:effectLst/>
+                <a:latin typeface="Consolas" panose="020B0609020204030204" pitchFamily="49" charset="0"/>
+                <a:ea typeface="Calibri" panose="020F0502020204030204" pitchFamily="34" charset="0"/>
+                <a:cs typeface="Consolas" panose="020B0609020204030204" pitchFamily="49" charset="0"/>
+              </a:rPr>
+              <a:t>);</a:t>
+            </a:r>
+            <a:endParaRPr lang="de-DE" sz="1400" dirty="0">
+              <a:effectLst/>
+              <a:latin typeface="Calibri" panose="020F0502020204030204" pitchFamily="34" charset="0"/>
+              <a:ea typeface="Calibri" panose="020F0502020204030204" pitchFamily="34" charset="0"/>
+              <a:cs typeface="Times New Roman" panose="02020603050405020304" pitchFamily="18" charset="0"/>
+            </a:endParaRPr>
+          </a:p>
+          <a:p>
+            <a:pPr indent="449580">
+              <a:spcAft>
+                <a:spcPts val="800"/>
+              </a:spcAft>
+            </a:pPr>
+            <a:r>
+              <a:rPr lang="de-DE" sz="1400" dirty="0">
+                <a:solidFill>
+                  <a:srgbClr val="000000"/>
+                </a:solidFill>
+                <a:effectLst/>
+                <a:latin typeface="Consolas" panose="020B0609020204030204" pitchFamily="49" charset="0"/>
+                <a:ea typeface="Calibri" panose="020F0502020204030204" pitchFamily="34" charset="0"/>
+                <a:cs typeface="Consolas" panose="020B0609020204030204" pitchFamily="49" charset="0"/>
+              </a:rPr>
+              <a:t> </a:t>
+            </a:r>
+            <a:endParaRPr lang="de-DE" sz="1400" dirty="0">
+              <a:effectLst/>
+              <a:latin typeface="Calibri" panose="020F0502020204030204" pitchFamily="34" charset="0"/>
+              <a:ea typeface="Calibri" panose="020F0502020204030204" pitchFamily="34" charset="0"/>
+              <a:cs typeface="Times New Roman" panose="02020603050405020304" pitchFamily="18" charset="0"/>
+            </a:endParaRPr>
+          </a:p>
+          <a:p>
+            <a:pPr indent="449580">
+              <a:spcAft>
+                <a:spcPts val="800"/>
+              </a:spcAft>
+            </a:pPr>
+            <a:r>
+              <a:rPr lang="de-DE" sz="1400" dirty="0">
+                <a:solidFill>
+                  <a:srgbClr val="008000"/>
+                </a:solidFill>
+                <a:effectLst/>
+                <a:latin typeface="Consolas" panose="020B0609020204030204" pitchFamily="49" charset="0"/>
+                <a:ea typeface="Calibri" panose="020F0502020204030204" pitchFamily="34" charset="0"/>
+                <a:cs typeface="Consolas" panose="020B0609020204030204" pitchFamily="49" charset="0"/>
+              </a:rPr>
+              <a:t>//</a:t>
+            </a:r>
+            <a:r>
+              <a:rPr lang="de-DE" sz="1400" dirty="0" err="1">
+                <a:solidFill>
+                  <a:srgbClr val="008000"/>
+                </a:solidFill>
+                <a:effectLst/>
+                <a:latin typeface="Consolas" panose="020B0609020204030204" pitchFamily="49" charset="0"/>
+                <a:ea typeface="Calibri" panose="020F0502020204030204" pitchFamily="34" charset="0"/>
+                <a:cs typeface="Consolas" panose="020B0609020204030204" pitchFamily="49" charset="0"/>
+              </a:rPr>
+              <a:t>Gets</a:t>
+            </a:r>
+            <a:r>
+              <a:rPr lang="de-DE" sz="1400" dirty="0">
+                <a:solidFill>
+                  <a:srgbClr val="000000"/>
+                </a:solidFill>
+                <a:effectLst/>
+                <a:latin typeface="Consolas" panose="020B0609020204030204" pitchFamily="49" charset="0"/>
+                <a:ea typeface="Calibri" panose="020F0502020204030204" pitchFamily="34" charset="0"/>
+                <a:cs typeface="Consolas" panose="020B0609020204030204" pitchFamily="49" charset="0"/>
+              </a:rPr>
+              <a:t> </a:t>
+            </a:r>
+            <a:r>
+              <a:rPr lang="de-DE" sz="1400" dirty="0">
+                <a:solidFill>
+                  <a:srgbClr val="008000"/>
+                </a:solidFill>
+                <a:effectLst/>
+                <a:latin typeface="Consolas" panose="020B0609020204030204" pitchFamily="49" charset="0"/>
+                <a:ea typeface="Calibri" panose="020F0502020204030204" pitchFamily="34" charset="0"/>
+                <a:cs typeface="Consolas" panose="020B0609020204030204" pitchFamily="49" charset="0"/>
+              </a:rPr>
+              <a:t>'!'</a:t>
+            </a:r>
+            <a:endParaRPr lang="de-DE" sz="1400" dirty="0">
+              <a:effectLst/>
+              <a:latin typeface="Calibri" panose="020F0502020204030204" pitchFamily="34" charset="0"/>
+              <a:ea typeface="Calibri" panose="020F0502020204030204" pitchFamily="34" charset="0"/>
+              <a:cs typeface="Times New Roman" panose="02020603050405020304" pitchFamily="18" charset="0"/>
+            </a:endParaRPr>
+          </a:p>
+          <a:p>
+            <a:pPr indent="449580">
+              <a:spcAft>
+                <a:spcPts val="800"/>
+              </a:spcAft>
+            </a:pPr>
+            <a:r>
+              <a:rPr lang="de-DE" sz="1400" dirty="0" err="1">
+                <a:solidFill>
+                  <a:srgbClr val="483D8B"/>
+                </a:solidFill>
+                <a:effectLst/>
+                <a:latin typeface="Consolas" panose="020B0609020204030204" pitchFamily="49" charset="0"/>
+                <a:ea typeface="Calibri" panose="020F0502020204030204" pitchFamily="34" charset="0"/>
+                <a:cs typeface="Consolas" panose="020B0609020204030204" pitchFamily="49" charset="0"/>
+              </a:rPr>
+              <a:t>StringCharGet</a:t>
+            </a:r>
+            <a:r>
+              <a:rPr lang="de-DE" sz="1400" dirty="0">
+                <a:solidFill>
+                  <a:srgbClr val="000000"/>
+                </a:solidFill>
+                <a:effectLst/>
+                <a:latin typeface="Consolas" panose="020B0609020204030204" pitchFamily="49" charset="0"/>
+                <a:ea typeface="Calibri" panose="020F0502020204030204" pitchFamily="34" charset="0"/>
+                <a:cs typeface="Consolas" panose="020B0609020204030204" pitchFamily="49" charset="0"/>
+              </a:rPr>
+              <a:t>(&amp;</a:t>
+            </a:r>
+            <a:r>
+              <a:rPr lang="de-DE" sz="1400" dirty="0" err="1">
+                <a:solidFill>
+                  <a:srgbClr val="000000"/>
+                </a:solidFill>
+                <a:effectLst/>
+                <a:latin typeface="Consolas" panose="020B0609020204030204" pitchFamily="49" charset="0"/>
+                <a:ea typeface="Calibri" panose="020F0502020204030204" pitchFamily="34" charset="0"/>
+                <a:cs typeface="Consolas" panose="020B0609020204030204" pitchFamily="49" charset="0"/>
+              </a:rPr>
+              <a:t>testString</a:t>
+            </a:r>
+            <a:r>
+              <a:rPr lang="de-DE" sz="1400" dirty="0">
+                <a:solidFill>
+                  <a:srgbClr val="000000"/>
+                </a:solidFill>
+                <a:effectLst/>
+                <a:latin typeface="Consolas" panose="020B0609020204030204" pitchFamily="49" charset="0"/>
+                <a:ea typeface="Calibri" panose="020F0502020204030204" pitchFamily="34" charset="0"/>
+                <a:cs typeface="Consolas" panose="020B0609020204030204" pitchFamily="49" charset="0"/>
+              </a:rPr>
+              <a:t>, 11, &amp;</a:t>
+            </a:r>
+            <a:r>
+              <a:rPr lang="de-DE" sz="1400" dirty="0" err="1">
+                <a:solidFill>
+                  <a:srgbClr val="000000"/>
+                </a:solidFill>
+                <a:effectLst/>
+                <a:latin typeface="Consolas" panose="020B0609020204030204" pitchFamily="49" charset="0"/>
+                <a:ea typeface="Calibri" panose="020F0502020204030204" pitchFamily="34" charset="0"/>
+                <a:cs typeface="Consolas" panose="020B0609020204030204" pitchFamily="49" charset="0"/>
+              </a:rPr>
+              <a:t>outputChar</a:t>
+            </a:r>
+            <a:r>
+              <a:rPr lang="de-DE" sz="1400" dirty="0">
+                <a:solidFill>
+                  <a:srgbClr val="000000"/>
+                </a:solidFill>
+                <a:effectLst/>
+                <a:latin typeface="Consolas" panose="020B0609020204030204" pitchFamily="49" charset="0"/>
+                <a:ea typeface="Calibri" panose="020F0502020204030204" pitchFamily="34" charset="0"/>
+                <a:cs typeface="Consolas" panose="020B0609020204030204" pitchFamily="49" charset="0"/>
+              </a:rPr>
+              <a:t>);</a:t>
+            </a:r>
+            <a:endParaRPr lang="de-DE" sz="1400" dirty="0">
+              <a:effectLst/>
+              <a:latin typeface="Calibri" panose="020F0502020204030204" pitchFamily="34" charset="0"/>
+              <a:ea typeface="Calibri" panose="020F0502020204030204" pitchFamily="34" charset="0"/>
+              <a:cs typeface="Times New Roman" panose="02020603050405020304" pitchFamily="18" charset="0"/>
+            </a:endParaRPr>
+          </a:p>
+          <a:p>
+            <a:pPr indent="449580">
+              <a:spcAft>
+                <a:spcPts val="800"/>
+              </a:spcAft>
+            </a:pPr>
+            <a:r>
+              <a:rPr lang="de-DE" sz="1400" dirty="0" err="1">
+                <a:solidFill>
+                  <a:srgbClr val="483D8B"/>
+                </a:solidFill>
+                <a:effectLst/>
+                <a:latin typeface="Consolas" panose="020B0609020204030204" pitchFamily="49" charset="0"/>
+                <a:ea typeface="Calibri" panose="020F0502020204030204" pitchFamily="34" charset="0"/>
+                <a:cs typeface="Consolas" panose="020B0609020204030204" pitchFamily="49" charset="0"/>
+              </a:rPr>
+              <a:t>StringConcat</a:t>
+            </a:r>
+            <a:r>
+              <a:rPr lang="de-DE" sz="1400" dirty="0">
+                <a:solidFill>
+                  <a:srgbClr val="000000"/>
+                </a:solidFill>
+                <a:effectLst/>
+                <a:latin typeface="Consolas" panose="020B0609020204030204" pitchFamily="49" charset="0"/>
+                <a:ea typeface="Calibri" panose="020F0502020204030204" pitchFamily="34" charset="0"/>
+                <a:cs typeface="Consolas" panose="020B0609020204030204" pitchFamily="49" charset="0"/>
+              </a:rPr>
+              <a:t>(&amp;</a:t>
+            </a:r>
+            <a:r>
+              <a:rPr lang="de-DE" sz="1400" dirty="0" err="1">
+                <a:solidFill>
+                  <a:srgbClr val="000000"/>
+                </a:solidFill>
+                <a:effectLst/>
+                <a:latin typeface="Consolas" panose="020B0609020204030204" pitchFamily="49" charset="0"/>
+                <a:ea typeface="Calibri" panose="020F0502020204030204" pitchFamily="34" charset="0"/>
+                <a:cs typeface="Consolas" panose="020B0609020204030204" pitchFamily="49" charset="0"/>
+              </a:rPr>
+              <a:t>testString</a:t>
+            </a:r>
+            <a:r>
+              <a:rPr lang="de-DE" sz="1400" dirty="0">
+                <a:solidFill>
+                  <a:srgbClr val="000000"/>
+                </a:solidFill>
+                <a:effectLst/>
+                <a:latin typeface="Consolas" panose="020B0609020204030204" pitchFamily="49" charset="0"/>
+                <a:ea typeface="Calibri" panose="020F0502020204030204" pitchFamily="34" charset="0"/>
+                <a:cs typeface="Consolas" panose="020B0609020204030204" pitchFamily="49" charset="0"/>
+              </a:rPr>
+              <a:t>, </a:t>
+            </a:r>
+            <a:r>
+              <a:rPr lang="de-DE" sz="1400" dirty="0">
+                <a:solidFill>
+                  <a:srgbClr val="A31515"/>
+                </a:solidFill>
+                <a:effectLst/>
+                <a:latin typeface="Consolas" panose="020B0609020204030204" pitchFamily="49" charset="0"/>
+                <a:ea typeface="Calibri" panose="020F0502020204030204" pitchFamily="34" charset="0"/>
+                <a:cs typeface="Consolas" panose="020B0609020204030204" pitchFamily="49" charset="0"/>
+              </a:rPr>
+              <a:t>"TEST"</a:t>
+            </a:r>
+            <a:r>
+              <a:rPr lang="de-DE" sz="1400" dirty="0">
+                <a:solidFill>
+                  <a:srgbClr val="000000"/>
+                </a:solidFill>
+                <a:effectLst/>
+                <a:latin typeface="Consolas" panose="020B0609020204030204" pitchFamily="49" charset="0"/>
+                <a:ea typeface="Calibri" panose="020F0502020204030204" pitchFamily="34" charset="0"/>
+                <a:cs typeface="Consolas" panose="020B0609020204030204" pitchFamily="49" charset="0"/>
+              </a:rPr>
+              <a:t>);</a:t>
+            </a:r>
+            <a:endParaRPr lang="de-DE" sz="1400" dirty="0">
+              <a:effectLst/>
+              <a:latin typeface="Calibri" panose="020F0502020204030204" pitchFamily="34" charset="0"/>
+              <a:ea typeface="Calibri" panose="020F0502020204030204" pitchFamily="34" charset="0"/>
+              <a:cs typeface="Times New Roman" panose="02020603050405020304" pitchFamily="18" charset="0"/>
+            </a:endParaRPr>
+          </a:p>
+          <a:p>
+            <a:pPr indent="449580">
+              <a:spcAft>
+                <a:spcPts val="800"/>
+              </a:spcAft>
+            </a:pPr>
+            <a:r>
+              <a:rPr lang="de-DE" sz="1400" dirty="0">
+                <a:solidFill>
+                  <a:srgbClr val="000000"/>
+                </a:solidFill>
+                <a:effectLst/>
+                <a:latin typeface="Consolas" panose="020B0609020204030204" pitchFamily="49" charset="0"/>
+                <a:ea typeface="Calibri" panose="020F0502020204030204" pitchFamily="34" charset="0"/>
+                <a:cs typeface="Consolas" panose="020B0609020204030204" pitchFamily="49" charset="0"/>
+              </a:rPr>
+              <a:t> </a:t>
+            </a:r>
+            <a:endParaRPr lang="de-DE" sz="1400" dirty="0">
+              <a:effectLst/>
+              <a:latin typeface="Calibri" panose="020F0502020204030204" pitchFamily="34" charset="0"/>
+              <a:ea typeface="Calibri" panose="020F0502020204030204" pitchFamily="34" charset="0"/>
+              <a:cs typeface="Times New Roman" panose="02020603050405020304" pitchFamily="18" charset="0"/>
+            </a:endParaRPr>
+          </a:p>
+          <a:p>
+            <a:pPr indent="449580">
+              <a:spcAft>
+                <a:spcPts val="800"/>
+              </a:spcAft>
+            </a:pPr>
+            <a:r>
+              <a:rPr lang="de-DE" sz="1400" dirty="0" err="1">
+                <a:solidFill>
+                  <a:srgbClr val="000000"/>
+                </a:solidFill>
+                <a:effectLst/>
+                <a:latin typeface="Consolas" panose="020B0609020204030204" pitchFamily="49" charset="0"/>
+                <a:ea typeface="Calibri" panose="020F0502020204030204" pitchFamily="34" charset="0"/>
+                <a:cs typeface="Consolas" panose="020B0609020204030204" pitchFamily="49" charset="0"/>
+              </a:rPr>
+              <a:t>char</a:t>
+            </a:r>
+            <a:r>
+              <a:rPr lang="de-DE" sz="1400" dirty="0">
+                <a:solidFill>
+                  <a:srgbClr val="000000"/>
+                </a:solidFill>
+                <a:effectLst/>
+                <a:latin typeface="Consolas" panose="020B0609020204030204" pitchFamily="49" charset="0"/>
+                <a:ea typeface="Calibri" panose="020F0502020204030204" pitchFamily="34" charset="0"/>
+                <a:cs typeface="Consolas" panose="020B0609020204030204" pitchFamily="49" charset="0"/>
+              </a:rPr>
+              <a:t>* </a:t>
+            </a:r>
+            <a:r>
+              <a:rPr lang="de-DE" sz="1400" dirty="0" err="1">
+                <a:solidFill>
+                  <a:srgbClr val="000000"/>
+                </a:solidFill>
+                <a:effectLst/>
+                <a:latin typeface="Consolas" panose="020B0609020204030204" pitchFamily="49" charset="0"/>
+                <a:ea typeface="Calibri" panose="020F0502020204030204" pitchFamily="34" charset="0"/>
+                <a:cs typeface="Consolas" panose="020B0609020204030204" pitchFamily="49" charset="0"/>
+              </a:rPr>
+              <a:t>output</a:t>
+            </a:r>
+            <a:r>
+              <a:rPr lang="de-DE" sz="1400" dirty="0">
+                <a:solidFill>
+                  <a:srgbClr val="000000"/>
+                </a:solidFill>
+                <a:effectLst/>
+                <a:latin typeface="Consolas" panose="020B0609020204030204" pitchFamily="49" charset="0"/>
+                <a:ea typeface="Calibri" panose="020F0502020204030204" pitchFamily="34" charset="0"/>
+                <a:cs typeface="Consolas" panose="020B0609020204030204" pitchFamily="49" charset="0"/>
+              </a:rPr>
+              <a:t> = </a:t>
+            </a:r>
+            <a:r>
+              <a:rPr lang="de-DE" sz="1400" dirty="0" err="1">
+                <a:solidFill>
+                  <a:srgbClr val="483D8B"/>
+                </a:solidFill>
+                <a:effectLst/>
+                <a:latin typeface="Consolas" panose="020B0609020204030204" pitchFamily="49" charset="0"/>
+                <a:ea typeface="Calibri" panose="020F0502020204030204" pitchFamily="34" charset="0"/>
+                <a:cs typeface="Consolas" panose="020B0609020204030204" pitchFamily="49" charset="0"/>
+              </a:rPr>
+              <a:t>StringGetFullString</a:t>
+            </a:r>
+            <a:r>
+              <a:rPr lang="de-DE" sz="1400" dirty="0">
+                <a:solidFill>
+                  <a:srgbClr val="000000"/>
+                </a:solidFill>
+                <a:effectLst/>
+                <a:latin typeface="Consolas" panose="020B0609020204030204" pitchFamily="49" charset="0"/>
+                <a:ea typeface="Calibri" panose="020F0502020204030204" pitchFamily="34" charset="0"/>
+                <a:cs typeface="Consolas" panose="020B0609020204030204" pitchFamily="49" charset="0"/>
+              </a:rPr>
+              <a:t>(&amp;</a:t>
+            </a:r>
+            <a:r>
+              <a:rPr lang="de-DE" sz="1400" dirty="0" err="1">
+                <a:solidFill>
+                  <a:srgbClr val="000000"/>
+                </a:solidFill>
+                <a:effectLst/>
+                <a:latin typeface="Consolas" panose="020B0609020204030204" pitchFamily="49" charset="0"/>
+                <a:ea typeface="Calibri" panose="020F0502020204030204" pitchFamily="34" charset="0"/>
+                <a:cs typeface="Consolas" panose="020B0609020204030204" pitchFamily="49" charset="0"/>
+              </a:rPr>
+              <a:t>testString</a:t>
+            </a:r>
+            <a:r>
+              <a:rPr lang="de-DE" sz="1400" dirty="0">
+                <a:solidFill>
+                  <a:srgbClr val="000000"/>
+                </a:solidFill>
+                <a:effectLst/>
+                <a:latin typeface="Consolas" panose="020B0609020204030204" pitchFamily="49" charset="0"/>
+                <a:ea typeface="Calibri" panose="020F0502020204030204" pitchFamily="34" charset="0"/>
+                <a:cs typeface="Consolas" panose="020B0609020204030204" pitchFamily="49" charset="0"/>
+              </a:rPr>
+              <a:t>);</a:t>
+            </a:r>
+            <a:endParaRPr lang="de-DE" sz="1400" dirty="0">
+              <a:effectLst/>
+              <a:latin typeface="Calibri" panose="020F0502020204030204" pitchFamily="34" charset="0"/>
+              <a:ea typeface="Calibri" panose="020F0502020204030204" pitchFamily="34" charset="0"/>
+              <a:cs typeface="Times New Roman" panose="02020603050405020304" pitchFamily="18" charset="0"/>
+            </a:endParaRPr>
+          </a:p>
+          <a:p>
+            <a:pPr indent="449580">
+              <a:spcAft>
+                <a:spcPts val="800"/>
+              </a:spcAft>
+            </a:pPr>
+            <a:r>
+              <a:rPr lang="de-DE" sz="1400" dirty="0">
+                <a:solidFill>
+                  <a:srgbClr val="000000"/>
+                </a:solidFill>
+                <a:effectLst/>
+                <a:latin typeface="Consolas" panose="020B0609020204030204" pitchFamily="49" charset="0"/>
+                <a:ea typeface="Calibri" panose="020F0502020204030204" pitchFamily="34" charset="0"/>
+                <a:cs typeface="Consolas" panose="020B0609020204030204" pitchFamily="49" charset="0"/>
+              </a:rPr>
+              <a:t> </a:t>
+            </a:r>
+            <a:endParaRPr lang="de-DE" sz="1400" dirty="0">
+              <a:effectLst/>
+              <a:latin typeface="Calibri" panose="020F0502020204030204" pitchFamily="34" charset="0"/>
+              <a:ea typeface="Calibri" panose="020F0502020204030204" pitchFamily="34" charset="0"/>
+              <a:cs typeface="Times New Roman" panose="02020603050405020304" pitchFamily="18" charset="0"/>
+            </a:endParaRPr>
+          </a:p>
+          <a:p>
             <a:pPr>
-              <a:lnSpc>
-                <a:spcPct val="200000"/>
-              </a:lnSpc>
+              <a:spcAft>
+                <a:spcPts val="800"/>
+              </a:spcAft>
             </a:pPr>
             <a:r>
-              <a:rPr lang="de-DE" sz="1600" b="1" dirty="0">
-                <a:solidFill>
-                  <a:srgbClr val="000000"/>
-                </a:solidFill>
-                <a:latin typeface="+mj-lt"/>
-              </a:rPr>
-              <a:t>Windows:</a:t>
-            </a:r>
-          </a:p>
-          <a:p>
-            <a:r>
-              <a:rPr lang="de-DE" sz="1600" dirty="0">
-                <a:solidFill>
-                  <a:srgbClr val="000000"/>
-                </a:solidFill>
-                <a:latin typeface="+mj-lt"/>
-              </a:rPr>
-              <a:t>Öffne das Projekt in Visual Studio und klicke das Test-Projekt und wähle es als Start-Projekt aus. Ohne diese Einstellung wird möglicherweise versuch eine .</a:t>
-            </a:r>
-            <a:r>
-              <a:rPr lang="de-DE" sz="1600" dirty="0" err="1">
-                <a:solidFill>
-                  <a:srgbClr val="000000"/>
-                </a:solidFill>
-                <a:latin typeface="+mj-lt"/>
-              </a:rPr>
-              <a:t>lib</a:t>
-            </a:r>
-            <a:r>
-              <a:rPr lang="de-DE" sz="1600" dirty="0">
-                <a:solidFill>
-                  <a:srgbClr val="000000"/>
-                </a:solidFill>
-                <a:latin typeface="+mj-lt"/>
-              </a:rPr>
-              <a:t> Datei zu öffnen, dort wird dann ein Fehler angezeigt.</a:t>
-            </a:r>
-          </a:p>
-          <a:p>
-            <a:endParaRPr lang="de-DE" sz="1600" dirty="0">
-              <a:solidFill>
-                <a:srgbClr val="000000"/>
-              </a:solidFill>
-              <a:latin typeface="+mj-lt"/>
+              <a:rPr lang="de-DE" sz="1400" dirty="0">
+                <a:solidFill>
+                  <a:srgbClr val="000000"/>
+                </a:solidFill>
+                <a:effectLst/>
+                <a:latin typeface="Consolas" panose="020B0609020204030204" pitchFamily="49" charset="0"/>
+                <a:ea typeface="Calibri" panose="020F0502020204030204" pitchFamily="34" charset="0"/>
+                <a:cs typeface="Consolas" panose="020B0609020204030204" pitchFamily="49" charset="0"/>
+              </a:rPr>
+              <a:t>	</a:t>
+            </a:r>
+            <a:r>
+              <a:rPr lang="de-DE" sz="1400" dirty="0" err="1">
+                <a:solidFill>
+                  <a:srgbClr val="483D8B"/>
+                </a:solidFill>
+                <a:effectLst/>
+                <a:latin typeface="Consolas" panose="020B0609020204030204" pitchFamily="49" charset="0"/>
+                <a:ea typeface="Calibri" panose="020F0502020204030204" pitchFamily="34" charset="0"/>
+                <a:cs typeface="Consolas" panose="020B0609020204030204" pitchFamily="49" charset="0"/>
+              </a:rPr>
+              <a:t>StringDestruction</a:t>
+            </a:r>
+            <a:r>
+              <a:rPr lang="de-DE" sz="1400" dirty="0">
+                <a:solidFill>
+                  <a:srgbClr val="000000"/>
+                </a:solidFill>
+                <a:effectLst/>
+                <a:latin typeface="Consolas" panose="020B0609020204030204" pitchFamily="49" charset="0"/>
+                <a:ea typeface="Calibri" panose="020F0502020204030204" pitchFamily="34" charset="0"/>
+                <a:cs typeface="Consolas" panose="020B0609020204030204" pitchFamily="49" charset="0"/>
+              </a:rPr>
+              <a:t>(&amp;</a:t>
+            </a:r>
+            <a:r>
+              <a:rPr lang="de-DE" sz="1400" dirty="0" err="1">
+                <a:solidFill>
+                  <a:srgbClr val="000000"/>
+                </a:solidFill>
+                <a:effectLst/>
+                <a:latin typeface="Consolas" panose="020B0609020204030204" pitchFamily="49" charset="0"/>
+                <a:ea typeface="Calibri" panose="020F0502020204030204" pitchFamily="34" charset="0"/>
+                <a:cs typeface="Consolas" panose="020B0609020204030204" pitchFamily="49" charset="0"/>
+              </a:rPr>
+              <a:t>testString</a:t>
+            </a:r>
+            <a:r>
+              <a:rPr lang="de-DE" sz="1400" dirty="0">
+                <a:solidFill>
+                  <a:srgbClr val="000000"/>
+                </a:solidFill>
+                <a:effectLst/>
+                <a:latin typeface="Consolas" panose="020B0609020204030204" pitchFamily="49" charset="0"/>
+                <a:ea typeface="Calibri" panose="020F0502020204030204" pitchFamily="34" charset="0"/>
+                <a:cs typeface="Consolas" panose="020B0609020204030204" pitchFamily="49" charset="0"/>
+              </a:rPr>
+              <a:t>);</a:t>
+            </a:r>
+            <a:endParaRPr lang="de-DE" sz="1400" dirty="0">
+              <a:effectLst/>
+              <a:latin typeface="Calibri" panose="020F0502020204030204" pitchFamily="34" charset="0"/>
+              <a:ea typeface="Calibri" panose="020F0502020204030204" pitchFamily="34" charset="0"/>
+              <a:cs typeface="Times New Roman" panose="02020603050405020304" pitchFamily="18" charset="0"/>
             </a:endParaRPr>
           </a:p>
           <a:p>
-            <a:pPr>
-              <a:lnSpc>
-                <a:spcPct val="200000"/>
-              </a:lnSpc>
+            <a:pPr indent="449580">
+              <a:spcAft>
+                <a:spcPts val="800"/>
+              </a:spcAft>
             </a:pPr>
             <a:r>
-              <a:rPr lang="de-DE" sz="1600" b="1" dirty="0">
-                <a:solidFill>
-                  <a:srgbClr val="000000"/>
-                </a:solidFill>
-                <a:latin typeface="+mj-lt"/>
-              </a:rPr>
-              <a:t>Linux:</a:t>
-            </a:r>
-          </a:p>
-          <a:p>
-            <a:r>
-              <a:rPr lang="de-DE" sz="1600" dirty="0">
-                <a:solidFill>
-                  <a:srgbClr val="000000"/>
-                </a:solidFill>
-                <a:latin typeface="+mj-lt"/>
-              </a:rPr>
-              <a:t>Navigiere zu der </a:t>
-            </a:r>
-            <a:r>
-              <a:rPr lang="de-DE" sz="1600" dirty="0" err="1">
-                <a:solidFill>
-                  <a:srgbClr val="000000"/>
-                </a:solidFill>
-                <a:latin typeface="+mj-lt"/>
-              </a:rPr>
-              <a:t>makefile</a:t>
-            </a:r>
-            <a:r>
-              <a:rPr lang="de-DE" sz="1600" dirty="0">
-                <a:solidFill>
-                  <a:srgbClr val="000000"/>
-                </a:solidFill>
-                <a:latin typeface="+mj-lt"/>
-              </a:rPr>
-              <a:t>. Dort befindet sich auch ein Skript das zum kompilieren genutzt werden kann. Es erstellt einen bin Order für Temporäre Daten, danach kompiliert es und startet das fertige Programm danach.</a:t>
-            </a:r>
-          </a:p>
-          <a:p>
-            <a:r>
-              <a:rPr lang="de-DE" sz="1600" dirty="0">
-                <a:solidFill>
-                  <a:srgbClr val="000000"/>
-                </a:solidFill>
-                <a:latin typeface="+mj-lt"/>
-              </a:rPr>
-              <a:t>Vergiss nicht die Skript-Datei ausführbar zu machen mit </a:t>
-            </a:r>
-            <a:r>
-              <a:rPr lang="de-DE" sz="1600" dirty="0" err="1">
-                <a:solidFill>
-                  <a:srgbClr val="000000"/>
-                </a:solidFill>
-                <a:latin typeface="+mj-lt"/>
-              </a:rPr>
-              <a:t>chmod</a:t>
-            </a:r>
-            <a:r>
-              <a:rPr lang="de-DE" sz="1600" dirty="0">
-                <a:solidFill>
-                  <a:srgbClr val="000000"/>
-                </a:solidFill>
-                <a:latin typeface="+mj-lt"/>
-              </a:rPr>
-              <a:t> +x FileName.sh. </a:t>
-            </a:r>
-          </a:p>
-          <a:p>
-            <a:r>
-              <a:rPr lang="de-DE" sz="1600" dirty="0">
-                <a:solidFill>
-                  <a:srgbClr val="000000"/>
-                </a:solidFill>
-                <a:latin typeface="+mj-lt"/>
-              </a:rPr>
-              <a:t>Dann zum Öffnen ./Filename.sh</a:t>
-            </a:r>
-          </a:p>
-          <a:p>
-            <a:endParaRPr lang="de-DE" sz="1600" b="0" i="0" u="none" strike="noStrike" baseline="0" dirty="0">
-              <a:solidFill>
-                <a:srgbClr val="000000"/>
-              </a:solidFill>
-              <a:latin typeface="+mj-lt"/>
+              <a:rPr lang="de-DE" sz="1400" dirty="0" err="1">
+                <a:solidFill>
+                  <a:srgbClr val="483D8B"/>
+                </a:solidFill>
+                <a:effectLst/>
+                <a:latin typeface="Consolas" panose="020B0609020204030204" pitchFamily="49" charset="0"/>
+                <a:ea typeface="Calibri" panose="020F0502020204030204" pitchFamily="34" charset="0"/>
+                <a:cs typeface="Consolas" panose="020B0609020204030204" pitchFamily="49" charset="0"/>
+              </a:rPr>
+              <a:t>free</a:t>
+            </a:r>
+            <a:r>
+              <a:rPr lang="de-DE" sz="1400" dirty="0">
+                <a:solidFill>
+                  <a:srgbClr val="000000"/>
+                </a:solidFill>
+                <a:effectLst/>
+                <a:latin typeface="Consolas" panose="020B0609020204030204" pitchFamily="49" charset="0"/>
+                <a:ea typeface="Calibri" panose="020F0502020204030204" pitchFamily="34" charset="0"/>
+                <a:cs typeface="Consolas" panose="020B0609020204030204" pitchFamily="49" charset="0"/>
+              </a:rPr>
+              <a:t>(</a:t>
+            </a:r>
+            <a:r>
+              <a:rPr lang="de-DE" sz="1400" dirty="0" err="1">
+                <a:solidFill>
+                  <a:srgbClr val="000000"/>
+                </a:solidFill>
+                <a:effectLst/>
+                <a:latin typeface="Consolas" panose="020B0609020204030204" pitchFamily="49" charset="0"/>
+                <a:ea typeface="Calibri" panose="020F0502020204030204" pitchFamily="34" charset="0"/>
+                <a:cs typeface="Consolas" panose="020B0609020204030204" pitchFamily="49" charset="0"/>
+              </a:rPr>
+              <a:t>output</a:t>
+            </a:r>
+            <a:r>
+              <a:rPr lang="de-DE" sz="1400" dirty="0">
+                <a:solidFill>
+                  <a:srgbClr val="000000"/>
+                </a:solidFill>
+                <a:effectLst/>
+                <a:latin typeface="Consolas" panose="020B0609020204030204" pitchFamily="49" charset="0"/>
+                <a:ea typeface="Calibri" panose="020F0502020204030204" pitchFamily="34" charset="0"/>
+                <a:cs typeface="Consolas" panose="020B0609020204030204" pitchFamily="49" charset="0"/>
+              </a:rPr>
+              <a:t>);</a:t>
+            </a:r>
+            <a:endParaRPr lang="de-DE" sz="1400" dirty="0">
+              <a:effectLst/>
+              <a:latin typeface="Calibri" panose="020F0502020204030204" pitchFamily="34" charset="0"/>
+              <a:ea typeface="Calibri" panose="020F0502020204030204" pitchFamily="34" charset="0"/>
+              <a:cs typeface="Times New Roman" panose="02020603050405020304" pitchFamily="18" charset="0"/>
             </a:endParaRPr>
           </a:p>
         </p:txBody>
@@ -19123,7 +16086,7 @@
     </p:spTree>
     <p:extLst>
       <p:ext uri="{BB962C8B-B14F-4D97-AF65-F5344CB8AC3E}">
-        <p14:creationId xmlns:p14="http://schemas.microsoft.com/office/powerpoint/2010/main" val="2796430297"/>
+        <p14:creationId xmlns:p14="http://schemas.microsoft.com/office/powerpoint/2010/main" val="2250978272"/>
       </p:ext>
     </p:extLst>
   </p:cSld>
@@ -19191,6 +16154,1185 @@
                 </a:solidFill>
               </a:rPr>
               <a:t>31</a:t>
+            </a:fld>
+            <a:endParaRPr lang="de-DE" sz="1000" b="1" dirty="0">
+              <a:solidFill>
+                <a:schemeClr val="tx1"/>
+              </a:solidFill>
+            </a:endParaRPr>
+          </a:p>
+        </p:txBody>
+      </p:sp>
+      <p:cxnSp>
+        <p:nvCxnSpPr>
+          <p:cNvPr id="12" name="Gerader Verbinder 11">
+            <a:extLst>
+              <a:ext uri="{FF2B5EF4-FFF2-40B4-BE49-F238E27FC236}">
+                <a16:creationId xmlns:a16="http://schemas.microsoft.com/office/drawing/2014/main" id="{4A855513-E5C1-4F05-A8FD-33AC62C22A5E}"/>
+              </a:ext>
+            </a:extLst>
+          </p:cNvPr>
+          <p:cNvCxnSpPr/>
+          <p:nvPr/>
+        </p:nvCxnSpPr>
+        <p:spPr>
+          <a:xfrm>
+            <a:off x="0" y="737118"/>
+            <a:ext cx="12192000" cy="0"/>
+          </a:xfrm>
+          <a:prstGeom prst="line">
+            <a:avLst/>
+          </a:prstGeom>
+          <a:ln w="15875">
+            <a:solidFill>
+              <a:srgbClr val="3333CC"/>
+            </a:solidFill>
+          </a:ln>
+        </p:spPr>
+        <p:style>
+          <a:lnRef idx="1">
+            <a:schemeClr val="accent1"/>
+          </a:lnRef>
+          <a:fillRef idx="0">
+            <a:schemeClr val="accent1"/>
+          </a:fillRef>
+          <a:effectRef idx="0">
+            <a:schemeClr val="accent1"/>
+          </a:effectRef>
+          <a:fontRef idx="minor">
+            <a:schemeClr val="tx1"/>
+          </a:fontRef>
+        </p:style>
+      </p:cxnSp>
+      <p:cxnSp>
+        <p:nvCxnSpPr>
+          <p:cNvPr id="13" name="Gerader Verbinder 12">
+            <a:extLst>
+              <a:ext uri="{FF2B5EF4-FFF2-40B4-BE49-F238E27FC236}">
+                <a16:creationId xmlns:a16="http://schemas.microsoft.com/office/drawing/2014/main" id="{F2778992-5E28-437C-AEA9-F9BBD6E6F5BB}"/>
+              </a:ext>
+            </a:extLst>
+          </p:cNvPr>
+          <p:cNvCxnSpPr/>
+          <p:nvPr/>
+        </p:nvCxnSpPr>
+        <p:spPr>
+          <a:xfrm>
+            <a:off x="0" y="6356350"/>
+            <a:ext cx="12192000" cy="0"/>
+          </a:xfrm>
+          <a:prstGeom prst="line">
+            <a:avLst/>
+          </a:prstGeom>
+          <a:ln w="15875">
+            <a:solidFill>
+              <a:srgbClr val="3333CC"/>
+            </a:solidFill>
+          </a:ln>
+        </p:spPr>
+        <p:style>
+          <a:lnRef idx="1">
+            <a:schemeClr val="accent1"/>
+          </a:lnRef>
+          <a:fillRef idx="0">
+            <a:schemeClr val="accent1"/>
+          </a:fillRef>
+          <a:effectRef idx="0">
+            <a:schemeClr val="accent1"/>
+          </a:effectRef>
+          <a:fontRef idx="minor">
+            <a:schemeClr val="tx1"/>
+          </a:fontRef>
+        </p:style>
+      </p:cxnSp>
+      <p:sp>
+        <p:nvSpPr>
+          <p:cNvPr id="14" name="Textfeld 13">
+            <a:extLst>
+              <a:ext uri="{FF2B5EF4-FFF2-40B4-BE49-F238E27FC236}">
+                <a16:creationId xmlns:a16="http://schemas.microsoft.com/office/drawing/2014/main" id="{6CF8FF9D-8A98-4CFA-94C2-E2074112639C}"/>
+              </a:ext>
+            </a:extLst>
+          </p:cNvPr>
+          <p:cNvSpPr txBox="1"/>
+          <p:nvPr/>
+        </p:nvSpPr>
+        <p:spPr>
+          <a:xfrm>
+            <a:off x="2653004" y="215779"/>
+            <a:ext cx="6885992" cy="369332"/>
+          </a:xfrm>
+          <a:prstGeom prst="rect">
+            <a:avLst/>
+          </a:prstGeom>
+          <a:noFill/>
+        </p:spPr>
+        <p:txBody>
+          <a:bodyPr wrap="square" rtlCol="0">
+            <a:spAutoFit/>
+          </a:bodyPr>
+          <a:lstStyle/>
+          <a:p>
+            <a:pPr algn="ctr"/>
+            <a:r>
+              <a:rPr lang="de-DE" b="1" dirty="0"/>
+              <a:t>Dynamische Container in C</a:t>
+            </a:r>
+          </a:p>
+        </p:txBody>
+      </p:sp>
+      <p:sp>
+        <p:nvSpPr>
+          <p:cNvPr id="6" name="Textfeld 5">
+            <a:extLst>
+              <a:ext uri="{FF2B5EF4-FFF2-40B4-BE49-F238E27FC236}">
+                <a16:creationId xmlns:a16="http://schemas.microsoft.com/office/drawing/2014/main" id="{8E05CB3E-FC8B-4C84-8452-A027AF29808D}"/>
+              </a:ext>
+            </a:extLst>
+          </p:cNvPr>
+          <p:cNvSpPr txBox="1"/>
+          <p:nvPr/>
+        </p:nvSpPr>
+        <p:spPr>
+          <a:xfrm>
+            <a:off x="485190" y="1154923"/>
+            <a:ext cx="4945791" cy="1323439"/>
+          </a:xfrm>
+          <a:prstGeom prst="rect">
+            <a:avLst/>
+          </a:prstGeom>
+          <a:noFill/>
+        </p:spPr>
+        <p:txBody>
+          <a:bodyPr wrap="square" rtlCol="0">
+            <a:spAutoFit/>
+          </a:bodyPr>
+          <a:lstStyle/>
+          <a:p>
+            <a:r>
+              <a:rPr lang="de-DE" sz="2000" b="1" dirty="0"/>
+              <a:t>4. Tests</a:t>
+            </a:r>
+          </a:p>
+          <a:p>
+            <a:endParaRPr lang="de-DE" sz="2000" b="1" dirty="0"/>
+          </a:p>
+          <a:p>
+            <a:endParaRPr lang="de-DE" sz="2000" b="1" dirty="0"/>
+          </a:p>
+          <a:p>
+            <a:r>
+              <a:rPr lang="de-DE" sz="2000" b="1" dirty="0"/>
+              <a:t> 	</a:t>
+            </a:r>
+            <a:endParaRPr lang="de-DE" sz="2000" dirty="0"/>
+          </a:p>
+        </p:txBody>
+      </p:sp>
+      <p:sp>
+        <p:nvSpPr>
+          <p:cNvPr id="9" name="Textfeld 8">
+            <a:extLst>
+              <a:ext uri="{FF2B5EF4-FFF2-40B4-BE49-F238E27FC236}">
+                <a16:creationId xmlns:a16="http://schemas.microsoft.com/office/drawing/2014/main" id="{105407A1-FCD8-4DB9-8051-366A6497ED37}"/>
+              </a:ext>
+            </a:extLst>
+          </p:cNvPr>
+          <p:cNvSpPr txBox="1"/>
+          <p:nvPr/>
+        </p:nvSpPr>
+        <p:spPr>
+          <a:xfrm>
+            <a:off x="1085461" y="1568119"/>
+            <a:ext cx="10021077" cy="3046988"/>
+          </a:xfrm>
+          <a:prstGeom prst="rect">
+            <a:avLst/>
+          </a:prstGeom>
+          <a:noFill/>
+        </p:spPr>
+        <p:txBody>
+          <a:bodyPr wrap="square">
+            <a:spAutoFit/>
+          </a:bodyPr>
+          <a:lstStyle/>
+          <a:p>
+            <a:pPr>
+              <a:lnSpc>
+                <a:spcPct val="200000"/>
+              </a:lnSpc>
+            </a:pPr>
+            <a:r>
+              <a:rPr lang="de-DE" sz="1600" b="1" dirty="0">
+                <a:solidFill>
+                  <a:srgbClr val="000000"/>
+                </a:solidFill>
+                <a:latin typeface="+mj-lt"/>
+              </a:rPr>
+              <a:t>Erläuterung:</a:t>
+            </a:r>
+          </a:p>
+          <a:p>
+            <a:r>
+              <a:rPr lang="de-DE" sz="1600" dirty="0">
+                <a:solidFill>
+                  <a:srgbClr val="000000"/>
+                </a:solidFill>
+                <a:latin typeface="+mj-lt"/>
+              </a:rPr>
+              <a:t>Da wir schnell festgestellt haben, dass es sehr schwierig ist unsere Collections auf mehreren Plattformen fortlaufend zu testen, haben wir uns dafür entscheiden ein eigenes Testsystem zu schreiben.</a:t>
+            </a:r>
+          </a:p>
+          <a:p>
+            <a:pPr>
+              <a:lnSpc>
+                <a:spcPct val="200000"/>
+              </a:lnSpc>
+            </a:pPr>
+            <a:r>
+              <a:rPr lang="de-DE" sz="1600" b="1" dirty="0">
+                <a:solidFill>
+                  <a:srgbClr val="000000"/>
+                </a:solidFill>
+                <a:latin typeface="+mj-lt"/>
+              </a:rPr>
+              <a:t>Funktionsweise:</a:t>
+            </a:r>
+          </a:p>
+          <a:p>
+            <a:r>
+              <a:rPr lang="de-DE" sz="1600" dirty="0">
+                <a:solidFill>
+                  <a:srgbClr val="000000"/>
+                </a:solidFill>
+                <a:latin typeface="+mj-lt"/>
+              </a:rPr>
+              <a:t>Unsere Testfunktionen nehmen zwei Werte auf. Einer welcher der erwartetet Wert ist und welcher Wert zurückgeliefert wird. Am Ende bekommt man eine Auflistung wie viele Test geklappt oder fehlgeschlagen sind.</a:t>
+            </a:r>
+          </a:p>
+          <a:p>
+            <a:endParaRPr lang="de-DE" sz="1600" dirty="0">
+              <a:solidFill>
+                <a:srgbClr val="000000"/>
+              </a:solidFill>
+              <a:latin typeface="+mj-lt"/>
+            </a:endParaRPr>
+          </a:p>
+          <a:p>
+            <a:r>
+              <a:rPr lang="de-DE" sz="1600" dirty="0">
+                <a:solidFill>
+                  <a:srgbClr val="000000"/>
+                </a:solidFill>
+                <a:latin typeface="+mj-lt"/>
+              </a:rPr>
+              <a:t>Die Testfunktionen unterstützen Integer, String und </a:t>
+            </a:r>
+            <a:r>
+              <a:rPr lang="de-DE" sz="1600" dirty="0" err="1">
+                <a:solidFill>
+                  <a:srgbClr val="000000"/>
+                </a:solidFill>
+                <a:latin typeface="+mj-lt"/>
+              </a:rPr>
+              <a:t>CollectionError</a:t>
+            </a:r>
+            <a:r>
+              <a:rPr lang="de-DE" sz="1600" dirty="0">
+                <a:solidFill>
+                  <a:srgbClr val="000000"/>
+                </a:solidFill>
+                <a:latin typeface="+mj-lt"/>
+              </a:rPr>
+              <a:t> Werte.</a:t>
+            </a:r>
+          </a:p>
+          <a:p>
+            <a:endParaRPr lang="de-DE" sz="1600" dirty="0">
+              <a:solidFill>
+                <a:srgbClr val="000000"/>
+              </a:solidFill>
+              <a:latin typeface="+mj-lt"/>
+            </a:endParaRPr>
+          </a:p>
+        </p:txBody>
+      </p:sp>
+      <p:pic>
+        <p:nvPicPr>
+          <p:cNvPr id="4" name="Grafik 3">
+            <a:extLst>
+              <a:ext uri="{FF2B5EF4-FFF2-40B4-BE49-F238E27FC236}">
+                <a16:creationId xmlns:a16="http://schemas.microsoft.com/office/drawing/2014/main" id="{76244B43-9E69-4F23-9AD7-C79615969921}"/>
+              </a:ext>
+            </a:extLst>
+          </p:cNvPr>
+          <p:cNvPicPr>
+            <a:picLocks noChangeAspect="1"/>
+          </p:cNvPicPr>
+          <p:nvPr/>
+        </p:nvPicPr>
+        <p:blipFill>
+          <a:blip r:embed="rId2"/>
+          <a:stretch>
+            <a:fillRect/>
+          </a:stretch>
+        </p:blipFill>
+        <p:spPr>
+          <a:xfrm>
+            <a:off x="1496607" y="4558963"/>
+            <a:ext cx="7868748" cy="1133633"/>
+          </a:xfrm>
+          <a:prstGeom prst="rect">
+            <a:avLst/>
+          </a:prstGeom>
+        </p:spPr>
+      </p:pic>
+    </p:spTree>
+    <p:extLst>
+      <p:ext uri="{BB962C8B-B14F-4D97-AF65-F5344CB8AC3E}">
+        <p14:creationId xmlns:p14="http://schemas.microsoft.com/office/powerpoint/2010/main" val="588677708"/>
+      </p:ext>
+    </p:extLst>
+  </p:cSld>
+  <p:clrMapOvr>
+    <a:masterClrMapping/>
+  </p:clrMapOvr>
+</p:sld>
+</file>
+
+<file path=ppt/slides/slide32.xml><?xml version="1.0" encoding="utf-8"?>
+<p:sld xmlns:a="http://schemas.openxmlformats.org/drawingml/2006/main" xmlns:r="http://schemas.openxmlformats.org/officeDocument/2006/relationships" xmlns:p="http://schemas.openxmlformats.org/presentationml/2006/main">
+  <p:cSld>
+    <p:spTree>
+      <p:nvGrpSpPr>
+        <p:cNvPr id="1" name=""/>
+        <p:cNvGrpSpPr/>
+        <p:nvPr/>
+      </p:nvGrpSpPr>
+      <p:grpSpPr>
+        <a:xfrm>
+          <a:off x="0" y="0"/>
+          <a:ext cx="0" cy="0"/>
+          <a:chOff x="0" y="0"/>
+          <a:chExt cx="0" cy="0"/>
+        </a:xfrm>
+      </p:grpSpPr>
+      <p:sp>
+        <p:nvSpPr>
+          <p:cNvPr id="10" name="Foliennummernplatzhalter 9">
+            <a:extLst>
+              <a:ext uri="{FF2B5EF4-FFF2-40B4-BE49-F238E27FC236}">
+                <a16:creationId xmlns:a16="http://schemas.microsoft.com/office/drawing/2014/main" id="{D931436D-0B25-4BC2-AB85-D177B4C7ED90}"/>
+              </a:ext>
+            </a:extLst>
+          </p:cNvPr>
+          <p:cNvSpPr>
+            <a:spLocks noGrp="1"/>
+          </p:cNvSpPr>
+          <p:nvPr>
+            <p:ph type="sldNum" sz="quarter" idx="12"/>
+          </p:nvPr>
+        </p:nvSpPr>
+        <p:spPr>
+          <a:xfrm>
+            <a:off x="9273076" y="6421667"/>
+            <a:ext cx="2743200" cy="365125"/>
+          </a:xfrm>
+        </p:spPr>
+        <p:txBody>
+          <a:bodyPr/>
+          <a:lstStyle/>
+          <a:p>
+            <a:r>
+              <a:rPr lang="de-DE" sz="1000" b="1" dirty="0">
+                <a:solidFill>
+                  <a:schemeClr val="tx1"/>
+                </a:solidFill>
+              </a:rPr>
+              <a:t>Seite </a:t>
+            </a:r>
+            <a:fld id="{2ACCF16B-2666-47AE-ACDC-C377DF350193}" type="slidenum">
+              <a:rPr lang="de-DE" sz="1000" b="1" smtClean="0">
+                <a:solidFill>
+                  <a:schemeClr val="tx1"/>
+                </a:solidFill>
+              </a:rPr>
+              <a:t>32</a:t>
+            </a:fld>
+            <a:endParaRPr lang="de-DE" sz="1000" b="1" dirty="0">
+              <a:solidFill>
+                <a:schemeClr val="tx1"/>
+              </a:solidFill>
+            </a:endParaRPr>
+          </a:p>
+        </p:txBody>
+      </p:sp>
+      <p:cxnSp>
+        <p:nvCxnSpPr>
+          <p:cNvPr id="12" name="Gerader Verbinder 11">
+            <a:extLst>
+              <a:ext uri="{FF2B5EF4-FFF2-40B4-BE49-F238E27FC236}">
+                <a16:creationId xmlns:a16="http://schemas.microsoft.com/office/drawing/2014/main" id="{4A855513-E5C1-4F05-A8FD-33AC62C22A5E}"/>
+              </a:ext>
+            </a:extLst>
+          </p:cNvPr>
+          <p:cNvCxnSpPr/>
+          <p:nvPr/>
+        </p:nvCxnSpPr>
+        <p:spPr>
+          <a:xfrm>
+            <a:off x="0" y="737118"/>
+            <a:ext cx="12192000" cy="0"/>
+          </a:xfrm>
+          <a:prstGeom prst="line">
+            <a:avLst/>
+          </a:prstGeom>
+          <a:ln w="15875">
+            <a:solidFill>
+              <a:srgbClr val="3333CC"/>
+            </a:solidFill>
+          </a:ln>
+        </p:spPr>
+        <p:style>
+          <a:lnRef idx="1">
+            <a:schemeClr val="accent1"/>
+          </a:lnRef>
+          <a:fillRef idx="0">
+            <a:schemeClr val="accent1"/>
+          </a:fillRef>
+          <a:effectRef idx="0">
+            <a:schemeClr val="accent1"/>
+          </a:effectRef>
+          <a:fontRef idx="minor">
+            <a:schemeClr val="tx1"/>
+          </a:fontRef>
+        </p:style>
+      </p:cxnSp>
+      <p:cxnSp>
+        <p:nvCxnSpPr>
+          <p:cNvPr id="13" name="Gerader Verbinder 12">
+            <a:extLst>
+              <a:ext uri="{FF2B5EF4-FFF2-40B4-BE49-F238E27FC236}">
+                <a16:creationId xmlns:a16="http://schemas.microsoft.com/office/drawing/2014/main" id="{F2778992-5E28-437C-AEA9-F9BBD6E6F5BB}"/>
+              </a:ext>
+            </a:extLst>
+          </p:cNvPr>
+          <p:cNvCxnSpPr/>
+          <p:nvPr/>
+        </p:nvCxnSpPr>
+        <p:spPr>
+          <a:xfrm>
+            <a:off x="0" y="6356350"/>
+            <a:ext cx="12192000" cy="0"/>
+          </a:xfrm>
+          <a:prstGeom prst="line">
+            <a:avLst/>
+          </a:prstGeom>
+          <a:ln w="15875">
+            <a:solidFill>
+              <a:srgbClr val="3333CC"/>
+            </a:solidFill>
+          </a:ln>
+        </p:spPr>
+        <p:style>
+          <a:lnRef idx="1">
+            <a:schemeClr val="accent1"/>
+          </a:lnRef>
+          <a:fillRef idx="0">
+            <a:schemeClr val="accent1"/>
+          </a:fillRef>
+          <a:effectRef idx="0">
+            <a:schemeClr val="accent1"/>
+          </a:effectRef>
+          <a:fontRef idx="minor">
+            <a:schemeClr val="tx1"/>
+          </a:fontRef>
+        </p:style>
+      </p:cxnSp>
+      <p:sp>
+        <p:nvSpPr>
+          <p:cNvPr id="14" name="Textfeld 13">
+            <a:extLst>
+              <a:ext uri="{FF2B5EF4-FFF2-40B4-BE49-F238E27FC236}">
+                <a16:creationId xmlns:a16="http://schemas.microsoft.com/office/drawing/2014/main" id="{6CF8FF9D-8A98-4CFA-94C2-E2074112639C}"/>
+              </a:ext>
+            </a:extLst>
+          </p:cNvPr>
+          <p:cNvSpPr txBox="1"/>
+          <p:nvPr/>
+        </p:nvSpPr>
+        <p:spPr>
+          <a:xfrm>
+            <a:off x="2653004" y="215779"/>
+            <a:ext cx="6885992" cy="369332"/>
+          </a:xfrm>
+          <a:prstGeom prst="rect">
+            <a:avLst/>
+          </a:prstGeom>
+          <a:noFill/>
+        </p:spPr>
+        <p:txBody>
+          <a:bodyPr wrap="square" rtlCol="0">
+            <a:spAutoFit/>
+          </a:bodyPr>
+          <a:lstStyle/>
+          <a:p>
+            <a:pPr algn="ctr"/>
+            <a:r>
+              <a:rPr lang="de-DE" b="1" dirty="0"/>
+              <a:t>Dynamische Container in C</a:t>
+            </a:r>
+          </a:p>
+        </p:txBody>
+      </p:sp>
+      <p:sp>
+        <p:nvSpPr>
+          <p:cNvPr id="6" name="Textfeld 5">
+            <a:extLst>
+              <a:ext uri="{FF2B5EF4-FFF2-40B4-BE49-F238E27FC236}">
+                <a16:creationId xmlns:a16="http://schemas.microsoft.com/office/drawing/2014/main" id="{8E05CB3E-FC8B-4C84-8452-A027AF29808D}"/>
+              </a:ext>
+            </a:extLst>
+          </p:cNvPr>
+          <p:cNvSpPr txBox="1"/>
+          <p:nvPr/>
+        </p:nvSpPr>
+        <p:spPr>
+          <a:xfrm>
+            <a:off x="485190" y="1154923"/>
+            <a:ext cx="4945791" cy="1323439"/>
+          </a:xfrm>
+          <a:prstGeom prst="rect">
+            <a:avLst/>
+          </a:prstGeom>
+          <a:noFill/>
+        </p:spPr>
+        <p:txBody>
+          <a:bodyPr wrap="square" rtlCol="0">
+            <a:spAutoFit/>
+          </a:bodyPr>
+          <a:lstStyle/>
+          <a:p>
+            <a:r>
+              <a:rPr lang="de-DE" sz="2000" b="1" dirty="0"/>
+              <a:t>4. Tests</a:t>
+            </a:r>
+          </a:p>
+          <a:p>
+            <a:endParaRPr lang="de-DE" sz="2000" b="1" dirty="0"/>
+          </a:p>
+          <a:p>
+            <a:endParaRPr lang="de-DE" sz="2000" b="1" dirty="0"/>
+          </a:p>
+          <a:p>
+            <a:r>
+              <a:rPr lang="de-DE" sz="2000" b="1" dirty="0"/>
+              <a:t> 	</a:t>
+            </a:r>
+            <a:endParaRPr lang="de-DE" sz="2000" dirty="0"/>
+          </a:p>
+        </p:txBody>
+      </p:sp>
+      <p:sp>
+        <p:nvSpPr>
+          <p:cNvPr id="9" name="Textfeld 8">
+            <a:extLst>
+              <a:ext uri="{FF2B5EF4-FFF2-40B4-BE49-F238E27FC236}">
+                <a16:creationId xmlns:a16="http://schemas.microsoft.com/office/drawing/2014/main" id="{105407A1-FCD8-4DB9-8051-366A6497ED37}"/>
+              </a:ext>
+            </a:extLst>
+          </p:cNvPr>
+          <p:cNvSpPr txBox="1"/>
+          <p:nvPr/>
+        </p:nvSpPr>
+        <p:spPr>
+          <a:xfrm>
+            <a:off x="1085461" y="1739968"/>
+            <a:ext cx="10021077" cy="1247008"/>
+          </a:xfrm>
+          <a:prstGeom prst="rect">
+            <a:avLst/>
+          </a:prstGeom>
+          <a:noFill/>
+        </p:spPr>
+        <p:txBody>
+          <a:bodyPr wrap="square">
+            <a:spAutoFit/>
+          </a:bodyPr>
+          <a:lstStyle/>
+          <a:p>
+            <a:pPr>
+              <a:lnSpc>
+                <a:spcPct val="200000"/>
+              </a:lnSpc>
+            </a:pPr>
+            <a:r>
+              <a:rPr lang="de-DE" sz="1600" b="1" dirty="0">
+                <a:solidFill>
+                  <a:srgbClr val="000000"/>
+                </a:solidFill>
+                <a:latin typeface="+mj-lt"/>
+              </a:rPr>
+              <a:t>Memory leak:</a:t>
+            </a:r>
+          </a:p>
+          <a:p>
+            <a:r>
+              <a:rPr lang="de-DE" sz="1600" dirty="0">
+                <a:solidFill>
+                  <a:srgbClr val="000000"/>
+                </a:solidFill>
+                <a:latin typeface="+mj-lt"/>
+              </a:rPr>
+              <a:t>Unser Projekt wurde vollständig auf Memory Leaks geprüft.</a:t>
+            </a:r>
+            <a:endParaRPr lang="de-DE" sz="1600" b="1" dirty="0">
+              <a:solidFill>
+                <a:srgbClr val="000000"/>
+              </a:solidFill>
+              <a:latin typeface="+mj-lt"/>
+            </a:endParaRPr>
+          </a:p>
+          <a:p>
+            <a:pPr>
+              <a:lnSpc>
+                <a:spcPct val="200000"/>
+              </a:lnSpc>
+            </a:pPr>
+            <a:r>
+              <a:rPr lang="de-DE" sz="1600" b="1" dirty="0">
+                <a:solidFill>
+                  <a:srgbClr val="000000"/>
+                </a:solidFill>
+                <a:latin typeface="+mj-lt"/>
+              </a:rPr>
+              <a:t>Unsere Tests:</a:t>
+            </a:r>
+          </a:p>
+        </p:txBody>
+      </p:sp>
+      <p:pic>
+        <p:nvPicPr>
+          <p:cNvPr id="3" name="Grafik 2">
+            <a:extLst>
+              <a:ext uri="{FF2B5EF4-FFF2-40B4-BE49-F238E27FC236}">
+                <a16:creationId xmlns:a16="http://schemas.microsoft.com/office/drawing/2014/main" id="{02FF0FAB-7B84-4149-AE0C-DFA7DF373C07}"/>
+              </a:ext>
+            </a:extLst>
+          </p:cNvPr>
+          <p:cNvPicPr>
+            <a:picLocks noChangeAspect="1"/>
+          </p:cNvPicPr>
+          <p:nvPr/>
+        </p:nvPicPr>
+        <p:blipFill>
+          <a:blip r:embed="rId2"/>
+          <a:stretch>
+            <a:fillRect/>
+          </a:stretch>
+        </p:blipFill>
+        <p:spPr>
+          <a:xfrm>
+            <a:off x="1412977" y="3063407"/>
+            <a:ext cx="4683022" cy="2945657"/>
+          </a:xfrm>
+          <a:prstGeom prst="rect">
+            <a:avLst/>
+          </a:prstGeom>
+        </p:spPr>
+      </p:pic>
+    </p:spTree>
+    <p:extLst>
+      <p:ext uri="{BB962C8B-B14F-4D97-AF65-F5344CB8AC3E}">
+        <p14:creationId xmlns:p14="http://schemas.microsoft.com/office/powerpoint/2010/main" val="2145051896"/>
+      </p:ext>
+    </p:extLst>
+  </p:cSld>
+  <p:clrMapOvr>
+    <a:masterClrMapping/>
+  </p:clrMapOvr>
+</p:sld>
+</file>
+
+<file path=ppt/slides/slide33.xml><?xml version="1.0" encoding="utf-8"?>
+<p:sld xmlns:a="http://schemas.openxmlformats.org/drawingml/2006/main" xmlns:r="http://schemas.openxmlformats.org/officeDocument/2006/relationships" xmlns:p="http://schemas.openxmlformats.org/presentationml/2006/main">
+  <p:cSld>
+    <p:spTree>
+      <p:nvGrpSpPr>
+        <p:cNvPr id="1" name=""/>
+        <p:cNvGrpSpPr/>
+        <p:nvPr/>
+      </p:nvGrpSpPr>
+      <p:grpSpPr>
+        <a:xfrm>
+          <a:off x="0" y="0"/>
+          <a:ext cx="0" cy="0"/>
+          <a:chOff x="0" y="0"/>
+          <a:chExt cx="0" cy="0"/>
+        </a:xfrm>
+      </p:grpSpPr>
+      <p:sp>
+        <p:nvSpPr>
+          <p:cNvPr id="10" name="Foliennummernplatzhalter 9">
+            <a:extLst>
+              <a:ext uri="{FF2B5EF4-FFF2-40B4-BE49-F238E27FC236}">
+                <a16:creationId xmlns:a16="http://schemas.microsoft.com/office/drawing/2014/main" id="{D931436D-0B25-4BC2-AB85-D177B4C7ED90}"/>
+              </a:ext>
+            </a:extLst>
+          </p:cNvPr>
+          <p:cNvSpPr>
+            <a:spLocks noGrp="1"/>
+          </p:cNvSpPr>
+          <p:nvPr>
+            <p:ph type="sldNum" sz="quarter" idx="12"/>
+          </p:nvPr>
+        </p:nvSpPr>
+        <p:spPr>
+          <a:xfrm>
+            <a:off x="9273076" y="6421667"/>
+            <a:ext cx="2743200" cy="365125"/>
+          </a:xfrm>
+        </p:spPr>
+        <p:txBody>
+          <a:bodyPr/>
+          <a:lstStyle/>
+          <a:p>
+            <a:r>
+              <a:rPr lang="de-DE" sz="1000" b="1" dirty="0">
+                <a:solidFill>
+                  <a:schemeClr val="tx1"/>
+                </a:solidFill>
+              </a:rPr>
+              <a:t>Seite </a:t>
+            </a:r>
+            <a:fld id="{2ACCF16B-2666-47AE-ACDC-C377DF350193}" type="slidenum">
+              <a:rPr lang="de-DE" sz="1000" b="1" smtClean="0">
+                <a:solidFill>
+                  <a:schemeClr val="tx1"/>
+                </a:solidFill>
+              </a:rPr>
+              <a:t>33</a:t>
+            </a:fld>
+            <a:endParaRPr lang="de-DE" sz="1000" b="1" dirty="0">
+              <a:solidFill>
+                <a:schemeClr val="tx1"/>
+              </a:solidFill>
+            </a:endParaRPr>
+          </a:p>
+        </p:txBody>
+      </p:sp>
+      <p:cxnSp>
+        <p:nvCxnSpPr>
+          <p:cNvPr id="12" name="Gerader Verbinder 11">
+            <a:extLst>
+              <a:ext uri="{FF2B5EF4-FFF2-40B4-BE49-F238E27FC236}">
+                <a16:creationId xmlns:a16="http://schemas.microsoft.com/office/drawing/2014/main" id="{4A855513-E5C1-4F05-A8FD-33AC62C22A5E}"/>
+              </a:ext>
+            </a:extLst>
+          </p:cNvPr>
+          <p:cNvCxnSpPr/>
+          <p:nvPr/>
+        </p:nvCxnSpPr>
+        <p:spPr>
+          <a:xfrm>
+            <a:off x="0" y="737118"/>
+            <a:ext cx="12192000" cy="0"/>
+          </a:xfrm>
+          <a:prstGeom prst="line">
+            <a:avLst/>
+          </a:prstGeom>
+          <a:ln w="15875">
+            <a:solidFill>
+              <a:srgbClr val="3333CC"/>
+            </a:solidFill>
+          </a:ln>
+        </p:spPr>
+        <p:style>
+          <a:lnRef idx="1">
+            <a:schemeClr val="accent1"/>
+          </a:lnRef>
+          <a:fillRef idx="0">
+            <a:schemeClr val="accent1"/>
+          </a:fillRef>
+          <a:effectRef idx="0">
+            <a:schemeClr val="accent1"/>
+          </a:effectRef>
+          <a:fontRef idx="minor">
+            <a:schemeClr val="tx1"/>
+          </a:fontRef>
+        </p:style>
+      </p:cxnSp>
+      <p:cxnSp>
+        <p:nvCxnSpPr>
+          <p:cNvPr id="13" name="Gerader Verbinder 12">
+            <a:extLst>
+              <a:ext uri="{FF2B5EF4-FFF2-40B4-BE49-F238E27FC236}">
+                <a16:creationId xmlns:a16="http://schemas.microsoft.com/office/drawing/2014/main" id="{F2778992-5E28-437C-AEA9-F9BBD6E6F5BB}"/>
+              </a:ext>
+            </a:extLst>
+          </p:cNvPr>
+          <p:cNvCxnSpPr/>
+          <p:nvPr/>
+        </p:nvCxnSpPr>
+        <p:spPr>
+          <a:xfrm>
+            <a:off x="0" y="6356350"/>
+            <a:ext cx="12192000" cy="0"/>
+          </a:xfrm>
+          <a:prstGeom prst="line">
+            <a:avLst/>
+          </a:prstGeom>
+          <a:ln w="15875">
+            <a:solidFill>
+              <a:srgbClr val="3333CC"/>
+            </a:solidFill>
+          </a:ln>
+        </p:spPr>
+        <p:style>
+          <a:lnRef idx="1">
+            <a:schemeClr val="accent1"/>
+          </a:lnRef>
+          <a:fillRef idx="0">
+            <a:schemeClr val="accent1"/>
+          </a:fillRef>
+          <a:effectRef idx="0">
+            <a:schemeClr val="accent1"/>
+          </a:effectRef>
+          <a:fontRef idx="minor">
+            <a:schemeClr val="tx1"/>
+          </a:fontRef>
+        </p:style>
+      </p:cxnSp>
+      <p:sp>
+        <p:nvSpPr>
+          <p:cNvPr id="14" name="Textfeld 13">
+            <a:extLst>
+              <a:ext uri="{FF2B5EF4-FFF2-40B4-BE49-F238E27FC236}">
+                <a16:creationId xmlns:a16="http://schemas.microsoft.com/office/drawing/2014/main" id="{6CF8FF9D-8A98-4CFA-94C2-E2074112639C}"/>
+              </a:ext>
+            </a:extLst>
+          </p:cNvPr>
+          <p:cNvSpPr txBox="1"/>
+          <p:nvPr/>
+        </p:nvSpPr>
+        <p:spPr>
+          <a:xfrm>
+            <a:off x="2653004" y="215779"/>
+            <a:ext cx="6885992" cy="369332"/>
+          </a:xfrm>
+          <a:prstGeom prst="rect">
+            <a:avLst/>
+          </a:prstGeom>
+          <a:noFill/>
+        </p:spPr>
+        <p:txBody>
+          <a:bodyPr wrap="square" rtlCol="0">
+            <a:spAutoFit/>
+          </a:bodyPr>
+          <a:lstStyle/>
+          <a:p>
+            <a:pPr algn="ctr"/>
+            <a:r>
+              <a:rPr lang="de-DE" b="1" dirty="0"/>
+              <a:t>Dynamische Container in C</a:t>
+            </a:r>
+          </a:p>
+        </p:txBody>
+      </p:sp>
+      <p:sp>
+        <p:nvSpPr>
+          <p:cNvPr id="6" name="Textfeld 5">
+            <a:extLst>
+              <a:ext uri="{FF2B5EF4-FFF2-40B4-BE49-F238E27FC236}">
+                <a16:creationId xmlns:a16="http://schemas.microsoft.com/office/drawing/2014/main" id="{8E05CB3E-FC8B-4C84-8452-A027AF29808D}"/>
+              </a:ext>
+            </a:extLst>
+          </p:cNvPr>
+          <p:cNvSpPr txBox="1"/>
+          <p:nvPr/>
+        </p:nvSpPr>
+        <p:spPr>
+          <a:xfrm>
+            <a:off x="485190" y="1154923"/>
+            <a:ext cx="4945791" cy="1323439"/>
+          </a:xfrm>
+          <a:prstGeom prst="rect">
+            <a:avLst/>
+          </a:prstGeom>
+          <a:noFill/>
+        </p:spPr>
+        <p:txBody>
+          <a:bodyPr wrap="square" rtlCol="0">
+            <a:spAutoFit/>
+          </a:bodyPr>
+          <a:lstStyle/>
+          <a:p>
+            <a:r>
+              <a:rPr lang="de-DE" sz="2000" b="1" dirty="0"/>
+              <a:t>5. Kompilierung</a:t>
+            </a:r>
+          </a:p>
+          <a:p>
+            <a:endParaRPr lang="de-DE" sz="2000" b="1" dirty="0"/>
+          </a:p>
+          <a:p>
+            <a:endParaRPr lang="de-DE" sz="2000" b="1" dirty="0"/>
+          </a:p>
+          <a:p>
+            <a:r>
+              <a:rPr lang="de-DE" sz="2000" b="1" dirty="0"/>
+              <a:t> 	</a:t>
+            </a:r>
+            <a:endParaRPr lang="de-DE" sz="2000" dirty="0"/>
+          </a:p>
+        </p:txBody>
+      </p:sp>
+      <p:sp>
+        <p:nvSpPr>
+          <p:cNvPr id="8" name="Textfeld 7">
+            <a:extLst>
+              <a:ext uri="{FF2B5EF4-FFF2-40B4-BE49-F238E27FC236}">
+                <a16:creationId xmlns:a16="http://schemas.microsoft.com/office/drawing/2014/main" id="{4842BEFA-10C3-45C0-8997-167BE0586DAC}"/>
+              </a:ext>
+            </a:extLst>
+          </p:cNvPr>
+          <p:cNvSpPr txBox="1"/>
+          <p:nvPr/>
+        </p:nvSpPr>
+        <p:spPr>
+          <a:xfrm>
+            <a:off x="783771" y="1945319"/>
+            <a:ext cx="10021077" cy="3046988"/>
+          </a:xfrm>
+          <a:prstGeom prst="rect">
+            <a:avLst/>
+          </a:prstGeom>
+          <a:noFill/>
+        </p:spPr>
+        <p:txBody>
+          <a:bodyPr wrap="square">
+            <a:spAutoFit/>
+          </a:bodyPr>
+          <a:lstStyle/>
+          <a:p>
+            <a:pPr>
+              <a:lnSpc>
+                <a:spcPct val="200000"/>
+              </a:lnSpc>
+            </a:pPr>
+            <a:r>
+              <a:rPr lang="de-DE" sz="1600" b="1" dirty="0">
+                <a:solidFill>
+                  <a:srgbClr val="000000"/>
+                </a:solidFill>
+                <a:latin typeface="+mj-lt"/>
+              </a:rPr>
+              <a:t>Windows:</a:t>
+            </a:r>
+          </a:p>
+          <a:p>
+            <a:r>
+              <a:rPr lang="de-DE" sz="1600" dirty="0">
+                <a:solidFill>
+                  <a:srgbClr val="000000"/>
+                </a:solidFill>
+                <a:latin typeface="+mj-lt"/>
+              </a:rPr>
+              <a:t>Öffne das Projekt in Visual Studio und klicke das Test-Projekt und wähle es als Start-Projekt aus. Ohne diese Einstellung wird möglicherweise versuch eine .</a:t>
+            </a:r>
+            <a:r>
+              <a:rPr lang="de-DE" sz="1600" dirty="0" err="1">
+                <a:solidFill>
+                  <a:srgbClr val="000000"/>
+                </a:solidFill>
+                <a:latin typeface="+mj-lt"/>
+              </a:rPr>
+              <a:t>lib</a:t>
+            </a:r>
+            <a:r>
+              <a:rPr lang="de-DE" sz="1600" dirty="0">
+                <a:solidFill>
+                  <a:srgbClr val="000000"/>
+                </a:solidFill>
+                <a:latin typeface="+mj-lt"/>
+              </a:rPr>
+              <a:t> Datei zu öffnen, dort wird dann ein Fehler angezeigt.</a:t>
+            </a:r>
+          </a:p>
+          <a:p>
+            <a:endParaRPr lang="de-DE" sz="1600" dirty="0">
+              <a:solidFill>
+                <a:srgbClr val="000000"/>
+              </a:solidFill>
+              <a:latin typeface="+mj-lt"/>
+            </a:endParaRPr>
+          </a:p>
+          <a:p>
+            <a:pPr>
+              <a:lnSpc>
+                <a:spcPct val="200000"/>
+              </a:lnSpc>
+            </a:pPr>
+            <a:r>
+              <a:rPr lang="de-DE" sz="1600" b="1" dirty="0">
+                <a:solidFill>
+                  <a:srgbClr val="000000"/>
+                </a:solidFill>
+                <a:latin typeface="+mj-lt"/>
+              </a:rPr>
+              <a:t>Linux:</a:t>
+            </a:r>
+          </a:p>
+          <a:p>
+            <a:r>
+              <a:rPr lang="de-DE" sz="1600" dirty="0">
+                <a:solidFill>
+                  <a:srgbClr val="000000"/>
+                </a:solidFill>
+                <a:latin typeface="+mj-lt"/>
+              </a:rPr>
+              <a:t>Navigiere zu der </a:t>
+            </a:r>
+            <a:r>
+              <a:rPr lang="de-DE" sz="1600" dirty="0" err="1">
+                <a:solidFill>
+                  <a:srgbClr val="000000"/>
+                </a:solidFill>
+                <a:latin typeface="+mj-lt"/>
+              </a:rPr>
+              <a:t>makefile</a:t>
+            </a:r>
+            <a:r>
+              <a:rPr lang="de-DE" sz="1600" dirty="0">
+                <a:solidFill>
+                  <a:srgbClr val="000000"/>
+                </a:solidFill>
+                <a:latin typeface="+mj-lt"/>
+              </a:rPr>
+              <a:t>. Dort befindet sich auch ein Skript das zum kompilieren genutzt werden kann. Es erstellt einen bin Order für Temporäre Daten, danach kompiliert es und startet das fertige Programm danach.</a:t>
+            </a:r>
+          </a:p>
+          <a:p>
+            <a:r>
+              <a:rPr lang="de-DE" sz="1600" dirty="0">
+                <a:solidFill>
+                  <a:srgbClr val="000000"/>
+                </a:solidFill>
+                <a:latin typeface="+mj-lt"/>
+              </a:rPr>
+              <a:t>Vergiss nicht die Skript-Datei ausführbar zu machen mit </a:t>
+            </a:r>
+            <a:r>
+              <a:rPr lang="de-DE" sz="1600" dirty="0" err="1">
+                <a:solidFill>
+                  <a:srgbClr val="000000"/>
+                </a:solidFill>
+                <a:latin typeface="+mj-lt"/>
+              </a:rPr>
+              <a:t>chmod</a:t>
+            </a:r>
+            <a:r>
+              <a:rPr lang="de-DE" sz="1600" dirty="0">
+                <a:solidFill>
+                  <a:srgbClr val="000000"/>
+                </a:solidFill>
+                <a:latin typeface="+mj-lt"/>
+              </a:rPr>
+              <a:t> +x FileName.sh. </a:t>
+            </a:r>
+          </a:p>
+          <a:p>
+            <a:r>
+              <a:rPr lang="de-DE" sz="1600" dirty="0">
+                <a:solidFill>
+                  <a:srgbClr val="000000"/>
+                </a:solidFill>
+                <a:latin typeface="+mj-lt"/>
+              </a:rPr>
+              <a:t>Dann zum Öffnen ./Filename.sh</a:t>
+            </a:r>
+          </a:p>
+          <a:p>
+            <a:endParaRPr lang="de-DE" sz="1600" b="0" i="0" u="none" strike="noStrike" baseline="0" dirty="0">
+              <a:solidFill>
+                <a:srgbClr val="000000"/>
+              </a:solidFill>
+              <a:latin typeface="+mj-lt"/>
+            </a:endParaRPr>
+          </a:p>
+        </p:txBody>
+      </p:sp>
+    </p:spTree>
+    <p:extLst>
+      <p:ext uri="{BB962C8B-B14F-4D97-AF65-F5344CB8AC3E}">
+        <p14:creationId xmlns:p14="http://schemas.microsoft.com/office/powerpoint/2010/main" val="2796430297"/>
+      </p:ext>
+    </p:extLst>
+  </p:cSld>
+  <p:clrMapOvr>
+    <a:masterClrMapping/>
+  </p:clrMapOvr>
+</p:sld>
+</file>
+
+<file path=ppt/slides/slide34.xml><?xml version="1.0" encoding="utf-8"?>
+<p:sld xmlns:a="http://schemas.openxmlformats.org/drawingml/2006/main" xmlns:r="http://schemas.openxmlformats.org/officeDocument/2006/relationships" xmlns:p="http://schemas.openxmlformats.org/presentationml/2006/main">
+  <p:cSld>
+    <p:spTree>
+      <p:nvGrpSpPr>
+        <p:cNvPr id="1" name=""/>
+        <p:cNvGrpSpPr/>
+        <p:nvPr/>
+      </p:nvGrpSpPr>
+      <p:grpSpPr>
+        <a:xfrm>
+          <a:off x="0" y="0"/>
+          <a:ext cx="0" cy="0"/>
+          <a:chOff x="0" y="0"/>
+          <a:chExt cx="0" cy="0"/>
+        </a:xfrm>
+      </p:grpSpPr>
+      <p:sp>
+        <p:nvSpPr>
+          <p:cNvPr id="10" name="Foliennummernplatzhalter 9">
+            <a:extLst>
+              <a:ext uri="{FF2B5EF4-FFF2-40B4-BE49-F238E27FC236}">
+                <a16:creationId xmlns:a16="http://schemas.microsoft.com/office/drawing/2014/main" id="{D931436D-0B25-4BC2-AB85-D177B4C7ED90}"/>
+              </a:ext>
+            </a:extLst>
+          </p:cNvPr>
+          <p:cNvSpPr>
+            <a:spLocks noGrp="1"/>
+          </p:cNvSpPr>
+          <p:nvPr>
+            <p:ph type="sldNum" sz="quarter" idx="12"/>
+          </p:nvPr>
+        </p:nvSpPr>
+        <p:spPr>
+          <a:xfrm>
+            <a:off x="9273076" y="6421667"/>
+            <a:ext cx="2743200" cy="365125"/>
+          </a:xfrm>
+        </p:spPr>
+        <p:txBody>
+          <a:bodyPr/>
+          <a:lstStyle/>
+          <a:p>
+            <a:r>
+              <a:rPr lang="de-DE" sz="1000" b="1" dirty="0">
+                <a:solidFill>
+                  <a:schemeClr val="tx1"/>
+                </a:solidFill>
+              </a:rPr>
+              <a:t>Seite </a:t>
+            </a:r>
+            <a:fld id="{2ACCF16B-2666-47AE-ACDC-C377DF350193}" type="slidenum">
+              <a:rPr lang="de-DE" sz="1000" b="1" smtClean="0">
+                <a:solidFill>
+                  <a:schemeClr val="tx1"/>
+                </a:solidFill>
+              </a:rPr>
+              <a:t>34</a:t>
             </a:fld>
             <a:endParaRPr lang="de-DE" sz="1000" b="1" dirty="0">
               <a:solidFill>
@@ -20696,7 +18838,7 @@
           <a:p>
             <a:r>
               <a:rPr lang="de-DE" sz="2000" b="1" dirty="0"/>
-              <a:t>2. Grundcontainer [List] </a:t>
+              <a:t>2.1 Grundcontainer [List] </a:t>
             </a:r>
           </a:p>
           <a:p>
@@ -21164,7 +19306,7 @@
           <a:p>
             <a:r>
               <a:rPr lang="de-DE" sz="2000" b="1" dirty="0"/>
-              <a:t>2. Grundcontainer [List] </a:t>
+              <a:t>2.1 Grundcontainer [List] </a:t>
             </a:r>
           </a:p>
           <a:p>
@@ -21753,7 +19895,7 @@
           <a:p>
             <a:r>
               <a:rPr lang="de-DE" sz="2000" b="1" dirty="0"/>
-              <a:t>2. Grundcontainer [List] </a:t>
+              <a:t>2.1 Grundcontainer [List] </a:t>
             </a:r>
           </a:p>
           <a:p>

--- a/Dokumentation/Container - Präsentation.pptx
+++ b/Dokumentation/Container - Präsentation.pptx
@@ -12,8 +12,8 @@
     <p:sldId id="257" r:id="rId3"/>
     <p:sldId id="261" r:id="rId4"/>
     <p:sldId id="262" r:id="rId5"/>
-    <p:sldId id="263" r:id="rId6"/>
-    <p:sldId id="267" r:id="rId7"/>
+    <p:sldId id="267" r:id="rId6"/>
+    <p:sldId id="263" r:id="rId7"/>
     <p:sldId id="264" r:id="rId8"/>
     <p:sldId id="288" r:id="rId9"/>
     <p:sldId id="289" r:id="rId10"/>
@@ -153,8 +153,8 @@
           <p14:sldIdLst>
             <p14:sldId id="261"/>
             <p14:sldId id="262"/>
+            <p14:sldId id="267"/>
             <p14:sldId id="263"/>
-            <p14:sldId id="267"/>
           </p14:sldIdLst>
         </p14:section>
         <p14:section name="Grund Container - List" id="{13E7EF3C-82F9-42C5-8A9E-B7327CF78852}">
@@ -3542,7 +3542,7 @@
           <p:cNvPr id="2" name="Titel 1">
             <a:extLst>
               <a:ext uri="{FF2B5EF4-FFF2-40B4-BE49-F238E27FC236}">
-                <a16:creationId xmlns:a16="http://schemas.microsoft.com/office/drawing/2014/main" id="{85D7B258-F523-4E91-90AB-2B5F742EF554}"/>
+                <a16:creationId xmlns:a16="http://schemas.microsoft.com/office/drawing/2014/main" xmlns="" id="{85D7B258-F523-4E91-90AB-2B5F742EF554}"/>
               </a:ext>
             </a:extLst>
           </p:cNvPr>
@@ -3586,7 +3586,7 @@
           <p:cNvPr id="3" name="Untertitel 2">
             <a:extLst>
               <a:ext uri="{FF2B5EF4-FFF2-40B4-BE49-F238E27FC236}">
-                <a16:creationId xmlns:a16="http://schemas.microsoft.com/office/drawing/2014/main" id="{C7CFF44E-7ED7-4CD9-A63C-0FE32841B732}"/>
+                <a16:creationId xmlns:a16="http://schemas.microsoft.com/office/drawing/2014/main" xmlns="" id="{C7CFF44E-7ED7-4CD9-A63C-0FE32841B732}"/>
               </a:ext>
             </a:extLst>
           </p:cNvPr>
@@ -3666,7 +3666,7 @@
           <p:cNvPr id="10" name="Foliennummernplatzhalter 9">
             <a:extLst>
               <a:ext uri="{FF2B5EF4-FFF2-40B4-BE49-F238E27FC236}">
-                <a16:creationId xmlns:a16="http://schemas.microsoft.com/office/drawing/2014/main" id="{D931436D-0B25-4BC2-AB85-D177B4C7ED90}"/>
+                <a16:creationId xmlns:a16="http://schemas.microsoft.com/office/drawing/2014/main" xmlns="" id="{D931436D-0B25-4BC2-AB85-D177B4C7ED90}"/>
               </a:ext>
             </a:extLst>
           </p:cNvPr>
@@ -3716,7 +3716,7 @@
           <p:cNvPr id="12" name="Gerader Verbinder 11">
             <a:extLst>
               <a:ext uri="{FF2B5EF4-FFF2-40B4-BE49-F238E27FC236}">
-                <a16:creationId xmlns:a16="http://schemas.microsoft.com/office/drawing/2014/main" id="{4A855513-E5C1-4F05-A8FD-33AC62C22A5E}"/>
+                <a16:creationId xmlns:a16="http://schemas.microsoft.com/office/drawing/2014/main" xmlns="" id="{4A855513-E5C1-4F05-A8FD-33AC62C22A5E}"/>
               </a:ext>
             </a:extLst>
           </p:cNvPr>
@@ -3757,7 +3757,7 @@
           <p:cNvPr id="13" name="Gerader Verbinder 12">
             <a:extLst>
               <a:ext uri="{FF2B5EF4-FFF2-40B4-BE49-F238E27FC236}">
-                <a16:creationId xmlns:a16="http://schemas.microsoft.com/office/drawing/2014/main" id="{F2778992-5E28-437C-AEA9-F9BBD6E6F5BB}"/>
+                <a16:creationId xmlns:a16="http://schemas.microsoft.com/office/drawing/2014/main" xmlns="" id="{F2778992-5E28-437C-AEA9-F9BBD6E6F5BB}"/>
               </a:ext>
             </a:extLst>
           </p:cNvPr>
@@ -3798,7 +3798,7 @@
           <p:cNvPr id="14" name="Textfeld 13">
             <a:extLst>
               <a:ext uri="{FF2B5EF4-FFF2-40B4-BE49-F238E27FC236}">
-                <a16:creationId xmlns:a16="http://schemas.microsoft.com/office/drawing/2014/main" id="{6CF8FF9D-8A98-4CFA-94C2-E2074112639C}"/>
+                <a16:creationId xmlns:a16="http://schemas.microsoft.com/office/drawing/2014/main" xmlns="" id="{6CF8FF9D-8A98-4CFA-94C2-E2074112639C}"/>
               </a:ext>
             </a:extLst>
           </p:cNvPr>
@@ -3834,7 +3834,7 @@
           <p:cNvPr id="6" name="Textfeld 5">
             <a:extLst>
               <a:ext uri="{FF2B5EF4-FFF2-40B4-BE49-F238E27FC236}">
-                <a16:creationId xmlns:a16="http://schemas.microsoft.com/office/drawing/2014/main" id="{8E05CB3E-FC8B-4C84-8452-A027AF29808D}"/>
+                <a16:creationId xmlns:a16="http://schemas.microsoft.com/office/drawing/2014/main" xmlns="" id="{8E05CB3E-FC8B-4C84-8452-A027AF29808D}"/>
               </a:ext>
             </a:extLst>
           </p:cNvPr>
@@ -3879,7 +3879,7 @@
           <p:cNvPr id="3" name="Textfeld 2">
             <a:extLst>
               <a:ext uri="{FF2B5EF4-FFF2-40B4-BE49-F238E27FC236}">
-                <a16:creationId xmlns:a16="http://schemas.microsoft.com/office/drawing/2014/main" id="{B616C74B-1A1C-4612-8D7A-608508876D6B}"/>
+                <a16:creationId xmlns:a16="http://schemas.microsoft.com/office/drawing/2014/main" xmlns="" id="{B616C74B-1A1C-4612-8D7A-608508876D6B}"/>
               </a:ext>
             </a:extLst>
           </p:cNvPr>
@@ -3914,7 +3914,7 @@
           <p:cNvPr id="5" name="Grafik 4">
             <a:extLst>
               <a:ext uri="{FF2B5EF4-FFF2-40B4-BE49-F238E27FC236}">
-                <a16:creationId xmlns:a16="http://schemas.microsoft.com/office/drawing/2014/main" id="{0140E6FD-8193-4AAF-9992-5309DF24B841}"/>
+                <a16:creationId xmlns:a16="http://schemas.microsoft.com/office/drawing/2014/main" xmlns="" id="{0140E6FD-8193-4AAF-9992-5309DF24B841}"/>
               </a:ext>
             </a:extLst>
           </p:cNvPr>
@@ -3974,7 +3974,7 @@
           <p:cNvPr id="10" name="Foliennummernplatzhalter 9">
             <a:extLst>
               <a:ext uri="{FF2B5EF4-FFF2-40B4-BE49-F238E27FC236}">
-                <a16:creationId xmlns:a16="http://schemas.microsoft.com/office/drawing/2014/main" id="{D931436D-0B25-4BC2-AB85-D177B4C7ED90}"/>
+                <a16:creationId xmlns:a16="http://schemas.microsoft.com/office/drawing/2014/main" xmlns="" id="{D931436D-0B25-4BC2-AB85-D177B4C7ED90}"/>
               </a:ext>
             </a:extLst>
           </p:cNvPr>
@@ -4024,7 +4024,7 @@
           <p:cNvPr id="12" name="Gerader Verbinder 11">
             <a:extLst>
               <a:ext uri="{FF2B5EF4-FFF2-40B4-BE49-F238E27FC236}">
-                <a16:creationId xmlns:a16="http://schemas.microsoft.com/office/drawing/2014/main" id="{4A855513-E5C1-4F05-A8FD-33AC62C22A5E}"/>
+                <a16:creationId xmlns:a16="http://schemas.microsoft.com/office/drawing/2014/main" xmlns="" id="{4A855513-E5C1-4F05-A8FD-33AC62C22A5E}"/>
               </a:ext>
             </a:extLst>
           </p:cNvPr>
@@ -4065,7 +4065,7 @@
           <p:cNvPr id="13" name="Gerader Verbinder 12">
             <a:extLst>
               <a:ext uri="{FF2B5EF4-FFF2-40B4-BE49-F238E27FC236}">
-                <a16:creationId xmlns:a16="http://schemas.microsoft.com/office/drawing/2014/main" id="{F2778992-5E28-437C-AEA9-F9BBD6E6F5BB}"/>
+                <a16:creationId xmlns:a16="http://schemas.microsoft.com/office/drawing/2014/main" xmlns="" id="{F2778992-5E28-437C-AEA9-F9BBD6E6F5BB}"/>
               </a:ext>
             </a:extLst>
           </p:cNvPr>
@@ -4106,7 +4106,7 @@
           <p:cNvPr id="14" name="Textfeld 13">
             <a:extLst>
               <a:ext uri="{FF2B5EF4-FFF2-40B4-BE49-F238E27FC236}">
-                <a16:creationId xmlns:a16="http://schemas.microsoft.com/office/drawing/2014/main" id="{6CF8FF9D-8A98-4CFA-94C2-E2074112639C}"/>
+                <a16:creationId xmlns:a16="http://schemas.microsoft.com/office/drawing/2014/main" xmlns="" id="{6CF8FF9D-8A98-4CFA-94C2-E2074112639C}"/>
               </a:ext>
             </a:extLst>
           </p:cNvPr>
@@ -4142,7 +4142,7 @@
           <p:cNvPr id="6" name="Textfeld 5">
             <a:extLst>
               <a:ext uri="{FF2B5EF4-FFF2-40B4-BE49-F238E27FC236}">
-                <a16:creationId xmlns:a16="http://schemas.microsoft.com/office/drawing/2014/main" id="{8E05CB3E-FC8B-4C84-8452-A027AF29808D}"/>
+                <a16:creationId xmlns:a16="http://schemas.microsoft.com/office/drawing/2014/main" xmlns="" id="{8E05CB3E-FC8B-4C84-8452-A027AF29808D}"/>
               </a:ext>
             </a:extLst>
           </p:cNvPr>
@@ -4187,7 +4187,7 @@
           <p:cNvPr id="3" name="Textfeld 2">
             <a:extLst>
               <a:ext uri="{FF2B5EF4-FFF2-40B4-BE49-F238E27FC236}">
-                <a16:creationId xmlns:a16="http://schemas.microsoft.com/office/drawing/2014/main" id="{B616C74B-1A1C-4612-8D7A-608508876D6B}"/>
+                <a16:creationId xmlns:a16="http://schemas.microsoft.com/office/drawing/2014/main" xmlns="" id="{B616C74B-1A1C-4612-8D7A-608508876D6B}"/>
               </a:ext>
             </a:extLst>
           </p:cNvPr>
@@ -4222,7 +4222,7 @@
           <p:cNvPr id="15" name="Textfeld 14">
             <a:extLst>
               <a:ext uri="{FF2B5EF4-FFF2-40B4-BE49-F238E27FC236}">
-                <a16:creationId xmlns:a16="http://schemas.microsoft.com/office/drawing/2014/main" id="{F66983C5-190C-4255-9AC6-9702FE35C815}"/>
+                <a16:creationId xmlns:a16="http://schemas.microsoft.com/office/drawing/2014/main" xmlns="" id="{F66983C5-190C-4255-9AC6-9702FE35C815}"/>
               </a:ext>
             </a:extLst>
           </p:cNvPr>
@@ -5388,7 +5388,7 @@
           <p:cNvPr id="10" name="Foliennummernplatzhalter 9">
             <a:extLst>
               <a:ext uri="{FF2B5EF4-FFF2-40B4-BE49-F238E27FC236}">
-                <a16:creationId xmlns:a16="http://schemas.microsoft.com/office/drawing/2014/main" id="{D931436D-0B25-4BC2-AB85-D177B4C7ED90}"/>
+                <a16:creationId xmlns:a16="http://schemas.microsoft.com/office/drawing/2014/main" xmlns="" id="{D931436D-0B25-4BC2-AB85-D177B4C7ED90}"/>
               </a:ext>
             </a:extLst>
           </p:cNvPr>
@@ -5438,7 +5438,7 @@
           <p:cNvPr id="12" name="Gerader Verbinder 11">
             <a:extLst>
               <a:ext uri="{FF2B5EF4-FFF2-40B4-BE49-F238E27FC236}">
-                <a16:creationId xmlns:a16="http://schemas.microsoft.com/office/drawing/2014/main" id="{4A855513-E5C1-4F05-A8FD-33AC62C22A5E}"/>
+                <a16:creationId xmlns:a16="http://schemas.microsoft.com/office/drawing/2014/main" xmlns="" id="{4A855513-E5C1-4F05-A8FD-33AC62C22A5E}"/>
               </a:ext>
             </a:extLst>
           </p:cNvPr>
@@ -5479,7 +5479,7 @@
           <p:cNvPr id="13" name="Gerader Verbinder 12">
             <a:extLst>
               <a:ext uri="{FF2B5EF4-FFF2-40B4-BE49-F238E27FC236}">
-                <a16:creationId xmlns:a16="http://schemas.microsoft.com/office/drawing/2014/main" id="{F2778992-5E28-437C-AEA9-F9BBD6E6F5BB}"/>
+                <a16:creationId xmlns:a16="http://schemas.microsoft.com/office/drawing/2014/main" xmlns="" id="{F2778992-5E28-437C-AEA9-F9BBD6E6F5BB}"/>
               </a:ext>
             </a:extLst>
           </p:cNvPr>
@@ -5520,7 +5520,7 @@
           <p:cNvPr id="14" name="Textfeld 13">
             <a:extLst>
               <a:ext uri="{FF2B5EF4-FFF2-40B4-BE49-F238E27FC236}">
-                <a16:creationId xmlns:a16="http://schemas.microsoft.com/office/drawing/2014/main" id="{6CF8FF9D-8A98-4CFA-94C2-E2074112639C}"/>
+                <a16:creationId xmlns:a16="http://schemas.microsoft.com/office/drawing/2014/main" xmlns="" id="{6CF8FF9D-8A98-4CFA-94C2-E2074112639C}"/>
               </a:ext>
             </a:extLst>
           </p:cNvPr>
@@ -5556,7 +5556,7 @@
           <p:cNvPr id="6" name="Textfeld 5">
             <a:extLst>
               <a:ext uri="{FF2B5EF4-FFF2-40B4-BE49-F238E27FC236}">
-                <a16:creationId xmlns:a16="http://schemas.microsoft.com/office/drawing/2014/main" id="{8E05CB3E-FC8B-4C84-8452-A027AF29808D}"/>
+                <a16:creationId xmlns:a16="http://schemas.microsoft.com/office/drawing/2014/main" xmlns="" id="{8E05CB3E-FC8B-4C84-8452-A027AF29808D}"/>
               </a:ext>
             </a:extLst>
           </p:cNvPr>
@@ -5601,7 +5601,7 @@
           <p:cNvPr id="3" name="Textfeld 2">
             <a:extLst>
               <a:ext uri="{FF2B5EF4-FFF2-40B4-BE49-F238E27FC236}">
-                <a16:creationId xmlns:a16="http://schemas.microsoft.com/office/drawing/2014/main" id="{B616C74B-1A1C-4612-8D7A-608508876D6B}"/>
+                <a16:creationId xmlns:a16="http://schemas.microsoft.com/office/drawing/2014/main" xmlns="" id="{B616C74B-1A1C-4612-8D7A-608508876D6B}"/>
               </a:ext>
             </a:extLst>
           </p:cNvPr>
@@ -5636,7 +5636,7 @@
           <p:cNvPr id="11" name="Textfeld 10">
             <a:extLst>
               <a:ext uri="{FF2B5EF4-FFF2-40B4-BE49-F238E27FC236}">
-                <a16:creationId xmlns:a16="http://schemas.microsoft.com/office/drawing/2014/main" id="{C616845B-AC50-4775-A32C-7BB8A4D3274B}"/>
+                <a16:creationId xmlns:a16="http://schemas.microsoft.com/office/drawing/2014/main" xmlns="" id="{C616845B-AC50-4775-A32C-7BB8A4D3274B}"/>
               </a:ext>
             </a:extLst>
           </p:cNvPr>
@@ -6440,7 +6440,7 @@
           <p:cNvPr id="10" name="Foliennummernplatzhalter 9">
             <a:extLst>
               <a:ext uri="{FF2B5EF4-FFF2-40B4-BE49-F238E27FC236}">
-                <a16:creationId xmlns:a16="http://schemas.microsoft.com/office/drawing/2014/main" id="{D931436D-0B25-4BC2-AB85-D177B4C7ED90}"/>
+                <a16:creationId xmlns:a16="http://schemas.microsoft.com/office/drawing/2014/main" xmlns="" id="{D931436D-0B25-4BC2-AB85-D177B4C7ED90}"/>
               </a:ext>
             </a:extLst>
           </p:cNvPr>
@@ -6490,7 +6490,7 @@
           <p:cNvPr id="12" name="Gerader Verbinder 11">
             <a:extLst>
               <a:ext uri="{FF2B5EF4-FFF2-40B4-BE49-F238E27FC236}">
-                <a16:creationId xmlns:a16="http://schemas.microsoft.com/office/drawing/2014/main" id="{4A855513-E5C1-4F05-A8FD-33AC62C22A5E}"/>
+                <a16:creationId xmlns:a16="http://schemas.microsoft.com/office/drawing/2014/main" xmlns="" id="{4A855513-E5C1-4F05-A8FD-33AC62C22A5E}"/>
               </a:ext>
             </a:extLst>
           </p:cNvPr>
@@ -6531,7 +6531,7 @@
           <p:cNvPr id="13" name="Gerader Verbinder 12">
             <a:extLst>
               <a:ext uri="{FF2B5EF4-FFF2-40B4-BE49-F238E27FC236}">
-                <a16:creationId xmlns:a16="http://schemas.microsoft.com/office/drawing/2014/main" id="{F2778992-5E28-437C-AEA9-F9BBD6E6F5BB}"/>
+                <a16:creationId xmlns:a16="http://schemas.microsoft.com/office/drawing/2014/main" xmlns="" id="{F2778992-5E28-437C-AEA9-F9BBD6E6F5BB}"/>
               </a:ext>
             </a:extLst>
           </p:cNvPr>
@@ -6572,7 +6572,7 @@
           <p:cNvPr id="14" name="Textfeld 13">
             <a:extLst>
               <a:ext uri="{FF2B5EF4-FFF2-40B4-BE49-F238E27FC236}">
-                <a16:creationId xmlns:a16="http://schemas.microsoft.com/office/drawing/2014/main" id="{6CF8FF9D-8A98-4CFA-94C2-E2074112639C}"/>
+                <a16:creationId xmlns:a16="http://schemas.microsoft.com/office/drawing/2014/main" xmlns="" id="{6CF8FF9D-8A98-4CFA-94C2-E2074112639C}"/>
               </a:ext>
             </a:extLst>
           </p:cNvPr>
@@ -6608,7 +6608,7 @@
           <p:cNvPr id="6" name="Textfeld 5">
             <a:extLst>
               <a:ext uri="{FF2B5EF4-FFF2-40B4-BE49-F238E27FC236}">
-                <a16:creationId xmlns:a16="http://schemas.microsoft.com/office/drawing/2014/main" id="{8E05CB3E-FC8B-4C84-8452-A027AF29808D}"/>
+                <a16:creationId xmlns:a16="http://schemas.microsoft.com/office/drawing/2014/main" xmlns="" id="{8E05CB3E-FC8B-4C84-8452-A027AF29808D}"/>
               </a:ext>
             </a:extLst>
           </p:cNvPr>
@@ -6653,7 +6653,7 @@
           <p:cNvPr id="8" name="Textfeld 7">
             <a:extLst>
               <a:ext uri="{FF2B5EF4-FFF2-40B4-BE49-F238E27FC236}">
-                <a16:creationId xmlns:a16="http://schemas.microsoft.com/office/drawing/2014/main" id="{4842BEFA-10C3-45C0-8997-167BE0586DAC}"/>
+                <a16:creationId xmlns:a16="http://schemas.microsoft.com/office/drawing/2014/main" xmlns="" id="{4842BEFA-10C3-45C0-8997-167BE0586DAC}"/>
               </a:ext>
             </a:extLst>
           </p:cNvPr>
@@ -6725,7 +6725,7 @@
           <p:cNvPr id="3" name="Textfeld 2">
             <a:extLst>
               <a:ext uri="{FF2B5EF4-FFF2-40B4-BE49-F238E27FC236}">
-                <a16:creationId xmlns:a16="http://schemas.microsoft.com/office/drawing/2014/main" id="{B616C74B-1A1C-4612-8D7A-608508876D6B}"/>
+                <a16:creationId xmlns:a16="http://schemas.microsoft.com/office/drawing/2014/main" xmlns="" id="{B616C74B-1A1C-4612-8D7A-608508876D6B}"/>
               </a:ext>
             </a:extLst>
           </p:cNvPr>
@@ -6760,7 +6760,7 @@
           <p:cNvPr id="4" name="Grafik 3">
             <a:extLst>
               <a:ext uri="{FF2B5EF4-FFF2-40B4-BE49-F238E27FC236}">
-                <a16:creationId xmlns:a16="http://schemas.microsoft.com/office/drawing/2014/main" id="{2F5448A5-105F-4C22-85A0-7C50C1DBA54C}"/>
+                <a16:creationId xmlns:a16="http://schemas.microsoft.com/office/drawing/2014/main" xmlns="" id="{2F5448A5-105F-4C22-85A0-7C50C1DBA54C}"/>
               </a:ext>
             </a:extLst>
           </p:cNvPr>
@@ -6796,7 +6796,7 @@
           <p:cNvPr id="7" name="Textfeld 6">
             <a:extLst>
               <a:ext uri="{FF2B5EF4-FFF2-40B4-BE49-F238E27FC236}">
-                <a16:creationId xmlns:a16="http://schemas.microsoft.com/office/drawing/2014/main" id="{2AB11AF8-E90B-4B4A-BE80-FE1C398D379A}"/>
+                <a16:creationId xmlns:a16="http://schemas.microsoft.com/office/drawing/2014/main" xmlns="" id="{2AB11AF8-E90B-4B4A-BE80-FE1C398D379A}"/>
               </a:ext>
             </a:extLst>
           </p:cNvPr>
@@ -6862,7 +6862,7 @@
           <p:cNvPr id="10" name="Foliennummernplatzhalter 9">
             <a:extLst>
               <a:ext uri="{FF2B5EF4-FFF2-40B4-BE49-F238E27FC236}">
-                <a16:creationId xmlns:a16="http://schemas.microsoft.com/office/drawing/2014/main" id="{D931436D-0B25-4BC2-AB85-D177B4C7ED90}"/>
+                <a16:creationId xmlns:a16="http://schemas.microsoft.com/office/drawing/2014/main" xmlns="" id="{D931436D-0B25-4BC2-AB85-D177B4C7ED90}"/>
               </a:ext>
             </a:extLst>
           </p:cNvPr>
@@ -6912,7 +6912,7 @@
           <p:cNvPr id="12" name="Gerader Verbinder 11">
             <a:extLst>
               <a:ext uri="{FF2B5EF4-FFF2-40B4-BE49-F238E27FC236}">
-                <a16:creationId xmlns:a16="http://schemas.microsoft.com/office/drawing/2014/main" id="{4A855513-E5C1-4F05-A8FD-33AC62C22A5E}"/>
+                <a16:creationId xmlns:a16="http://schemas.microsoft.com/office/drawing/2014/main" xmlns="" id="{4A855513-E5C1-4F05-A8FD-33AC62C22A5E}"/>
               </a:ext>
             </a:extLst>
           </p:cNvPr>
@@ -6953,7 +6953,7 @@
           <p:cNvPr id="13" name="Gerader Verbinder 12">
             <a:extLst>
               <a:ext uri="{FF2B5EF4-FFF2-40B4-BE49-F238E27FC236}">
-                <a16:creationId xmlns:a16="http://schemas.microsoft.com/office/drawing/2014/main" id="{F2778992-5E28-437C-AEA9-F9BBD6E6F5BB}"/>
+                <a16:creationId xmlns:a16="http://schemas.microsoft.com/office/drawing/2014/main" xmlns="" id="{F2778992-5E28-437C-AEA9-F9BBD6E6F5BB}"/>
               </a:ext>
             </a:extLst>
           </p:cNvPr>
@@ -6994,7 +6994,7 @@
           <p:cNvPr id="14" name="Textfeld 13">
             <a:extLst>
               <a:ext uri="{FF2B5EF4-FFF2-40B4-BE49-F238E27FC236}">
-                <a16:creationId xmlns:a16="http://schemas.microsoft.com/office/drawing/2014/main" id="{6CF8FF9D-8A98-4CFA-94C2-E2074112639C}"/>
+                <a16:creationId xmlns:a16="http://schemas.microsoft.com/office/drawing/2014/main" xmlns="" id="{6CF8FF9D-8A98-4CFA-94C2-E2074112639C}"/>
               </a:ext>
             </a:extLst>
           </p:cNvPr>
@@ -7030,7 +7030,7 @@
           <p:cNvPr id="6" name="Textfeld 5">
             <a:extLst>
               <a:ext uri="{FF2B5EF4-FFF2-40B4-BE49-F238E27FC236}">
-                <a16:creationId xmlns:a16="http://schemas.microsoft.com/office/drawing/2014/main" id="{8E05CB3E-FC8B-4C84-8452-A027AF29808D}"/>
+                <a16:creationId xmlns:a16="http://schemas.microsoft.com/office/drawing/2014/main" xmlns="" id="{8E05CB3E-FC8B-4C84-8452-A027AF29808D}"/>
               </a:ext>
             </a:extLst>
           </p:cNvPr>
@@ -7075,7 +7075,7 @@
           <p:cNvPr id="8" name="Textfeld 7">
             <a:extLst>
               <a:ext uri="{FF2B5EF4-FFF2-40B4-BE49-F238E27FC236}">
-                <a16:creationId xmlns:a16="http://schemas.microsoft.com/office/drawing/2014/main" id="{4842BEFA-10C3-45C0-8997-167BE0586DAC}"/>
+                <a16:creationId xmlns:a16="http://schemas.microsoft.com/office/drawing/2014/main" xmlns="" id="{4842BEFA-10C3-45C0-8997-167BE0586DAC}"/>
               </a:ext>
             </a:extLst>
           </p:cNvPr>
@@ -7218,7 +7218,7 @@
           <p:cNvPr id="3" name="Textfeld 2">
             <a:extLst>
               <a:ext uri="{FF2B5EF4-FFF2-40B4-BE49-F238E27FC236}">
-                <a16:creationId xmlns:a16="http://schemas.microsoft.com/office/drawing/2014/main" id="{B616C74B-1A1C-4612-8D7A-608508876D6B}"/>
+                <a16:creationId xmlns:a16="http://schemas.microsoft.com/office/drawing/2014/main" xmlns="" id="{B616C74B-1A1C-4612-8D7A-608508876D6B}"/>
               </a:ext>
             </a:extLst>
           </p:cNvPr>
@@ -7283,7 +7283,7 @@
           <p:cNvPr id="10" name="Foliennummernplatzhalter 9">
             <a:extLst>
               <a:ext uri="{FF2B5EF4-FFF2-40B4-BE49-F238E27FC236}">
-                <a16:creationId xmlns:a16="http://schemas.microsoft.com/office/drawing/2014/main" id="{D931436D-0B25-4BC2-AB85-D177B4C7ED90}"/>
+                <a16:creationId xmlns:a16="http://schemas.microsoft.com/office/drawing/2014/main" xmlns="" id="{D931436D-0B25-4BC2-AB85-D177B4C7ED90}"/>
               </a:ext>
             </a:extLst>
           </p:cNvPr>
@@ -7333,7 +7333,7 @@
           <p:cNvPr id="12" name="Gerader Verbinder 11">
             <a:extLst>
               <a:ext uri="{FF2B5EF4-FFF2-40B4-BE49-F238E27FC236}">
-                <a16:creationId xmlns:a16="http://schemas.microsoft.com/office/drawing/2014/main" id="{4A855513-E5C1-4F05-A8FD-33AC62C22A5E}"/>
+                <a16:creationId xmlns:a16="http://schemas.microsoft.com/office/drawing/2014/main" xmlns="" id="{4A855513-E5C1-4F05-A8FD-33AC62C22A5E}"/>
               </a:ext>
             </a:extLst>
           </p:cNvPr>
@@ -7374,7 +7374,7 @@
           <p:cNvPr id="13" name="Gerader Verbinder 12">
             <a:extLst>
               <a:ext uri="{FF2B5EF4-FFF2-40B4-BE49-F238E27FC236}">
-                <a16:creationId xmlns:a16="http://schemas.microsoft.com/office/drawing/2014/main" id="{F2778992-5E28-437C-AEA9-F9BBD6E6F5BB}"/>
+                <a16:creationId xmlns:a16="http://schemas.microsoft.com/office/drawing/2014/main" xmlns="" id="{F2778992-5E28-437C-AEA9-F9BBD6E6F5BB}"/>
               </a:ext>
             </a:extLst>
           </p:cNvPr>
@@ -7415,7 +7415,7 @@
           <p:cNvPr id="14" name="Textfeld 13">
             <a:extLst>
               <a:ext uri="{FF2B5EF4-FFF2-40B4-BE49-F238E27FC236}">
-                <a16:creationId xmlns:a16="http://schemas.microsoft.com/office/drawing/2014/main" id="{6CF8FF9D-8A98-4CFA-94C2-E2074112639C}"/>
+                <a16:creationId xmlns:a16="http://schemas.microsoft.com/office/drawing/2014/main" xmlns="" id="{6CF8FF9D-8A98-4CFA-94C2-E2074112639C}"/>
               </a:ext>
             </a:extLst>
           </p:cNvPr>
@@ -7451,7 +7451,7 @@
           <p:cNvPr id="6" name="Textfeld 5">
             <a:extLst>
               <a:ext uri="{FF2B5EF4-FFF2-40B4-BE49-F238E27FC236}">
-                <a16:creationId xmlns:a16="http://schemas.microsoft.com/office/drawing/2014/main" id="{8E05CB3E-FC8B-4C84-8452-A027AF29808D}"/>
+                <a16:creationId xmlns:a16="http://schemas.microsoft.com/office/drawing/2014/main" xmlns="" id="{8E05CB3E-FC8B-4C84-8452-A027AF29808D}"/>
               </a:ext>
             </a:extLst>
           </p:cNvPr>
@@ -7496,7 +7496,7 @@
           <p:cNvPr id="3" name="Textfeld 2">
             <a:extLst>
               <a:ext uri="{FF2B5EF4-FFF2-40B4-BE49-F238E27FC236}">
-                <a16:creationId xmlns:a16="http://schemas.microsoft.com/office/drawing/2014/main" id="{B616C74B-1A1C-4612-8D7A-608508876D6B}"/>
+                <a16:creationId xmlns:a16="http://schemas.microsoft.com/office/drawing/2014/main" xmlns="" id="{B616C74B-1A1C-4612-8D7A-608508876D6B}"/>
               </a:ext>
             </a:extLst>
           </p:cNvPr>
@@ -7531,7 +7531,7 @@
           <p:cNvPr id="4" name="Grafik 3">
             <a:extLst>
               <a:ext uri="{FF2B5EF4-FFF2-40B4-BE49-F238E27FC236}">
-                <a16:creationId xmlns:a16="http://schemas.microsoft.com/office/drawing/2014/main" id="{FA2D8E22-F62E-4F78-B108-253534630D75}"/>
+                <a16:creationId xmlns:a16="http://schemas.microsoft.com/office/drawing/2014/main" xmlns="" id="{FA2D8E22-F62E-4F78-B108-253534630D75}"/>
               </a:ext>
             </a:extLst>
           </p:cNvPr>
@@ -7591,7 +7591,7 @@
           <p:cNvPr id="10" name="Foliennummernplatzhalter 9">
             <a:extLst>
               <a:ext uri="{FF2B5EF4-FFF2-40B4-BE49-F238E27FC236}">
-                <a16:creationId xmlns:a16="http://schemas.microsoft.com/office/drawing/2014/main" id="{D931436D-0B25-4BC2-AB85-D177B4C7ED90}"/>
+                <a16:creationId xmlns:a16="http://schemas.microsoft.com/office/drawing/2014/main" xmlns="" id="{D931436D-0B25-4BC2-AB85-D177B4C7ED90}"/>
               </a:ext>
             </a:extLst>
           </p:cNvPr>
@@ -7641,7 +7641,7 @@
           <p:cNvPr id="12" name="Gerader Verbinder 11">
             <a:extLst>
               <a:ext uri="{FF2B5EF4-FFF2-40B4-BE49-F238E27FC236}">
-                <a16:creationId xmlns:a16="http://schemas.microsoft.com/office/drawing/2014/main" id="{4A855513-E5C1-4F05-A8FD-33AC62C22A5E}"/>
+                <a16:creationId xmlns:a16="http://schemas.microsoft.com/office/drawing/2014/main" xmlns="" id="{4A855513-E5C1-4F05-A8FD-33AC62C22A5E}"/>
               </a:ext>
             </a:extLst>
           </p:cNvPr>
@@ -7682,7 +7682,7 @@
           <p:cNvPr id="13" name="Gerader Verbinder 12">
             <a:extLst>
               <a:ext uri="{FF2B5EF4-FFF2-40B4-BE49-F238E27FC236}">
-                <a16:creationId xmlns:a16="http://schemas.microsoft.com/office/drawing/2014/main" id="{F2778992-5E28-437C-AEA9-F9BBD6E6F5BB}"/>
+                <a16:creationId xmlns:a16="http://schemas.microsoft.com/office/drawing/2014/main" xmlns="" id="{F2778992-5E28-437C-AEA9-F9BBD6E6F5BB}"/>
               </a:ext>
             </a:extLst>
           </p:cNvPr>
@@ -7723,7 +7723,7 @@
           <p:cNvPr id="14" name="Textfeld 13">
             <a:extLst>
               <a:ext uri="{FF2B5EF4-FFF2-40B4-BE49-F238E27FC236}">
-                <a16:creationId xmlns:a16="http://schemas.microsoft.com/office/drawing/2014/main" id="{6CF8FF9D-8A98-4CFA-94C2-E2074112639C}"/>
+                <a16:creationId xmlns:a16="http://schemas.microsoft.com/office/drawing/2014/main" xmlns="" id="{6CF8FF9D-8A98-4CFA-94C2-E2074112639C}"/>
               </a:ext>
             </a:extLst>
           </p:cNvPr>
@@ -7759,7 +7759,7 @@
           <p:cNvPr id="6" name="Textfeld 5">
             <a:extLst>
               <a:ext uri="{FF2B5EF4-FFF2-40B4-BE49-F238E27FC236}">
-                <a16:creationId xmlns:a16="http://schemas.microsoft.com/office/drawing/2014/main" id="{8E05CB3E-FC8B-4C84-8452-A027AF29808D}"/>
+                <a16:creationId xmlns:a16="http://schemas.microsoft.com/office/drawing/2014/main" xmlns="" id="{8E05CB3E-FC8B-4C84-8452-A027AF29808D}"/>
               </a:ext>
             </a:extLst>
           </p:cNvPr>
@@ -7804,7 +7804,7 @@
           <p:cNvPr id="3" name="Textfeld 2">
             <a:extLst>
               <a:ext uri="{FF2B5EF4-FFF2-40B4-BE49-F238E27FC236}">
-                <a16:creationId xmlns:a16="http://schemas.microsoft.com/office/drawing/2014/main" id="{B616C74B-1A1C-4612-8D7A-608508876D6B}"/>
+                <a16:creationId xmlns:a16="http://schemas.microsoft.com/office/drawing/2014/main" xmlns="" id="{B616C74B-1A1C-4612-8D7A-608508876D6B}"/>
               </a:ext>
             </a:extLst>
           </p:cNvPr>
@@ -7839,7 +7839,7 @@
           <p:cNvPr id="15" name="Textfeld 14">
             <a:extLst>
               <a:ext uri="{FF2B5EF4-FFF2-40B4-BE49-F238E27FC236}">
-                <a16:creationId xmlns:a16="http://schemas.microsoft.com/office/drawing/2014/main" id="{79F52149-1009-4870-BA4B-79BC8D3BBE17}"/>
+                <a16:creationId xmlns:a16="http://schemas.microsoft.com/office/drawing/2014/main" xmlns="" id="{79F52149-1009-4870-BA4B-79BC8D3BBE17}"/>
               </a:ext>
             </a:extLst>
           </p:cNvPr>
@@ -7848,7 +7848,7 @@
         </p:nvSpPr>
         <p:spPr>
           <a:xfrm>
-            <a:off x="690980" y="2229866"/>
+            <a:off x="657424" y="2112791"/>
             <a:ext cx="12290425" cy="4442242"/>
           </a:xfrm>
           <a:prstGeom prst="rect">
@@ -8800,7 +8800,7 @@
           <p:cNvPr id="10" name="Foliennummernplatzhalter 9">
             <a:extLst>
               <a:ext uri="{FF2B5EF4-FFF2-40B4-BE49-F238E27FC236}">
-                <a16:creationId xmlns:a16="http://schemas.microsoft.com/office/drawing/2014/main" id="{D931436D-0B25-4BC2-AB85-D177B4C7ED90}"/>
+                <a16:creationId xmlns:a16="http://schemas.microsoft.com/office/drawing/2014/main" xmlns="" id="{D931436D-0B25-4BC2-AB85-D177B4C7ED90}"/>
               </a:ext>
             </a:extLst>
           </p:cNvPr>
@@ -8850,7 +8850,7 @@
           <p:cNvPr id="12" name="Gerader Verbinder 11">
             <a:extLst>
               <a:ext uri="{FF2B5EF4-FFF2-40B4-BE49-F238E27FC236}">
-                <a16:creationId xmlns:a16="http://schemas.microsoft.com/office/drawing/2014/main" id="{4A855513-E5C1-4F05-A8FD-33AC62C22A5E}"/>
+                <a16:creationId xmlns:a16="http://schemas.microsoft.com/office/drawing/2014/main" xmlns="" id="{4A855513-E5C1-4F05-A8FD-33AC62C22A5E}"/>
               </a:ext>
             </a:extLst>
           </p:cNvPr>
@@ -8891,7 +8891,7 @@
           <p:cNvPr id="13" name="Gerader Verbinder 12">
             <a:extLst>
               <a:ext uri="{FF2B5EF4-FFF2-40B4-BE49-F238E27FC236}">
-                <a16:creationId xmlns:a16="http://schemas.microsoft.com/office/drawing/2014/main" id="{F2778992-5E28-437C-AEA9-F9BBD6E6F5BB}"/>
+                <a16:creationId xmlns:a16="http://schemas.microsoft.com/office/drawing/2014/main" xmlns="" id="{F2778992-5E28-437C-AEA9-F9BBD6E6F5BB}"/>
               </a:ext>
             </a:extLst>
           </p:cNvPr>
@@ -8932,7 +8932,7 @@
           <p:cNvPr id="14" name="Textfeld 13">
             <a:extLst>
               <a:ext uri="{FF2B5EF4-FFF2-40B4-BE49-F238E27FC236}">
-                <a16:creationId xmlns:a16="http://schemas.microsoft.com/office/drawing/2014/main" id="{6CF8FF9D-8A98-4CFA-94C2-E2074112639C}"/>
+                <a16:creationId xmlns:a16="http://schemas.microsoft.com/office/drawing/2014/main" xmlns="" id="{6CF8FF9D-8A98-4CFA-94C2-E2074112639C}"/>
               </a:ext>
             </a:extLst>
           </p:cNvPr>
@@ -8968,7 +8968,7 @@
           <p:cNvPr id="6" name="Textfeld 5">
             <a:extLst>
               <a:ext uri="{FF2B5EF4-FFF2-40B4-BE49-F238E27FC236}">
-                <a16:creationId xmlns:a16="http://schemas.microsoft.com/office/drawing/2014/main" id="{8E05CB3E-FC8B-4C84-8452-A027AF29808D}"/>
+                <a16:creationId xmlns:a16="http://schemas.microsoft.com/office/drawing/2014/main" xmlns="" id="{8E05CB3E-FC8B-4C84-8452-A027AF29808D}"/>
               </a:ext>
             </a:extLst>
           </p:cNvPr>
@@ -9013,7 +9013,7 @@
           <p:cNvPr id="3" name="Textfeld 2">
             <a:extLst>
               <a:ext uri="{FF2B5EF4-FFF2-40B4-BE49-F238E27FC236}">
-                <a16:creationId xmlns:a16="http://schemas.microsoft.com/office/drawing/2014/main" id="{B616C74B-1A1C-4612-8D7A-608508876D6B}"/>
+                <a16:creationId xmlns:a16="http://schemas.microsoft.com/office/drawing/2014/main" xmlns="" id="{B616C74B-1A1C-4612-8D7A-608508876D6B}"/>
               </a:ext>
             </a:extLst>
           </p:cNvPr>
@@ -9048,7 +9048,7 @@
           <p:cNvPr id="15" name="Textfeld 14">
             <a:extLst>
               <a:ext uri="{FF2B5EF4-FFF2-40B4-BE49-F238E27FC236}">
-                <a16:creationId xmlns:a16="http://schemas.microsoft.com/office/drawing/2014/main" id="{79F52149-1009-4870-BA4B-79BC8D3BBE17}"/>
+                <a16:creationId xmlns:a16="http://schemas.microsoft.com/office/drawing/2014/main" xmlns="" id="{79F52149-1009-4870-BA4B-79BC8D3BBE17}"/>
               </a:ext>
             </a:extLst>
           </p:cNvPr>
@@ -9487,7 +9487,7 @@
           <p:cNvPr id="10" name="Foliennummernplatzhalter 9">
             <a:extLst>
               <a:ext uri="{FF2B5EF4-FFF2-40B4-BE49-F238E27FC236}">
-                <a16:creationId xmlns:a16="http://schemas.microsoft.com/office/drawing/2014/main" id="{D931436D-0B25-4BC2-AB85-D177B4C7ED90}"/>
+                <a16:creationId xmlns:a16="http://schemas.microsoft.com/office/drawing/2014/main" xmlns="" id="{D931436D-0B25-4BC2-AB85-D177B4C7ED90}"/>
               </a:ext>
             </a:extLst>
           </p:cNvPr>
@@ -9537,7 +9537,7 @@
           <p:cNvPr id="12" name="Gerader Verbinder 11">
             <a:extLst>
               <a:ext uri="{FF2B5EF4-FFF2-40B4-BE49-F238E27FC236}">
-                <a16:creationId xmlns:a16="http://schemas.microsoft.com/office/drawing/2014/main" id="{4A855513-E5C1-4F05-A8FD-33AC62C22A5E}"/>
+                <a16:creationId xmlns:a16="http://schemas.microsoft.com/office/drawing/2014/main" xmlns="" id="{4A855513-E5C1-4F05-A8FD-33AC62C22A5E}"/>
               </a:ext>
             </a:extLst>
           </p:cNvPr>
@@ -9578,7 +9578,7 @@
           <p:cNvPr id="13" name="Gerader Verbinder 12">
             <a:extLst>
               <a:ext uri="{FF2B5EF4-FFF2-40B4-BE49-F238E27FC236}">
-                <a16:creationId xmlns:a16="http://schemas.microsoft.com/office/drawing/2014/main" id="{F2778992-5E28-437C-AEA9-F9BBD6E6F5BB}"/>
+                <a16:creationId xmlns:a16="http://schemas.microsoft.com/office/drawing/2014/main" xmlns="" id="{F2778992-5E28-437C-AEA9-F9BBD6E6F5BB}"/>
               </a:ext>
             </a:extLst>
           </p:cNvPr>
@@ -9619,7 +9619,7 @@
           <p:cNvPr id="14" name="Textfeld 13">
             <a:extLst>
               <a:ext uri="{FF2B5EF4-FFF2-40B4-BE49-F238E27FC236}">
-                <a16:creationId xmlns:a16="http://schemas.microsoft.com/office/drawing/2014/main" id="{6CF8FF9D-8A98-4CFA-94C2-E2074112639C}"/>
+                <a16:creationId xmlns:a16="http://schemas.microsoft.com/office/drawing/2014/main" xmlns="" id="{6CF8FF9D-8A98-4CFA-94C2-E2074112639C}"/>
               </a:ext>
             </a:extLst>
           </p:cNvPr>
@@ -9685,7 +9685,7 @@
           <p:cNvPr id="8" name="Textfeld 7">
             <a:extLst>
               <a:ext uri="{FF2B5EF4-FFF2-40B4-BE49-F238E27FC236}">
-                <a16:creationId xmlns:a16="http://schemas.microsoft.com/office/drawing/2014/main" id="{8E05CB3E-FC8B-4C84-8452-A027AF29808D}"/>
+                <a16:creationId xmlns:a16="http://schemas.microsoft.com/office/drawing/2014/main" xmlns="" id="{8E05CB3E-FC8B-4C84-8452-A027AF29808D}"/>
               </a:ext>
             </a:extLst>
           </p:cNvPr>
@@ -9810,7 +9810,7 @@
           <p:cNvPr id="10" name="Foliennummernplatzhalter 9">
             <a:extLst>
               <a:ext uri="{FF2B5EF4-FFF2-40B4-BE49-F238E27FC236}">
-                <a16:creationId xmlns:a16="http://schemas.microsoft.com/office/drawing/2014/main" id="{D931436D-0B25-4BC2-AB85-D177B4C7ED90}"/>
+                <a16:creationId xmlns:a16="http://schemas.microsoft.com/office/drawing/2014/main" xmlns="" id="{D931436D-0B25-4BC2-AB85-D177B4C7ED90}"/>
               </a:ext>
             </a:extLst>
           </p:cNvPr>
@@ -9860,7 +9860,7 @@
           <p:cNvPr id="12" name="Gerader Verbinder 11">
             <a:extLst>
               <a:ext uri="{FF2B5EF4-FFF2-40B4-BE49-F238E27FC236}">
-                <a16:creationId xmlns:a16="http://schemas.microsoft.com/office/drawing/2014/main" id="{4A855513-E5C1-4F05-A8FD-33AC62C22A5E}"/>
+                <a16:creationId xmlns:a16="http://schemas.microsoft.com/office/drawing/2014/main" xmlns="" id="{4A855513-E5C1-4F05-A8FD-33AC62C22A5E}"/>
               </a:ext>
             </a:extLst>
           </p:cNvPr>
@@ -9901,7 +9901,7 @@
           <p:cNvPr id="13" name="Gerader Verbinder 12">
             <a:extLst>
               <a:ext uri="{FF2B5EF4-FFF2-40B4-BE49-F238E27FC236}">
-                <a16:creationId xmlns:a16="http://schemas.microsoft.com/office/drawing/2014/main" id="{F2778992-5E28-437C-AEA9-F9BBD6E6F5BB}"/>
+                <a16:creationId xmlns:a16="http://schemas.microsoft.com/office/drawing/2014/main" xmlns="" id="{F2778992-5E28-437C-AEA9-F9BBD6E6F5BB}"/>
               </a:ext>
             </a:extLst>
           </p:cNvPr>
@@ -9942,7 +9942,7 @@
           <p:cNvPr id="14" name="Textfeld 13">
             <a:extLst>
               <a:ext uri="{FF2B5EF4-FFF2-40B4-BE49-F238E27FC236}">
-                <a16:creationId xmlns:a16="http://schemas.microsoft.com/office/drawing/2014/main" id="{6CF8FF9D-8A98-4CFA-94C2-E2074112639C}"/>
+                <a16:creationId xmlns:a16="http://schemas.microsoft.com/office/drawing/2014/main" xmlns="" id="{6CF8FF9D-8A98-4CFA-94C2-E2074112639C}"/>
               </a:ext>
             </a:extLst>
           </p:cNvPr>
@@ -9978,7 +9978,7 @@
           <p:cNvPr id="9" name="Textfeld 8">
             <a:extLst>
               <a:ext uri="{FF2B5EF4-FFF2-40B4-BE49-F238E27FC236}">
-                <a16:creationId xmlns:a16="http://schemas.microsoft.com/office/drawing/2014/main" id="{7EEB7CFC-47CB-491B-B650-AC8E7A974B2C}"/>
+                <a16:creationId xmlns:a16="http://schemas.microsoft.com/office/drawing/2014/main" xmlns="" id="{7EEB7CFC-47CB-491B-B650-AC8E7A974B2C}"/>
               </a:ext>
             </a:extLst>
           </p:cNvPr>
@@ -10023,7 +10023,7 @@
           <p:cNvPr id="11" name="Textfeld 10">
             <a:extLst>
               <a:ext uri="{FF2B5EF4-FFF2-40B4-BE49-F238E27FC236}">
-                <a16:creationId xmlns:a16="http://schemas.microsoft.com/office/drawing/2014/main" id="{3F7F28C9-9006-406C-9373-9008712D3B9C}"/>
+                <a16:creationId xmlns:a16="http://schemas.microsoft.com/office/drawing/2014/main" xmlns="" id="{3F7F28C9-9006-406C-9373-9008712D3B9C}"/>
               </a:ext>
             </a:extLst>
           </p:cNvPr>
@@ -10058,7 +10058,7 @@
           <p:cNvPr id="5" name="Grafik 4">
             <a:extLst>
               <a:ext uri="{FF2B5EF4-FFF2-40B4-BE49-F238E27FC236}">
-                <a16:creationId xmlns:a16="http://schemas.microsoft.com/office/drawing/2014/main" id="{C924FE9A-8AAB-4710-A15C-153C5256B73A}"/>
+                <a16:creationId xmlns:a16="http://schemas.microsoft.com/office/drawing/2014/main" xmlns="" id="{C924FE9A-8AAB-4710-A15C-153C5256B73A}"/>
               </a:ext>
             </a:extLst>
           </p:cNvPr>
@@ -10118,7 +10118,7 @@
           <p:cNvPr id="10" name="Foliennummernplatzhalter 9">
             <a:extLst>
               <a:ext uri="{FF2B5EF4-FFF2-40B4-BE49-F238E27FC236}">
-                <a16:creationId xmlns:a16="http://schemas.microsoft.com/office/drawing/2014/main" id="{D931436D-0B25-4BC2-AB85-D177B4C7ED90}"/>
+                <a16:creationId xmlns:a16="http://schemas.microsoft.com/office/drawing/2014/main" xmlns="" id="{D931436D-0B25-4BC2-AB85-D177B4C7ED90}"/>
               </a:ext>
             </a:extLst>
           </p:cNvPr>
@@ -10168,7 +10168,7 @@
           <p:cNvPr id="12" name="Gerader Verbinder 11">
             <a:extLst>
               <a:ext uri="{FF2B5EF4-FFF2-40B4-BE49-F238E27FC236}">
-                <a16:creationId xmlns:a16="http://schemas.microsoft.com/office/drawing/2014/main" id="{4A855513-E5C1-4F05-A8FD-33AC62C22A5E}"/>
+                <a16:creationId xmlns:a16="http://schemas.microsoft.com/office/drawing/2014/main" xmlns="" id="{4A855513-E5C1-4F05-A8FD-33AC62C22A5E}"/>
               </a:ext>
             </a:extLst>
           </p:cNvPr>
@@ -10209,7 +10209,7 @@
           <p:cNvPr id="13" name="Gerader Verbinder 12">
             <a:extLst>
               <a:ext uri="{FF2B5EF4-FFF2-40B4-BE49-F238E27FC236}">
-                <a16:creationId xmlns:a16="http://schemas.microsoft.com/office/drawing/2014/main" id="{F2778992-5E28-437C-AEA9-F9BBD6E6F5BB}"/>
+                <a16:creationId xmlns:a16="http://schemas.microsoft.com/office/drawing/2014/main" xmlns="" id="{F2778992-5E28-437C-AEA9-F9BBD6E6F5BB}"/>
               </a:ext>
             </a:extLst>
           </p:cNvPr>
@@ -10250,7 +10250,7 @@
           <p:cNvPr id="14" name="Textfeld 13">
             <a:extLst>
               <a:ext uri="{FF2B5EF4-FFF2-40B4-BE49-F238E27FC236}">
-                <a16:creationId xmlns:a16="http://schemas.microsoft.com/office/drawing/2014/main" id="{6CF8FF9D-8A98-4CFA-94C2-E2074112639C}"/>
+                <a16:creationId xmlns:a16="http://schemas.microsoft.com/office/drawing/2014/main" xmlns="" id="{6CF8FF9D-8A98-4CFA-94C2-E2074112639C}"/>
               </a:ext>
             </a:extLst>
           </p:cNvPr>
@@ -10286,7 +10286,7 @@
           <p:cNvPr id="15" name="Textfeld 14">
             <a:extLst>
               <a:ext uri="{FF2B5EF4-FFF2-40B4-BE49-F238E27FC236}">
-                <a16:creationId xmlns:a16="http://schemas.microsoft.com/office/drawing/2014/main" id="{DD417980-0DD8-4DD7-BE87-C974912B8B82}"/>
+                <a16:creationId xmlns:a16="http://schemas.microsoft.com/office/drawing/2014/main" xmlns="" id="{DD417980-0DD8-4DD7-BE87-C974912B8B82}"/>
               </a:ext>
             </a:extLst>
           </p:cNvPr>
@@ -10321,7 +10321,7 @@
           <p:cNvPr id="17" name="Textfeld 16">
             <a:extLst>
               <a:ext uri="{FF2B5EF4-FFF2-40B4-BE49-F238E27FC236}">
-                <a16:creationId xmlns:a16="http://schemas.microsoft.com/office/drawing/2014/main" id="{BCB027A4-8BDB-4515-B3E5-91B6A22A1E00}"/>
+                <a16:creationId xmlns:a16="http://schemas.microsoft.com/office/drawing/2014/main" xmlns="" id="{BCB027A4-8BDB-4515-B3E5-91B6A22A1E00}"/>
               </a:ext>
             </a:extLst>
           </p:cNvPr>
@@ -10410,7 +10410,7 @@
           <p:cNvPr id="19" name="Textfeld 18">
             <a:extLst>
               <a:ext uri="{FF2B5EF4-FFF2-40B4-BE49-F238E27FC236}">
-                <a16:creationId xmlns:a16="http://schemas.microsoft.com/office/drawing/2014/main" id="{C814F180-BEAD-4EF5-9E52-0A793EAC896B}"/>
+                <a16:creationId xmlns:a16="http://schemas.microsoft.com/office/drawing/2014/main" xmlns="" id="{C814F180-BEAD-4EF5-9E52-0A793EAC896B}"/>
               </a:ext>
             </a:extLst>
           </p:cNvPr>
@@ -10450,7 +10450,7 @@
           <p:cNvPr id="21" name="Textfeld 20">
             <a:extLst>
               <a:ext uri="{FF2B5EF4-FFF2-40B4-BE49-F238E27FC236}">
-                <a16:creationId xmlns:a16="http://schemas.microsoft.com/office/drawing/2014/main" id="{57069215-89D3-4945-A74E-2B00B8E15F6C}"/>
+                <a16:creationId xmlns:a16="http://schemas.microsoft.com/office/drawing/2014/main" xmlns="" id="{57069215-89D3-4945-A74E-2B00B8E15F6C}"/>
               </a:ext>
             </a:extLst>
           </p:cNvPr>
@@ -10615,7 +10615,7 @@
           <p:cNvPr id="10" name="Foliennummernplatzhalter 9">
             <a:extLst>
               <a:ext uri="{FF2B5EF4-FFF2-40B4-BE49-F238E27FC236}">
-                <a16:creationId xmlns:a16="http://schemas.microsoft.com/office/drawing/2014/main" id="{D931436D-0B25-4BC2-AB85-D177B4C7ED90}"/>
+                <a16:creationId xmlns:a16="http://schemas.microsoft.com/office/drawing/2014/main" xmlns="" id="{D931436D-0B25-4BC2-AB85-D177B4C7ED90}"/>
               </a:ext>
             </a:extLst>
           </p:cNvPr>
@@ -10665,7 +10665,7 @@
           <p:cNvPr id="12" name="Gerader Verbinder 11">
             <a:extLst>
               <a:ext uri="{FF2B5EF4-FFF2-40B4-BE49-F238E27FC236}">
-                <a16:creationId xmlns:a16="http://schemas.microsoft.com/office/drawing/2014/main" id="{4A855513-E5C1-4F05-A8FD-33AC62C22A5E}"/>
+                <a16:creationId xmlns:a16="http://schemas.microsoft.com/office/drawing/2014/main" xmlns="" id="{4A855513-E5C1-4F05-A8FD-33AC62C22A5E}"/>
               </a:ext>
             </a:extLst>
           </p:cNvPr>
@@ -10706,7 +10706,7 @@
           <p:cNvPr id="13" name="Gerader Verbinder 12">
             <a:extLst>
               <a:ext uri="{FF2B5EF4-FFF2-40B4-BE49-F238E27FC236}">
-                <a16:creationId xmlns:a16="http://schemas.microsoft.com/office/drawing/2014/main" id="{F2778992-5E28-437C-AEA9-F9BBD6E6F5BB}"/>
+                <a16:creationId xmlns:a16="http://schemas.microsoft.com/office/drawing/2014/main" xmlns="" id="{F2778992-5E28-437C-AEA9-F9BBD6E6F5BB}"/>
               </a:ext>
             </a:extLst>
           </p:cNvPr>
@@ -10747,7 +10747,7 @@
           <p:cNvPr id="14" name="Textfeld 13">
             <a:extLst>
               <a:ext uri="{FF2B5EF4-FFF2-40B4-BE49-F238E27FC236}">
-                <a16:creationId xmlns:a16="http://schemas.microsoft.com/office/drawing/2014/main" id="{6CF8FF9D-8A98-4CFA-94C2-E2074112639C}"/>
+                <a16:creationId xmlns:a16="http://schemas.microsoft.com/office/drawing/2014/main" xmlns="" id="{6CF8FF9D-8A98-4CFA-94C2-E2074112639C}"/>
               </a:ext>
             </a:extLst>
           </p:cNvPr>
@@ -10813,7 +10813,7 @@
           <p:cNvPr id="9" name="Textfeld 8">
             <a:extLst>
               <a:ext uri="{FF2B5EF4-FFF2-40B4-BE49-F238E27FC236}">
-                <a16:creationId xmlns:a16="http://schemas.microsoft.com/office/drawing/2014/main" id="{7EEB7CFC-47CB-491B-B650-AC8E7A974B2C}"/>
+                <a16:creationId xmlns:a16="http://schemas.microsoft.com/office/drawing/2014/main" xmlns="" id="{7EEB7CFC-47CB-491B-B650-AC8E7A974B2C}"/>
               </a:ext>
             </a:extLst>
           </p:cNvPr>
@@ -10858,7 +10858,7 @@
           <p:cNvPr id="11" name="Textfeld 10">
             <a:extLst>
               <a:ext uri="{FF2B5EF4-FFF2-40B4-BE49-F238E27FC236}">
-                <a16:creationId xmlns:a16="http://schemas.microsoft.com/office/drawing/2014/main" id="{3F7F28C9-9006-406C-9373-9008712D3B9C}"/>
+                <a16:creationId xmlns:a16="http://schemas.microsoft.com/office/drawing/2014/main" xmlns="" id="{3F7F28C9-9006-406C-9373-9008712D3B9C}"/>
               </a:ext>
             </a:extLst>
           </p:cNvPr>
@@ -10931,7 +10931,7 @@
           <p:cNvPr id="10" name="Foliennummernplatzhalter 9">
             <a:extLst>
               <a:ext uri="{FF2B5EF4-FFF2-40B4-BE49-F238E27FC236}">
-                <a16:creationId xmlns:a16="http://schemas.microsoft.com/office/drawing/2014/main" id="{D931436D-0B25-4BC2-AB85-D177B4C7ED90}"/>
+                <a16:creationId xmlns:a16="http://schemas.microsoft.com/office/drawing/2014/main" xmlns="" id="{D931436D-0B25-4BC2-AB85-D177B4C7ED90}"/>
               </a:ext>
             </a:extLst>
           </p:cNvPr>
@@ -10981,7 +10981,7 @@
           <p:cNvPr id="12" name="Gerader Verbinder 11">
             <a:extLst>
               <a:ext uri="{FF2B5EF4-FFF2-40B4-BE49-F238E27FC236}">
-                <a16:creationId xmlns:a16="http://schemas.microsoft.com/office/drawing/2014/main" id="{4A855513-E5C1-4F05-A8FD-33AC62C22A5E}"/>
+                <a16:creationId xmlns:a16="http://schemas.microsoft.com/office/drawing/2014/main" xmlns="" id="{4A855513-E5C1-4F05-A8FD-33AC62C22A5E}"/>
               </a:ext>
             </a:extLst>
           </p:cNvPr>
@@ -11022,7 +11022,7 @@
           <p:cNvPr id="13" name="Gerader Verbinder 12">
             <a:extLst>
               <a:ext uri="{FF2B5EF4-FFF2-40B4-BE49-F238E27FC236}">
-                <a16:creationId xmlns:a16="http://schemas.microsoft.com/office/drawing/2014/main" id="{F2778992-5E28-437C-AEA9-F9BBD6E6F5BB}"/>
+                <a16:creationId xmlns:a16="http://schemas.microsoft.com/office/drawing/2014/main" xmlns="" id="{F2778992-5E28-437C-AEA9-F9BBD6E6F5BB}"/>
               </a:ext>
             </a:extLst>
           </p:cNvPr>
@@ -11063,7 +11063,7 @@
           <p:cNvPr id="14" name="Textfeld 13">
             <a:extLst>
               <a:ext uri="{FF2B5EF4-FFF2-40B4-BE49-F238E27FC236}">
-                <a16:creationId xmlns:a16="http://schemas.microsoft.com/office/drawing/2014/main" id="{6CF8FF9D-8A98-4CFA-94C2-E2074112639C}"/>
+                <a16:creationId xmlns:a16="http://schemas.microsoft.com/office/drawing/2014/main" xmlns="" id="{6CF8FF9D-8A98-4CFA-94C2-E2074112639C}"/>
               </a:ext>
             </a:extLst>
           </p:cNvPr>
@@ -11129,7 +11129,7 @@
           <p:cNvPr id="8" name="Textfeld 7">
             <a:extLst>
               <a:ext uri="{FF2B5EF4-FFF2-40B4-BE49-F238E27FC236}">
-                <a16:creationId xmlns:a16="http://schemas.microsoft.com/office/drawing/2014/main" id="{8E05CB3E-FC8B-4C84-8452-A027AF29808D}"/>
+                <a16:creationId xmlns:a16="http://schemas.microsoft.com/office/drawing/2014/main" xmlns="" id="{8E05CB3E-FC8B-4C84-8452-A027AF29808D}"/>
               </a:ext>
             </a:extLst>
           </p:cNvPr>
@@ -11246,7 +11246,7 @@
           <p:cNvPr id="10" name="Foliennummernplatzhalter 9">
             <a:extLst>
               <a:ext uri="{FF2B5EF4-FFF2-40B4-BE49-F238E27FC236}">
-                <a16:creationId xmlns:a16="http://schemas.microsoft.com/office/drawing/2014/main" id="{D931436D-0B25-4BC2-AB85-D177B4C7ED90}"/>
+                <a16:creationId xmlns:a16="http://schemas.microsoft.com/office/drawing/2014/main" xmlns="" id="{D931436D-0B25-4BC2-AB85-D177B4C7ED90}"/>
               </a:ext>
             </a:extLst>
           </p:cNvPr>
@@ -11296,7 +11296,7 @@
           <p:cNvPr id="12" name="Gerader Verbinder 11">
             <a:extLst>
               <a:ext uri="{FF2B5EF4-FFF2-40B4-BE49-F238E27FC236}">
-                <a16:creationId xmlns:a16="http://schemas.microsoft.com/office/drawing/2014/main" id="{4A855513-E5C1-4F05-A8FD-33AC62C22A5E}"/>
+                <a16:creationId xmlns:a16="http://schemas.microsoft.com/office/drawing/2014/main" xmlns="" id="{4A855513-E5C1-4F05-A8FD-33AC62C22A5E}"/>
               </a:ext>
             </a:extLst>
           </p:cNvPr>
@@ -11337,7 +11337,7 @@
           <p:cNvPr id="13" name="Gerader Verbinder 12">
             <a:extLst>
               <a:ext uri="{FF2B5EF4-FFF2-40B4-BE49-F238E27FC236}">
-                <a16:creationId xmlns:a16="http://schemas.microsoft.com/office/drawing/2014/main" id="{F2778992-5E28-437C-AEA9-F9BBD6E6F5BB}"/>
+                <a16:creationId xmlns:a16="http://schemas.microsoft.com/office/drawing/2014/main" xmlns="" id="{F2778992-5E28-437C-AEA9-F9BBD6E6F5BB}"/>
               </a:ext>
             </a:extLst>
           </p:cNvPr>
@@ -11378,7 +11378,7 @@
           <p:cNvPr id="14" name="Textfeld 13">
             <a:extLst>
               <a:ext uri="{FF2B5EF4-FFF2-40B4-BE49-F238E27FC236}">
-                <a16:creationId xmlns:a16="http://schemas.microsoft.com/office/drawing/2014/main" id="{6CF8FF9D-8A98-4CFA-94C2-E2074112639C}"/>
+                <a16:creationId xmlns:a16="http://schemas.microsoft.com/office/drawing/2014/main" xmlns="" id="{6CF8FF9D-8A98-4CFA-94C2-E2074112639C}"/>
               </a:ext>
             </a:extLst>
           </p:cNvPr>
@@ -11414,7 +11414,7 @@
           <p:cNvPr id="9" name="Textfeld 8">
             <a:extLst>
               <a:ext uri="{FF2B5EF4-FFF2-40B4-BE49-F238E27FC236}">
-                <a16:creationId xmlns:a16="http://schemas.microsoft.com/office/drawing/2014/main" id="{D23F62FE-992B-41D4-94ED-A3EBBFC54A60}"/>
+                <a16:creationId xmlns:a16="http://schemas.microsoft.com/office/drawing/2014/main" xmlns="" id="{D23F62FE-992B-41D4-94ED-A3EBBFC54A60}"/>
               </a:ext>
             </a:extLst>
           </p:cNvPr>
@@ -11459,7 +11459,7 @@
           <p:cNvPr id="15" name="Textfeld 14">
             <a:extLst>
               <a:ext uri="{FF2B5EF4-FFF2-40B4-BE49-F238E27FC236}">
-                <a16:creationId xmlns:a16="http://schemas.microsoft.com/office/drawing/2014/main" id="{194A7AE9-3F8B-4413-81E7-B8A660361B31}"/>
+                <a16:creationId xmlns:a16="http://schemas.microsoft.com/office/drawing/2014/main" xmlns="" id="{194A7AE9-3F8B-4413-81E7-B8A660361B31}"/>
               </a:ext>
             </a:extLst>
           </p:cNvPr>
@@ -11494,7 +11494,7 @@
           <p:cNvPr id="3" name="Grafik 2">
             <a:extLst>
               <a:ext uri="{FF2B5EF4-FFF2-40B4-BE49-F238E27FC236}">
-                <a16:creationId xmlns:a16="http://schemas.microsoft.com/office/drawing/2014/main" id="{BB065843-1D83-4F66-AC44-B46A93286272}"/>
+                <a16:creationId xmlns:a16="http://schemas.microsoft.com/office/drawing/2014/main" xmlns="" id="{BB065843-1D83-4F66-AC44-B46A93286272}"/>
               </a:ext>
             </a:extLst>
           </p:cNvPr>
@@ -11554,7 +11554,7 @@
           <p:cNvPr id="10" name="Foliennummernplatzhalter 9">
             <a:extLst>
               <a:ext uri="{FF2B5EF4-FFF2-40B4-BE49-F238E27FC236}">
-                <a16:creationId xmlns:a16="http://schemas.microsoft.com/office/drawing/2014/main" id="{D931436D-0B25-4BC2-AB85-D177B4C7ED90}"/>
+                <a16:creationId xmlns:a16="http://schemas.microsoft.com/office/drawing/2014/main" xmlns="" id="{D931436D-0B25-4BC2-AB85-D177B4C7ED90}"/>
               </a:ext>
             </a:extLst>
           </p:cNvPr>
@@ -11604,7 +11604,7 @@
           <p:cNvPr id="12" name="Gerader Verbinder 11">
             <a:extLst>
               <a:ext uri="{FF2B5EF4-FFF2-40B4-BE49-F238E27FC236}">
-                <a16:creationId xmlns:a16="http://schemas.microsoft.com/office/drawing/2014/main" id="{4A855513-E5C1-4F05-A8FD-33AC62C22A5E}"/>
+                <a16:creationId xmlns:a16="http://schemas.microsoft.com/office/drawing/2014/main" xmlns="" id="{4A855513-E5C1-4F05-A8FD-33AC62C22A5E}"/>
               </a:ext>
             </a:extLst>
           </p:cNvPr>
@@ -11645,7 +11645,7 @@
           <p:cNvPr id="13" name="Gerader Verbinder 12">
             <a:extLst>
               <a:ext uri="{FF2B5EF4-FFF2-40B4-BE49-F238E27FC236}">
-                <a16:creationId xmlns:a16="http://schemas.microsoft.com/office/drawing/2014/main" id="{F2778992-5E28-437C-AEA9-F9BBD6E6F5BB}"/>
+                <a16:creationId xmlns:a16="http://schemas.microsoft.com/office/drawing/2014/main" xmlns="" id="{F2778992-5E28-437C-AEA9-F9BBD6E6F5BB}"/>
               </a:ext>
             </a:extLst>
           </p:cNvPr>
@@ -11686,7 +11686,7 @@
           <p:cNvPr id="14" name="Textfeld 13">
             <a:extLst>
               <a:ext uri="{FF2B5EF4-FFF2-40B4-BE49-F238E27FC236}">
-                <a16:creationId xmlns:a16="http://schemas.microsoft.com/office/drawing/2014/main" id="{6CF8FF9D-8A98-4CFA-94C2-E2074112639C}"/>
+                <a16:creationId xmlns:a16="http://schemas.microsoft.com/office/drawing/2014/main" xmlns="" id="{6CF8FF9D-8A98-4CFA-94C2-E2074112639C}"/>
               </a:ext>
             </a:extLst>
           </p:cNvPr>
@@ -11752,7 +11752,7 @@
           <p:cNvPr id="9" name="Textfeld 8">
             <a:extLst>
               <a:ext uri="{FF2B5EF4-FFF2-40B4-BE49-F238E27FC236}">
-                <a16:creationId xmlns:a16="http://schemas.microsoft.com/office/drawing/2014/main" id="{D23F62FE-992B-41D4-94ED-A3EBBFC54A60}"/>
+                <a16:creationId xmlns:a16="http://schemas.microsoft.com/office/drawing/2014/main" xmlns="" id="{D23F62FE-992B-41D4-94ED-A3EBBFC54A60}"/>
               </a:ext>
             </a:extLst>
           </p:cNvPr>
@@ -11797,7 +11797,7 @@
           <p:cNvPr id="15" name="Textfeld 14">
             <a:extLst>
               <a:ext uri="{FF2B5EF4-FFF2-40B4-BE49-F238E27FC236}">
-                <a16:creationId xmlns:a16="http://schemas.microsoft.com/office/drawing/2014/main" id="{A3D6E67C-A0D4-4C98-9676-9D59EF3192A1}"/>
+                <a16:creationId xmlns:a16="http://schemas.microsoft.com/office/drawing/2014/main" xmlns="" id="{A3D6E67C-A0D4-4C98-9676-9D59EF3192A1}"/>
               </a:ext>
             </a:extLst>
           </p:cNvPr>
@@ -11862,7 +11862,7 @@
           <p:cNvPr id="10" name="Foliennummernplatzhalter 9">
             <a:extLst>
               <a:ext uri="{FF2B5EF4-FFF2-40B4-BE49-F238E27FC236}">
-                <a16:creationId xmlns:a16="http://schemas.microsoft.com/office/drawing/2014/main" id="{D931436D-0B25-4BC2-AB85-D177B4C7ED90}"/>
+                <a16:creationId xmlns:a16="http://schemas.microsoft.com/office/drawing/2014/main" xmlns="" id="{D931436D-0B25-4BC2-AB85-D177B4C7ED90}"/>
               </a:ext>
             </a:extLst>
           </p:cNvPr>
@@ -11912,7 +11912,7 @@
           <p:cNvPr id="12" name="Gerader Verbinder 11">
             <a:extLst>
               <a:ext uri="{FF2B5EF4-FFF2-40B4-BE49-F238E27FC236}">
-                <a16:creationId xmlns:a16="http://schemas.microsoft.com/office/drawing/2014/main" id="{4A855513-E5C1-4F05-A8FD-33AC62C22A5E}"/>
+                <a16:creationId xmlns:a16="http://schemas.microsoft.com/office/drawing/2014/main" xmlns="" id="{4A855513-E5C1-4F05-A8FD-33AC62C22A5E}"/>
               </a:ext>
             </a:extLst>
           </p:cNvPr>
@@ -11953,7 +11953,7 @@
           <p:cNvPr id="13" name="Gerader Verbinder 12">
             <a:extLst>
               <a:ext uri="{FF2B5EF4-FFF2-40B4-BE49-F238E27FC236}">
-                <a16:creationId xmlns:a16="http://schemas.microsoft.com/office/drawing/2014/main" id="{F2778992-5E28-437C-AEA9-F9BBD6E6F5BB}"/>
+                <a16:creationId xmlns:a16="http://schemas.microsoft.com/office/drawing/2014/main" xmlns="" id="{F2778992-5E28-437C-AEA9-F9BBD6E6F5BB}"/>
               </a:ext>
             </a:extLst>
           </p:cNvPr>
@@ -11994,7 +11994,7 @@
           <p:cNvPr id="14" name="Textfeld 13">
             <a:extLst>
               <a:ext uri="{FF2B5EF4-FFF2-40B4-BE49-F238E27FC236}">
-                <a16:creationId xmlns:a16="http://schemas.microsoft.com/office/drawing/2014/main" id="{6CF8FF9D-8A98-4CFA-94C2-E2074112639C}"/>
+                <a16:creationId xmlns:a16="http://schemas.microsoft.com/office/drawing/2014/main" xmlns="" id="{6CF8FF9D-8A98-4CFA-94C2-E2074112639C}"/>
               </a:ext>
             </a:extLst>
           </p:cNvPr>
@@ -12126,7 +12126,7 @@
           <p:cNvPr id="15" name="Textfeld 14">
             <a:extLst>
               <a:ext uri="{FF2B5EF4-FFF2-40B4-BE49-F238E27FC236}">
-                <a16:creationId xmlns:a16="http://schemas.microsoft.com/office/drawing/2014/main" id="{5CFBE2C9-9D9F-44FF-AC19-5AB61CDAEA97}"/>
+                <a16:creationId xmlns:a16="http://schemas.microsoft.com/office/drawing/2014/main" xmlns="" id="{5CFBE2C9-9D9F-44FF-AC19-5AB61CDAEA97}"/>
               </a:ext>
             </a:extLst>
           </p:cNvPr>
@@ -12209,7 +12209,7 @@
           <p:cNvPr id="10" name="Foliennummernplatzhalter 9">
             <a:extLst>
               <a:ext uri="{FF2B5EF4-FFF2-40B4-BE49-F238E27FC236}">
-                <a16:creationId xmlns:a16="http://schemas.microsoft.com/office/drawing/2014/main" id="{D931436D-0B25-4BC2-AB85-D177B4C7ED90}"/>
+                <a16:creationId xmlns:a16="http://schemas.microsoft.com/office/drawing/2014/main" xmlns="" id="{D931436D-0B25-4BC2-AB85-D177B4C7ED90}"/>
               </a:ext>
             </a:extLst>
           </p:cNvPr>
@@ -12259,7 +12259,7 @@
           <p:cNvPr id="12" name="Gerader Verbinder 11">
             <a:extLst>
               <a:ext uri="{FF2B5EF4-FFF2-40B4-BE49-F238E27FC236}">
-                <a16:creationId xmlns:a16="http://schemas.microsoft.com/office/drawing/2014/main" id="{4A855513-E5C1-4F05-A8FD-33AC62C22A5E}"/>
+                <a16:creationId xmlns:a16="http://schemas.microsoft.com/office/drawing/2014/main" xmlns="" id="{4A855513-E5C1-4F05-A8FD-33AC62C22A5E}"/>
               </a:ext>
             </a:extLst>
           </p:cNvPr>
@@ -12300,7 +12300,7 @@
           <p:cNvPr id="13" name="Gerader Verbinder 12">
             <a:extLst>
               <a:ext uri="{FF2B5EF4-FFF2-40B4-BE49-F238E27FC236}">
-                <a16:creationId xmlns:a16="http://schemas.microsoft.com/office/drawing/2014/main" id="{F2778992-5E28-437C-AEA9-F9BBD6E6F5BB}"/>
+                <a16:creationId xmlns:a16="http://schemas.microsoft.com/office/drawing/2014/main" xmlns="" id="{F2778992-5E28-437C-AEA9-F9BBD6E6F5BB}"/>
               </a:ext>
             </a:extLst>
           </p:cNvPr>
@@ -12341,7 +12341,7 @@
           <p:cNvPr id="14" name="Textfeld 13">
             <a:extLst>
               <a:ext uri="{FF2B5EF4-FFF2-40B4-BE49-F238E27FC236}">
-                <a16:creationId xmlns:a16="http://schemas.microsoft.com/office/drawing/2014/main" id="{6CF8FF9D-8A98-4CFA-94C2-E2074112639C}"/>
+                <a16:creationId xmlns:a16="http://schemas.microsoft.com/office/drawing/2014/main" xmlns="" id="{6CF8FF9D-8A98-4CFA-94C2-E2074112639C}"/>
               </a:ext>
             </a:extLst>
           </p:cNvPr>
@@ -12377,7 +12377,7 @@
           <p:cNvPr id="6" name="Textfeld 5">
             <a:extLst>
               <a:ext uri="{FF2B5EF4-FFF2-40B4-BE49-F238E27FC236}">
-                <a16:creationId xmlns:a16="http://schemas.microsoft.com/office/drawing/2014/main" id="{8E05CB3E-FC8B-4C84-8452-A027AF29808D}"/>
+                <a16:creationId xmlns:a16="http://schemas.microsoft.com/office/drawing/2014/main" xmlns="" id="{8E05CB3E-FC8B-4C84-8452-A027AF29808D}"/>
               </a:ext>
             </a:extLst>
           </p:cNvPr>
@@ -12430,7 +12430,7 @@
           <p:cNvPr id="3" name="Textfeld 2">
             <a:extLst>
               <a:ext uri="{FF2B5EF4-FFF2-40B4-BE49-F238E27FC236}">
-                <a16:creationId xmlns:a16="http://schemas.microsoft.com/office/drawing/2014/main" id="{B616C74B-1A1C-4612-8D7A-608508876D6B}"/>
+                <a16:creationId xmlns:a16="http://schemas.microsoft.com/office/drawing/2014/main" xmlns="" id="{B616C74B-1A1C-4612-8D7A-608508876D6B}"/>
               </a:ext>
             </a:extLst>
           </p:cNvPr>
@@ -12469,7 +12469,7 @@
           <p:cNvPr id="9" name="Grafik 8">
             <a:extLst>
               <a:ext uri="{FF2B5EF4-FFF2-40B4-BE49-F238E27FC236}">
-                <a16:creationId xmlns:a16="http://schemas.microsoft.com/office/drawing/2014/main" id="{06960C2E-70A4-46BD-9EE6-C6F05E38C9CD}"/>
+                <a16:creationId xmlns:a16="http://schemas.microsoft.com/office/drawing/2014/main" xmlns="" id="{06960C2E-70A4-46BD-9EE6-C6F05E38C9CD}"/>
               </a:ext>
             </a:extLst>
           </p:cNvPr>
@@ -12529,7 +12529,7 @@
           <p:cNvPr id="10" name="Foliennummernplatzhalter 9">
             <a:extLst>
               <a:ext uri="{FF2B5EF4-FFF2-40B4-BE49-F238E27FC236}">
-                <a16:creationId xmlns:a16="http://schemas.microsoft.com/office/drawing/2014/main" id="{D931436D-0B25-4BC2-AB85-D177B4C7ED90}"/>
+                <a16:creationId xmlns:a16="http://schemas.microsoft.com/office/drawing/2014/main" xmlns="" id="{D931436D-0B25-4BC2-AB85-D177B4C7ED90}"/>
               </a:ext>
             </a:extLst>
           </p:cNvPr>
@@ -12579,7 +12579,7 @@
           <p:cNvPr id="12" name="Gerader Verbinder 11">
             <a:extLst>
               <a:ext uri="{FF2B5EF4-FFF2-40B4-BE49-F238E27FC236}">
-                <a16:creationId xmlns:a16="http://schemas.microsoft.com/office/drawing/2014/main" id="{4A855513-E5C1-4F05-A8FD-33AC62C22A5E}"/>
+                <a16:creationId xmlns:a16="http://schemas.microsoft.com/office/drawing/2014/main" xmlns="" id="{4A855513-E5C1-4F05-A8FD-33AC62C22A5E}"/>
               </a:ext>
             </a:extLst>
           </p:cNvPr>
@@ -12620,7 +12620,7 @@
           <p:cNvPr id="13" name="Gerader Verbinder 12">
             <a:extLst>
               <a:ext uri="{FF2B5EF4-FFF2-40B4-BE49-F238E27FC236}">
-                <a16:creationId xmlns:a16="http://schemas.microsoft.com/office/drawing/2014/main" id="{F2778992-5E28-437C-AEA9-F9BBD6E6F5BB}"/>
+                <a16:creationId xmlns:a16="http://schemas.microsoft.com/office/drawing/2014/main" xmlns="" id="{F2778992-5E28-437C-AEA9-F9BBD6E6F5BB}"/>
               </a:ext>
             </a:extLst>
           </p:cNvPr>
@@ -12661,7 +12661,7 @@
           <p:cNvPr id="14" name="Textfeld 13">
             <a:extLst>
               <a:ext uri="{FF2B5EF4-FFF2-40B4-BE49-F238E27FC236}">
-                <a16:creationId xmlns:a16="http://schemas.microsoft.com/office/drawing/2014/main" id="{6CF8FF9D-8A98-4CFA-94C2-E2074112639C}"/>
+                <a16:creationId xmlns:a16="http://schemas.microsoft.com/office/drawing/2014/main" xmlns="" id="{6CF8FF9D-8A98-4CFA-94C2-E2074112639C}"/>
               </a:ext>
             </a:extLst>
           </p:cNvPr>
@@ -12697,7 +12697,7 @@
           <p:cNvPr id="6" name="Textfeld 5">
             <a:extLst>
               <a:ext uri="{FF2B5EF4-FFF2-40B4-BE49-F238E27FC236}">
-                <a16:creationId xmlns:a16="http://schemas.microsoft.com/office/drawing/2014/main" id="{8E05CB3E-FC8B-4C84-8452-A027AF29808D}"/>
+                <a16:creationId xmlns:a16="http://schemas.microsoft.com/office/drawing/2014/main" xmlns="" id="{8E05CB3E-FC8B-4C84-8452-A027AF29808D}"/>
               </a:ext>
             </a:extLst>
           </p:cNvPr>
@@ -12750,7 +12750,7 @@
           <p:cNvPr id="3" name="Textfeld 2">
             <a:extLst>
               <a:ext uri="{FF2B5EF4-FFF2-40B4-BE49-F238E27FC236}">
-                <a16:creationId xmlns:a16="http://schemas.microsoft.com/office/drawing/2014/main" id="{B616C74B-1A1C-4612-8D7A-608508876D6B}"/>
+                <a16:creationId xmlns:a16="http://schemas.microsoft.com/office/drawing/2014/main" xmlns="" id="{B616C74B-1A1C-4612-8D7A-608508876D6B}"/>
               </a:ext>
             </a:extLst>
           </p:cNvPr>
@@ -12789,7 +12789,7 @@
           <p:cNvPr id="9" name="Grafik 8">
             <a:extLst>
               <a:ext uri="{FF2B5EF4-FFF2-40B4-BE49-F238E27FC236}">
-                <a16:creationId xmlns:a16="http://schemas.microsoft.com/office/drawing/2014/main" id="{D74F39CC-E48D-4699-B257-8BF1D792BA62}"/>
+                <a16:creationId xmlns:a16="http://schemas.microsoft.com/office/drawing/2014/main" xmlns="" id="{D74F39CC-E48D-4699-B257-8BF1D792BA62}"/>
               </a:ext>
             </a:extLst>
           </p:cNvPr>
@@ -12855,7 +12855,7 @@
           <p:cNvPr id="10" name="Foliennummernplatzhalter 9">
             <a:extLst>
               <a:ext uri="{FF2B5EF4-FFF2-40B4-BE49-F238E27FC236}">
-                <a16:creationId xmlns:a16="http://schemas.microsoft.com/office/drawing/2014/main" id="{D931436D-0B25-4BC2-AB85-D177B4C7ED90}"/>
+                <a16:creationId xmlns:a16="http://schemas.microsoft.com/office/drawing/2014/main" xmlns="" id="{D931436D-0B25-4BC2-AB85-D177B4C7ED90}"/>
               </a:ext>
             </a:extLst>
           </p:cNvPr>
@@ -12905,7 +12905,7 @@
           <p:cNvPr id="12" name="Gerader Verbinder 11">
             <a:extLst>
               <a:ext uri="{FF2B5EF4-FFF2-40B4-BE49-F238E27FC236}">
-                <a16:creationId xmlns:a16="http://schemas.microsoft.com/office/drawing/2014/main" id="{4A855513-E5C1-4F05-A8FD-33AC62C22A5E}"/>
+                <a16:creationId xmlns:a16="http://schemas.microsoft.com/office/drawing/2014/main" xmlns="" id="{4A855513-E5C1-4F05-A8FD-33AC62C22A5E}"/>
               </a:ext>
             </a:extLst>
           </p:cNvPr>
@@ -12946,7 +12946,7 @@
           <p:cNvPr id="13" name="Gerader Verbinder 12">
             <a:extLst>
               <a:ext uri="{FF2B5EF4-FFF2-40B4-BE49-F238E27FC236}">
-                <a16:creationId xmlns:a16="http://schemas.microsoft.com/office/drawing/2014/main" id="{F2778992-5E28-437C-AEA9-F9BBD6E6F5BB}"/>
+                <a16:creationId xmlns:a16="http://schemas.microsoft.com/office/drawing/2014/main" xmlns="" id="{F2778992-5E28-437C-AEA9-F9BBD6E6F5BB}"/>
               </a:ext>
             </a:extLst>
           </p:cNvPr>
@@ -12987,7 +12987,7 @@
           <p:cNvPr id="14" name="Textfeld 13">
             <a:extLst>
               <a:ext uri="{FF2B5EF4-FFF2-40B4-BE49-F238E27FC236}">
-                <a16:creationId xmlns:a16="http://schemas.microsoft.com/office/drawing/2014/main" id="{6CF8FF9D-8A98-4CFA-94C2-E2074112639C}"/>
+                <a16:creationId xmlns:a16="http://schemas.microsoft.com/office/drawing/2014/main" xmlns="" id="{6CF8FF9D-8A98-4CFA-94C2-E2074112639C}"/>
               </a:ext>
             </a:extLst>
           </p:cNvPr>
@@ -13023,7 +13023,7 @@
           <p:cNvPr id="6" name="Textfeld 5">
             <a:extLst>
               <a:ext uri="{FF2B5EF4-FFF2-40B4-BE49-F238E27FC236}">
-                <a16:creationId xmlns:a16="http://schemas.microsoft.com/office/drawing/2014/main" id="{8E05CB3E-FC8B-4C84-8452-A027AF29808D}"/>
+                <a16:creationId xmlns:a16="http://schemas.microsoft.com/office/drawing/2014/main" xmlns="" id="{8E05CB3E-FC8B-4C84-8452-A027AF29808D}"/>
               </a:ext>
             </a:extLst>
           </p:cNvPr>
@@ -13071,7 +13071,7 @@
           <p:cNvPr id="8" name="Textfeld 7">
             <a:extLst>
               <a:ext uri="{FF2B5EF4-FFF2-40B4-BE49-F238E27FC236}">
-                <a16:creationId xmlns:a16="http://schemas.microsoft.com/office/drawing/2014/main" id="{4842BEFA-10C3-45C0-8997-167BE0586DAC}"/>
+                <a16:creationId xmlns:a16="http://schemas.microsoft.com/office/drawing/2014/main" xmlns="" id="{4842BEFA-10C3-45C0-8997-167BE0586DAC}"/>
               </a:ext>
             </a:extLst>
           </p:cNvPr>
@@ -13206,7 +13206,7 @@
           <p:cNvPr id="3" name="Textfeld 2">
             <a:extLst>
               <a:ext uri="{FF2B5EF4-FFF2-40B4-BE49-F238E27FC236}">
-                <a16:creationId xmlns:a16="http://schemas.microsoft.com/office/drawing/2014/main" id="{B616C74B-1A1C-4612-8D7A-608508876D6B}"/>
+                <a16:creationId xmlns:a16="http://schemas.microsoft.com/office/drawing/2014/main" xmlns="" id="{B616C74B-1A1C-4612-8D7A-608508876D6B}"/>
               </a:ext>
             </a:extLst>
           </p:cNvPr>
@@ -13271,7 +13271,7 @@
           <p:cNvPr id="10" name="Foliennummernplatzhalter 9">
             <a:extLst>
               <a:ext uri="{FF2B5EF4-FFF2-40B4-BE49-F238E27FC236}">
-                <a16:creationId xmlns:a16="http://schemas.microsoft.com/office/drawing/2014/main" id="{D931436D-0B25-4BC2-AB85-D177B4C7ED90}"/>
+                <a16:creationId xmlns:a16="http://schemas.microsoft.com/office/drawing/2014/main" xmlns="" id="{D931436D-0B25-4BC2-AB85-D177B4C7ED90}"/>
               </a:ext>
             </a:extLst>
           </p:cNvPr>
@@ -13321,7 +13321,7 @@
           <p:cNvPr id="12" name="Gerader Verbinder 11">
             <a:extLst>
               <a:ext uri="{FF2B5EF4-FFF2-40B4-BE49-F238E27FC236}">
-                <a16:creationId xmlns:a16="http://schemas.microsoft.com/office/drawing/2014/main" id="{4A855513-E5C1-4F05-A8FD-33AC62C22A5E}"/>
+                <a16:creationId xmlns:a16="http://schemas.microsoft.com/office/drawing/2014/main" xmlns="" id="{4A855513-E5C1-4F05-A8FD-33AC62C22A5E}"/>
               </a:ext>
             </a:extLst>
           </p:cNvPr>
@@ -13362,7 +13362,7 @@
           <p:cNvPr id="13" name="Gerader Verbinder 12">
             <a:extLst>
               <a:ext uri="{FF2B5EF4-FFF2-40B4-BE49-F238E27FC236}">
-                <a16:creationId xmlns:a16="http://schemas.microsoft.com/office/drawing/2014/main" id="{F2778992-5E28-437C-AEA9-F9BBD6E6F5BB}"/>
+                <a16:creationId xmlns:a16="http://schemas.microsoft.com/office/drawing/2014/main" xmlns="" id="{F2778992-5E28-437C-AEA9-F9BBD6E6F5BB}"/>
               </a:ext>
             </a:extLst>
           </p:cNvPr>
@@ -13403,7 +13403,7 @@
           <p:cNvPr id="14" name="Textfeld 13">
             <a:extLst>
               <a:ext uri="{FF2B5EF4-FFF2-40B4-BE49-F238E27FC236}">
-                <a16:creationId xmlns:a16="http://schemas.microsoft.com/office/drawing/2014/main" id="{6CF8FF9D-8A98-4CFA-94C2-E2074112639C}"/>
+                <a16:creationId xmlns:a16="http://schemas.microsoft.com/office/drawing/2014/main" xmlns="" id="{6CF8FF9D-8A98-4CFA-94C2-E2074112639C}"/>
               </a:ext>
             </a:extLst>
           </p:cNvPr>
@@ -13439,7 +13439,7 @@
           <p:cNvPr id="6" name="Textfeld 5">
             <a:extLst>
               <a:ext uri="{FF2B5EF4-FFF2-40B4-BE49-F238E27FC236}">
-                <a16:creationId xmlns:a16="http://schemas.microsoft.com/office/drawing/2014/main" id="{8E05CB3E-FC8B-4C84-8452-A027AF29808D}"/>
+                <a16:creationId xmlns:a16="http://schemas.microsoft.com/office/drawing/2014/main" xmlns="" id="{8E05CB3E-FC8B-4C84-8452-A027AF29808D}"/>
               </a:ext>
             </a:extLst>
           </p:cNvPr>
@@ -13487,7 +13487,7 @@
           <p:cNvPr id="3" name="Textfeld 2">
             <a:extLst>
               <a:ext uri="{FF2B5EF4-FFF2-40B4-BE49-F238E27FC236}">
-                <a16:creationId xmlns:a16="http://schemas.microsoft.com/office/drawing/2014/main" id="{B616C74B-1A1C-4612-8D7A-608508876D6B}"/>
+                <a16:creationId xmlns:a16="http://schemas.microsoft.com/office/drawing/2014/main" xmlns="" id="{B616C74B-1A1C-4612-8D7A-608508876D6B}"/>
               </a:ext>
             </a:extLst>
           </p:cNvPr>
@@ -13522,7 +13522,7 @@
           <p:cNvPr id="8" name="Grafik 7">
             <a:extLst>
               <a:ext uri="{FF2B5EF4-FFF2-40B4-BE49-F238E27FC236}">
-                <a16:creationId xmlns:a16="http://schemas.microsoft.com/office/drawing/2014/main" id="{0DFE0BE2-DBAD-43B4-8C9D-86A52F855DBF}"/>
+                <a16:creationId xmlns:a16="http://schemas.microsoft.com/office/drawing/2014/main" xmlns="" id="{0DFE0BE2-DBAD-43B4-8C9D-86A52F855DBF}"/>
               </a:ext>
             </a:extLst>
           </p:cNvPr>
@@ -13582,7 +13582,7 @@
           <p:cNvPr id="10" name="Foliennummernplatzhalter 9">
             <a:extLst>
               <a:ext uri="{FF2B5EF4-FFF2-40B4-BE49-F238E27FC236}">
-                <a16:creationId xmlns:a16="http://schemas.microsoft.com/office/drawing/2014/main" id="{D931436D-0B25-4BC2-AB85-D177B4C7ED90}"/>
+                <a16:creationId xmlns:a16="http://schemas.microsoft.com/office/drawing/2014/main" xmlns="" id="{D931436D-0B25-4BC2-AB85-D177B4C7ED90}"/>
               </a:ext>
             </a:extLst>
           </p:cNvPr>
@@ -13632,7 +13632,7 @@
           <p:cNvPr id="12" name="Gerader Verbinder 11">
             <a:extLst>
               <a:ext uri="{FF2B5EF4-FFF2-40B4-BE49-F238E27FC236}">
-                <a16:creationId xmlns:a16="http://schemas.microsoft.com/office/drawing/2014/main" id="{4A855513-E5C1-4F05-A8FD-33AC62C22A5E}"/>
+                <a16:creationId xmlns:a16="http://schemas.microsoft.com/office/drawing/2014/main" xmlns="" id="{4A855513-E5C1-4F05-A8FD-33AC62C22A5E}"/>
               </a:ext>
             </a:extLst>
           </p:cNvPr>
@@ -13673,7 +13673,7 @@
           <p:cNvPr id="13" name="Gerader Verbinder 12">
             <a:extLst>
               <a:ext uri="{FF2B5EF4-FFF2-40B4-BE49-F238E27FC236}">
-                <a16:creationId xmlns:a16="http://schemas.microsoft.com/office/drawing/2014/main" id="{F2778992-5E28-437C-AEA9-F9BBD6E6F5BB}"/>
+                <a16:creationId xmlns:a16="http://schemas.microsoft.com/office/drawing/2014/main" xmlns="" id="{F2778992-5E28-437C-AEA9-F9BBD6E6F5BB}"/>
               </a:ext>
             </a:extLst>
           </p:cNvPr>
@@ -13714,7 +13714,7 @@
           <p:cNvPr id="14" name="Textfeld 13">
             <a:extLst>
               <a:ext uri="{FF2B5EF4-FFF2-40B4-BE49-F238E27FC236}">
-                <a16:creationId xmlns:a16="http://schemas.microsoft.com/office/drawing/2014/main" id="{6CF8FF9D-8A98-4CFA-94C2-E2074112639C}"/>
+                <a16:creationId xmlns:a16="http://schemas.microsoft.com/office/drawing/2014/main" xmlns="" id="{6CF8FF9D-8A98-4CFA-94C2-E2074112639C}"/>
               </a:ext>
             </a:extLst>
           </p:cNvPr>
@@ -13750,7 +13750,7 @@
           <p:cNvPr id="6" name="Textfeld 5">
             <a:extLst>
               <a:ext uri="{FF2B5EF4-FFF2-40B4-BE49-F238E27FC236}">
-                <a16:creationId xmlns:a16="http://schemas.microsoft.com/office/drawing/2014/main" id="{8E05CB3E-FC8B-4C84-8452-A027AF29808D}"/>
+                <a16:creationId xmlns:a16="http://schemas.microsoft.com/office/drawing/2014/main" xmlns="" id="{8E05CB3E-FC8B-4C84-8452-A027AF29808D}"/>
               </a:ext>
             </a:extLst>
           </p:cNvPr>
@@ -13798,7 +13798,7 @@
           <p:cNvPr id="3" name="Textfeld 2">
             <a:extLst>
               <a:ext uri="{FF2B5EF4-FFF2-40B4-BE49-F238E27FC236}">
-                <a16:creationId xmlns:a16="http://schemas.microsoft.com/office/drawing/2014/main" id="{B616C74B-1A1C-4612-8D7A-608508876D6B}"/>
+                <a16:creationId xmlns:a16="http://schemas.microsoft.com/office/drawing/2014/main" xmlns="" id="{B616C74B-1A1C-4612-8D7A-608508876D6B}"/>
               </a:ext>
             </a:extLst>
           </p:cNvPr>
@@ -13833,7 +13833,7 @@
           <p:cNvPr id="11" name="Textfeld 10">
             <a:extLst>
               <a:ext uri="{FF2B5EF4-FFF2-40B4-BE49-F238E27FC236}">
-                <a16:creationId xmlns:a16="http://schemas.microsoft.com/office/drawing/2014/main" id="{24B508F8-733A-43EF-9B1C-791EC1949295}"/>
+                <a16:creationId xmlns:a16="http://schemas.microsoft.com/office/drawing/2014/main" xmlns="" id="{24B508F8-733A-43EF-9B1C-791EC1949295}"/>
               </a:ext>
             </a:extLst>
           </p:cNvPr>
@@ -14549,7 +14549,7 @@
           <p:cNvPr id="10" name="Foliennummernplatzhalter 9">
             <a:extLst>
               <a:ext uri="{FF2B5EF4-FFF2-40B4-BE49-F238E27FC236}">
-                <a16:creationId xmlns:a16="http://schemas.microsoft.com/office/drawing/2014/main" id="{D931436D-0B25-4BC2-AB85-D177B4C7ED90}"/>
+                <a16:creationId xmlns:a16="http://schemas.microsoft.com/office/drawing/2014/main" xmlns="" id="{D931436D-0B25-4BC2-AB85-D177B4C7ED90}"/>
               </a:ext>
             </a:extLst>
           </p:cNvPr>
@@ -14599,7 +14599,7 @@
           <p:cNvPr id="12" name="Gerader Verbinder 11">
             <a:extLst>
               <a:ext uri="{FF2B5EF4-FFF2-40B4-BE49-F238E27FC236}">
-                <a16:creationId xmlns:a16="http://schemas.microsoft.com/office/drawing/2014/main" id="{4A855513-E5C1-4F05-A8FD-33AC62C22A5E}"/>
+                <a16:creationId xmlns:a16="http://schemas.microsoft.com/office/drawing/2014/main" xmlns="" id="{4A855513-E5C1-4F05-A8FD-33AC62C22A5E}"/>
               </a:ext>
             </a:extLst>
           </p:cNvPr>
@@ -14640,7 +14640,7 @@
           <p:cNvPr id="13" name="Gerader Verbinder 12">
             <a:extLst>
               <a:ext uri="{FF2B5EF4-FFF2-40B4-BE49-F238E27FC236}">
-                <a16:creationId xmlns:a16="http://schemas.microsoft.com/office/drawing/2014/main" id="{F2778992-5E28-437C-AEA9-F9BBD6E6F5BB}"/>
+                <a16:creationId xmlns:a16="http://schemas.microsoft.com/office/drawing/2014/main" xmlns="" id="{F2778992-5E28-437C-AEA9-F9BBD6E6F5BB}"/>
               </a:ext>
             </a:extLst>
           </p:cNvPr>
@@ -14681,7 +14681,7 @@
           <p:cNvPr id="14" name="Textfeld 13">
             <a:extLst>
               <a:ext uri="{FF2B5EF4-FFF2-40B4-BE49-F238E27FC236}">
-                <a16:creationId xmlns:a16="http://schemas.microsoft.com/office/drawing/2014/main" id="{6CF8FF9D-8A98-4CFA-94C2-E2074112639C}"/>
+                <a16:creationId xmlns:a16="http://schemas.microsoft.com/office/drawing/2014/main" xmlns="" id="{6CF8FF9D-8A98-4CFA-94C2-E2074112639C}"/>
               </a:ext>
             </a:extLst>
           </p:cNvPr>
@@ -14717,7 +14717,7 @@
           <p:cNvPr id="6" name="Textfeld 5">
             <a:extLst>
               <a:ext uri="{FF2B5EF4-FFF2-40B4-BE49-F238E27FC236}">
-                <a16:creationId xmlns:a16="http://schemas.microsoft.com/office/drawing/2014/main" id="{8E05CB3E-FC8B-4C84-8452-A027AF29808D}"/>
+                <a16:creationId xmlns:a16="http://schemas.microsoft.com/office/drawing/2014/main" xmlns="" id="{8E05CB3E-FC8B-4C84-8452-A027AF29808D}"/>
               </a:ext>
             </a:extLst>
           </p:cNvPr>
@@ -14759,7 +14759,7 @@
           <p:cNvPr id="8" name="Textfeld 7">
             <a:extLst>
               <a:ext uri="{FF2B5EF4-FFF2-40B4-BE49-F238E27FC236}">
-                <a16:creationId xmlns:a16="http://schemas.microsoft.com/office/drawing/2014/main" id="{4842BEFA-10C3-45C0-8997-167BE0586DAC}"/>
+                <a16:creationId xmlns:a16="http://schemas.microsoft.com/office/drawing/2014/main" xmlns="" id="{4842BEFA-10C3-45C0-8997-167BE0586DAC}"/>
               </a:ext>
             </a:extLst>
           </p:cNvPr>
@@ -14866,7 +14866,7 @@
           <p:cNvPr id="3" name="Textfeld 2">
             <a:extLst>
               <a:ext uri="{FF2B5EF4-FFF2-40B4-BE49-F238E27FC236}">
-                <a16:creationId xmlns:a16="http://schemas.microsoft.com/office/drawing/2014/main" id="{B616C74B-1A1C-4612-8D7A-608508876D6B}"/>
+                <a16:creationId xmlns:a16="http://schemas.microsoft.com/office/drawing/2014/main" xmlns="" id="{B616C74B-1A1C-4612-8D7A-608508876D6B}"/>
               </a:ext>
             </a:extLst>
           </p:cNvPr>
@@ -14931,7 +14931,7 @@
           <p:cNvPr id="10" name="Foliennummernplatzhalter 9">
             <a:extLst>
               <a:ext uri="{FF2B5EF4-FFF2-40B4-BE49-F238E27FC236}">
-                <a16:creationId xmlns:a16="http://schemas.microsoft.com/office/drawing/2014/main" id="{D931436D-0B25-4BC2-AB85-D177B4C7ED90}"/>
+                <a16:creationId xmlns:a16="http://schemas.microsoft.com/office/drawing/2014/main" xmlns="" id="{D931436D-0B25-4BC2-AB85-D177B4C7ED90}"/>
               </a:ext>
             </a:extLst>
           </p:cNvPr>
@@ -14981,7 +14981,7 @@
           <p:cNvPr id="12" name="Gerader Verbinder 11">
             <a:extLst>
               <a:ext uri="{FF2B5EF4-FFF2-40B4-BE49-F238E27FC236}">
-                <a16:creationId xmlns:a16="http://schemas.microsoft.com/office/drawing/2014/main" id="{4A855513-E5C1-4F05-A8FD-33AC62C22A5E}"/>
+                <a16:creationId xmlns:a16="http://schemas.microsoft.com/office/drawing/2014/main" xmlns="" id="{4A855513-E5C1-4F05-A8FD-33AC62C22A5E}"/>
               </a:ext>
             </a:extLst>
           </p:cNvPr>
@@ -15022,7 +15022,7 @@
           <p:cNvPr id="13" name="Gerader Verbinder 12">
             <a:extLst>
               <a:ext uri="{FF2B5EF4-FFF2-40B4-BE49-F238E27FC236}">
-                <a16:creationId xmlns:a16="http://schemas.microsoft.com/office/drawing/2014/main" id="{F2778992-5E28-437C-AEA9-F9BBD6E6F5BB}"/>
+                <a16:creationId xmlns:a16="http://schemas.microsoft.com/office/drawing/2014/main" xmlns="" id="{F2778992-5E28-437C-AEA9-F9BBD6E6F5BB}"/>
               </a:ext>
             </a:extLst>
           </p:cNvPr>
@@ -15063,7 +15063,7 @@
           <p:cNvPr id="14" name="Textfeld 13">
             <a:extLst>
               <a:ext uri="{FF2B5EF4-FFF2-40B4-BE49-F238E27FC236}">
-                <a16:creationId xmlns:a16="http://schemas.microsoft.com/office/drawing/2014/main" id="{6CF8FF9D-8A98-4CFA-94C2-E2074112639C}"/>
+                <a16:creationId xmlns:a16="http://schemas.microsoft.com/office/drawing/2014/main" xmlns="" id="{6CF8FF9D-8A98-4CFA-94C2-E2074112639C}"/>
               </a:ext>
             </a:extLst>
           </p:cNvPr>
@@ -15099,7 +15099,7 @@
           <p:cNvPr id="6" name="Textfeld 5">
             <a:extLst>
               <a:ext uri="{FF2B5EF4-FFF2-40B4-BE49-F238E27FC236}">
-                <a16:creationId xmlns:a16="http://schemas.microsoft.com/office/drawing/2014/main" id="{8E05CB3E-FC8B-4C84-8452-A027AF29808D}"/>
+                <a16:creationId xmlns:a16="http://schemas.microsoft.com/office/drawing/2014/main" xmlns="" id="{8E05CB3E-FC8B-4C84-8452-A027AF29808D}"/>
               </a:ext>
             </a:extLst>
           </p:cNvPr>
@@ -15147,7 +15147,7 @@
           <p:cNvPr id="3" name="Textfeld 2">
             <a:extLst>
               <a:ext uri="{FF2B5EF4-FFF2-40B4-BE49-F238E27FC236}">
-                <a16:creationId xmlns:a16="http://schemas.microsoft.com/office/drawing/2014/main" id="{B616C74B-1A1C-4612-8D7A-608508876D6B}"/>
+                <a16:creationId xmlns:a16="http://schemas.microsoft.com/office/drawing/2014/main" xmlns="" id="{B616C74B-1A1C-4612-8D7A-608508876D6B}"/>
               </a:ext>
             </a:extLst>
           </p:cNvPr>
@@ -15182,7 +15182,7 @@
           <p:cNvPr id="11" name="Textfeld 10">
             <a:extLst>
               <a:ext uri="{FF2B5EF4-FFF2-40B4-BE49-F238E27FC236}">
-                <a16:creationId xmlns:a16="http://schemas.microsoft.com/office/drawing/2014/main" id="{24B508F8-733A-43EF-9B1C-791EC1949295}"/>
+                <a16:creationId xmlns:a16="http://schemas.microsoft.com/office/drawing/2014/main" xmlns="" id="{24B508F8-733A-43EF-9B1C-791EC1949295}"/>
               </a:ext>
             </a:extLst>
           </p:cNvPr>
@@ -16118,7 +16118,7 @@
           <p:cNvPr id="10" name="Foliennummernplatzhalter 9">
             <a:extLst>
               <a:ext uri="{FF2B5EF4-FFF2-40B4-BE49-F238E27FC236}">
-                <a16:creationId xmlns:a16="http://schemas.microsoft.com/office/drawing/2014/main" id="{D931436D-0B25-4BC2-AB85-D177B4C7ED90}"/>
+                <a16:creationId xmlns:a16="http://schemas.microsoft.com/office/drawing/2014/main" xmlns="" id="{D931436D-0B25-4BC2-AB85-D177B4C7ED90}"/>
               </a:ext>
             </a:extLst>
           </p:cNvPr>
@@ -16168,7 +16168,7 @@
           <p:cNvPr id="12" name="Gerader Verbinder 11">
             <a:extLst>
               <a:ext uri="{FF2B5EF4-FFF2-40B4-BE49-F238E27FC236}">
-                <a16:creationId xmlns:a16="http://schemas.microsoft.com/office/drawing/2014/main" id="{4A855513-E5C1-4F05-A8FD-33AC62C22A5E}"/>
+                <a16:creationId xmlns:a16="http://schemas.microsoft.com/office/drawing/2014/main" xmlns="" id="{4A855513-E5C1-4F05-A8FD-33AC62C22A5E}"/>
               </a:ext>
             </a:extLst>
           </p:cNvPr>
@@ -16209,7 +16209,7 @@
           <p:cNvPr id="13" name="Gerader Verbinder 12">
             <a:extLst>
               <a:ext uri="{FF2B5EF4-FFF2-40B4-BE49-F238E27FC236}">
-                <a16:creationId xmlns:a16="http://schemas.microsoft.com/office/drawing/2014/main" id="{F2778992-5E28-437C-AEA9-F9BBD6E6F5BB}"/>
+                <a16:creationId xmlns:a16="http://schemas.microsoft.com/office/drawing/2014/main" xmlns="" id="{F2778992-5E28-437C-AEA9-F9BBD6E6F5BB}"/>
               </a:ext>
             </a:extLst>
           </p:cNvPr>
@@ -16250,7 +16250,7 @@
           <p:cNvPr id="14" name="Textfeld 13">
             <a:extLst>
               <a:ext uri="{FF2B5EF4-FFF2-40B4-BE49-F238E27FC236}">
-                <a16:creationId xmlns:a16="http://schemas.microsoft.com/office/drawing/2014/main" id="{6CF8FF9D-8A98-4CFA-94C2-E2074112639C}"/>
+                <a16:creationId xmlns:a16="http://schemas.microsoft.com/office/drawing/2014/main" xmlns="" id="{6CF8FF9D-8A98-4CFA-94C2-E2074112639C}"/>
               </a:ext>
             </a:extLst>
           </p:cNvPr>
@@ -16286,7 +16286,7 @@
           <p:cNvPr id="6" name="Textfeld 5">
             <a:extLst>
               <a:ext uri="{FF2B5EF4-FFF2-40B4-BE49-F238E27FC236}">
-                <a16:creationId xmlns:a16="http://schemas.microsoft.com/office/drawing/2014/main" id="{8E05CB3E-FC8B-4C84-8452-A027AF29808D}"/>
+                <a16:creationId xmlns:a16="http://schemas.microsoft.com/office/drawing/2014/main" xmlns="" id="{8E05CB3E-FC8B-4C84-8452-A027AF29808D}"/>
               </a:ext>
             </a:extLst>
           </p:cNvPr>
@@ -16334,7 +16334,7 @@
           <p:cNvPr id="9" name="Textfeld 8">
             <a:extLst>
               <a:ext uri="{FF2B5EF4-FFF2-40B4-BE49-F238E27FC236}">
-                <a16:creationId xmlns:a16="http://schemas.microsoft.com/office/drawing/2014/main" id="{105407A1-FCD8-4DB9-8051-366A6497ED37}"/>
+                <a16:creationId xmlns:a16="http://schemas.microsoft.com/office/drawing/2014/main" xmlns="" id="{105407A1-FCD8-4DB9-8051-366A6497ED37}"/>
               </a:ext>
             </a:extLst>
           </p:cNvPr>
@@ -16462,7 +16462,7 @@
           <p:cNvPr id="4" name="Grafik 3">
             <a:extLst>
               <a:ext uri="{FF2B5EF4-FFF2-40B4-BE49-F238E27FC236}">
-                <a16:creationId xmlns:a16="http://schemas.microsoft.com/office/drawing/2014/main" id="{76244B43-9E69-4F23-9AD7-C79615969921}"/>
+                <a16:creationId xmlns:a16="http://schemas.microsoft.com/office/drawing/2014/main" xmlns="" id="{76244B43-9E69-4F23-9AD7-C79615969921}"/>
               </a:ext>
             </a:extLst>
           </p:cNvPr>
@@ -16522,7 +16522,7 @@
           <p:cNvPr id="10" name="Foliennummernplatzhalter 9">
             <a:extLst>
               <a:ext uri="{FF2B5EF4-FFF2-40B4-BE49-F238E27FC236}">
-                <a16:creationId xmlns:a16="http://schemas.microsoft.com/office/drawing/2014/main" id="{D931436D-0B25-4BC2-AB85-D177B4C7ED90}"/>
+                <a16:creationId xmlns:a16="http://schemas.microsoft.com/office/drawing/2014/main" xmlns="" id="{D931436D-0B25-4BC2-AB85-D177B4C7ED90}"/>
               </a:ext>
             </a:extLst>
           </p:cNvPr>
@@ -16572,7 +16572,7 @@
           <p:cNvPr id="12" name="Gerader Verbinder 11">
             <a:extLst>
               <a:ext uri="{FF2B5EF4-FFF2-40B4-BE49-F238E27FC236}">
-                <a16:creationId xmlns:a16="http://schemas.microsoft.com/office/drawing/2014/main" id="{4A855513-E5C1-4F05-A8FD-33AC62C22A5E}"/>
+                <a16:creationId xmlns:a16="http://schemas.microsoft.com/office/drawing/2014/main" xmlns="" id="{4A855513-E5C1-4F05-A8FD-33AC62C22A5E}"/>
               </a:ext>
             </a:extLst>
           </p:cNvPr>
@@ -16613,7 +16613,7 @@
           <p:cNvPr id="13" name="Gerader Verbinder 12">
             <a:extLst>
               <a:ext uri="{FF2B5EF4-FFF2-40B4-BE49-F238E27FC236}">
-                <a16:creationId xmlns:a16="http://schemas.microsoft.com/office/drawing/2014/main" id="{F2778992-5E28-437C-AEA9-F9BBD6E6F5BB}"/>
+                <a16:creationId xmlns:a16="http://schemas.microsoft.com/office/drawing/2014/main" xmlns="" id="{F2778992-5E28-437C-AEA9-F9BBD6E6F5BB}"/>
               </a:ext>
             </a:extLst>
           </p:cNvPr>
@@ -16654,7 +16654,7 @@
           <p:cNvPr id="14" name="Textfeld 13">
             <a:extLst>
               <a:ext uri="{FF2B5EF4-FFF2-40B4-BE49-F238E27FC236}">
-                <a16:creationId xmlns:a16="http://schemas.microsoft.com/office/drawing/2014/main" id="{6CF8FF9D-8A98-4CFA-94C2-E2074112639C}"/>
+                <a16:creationId xmlns:a16="http://schemas.microsoft.com/office/drawing/2014/main" xmlns="" id="{6CF8FF9D-8A98-4CFA-94C2-E2074112639C}"/>
               </a:ext>
             </a:extLst>
           </p:cNvPr>
@@ -16690,7 +16690,7 @@
           <p:cNvPr id="6" name="Textfeld 5">
             <a:extLst>
               <a:ext uri="{FF2B5EF4-FFF2-40B4-BE49-F238E27FC236}">
-                <a16:creationId xmlns:a16="http://schemas.microsoft.com/office/drawing/2014/main" id="{8E05CB3E-FC8B-4C84-8452-A027AF29808D}"/>
+                <a16:creationId xmlns:a16="http://schemas.microsoft.com/office/drawing/2014/main" xmlns="" id="{8E05CB3E-FC8B-4C84-8452-A027AF29808D}"/>
               </a:ext>
             </a:extLst>
           </p:cNvPr>
@@ -16738,7 +16738,7 @@
           <p:cNvPr id="9" name="Textfeld 8">
             <a:extLst>
               <a:ext uri="{FF2B5EF4-FFF2-40B4-BE49-F238E27FC236}">
-                <a16:creationId xmlns:a16="http://schemas.microsoft.com/office/drawing/2014/main" id="{105407A1-FCD8-4DB9-8051-366A6497ED37}"/>
+                <a16:creationId xmlns:a16="http://schemas.microsoft.com/office/drawing/2014/main" xmlns="" id="{105407A1-FCD8-4DB9-8051-366A6497ED37}"/>
               </a:ext>
             </a:extLst>
           </p:cNvPr>
@@ -16816,7 +16816,7 @@
           <p:cNvPr id="3" name="Grafik 2">
             <a:extLst>
               <a:ext uri="{FF2B5EF4-FFF2-40B4-BE49-F238E27FC236}">
-                <a16:creationId xmlns:a16="http://schemas.microsoft.com/office/drawing/2014/main" id="{02FF0FAB-7B84-4149-AE0C-DFA7DF373C07}"/>
+                <a16:creationId xmlns:a16="http://schemas.microsoft.com/office/drawing/2014/main" xmlns="" id="{02FF0FAB-7B84-4149-AE0C-DFA7DF373C07}"/>
               </a:ext>
             </a:extLst>
           </p:cNvPr>
@@ -16876,7 +16876,7 @@
           <p:cNvPr id="10" name="Foliennummernplatzhalter 9">
             <a:extLst>
               <a:ext uri="{FF2B5EF4-FFF2-40B4-BE49-F238E27FC236}">
-                <a16:creationId xmlns:a16="http://schemas.microsoft.com/office/drawing/2014/main" id="{D931436D-0B25-4BC2-AB85-D177B4C7ED90}"/>
+                <a16:creationId xmlns:a16="http://schemas.microsoft.com/office/drawing/2014/main" xmlns="" id="{D931436D-0B25-4BC2-AB85-D177B4C7ED90}"/>
               </a:ext>
             </a:extLst>
           </p:cNvPr>
@@ -16926,7 +16926,7 @@
           <p:cNvPr id="12" name="Gerader Verbinder 11">
             <a:extLst>
               <a:ext uri="{FF2B5EF4-FFF2-40B4-BE49-F238E27FC236}">
-                <a16:creationId xmlns:a16="http://schemas.microsoft.com/office/drawing/2014/main" id="{4A855513-E5C1-4F05-A8FD-33AC62C22A5E}"/>
+                <a16:creationId xmlns:a16="http://schemas.microsoft.com/office/drawing/2014/main" xmlns="" id="{4A855513-E5C1-4F05-A8FD-33AC62C22A5E}"/>
               </a:ext>
             </a:extLst>
           </p:cNvPr>
@@ -16967,7 +16967,7 @@
           <p:cNvPr id="13" name="Gerader Verbinder 12">
             <a:extLst>
               <a:ext uri="{FF2B5EF4-FFF2-40B4-BE49-F238E27FC236}">
-                <a16:creationId xmlns:a16="http://schemas.microsoft.com/office/drawing/2014/main" id="{F2778992-5E28-437C-AEA9-F9BBD6E6F5BB}"/>
+                <a16:creationId xmlns:a16="http://schemas.microsoft.com/office/drawing/2014/main" xmlns="" id="{F2778992-5E28-437C-AEA9-F9BBD6E6F5BB}"/>
               </a:ext>
             </a:extLst>
           </p:cNvPr>
@@ -17008,7 +17008,7 @@
           <p:cNvPr id="14" name="Textfeld 13">
             <a:extLst>
               <a:ext uri="{FF2B5EF4-FFF2-40B4-BE49-F238E27FC236}">
-                <a16:creationId xmlns:a16="http://schemas.microsoft.com/office/drawing/2014/main" id="{6CF8FF9D-8A98-4CFA-94C2-E2074112639C}"/>
+                <a16:creationId xmlns:a16="http://schemas.microsoft.com/office/drawing/2014/main" xmlns="" id="{6CF8FF9D-8A98-4CFA-94C2-E2074112639C}"/>
               </a:ext>
             </a:extLst>
           </p:cNvPr>
@@ -17044,7 +17044,7 @@
           <p:cNvPr id="6" name="Textfeld 5">
             <a:extLst>
               <a:ext uri="{FF2B5EF4-FFF2-40B4-BE49-F238E27FC236}">
-                <a16:creationId xmlns:a16="http://schemas.microsoft.com/office/drawing/2014/main" id="{8E05CB3E-FC8B-4C84-8452-A027AF29808D}"/>
+                <a16:creationId xmlns:a16="http://schemas.microsoft.com/office/drawing/2014/main" xmlns="" id="{8E05CB3E-FC8B-4C84-8452-A027AF29808D}"/>
               </a:ext>
             </a:extLst>
           </p:cNvPr>
@@ -17092,7 +17092,7 @@
           <p:cNvPr id="8" name="Textfeld 7">
             <a:extLst>
               <a:ext uri="{FF2B5EF4-FFF2-40B4-BE49-F238E27FC236}">
-                <a16:creationId xmlns:a16="http://schemas.microsoft.com/office/drawing/2014/main" id="{4842BEFA-10C3-45C0-8997-167BE0586DAC}"/>
+                <a16:creationId xmlns:a16="http://schemas.microsoft.com/office/drawing/2014/main" xmlns="" id="{4842BEFA-10C3-45C0-8997-167BE0586DAC}"/>
               </a:ext>
             </a:extLst>
           </p:cNvPr>
@@ -17297,7 +17297,7 @@
           <p:cNvPr id="10" name="Foliennummernplatzhalter 9">
             <a:extLst>
               <a:ext uri="{FF2B5EF4-FFF2-40B4-BE49-F238E27FC236}">
-                <a16:creationId xmlns:a16="http://schemas.microsoft.com/office/drawing/2014/main" id="{D931436D-0B25-4BC2-AB85-D177B4C7ED90}"/>
+                <a16:creationId xmlns:a16="http://schemas.microsoft.com/office/drawing/2014/main" xmlns="" id="{D931436D-0B25-4BC2-AB85-D177B4C7ED90}"/>
               </a:ext>
             </a:extLst>
           </p:cNvPr>
@@ -17347,7 +17347,7 @@
           <p:cNvPr id="12" name="Gerader Verbinder 11">
             <a:extLst>
               <a:ext uri="{FF2B5EF4-FFF2-40B4-BE49-F238E27FC236}">
-                <a16:creationId xmlns:a16="http://schemas.microsoft.com/office/drawing/2014/main" id="{4A855513-E5C1-4F05-A8FD-33AC62C22A5E}"/>
+                <a16:creationId xmlns:a16="http://schemas.microsoft.com/office/drawing/2014/main" xmlns="" id="{4A855513-E5C1-4F05-A8FD-33AC62C22A5E}"/>
               </a:ext>
             </a:extLst>
           </p:cNvPr>
@@ -17388,7 +17388,7 @@
           <p:cNvPr id="13" name="Gerader Verbinder 12">
             <a:extLst>
               <a:ext uri="{FF2B5EF4-FFF2-40B4-BE49-F238E27FC236}">
-                <a16:creationId xmlns:a16="http://schemas.microsoft.com/office/drawing/2014/main" id="{F2778992-5E28-437C-AEA9-F9BBD6E6F5BB}"/>
+                <a16:creationId xmlns:a16="http://schemas.microsoft.com/office/drawing/2014/main" xmlns="" id="{F2778992-5E28-437C-AEA9-F9BBD6E6F5BB}"/>
               </a:ext>
             </a:extLst>
           </p:cNvPr>
@@ -17429,7 +17429,7 @@
           <p:cNvPr id="14" name="Textfeld 13">
             <a:extLst>
               <a:ext uri="{FF2B5EF4-FFF2-40B4-BE49-F238E27FC236}">
-                <a16:creationId xmlns:a16="http://schemas.microsoft.com/office/drawing/2014/main" id="{6CF8FF9D-8A98-4CFA-94C2-E2074112639C}"/>
+                <a16:creationId xmlns:a16="http://schemas.microsoft.com/office/drawing/2014/main" xmlns="" id="{6CF8FF9D-8A98-4CFA-94C2-E2074112639C}"/>
               </a:ext>
             </a:extLst>
           </p:cNvPr>
@@ -17457,6 +17457,70 @@
               <a:rPr lang="de-DE" b="1" dirty="0"/>
               <a:t>Dynamische Container in C</a:t>
             </a:r>
+          </a:p>
+        </p:txBody>
+      </p:sp>
+      <p:sp>
+        <p:nvSpPr>
+          <p:cNvPr id="2" name="Textfeld 1"/>
+          <p:cNvSpPr txBox="1"/>
+          <p:nvPr/>
+        </p:nvSpPr>
+        <p:spPr>
+          <a:xfrm>
+            <a:off x="1293340" y="3085069"/>
+            <a:ext cx="9605319" cy="923330"/>
+          </a:xfrm>
+          <a:prstGeom prst="rect">
+            <a:avLst/>
+          </a:prstGeom>
+          <a:noFill/>
+        </p:spPr>
+        <p:txBody>
+          <a:bodyPr wrap="square" rtlCol="0">
+            <a:spAutoFit/>
+          </a:bodyPr>
+          <a:lstStyle/>
+          <a:p>
+            <a:pPr algn="ctr"/>
+            <a:r>
+              <a:rPr lang="de-DE" dirty="0" smtClean="0"/>
+              <a:t>Der genutzte Code ist auch auf </a:t>
+            </a:r>
+            <a:r>
+              <a:rPr lang="de-DE" dirty="0" err="1" smtClean="0"/>
+              <a:t>GitHub</a:t>
+            </a:r>
+            <a:r>
+              <a:rPr lang="de-DE" dirty="0" smtClean="0"/>
+              <a:t> zu finden</a:t>
+            </a:r>
+          </a:p>
+          <a:p>
+            <a:pPr algn="ctr"/>
+            <a:endParaRPr lang="de-DE" dirty="0"/>
+          </a:p>
+          <a:p>
+            <a:pPr algn="ctr"/>
+            <a:r>
+              <a:rPr lang="de-DE" dirty="0" smtClean="0">
+                <a:hlinkClick r:id="rId2"/>
+              </a:rPr>
+              <a:t>https</a:t>
+            </a:r>
+            <a:r>
+              <a:rPr lang="de-DE" dirty="0">
+                <a:hlinkClick r:id="rId2"/>
+              </a:rPr>
+              <a:t>://</a:t>
+            </a:r>
+            <a:r>
+              <a:rPr lang="de-DE" dirty="0" smtClean="0">
+                <a:hlinkClick r:id="rId2"/>
+              </a:rPr>
+              <a:t>github.com/DennisGoss99/InPr_DynamicCollections</a:t>
+            </a:r>
+            <a:endParaRPr lang="de-DE" dirty="0"/>
           </a:p>
         </p:txBody>
       </p:sp>
@@ -17495,7 +17559,7 @@
           <p:cNvPr id="10" name="Foliennummernplatzhalter 9">
             <a:extLst>
               <a:ext uri="{FF2B5EF4-FFF2-40B4-BE49-F238E27FC236}">
-                <a16:creationId xmlns:a16="http://schemas.microsoft.com/office/drawing/2014/main" id="{D931436D-0B25-4BC2-AB85-D177B4C7ED90}"/>
+                <a16:creationId xmlns:a16="http://schemas.microsoft.com/office/drawing/2014/main" xmlns="" id="{D931436D-0B25-4BC2-AB85-D177B4C7ED90}"/>
               </a:ext>
             </a:extLst>
           </p:cNvPr>
@@ -17545,7 +17609,7 @@
           <p:cNvPr id="12" name="Gerader Verbinder 11">
             <a:extLst>
               <a:ext uri="{FF2B5EF4-FFF2-40B4-BE49-F238E27FC236}">
-                <a16:creationId xmlns:a16="http://schemas.microsoft.com/office/drawing/2014/main" id="{4A855513-E5C1-4F05-A8FD-33AC62C22A5E}"/>
+                <a16:creationId xmlns:a16="http://schemas.microsoft.com/office/drawing/2014/main" xmlns="" id="{4A855513-E5C1-4F05-A8FD-33AC62C22A5E}"/>
               </a:ext>
             </a:extLst>
           </p:cNvPr>
@@ -17586,7 +17650,7 @@
           <p:cNvPr id="13" name="Gerader Verbinder 12">
             <a:extLst>
               <a:ext uri="{FF2B5EF4-FFF2-40B4-BE49-F238E27FC236}">
-                <a16:creationId xmlns:a16="http://schemas.microsoft.com/office/drawing/2014/main" id="{F2778992-5E28-437C-AEA9-F9BBD6E6F5BB}"/>
+                <a16:creationId xmlns:a16="http://schemas.microsoft.com/office/drawing/2014/main" xmlns="" id="{F2778992-5E28-437C-AEA9-F9BBD6E6F5BB}"/>
               </a:ext>
             </a:extLst>
           </p:cNvPr>
@@ -17627,7 +17691,7 @@
           <p:cNvPr id="14" name="Textfeld 13">
             <a:extLst>
               <a:ext uri="{FF2B5EF4-FFF2-40B4-BE49-F238E27FC236}">
-                <a16:creationId xmlns:a16="http://schemas.microsoft.com/office/drawing/2014/main" id="{6CF8FF9D-8A98-4CFA-94C2-E2074112639C}"/>
+                <a16:creationId xmlns:a16="http://schemas.microsoft.com/office/drawing/2014/main" xmlns="" id="{6CF8FF9D-8A98-4CFA-94C2-E2074112639C}"/>
               </a:ext>
             </a:extLst>
           </p:cNvPr>
@@ -17663,7 +17727,7 @@
           <p:cNvPr id="6" name="Textfeld 5">
             <a:extLst>
               <a:ext uri="{FF2B5EF4-FFF2-40B4-BE49-F238E27FC236}">
-                <a16:creationId xmlns:a16="http://schemas.microsoft.com/office/drawing/2014/main" id="{8E05CB3E-FC8B-4C84-8452-A027AF29808D}"/>
+                <a16:creationId xmlns:a16="http://schemas.microsoft.com/office/drawing/2014/main" xmlns="" id="{8E05CB3E-FC8B-4C84-8452-A027AF29808D}"/>
               </a:ext>
             </a:extLst>
           </p:cNvPr>
@@ -17705,7 +17769,7 @@
           <p:cNvPr id="8" name="Textfeld 7">
             <a:extLst>
               <a:ext uri="{FF2B5EF4-FFF2-40B4-BE49-F238E27FC236}">
-                <a16:creationId xmlns:a16="http://schemas.microsoft.com/office/drawing/2014/main" id="{4842BEFA-10C3-45C0-8997-167BE0586DAC}"/>
+                <a16:creationId xmlns:a16="http://schemas.microsoft.com/office/drawing/2014/main" xmlns="" id="{4842BEFA-10C3-45C0-8997-167BE0586DAC}"/>
               </a:ext>
             </a:extLst>
           </p:cNvPr>
@@ -17764,7 +17828,7 @@
           <p:cNvPr id="3" name="Textfeld 2">
             <a:extLst>
               <a:ext uri="{FF2B5EF4-FFF2-40B4-BE49-F238E27FC236}">
-                <a16:creationId xmlns:a16="http://schemas.microsoft.com/office/drawing/2014/main" id="{B616C74B-1A1C-4612-8D7A-608508876D6B}"/>
+                <a16:creationId xmlns:a16="http://schemas.microsoft.com/office/drawing/2014/main" xmlns="" id="{B616C74B-1A1C-4612-8D7A-608508876D6B}"/>
               </a:ext>
             </a:extLst>
           </p:cNvPr>
@@ -17799,10 +17863,10 @@
           <p:cNvPr id="4" name="Grafik 3">
             <a:extLst>
               <a:ext uri="{FF2B5EF4-FFF2-40B4-BE49-F238E27FC236}">
-                <a16:creationId xmlns:a16="http://schemas.microsoft.com/office/drawing/2014/main" id="{18938379-4D21-4DC3-9DFE-4CE90527DD2F}"/>
+                <a16:creationId xmlns:a16="http://schemas.microsoft.com/office/drawing/2014/main" xmlns="" id="{18938379-4D21-4DC3-9DFE-4CE90527DD2F}"/>
               </a:ext>
               <a:ext uri="{C183D7F6-B498-43B3-948B-1728B52AA6E4}">
-                <adec:decorative xmlns:adec="http://schemas.microsoft.com/office/drawing/2017/decorative" val="0"/>
+                <adec:decorative xmlns:adec="http://schemas.microsoft.com/office/drawing/2017/decorative" xmlns="" val="0"/>
               </a:ext>
             </a:extLst>
           </p:cNvPr>
@@ -17832,7 +17896,7 @@
           <p:cNvPr id="18" name="Grafik 17">
             <a:extLst>
               <a:ext uri="{FF2B5EF4-FFF2-40B4-BE49-F238E27FC236}">
-                <a16:creationId xmlns:a16="http://schemas.microsoft.com/office/drawing/2014/main" id="{FEB27C32-4E21-40FF-95F0-06C23EE6D5BA}"/>
+                <a16:creationId xmlns:a16="http://schemas.microsoft.com/office/drawing/2014/main" xmlns="" id="{FEB27C32-4E21-40FF-95F0-06C23EE6D5BA}"/>
               </a:ext>
             </a:extLst>
           </p:cNvPr>
@@ -17892,7 +17956,7 @@
           <p:cNvPr id="10" name="Foliennummernplatzhalter 9">
             <a:extLst>
               <a:ext uri="{FF2B5EF4-FFF2-40B4-BE49-F238E27FC236}">
-                <a16:creationId xmlns:a16="http://schemas.microsoft.com/office/drawing/2014/main" id="{D931436D-0B25-4BC2-AB85-D177B4C7ED90}"/>
+                <a16:creationId xmlns:a16="http://schemas.microsoft.com/office/drawing/2014/main" xmlns="" id="{D931436D-0B25-4BC2-AB85-D177B4C7ED90}"/>
               </a:ext>
             </a:extLst>
           </p:cNvPr>
@@ -17942,7 +18006,7 @@
           <p:cNvPr id="12" name="Gerader Verbinder 11">
             <a:extLst>
               <a:ext uri="{FF2B5EF4-FFF2-40B4-BE49-F238E27FC236}">
-                <a16:creationId xmlns:a16="http://schemas.microsoft.com/office/drawing/2014/main" id="{4A855513-E5C1-4F05-A8FD-33AC62C22A5E}"/>
+                <a16:creationId xmlns:a16="http://schemas.microsoft.com/office/drawing/2014/main" xmlns="" id="{4A855513-E5C1-4F05-A8FD-33AC62C22A5E}"/>
               </a:ext>
             </a:extLst>
           </p:cNvPr>
@@ -17983,7 +18047,7 @@
           <p:cNvPr id="13" name="Gerader Verbinder 12">
             <a:extLst>
               <a:ext uri="{FF2B5EF4-FFF2-40B4-BE49-F238E27FC236}">
-                <a16:creationId xmlns:a16="http://schemas.microsoft.com/office/drawing/2014/main" id="{F2778992-5E28-437C-AEA9-F9BBD6E6F5BB}"/>
+                <a16:creationId xmlns:a16="http://schemas.microsoft.com/office/drawing/2014/main" xmlns="" id="{F2778992-5E28-437C-AEA9-F9BBD6E6F5BB}"/>
               </a:ext>
             </a:extLst>
           </p:cNvPr>
@@ -18024,7 +18088,7 @@
           <p:cNvPr id="14" name="Textfeld 13">
             <a:extLst>
               <a:ext uri="{FF2B5EF4-FFF2-40B4-BE49-F238E27FC236}">
-                <a16:creationId xmlns:a16="http://schemas.microsoft.com/office/drawing/2014/main" id="{6CF8FF9D-8A98-4CFA-94C2-E2074112639C}"/>
+                <a16:creationId xmlns:a16="http://schemas.microsoft.com/office/drawing/2014/main" xmlns="" id="{6CF8FF9D-8A98-4CFA-94C2-E2074112639C}"/>
               </a:ext>
             </a:extLst>
           </p:cNvPr>
@@ -18060,7 +18124,7 @@
           <p:cNvPr id="6" name="Textfeld 5">
             <a:extLst>
               <a:ext uri="{FF2B5EF4-FFF2-40B4-BE49-F238E27FC236}">
-                <a16:creationId xmlns:a16="http://schemas.microsoft.com/office/drawing/2014/main" id="{8E05CB3E-FC8B-4C84-8452-A027AF29808D}"/>
+                <a16:creationId xmlns:a16="http://schemas.microsoft.com/office/drawing/2014/main" xmlns="" id="{8E05CB3E-FC8B-4C84-8452-A027AF29808D}"/>
               </a:ext>
             </a:extLst>
           </p:cNvPr>
@@ -18102,7 +18166,7 @@
           <p:cNvPr id="8" name="Textfeld 7">
             <a:extLst>
               <a:ext uri="{FF2B5EF4-FFF2-40B4-BE49-F238E27FC236}">
-                <a16:creationId xmlns:a16="http://schemas.microsoft.com/office/drawing/2014/main" id="{4842BEFA-10C3-45C0-8997-167BE0586DAC}"/>
+                <a16:creationId xmlns:a16="http://schemas.microsoft.com/office/drawing/2014/main" xmlns="" id="{4842BEFA-10C3-45C0-8997-167BE0586DAC}"/>
               </a:ext>
             </a:extLst>
           </p:cNvPr>
@@ -18112,7 +18176,7 @@
         <p:spPr>
           <a:xfrm>
             <a:off x="1085461" y="2075948"/>
-            <a:ext cx="10021077" cy="338554"/>
+            <a:ext cx="10021077" cy="1077218"/>
           </a:xfrm>
           <a:prstGeom prst="rect">
             <a:avLst/>
@@ -18132,8 +18196,71 @@
                 </a:solidFill>
                 <a:latin typeface="Calibri" panose="020F0502020204030204" pitchFamily="34" charset="0"/>
               </a:rPr>
-              <a:t>Wenn eine Funktion auf eine Collection fehlschlägt, können folgende Fehlercodes zurückgegeben:</a:t>
-            </a:r>
+              <a:t>Des weiteren benutzen unsere Container </a:t>
+            </a:r>
+            <a:r>
+              <a:rPr lang="de-DE" sz="1600" b="0" i="0" u="none" strike="noStrike" baseline="0" dirty="0" err="1">
+                <a:solidFill>
+                  <a:srgbClr val="000000"/>
+                </a:solidFill>
+                <a:latin typeface="Calibri" panose="020F0502020204030204" pitchFamily="34" charset="0"/>
+              </a:rPr>
+              <a:t>Void</a:t>
+            </a:r>
+            <a:r>
+              <a:rPr lang="de-DE" sz="1600" dirty="0" err="1">
+                <a:solidFill>
+                  <a:srgbClr val="000000"/>
+                </a:solidFill>
+                <a:latin typeface="Calibri" panose="020F0502020204030204" pitchFamily="34" charset="0"/>
+              </a:rPr>
+              <a:t>pointer</a:t>
+            </a:r>
+            <a:r>
+              <a:rPr lang="de-DE" sz="1600" dirty="0">
+                <a:solidFill>
+                  <a:srgbClr val="000000"/>
+                </a:solidFill>
+                <a:latin typeface="Calibri" panose="020F0502020204030204" pitchFamily="34" charset="0"/>
+              </a:rPr>
+              <a:t> um auf die zu speienden Elemente zu zeigen</a:t>
+            </a:r>
+            <a:r>
+              <a:rPr lang="de-DE" sz="1600" b="0" i="0" u="none" strike="noStrike" baseline="0" dirty="0">
+                <a:solidFill>
+                  <a:srgbClr val="000000"/>
+                </a:solidFill>
+                <a:latin typeface="Calibri" panose="020F0502020204030204" pitchFamily="34" charset="0"/>
+              </a:rPr>
+              <a:t>.</a:t>
+            </a:r>
+          </a:p>
+          <a:p>
+            <a:endParaRPr lang="de-DE" sz="1600" dirty="0">
+              <a:solidFill>
+                <a:srgbClr val="000000"/>
+              </a:solidFill>
+              <a:latin typeface="Calibri" panose="020F0502020204030204" pitchFamily="34" charset="0"/>
+            </a:endParaRPr>
+          </a:p>
+          <a:p>
+            <a:r>
+              <a:rPr lang="de-DE" sz="1600" b="0" i="0" u="none" strike="noStrike" baseline="0" dirty="0">
+                <a:solidFill>
+                  <a:srgbClr val="000000"/>
+                </a:solidFill>
+                <a:latin typeface="Calibri" panose="020F0502020204030204" pitchFamily="34" charset="0"/>
+              </a:rPr>
+              <a:t>Zusätzlich finden Sie Kommentare zu jeder Funktion die eine Speicherstruktur hat.</a:t>
+            </a:r>
+          </a:p>
+          <a:p>
+            <a:endParaRPr lang="de-DE" sz="1600" b="0" i="0" u="none" strike="noStrike" baseline="0" dirty="0">
+              <a:solidFill>
+                <a:srgbClr val="000000"/>
+              </a:solidFill>
+              <a:latin typeface="Calibri" panose="020F0502020204030204" pitchFamily="34" charset="0"/>
+            </a:endParaRPr>
           </a:p>
         </p:txBody>
       </p:sp>
@@ -18142,7 +18269,7 @@
           <p:cNvPr id="3" name="Textfeld 2">
             <a:extLst>
               <a:ext uri="{FF2B5EF4-FFF2-40B4-BE49-F238E27FC236}">
-                <a16:creationId xmlns:a16="http://schemas.microsoft.com/office/drawing/2014/main" id="{B616C74B-1A1C-4612-8D7A-608508876D6B}"/>
+                <a16:creationId xmlns:a16="http://schemas.microsoft.com/office/drawing/2014/main" xmlns="" id="{B616C74B-1A1C-4612-8D7A-608508876D6B}"/>
               </a:ext>
             </a:extLst>
           </p:cNvPr>
@@ -18174,10 +18301,10 @@
       </p:sp>
       <p:pic>
         <p:nvPicPr>
-          <p:cNvPr id="9" name="Grafik 8">
-            <a:extLst>
-              <a:ext uri="{FF2B5EF4-FFF2-40B4-BE49-F238E27FC236}">
-                <a16:creationId xmlns:a16="http://schemas.microsoft.com/office/drawing/2014/main" id="{FE433633-AAB8-4AC8-80DF-33EE4B97A434}"/>
+          <p:cNvPr id="5" name="Grafik 4">
+            <a:extLst>
+              <a:ext uri="{FF2B5EF4-FFF2-40B4-BE49-F238E27FC236}">
+                <a16:creationId xmlns:a16="http://schemas.microsoft.com/office/drawing/2014/main" xmlns="" id="{6954ED34-E542-4C7A-A5A9-41971B50B93B}"/>
               </a:ext>
             </a:extLst>
           </p:cNvPr>
@@ -18194,8 +18321,8 @@
         </p:blipFill>
         <p:spPr>
           <a:xfrm>
-            <a:off x="1309280" y="2476961"/>
-            <a:ext cx="3401266" cy="3512362"/>
+            <a:off x="1085461" y="3222709"/>
+            <a:ext cx="9145276" cy="2267266"/>
           </a:xfrm>
           <a:prstGeom prst="rect">
             <a:avLst/>
@@ -18205,7 +18332,7 @@
     </p:spTree>
     <p:extLst>
       <p:ext uri="{BB962C8B-B14F-4D97-AF65-F5344CB8AC3E}">
-        <p14:creationId xmlns:p14="http://schemas.microsoft.com/office/powerpoint/2010/main" val="3657145228"/>
+        <p14:creationId xmlns:p14="http://schemas.microsoft.com/office/powerpoint/2010/main" val="4080957815"/>
       </p:ext>
     </p:extLst>
   </p:cSld>
@@ -18237,7 +18364,7 @@
           <p:cNvPr id="10" name="Foliennummernplatzhalter 9">
             <a:extLst>
               <a:ext uri="{FF2B5EF4-FFF2-40B4-BE49-F238E27FC236}">
-                <a16:creationId xmlns:a16="http://schemas.microsoft.com/office/drawing/2014/main" id="{D931436D-0B25-4BC2-AB85-D177B4C7ED90}"/>
+                <a16:creationId xmlns:a16="http://schemas.microsoft.com/office/drawing/2014/main" xmlns="" id="{D931436D-0B25-4BC2-AB85-D177B4C7ED90}"/>
               </a:ext>
             </a:extLst>
           </p:cNvPr>
@@ -18287,7 +18414,7 @@
           <p:cNvPr id="12" name="Gerader Verbinder 11">
             <a:extLst>
               <a:ext uri="{FF2B5EF4-FFF2-40B4-BE49-F238E27FC236}">
-                <a16:creationId xmlns:a16="http://schemas.microsoft.com/office/drawing/2014/main" id="{4A855513-E5C1-4F05-A8FD-33AC62C22A5E}"/>
+                <a16:creationId xmlns:a16="http://schemas.microsoft.com/office/drawing/2014/main" xmlns="" id="{4A855513-E5C1-4F05-A8FD-33AC62C22A5E}"/>
               </a:ext>
             </a:extLst>
           </p:cNvPr>
@@ -18328,7 +18455,7 @@
           <p:cNvPr id="13" name="Gerader Verbinder 12">
             <a:extLst>
               <a:ext uri="{FF2B5EF4-FFF2-40B4-BE49-F238E27FC236}">
-                <a16:creationId xmlns:a16="http://schemas.microsoft.com/office/drawing/2014/main" id="{F2778992-5E28-437C-AEA9-F9BBD6E6F5BB}"/>
+                <a16:creationId xmlns:a16="http://schemas.microsoft.com/office/drawing/2014/main" xmlns="" id="{F2778992-5E28-437C-AEA9-F9BBD6E6F5BB}"/>
               </a:ext>
             </a:extLst>
           </p:cNvPr>
@@ -18369,7 +18496,7 @@
           <p:cNvPr id="14" name="Textfeld 13">
             <a:extLst>
               <a:ext uri="{FF2B5EF4-FFF2-40B4-BE49-F238E27FC236}">
-                <a16:creationId xmlns:a16="http://schemas.microsoft.com/office/drawing/2014/main" id="{6CF8FF9D-8A98-4CFA-94C2-E2074112639C}"/>
+                <a16:creationId xmlns:a16="http://schemas.microsoft.com/office/drawing/2014/main" xmlns="" id="{6CF8FF9D-8A98-4CFA-94C2-E2074112639C}"/>
               </a:ext>
             </a:extLst>
           </p:cNvPr>
@@ -18405,7 +18532,7 @@
           <p:cNvPr id="6" name="Textfeld 5">
             <a:extLst>
               <a:ext uri="{FF2B5EF4-FFF2-40B4-BE49-F238E27FC236}">
-                <a16:creationId xmlns:a16="http://schemas.microsoft.com/office/drawing/2014/main" id="{8E05CB3E-FC8B-4C84-8452-A027AF29808D}"/>
+                <a16:creationId xmlns:a16="http://schemas.microsoft.com/office/drawing/2014/main" xmlns="" id="{8E05CB3E-FC8B-4C84-8452-A027AF29808D}"/>
               </a:ext>
             </a:extLst>
           </p:cNvPr>
@@ -18447,7 +18574,7 @@
           <p:cNvPr id="8" name="Textfeld 7">
             <a:extLst>
               <a:ext uri="{FF2B5EF4-FFF2-40B4-BE49-F238E27FC236}">
-                <a16:creationId xmlns:a16="http://schemas.microsoft.com/office/drawing/2014/main" id="{4842BEFA-10C3-45C0-8997-167BE0586DAC}"/>
+                <a16:creationId xmlns:a16="http://schemas.microsoft.com/office/drawing/2014/main" xmlns="" id="{4842BEFA-10C3-45C0-8997-167BE0586DAC}"/>
               </a:ext>
             </a:extLst>
           </p:cNvPr>
@@ -18457,7 +18584,7 @@
         <p:spPr>
           <a:xfrm>
             <a:off x="1085461" y="2075948"/>
-            <a:ext cx="10021077" cy="1077218"/>
+            <a:ext cx="10021077" cy="338554"/>
           </a:xfrm>
           <a:prstGeom prst="rect">
             <a:avLst/>
@@ -18477,71 +18604,8 @@
                 </a:solidFill>
                 <a:latin typeface="Calibri" panose="020F0502020204030204" pitchFamily="34" charset="0"/>
               </a:rPr>
-              <a:t>Des weiteren benutzen unsere Container </a:t>
-            </a:r>
-            <a:r>
-              <a:rPr lang="de-DE" sz="1600" b="0" i="0" u="none" strike="noStrike" baseline="0" dirty="0" err="1">
-                <a:solidFill>
-                  <a:srgbClr val="000000"/>
-                </a:solidFill>
-                <a:latin typeface="Calibri" panose="020F0502020204030204" pitchFamily="34" charset="0"/>
-              </a:rPr>
-              <a:t>Void</a:t>
-            </a:r>
-            <a:r>
-              <a:rPr lang="de-DE" sz="1600" dirty="0" err="1">
-                <a:solidFill>
-                  <a:srgbClr val="000000"/>
-                </a:solidFill>
-                <a:latin typeface="Calibri" panose="020F0502020204030204" pitchFamily="34" charset="0"/>
-              </a:rPr>
-              <a:t>pointer</a:t>
-            </a:r>
-            <a:r>
-              <a:rPr lang="de-DE" sz="1600" dirty="0">
-                <a:solidFill>
-                  <a:srgbClr val="000000"/>
-                </a:solidFill>
-                <a:latin typeface="Calibri" panose="020F0502020204030204" pitchFamily="34" charset="0"/>
-              </a:rPr>
-              <a:t> um auf die zu speienden Elemente zu zeigen</a:t>
-            </a:r>
-            <a:r>
-              <a:rPr lang="de-DE" sz="1600" b="0" i="0" u="none" strike="noStrike" baseline="0" dirty="0">
-                <a:solidFill>
-                  <a:srgbClr val="000000"/>
-                </a:solidFill>
-                <a:latin typeface="Calibri" panose="020F0502020204030204" pitchFamily="34" charset="0"/>
-              </a:rPr>
-              <a:t>.</a:t>
-            </a:r>
-          </a:p>
-          <a:p>
-            <a:endParaRPr lang="de-DE" sz="1600" dirty="0">
-              <a:solidFill>
-                <a:srgbClr val="000000"/>
-              </a:solidFill>
-              <a:latin typeface="Calibri" panose="020F0502020204030204" pitchFamily="34" charset="0"/>
-            </a:endParaRPr>
-          </a:p>
-          <a:p>
-            <a:r>
-              <a:rPr lang="de-DE" sz="1600" b="0" i="0" u="none" strike="noStrike" baseline="0" dirty="0">
-                <a:solidFill>
-                  <a:srgbClr val="000000"/>
-                </a:solidFill>
-                <a:latin typeface="Calibri" panose="020F0502020204030204" pitchFamily="34" charset="0"/>
-              </a:rPr>
-              <a:t>Zusätzlich finden Sie Kommentare zu jeder Funktion die eine Speicherstruktur hat.</a:t>
-            </a:r>
-          </a:p>
-          <a:p>
-            <a:endParaRPr lang="de-DE" sz="1600" b="0" i="0" u="none" strike="noStrike" baseline="0" dirty="0">
-              <a:solidFill>
-                <a:srgbClr val="000000"/>
-              </a:solidFill>
-              <a:latin typeface="Calibri" panose="020F0502020204030204" pitchFamily="34" charset="0"/>
-            </a:endParaRPr>
+              <a:t>Wenn eine Funktion auf eine Collection fehlschlägt, können folgende Fehlercodes zurückgegeben:</a:t>
+            </a:r>
           </a:p>
         </p:txBody>
       </p:sp>
@@ -18550,7 +18614,7 @@
           <p:cNvPr id="3" name="Textfeld 2">
             <a:extLst>
               <a:ext uri="{FF2B5EF4-FFF2-40B4-BE49-F238E27FC236}">
-                <a16:creationId xmlns:a16="http://schemas.microsoft.com/office/drawing/2014/main" id="{B616C74B-1A1C-4612-8D7A-608508876D6B}"/>
+                <a16:creationId xmlns:a16="http://schemas.microsoft.com/office/drawing/2014/main" xmlns="" id="{B616C74B-1A1C-4612-8D7A-608508876D6B}"/>
               </a:ext>
             </a:extLst>
           </p:cNvPr>
@@ -18582,10 +18646,10 @@
       </p:sp>
       <p:pic>
         <p:nvPicPr>
-          <p:cNvPr id="5" name="Grafik 4">
-            <a:extLst>
-              <a:ext uri="{FF2B5EF4-FFF2-40B4-BE49-F238E27FC236}">
-                <a16:creationId xmlns:a16="http://schemas.microsoft.com/office/drawing/2014/main" id="{6954ED34-E542-4C7A-A5A9-41971B50B93B}"/>
+          <p:cNvPr id="9" name="Grafik 8">
+            <a:extLst>
+              <a:ext uri="{FF2B5EF4-FFF2-40B4-BE49-F238E27FC236}">
+                <a16:creationId xmlns:a16="http://schemas.microsoft.com/office/drawing/2014/main" xmlns="" id="{FE433633-AAB8-4AC8-80DF-33EE4B97A434}"/>
               </a:ext>
             </a:extLst>
           </p:cNvPr>
@@ -18602,8 +18666,8 @@
         </p:blipFill>
         <p:spPr>
           <a:xfrm>
-            <a:off x="1085461" y="3222709"/>
-            <a:ext cx="9145276" cy="2267266"/>
+            <a:off x="1309280" y="2476961"/>
+            <a:ext cx="3401266" cy="3512362"/>
           </a:xfrm>
           <a:prstGeom prst="rect">
             <a:avLst/>
@@ -18613,7 +18677,7 @@
     </p:spTree>
     <p:extLst>
       <p:ext uri="{BB962C8B-B14F-4D97-AF65-F5344CB8AC3E}">
-        <p14:creationId xmlns:p14="http://schemas.microsoft.com/office/powerpoint/2010/main" val="4080957815"/>
+        <p14:creationId xmlns:p14="http://schemas.microsoft.com/office/powerpoint/2010/main" val="3657145228"/>
       </p:ext>
     </p:extLst>
   </p:cSld>
@@ -18645,7 +18709,7 @@
           <p:cNvPr id="10" name="Foliennummernplatzhalter 9">
             <a:extLst>
               <a:ext uri="{FF2B5EF4-FFF2-40B4-BE49-F238E27FC236}">
-                <a16:creationId xmlns:a16="http://schemas.microsoft.com/office/drawing/2014/main" id="{D931436D-0B25-4BC2-AB85-D177B4C7ED90}"/>
+                <a16:creationId xmlns:a16="http://schemas.microsoft.com/office/drawing/2014/main" xmlns="" id="{D931436D-0B25-4BC2-AB85-D177B4C7ED90}"/>
               </a:ext>
             </a:extLst>
           </p:cNvPr>
@@ -18695,7 +18759,7 @@
           <p:cNvPr id="12" name="Gerader Verbinder 11">
             <a:extLst>
               <a:ext uri="{FF2B5EF4-FFF2-40B4-BE49-F238E27FC236}">
-                <a16:creationId xmlns:a16="http://schemas.microsoft.com/office/drawing/2014/main" id="{4A855513-E5C1-4F05-A8FD-33AC62C22A5E}"/>
+                <a16:creationId xmlns:a16="http://schemas.microsoft.com/office/drawing/2014/main" xmlns="" id="{4A855513-E5C1-4F05-A8FD-33AC62C22A5E}"/>
               </a:ext>
             </a:extLst>
           </p:cNvPr>
@@ -18736,7 +18800,7 @@
           <p:cNvPr id="13" name="Gerader Verbinder 12">
             <a:extLst>
               <a:ext uri="{FF2B5EF4-FFF2-40B4-BE49-F238E27FC236}">
-                <a16:creationId xmlns:a16="http://schemas.microsoft.com/office/drawing/2014/main" id="{F2778992-5E28-437C-AEA9-F9BBD6E6F5BB}"/>
+                <a16:creationId xmlns:a16="http://schemas.microsoft.com/office/drawing/2014/main" xmlns="" id="{F2778992-5E28-437C-AEA9-F9BBD6E6F5BB}"/>
               </a:ext>
             </a:extLst>
           </p:cNvPr>
@@ -18777,7 +18841,7 @@
           <p:cNvPr id="14" name="Textfeld 13">
             <a:extLst>
               <a:ext uri="{FF2B5EF4-FFF2-40B4-BE49-F238E27FC236}">
-                <a16:creationId xmlns:a16="http://schemas.microsoft.com/office/drawing/2014/main" id="{6CF8FF9D-8A98-4CFA-94C2-E2074112639C}"/>
+                <a16:creationId xmlns:a16="http://schemas.microsoft.com/office/drawing/2014/main" xmlns="" id="{6CF8FF9D-8A98-4CFA-94C2-E2074112639C}"/>
               </a:ext>
             </a:extLst>
           </p:cNvPr>
@@ -18813,7 +18877,7 @@
           <p:cNvPr id="6" name="Textfeld 5">
             <a:extLst>
               <a:ext uri="{FF2B5EF4-FFF2-40B4-BE49-F238E27FC236}">
-                <a16:creationId xmlns:a16="http://schemas.microsoft.com/office/drawing/2014/main" id="{8E05CB3E-FC8B-4C84-8452-A027AF29808D}"/>
+                <a16:creationId xmlns:a16="http://schemas.microsoft.com/office/drawing/2014/main" xmlns="" id="{8E05CB3E-FC8B-4C84-8452-A027AF29808D}"/>
               </a:ext>
             </a:extLst>
           </p:cNvPr>
@@ -18858,7 +18922,7 @@
           <p:cNvPr id="8" name="Textfeld 7">
             <a:extLst>
               <a:ext uri="{FF2B5EF4-FFF2-40B4-BE49-F238E27FC236}">
-                <a16:creationId xmlns:a16="http://schemas.microsoft.com/office/drawing/2014/main" id="{4842BEFA-10C3-45C0-8997-167BE0586DAC}"/>
+                <a16:creationId xmlns:a16="http://schemas.microsoft.com/office/drawing/2014/main" xmlns="" id="{4842BEFA-10C3-45C0-8997-167BE0586DAC}"/>
               </a:ext>
             </a:extLst>
           </p:cNvPr>
@@ -19048,7 +19112,7 @@
           <p:cNvPr id="3" name="Textfeld 2">
             <a:extLst>
               <a:ext uri="{FF2B5EF4-FFF2-40B4-BE49-F238E27FC236}">
-                <a16:creationId xmlns:a16="http://schemas.microsoft.com/office/drawing/2014/main" id="{B616C74B-1A1C-4612-8D7A-608508876D6B}"/>
+                <a16:creationId xmlns:a16="http://schemas.microsoft.com/office/drawing/2014/main" xmlns="" id="{B616C74B-1A1C-4612-8D7A-608508876D6B}"/>
               </a:ext>
             </a:extLst>
           </p:cNvPr>
@@ -19113,7 +19177,7 @@
           <p:cNvPr id="10" name="Foliennummernplatzhalter 9">
             <a:extLst>
               <a:ext uri="{FF2B5EF4-FFF2-40B4-BE49-F238E27FC236}">
-                <a16:creationId xmlns:a16="http://schemas.microsoft.com/office/drawing/2014/main" id="{D931436D-0B25-4BC2-AB85-D177B4C7ED90}"/>
+                <a16:creationId xmlns:a16="http://schemas.microsoft.com/office/drawing/2014/main" xmlns="" id="{D931436D-0B25-4BC2-AB85-D177B4C7ED90}"/>
               </a:ext>
             </a:extLst>
           </p:cNvPr>
@@ -19163,7 +19227,7 @@
           <p:cNvPr id="12" name="Gerader Verbinder 11">
             <a:extLst>
               <a:ext uri="{FF2B5EF4-FFF2-40B4-BE49-F238E27FC236}">
-                <a16:creationId xmlns:a16="http://schemas.microsoft.com/office/drawing/2014/main" id="{4A855513-E5C1-4F05-A8FD-33AC62C22A5E}"/>
+                <a16:creationId xmlns:a16="http://schemas.microsoft.com/office/drawing/2014/main" xmlns="" id="{4A855513-E5C1-4F05-A8FD-33AC62C22A5E}"/>
               </a:ext>
             </a:extLst>
           </p:cNvPr>
@@ -19204,7 +19268,7 @@
           <p:cNvPr id="13" name="Gerader Verbinder 12">
             <a:extLst>
               <a:ext uri="{FF2B5EF4-FFF2-40B4-BE49-F238E27FC236}">
-                <a16:creationId xmlns:a16="http://schemas.microsoft.com/office/drawing/2014/main" id="{F2778992-5E28-437C-AEA9-F9BBD6E6F5BB}"/>
+                <a16:creationId xmlns:a16="http://schemas.microsoft.com/office/drawing/2014/main" xmlns="" id="{F2778992-5E28-437C-AEA9-F9BBD6E6F5BB}"/>
               </a:ext>
             </a:extLst>
           </p:cNvPr>
@@ -19245,7 +19309,7 @@
           <p:cNvPr id="14" name="Textfeld 13">
             <a:extLst>
               <a:ext uri="{FF2B5EF4-FFF2-40B4-BE49-F238E27FC236}">
-                <a16:creationId xmlns:a16="http://schemas.microsoft.com/office/drawing/2014/main" id="{6CF8FF9D-8A98-4CFA-94C2-E2074112639C}"/>
+                <a16:creationId xmlns:a16="http://schemas.microsoft.com/office/drawing/2014/main" xmlns="" id="{6CF8FF9D-8A98-4CFA-94C2-E2074112639C}"/>
               </a:ext>
             </a:extLst>
           </p:cNvPr>
@@ -19281,7 +19345,7 @@
           <p:cNvPr id="6" name="Textfeld 5">
             <a:extLst>
               <a:ext uri="{FF2B5EF4-FFF2-40B4-BE49-F238E27FC236}">
-                <a16:creationId xmlns:a16="http://schemas.microsoft.com/office/drawing/2014/main" id="{8E05CB3E-FC8B-4C84-8452-A027AF29808D}"/>
+                <a16:creationId xmlns:a16="http://schemas.microsoft.com/office/drawing/2014/main" xmlns="" id="{8E05CB3E-FC8B-4C84-8452-A027AF29808D}"/>
               </a:ext>
             </a:extLst>
           </p:cNvPr>
@@ -19326,7 +19390,7 @@
           <p:cNvPr id="8" name="Textfeld 7">
             <a:extLst>
               <a:ext uri="{FF2B5EF4-FFF2-40B4-BE49-F238E27FC236}">
-                <a16:creationId xmlns:a16="http://schemas.microsoft.com/office/drawing/2014/main" id="{4842BEFA-10C3-45C0-8997-167BE0586DAC}"/>
+                <a16:creationId xmlns:a16="http://schemas.microsoft.com/office/drawing/2014/main" xmlns="" id="{4842BEFA-10C3-45C0-8997-167BE0586DAC}"/>
               </a:ext>
             </a:extLst>
           </p:cNvPr>
@@ -19408,7 +19472,7 @@
           <p:cNvPr id="3" name="Textfeld 2">
             <a:extLst>
               <a:ext uri="{FF2B5EF4-FFF2-40B4-BE49-F238E27FC236}">
-                <a16:creationId xmlns:a16="http://schemas.microsoft.com/office/drawing/2014/main" id="{B616C74B-1A1C-4612-8D7A-608508876D6B}"/>
+                <a16:creationId xmlns:a16="http://schemas.microsoft.com/office/drawing/2014/main" xmlns="" id="{B616C74B-1A1C-4612-8D7A-608508876D6B}"/>
               </a:ext>
             </a:extLst>
           </p:cNvPr>
@@ -19445,7 +19509,7 @@
               <p:cNvPr id="11" name="Textfeld 10">
                 <a:extLst>
                   <a:ext uri="{FF2B5EF4-FFF2-40B4-BE49-F238E27FC236}">
-                    <a16:creationId xmlns:a16="http://schemas.microsoft.com/office/drawing/2014/main" id="{592B9E84-39A5-4D8D-ACE3-4A007C83F662}"/>
+                    <a16:creationId xmlns:a16="http://schemas.microsoft.com/office/drawing/2014/main" xmlns="" id="{592B9E84-39A5-4D8D-ACE3-4A007C83F662}"/>
                   </a:ext>
                 </a:extLst>
               </p:cNvPr>
@@ -19636,7 +19700,7 @@
           <p:cNvPr id="9" name="Textfeld 8">
             <a:extLst>
               <a:ext uri="{FF2B5EF4-FFF2-40B4-BE49-F238E27FC236}">
-                <a16:creationId xmlns:a16="http://schemas.microsoft.com/office/drawing/2014/main" id="{E0E7220F-EA15-48B0-B65C-F7D03C8374E7}"/>
+                <a16:creationId xmlns:a16="http://schemas.microsoft.com/office/drawing/2014/main" xmlns="" id="{E0E7220F-EA15-48B0-B65C-F7D03C8374E7}"/>
               </a:ext>
             </a:extLst>
           </p:cNvPr>
@@ -19702,7 +19766,7 @@
           <p:cNvPr id="10" name="Foliennummernplatzhalter 9">
             <a:extLst>
               <a:ext uri="{FF2B5EF4-FFF2-40B4-BE49-F238E27FC236}">
-                <a16:creationId xmlns:a16="http://schemas.microsoft.com/office/drawing/2014/main" id="{D931436D-0B25-4BC2-AB85-D177B4C7ED90}"/>
+                <a16:creationId xmlns:a16="http://schemas.microsoft.com/office/drawing/2014/main" xmlns="" id="{D931436D-0B25-4BC2-AB85-D177B4C7ED90}"/>
               </a:ext>
             </a:extLst>
           </p:cNvPr>
@@ -19752,7 +19816,7 @@
           <p:cNvPr id="12" name="Gerader Verbinder 11">
             <a:extLst>
               <a:ext uri="{FF2B5EF4-FFF2-40B4-BE49-F238E27FC236}">
-                <a16:creationId xmlns:a16="http://schemas.microsoft.com/office/drawing/2014/main" id="{4A855513-E5C1-4F05-A8FD-33AC62C22A5E}"/>
+                <a16:creationId xmlns:a16="http://schemas.microsoft.com/office/drawing/2014/main" xmlns="" id="{4A855513-E5C1-4F05-A8FD-33AC62C22A5E}"/>
               </a:ext>
             </a:extLst>
           </p:cNvPr>
@@ -19793,7 +19857,7 @@
           <p:cNvPr id="13" name="Gerader Verbinder 12">
             <a:extLst>
               <a:ext uri="{FF2B5EF4-FFF2-40B4-BE49-F238E27FC236}">
-                <a16:creationId xmlns:a16="http://schemas.microsoft.com/office/drawing/2014/main" id="{F2778992-5E28-437C-AEA9-F9BBD6E6F5BB}"/>
+                <a16:creationId xmlns:a16="http://schemas.microsoft.com/office/drawing/2014/main" xmlns="" id="{F2778992-5E28-437C-AEA9-F9BBD6E6F5BB}"/>
               </a:ext>
             </a:extLst>
           </p:cNvPr>
@@ -19834,7 +19898,7 @@
           <p:cNvPr id="14" name="Textfeld 13">
             <a:extLst>
               <a:ext uri="{FF2B5EF4-FFF2-40B4-BE49-F238E27FC236}">
-                <a16:creationId xmlns:a16="http://schemas.microsoft.com/office/drawing/2014/main" id="{6CF8FF9D-8A98-4CFA-94C2-E2074112639C}"/>
+                <a16:creationId xmlns:a16="http://schemas.microsoft.com/office/drawing/2014/main" xmlns="" id="{6CF8FF9D-8A98-4CFA-94C2-E2074112639C}"/>
               </a:ext>
             </a:extLst>
           </p:cNvPr>
@@ -19870,7 +19934,7 @@
           <p:cNvPr id="6" name="Textfeld 5">
             <a:extLst>
               <a:ext uri="{FF2B5EF4-FFF2-40B4-BE49-F238E27FC236}">
-                <a16:creationId xmlns:a16="http://schemas.microsoft.com/office/drawing/2014/main" id="{8E05CB3E-FC8B-4C84-8452-A027AF29808D}"/>
+                <a16:creationId xmlns:a16="http://schemas.microsoft.com/office/drawing/2014/main" xmlns="" id="{8E05CB3E-FC8B-4C84-8452-A027AF29808D}"/>
               </a:ext>
             </a:extLst>
           </p:cNvPr>
@@ -19915,7 +19979,7 @@
           <p:cNvPr id="3" name="Textfeld 2">
             <a:extLst>
               <a:ext uri="{FF2B5EF4-FFF2-40B4-BE49-F238E27FC236}">
-                <a16:creationId xmlns:a16="http://schemas.microsoft.com/office/drawing/2014/main" id="{B616C74B-1A1C-4612-8D7A-608508876D6B}"/>
+                <a16:creationId xmlns:a16="http://schemas.microsoft.com/office/drawing/2014/main" xmlns="" id="{B616C74B-1A1C-4612-8D7A-608508876D6B}"/>
               </a:ext>
             </a:extLst>
           </p:cNvPr>
@@ -19950,7 +20014,7 @@
           <p:cNvPr id="15" name="Grafik 14">
             <a:extLst>
               <a:ext uri="{FF2B5EF4-FFF2-40B4-BE49-F238E27FC236}">
-                <a16:creationId xmlns:a16="http://schemas.microsoft.com/office/drawing/2014/main" id="{136B5BB8-033D-440E-AC9E-E20865012A33}"/>
+                <a16:creationId xmlns:a16="http://schemas.microsoft.com/office/drawing/2014/main" xmlns="" id="{136B5BB8-033D-440E-AC9E-E20865012A33}"/>
               </a:ext>
             </a:extLst>
           </p:cNvPr>
@@ -19980,7 +20044,7 @@
           <p:cNvPr id="16" name="Textfeld 15">
             <a:extLst>
               <a:ext uri="{FF2B5EF4-FFF2-40B4-BE49-F238E27FC236}">
-                <a16:creationId xmlns:a16="http://schemas.microsoft.com/office/drawing/2014/main" id="{9FB9C9A7-C04C-436A-82EC-08E6EA453C8E}"/>
+                <a16:creationId xmlns:a16="http://schemas.microsoft.com/office/drawing/2014/main" xmlns="" id="{9FB9C9A7-C04C-436A-82EC-08E6EA453C8E}"/>
               </a:ext>
             </a:extLst>
           </p:cNvPr>

--- a/Dokumentation/Container - Präsentation.pptx
+++ b/Dokumentation/Container - Präsentation.pptx
@@ -3542,7 +3542,7 @@
           <p:cNvPr id="2" name="Titel 1">
             <a:extLst>
               <a:ext uri="{FF2B5EF4-FFF2-40B4-BE49-F238E27FC236}">
-                <a16:creationId xmlns:a16="http://schemas.microsoft.com/office/drawing/2014/main" xmlns="" id="{85D7B258-F523-4E91-90AB-2B5F742EF554}"/>
+                <a16:creationId xmlns:a16="http://schemas.microsoft.com/office/drawing/2014/main" id="{85D7B258-F523-4E91-90AB-2B5F742EF554}"/>
               </a:ext>
             </a:extLst>
           </p:cNvPr>
@@ -3586,7 +3586,7 @@
           <p:cNvPr id="3" name="Untertitel 2">
             <a:extLst>
               <a:ext uri="{FF2B5EF4-FFF2-40B4-BE49-F238E27FC236}">
-                <a16:creationId xmlns:a16="http://schemas.microsoft.com/office/drawing/2014/main" xmlns="" id="{C7CFF44E-7ED7-4CD9-A63C-0FE32841B732}"/>
+                <a16:creationId xmlns:a16="http://schemas.microsoft.com/office/drawing/2014/main" id="{C7CFF44E-7ED7-4CD9-A63C-0FE32841B732}"/>
               </a:ext>
             </a:extLst>
           </p:cNvPr>
@@ -3666,7 +3666,7 @@
           <p:cNvPr id="10" name="Foliennummernplatzhalter 9">
             <a:extLst>
               <a:ext uri="{FF2B5EF4-FFF2-40B4-BE49-F238E27FC236}">
-                <a16:creationId xmlns:a16="http://schemas.microsoft.com/office/drawing/2014/main" xmlns="" id="{D931436D-0B25-4BC2-AB85-D177B4C7ED90}"/>
+                <a16:creationId xmlns:a16="http://schemas.microsoft.com/office/drawing/2014/main" id="{D931436D-0B25-4BC2-AB85-D177B4C7ED90}"/>
               </a:ext>
             </a:extLst>
           </p:cNvPr>
@@ -3716,7 +3716,7 @@
           <p:cNvPr id="12" name="Gerader Verbinder 11">
             <a:extLst>
               <a:ext uri="{FF2B5EF4-FFF2-40B4-BE49-F238E27FC236}">
-                <a16:creationId xmlns:a16="http://schemas.microsoft.com/office/drawing/2014/main" xmlns="" id="{4A855513-E5C1-4F05-A8FD-33AC62C22A5E}"/>
+                <a16:creationId xmlns:a16="http://schemas.microsoft.com/office/drawing/2014/main" id="{4A855513-E5C1-4F05-A8FD-33AC62C22A5E}"/>
               </a:ext>
             </a:extLst>
           </p:cNvPr>
@@ -3757,7 +3757,7 @@
           <p:cNvPr id="13" name="Gerader Verbinder 12">
             <a:extLst>
               <a:ext uri="{FF2B5EF4-FFF2-40B4-BE49-F238E27FC236}">
-                <a16:creationId xmlns:a16="http://schemas.microsoft.com/office/drawing/2014/main" xmlns="" id="{F2778992-5E28-437C-AEA9-F9BBD6E6F5BB}"/>
+                <a16:creationId xmlns:a16="http://schemas.microsoft.com/office/drawing/2014/main" id="{F2778992-5E28-437C-AEA9-F9BBD6E6F5BB}"/>
               </a:ext>
             </a:extLst>
           </p:cNvPr>
@@ -3798,7 +3798,7 @@
           <p:cNvPr id="14" name="Textfeld 13">
             <a:extLst>
               <a:ext uri="{FF2B5EF4-FFF2-40B4-BE49-F238E27FC236}">
-                <a16:creationId xmlns:a16="http://schemas.microsoft.com/office/drawing/2014/main" xmlns="" id="{6CF8FF9D-8A98-4CFA-94C2-E2074112639C}"/>
+                <a16:creationId xmlns:a16="http://schemas.microsoft.com/office/drawing/2014/main" id="{6CF8FF9D-8A98-4CFA-94C2-E2074112639C}"/>
               </a:ext>
             </a:extLst>
           </p:cNvPr>
@@ -3834,7 +3834,7 @@
           <p:cNvPr id="6" name="Textfeld 5">
             <a:extLst>
               <a:ext uri="{FF2B5EF4-FFF2-40B4-BE49-F238E27FC236}">
-                <a16:creationId xmlns:a16="http://schemas.microsoft.com/office/drawing/2014/main" xmlns="" id="{8E05CB3E-FC8B-4C84-8452-A027AF29808D}"/>
+                <a16:creationId xmlns:a16="http://schemas.microsoft.com/office/drawing/2014/main" id="{8E05CB3E-FC8B-4C84-8452-A027AF29808D}"/>
               </a:ext>
             </a:extLst>
           </p:cNvPr>
@@ -3879,7 +3879,7 @@
           <p:cNvPr id="3" name="Textfeld 2">
             <a:extLst>
               <a:ext uri="{FF2B5EF4-FFF2-40B4-BE49-F238E27FC236}">
-                <a16:creationId xmlns:a16="http://schemas.microsoft.com/office/drawing/2014/main" xmlns="" id="{B616C74B-1A1C-4612-8D7A-608508876D6B}"/>
+                <a16:creationId xmlns:a16="http://schemas.microsoft.com/office/drawing/2014/main" id="{B616C74B-1A1C-4612-8D7A-608508876D6B}"/>
               </a:ext>
             </a:extLst>
           </p:cNvPr>
@@ -3914,7 +3914,7 @@
           <p:cNvPr id="5" name="Grafik 4">
             <a:extLst>
               <a:ext uri="{FF2B5EF4-FFF2-40B4-BE49-F238E27FC236}">
-                <a16:creationId xmlns:a16="http://schemas.microsoft.com/office/drawing/2014/main" xmlns="" id="{0140E6FD-8193-4AAF-9992-5309DF24B841}"/>
+                <a16:creationId xmlns:a16="http://schemas.microsoft.com/office/drawing/2014/main" id="{0140E6FD-8193-4AAF-9992-5309DF24B841}"/>
               </a:ext>
             </a:extLst>
           </p:cNvPr>
@@ -3974,7 +3974,7 @@
           <p:cNvPr id="10" name="Foliennummernplatzhalter 9">
             <a:extLst>
               <a:ext uri="{FF2B5EF4-FFF2-40B4-BE49-F238E27FC236}">
-                <a16:creationId xmlns:a16="http://schemas.microsoft.com/office/drawing/2014/main" xmlns="" id="{D931436D-0B25-4BC2-AB85-D177B4C7ED90}"/>
+                <a16:creationId xmlns:a16="http://schemas.microsoft.com/office/drawing/2014/main" id="{D931436D-0B25-4BC2-AB85-D177B4C7ED90}"/>
               </a:ext>
             </a:extLst>
           </p:cNvPr>
@@ -4024,7 +4024,7 @@
           <p:cNvPr id="12" name="Gerader Verbinder 11">
             <a:extLst>
               <a:ext uri="{FF2B5EF4-FFF2-40B4-BE49-F238E27FC236}">
-                <a16:creationId xmlns:a16="http://schemas.microsoft.com/office/drawing/2014/main" xmlns="" id="{4A855513-E5C1-4F05-A8FD-33AC62C22A5E}"/>
+                <a16:creationId xmlns:a16="http://schemas.microsoft.com/office/drawing/2014/main" id="{4A855513-E5C1-4F05-A8FD-33AC62C22A5E}"/>
               </a:ext>
             </a:extLst>
           </p:cNvPr>
@@ -4065,7 +4065,7 @@
           <p:cNvPr id="13" name="Gerader Verbinder 12">
             <a:extLst>
               <a:ext uri="{FF2B5EF4-FFF2-40B4-BE49-F238E27FC236}">
-                <a16:creationId xmlns:a16="http://schemas.microsoft.com/office/drawing/2014/main" xmlns="" id="{F2778992-5E28-437C-AEA9-F9BBD6E6F5BB}"/>
+                <a16:creationId xmlns:a16="http://schemas.microsoft.com/office/drawing/2014/main" id="{F2778992-5E28-437C-AEA9-F9BBD6E6F5BB}"/>
               </a:ext>
             </a:extLst>
           </p:cNvPr>
@@ -4106,7 +4106,7 @@
           <p:cNvPr id="14" name="Textfeld 13">
             <a:extLst>
               <a:ext uri="{FF2B5EF4-FFF2-40B4-BE49-F238E27FC236}">
-                <a16:creationId xmlns:a16="http://schemas.microsoft.com/office/drawing/2014/main" xmlns="" id="{6CF8FF9D-8A98-4CFA-94C2-E2074112639C}"/>
+                <a16:creationId xmlns:a16="http://schemas.microsoft.com/office/drawing/2014/main" id="{6CF8FF9D-8A98-4CFA-94C2-E2074112639C}"/>
               </a:ext>
             </a:extLst>
           </p:cNvPr>
@@ -4142,7 +4142,7 @@
           <p:cNvPr id="6" name="Textfeld 5">
             <a:extLst>
               <a:ext uri="{FF2B5EF4-FFF2-40B4-BE49-F238E27FC236}">
-                <a16:creationId xmlns:a16="http://schemas.microsoft.com/office/drawing/2014/main" xmlns="" id="{8E05CB3E-FC8B-4C84-8452-A027AF29808D}"/>
+                <a16:creationId xmlns:a16="http://schemas.microsoft.com/office/drawing/2014/main" id="{8E05CB3E-FC8B-4C84-8452-A027AF29808D}"/>
               </a:ext>
             </a:extLst>
           </p:cNvPr>
@@ -4187,7 +4187,7 @@
           <p:cNvPr id="3" name="Textfeld 2">
             <a:extLst>
               <a:ext uri="{FF2B5EF4-FFF2-40B4-BE49-F238E27FC236}">
-                <a16:creationId xmlns:a16="http://schemas.microsoft.com/office/drawing/2014/main" xmlns="" id="{B616C74B-1A1C-4612-8D7A-608508876D6B}"/>
+                <a16:creationId xmlns:a16="http://schemas.microsoft.com/office/drawing/2014/main" id="{B616C74B-1A1C-4612-8D7A-608508876D6B}"/>
               </a:ext>
             </a:extLst>
           </p:cNvPr>
@@ -4222,7 +4222,7 @@
           <p:cNvPr id="15" name="Textfeld 14">
             <a:extLst>
               <a:ext uri="{FF2B5EF4-FFF2-40B4-BE49-F238E27FC236}">
-                <a16:creationId xmlns:a16="http://schemas.microsoft.com/office/drawing/2014/main" xmlns="" id="{F66983C5-190C-4255-9AC6-9702FE35C815}"/>
+                <a16:creationId xmlns:a16="http://schemas.microsoft.com/office/drawing/2014/main" id="{F66983C5-190C-4255-9AC6-9702FE35C815}"/>
               </a:ext>
             </a:extLst>
           </p:cNvPr>
@@ -5388,7 +5388,7 @@
           <p:cNvPr id="10" name="Foliennummernplatzhalter 9">
             <a:extLst>
               <a:ext uri="{FF2B5EF4-FFF2-40B4-BE49-F238E27FC236}">
-                <a16:creationId xmlns:a16="http://schemas.microsoft.com/office/drawing/2014/main" xmlns="" id="{D931436D-0B25-4BC2-AB85-D177B4C7ED90}"/>
+                <a16:creationId xmlns:a16="http://schemas.microsoft.com/office/drawing/2014/main" id="{D931436D-0B25-4BC2-AB85-D177B4C7ED90}"/>
               </a:ext>
             </a:extLst>
           </p:cNvPr>
@@ -5438,7 +5438,7 @@
           <p:cNvPr id="12" name="Gerader Verbinder 11">
             <a:extLst>
               <a:ext uri="{FF2B5EF4-FFF2-40B4-BE49-F238E27FC236}">
-                <a16:creationId xmlns:a16="http://schemas.microsoft.com/office/drawing/2014/main" xmlns="" id="{4A855513-E5C1-4F05-A8FD-33AC62C22A5E}"/>
+                <a16:creationId xmlns:a16="http://schemas.microsoft.com/office/drawing/2014/main" id="{4A855513-E5C1-4F05-A8FD-33AC62C22A5E}"/>
               </a:ext>
             </a:extLst>
           </p:cNvPr>
@@ -5479,7 +5479,7 @@
           <p:cNvPr id="13" name="Gerader Verbinder 12">
             <a:extLst>
               <a:ext uri="{FF2B5EF4-FFF2-40B4-BE49-F238E27FC236}">
-                <a16:creationId xmlns:a16="http://schemas.microsoft.com/office/drawing/2014/main" xmlns="" id="{F2778992-5E28-437C-AEA9-F9BBD6E6F5BB}"/>
+                <a16:creationId xmlns:a16="http://schemas.microsoft.com/office/drawing/2014/main" id="{F2778992-5E28-437C-AEA9-F9BBD6E6F5BB}"/>
               </a:ext>
             </a:extLst>
           </p:cNvPr>
@@ -5520,7 +5520,7 @@
           <p:cNvPr id="14" name="Textfeld 13">
             <a:extLst>
               <a:ext uri="{FF2B5EF4-FFF2-40B4-BE49-F238E27FC236}">
-                <a16:creationId xmlns:a16="http://schemas.microsoft.com/office/drawing/2014/main" xmlns="" id="{6CF8FF9D-8A98-4CFA-94C2-E2074112639C}"/>
+                <a16:creationId xmlns:a16="http://schemas.microsoft.com/office/drawing/2014/main" id="{6CF8FF9D-8A98-4CFA-94C2-E2074112639C}"/>
               </a:ext>
             </a:extLst>
           </p:cNvPr>
@@ -5556,7 +5556,7 @@
           <p:cNvPr id="6" name="Textfeld 5">
             <a:extLst>
               <a:ext uri="{FF2B5EF4-FFF2-40B4-BE49-F238E27FC236}">
-                <a16:creationId xmlns:a16="http://schemas.microsoft.com/office/drawing/2014/main" xmlns="" id="{8E05CB3E-FC8B-4C84-8452-A027AF29808D}"/>
+                <a16:creationId xmlns:a16="http://schemas.microsoft.com/office/drawing/2014/main" id="{8E05CB3E-FC8B-4C84-8452-A027AF29808D}"/>
               </a:ext>
             </a:extLst>
           </p:cNvPr>
@@ -5601,7 +5601,7 @@
           <p:cNvPr id="3" name="Textfeld 2">
             <a:extLst>
               <a:ext uri="{FF2B5EF4-FFF2-40B4-BE49-F238E27FC236}">
-                <a16:creationId xmlns:a16="http://schemas.microsoft.com/office/drawing/2014/main" xmlns="" id="{B616C74B-1A1C-4612-8D7A-608508876D6B}"/>
+                <a16:creationId xmlns:a16="http://schemas.microsoft.com/office/drawing/2014/main" id="{B616C74B-1A1C-4612-8D7A-608508876D6B}"/>
               </a:ext>
             </a:extLst>
           </p:cNvPr>
@@ -5636,7 +5636,7 @@
           <p:cNvPr id="11" name="Textfeld 10">
             <a:extLst>
               <a:ext uri="{FF2B5EF4-FFF2-40B4-BE49-F238E27FC236}">
-                <a16:creationId xmlns:a16="http://schemas.microsoft.com/office/drawing/2014/main" xmlns="" id="{C616845B-AC50-4775-A32C-7BB8A4D3274B}"/>
+                <a16:creationId xmlns:a16="http://schemas.microsoft.com/office/drawing/2014/main" id="{C616845B-AC50-4775-A32C-7BB8A4D3274B}"/>
               </a:ext>
             </a:extLst>
           </p:cNvPr>
@@ -6440,7 +6440,7 @@
           <p:cNvPr id="10" name="Foliennummernplatzhalter 9">
             <a:extLst>
               <a:ext uri="{FF2B5EF4-FFF2-40B4-BE49-F238E27FC236}">
-                <a16:creationId xmlns:a16="http://schemas.microsoft.com/office/drawing/2014/main" xmlns="" id="{D931436D-0B25-4BC2-AB85-D177B4C7ED90}"/>
+                <a16:creationId xmlns:a16="http://schemas.microsoft.com/office/drawing/2014/main" id="{D931436D-0B25-4BC2-AB85-D177B4C7ED90}"/>
               </a:ext>
             </a:extLst>
           </p:cNvPr>
@@ -6490,7 +6490,7 @@
           <p:cNvPr id="12" name="Gerader Verbinder 11">
             <a:extLst>
               <a:ext uri="{FF2B5EF4-FFF2-40B4-BE49-F238E27FC236}">
-                <a16:creationId xmlns:a16="http://schemas.microsoft.com/office/drawing/2014/main" xmlns="" id="{4A855513-E5C1-4F05-A8FD-33AC62C22A5E}"/>
+                <a16:creationId xmlns:a16="http://schemas.microsoft.com/office/drawing/2014/main" id="{4A855513-E5C1-4F05-A8FD-33AC62C22A5E}"/>
               </a:ext>
             </a:extLst>
           </p:cNvPr>
@@ -6531,7 +6531,7 @@
           <p:cNvPr id="13" name="Gerader Verbinder 12">
             <a:extLst>
               <a:ext uri="{FF2B5EF4-FFF2-40B4-BE49-F238E27FC236}">
-                <a16:creationId xmlns:a16="http://schemas.microsoft.com/office/drawing/2014/main" xmlns="" id="{F2778992-5E28-437C-AEA9-F9BBD6E6F5BB}"/>
+                <a16:creationId xmlns:a16="http://schemas.microsoft.com/office/drawing/2014/main" id="{F2778992-5E28-437C-AEA9-F9BBD6E6F5BB}"/>
               </a:ext>
             </a:extLst>
           </p:cNvPr>
@@ -6572,7 +6572,7 @@
           <p:cNvPr id="14" name="Textfeld 13">
             <a:extLst>
               <a:ext uri="{FF2B5EF4-FFF2-40B4-BE49-F238E27FC236}">
-                <a16:creationId xmlns:a16="http://schemas.microsoft.com/office/drawing/2014/main" xmlns="" id="{6CF8FF9D-8A98-4CFA-94C2-E2074112639C}"/>
+                <a16:creationId xmlns:a16="http://schemas.microsoft.com/office/drawing/2014/main" id="{6CF8FF9D-8A98-4CFA-94C2-E2074112639C}"/>
               </a:ext>
             </a:extLst>
           </p:cNvPr>
@@ -6608,7 +6608,7 @@
           <p:cNvPr id="6" name="Textfeld 5">
             <a:extLst>
               <a:ext uri="{FF2B5EF4-FFF2-40B4-BE49-F238E27FC236}">
-                <a16:creationId xmlns:a16="http://schemas.microsoft.com/office/drawing/2014/main" xmlns="" id="{8E05CB3E-FC8B-4C84-8452-A027AF29808D}"/>
+                <a16:creationId xmlns:a16="http://schemas.microsoft.com/office/drawing/2014/main" id="{8E05CB3E-FC8B-4C84-8452-A027AF29808D}"/>
               </a:ext>
             </a:extLst>
           </p:cNvPr>
@@ -6653,7 +6653,7 @@
           <p:cNvPr id="8" name="Textfeld 7">
             <a:extLst>
               <a:ext uri="{FF2B5EF4-FFF2-40B4-BE49-F238E27FC236}">
-                <a16:creationId xmlns:a16="http://schemas.microsoft.com/office/drawing/2014/main" xmlns="" id="{4842BEFA-10C3-45C0-8997-167BE0586DAC}"/>
+                <a16:creationId xmlns:a16="http://schemas.microsoft.com/office/drawing/2014/main" id="{4842BEFA-10C3-45C0-8997-167BE0586DAC}"/>
               </a:ext>
             </a:extLst>
           </p:cNvPr>
@@ -6699,7 +6699,7 @@
                 </a:solidFill>
                 <a:latin typeface="+mj-lt"/>
               </a:rPr>
-              <a:t>Oftmals müssen Daten Schnell abrufbar sein. Hierfür haben wir ein Dictionary implementiert welches Daten in Form eines ‚Key‘ und einer zugehörigen Wert (Value) in einer Baumstruktur speichert.</a:t>
+              <a:t>Oftmals müssen Daten Schnell abrufbar sein. Hierfür haben wir ein Dictionary implementiert, welches Daten in Form eines ‚Key‘ und einem zugehörigen Wert (Value) in einer Baumstruktur speichert.</a:t>
             </a:r>
           </a:p>
           <a:p>
@@ -6725,7 +6725,7 @@
           <p:cNvPr id="3" name="Textfeld 2">
             <a:extLst>
               <a:ext uri="{FF2B5EF4-FFF2-40B4-BE49-F238E27FC236}">
-                <a16:creationId xmlns:a16="http://schemas.microsoft.com/office/drawing/2014/main" xmlns="" id="{B616C74B-1A1C-4612-8D7A-608508876D6B}"/>
+                <a16:creationId xmlns:a16="http://schemas.microsoft.com/office/drawing/2014/main" id="{B616C74B-1A1C-4612-8D7A-608508876D6B}"/>
               </a:ext>
             </a:extLst>
           </p:cNvPr>
@@ -6760,7 +6760,7 @@
           <p:cNvPr id="4" name="Grafik 3">
             <a:extLst>
               <a:ext uri="{FF2B5EF4-FFF2-40B4-BE49-F238E27FC236}">
-                <a16:creationId xmlns:a16="http://schemas.microsoft.com/office/drawing/2014/main" xmlns="" id="{2F5448A5-105F-4C22-85A0-7C50C1DBA54C}"/>
+                <a16:creationId xmlns:a16="http://schemas.microsoft.com/office/drawing/2014/main" id="{2F5448A5-105F-4C22-85A0-7C50C1DBA54C}"/>
               </a:ext>
             </a:extLst>
           </p:cNvPr>
@@ -6796,7 +6796,7 @@
           <p:cNvPr id="7" name="Textfeld 6">
             <a:extLst>
               <a:ext uri="{FF2B5EF4-FFF2-40B4-BE49-F238E27FC236}">
-                <a16:creationId xmlns:a16="http://schemas.microsoft.com/office/drawing/2014/main" xmlns="" id="{2AB11AF8-E90B-4B4A-BE80-FE1C398D379A}"/>
+                <a16:creationId xmlns:a16="http://schemas.microsoft.com/office/drawing/2014/main" id="{2AB11AF8-E90B-4B4A-BE80-FE1C398D379A}"/>
               </a:ext>
             </a:extLst>
           </p:cNvPr>
@@ -6862,7 +6862,7 @@
           <p:cNvPr id="10" name="Foliennummernplatzhalter 9">
             <a:extLst>
               <a:ext uri="{FF2B5EF4-FFF2-40B4-BE49-F238E27FC236}">
-                <a16:creationId xmlns:a16="http://schemas.microsoft.com/office/drawing/2014/main" xmlns="" id="{D931436D-0B25-4BC2-AB85-D177B4C7ED90}"/>
+                <a16:creationId xmlns:a16="http://schemas.microsoft.com/office/drawing/2014/main" id="{D931436D-0B25-4BC2-AB85-D177B4C7ED90}"/>
               </a:ext>
             </a:extLst>
           </p:cNvPr>
@@ -6912,7 +6912,7 @@
           <p:cNvPr id="12" name="Gerader Verbinder 11">
             <a:extLst>
               <a:ext uri="{FF2B5EF4-FFF2-40B4-BE49-F238E27FC236}">
-                <a16:creationId xmlns:a16="http://schemas.microsoft.com/office/drawing/2014/main" xmlns="" id="{4A855513-E5C1-4F05-A8FD-33AC62C22A5E}"/>
+                <a16:creationId xmlns:a16="http://schemas.microsoft.com/office/drawing/2014/main" id="{4A855513-E5C1-4F05-A8FD-33AC62C22A5E}"/>
               </a:ext>
             </a:extLst>
           </p:cNvPr>
@@ -6953,7 +6953,7 @@
           <p:cNvPr id="13" name="Gerader Verbinder 12">
             <a:extLst>
               <a:ext uri="{FF2B5EF4-FFF2-40B4-BE49-F238E27FC236}">
-                <a16:creationId xmlns:a16="http://schemas.microsoft.com/office/drawing/2014/main" xmlns="" id="{F2778992-5E28-437C-AEA9-F9BBD6E6F5BB}"/>
+                <a16:creationId xmlns:a16="http://schemas.microsoft.com/office/drawing/2014/main" id="{F2778992-5E28-437C-AEA9-F9BBD6E6F5BB}"/>
               </a:ext>
             </a:extLst>
           </p:cNvPr>
@@ -6994,7 +6994,7 @@
           <p:cNvPr id="14" name="Textfeld 13">
             <a:extLst>
               <a:ext uri="{FF2B5EF4-FFF2-40B4-BE49-F238E27FC236}">
-                <a16:creationId xmlns:a16="http://schemas.microsoft.com/office/drawing/2014/main" xmlns="" id="{6CF8FF9D-8A98-4CFA-94C2-E2074112639C}"/>
+                <a16:creationId xmlns:a16="http://schemas.microsoft.com/office/drawing/2014/main" id="{6CF8FF9D-8A98-4CFA-94C2-E2074112639C}"/>
               </a:ext>
             </a:extLst>
           </p:cNvPr>
@@ -7030,7 +7030,7 @@
           <p:cNvPr id="6" name="Textfeld 5">
             <a:extLst>
               <a:ext uri="{FF2B5EF4-FFF2-40B4-BE49-F238E27FC236}">
-                <a16:creationId xmlns:a16="http://schemas.microsoft.com/office/drawing/2014/main" xmlns="" id="{8E05CB3E-FC8B-4C84-8452-A027AF29808D}"/>
+                <a16:creationId xmlns:a16="http://schemas.microsoft.com/office/drawing/2014/main" id="{8E05CB3E-FC8B-4C84-8452-A027AF29808D}"/>
               </a:ext>
             </a:extLst>
           </p:cNvPr>
@@ -7075,7 +7075,7 @@
           <p:cNvPr id="8" name="Textfeld 7">
             <a:extLst>
               <a:ext uri="{FF2B5EF4-FFF2-40B4-BE49-F238E27FC236}">
-                <a16:creationId xmlns:a16="http://schemas.microsoft.com/office/drawing/2014/main" xmlns="" id="{4842BEFA-10C3-45C0-8997-167BE0586DAC}"/>
+                <a16:creationId xmlns:a16="http://schemas.microsoft.com/office/drawing/2014/main" id="{4842BEFA-10C3-45C0-8997-167BE0586DAC}"/>
               </a:ext>
             </a:extLst>
           </p:cNvPr>
@@ -7218,7 +7218,7 @@
           <p:cNvPr id="3" name="Textfeld 2">
             <a:extLst>
               <a:ext uri="{FF2B5EF4-FFF2-40B4-BE49-F238E27FC236}">
-                <a16:creationId xmlns:a16="http://schemas.microsoft.com/office/drawing/2014/main" xmlns="" id="{B616C74B-1A1C-4612-8D7A-608508876D6B}"/>
+                <a16:creationId xmlns:a16="http://schemas.microsoft.com/office/drawing/2014/main" id="{B616C74B-1A1C-4612-8D7A-608508876D6B}"/>
               </a:ext>
             </a:extLst>
           </p:cNvPr>
@@ -7283,7 +7283,7 @@
           <p:cNvPr id="10" name="Foliennummernplatzhalter 9">
             <a:extLst>
               <a:ext uri="{FF2B5EF4-FFF2-40B4-BE49-F238E27FC236}">
-                <a16:creationId xmlns:a16="http://schemas.microsoft.com/office/drawing/2014/main" xmlns="" id="{D931436D-0B25-4BC2-AB85-D177B4C7ED90}"/>
+                <a16:creationId xmlns:a16="http://schemas.microsoft.com/office/drawing/2014/main" id="{D931436D-0B25-4BC2-AB85-D177B4C7ED90}"/>
               </a:ext>
             </a:extLst>
           </p:cNvPr>
@@ -7333,7 +7333,7 @@
           <p:cNvPr id="12" name="Gerader Verbinder 11">
             <a:extLst>
               <a:ext uri="{FF2B5EF4-FFF2-40B4-BE49-F238E27FC236}">
-                <a16:creationId xmlns:a16="http://schemas.microsoft.com/office/drawing/2014/main" xmlns="" id="{4A855513-E5C1-4F05-A8FD-33AC62C22A5E}"/>
+                <a16:creationId xmlns:a16="http://schemas.microsoft.com/office/drawing/2014/main" id="{4A855513-E5C1-4F05-A8FD-33AC62C22A5E}"/>
               </a:ext>
             </a:extLst>
           </p:cNvPr>
@@ -7374,7 +7374,7 @@
           <p:cNvPr id="13" name="Gerader Verbinder 12">
             <a:extLst>
               <a:ext uri="{FF2B5EF4-FFF2-40B4-BE49-F238E27FC236}">
-                <a16:creationId xmlns:a16="http://schemas.microsoft.com/office/drawing/2014/main" xmlns="" id="{F2778992-5E28-437C-AEA9-F9BBD6E6F5BB}"/>
+                <a16:creationId xmlns:a16="http://schemas.microsoft.com/office/drawing/2014/main" id="{F2778992-5E28-437C-AEA9-F9BBD6E6F5BB}"/>
               </a:ext>
             </a:extLst>
           </p:cNvPr>
@@ -7415,7 +7415,7 @@
           <p:cNvPr id="14" name="Textfeld 13">
             <a:extLst>
               <a:ext uri="{FF2B5EF4-FFF2-40B4-BE49-F238E27FC236}">
-                <a16:creationId xmlns:a16="http://schemas.microsoft.com/office/drawing/2014/main" xmlns="" id="{6CF8FF9D-8A98-4CFA-94C2-E2074112639C}"/>
+                <a16:creationId xmlns:a16="http://schemas.microsoft.com/office/drawing/2014/main" id="{6CF8FF9D-8A98-4CFA-94C2-E2074112639C}"/>
               </a:ext>
             </a:extLst>
           </p:cNvPr>
@@ -7451,7 +7451,7 @@
           <p:cNvPr id="6" name="Textfeld 5">
             <a:extLst>
               <a:ext uri="{FF2B5EF4-FFF2-40B4-BE49-F238E27FC236}">
-                <a16:creationId xmlns:a16="http://schemas.microsoft.com/office/drawing/2014/main" xmlns="" id="{8E05CB3E-FC8B-4C84-8452-A027AF29808D}"/>
+                <a16:creationId xmlns:a16="http://schemas.microsoft.com/office/drawing/2014/main" id="{8E05CB3E-FC8B-4C84-8452-A027AF29808D}"/>
               </a:ext>
             </a:extLst>
           </p:cNvPr>
@@ -7496,7 +7496,7 @@
           <p:cNvPr id="3" name="Textfeld 2">
             <a:extLst>
               <a:ext uri="{FF2B5EF4-FFF2-40B4-BE49-F238E27FC236}">
-                <a16:creationId xmlns:a16="http://schemas.microsoft.com/office/drawing/2014/main" xmlns="" id="{B616C74B-1A1C-4612-8D7A-608508876D6B}"/>
+                <a16:creationId xmlns:a16="http://schemas.microsoft.com/office/drawing/2014/main" id="{B616C74B-1A1C-4612-8D7A-608508876D6B}"/>
               </a:ext>
             </a:extLst>
           </p:cNvPr>
@@ -7531,7 +7531,7 @@
           <p:cNvPr id="4" name="Grafik 3">
             <a:extLst>
               <a:ext uri="{FF2B5EF4-FFF2-40B4-BE49-F238E27FC236}">
-                <a16:creationId xmlns:a16="http://schemas.microsoft.com/office/drawing/2014/main" xmlns="" id="{FA2D8E22-F62E-4F78-B108-253534630D75}"/>
+                <a16:creationId xmlns:a16="http://schemas.microsoft.com/office/drawing/2014/main" id="{FA2D8E22-F62E-4F78-B108-253534630D75}"/>
               </a:ext>
             </a:extLst>
           </p:cNvPr>
@@ -7591,7 +7591,7 @@
           <p:cNvPr id="10" name="Foliennummernplatzhalter 9">
             <a:extLst>
               <a:ext uri="{FF2B5EF4-FFF2-40B4-BE49-F238E27FC236}">
-                <a16:creationId xmlns:a16="http://schemas.microsoft.com/office/drawing/2014/main" xmlns="" id="{D931436D-0B25-4BC2-AB85-D177B4C7ED90}"/>
+                <a16:creationId xmlns:a16="http://schemas.microsoft.com/office/drawing/2014/main" id="{D931436D-0B25-4BC2-AB85-D177B4C7ED90}"/>
               </a:ext>
             </a:extLst>
           </p:cNvPr>
@@ -7641,7 +7641,7 @@
           <p:cNvPr id="12" name="Gerader Verbinder 11">
             <a:extLst>
               <a:ext uri="{FF2B5EF4-FFF2-40B4-BE49-F238E27FC236}">
-                <a16:creationId xmlns:a16="http://schemas.microsoft.com/office/drawing/2014/main" xmlns="" id="{4A855513-E5C1-4F05-A8FD-33AC62C22A5E}"/>
+                <a16:creationId xmlns:a16="http://schemas.microsoft.com/office/drawing/2014/main" id="{4A855513-E5C1-4F05-A8FD-33AC62C22A5E}"/>
               </a:ext>
             </a:extLst>
           </p:cNvPr>
@@ -7682,7 +7682,7 @@
           <p:cNvPr id="13" name="Gerader Verbinder 12">
             <a:extLst>
               <a:ext uri="{FF2B5EF4-FFF2-40B4-BE49-F238E27FC236}">
-                <a16:creationId xmlns:a16="http://schemas.microsoft.com/office/drawing/2014/main" xmlns="" id="{F2778992-5E28-437C-AEA9-F9BBD6E6F5BB}"/>
+                <a16:creationId xmlns:a16="http://schemas.microsoft.com/office/drawing/2014/main" id="{F2778992-5E28-437C-AEA9-F9BBD6E6F5BB}"/>
               </a:ext>
             </a:extLst>
           </p:cNvPr>
@@ -7723,7 +7723,7 @@
           <p:cNvPr id="14" name="Textfeld 13">
             <a:extLst>
               <a:ext uri="{FF2B5EF4-FFF2-40B4-BE49-F238E27FC236}">
-                <a16:creationId xmlns:a16="http://schemas.microsoft.com/office/drawing/2014/main" xmlns="" id="{6CF8FF9D-8A98-4CFA-94C2-E2074112639C}"/>
+                <a16:creationId xmlns:a16="http://schemas.microsoft.com/office/drawing/2014/main" id="{6CF8FF9D-8A98-4CFA-94C2-E2074112639C}"/>
               </a:ext>
             </a:extLst>
           </p:cNvPr>
@@ -7759,7 +7759,7 @@
           <p:cNvPr id="6" name="Textfeld 5">
             <a:extLst>
               <a:ext uri="{FF2B5EF4-FFF2-40B4-BE49-F238E27FC236}">
-                <a16:creationId xmlns:a16="http://schemas.microsoft.com/office/drawing/2014/main" xmlns="" id="{8E05CB3E-FC8B-4C84-8452-A027AF29808D}"/>
+                <a16:creationId xmlns:a16="http://schemas.microsoft.com/office/drawing/2014/main" id="{8E05CB3E-FC8B-4C84-8452-A027AF29808D}"/>
               </a:ext>
             </a:extLst>
           </p:cNvPr>
@@ -7804,7 +7804,7 @@
           <p:cNvPr id="3" name="Textfeld 2">
             <a:extLst>
               <a:ext uri="{FF2B5EF4-FFF2-40B4-BE49-F238E27FC236}">
-                <a16:creationId xmlns:a16="http://schemas.microsoft.com/office/drawing/2014/main" xmlns="" id="{B616C74B-1A1C-4612-8D7A-608508876D6B}"/>
+                <a16:creationId xmlns:a16="http://schemas.microsoft.com/office/drawing/2014/main" id="{B616C74B-1A1C-4612-8D7A-608508876D6B}"/>
               </a:ext>
             </a:extLst>
           </p:cNvPr>
@@ -7839,7 +7839,7 @@
           <p:cNvPr id="15" name="Textfeld 14">
             <a:extLst>
               <a:ext uri="{FF2B5EF4-FFF2-40B4-BE49-F238E27FC236}">
-                <a16:creationId xmlns:a16="http://schemas.microsoft.com/office/drawing/2014/main" xmlns="" id="{79F52149-1009-4870-BA4B-79BC8D3BBE17}"/>
+                <a16:creationId xmlns:a16="http://schemas.microsoft.com/office/drawing/2014/main" id="{79F52149-1009-4870-BA4B-79BC8D3BBE17}"/>
               </a:ext>
             </a:extLst>
           </p:cNvPr>
@@ -8800,7 +8800,7 @@
           <p:cNvPr id="10" name="Foliennummernplatzhalter 9">
             <a:extLst>
               <a:ext uri="{FF2B5EF4-FFF2-40B4-BE49-F238E27FC236}">
-                <a16:creationId xmlns:a16="http://schemas.microsoft.com/office/drawing/2014/main" xmlns="" id="{D931436D-0B25-4BC2-AB85-D177B4C7ED90}"/>
+                <a16:creationId xmlns:a16="http://schemas.microsoft.com/office/drawing/2014/main" id="{D931436D-0B25-4BC2-AB85-D177B4C7ED90}"/>
               </a:ext>
             </a:extLst>
           </p:cNvPr>
@@ -8850,7 +8850,7 @@
           <p:cNvPr id="12" name="Gerader Verbinder 11">
             <a:extLst>
               <a:ext uri="{FF2B5EF4-FFF2-40B4-BE49-F238E27FC236}">
-                <a16:creationId xmlns:a16="http://schemas.microsoft.com/office/drawing/2014/main" xmlns="" id="{4A855513-E5C1-4F05-A8FD-33AC62C22A5E}"/>
+                <a16:creationId xmlns:a16="http://schemas.microsoft.com/office/drawing/2014/main" id="{4A855513-E5C1-4F05-A8FD-33AC62C22A5E}"/>
               </a:ext>
             </a:extLst>
           </p:cNvPr>
@@ -8891,7 +8891,7 @@
           <p:cNvPr id="13" name="Gerader Verbinder 12">
             <a:extLst>
               <a:ext uri="{FF2B5EF4-FFF2-40B4-BE49-F238E27FC236}">
-                <a16:creationId xmlns:a16="http://schemas.microsoft.com/office/drawing/2014/main" xmlns="" id="{F2778992-5E28-437C-AEA9-F9BBD6E6F5BB}"/>
+                <a16:creationId xmlns:a16="http://schemas.microsoft.com/office/drawing/2014/main" id="{F2778992-5E28-437C-AEA9-F9BBD6E6F5BB}"/>
               </a:ext>
             </a:extLst>
           </p:cNvPr>
@@ -8932,7 +8932,7 @@
           <p:cNvPr id="14" name="Textfeld 13">
             <a:extLst>
               <a:ext uri="{FF2B5EF4-FFF2-40B4-BE49-F238E27FC236}">
-                <a16:creationId xmlns:a16="http://schemas.microsoft.com/office/drawing/2014/main" xmlns="" id="{6CF8FF9D-8A98-4CFA-94C2-E2074112639C}"/>
+                <a16:creationId xmlns:a16="http://schemas.microsoft.com/office/drawing/2014/main" id="{6CF8FF9D-8A98-4CFA-94C2-E2074112639C}"/>
               </a:ext>
             </a:extLst>
           </p:cNvPr>
@@ -8968,7 +8968,7 @@
           <p:cNvPr id="6" name="Textfeld 5">
             <a:extLst>
               <a:ext uri="{FF2B5EF4-FFF2-40B4-BE49-F238E27FC236}">
-                <a16:creationId xmlns:a16="http://schemas.microsoft.com/office/drawing/2014/main" xmlns="" id="{8E05CB3E-FC8B-4C84-8452-A027AF29808D}"/>
+                <a16:creationId xmlns:a16="http://schemas.microsoft.com/office/drawing/2014/main" id="{8E05CB3E-FC8B-4C84-8452-A027AF29808D}"/>
               </a:ext>
             </a:extLst>
           </p:cNvPr>
@@ -9013,7 +9013,7 @@
           <p:cNvPr id="3" name="Textfeld 2">
             <a:extLst>
               <a:ext uri="{FF2B5EF4-FFF2-40B4-BE49-F238E27FC236}">
-                <a16:creationId xmlns:a16="http://schemas.microsoft.com/office/drawing/2014/main" xmlns="" id="{B616C74B-1A1C-4612-8D7A-608508876D6B}"/>
+                <a16:creationId xmlns:a16="http://schemas.microsoft.com/office/drawing/2014/main" id="{B616C74B-1A1C-4612-8D7A-608508876D6B}"/>
               </a:ext>
             </a:extLst>
           </p:cNvPr>
@@ -9048,7 +9048,7 @@
           <p:cNvPr id="15" name="Textfeld 14">
             <a:extLst>
               <a:ext uri="{FF2B5EF4-FFF2-40B4-BE49-F238E27FC236}">
-                <a16:creationId xmlns:a16="http://schemas.microsoft.com/office/drawing/2014/main" xmlns="" id="{79F52149-1009-4870-BA4B-79BC8D3BBE17}"/>
+                <a16:creationId xmlns:a16="http://schemas.microsoft.com/office/drawing/2014/main" id="{79F52149-1009-4870-BA4B-79BC8D3BBE17}"/>
               </a:ext>
             </a:extLst>
           </p:cNvPr>
@@ -9487,7 +9487,7 @@
           <p:cNvPr id="10" name="Foliennummernplatzhalter 9">
             <a:extLst>
               <a:ext uri="{FF2B5EF4-FFF2-40B4-BE49-F238E27FC236}">
-                <a16:creationId xmlns:a16="http://schemas.microsoft.com/office/drawing/2014/main" xmlns="" id="{D931436D-0B25-4BC2-AB85-D177B4C7ED90}"/>
+                <a16:creationId xmlns:a16="http://schemas.microsoft.com/office/drawing/2014/main" id="{D931436D-0B25-4BC2-AB85-D177B4C7ED90}"/>
               </a:ext>
             </a:extLst>
           </p:cNvPr>
@@ -9537,7 +9537,7 @@
           <p:cNvPr id="12" name="Gerader Verbinder 11">
             <a:extLst>
               <a:ext uri="{FF2B5EF4-FFF2-40B4-BE49-F238E27FC236}">
-                <a16:creationId xmlns:a16="http://schemas.microsoft.com/office/drawing/2014/main" xmlns="" id="{4A855513-E5C1-4F05-A8FD-33AC62C22A5E}"/>
+                <a16:creationId xmlns:a16="http://schemas.microsoft.com/office/drawing/2014/main" id="{4A855513-E5C1-4F05-A8FD-33AC62C22A5E}"/>
               </a:ext>
             </a:extLst>
           </p:cNvPr>
@@ -9578,7 +9578,7 @@
           <p:cNvPr id="13" name="Gerader Verbinder 12">
             <a:extLst>
               <a:ext uri="{FF2B5EF4-FFF2-40B4-BE49-F238E27FC236}">
-                <a16:creationId xmlns:a16="http://schemas.microsoft.com/office/drawing/2014/main" xmlns="" id="{F2778992-5E28-437C-AEA9-F9BBD6E6F5BB}"/>
+                <a16:creationId xmlns:a16="http://schemas.microsoft.com/office/drawing/2014/main" id="{F2778992-5E28-437C-AEA9-F9BBD6E6F5BB}"/>
               </a:ext>
             </a:extLst>
           </p:cNvPr>
@@ -9619,7 +9619,7 @@
           <p:cNvPr id="14" name="Textfeld 13">
             <a:extLst>
               <a:ext uri="{FF2B5EF4-FFF2-40B4-BE49-F238E27FC236}">
-                <a16:creationId xmlns:a16="http://schemas.microsoft.com/office/drawing/2014/main" xmlns="" id="{6CF8FF9D-8A98-4CFA-94C2-E2074112639C}"/>
+                <a16:creationId xmlns:a16="http://schemas.microsoft.com/office/drawing/2014/main" id="{6CF8FF9D-8A98-4CFA-94C2-E2074112639C}"/>
               </a:ext>
             </a:extLst>
           </p:cNvPr>
@@ -9685,7 +9685,7 @@
           <p:cNvPr id="8" name="Textfeld 7">
             <a:extLst>
               <a:ext uri="{FF2B5EF4-FFF2-40B4-BE49-F238E27FC236}">
-                <a16:creationId xmlns:a16="http://schemas.microsoft.com/office/drawing/2014/main" xmlns="" id="{8E05CB3E-FC8B-4C84-8452-A027AF29808D}"/>
+                <a16:creationId xmlns:a16="http://schemas.microsoft.com/office/drawing/2014/main" id="{8E05CB3E-FC8B-4C84-8452-A027AF29808D}"/>
               </a:ext>
             </a:extLst>
           </p:cNvPr>
@@ -9810,7 +9810,7 @@
           <p:cNvPr id="10" name="Foliennummernplatzhalter 9">
             <a:extLst>
               <a:ext uri="{FF2B5EF4-FFF2-40B4-BE49-F238E27FC236}">
-                <a16:creationId xmlns:a16="http://schemas.microsoft.com/office/drawing/2014/main" xmlns="" id="{D931436D-0B25-4BC2-AB85-D177B4C7ED90}"/>
+                <a16:creationId xmlns:a16="http://schemas.microsoft.com/office/drawing/2014/main" id="{D931436D-0B25-4BC2-AB85-D177B4C7ED90}"/>
               </a:ext>
             </a:extLst>
           </p:cNvPr>
@@ -9860,7 +9860,7 @@
           <p:cNvPr id="12" name="Gerader Verbinder 11">
             <a:extLst>
               <a:ext uri="{FF2B5EF4-FFF2-40B4-BE49-F238E27FC236}">
-                <a16:creationId xmlns:a16="http://schemas.microsoft.com/office/drawing/2014/main" xmlns="" id="{4A855513-E5C1-4F05-A8FD-33AC62C22A5E}"/>
+                <a16:creationId xmlns:a16="http://schemas.microsoft.com/office/drawing/2014/main" id="{4A855513-E5C1-4F05-A8FD-33AC62C22A5E}"/>
               </a:ext>
             </a:extLst>
           </p:cNvPr>
@@ -9901,7 +9901,7 @@
           <p:cNvPr id="13" name="Gerader Verbinder 12">
             <a:extLst>
               <a:ext uri="{FF2B5EF4-FFF2-40B4-BE49-F238E27FC236}">
-                <a16:creationId xmlns:a16="http://schemas.microsoft.com/office/drawing/2014/main" xmlns="" id="{F2778992-5E28-437C-AEA9-F9BBD6E6F5BB}"/>
+                <a16:creationId xmlns:a16="http://schemas.microsoft.com/office/drawing/2014/main" id="{F2778992-5E28-437C-AEA9-F9BBD6E6F5BB}"/>
               </a:ext>
             </a:extLst>
           </p:cNvPr>
@@ -9942,7 +9942,7 @@
           <p:cNvPr id="14" name="Textfeld 13">
             <a:extLst>
               <a:ext uri="{FF2B5EF4-FFF2-40B4-BE49-F238E27FC236}">
-                <a16:creationId xmlns:a16="http://schemas.microsoft.com/office/drawing/2014/main" xmlns="" id="{6CF8FF9D-8A98-4CFA-94C2-E2074112639C}"/>
+                <a16:creationId xmlns:a16="http://schemas.microsoft.com/office/drawing/2014/main" id="{6CF8FF9D-8A98-4CFA-94C2-E2074112639C}"/>
               </a:ext>
             </a:extLst>
           </p:cNvPr>
@@ -9978,7 +9978,7 @@
           <p:cNvPr id="9" name="Textfeld 8">
             <a:extLst>
               <a:ext uri="{FF2B5EF4-FFF2-40B4-BE49-F238E27FC236}">
-                <a16:creationId xmlns:a16="http://schemas.microsoft.com/office/drawing/2014/main" xmlns="" id="{7EEB7CFC-47CB-491B-B650-AC8E7A974B2C}"/>
+                <a16:creationId xmlns:a16="http://schemas.microsoft.com/office/drawing/2014/main" id="{7EEB7CFC-47CB-491B-B650-AC8E7A974B2C}"/>
               </a:ext>
             </a:extLst>
           </p:cNvPr>
@@ -10023,7 +10023,7 @@
           <p:cNvPr id="11" name="Textfeld 10">
             <a:extLst>
               <a:ext uri="{FF2B5EF4-FFF2-40B4-BE49-F238E27FC236}">
-                <a16:creationId xmlns:a16="http://schemas.microsoft.com/office/drawing/2014/main" xmlns="" id="{3F7F28C9-9006-406C-9373-9008712D3B9C}"/>
+                <a16:creationId xmlns:a16="http://schemas.microsoft.com/office/drawing/2014/main" id="{3F7F28C9-9006-406C-9373-9008712D3B9C}"/>
               </a:ext>
             </a:extLst>
           </p:cNvPr>
@@ -10058,7 +10058,7 @@
           <p:cNvPr id="5" name="Grafik 4">
             <a:extLst>
               <a:ext uri="{FF2B5EF4-FFF2-40B4-BE49-F238E27FC236}">
-                <a16:creationId xmlns:a16="http://schemas.microsoft.com/office/drawing/2014/main" xmlns="" id="{C924FE9A-8AAB-4710-A15C-153C5256B73A}"/>
+                <a16:creationId xmlns:a16="http://schemas.microsoft.com/office/drawing/2014/main" id="{C924FE9A-8AAB-4710-A15C-153C5256B73A}"/>
               </a:ext>
             </a:extLst>
           </p:cNvPr>
@@ -10118,7 +10118,7 @@
           <p:cNvPr id="10" name="Foliennummernplatzhalter 9">
             <a:extLst>
               <a:ext uri="{FF2B5EF4-FFF2-40B4-BE49-F238E27FC236}">
-                <a16:creationId xmlns:a16="http://schemas.microsoft.com/office/drawing/2014/main" xmlns="" id="{D931436D-0B25-4BC2-AB85-D177B4C7ED90}"/>
+                <a16:creationId xmlns:a16="http://schemas.microsoft.com/office/drawing/2014/main" id="{D931436D-0B25-4BC2-AB85-D177B4C7ED90}"/>
               </a:ext>
             </a:extLst>
           </p:cNvPr>
@@ -10168,7 +10168,7 @@
           <p:cNvPr id="12" name="Gerader Verbinder 11">
             <a:extLst>
               <a:ext uri="{FF2B5EF4-FFF2-40B4-BE49-F238E27FC236}">
-                <a16:creationId xmlns:a16="http://schemas.microsoft.com/office/drawing/2014/main" xmlns="" id="{4A855513-E5C1-4F05-A8FD-33AC62C22A5E}"/>
+                <a16:creationId xmlns:a16="http://schemas.microsoft.com/office/drawing/2014/main" id="{4A855513-E5C1-4F05-A8FD-33AC62C22A5E}"/>
               </a:ext>
             </a:extLst>
           </p:cNvPr>
@@ -10209,7 +10209,7 @@
           <p:cNvPr id="13" name="Gerader Verbinder 12">
             <a:extLst>
               <a:ext uri="{FF2B5EF4-FFF2-40B4-BE49-F238E27FC236}">
-                <a16:creationId xmlns:a16="http://schemas.microsoft.com/office/drawing/2014/main" xmlns="" id="{F2778992-5E28-437C-AEA9-F9BBD6E6F5BB}"/>
+                <a16:creationId xmlns:a16="http://schemas.microsoft.com/office/drawing/2014/main" id="{F2778992-5E28-437C-AEA9-F9BBD6E6F5BB}"/>
               </a:ext>
             </a:extLst>
           </p:cNvPr>
@@ -10250,7 +10250,7 @@
           <p:cNvPr id="14" name="Textfeld 13">
             <a:extLst>
               <a:ext uri="{FF2B5EF4-FFF2-40B4-BE49-F238E27FC236}">
-                <a16:creationId xmlns:a16="http://schemas.microsoft.com/office/drawing/2014/main" xmlns="" id="{6CF8FF9D-8A98-4CFA-94C2-E2074112639C}"/>
+                <a16:creationId xmlns:a16="http://schemas.microsoft.com/office/drawing/2014/main" id="{6CF8FF9D-8A98-4CFA-94C2-E2074112639C}"/>
               </a:ext>
             </a:extLst>
           </p:cNvPr>
@@ -10286,7 +10286,7 @@
           <p:cNvPr id="15" name="Textfeld 14">
             <a:extLst>
               <a:ext uri="{FF2B5EF4-FFF2-40B4-BE49-F238E27FC236}">
-                <a16:creationId xmlns:a16="http://schemas.microsoft.com/office/drawing/2014/main" xmlns="" id="{DD417980-0DD8-4DD7-BE87-C974912B8B82}"/>
+                <a16:creationId xmlns:a16="http://schemas.microsoft.com/office/drawing/2014/main" id="{DD417980-0DD8-4DD7-BE87-C974912B8B82}"/>
               </a:ext>
             </a:extLst>
           </p:cNvPr>
@@ -10321,7 +10321,7 @@
           <p:cNvPr id="17" name="Textfeld 16">
             <a:extLst>
               <a:ext uri="{FF2B5EF4-FFF2-40B4-BE49-F238E27FC236}">
-                <a16:creationId xmlns:a16="http://schemas.microsoft.com/office/drawing/2014/main" xmlns="" id="{BCB027A4-8BDB-4515-B3E5-91B6A22A1E00}"/>
+                <a16:creationId xmlns:a16="http://schemas.microsoft.com/office/drawing/2014/main" id="{BCB027A4-8BDB-4515-B3E5-91B6A22A1E00}"/>
               </a:ext>
             </a:extLst>
           </p:cNvPr>
@@ -10410,7 +10410,7 @@
           <p:cNvPr id="19" name="Textfeld 18">
             <a:extLst>
               <a:ext uri="{FF2B5EF4-FFF2-40B4-BE49-F238E27FC236}">
-                <a16:creationId xmlns:a16="http://schemas.microsoft.com/office/drawing/2014/main" xmlns="" id="{C814F180-BEAD-4EF5-9E52-0A793EAC896B}"/>
+                <a16:creationId xmlns:a16="http://schemas.microsoft.com/office/drawing/2014/main" id="{C814F180-BEAD-4EF5-9E52-0A793EAC896B}"/>
               </a:ext>
             </a:extLst>
           </p:cNvPr>
@@ -10450,7 +10450,7 @@
           <p:cNvPr id="21" name="Textfeld 20">
             <a:extLst>
               <a:ext uri="{FF2B5EF4-FFF2-40B4-BE49-F238E27FC236}">
-                <a16:creationId xmlns:a16="http://schemas.microsoft.com/office/drawing/2014/main" xmlns="" id="{57069215-89D3-4945-A74E-2B00B8E15F6C}"/>
+                <a16:creationId xmlns:a16="http://schemas.microsoft.com/office/drawing/2014/main" id="{57069215-89D3-4945-A74E-2B00B8E15F6C}"/>
               </a:ext>
             </a:extLst>
           </p:cNvPr>
@@ -10615,7 +10615,7 @@
           <p:cNvPr id="10" name="Foliennummernplatzhalter 9">
             <a:extLst>
               <a:ext uri="{FF2B5EF4-FFF2-40B4-BE49-F238E27FC236}">
-                <a16:creationId xmlns:a16="http://schemas.microsoft.com/office/drawing/2014/main" xmlns="" id="{D931436D-0B25-4BC2-AB85-D177B4C7ED90}"/>
+                <a16:creationId xmlns:a16="http://schemas.microsoft.com/office/drawing/2014/main" id="{D931436D-0B25-4BC2-AB85-D177B4C7ED90}"/>
               </a:ext>
             </a:extLst>
           </p:cNvPr>
@@ -10665,7 +10665,7 @@
           <p:cNvPr id="12" name="Gerader Verbinder 11">
             <a:extLst>
               <a:ext uri="{FF2B5EF4-FFF2-40B4-BE49-F238E27FC236}">
-                <a16:creationId xmlns:a16="http://schemas.microsoft.com/office/drawing/2014/main" xmlns="" id="{4A855513-E5C1-4F05-A8FD-33AC62C22A5E}"/>
+                <a16:creationId xmlns:a16="http://schemas.microsoft.com/office/drawing/2014/main" id="{4A855513-E5C1-4F05-A8FD-33AC62C22A5E}"/>
               </a:ext>
             </a:extLst>
           </p:cNvPr>
@@ -10706,7 +10706,7 @@
           <p:cNvPr id="13" name="Gerader Verbinder 12">
             <a:extLst>
               <a:ext uri="{FF2B5EF4-FFF2-40B4-BE49-F238E27FC236}">
-                <a16:creationId xmlns:a16="http://schemas.microsoft.com/office/drawing/2014/main" xmlns="" id="{F2778992-5E28-437C-AEA9-F9BBD6E6F5BB}"/>
+                <a16:creationId xmlns:a16="http://schemas.microsoft.com/office/drawing/2014/main" id="{F2778992-5E28-437C-AEA9-F9BBD6E6F5BB}"/>
               </a:ext>
             </a:extLst>
           </p:cNvPr>
@@ -10747,7 +10747,7 @@
           <p:cNvPr id="14" name="Textfeld 13">
             <a:extLst>
               <a:ext uri="{FF2B5EF4-FFF2-40B4-BE49-F238E27FC236}">
-                <a16:creationId xmlns:a16="http://schemas.microsoft.com/office/drawing/2014/main" xmlns="" id="{6CF8FF9D-8A98-4CFA-94C2-E2074112639C}"/>
+                <a16:creationId xmlns:a16="http://schemas.microsoft.com/office/drawing/2014/main" id="{6CF8FF9D-8A98-4CFA-94C2-E2074112639C}"/>
               </a:ext>
             </a:extLst>
           </p:cNvPr>
@@ -10813,7 +10813,7 @@
           <p:cNvPr id="9" name="Textfeld 8">
             <a:extLst>
               <a:ext uri="{FF2B5EF4-FFF2-40B4-BE49-F238E27FC236}">
-                <a16:creationId xmlns:a16="http://schemas.microsoft.com/office/drawing/2014/main" xmlns="" id="{7EEB7CFC-47CB-491B-B650-AC8E7A974B2C}"/>
+                <a16:creationId xmlns:a16="http://schemas.microsoft.com/office/drawing/2014/main" id="{7EEB7CFC-47CB-491B-B650-AC8E7A974B2C}"/>
               </a:ext>
             </a:extLst>
           </p:cNvPr>
@@ -10858,7 +10858,7 @@
           <p:cNvPr id="11" name="Textfeld 10">
             <a:extLst>
               <a:ext uri="{FF2B5EF4-FFF2-40B4-BE49-F238E27FC236}">
-                <a16:creationId xmlns:a16="http://schemas.microsoft.com/office/drawing/2014/main" xmlns="" id="{3F7F28C9-9006-406C-9373-9008712D3B9C}"/>
+                <a16:creationId xmlns:a16="http://schemas.microsoft.com/office/drawing/2014/main" id="{3F7F28C9-9006-406C-9373-9008712D3B9C}"/>
               </a:ext>
             </a:extLst>
           </p:cNvPr>
@@ -10931,7 +10931,7 @@
           <p:cNvPr id="10" name="Foliennummernplatzhalter 9">
             <a:extLst>
               <a:ext uri="{FF2B5EF4-FFF2-40B4-BE49-F238E27FC236}">
-                <a16:creationId xmlns:a16="http://schemas.microsoft.com/office/drawing/2014/main" xmlns="" id="{D931436D-0B25-4BC2-AB85-D177B4C7ED90}"/>
+                <a16:creationId xmlns:a16="http://schemas.microsoft.com/office/drawing/2014/main" id="{D931436D-0B25-4BC2-AB85-D177B4C7ED90}"/>
               </a:ext>
             </a:extLst>
           </p:cNvPr>
@@ -10981,7 +10981,7 @@
           <p:cNvPr id="12" name="Gerader Verbinder 11">
             <a:extLst>
               <a:ext uri="{FF2B5EF4-FFF2-40B4-BE49-F238E27FC236}">
-                <a16:creationId xmlns:a16="http://schemas.microsoft.com/office/drawing/2014/main" xmlns="" id="{4A855513-E5C1-4F05-A8FD-33AC62C22A5E}"/>
+                <a16:creationId xmlns:a16="http://schemas.microsoft.com/office/drawing/2014/main" id="{4A855513-E5C1-4F05-A8FD-33AC62C22A5E}"/>
               </a:ext>
             </a:extLst>
           </p:cNvPr>
@@ -11022,7 +11022,7 @@
           <p:cNvPr id="13" name="Gerader Verbinder 12">
             <a:extLst>
               <a:ext uri="{FF2B5EF4-FFF2-40B4-BE49-F238E27FC236}">
-                <a16:creationId xmlns:a16="http://schemas.microsoft.com/office/drawing/2014/main" xmlns="" id="{F2778992-5E28-437C-AEA9-F9BBD6E6F5BB}"/>
+                <a16:creationId xmlns:a16="http://schemas.microsoft.com/office/drawing/2014/main" id="{F2778992-5E28-437C-AEA9-F9BBD6E6F5BB}"/>
               </a:ext>
             </a:extLst>
           </p:cNvPr>
@@ -11063,7 +11063,7 @@
           <p:cNvPr id="14" name="Textfeld 13">
             <a:extLst>
               <a:ext uri="{FF2B5EF4-FFF2-40B4-BE49-F238E27FC236}">
-                <a16:creationId xmlns:a16="http://schemas.microsoft.com/office/drawing/2014/main" xmlns="" id="{6CF8FF9D-8A98-4CFA-94C2-E2074112639C}"/>
+                <a16:creationId xmlns:a16="http://schemas.microsoft.com/office/drawing/2014/main" id="{6CF8FF9D-8A98-4CFA-94C2-E2074112639C}"/>
               </a:ext>
             </a:extLst>
           </p:cNvPr>
@@ -11129,7 +11129,7 @@
           <p:cNvPr id="8" name="Textfeld 7">
             <a:extLst>
               <a:ext uri="{FF2B5EF4-FFF2-40B4-BE49-F238E27FC236}">
-                <a16:creationId xmlns:a16="http://schemas.microsoft.com/office/drawing/2014/main" xmlns="" id="{8E05CB3E-FC8B-4C84-8452-A027AF29808D}"/>
+                <a16:creationId xmlns:a16="http://schemas.microsoft.com/office/drawing/2014/main" id="{8E05CB3E-FC8B-4C84-8452-A027AF29808D}"/>
               </a:ext>
             </a:extLst>
           </p:cNvPr>
@@ -11206,7 +11206,7 @@
           <a:p>
             <a:r>
               <a:rPr lang="de-DE" dirty="0"/>
-              <a:t>Hier ist zu Achten, dass dieser Speicher möglichst freigegeben wird, natürlich ist eine umbauen des Speichers bei jedem Zugriff nicht unbedingt Sinnvoll.</a:t>
+              <a:t>Hier ist darauf zu achten, dass dieser Speicher möglichst freigegeben wird, natürlich ist eine umbauen des Speichers bei jedem Zugriff nicht unbedingt Sinnvoll.</a:t>
             </a:r>
           </a:p>
         </p:txBody>
@@ -11246,7 +11246,7 @@
           <p:cNvPr id="10" name="Foliennummernplatzhalter 9">
             <a:extLst>
               <a:ext uri="{FF2B5EF4-FFF2-40B4-BE49-F238E27FC236}">
-                <a16:creationId xmlns:a16="http://schemas.microsoft.com/office/drawing/2014/main" xmlns="" id="{D931436D-0B25-4BC2-AB85-D177B4C7ED90}"/>
+                <a16:creationId xmlns:a16="http://schemas.microsoft.com/office/drawing/2014/main" id="{D931436D-0B25-4BC2-AB85-D177B4C7ED90}"/>
               </a:ext>
             </a:extLst>
           </p:cNvPr>
@@ -11296,7 +11296,7 @@
           <p:cNvPr id="12" name="Gerader Verbinder 11">
             <a:extLst>
               <a:ext uri="{FF2B5EF4-FFF2-40B4-BE49-F238E27FC236}">
-                <a16:creationId xmlns:a16="http://schemas.microsoft.com/office/drawing/2014/main" xmlns="" id="{4A855513-E5C1-4F05-A8FD-33AC62C22A5E}"/>
+                <a16:creationId xmlns:a16="http://schemas.microsoft.com/office/drawing/2014/main" id="{4A855513-E5C1-4F05-A8FD-33AC62C22A5E}"/>
               </a:ext>
             </a:extLst>
           </p:cNvPr>
@@ -11337,7 +11337,7 @@
           <p:cNvPr id="13" name="Gerader Verbinder 12">
             <a:extLst>
               <a:ext uri="{FF2B5EF4-FFF2-40B4-BE49-F238E27FC236}">
-                <a16:creationId xmlns:a16="http://schemas.microsoft.com/office/drawing/2014/main" xmlns="" id="{F2778992-5E28-437C-AEA9-F9BBD6E6F5BB}"/>
+                <a16:creationId xmlns:a16="http://schemas.microsoft.com/office/drawing/2014/main" id="{F2778992-5E28-437C-AEA9-F9BBD6E6F5BB}"/>
               </a:ext>
             </a:extLst>
           </p:cNvPr>
@@ -11378,7 +11378,7 @@
           <p:cNvPr id="14" name="Textfeld 13">
             <a:extLst>
               <a:ext uri="{FF2B5EF4-FFF2-40B4-BE49-F238E27FC236}">
-                <a16:creationId xmlns:a16="http://schemas.microsoft.com/office/drawing/2014/main" xmlns="" id="{6CF8FF9D-8A98-4CFA-94C2-E2074112639C}"/>
+                <a16:creationId xmlns:a16="http://schemas.microsoft.com/office/drawing/2014/main" id="{6CF8FF9D-8A98-4CFA-94C2-E2074112639C}"/>
               </a:ext>
             </a:extLst>
           </p:cNvPr>
@@ -11414,7 +11414,7 @@
           <p:cNvPr id="9" name="Textfeld 8">
             <a:extLst>
               <a:ext uri="{FF2B5EF4-FFF2-40B4-BE49-F238E27FC236}">
-                <a16:creationId xmlns:a16="http://schemas.microsoft.com/office/drawing/2014/main" xmlns="" id="{D23F62FE-992B-41D4-94ED-A3EBBFC54A60}"/>
+                <a16:creationId xmlns:a16="http://schemas.microsoft.com/office/drawing/2014/main" id="{D23F62FE-992B-41D4-94ED-A3EBBFC54A60}"/>
               </a:ext>
             </a:extLst>
           </p:cNvPr>
@@ -11459,7 +11459,7 @@
           <p:cNvPr id="15" name="Textfeld 14">
             <a:extLst>
               <a:ext uri="{FF2B5EF4-FFF2-40B4-BE49-F238E27FC236}">
-                <a16:creationId xmlns:a16="http://schemas.microsoft.com/office/drawing/2014/main" xmlns="" id="{194A7AE9-3F8B-4413-81E7-B8A660361B31}"/>
+                <a16:creationId xmlns:a16="http://schemas.microsoft.com/office/drawing/2014/main" id="{194A7AE9-3F8B-4413-81E7-B8A660361B31}"/>
               </a:ext>
             </a:extLst>
           </p:cNvPr>
@@ -11494,7 +11494,7 @@
           <p:cNvPr id="3" name="Grafik 2">
             <a:extLst>
               <a:ext uri="{FF2B5EF4-FFF2-40B4-BE49-F238E27FC236}">
-                <a16:creationId xmlns:a16="http://schemas.microsoft.com/office/drawing/2014/main" xmlns="" id="{BB065843-1D83-4F66-AC44-B46A93286272}"/>
+                <a16:creationId xmlns:a16="http://schemas.microsoft.com/office/drawing/2014/main" id="{BB065843-1D83-4F66-AC44-B46A93286272}"/>
               </a:ext>
             </a:extLst>
           </p:cNvPr>
@@ -11554,7 +11554,7 @@
           <p:cNvPr id="10" name="Foliennummernplatzhalter 9">
             <a:extLst>
               <a:ext uri="{FF2B5EF4-FFF2-40B4-BE49-F238E27FC236}">
-                <a16:creationId xmlns:a16="http://schemas.microsoft.com/office/drawing/2014/main" xmlns="" id="{D931436D-0B25-4BC2-AB85-D177B4C7ED90}"/>
+                <a16:creationId xmlns:a16="http://schemas.microsoft.com/office/drawing/2014/main" id="{D931436D-0B25-4BC2-AB85-D177B4C7ED90}"/>
               </a:ext>
             </a:extLst>
           </p:cNvPr>
@@ -11604,7 +11604,7 @@
           <p:cNvPr id="12" name="Gerader Verbinder 11">
             <a:extLst>
               <a:ext uri="{FF2B5EF4-FFF2-40B4-BE49-F238E27FC236}">
-                <a16:creationId xmlns:a16="http://schemas.microsoft.com/office/drawing/2014/main" xmlns="" id="{4A855513-E5C1-4F05-A8FD-33AC62C22A5E}"/>
+                <a16:creationId xmlns:a16="http://schemas.microsoft.com/office/drawing/2014/main" id="{4A855513-E5C1-4F05-A8FD-33AC62C22A5E}"/>
               </a:ext>
             </a:extLst>
           </p:cNvPr>
@@ -11645,7 +11645,7 @@
           <p:cNvPr id="13" name="Gerader Verbinder 12">
             <a:extLst>
               <a:ext uri="{FF2B5EF4-FFF2-40B4-BE49-F238E27FC236}">
-                <a16:creationId xmlns:a16="http://schemas.microsoft.com/office/drawing/2014/main" xmlns="" id="{F2778992-5E28-437C-AEA9-F9BBD6E6F5BB}"/>
+                <a16:creationId xmlns:a16="http://schemas.microsoft.com/office/drawing/2014/main" id="{F2778992-5E28-437C-AEA9-F9BBD6E6F5BB}"/>
               </a:ext>
             </a:extLst>
           </p:cNvPr>
@@ -11686,7 +11686,7 @@
           <p:cNvPr id="14" name="Textfeld 13">
             <a:extLst>
               <a:ext uri="{FF2B5EF4-FFF2-40B4-BE49-F238E27FC236}">
-                <a16:creationId xmlns:a16="http://schemas.microsoft.com/office/drawing/2014/main" xmlns="" id="{6CF8FF9D-8A98-4CFA-94C2-E2074112639C}"/>
+                <a16:creationId xmlns:a16="http://schemas.microsoft.com/office/drawing/2014/main" id="{6CF8FF9D-8A98-4CFA-94C2-E2074112639C}"/>
               </a:ext>
             </a:extLst>
           </p:cNvPr>
@@ -11752,7 +11752,7 @@
           <p:cNvPr id="9" name="Textfeld 8">
             <a:extLst>
               <a:ext uri="{FF2B5EF4-FFF2-40B4-BE49-F238E27FC236}">
-                <a16:creationId xmlns:a16="http://schemas.microsoft.com/office/drawing/2014/main" xmlns="" id="{D23F62FE-992B-41D4-94ED-A3EBBFC54A60}"/>
+                <a16:creationId xmlns:a16="http://schemas.microsoft.com/office/drawing/2014/main" id="{D23F62FE-992B-41D4-94ED-A3EBBFC54A60}"/>
               </a:ext>
             </a:extLst>
           </p:cNvPr>
@@ -11797,7 +11797,7 @@
           <p:cNvPr id="15" name="Textfeld 14">
             <a:extLst>
               <a:ext uri="{FF2B5EF4-FFF2-40B4-BE49-F238E27FC236}">
-                <a16:creationId xmlns:a16="http://schemas.microsoft.com/office/drawing/2014/main" xmlns="" id="{A3D6E67C-A0D4-4C98-9676-9D59EF3192A1}"/>
+                <a16:creationId xmlns:a16="http://schemas.microsoft.com/office/drawing/2014/main" id="{A3D6E67C-A0D4-4C98-9676-9D59EF3192A1}"/>
               </a:ext>
             </a:extLst>
           </p:cNvPr>
@@ -11862,7 +11862,7 @@
           <p:cNvPr id="10" name="Foliennummernplatzhalter 9">
             <a:extLst>
               <a:ext uri="{FF2B5EF4-FFF2-40B4-BE49-F238E27FC236}">
-                <a16:creationId xmlns:a16="http://schemas.microsoft.com/office/drawing/2014/main" xmlns="" id="{D931436D-0B25-4BC2-AB85-D177B4C7ED90}"/>
+                <a16:creationId xmlns:a16="http://schemas.microsoft.com/office/drawing/2014/main" id="{D931436D-0B25-4BC2-AB85-D177B4C7ED90}"/>
               </a:ext>
             </a:extLst>
           </p:cNvPr>
@@ -11912,7 +11912,7 @@
           <p:cNvPr id="12" name="Gerader Verbinder 11">
             <a:extLst>
               <a:ext uri="{FF2B5EF4-FFF2-40B4-BE49-F238E27FC236}">
-                <a16:creationId xmlns:a16="http://schemas.microsoft.com/office/drawing/2014/main" xmlns="" id="{4A855513-E5C1-4F05-A8FD-33AC62C22A5E}"/>
+                <a16:creationId xmlns:a16="http://schemas.microsoft.com/office/drawing/2014/main" id="{4A855513-E5C1-4F05-A8FD-33AC62C22A5E}"/>
               </a:ext>
             </a:extLst>
           </p:cNvPr>
@@ -11953,7 +11953,7 @@
           <p:cNvPr id="13" name="Gerader Verbinder 12">
             <a:extLst>
               <a:ext uri="{FF2B5EF4-FFF2-40B4-BE49-F238E27FC236}">
-                <a16:creationId xmlns:a16="http://schemas.microsoft.com/office/drawing/2014/main" xmlns="" id="{F2778992-5E28-437C-AEA9-F9BBD6E6F5BB}"/>
+                <a16:creationId xmlns:a16="http://schemas.microsoft.com/office/drawing/2014/main" id="{F2778992-5E28-437C-AEA9-F9BBD6E6F5BB}"/>
               </a:ext>
             </a:extLst>
           </p:cNvPr>
@@ -11994,7 +11994,7 @@
           <p:cNvPr id="14" name="Textfeld 13">
             <a:extLst>
               <a:ext uri="{FF2B5EF4-FFF2-40B4-BE49-F238E27FC236}">
-                <a16:creationId xmlns:a16="http://schemas.microsoft.com/office/drawing/2014/main" xmlns="" id="{6CF8FF9D-8A98-4CFA-94C2-E2074112639C}"/>
+                <a16:creationId xmlns:a16="http://schemas.microsoft.com/office/drawing/2014/main" id="{6CF8FF9D-8A98-4CFA-94C2-E2074112639C}"/>
               </a:ext>
             </a:extLst>
           </p:cNvPr>
@@ -12116,7 +12116,7 @@
             </a:br>
             <a:r>
               <a:rPr lang="de-DE" dirty="0"/>
-              <a:t>Nachbarn. Durch diese Kette kann man jedes Element ansprechen. Das Letze Element hat immer einen Null Wert, da dieser der Letze Wert ist und keinen nächsten Wert besitzt. </a:t>
+              <a:t>Nachbarn. Durch diese Kette kann man jedes Element ansprechen. Das Letze Element hat immer einen Null Wert. (wie in der rechten Abbildung verdeutlicht) </a:t>
             </a:r>
           </a:p>
         </p:txBody>
@@ -12126,7 +12126,7 @@
           <p:cNvPr id="15" name="Textfeld 14">
             <a:extLst>
               <a:ext uri="{FF2B5EF4-FFF2-40B4-BE49-F238E27FC236}">
-                <a16:creationId xmlns:a16="http://schemas.microsoft.com/office/drawing/2014/main" xmlns="" id="{5CFBE2C9-9D9F-44FF-AC19-5AB61CDAEA97}"/>
+                <a16:creationId xmlns:a16="http://schemas.microsoft.com/office/drawing/2014/main" id="{5CFBE2C9-9D9F-44FF-AC19-5AB61CDAEA97}"/>
               </a:ext>
             </a:extLst>
           </p:cNvPr>
@@ -12209,7 +12209,7 @@
           <p:cNvPr id="10" name="Foliennummernplatzhalter 9">
             <a:extLst>
               <a:ext uri="{FF2B5EF4-FFF2-40B4-BE49-F238E27FC236}">
-                <a16:creationId xmlns:a16="http://schemas.microsoft.com/office/drawing/2014/main" xmlns="" id="{D931436D-0B25-4BC2-AB85-D177B4C7ED90}"/>
+                <a16:creationId xmlns:a16="http://schemas.microsoft.com/office/drawing/2014/main" id="{D931436D-0B25-4BC2-AB85-D177B4C7ED90}"/>
               </a:ext>
             </a:extLst>
           </p:cNvPr>
@@ -12259,7 +12259,7 @@
           <p:cNvPr id="12" name="Gerader Verbinder 11">
             <a:extLst>
               <a:ext uri="{FF2B5EF4-FFF2-40B4-BE49-F238E27FC236}">
-                <a16:creationId xmlns:a16="http://schemas.microsoft.com/office/drawing/2014/main" xmlns="" id="{4A855513-E5C1-4F05-A8FD-33AC62C22A5E}"/>
+                <a16:creationId xmlns:a16="http://schemas.microsoft.com/office/drawing/2014/main" id="{4A855513-E5C1-4F05-A8FD-33AC62C22A5E}"/>
               </a:ext>
             </a:extLst>
           </p:cNvPr>
@@ -12300,7 +12300,7 @@
           <p:cNvPr id="13" name="Gerader Verbinder 12">
             <a:extLst>
               <a:ext uri="{FF2B5EF4-FFF2-40B4-BE49-F238E27FC236}">
-                <a16:creationId xmlns:a16="http://schemas.microsoft.com/office/drawing/2014/main" xmlns="" id="{F2778992-5E28-437C-AEA9-F9BBD6E6F5BB}"/>
+                <a16:creationId xmlns:a16="http://schemas.microsoft.com/office/drawing/2014/main" id="{F2778992-5E28-437C-AEA9-F9BBD6E6F5BB}"/>
               </a:ext>
             </a:extLst>
           </p:cNvPr>
@@ -12341,7 +12341,7 @@
           <p:cNvPr id="14" name="Textfeld 13">
             <a:extLst>
               <a:ext uri="{FF2B5EF4-FFF2-40B4-BE49-F238E27FC236}">
-                <a16:creationId xmlns:a16="http://schemas.microsoft.com/office/drawing/2014/main" xmlns="" id="{6CF8FF9D-8A98-4CFA-94C2-E2074112639C}"/>
+                <a16:creationId xmlns:a16="http://schemas.microsoft.com/office/drawing/2014/main" id="{6CF8FF9D-8A98-4CFA-94C2-E2074112639C}"/>
               </a:ext>
             </a:extLst>
           </p:cNvPr>
@@ -12377,7 +12377,7 @@
           <p:cNvPr id="6" name="Textfeld 5">
             <a:extLst>
               <a:ext uri="{FF2B5EF4-FFF2-40B4-BE49-F238E27FC236}">
-                <a16:creationId xmlns:a16="http://schemas.microsoft.com/office/drawing/2014/main" xmlns="" id="{8E05CB3E-FC8B-4C84-8452-A027AF29808D}"/>
+                <a16:creationId xmlns:a16="http://schemas.microsoft.com/office/drawing/2014/main" id="{8E05CB3E-FC8B-4C84-8452-A027AF29808D}"/>
               </a:ext>
             </a:extLst>
           </p:cNvPr>
@@ -12430,7 +12430,7 @@
           <p:cNvPr id="3" name="Textfeld 2">
             <a:extLst>
               <a:ext uri="{FF2B5EF4-FFF2-40B4-BE49-F238E27FC236}">
-                <a16:creationId xmlns:a16="http://schemas.microsoft.com/office/drawing/2014/main" xmlns="" id="{B616C74B-1A1C-4612-8D7A-608508876D6B}"/>
+                <a16:creationId xmlns:a16="http://schemas.microsoft.com/office/drawing/2014/main" id="{B616C74B-1A1C-4612-8D7A-608508876D6B}"/>
               </a:ext>
             </a:extLst>
           </p:cNvPr>
@@ -12469,7 +12469,7 @@
           <p:cNvPr id="9" name="Grafik 8">
             <a:extLst>
               <a:ext uri="{FF2B5EF4-FFF2-40B4-BE49-F238E27FC236}">
-                <a16:creationId xmlns:a16="http://schemas.microsoft.com/office/drawing/2014/main" xmlns="" id="{06960C2E-70A4-46BD-9EE6-C6F05E38C9CD}"/>
+                <a16:creationId xmlns:a16="http://schemas.microsoft.com/office/drawing/2014/main" id="{06960C2E-70A4-46BD-9EE6-C6F05E38C9CD}"/>
               </a:ext>
             </a:extLst>
           </p:cNvPr>
@@ -12529,7 +12529,7 @@
           <p:cNvPr id="10" name="Foliennummernplatzhalter 9">
             <a:extLst>
               <a:ext uri="{FF2B5EF4-FFF2-40B4-BE49-F238E27FC236}">
-                <a16:creationId xmlns:a16="http://schemas.microsoft.com/office/drawing/2014/main" xmlns="" id="{D931436D-0B25-4BC2-AB85-D177B4C7ED90}"/>
+                <a16:creationId xmlns:a16="http://schemas.microsoft.com/office/drawing/2014/main" id="{D931436D-0B25-4BC2-AB85-D177B4C7ED90}"/>
               </a:ext>
             </a:extLst>
           </p:cNvPr>
@@ -12579,7 +12579,7 @@
           <p:cNvPr id="12" name="Gerader Verbinder 11">
             <a:extLst>
               <a:ext uri="{FF2B5EF4-FFF2-40B4-BE49-F238E27FC236}">
-                <a16:creationId xmlns:a16="http://schemas.microsoft.com/office/drawing/2014/main" xmlns="" id="{4A855513-E5C1-4F05-A8FD-33AC62C22A5E}"/>
+                <a16:creationId xmlns:a16="http://schemas.microsoft.com/office/drawing/2014/main" id="{4A855513-E5C1-4F05-A8FD-33AC62C22A5E}"/>
               </a:ext>
             </a:extLst>
           </p:cNvPr>
@@ -12620,7 +12620,7 @@
           <p:cNvPr id="13" name="Gerader Verbinder 12">
             <a:extLst>
               <a:ext uri="{FF2B5EF4-FFF2-40B4-BE49-F238E27FC236}">
-                <a16:creationId xmlns:a16="http://schemas.microsoft.com/office/drawing/2014/main" xmlns="" id="{F2778992-5E28-437C-AEA9-F9BBD6E6F5BB}"/>
+                <a16:creationId xmlns:a16="http://schemas.microsoft.com/office/drawing/2014/main" id="{F2778992-5E28-437C-AEA9-F9BBD6E6F5BB}"/>
               </a:ext>
             </a:extLst>
           </p:cNvPr>
@@ -12661,7 +12661,7 @@
           <p:cNvPr id="14" name="Textfeld 13">
             <a:extLst>
               <a:ext uri="{FF2B5EF4-FFF2-40B4-BE49-F238E27FC236}">
-                <a16:creationId xmlns:a16="http://schemas.microsoft.com/office/drawing/2014/main" xmlns="" id="{6CF8FF9D-8A98-4CFA-94C2-E2074112639C}"/>
+                <a16:creationId xmlns:a16="http://schemas.microsoft.com/office/drawing/2014/main" id="{6CF8FF9D-8A98-4CFA-94C2-E2074112639C}"/>
               </a:ext>
             </a:extLst>
           </p:cNvPr>
@@ -12697,7 +12697,7 @@
           <p:cNvPr id="6" name="Textfeld 5">
             <a:extLst>
               <a:ext uri="{FF2B5EF4-FFF2-40B4-BE49-F238E27FC236}">
-                <a16:creationId xmlns:a16="http://schemas.microsoft.com/office/drawing/2014/main" xmlns="" id="{8E05CB3E-FC8B-4C84-8452-A027AF29808D}"/>
+                <a16:creationId xmlns:a16="http://schemas.microsoft.com/office/drawing/2014/main" id="{8E05CB3E-FC8B-4C84-8452-A027AF29808D}"/>
               </a:ext>
             </a:extLst>
           </p:cNvPr>
@@ -12750,7 +12750,7 @@
           <p:cNvPr id="3" name="Textfeld 2">
             <a:extLst>
               <a:ext uri="{FF2B5EF4-FFF2-40B4-BE49-F238E27FC236}">
-                <a16:creationId xmlns:a16="http://schemas.microsoft.com/office/drawing/2014/main" xmlns="" id="{B616C74B-1A1C-4612-8D7A-608508876D6B}"/>
+                <a16:creationId xmlns:a16="http://schemas.microsoft.com/office/drawing/2014/main" id="{B616C74B-1A1C-4612-8D7A-608508876D6B}"/>
               </a:ext>
             </a:extLst>
           </p:cNvPr>
@@ -12789,7 +12789,7 @@
           <p:cNvPr id="9" name="Grafik 8">
             <a:extLst>
               <a:ext uri="{FF2B5EF4-FFF2-40B4-BE49-F238E27FC236}">
-                <a16:creationId xmlns:a16="http://schemas.microsoft.com/office/drawing/2014/main" xmlns="" id="{D74F39CC-E48D-4699-B257-8BF1D792BA62}"/>
+                <a16:creationId xmlns:a16="http://schemas.microsoft.com/office/drawing/2014/main" id="{D74F39CC-E48D-4699-B257-8BF1D792BA62}"/>
               </a:ext>
             </a:extLst>
           </p:cNvPr>
@@ -12855,7 +12855,7 @@
           <p:cNvPr id="10" name="Foliennummernplatzhalter 9">
             <a:extLst>
               <a:ext uri="{FF2B5EF4-FFF2-40B4-BE49-F238E27FC236}">
-                <a16:creationId xmlns:a16="http://schemas.microsoft.com/office/drawing/2014/main" xmlns="" id="{D931436D-0B25-4BC2-AB85-D177B4C7ED90}"/>
+                <a16:creationId xmlns:a16="http://schemas.microsoft.com/office/drawing/2014/main" id="{D931436D-0B25-4BC2-AB85-D177B4C7ED90}"/>
               </a:ext>
             </a:extLst>
           </p:cNvPr>
@@ -12905,7 +12905,7 @@
           <p:cNvPr id="12" name="Gerader Verbinder 11">
             <a:extLst>
               <a:ext uri="{FF2B5EF4-FFF2-40B4-BE49-F238E27FC236}">
-                <a16:creationId xmlns:a16="http://schemas.microsoft.com/office/drawing/2014/main" xmlns="" id="{4A855513-E5C1-4F05-A8FD-33AC62C22A5E}"/>
+                <a16:creationId xmlns:a16="http://schemas.microsoft.com/office/drawing/2014/main" id="{4A855513-E5C1-4F05-A8FD-33AC62C22A5E}"/>
               </a:ext>
             </a:extLst>
           </p:cNvPr>
@@ -12946,7 +12946,7 @@
           <p:cNvPr id="13" name="Gerader Verbinder 12">
             <a:extLst>
               <a:ext uri="{FF2B5EF4-FFF2-40B4-BE49-F238E27FC236}">
-                <a16:creationId xmlns:a16="http://schemas.microsoft.com/office/drawing/2014/main" xmlns="" id="{F2778992-5E28-437C-AEA9-F9BBD6E6F5BB}"/>
+                <a16:creationId xmlns:a16="http://schemas.microsoft.com/office/drawing/2014/main" id="{F2778992-5E28-437C-AEA9-F9BBD6E6F5BB}"/>
               </a:ext>
             </a:extLst>
           </p:cNvPr>
@@ -12987,7 +12987,7 @@
           <p:cNvPr id="14" name="Textfeld 13">
             <a:extLst>
               <a:ext uri="{FF2B5EF4-FFF2-40B4-BE49-F238E27FC236}">
-                <a16:creationId xmlns:a16="http://schemas.microsoft.com/office/drawing/2014/main" xmlns="" id="{6CF8FF9D-8A98-4CFA-94C2-E2074112639C}"/>
+                <a16:creationId xmlns:a16="http://schemas.microsoft.com/office/drawing/2014/main" id="{6CF8FF9D-8A98-4CFA-94C2-E2074112639C}"/>
               </a:ext>
             </a:extLst>
           </p:cNvPr>
@@ -13023,7 +13023,7 @@
           <p:cNvPr id="6" name="Textfeld 5">
             <a:extLst>
               <a:ext uri="{FF2B5EF4-FFF2-40B4-BE49-F238E27FC236}">
-                <a16:creationId xmlns:a16="http://schemas.microsoft.com/office/drawing/2014/main" xmlns="" id="{8E05CB3E-FC8B-4C84-8452-A027AF29808D}"/>
+                <a16:creationId xmlns:a16="http://schemas.microsoft.com/office/drawing/2014/main" id="{8E05CB3E-FC8B-4C84-8452-A027AF29808D}"/>
               </a:ext>
             </a:extLst>
           </p:cNvPr>
@@ -13071,7 +13071,7 @@
           <p:cNvPr id="8" name="Textfeld 7">
             <a:extLst>
               <a:ext uri="{FF2B5EF4-FFF2-40B4-BE49-F238E27FC236}">
-                <a16:creationId xmlns:a16="http://schemas.microsoft.com/office/drawing/2014/main" xmlns="" id="{4842BEFA-10C3-45C0-8997-167BE0586DAC}"/>
+                <a16:creationId xmlns:a16="http://schemas.microsoft.com/office/drawing/2014/main" id="{4842BEFA-10C3-45C0-8997-167BE0586DAC}"/>
               </a:ext>
             </a:extLst>
           </p:cNvPr>
@@ -13117,7 +13117,7 @@
                 </a:solidFill>
                 <a:latin typeface="+mj-lt"/>
               </a:rPr>
-              <a:t>Ziel hinter diesem Container war es zu zeigen wie leicht es ist unsere Container zu erweitern und oder zu verändern.</a:t>
+              <a:t>Ziel hinter diesem Container war es zu zeigen, wie leicht es ist unsere Container zu erweitern und oder zu verändern.</a:t>
             </a:r>
           </a:p>
           <a:p>
@@ -13152,25 +13152,7 @@
                 </a:solidFill>
                 <a:latin typeface="+mj-lt"/>
               </a:rPr>
-              <a:t>Da unser ‚String Container‘ auf unser Liste aufbaut, sieht dieser Container der List sehr ähnlich. Es wurden zusätzliche Funktionalitäten hinzugefügt, wie zum Beispiel, dass dem </a:t>
-            </a:r>
-            <a:r>
-              <a:rPr lang="de-DE" sz="1600" dirty="0" err="1">
-                <a:solidFill>
-                  <a:srgbClr val="000000"/>
-                </a:solidFill>
-                <a:latin typeface="+mj-lt"/>
-              </a:rPr>
-              <a:t>Conatiner</a:t>
-            </a:r>
-            <a:r>
-              <a:rPr lang="de-DE" sz="1600" dirty="0">
-                <a:solidFill>
-                  <a:srgbClr val="000000"/>
-                </a:solidFill>
-                <a:latin typeface="+mj-lt"/>
-              </a:rPr>
-              <a:t> ein weiterer String angehangen werden kann (</a:t>
+              <a:t>Da unser ‚String Container‘ auf unser Liste aufbaut, sieht dieser Container der List sehr ähnlich. Es wurden zusätzliche Funktionalitäten hinzugefügt, wie zum Beispiel, dass dem Container ein weiterer String angehangen werden kann (</a:t>
             </a:r>
             <a:r>
               <a:rPr lang="de-DE" sz="1600" dirty="0" err="1">
@@ -13206,7 +13188,7 @@
           <p:cNvPr id="3" name="Textfeld 2">
             <a:extLst>
               <a:ext uri="{FF2B5EF4-FFF2-40B4-BE49-F238E27FC236}">
-                <a16:creationId xmlns:a16="http://schemas.microsoft.com/office/drawing/2014/main" xmlns="" id="{B616C74B-1A1C-4612-8D7A-608508876D6B}"/>
+                <a16:creationId xmlns:a16="http://schemas.microsoft.com/office/drawing/2014/main" id="{B616C74B-1A1C-4612-8D7A-608508876D6B}"/>
               </a:ext>
             </a:extLst>
           </p:cNvPr>
@@ -13271,7 +13253,7 @@
           <p:cNvPr id="10" name="Foliennummernplatzhalter 9">
             <a:extLst>
               <a:ext uri="{FF2B5EF4-FFF2-40B4-BE49-F238E27FC236}">
-                <a16:creationId xmlns:a16="http://schemas.microsoft.com/office/drawing/2014/main" xmlns="" id="{D931436D-0B25-4BC2-AB85-D177B4C7ED90}"/>
+                <a16:creationId xmlns:a16="http://schemas.microsoft.com/office/drawing/2014/main" id="{D931436D-0B25-4BC2-AB85-D177B4C7ED90}"/>
               </a:ext>
             </a:extLst>
           </p:cNvPr>
@@ -13321,7 +13303,7 @@
           <p:cNvPr id="12" name="Gerader Verbinder 11">
             <a:extLst>
               <a:ext uri="{FF2B5EF4-FFF2-40B4-BE49-F238E27FC236}">
-                <a16:creationId xmlns:a16="http://schemas.microsoft.com/office/drawing/2014/main" xmlns="" id="{4A855513-E5C1-4F05-A8FD-33AC62C22A5E}"/>
+                <a16:creationId xmlns:a16="http://schemas.microsoft.com/office/drawing/2014/main" id="{4A855513-E5C1-4F05-A8FD-33AC62C22A5E}"/>
               </a:ext>
             </a:extLst>
           </p:cNvPr>
@@ -13362,7 +13344,7 @@
           <p:cNvPr id="13" name="Gerader Verbinder 12">
             <a:extLst>
               <a:ext uri="{FF2B5EF4-FFF2-40B4-BE49-F238E27FC236}">
-                <a16:creationId xmlns:a16="http://schemas.microsoft.com/office/drawing/2014/main" xmlns="" id="{F2778992-5E28-437C-AEA9-F9BBD6E6F5BB}"/>
+                <a16:creationId xmlns:a16="http://schemas.microsoft.com/office/drawing/2014/main" id="{F2778992-5E28-437C-AEA9-F9BBD6E6F5BB}"/>
               </a:ext>
             </a:extLst>
           </p:cNvPr>
@@ -13403,7 +13385,7 @@
           <p:cNvPr id="14" name="Textfeld 13">
             <a:extLst>
               <a:ext uri="{FF2B5EF4-FFF2-40B4-BE49-F238E27FC236}">
-                <a16:creationId xmlns:a16="http://schemas.microsoft.com/office/drawing/2014/main" xmlns="" id="{6CF8FF9D-8A98-4CFA-94C2-E2074112639C}"/>
+                <a16:creationId xmlns:a16="http://schemas.microsoft.com/office/drawing/2014/main" id="{6CF8FF9D-8A98-4CFA-94C2-E2074112639C}"/>
               </a:ext>
             </a:extLst>
           </p:cNvPr>
@@ -13439,7 +13421,7 @@
           <p:cNvPr id="6" name="Textfeld 5">
             <a:extLst>
               <a:ext uri="{FF2B5EF4-FFF2-40B4-BE49-F238E27FC236}">
-                <a16:creationId xmlns:a16="http://schemas.microsoft.com/office/drawing/2014/main" xmlns="" id="{8E05CB3E-FC8B-4C84-8452-A027AF29808D}"/>
+                <a16:creationId xmlns:a16="http://schemas.microsoft.com/office/drawing/2014/main" id="{8E05CB3E-FC8B-4C84-8452-A027AF29808D}"/>
               </a:ext>
             </a:extLst>
           </p:cNvPr>
@@ -13487,7 +13469,7 @@
           <p:cNvPr id="3" name="Textfeld 2">
             <a:extLst>
               <a:ext uri="{FF2B5EF4-FFF2-40B4-BE49-F238E27FC236}">
-                <a16:creationId xmlns:a16="http://schemas.microsoft.com/office/drawing/2014/main" xmlns="" id="{B616C74B-1A1C-4612-8D7A-608508876D6B}"/>
+                <a16:creationId xmlns:a16="http://schemas.microsoft.com/office/drawing/2014/main" id="{B616C74B-1A1C-4612-8D7A-608508876D6B}"/>
               </a:ext>
             </a:extLst>
           </p:cNvPr>
@@ -13522,7 +13504,7 @@
           <p:cNvPr id="8" name="Grafik 7">
             <a:extLst>
               <a:ext uri="{FF2B5EF4-FFF2-40B4-BE49-F238E27FC236}">
-                <a16:creationId xmlns:a16="http://schemas.microsoft.com/office/drawing/2014/main" xmlns="" id="{0DFE0BE2-DBAD-43B4-8C9D-86A52F855DBF}"/>
+                <a16:creationId xmlns:a16="http://schemas.microsoft.com/office/drawing/2014/main" id="{0DFE0BE2-DBAD-43B4-8C9D-86A52F855DBF}"/>
               </a:ext>
             </a:extLst>
           </p:cNvPr>
@@ -13582,7 +13564,7 @@
           <p:cNvPr id="10" name="Foliennummernplatzhalter 9">
             <a:extLst>
               <a:ext uri="{FF2B5EF4-FFF2-40B4-BE49-F238E27FC236}">
-                <a16:creationId xmlns:a16="http://schemas.microsoft.com/office/drawing/2014/main" xmlns="" id="{D931436D-0B25-4BC2-AB85-D177B4C7ED90}"/>
+                <a16:creationId xmlns:a16="http://schemas.microsoft.com/office/drawing/2014/main" id="{D931436D-0B25-4BC2-AB85-D177B4C7ED90}"/>
               </a:ext>
             </a:extLst>
           </p:cNvPr>
@@ -13632,7 +13614,7 @@
           <p:cNvPr id="12" name="Gerader Verbinder 11">
             <a:extLst>
               <a:ext uri="{FF2B5EF4-FFF2-40B4-BE49-F238E27FC236}">
-                <a16:creationId xmlns:a16="http://schemas.microsoft.com/office/drawing/2014/main" xmlns="" id="{4A855513-E5C1-4F05-A8FD-33AC62C22A5E}"/>
+                <a16:creationId xmlns:a16="http://schemas.microsoft.com/office/drawing/2014/main" id="{4A855513-E5C1-4F05-A8FD-33AC62C22A5E}"/>
               </a:ext>
             </a:extLst>
           </p:cNvPr>
@@ -13673,7 +13655,7 @@
           <p:cNvPr id="13" name="Gerader Verbinder 12">
             <a:extLst>
               <a:ext uri="{FF2B5EF4-FFF2-40B4-BE49-F238E27FC236}">
-                <a16:creationId xmlns:a16="http://schemas.microsoft.com/office/drawing/2014/main" xmlns="" id="{F2778992-5E28-437C-AEA9-F9BBD6E6F5BB}"/>
+                <a16:creationId xmlns:a16="http://schemas.microsoft.com/office/drawing/2014/main" id="{F2778992-5E28-437C-AEA9-F9BBD6E6F5BB}"/>
               </a:ext>
             </a:extLst>
           </p:cNvPr>
@@ -13714,7 +13696,7 @@
           <p:cNvPr id="14" name="Textfeld 13">
             <a:extLst>
               <a:ext uri="{FF2B5EF4-FFF2-40B4-BE49-F238E27FC236}">
-                <a16:creationId xmlns:a16="http://schemas.microsoft.com/office/drawing/2014/main" xmlns="" id="{6CF8FF9D-8A98-4CFA-94C2-E2074112639C}"/>
+                <a16:creationId xmlns:a16="http://schemas.microsoft.com/office/drawing/2014/main" id="{6CF8FF9D-8A98-4CFA-94C2-E2074112639C}"/>
               </a:ext>
             </a:extLst>
           </p:cNvPr>
@@ -13750,7 +13732,7 @@
           <p:cNvPr id="6" name="Textfeld 5">
             <a:extLst>
               <a:ext uri="{FF2B5EF4-FFF2-40B4-BE49-F238E27FC236}">
-                <a16:creationId xmlns:a16="http://schemas.microsoft.com/office/drawing/2014/main" xmlns="" id="{8E05CB3E-FC8B-4C84-8452-A027AF29808D}"/>
+                <a16:creationId xmlns:a16="http://schemas.microsoft.com/office/drawing/2014/main" id="{8E05CB3E-FC8B-4C84-8452-A027AF29808D}"/>
               </a:ext>
             </a:extLst>
           </p:cNvPr>
@@ -13798,7 +13780,7 @@
           <p:cNvPr id="3" name="Textfeld 2">
             <a:extLst>
               <a:ext uri="{FF2B5EF4-FFF2-40B4-BE49-F238E27FC236}">
-                <a16:creationId xmlns:a16="http://schemas.microsoft.com/office/drawing/2014/main" xmlns="" id="{B616C74B-1A1C-4612-8D7A-608508876D6B}"/>
+                <a16:creationId xmlns:a16="http://schemas.microsoft.com/office/drawing/2014/main" id="{B616C74B-1A1C-4612-8D7A-608508876D6B}"/>
               </a:ext>
             </a:extLst>
           </p:cNvPr>
@@ -13833,7 +13815,7 @@
           <p:cNvPr id="11" name="Textfeld 10">
             <a:extLst>
               <a:ext uri="{FF2B5EF4-FFF2-40B4-BE49-F238E27FC236}">
-                <a16:creationId xmlns:a16="http://schemas.microsoft.com/office/drawing/2014/main" xmlns="" id="{24B508F8-733A-43EF-9B1C-791EC1949295}"/>
+                <a16:creationId xmlns:a16="http://schemas.microsoft.com/office/drawing/2014/main" id="{24B508F8-733A-43EF-9B1C-791EC1949295}"/>
               </a:ext>
             </a:extLst>
           </p:cNvPr>
@@ -14549,7 +14531,7 @@
           <p:cNvPr id="10" name="Foliennummernplatzhalter 9">
             <a:extLst>
               <a:ext uri="{FF2B5EF4-FFF2-40B4-BE49-F238E27FC236}">
-                <a16:creationId xmlns:a16="http://schemas.microsoft.com/office/drawing/2014/main" xmlns="" id="{D931436D-0B25-4BC2-AB85-D177B4C7ED90}"/>
+                <a16:creationId xmlns:a16="http://schemas.microsoft.com/office/drawing/2014/main" id="{D931436D-0B25-4BC2-AB85-D177B4C7ED90}"/>
               </a:ext>
             </a:extLst>
           </p:cNvPr>
@@ -14599,7 +14581,7 @@
           <p:cNvPr id="12" name="Gerader Verbinder 11">
             <a:extLst>
               <a:ext uri="{FF2B5EF4-FFF2-40B4-BE49-F238E27FC236}">
-                <a16:creationId xmlns:a16="http://schemas.microsoft.com/office/drawing/2014/main" xmlns="" id="{4A855513-E5C1-4F05-A8FD-33AC62C22A5E}"/>
+                <a16:creationId xmlns:a16="http://schemas.microsoft.com/office/drawing/2014/main" id="{4A855513-E5C1-4F05-A8FD-33AC62C22A5E}"/>
               </a:ext>
             </a:extLst>
           </p:cNvPr>
@@ -14640,7 +14622,7 @@
           <p:cNvPr id="13" name="Gerader Verbinder 12">
             <a:extLst>
               <a:ext uri="{FF2B5EF4-FFF2-40B4-BE49-F238E27FC236}">
-                <a16:creationId xmlns:a16="http://schemas.microsoft.com/office/drawing/2014/main" xmlns="" id="{F2778992-5E28-437C-AEA9-F9BBD6E6F5BB}"/>
+                <a16:creationId xmlns:a16="http://schemas.microsoft.com/office/drawing/2014/main" id="{F2778992-5E28-437C-AEA9-F9BBD6E6F5BB}"/>
               </a:ext>
             </a:extLst>
           </p:cNvPr>
@@ -14681,7 +14663,7 @@
           <p:cNvPr id="14" name="Textfeld 13">
             <a:extLst>
               <a:ext uri="{FF2B5EF4-FFF2-40B4-BE49-F238E27FC236}">
-                <a16:creationId xmlns:a16="http://schemas.microsoft.com/office/drawing/2014/main" xmlns="" id="{6CF8FF9D-8A98-4CFA-94C2-E2074112639C}"/>
+                <a16:creationId xmlns:a16="http://schemas.microsoft.com/office/drawing/2014/main" id="{6CF8FF9D-8A98-4CFA-94C2-E2074112639C}"/>
               </a:ext>
             </a:extLst>
           </p:cNvPr>
@@ -14717,7 +14699,7 @@
           <p:cNvPr id="6" name="Textfeld 5">
             <a:extLst>
               <a:ext uri="{FF2B5EF4-FFF2-40B4-BE49-F238E27FC236}">
-                <a16:creationId xmlns:a16="http://schemas.microsoft.com/office/drawing/2014/main" xmlns="" id="{8E05CB3E-FC8B-4C84-8452-A027AF29808D}"/>
+                <a16:creationId xmlns:a16="http://schemas.microsoft.com/office/drawing/2014/main" id="{8E05CB3E-FC8B-4C84-8452-A027AF29808D}"/>
               </a:ext>
             </a:extLst>
           </p:cNvPr>
@@ -14759,7 +14741,7 @@
           <p:cNvPr id="8" name="Textfeld 7">
             <a:extLst>
               <a:ext uri="{FF2B5EF4-FFF2-40B4-BE49-F238E27FC236}">
-                <a16:creationId xmlns:a16="http://schemas.microsoft.com/office/drawing/2014/main" xmlns="" id="{4842BEFA-10C3-45C0-8997-167BE0586DAC}"/>
+                <a16:creationId xmlns:a16="http://schemas.microsoft.com/office/drawing/2014/main" id="{4842BEFA-10C3-45C0-8997-167BE0586DAC}"/>
               </a:ext>
             </a:extLst>
           </p:cNvPr>
@@ -14866,7 +14848,7 @@
           <p:cNvPr id="3" name="Textfeld 2">
             <a:extLst>
               <a:ext uri="{FF2B5EF4-FFF2-40B4-BE49-F238E27FC236}">
-                <a16:creationId xmlns:a16="http://schemas.microsoft.com/office/drawing/2014/main" xmlns="" id="{B616C74B-1A1C-4612-8D7A-608508876D6B}"/>
+                <a16:creationId xmlns:a16="http://schemas.microsoft.com/office/drawing/2014/main" id="{B616C74B-1A1C-4612-8D7A-608508876D6B}"/>
               </a:ext>
             </a:extLst>
           </p:cNvPr>
@@ -14931,7 +14913,7 @@
           <p:cNvPr id="10" name="Foliennummernplatzhalter 9">
             <a:extLst>
               <a:ext uri="{FF2B5EF4-FFF2-40B4-BE49-F238E27FC236}">
-                <a16:creationId xmlns:a16="http://schemas.microsoft.com/office/drawing/2014/main" xmlns="" id="{D931436D-0B25-4BC2-AB85-D177B4C7ED90}"/>
+                <a16:creationId xmlns:a16="http://schemas.microsoft.com/office/drawing/2014/main" id="{D931436D-0B25-4BC2-AB85-D177B4C7ED90}"/>
               </a:ext>
             </a:extLst>
           </p:cNvPr>
@@ -14981,7 +14963,7 @@
           <p:cNvPr id="12" name="Gerader Verbinder 11">
             <a:extLst>
               <a:ext uri="{FF2B5EF4-FFF2-40B4-BE49-F238E27FC236}">
-                <a16:creationId xmlns:a16="http://schemas.microsoft.com/office/drawing/2014/main" xmlns="" id="{4A855513-E5C1-4F05-A8FD-33AC62C22A5E}"/>
+                <a16:creationId xmlns:a16="http://schemas.microsoft.com/office/drawing/2014/main" id="{4A855513-E5C1-4F05-A8FD-33AC62C22A5E}"/>
               </a:ext>
             </a:extLst>
           </p:cNvPr>
@@ -15022,7 +15004,7 @@
           <p:cNvPr id="13" name="Gerader Verbinder 12">
             <a:extLst>
               <a:ext uri="{FF2B5EF4-FFF2-40B4-BE49-F238E27FC236}">
-                <a16:creationId xmlns:a16="http://schemas.microsoft.com/office/drawing/2014/main" xmlns="" id="{F2778992-5E28-437C-AEA9-F9BBD6E6F5BB}"/>
+                <a16:creationId xmlns:a16="http://schemas.microsoft.com/office/drawing/2014/main" id="{F2778992-5E28-437C-AEA9-F9BBD6E6F5BB}"/>
               </a:ext>
             </a:extLst>
           </p:cNvPr>
@@ -15063,7 +15045,7 @@
           <p:cNvPr id="14" name="Textfeld 13">
             <a:extLst>
               <a:ext uri="{FF2B5EF4-FFF2-40B4-BE49-F238E27FC236}">
-                <a16:creationId xmlns:a16="http://schemas.microsoft.com/office/drawing/2014/main" xmlns="" id="{6CF8FF9D-8A98-4CFA-94C2-E2074112639C}"/>
+                <a16:creationId xmlns:a16="http://schemas.microsoft.com/office/drawing/2014/main" id="{6CF8FF9D-8A98-4CFA-94C2-E2074112639C}"/>
               </a:ext>
             </a:extLst>
           </p:cNvPr>
@@ -15099,7 +15081,7 @@
           <p:cNvPr id="6" name="Textfeld 5">
             <a:extLst>
               <a:ext uri="{FF2B5EF4-FFF2-40B4-BE49-F238E27FC236}">
-                <a16:creationId xmlns:a16="http://schemas.microsoft.com/office/drawing/2014/main" xmlns="" id="{8E05CB3E-FC8B-4C84-8452-A027AF29808D}"/>
+                <a16:creationId xmlns:a16="http://schemas.microsoft.com/office/drawing/2014/main" id="{8E05CB3E-FC8B-4C84-8452-A027AF29808D}"/>
               </a:ext>
             </a:extLst>
           </p:cNvPr>
@@ -15147,7 +15129,7 @@
           <p:cNvPr id="3" name="Textfeld 2">
             <a:extLst>
               <a:ext uri="{FF2B5EF4-FFF2-40B4-BE49-F238E27FC236}">
-                <a16:creationId xmlns:a16="http://schemas.microsoft.com/office/drawing/2014/main" xmlns="" id="{B616C74B-1A1C-4612-8D7A-608508876D6B}"/>
+                <a16:creationId xmlns:a16="http://schemas.microsoft.com/office/drawing/2014/main" id="{B616C74B-1A1C-4612-8D7A-608508876D6B}"/>
               </a:ext>
             </a:extLst>
           </p:cNvPr>
@@ -15182,7 +15164,7 @@
           <p:cNvPr id="11" name="Textfeld 10">
             <a:extLst>
               <a:ext uri="{FF2B5EF4-FFF2-40B4-BE49-F238E27FC236}">
-                <a16:creationId xmlns:a16="http://schemas.microsoft.com/office/drawing/2014/main" xmlns="" id="{24B508F8-733A-43EF-9B1C-791EC1949295}"/>
+                <a16:creationId xmlns:a16="http://schemas.microsoft.com/office/drawing/2014/main" id="{24B508F8-733A-43EF-9B1C-791EC1949295}"/>
               </a:ext>
             </a:extLst>
           </p:cNvPr>
@@ -16118,7 +16100,7 @@
           <p:cNvPr id="10" name="Foliennummernplatzhalter 9">
             <a:extLst>
               <a:ext uri="{FF2B5EF4-FFF2-40B4-BE49-F238E27FC236}">
-                <a16:creationId xmlns:a16="http://schemas.microsoft.com/office/drawing/2014/main" xmlns="" id="{D931436D-0B25-4BC2-AB85-D177B4C7ED90}"/>
+                <a16:creationId xmlns:a16="http://schemas.microsoft.com/office/drawing/2014/main" id="{D931436D-0B25-4BC2-AB85-D177B4C7ED90}"/>
               </a:ext>
             </a:extLst>
           </p:cNvPr>
@@ -16168,7 +16150,7 @@
           <p:cNvPr id="12" name="Gerader Verbinder 11">
             <a:extLst>
               <a:ext uri="{FF2B5EF4-FFF2-40B4-BE49-F238E27FC236}">
-                <a16:creationId xmlns:a16="http://schemas.microsoft.com/office/drawing/2014/main" xmlns="" id="{4A855513-E5C1-4F05-A8FD-33AC62C22A5E}"/>
+                <a16:creationId xmlns:a16="http://schemas.microsoft.com/office/drawing/2014/main" id="{4A855513-E5C1-4F05-A8FD-33AC62C22A5E}"/>
               </a:ext>
             </a:extLst>
           </p:cNvPr>
@@ -16209,7 +16191,7 @@
           <p:cNvPr id="13" name="Gerader Verbinder 12">
             <a:extLst>
               <a:ext uri="{FF2B5EF4-FFF2-40B4-BE49-F238E27FC236}">
-                <a16:creationId xmlns:a16="http://schemas.microsoft.com/office/drawing/2014/main" xmlns="" id="{F2778992-5E28-437C-AEA9-F9BBD6E6F5BB}"/>
+                <a16:creationId xmlns:a16="http://schemas.microsoft.com/office/drawing/2014/main" id="{F2778992-5E28-437C-AEA9-F9BBD6E6F5BB}"/>
               </a:ext>
             </a:extLst>
           </p:cNvPr>
@@ -16250,7 +16232,7 @@
           <p:cNvPr id="14" name="Textfeld 13">
             <a:extLst>
               <a:ext uri="{FF2B5EF4-FFF2-40B4-BE49-F238E27FC236}">
-                <a16:creationId xmlns:a16="http://schemas.microsoft.com/office/drawing/2014/main" xmlns="" id="{6CF8FF9D-8A98-4CFA-94C2-E2074112639C}"/>
+                <a16:creationId xmlns:a16="http://schemas.microsoft.com/office/drawing/2014/main" id="{6CF8FF9D-8A98-4CFA-94C2-E2074112639C}"/>
               </a:ext>
             </a:extLst>
           </p:cNvPr>
@@ -16286,7 +16268,7 @@
           <p:cNvPr id="6" name="Textfeld 5">
             <a:extLst>
               <a:ext uri="{FF2B5EF4-FFF2-40B4-BE49-F238E27FC236}">
-                <a16:creationId xmlns:a16="http://schemas.microsoft.com/office/drawing/2014/main" xmlns="" id="{8E05CB3E-FC8B-4C84-8452-A027AF29808D}"/>
+                <a16:creationId xmlns:a16="http://schemas.microsoft.com/office/drawing/2014/main" id="{8E05CB3E-FC8B-4C84-8452-A027AF29808D}"/>
               </a:ext>
             </a:extLst>
           </p:cNvPr>
@@ -16334,7 +16316,7 @@
           <p:cNvPr id="9" name="Textfeld 8">
             <a:extLst>
               <a:ext uri="{FF2B5EF4-FFF2-40B4-BE49-F238E27FC236}">
-                <a16:creationId xmlns:a16="http://schemas.microsoft.com/office/drawing/2014/main" xmlns="" id="{105407A1-FCD8-4DB9-8051-366A6497ED37}"/>
+                <a16:creationId xmlns:a16="http://schemas.microsoft.com/office/drawing/2014/main" id="{105407A1-FCD8-4DB9-8051-366A6497ED37}"/>
               </a:ext>
             </a:extLst>
           </p:cNvPr>
@@ -16344,7 +16326,7 @@
         <p:spPr>
           <a:xfrm>
             <a:off x="1085461" y="1568119"/>
-            <a:ext cx="10021077" cy="3046988"/>
+            <a:ext cx="10021077" cy="2800767"/>
           </a:xfrm>
           <a:prstGeom prst="rect">
             <a:avLst/>
@@ -16407,7 +16389,7 @@
                 </a:solidFill>
                 <a:latin typeface="+mj-lt"/>
               </a:rPr>
-              <a:t>Unsere Testfunktionen nehmen zwei Werte auf. Einer welcher der erwartetet Wert ist und welcher Wert zurückgeliefert wird. Am Ende bekommt man eine Auflistung wie viele Test geklappt oder fehlgeschlagen sind.</a:t>
+              <a:t>Unsere Testfunktionen nehmen zwei Werte auf. Einer welcher der erwartetet Wert ist und welcher Wert zurückgeliefert wird. Am Ende wird eine Auflistung, wie viele Test geklappt oder fehlgeschlagen ausgegeben.</a:t>
             </a:r>
           </a:p>
           <a:p>
@@ -16462,7 +16444,7 @@
           <p:cNvPr id="4" name="Grafik 3">
             <a:extLst>
               <a:ext uri="{FF2B5EF4-FFF2-40B4-BE49-F238E27FC236}">
-                <a16:creationId xmlns:a16="http://schemas.microsoft.com/office/drawing/2014/main" xmlns="" id="{76244B43-9E69-4F23-9AD7-C79615969921}"/>
+                <a16:creationId xmlns:a16="http://schemas.microsoft.com/office/drawing/2014/main" id="{76244B43-9E69-4F23-9AD7-C79615969921}"/>
               </a:ext>
             </a:extLst>
           </p:cNvPr>
@@ -16522,7 +16504,7 @@
           <p:cNvPr id="10" name="Foliennummernplatzhalter 9">
             <a:extLst>
               <a:ext uri="{FF2B5EF4-FFF2-40B4-BE49-F238E27FC236}">
-                <a16:creationId xmlns:a16="http://schemas.microsoft.com/office/drawing/2014/main" xmlns="" id="{D931436D-0B25-4BC2-AB85-D177B4C7ED90}"/>
+                <a16:creationId xmlns:a16="http://schemas.microsoft.com/office/drawing/2014/main" id="{D931436D-0B25-4BC2-AB85-D177B4C7ED90}"/>
               </a:ext>
             </a:extLst>
           </p:cNvPr>
@@ -16572,7 +16554,7 @@
           <p:cNvPr id="12" name="Gerader Verbinder 11">
             <a:extLst>
               <a:ext uri="{FF2B5EF4-FFF2-40B4-BE49-F238E27FC236}">
-                <a16:creationId xmlns:a16="http://schemas.microsoft.com/office/drawing/2014/main" xmlns="" id="{4A855513-E5C1-4F05-A8FD-33AC62C22A5E}"/>
+                <a16:creationId xmlns:a16="http://schemas.microsoft.com/office/drawing/2014/main" id="{4A855513-E5C1-4F05-A8FD-33AC62C22A5E}"/>
               </a:ext>
             </a:extLst>
           </p:cNvPr>
@@ -16613,7 +16595,7 @@
           <p:cNvPr id="13" name="Gerader Verbinder 12">
             <a:extLst>
               <a:ext uri="{FF2B5EF4-FFF2-40B4-BE49-F238E27FC236}">
-                <a16:creationId xmlns:a16="http://schemas.microsoft.com/office/drawing/2014/main" xmlns="" id="{F2778992-5E28-437C-AEA9-F9BBD6E6F5BB}"/>
+                <a16:creationId xmlns:a16="http://schemas.microsoft.com/office/drawing/2014/main" id="{F2778992-5E28-437C-AEA9-F9BBD6E6F5BB}"/>
               </a:ext>
             </a:extLst>
           </p:cNvPr>
@@ -16654,7 +16636,7 @@
           <p:cNvPr id="14" name="Textfeld 13">
             <a:extLst>
               <a:ext uri="{FF2B5EF4-FFF2-40B4-BE49-F238E27FC236}">
-                <a16:creationId xmlns:a16="http://schemas.microsoft.com/office/drawing/2014/main" xmlns="" id="{6CF8FF9D-8A98-4CFA-94C2-E2074112639C}"/>
+                <a16:creationId xmlns:a16="http://schemas.microsoft.com/office/drawing/2014/main" id="{6CF8FF9D-8A98-4CFA-94C2-E2074112639C}"/>
               </a:ext>
             </a:extLst>
           </p:cNvPr>
@@ -16690,7 +16672,7 @@
           <p:cNvPr id="6" name="Textfeld 5">
             <a:extLst>
               <a:ext uri="{FF2B5EF4-FFF2-40B4-BE49-F238E27FC236}">
-                <a16:creationId xmlns:a16="http://schemas.microsoft.com/office/drawing/2014/main" xmlns="" id="{8E05CB3E-FC8B-4C84-8452-A027AF29808D}"/>
+                <a16:creationId xmlns:a16="http://schemas.microsoft.com/office/drawing/2014/main" id="{8E05CB3E-FC8B-4C84-8452-A027AF29808D}"/>
               </a:ext>
             </a:extLst>
           </p:cNvPr>
@@ -16738,7 +16720,7 @@
           <p:cNvPr id="9" name="Textfeld 8">
             <a:extLst>
               <a:ext uri="{FF2B5EF4-FFF2-40B4-BE49-F238E27FC236}">
-                <a16:creationId xmlns:a16="http://schemas.microsoft.com/office/drawing/2014/main" xmlns="" id="{105407A1-FCD8-4DB9-8051-366A6497ED37}"/>
+                <a16:creationId xmlns:a16="http://schemas.microsoft.com/office/drawing/2014/main" id="{105407A1-FCD8-4DB9-8051-366A6497ED37}"/>
               </a:ext>
             </a:extLst>
           </p:cNvPr>
@@ -16747,7 +16729,7 @@
         </p:nvSpPr>
         <p:spPr>
           <a:xfrm>
-            <a:off x="1085461" y="1739968"/>
+            <a:off x="1085460" y="1469113"/>
             <a:ext cx="10021077" cy="1247008"/>
           </a:xfrm>
           <a:prstGeom prst="rect">
@@ -16816,7 +16798,7 @@
           <p:cNvPr id="3" name="Grafik 2">
             <a:extLst>
               <a:ext uri="{FF2B5EF4-FFF2-40B4-BE49-F238E27FC236}">
-                <a16:creationId xmlns:a16="http://schemas.microsoft.com/office/drawing/2014/main" xmlns="" id="{02FF0FAB-7B84-4149-AE0C-DFA7DF373C07}"/>
+                <a16:creationId xmlns:a16="http://schemas.microsoft.com/office/drawing/2014/main" id="{02FF0FAB-7B84-4149-AE0C-DFA7DF373C07}"/>
               </a:ext>
             </a:extLst>
           </p:cNvPr>
@@ -16833,7 +16815,7 @@
         </p:blipFill>
         <p:spPr>
           <a:xfrm>
-            <a:off x="1412977" y="3063407"/>
+            <a:off x="1412976" y="2825648"/>
             <a:ext cx="4683022" cy="2945657"/>
           </a:xfrm>
           <a:prstGeom prst="rect">
@@ -16841,6 +16823,42 @@
           </a:prstGeom>
         </p:spPr>
       </p:pic>
+      <p:sp>
+        <p:nvSpPr>
+          <p:cNvPr id="11" name="Textfeld 10">
+            <a:extLst>
+              <a:ext uri="{FF2B5EF4-FFF2-40B4-BE49-F238E27FC236}">
+                <a16:creationId xmlns:a16="http://schemas.microsoft.com/office/drawing/2014/main" id="{5B1F3EC8-989B-4F48-9CA6-6D6345C08D1A}"/>
+              </a:ext>
+            </a:extLst>
+          </p:cNvPr>
+          <p:cNvSpPr txBox="1"/>
+          <p:nvPr/>
+        </p:nvSpPr>
+        <p:spPr>
+          <a:xfrm>
+            <a:off x="-576859" y="5771305"/>
+            <a:ext cx="8991600" cy="276999"/>
+          </a:xfrm>
+          <a:prstGeom prst="rect">
+            <a:avLst/>
+          </a:prstGeom>
+          <a:noFill/>
+        </p:spPr>
+        <p:txBody>
+          <a:bodyPr wrap="square" rtlCol="0">
+            <a:spAutoFit/>
+          </a:bodyPr>
+          <a:lstStyle/>
+          <a:p>
+            <a:pPr algn="ctr"/>
+            <a:r>
+              <a:rPr lang="de-DE" sz="1200" dirty="0"/>
+              <a:t>Diese Abbildung zeigt unser ausgeführtes Programm. </a:t>
+            </a:r>
+          </a:p>
+        </p:txBody>
+      </p:sp>
     </p:spTree>
     <p:extLst>
       <p:ext uri="{BB962C8B-B14F-4D97-AF65-F5344CB8AC3E}">
@@ -16876,7 +16894,7 @@
           <p:cNvPr id="10" name="Foliennummernplatzhalter 9">
             <a:extLst>
               <a:ext uri="{FF2B5EF4-FFF2-40B4-BE49-F238E27FC236}">
-                <a16:creationId xmlns:a16="http://schemas.microsoft.com/office/drawing/2014/main" xmlns="" id="{D931436D-0B25-4BC2-AB85-D177B4C7ED90}"/>
+                <a16:creationId xmlns:a16="http://schemas.microsoft.com/office/drawing/2014/main" id="{D931436D-0B25-4BC2-AB85-D177B4C7ED90}"/>
               </a:ext>
             </a:extLst>
           </p:cNvPr>
@@ -16926,7 +16944,7 @@
           <p:cNvPr id="12" name="Gerader Verbinder 11">
             <a:extLst>
               <a:ext uri="{FF2B5EF4-FFF2-40B4-BE49-F238E27FC236}">
-                <a16:creationId xmlns:a16="http://schemas.microsoft.com/office/drawing/2014/main" xmlns="" id="{4A855513-E5C1-4F05-A8FD-33AC62C22A5E}"/>
+                <a16:creationId xmlns:a16="http://schemas.microsoft.com/office/drawing/2014/main" id="{4A855513-E5C1-4F05-A8FD-33AC62C22A5E}"/>
               </a:ext>
             </a:extLst>
           </p:cNvPr>
@@ -16967,7 +16985,7 @@
           <p:cNvPr id="13" name="Gerader Verbinder 12">
             <a:extLst>
               <a:ext uri="{FF2B5EF4-FFF2-40B4-BE49-F238E27FC236}">
-                <a16:creationId xmlns:a16="http://schemas.microsoft.com/office/drawing/2014/main" xmlns="" id="{F2778992-5E28-437C-AEA9-F9BBD6E6F5BB}"/>
+                <a16:creationId xmlns:a16="http://schemas.microsoft.com/office/drawing/2014/main" id="{F2778992-5E28-437C-AEA9-F9BBD6E6F5BB}"/>
               </a:ext>
             </a:extLst>
           </p:cNvPr>
@@ -17008,7 +17026,7 @@
           <p:cNvPr id="14" name="Textfeld 13">
             <a:extLst>
               <a:ext uri="{FF2B5EF4-FFF2-40B4-BE49-F238E27FC236}">
-                <a16:creationId xmlns:a16="http://schemas.microsoft.com/office/drawing/2014/main" xmlns="" id="{6CF8FF9D-8A98-4CFA-94C2-E2074112639C}"/>
+                <a16:creationId xmlns:a16="http://schemas.microsoft.com/office/drawing/2014/main" id="{6CF8FF9D-8A98-4CFA-94C2-E2074112639C}"/>
               </a:ext>
             </a:extLst>
           </p:cNvPr>
@@ -17044,7 +17062,7 @@
           <p:cNvPr id="6" name="Textfeld 5">
             <a:extLst>
               <a:ext uri="{FF2B5EF4-FFF2-40B4-BE49-F238E27FC236}">
-                <a16:creationId xmlns:a16="http://schemas.microsoft.com/office/drawing/2014/main" xmlns="" id="{8E05CB3E-FC8B-4C84-8452-A027AF29808D}"/>
+                <a16:creationId xmlns:a16="http://schemas.microsoft.com/office/drawing/2014/main" id="{8E05CB3E-FC8B-4C84-8452-A027AF29808D}"/>
               </a:ext>
             </a:extLst>
           </p:cNvPr>
@@ -17092,7 +17110,7 @@
           <p:cNvPr id="8" name="Textfeld 7">
             <a:extLst>
               <a:ext uri="{FF2B5EF4-FFF2-40B4-BE49-F238E27FC236}">
-                <a16:creationId xmlns:a16="http://schemas.microsoft.com/office/drawing/2014/main" xmlns="" id="{4842BEFA-10C3-45C0-8997-167BE0586DAC}"/>
+                <a16:creationId xmlns:a16="http://schemas.microsoft.com/office/drawing/2014/main" id="{4842BEFA-10C3-45C0-8997-167BE0586DAC}"/>
               </a:ext>
             </a:extLst>
           </p:cNvPr>
@@ -17102,7 +17120,7 @@
         <p:spPr>
           <a:xfrm>
             <a:off x="783771" y="1945319"/>
-            <a:ext cx="10021077" cy="3046988"/>
+            <a:ext cx="10021077" cy="3539430"/>
           </a:xfrm>
           <a:prstGeom prst="rect">
             <a:avLst/>
@@ -17138,7 +17156,7 @@
                 </a:solidFill>
                 <a:latin typeface="+mj-lt"/>
               </a:rPr>
-              <a:t>Öffne das Projekt in Visual Studio und klicke das Test-Projekt und wähle es als Start-Projekt aus. Ohne diese Einstellung wird möglicherweise versuch eine .</a:t>
+              <a:t>Öffnen Sie das Projekt in Visual Studio und klicken Sie das Test-Projekt und wählen Sie es als Start-Projekt aus. Ohne diese Einstellung wird möglicherweise versucht eine .</a:t>
             </a:r>
             <a:r>
               <a:rPr lang="de-DE" sz="1600" dirty="0" err="1">
@@ -17191,7 +17209,7 @@
                 </a:solidFill>
                 <a:latin typeface="+mj-lt"/>
               </a:rPr>
-              <a:t>Navigiere zu der </a:t>
+              <a:t>Navigieren Sie zu der </a:t>
             </a:r>
             <a:r>
               <a:rPr lang="de-DE" sz="1600" dirty="0" err="1">
@@ -17209,8 +17227,16 @@
                 </a:solidFill>
                 <a:latin typeface="+mj-lt"/>
               </a:rPr>
-              <a:t>. Dort befindet sich auch ein Skript das zum kompilieren genutzt werden kann. Es erstellt einen bin Order für Temporäre Daten, danach kompiliert es und startet das fertige Programm danach.</a:t>
-            </a:r>
+              <a:t>. Dort befindet sich auch ein Skript das zum kompilieren genutzt werden kann. Es erstellt einen „bin Order“ für Temporäre Daten, danach kompiliert es und startet das fertige Programm.</a:t>
+            </a:r>
+          </a:p>
+          <a:p>
+            <a:endParaRPr lang="de-DE" sz="1600" dirty="0">
+              <a:solidFill>
+                <a:srgbClr val="000000"/>
+              </a:solidFill>
+              <a:latin typeface="+mj-lt"/>
+            </a:endParaRPr>
           </a:p>
           <a:p>
             <a:r>
@@ -17220,7 +17246,7 @@
                 </a:solidFill>
                 <a:latin typeface="+mj-lt"/>
               </a:rPr>
-              <a:t>Vergiss nicht die Skript-Datei ausführbar zu machen mit </a:t>
+              <a:t>Vergewissern Sie sich das die Skript-Datei ausführbar ist. (</a:t>
             </a:r>
             <a:r>
               <a:rPr lang="de-DE" sz="1600" dirty="0" err="1">
@@ -17238,7 +17264,7 @@
                 </a:solidFill>
                 <a:latin typeface="+mj-lt"/>
               </a:rPr>
-              <a:t> +x FileName.sh. </a:t>
+              <a:t> +x FileName.sh) </a:t>
             </a:r>
           </a:p>
           <a:p>
@@ -17249,7 +17275,7 @@
                 </a:solidFill>
                 <a:latin typeface="+mj-lt"/>
               </a:rPr>
-              <a:t>Dann zum Öffnen ./Filename.sh</a:t>
+              <a:t>Zum Öffnen ./Filename.sh</a:t>
             </a:r>
           </a:p>
           <a:p>
@@ -17297,7 +17323,7 @@
           <p:cNvPr id="10" name="Foliennummernplatzhalter 9">
             <a:extLst>
               <a:ext uri="{FF2B5EF4-FFF2-40B4-BE49-F238E27FC236}">
-                <a16:creationId xmlns:a16="http://schemas.microsoft.com/office/drawing/2014/main" xmlns="" id="{D931436D-0B25-4BC2-AB85-D177B4C7ED90}"/>
+                <a16:creationId xmlns:a16="http://schemas.microsoft.com/office/drawing/2014/main" id="{D931436D-0B25-4BC2-AB85-D177B4C7ED90}"/>
               </a:ext>
             </a:extLst>
           </p:cNvPr>
@@ -17347,7 +17373,7 @@
           <p:cNvPr id="12" name="Gerader Verbinder 11">
             <a:extLst>
               <a:ext uri="{FF2B5EF4-FFF2-40B4-BE49-F238E27FC236}">
-                <a16:creationId xmlns:a16="http://schemas.microsoft.com/office/drawing/2014/main" xmlns="" id="{4A855513-E5C1-4F05-A8FD-33AC62C22A5E}"/>
+                <a16:creationId xmlns:a16="http://schemas.microsoft.com/office/drawing/2014/main" id="{4A855513-E5C1-4F05-A8FD-33AC62C22A5E}"/>
               </a:ext>
             </a:extLst>
           </p:cNvPr>
@@ -17388,7 +17414,7 @@
           <p:cNvPr id="13" name="Gerader Verbinder 12">
             <a:extLst>
               <a:ext uri="{FF2B5EF4-FFF2-40B4-BE49-F238E27FC236}">
-                <a16:creationId xmlns:a16="http://schemas.microsoft.com/office/drawing/2014/main" xmlns="" id="{F2778992-5E28-437C-AEA9-F9BBD6E6F5BB}"/>
+                <a16:creationId xmlns:a16="http://schemas.microsoft.com/office/drawing/2014/main" id="{F2778992-5E28-437C-AEA9-F9BBD6E6F5BB}"/>
               </a:ext>
             </a:extLst>
           </p:cNvPr>
@@ -17429,7 +17455,7 @@
           <p:cNvPr id="14" name="Textfeld 13">
             <a:extLst>
               <a:ext uri="{FF2B5EF4-FFF2-40B4-BE49-F238E27FC236}">
-                <a16:creationId xmlns:a16="http://schemas.microsoft.com/office/drawing/2014/main" xmlns="" id="{6CF8FF9D-8A98-4CFA-94C2-E2074112639C}"/>
+                <a16:creationId xmlns:a16="http://schemas.microsoft.com/office/drawing/2014/main" id="{6CF8FF9D-8A98-4CFA-94C2-E2074112639C}"/>
               </a:ext>
             </a:extLst>
           </p:cNvPr>
@@ -17484,15 +17510,15 @@
           <a:p>
             <a:pPr algn="ctr"/>
             <a:r>
-              <a:rPr lang="de-DE" dirty="0" smtClean="0"/>
+              <a:rPr lang="de-DE" dirty="0"/>
               <a:t>Der genutzte Code ist auch auf </a:t>
             </a:r>
             <a:r>
-              <a:rPr lang="de-DE" dirty="0" err="1" smtClean="0"/>
+              <a:rPr lang="de-DE" dirty="0" err="1"/>
               <a:t>GitHub</a:t>
             </a:r>
             <a:r>
-              <a:rPr lang="de-DE" dirty="0" smtClean="0"/>
+              <a:rPr lang="de-DE" dirty="0"/>
               <a:t> zu finden</a:t>
             </a:r>
           </a:p>
@@ -17503,22 +17529,10 @@
           <a:p>
             <a:pPr algn="ctr"/>
             <a:r>
-              <a:rPr lang="de-DE" dirty="0" smtClean="0">
-                <a:hlinkClick r:id="rId2"/>
-              </a:rPr>
-              <a:t>https</a:t>
-            </a:r>
-            <a:r>
               <a:rPr lang="de-DE" dirty="0">
                 <a:hlinkClick r:id="rId2"/>
               </a:rPr>
-              <a:t>://</a:t>
-            </a:r>
-            <a:r>
-              <a:rPr lang="de-DE" dirty="0" smtClean="0">
-                <a:hlinkClick r:id="rId2"/>
-              </a:rPr>
-              <a:t>github.com/DennisGoss99/InPr_DynamicCollections</a:t>
+              <a:t>https://github.com/DennisGoss99/InPr_DynamicCollections</a:t>
             </a:r>
             <a:endParaRPr lang="de-DE" dirty="0"/>
           </a:p>
@@ -17559,7 +17573,7 @@
           <p:cNvPr id="10" name="Foliennummernplatzhalter 9">
             <a:extLst>
               <a:ext uri="{FF2B5EF4-FFF2-40B4-BE49-F238E27FC236}">
-                <a16:creationId xmlns:a16="http://schemas.microsoft.com/office/drawing/2014/main" xmlns="" id="{D931436D-0B25-4BC2-AB85-D177B4C7ED90}"/>
+                <a16:creationId xmlns:a16="http://schemas.microsoft.com/office/drawing/2014/main" id="{D931436D-0B25-4BC2-AB85-D177B4C7ED90}"/>
               </a:ext>
             </a:extLst>
           </p:cNvPr>
@@ -17609,7 +17623,7 @@
           <p:cNvPr id="12" name="Gerader Verbinder 11">
             <a:extLst>
               <a:ext uri="{FF2B5EF4-FFF2-40B4-BE49-F238E27FC236}">
-                <a16:creationId xmlns:a16="http://schemas.microsoft.com/office/drawing/2014/main" xmlns="" id="{4A855513-E5C1-4F05-A8FD-33AC62C22A5E}"/>
+                <a16:creationId xmlns:a16="http://schemas.microsoft.com/office/drawing/2014/main" id="{4A855513-E5C1-4F05-A8FD-33AC62C22A5E}"/>
               </a:ext>
             </a:extLst>
           </p:cNvPr>
@@ -17650,7 +17664,7 @@
           <p:cNvPr id="13" name="Gerader Verbinder 12">
             <a:extLst>
               <a:ext uri="{FF2B5EF4-FFF2-40B4-BE49-F238E27FC236}">
-                <a16:creationId xmlns:a16="http://schemas.microsoft.com/office/drawing/2014/main" xmlns="" id="{F2778992-5E28-437C-AEA9-F9BBD6E6F5BB}"/>
+                <a16:creationId xmlns:a16="http://schemas.microsoft.com/office/drawing/2014/main" id="{F2778992-5E28-437C-AEA9-F9BBD6E6F5BB}"/>
               </a:ext>
             </a:extLst>
           </p:cNvPr>
@@ -17691,7 +17705,7 @@
           <p:cNvPr id="14" name="Textfeld 13">
             <a:extLst>
               <a:ext uri="{FF2B5EF4-FFF2-40B4-BE49-F238E27FC236}">
-                <a16:creationId xmlns:a16="http://schemas.microsoft.com/office/drawing/2014/main" xmlns="" id="{6CF8FF9D-8A98-4CFA-94C2-E2074112639C}"/>
+                <a16:creationId xmlns:a16="http://schemas.microsoft.com/office/drawing/2014/main" id="{6CF8FF9D-8A98-4CFA-94C2-E2074112639C}"/>
               </a:ext>
             </a:extLst>
           </p:cNvPr>
@@ -17727,7 +17741,7 @@
           <p:cNvPr id="6" name="Textfeld 5">
             <a:extLst>
               <a:ext uri="{FF2B5EF4-FFF2-40B4-BE49-F238E27FC236}">
-                <a16:creationId xmlns:a16="http://schemas.microsoft.com/office/drawing/2014/main" xmlns="" id="{8E05CB3E-FC8B-4C84-8452-A027AF29808D}"/>
+                <a16:creationId xmlns:a16="http://schemas.microsoft.com/office/drawing/2014/main" id="{8E05CB3E-FC8B-4C84-8452-A027AF29808D}"/>
               </a:ext>
             </a:extLst>
           </p:cNvPr>
@@ -17769,7 +17783,7 @@
           <p:cNvPr id="8" name="Textfeld 7">
             <a:extLst>
               <a:ext uri="{FF2B5EF4-FFF2-40B4-BE49-F238E27FC236}">
-                <a16:creationId xmlns:a16="http://schemas.microsoft.com/office/drawing/2014/main" xmlns="" id="{4842BEFA-10C3-45C0-8997-167BE0586DAC}"/>
+                <a16:creationId xmlns:a16="http://schemas.microsoft.com/office/drawing/2014/main" id="{4842BEFA-10C3-45C0-8997-167BE0586DAC}"/>
               </a:ext>
             </a:extLst>
           </p:cNvPr>
@@ -17828,7 +17842,7 @@
           <p:cNvPr id="3" name="Textfeld 2">
             <a:extLst>
               <a:ext uri="{FF2B5EF4-FFF2-40B4-BE49-F238E27FC236}">
-                <a16:creationId xmlns:a16="http://schemas.microsoft.com/office/drawing/2014/main" xmlns="" id="{B616C74B-1A1C-4612-8D7A-608508876D6B}"/>
+                <a16:creationId xmlns:a16="http://schemas.microsoft.com/office/drawing/2014/main" id="{B616C74B-1A1C-4612-8D7A-608508876D6B}"/>
               </a:ext>
             </a:extLst>
           </p:cNvPr>
@@ -17863,10 +17877,10 @@
           <p:cNvPr id="4" name="Grafik 3">
             <a:extLst>
               <a:ext uri="{FF2B5EF4-FFF2-40B4-BE49-F238E27FC236}">
-                <a16:creationId xmlns:a16="http://schemas.microsoft.com/office/drawing/2014/main" xmlns="" id="{18938379-4D21-4DC3-9DFE-4CE90527DD2F}"/>
+                <a16:creationId xmlns:a16="http://schemas.microsoft.com/office/drawing/2014/main" id="{18938379-4D21-4DC3-9DFE-4CE90527DD2F}"/>
               </a:ext>
               <a:ext uri="{C183D7F6-B498-43B3-948B-1728B52AA6E4}">
-                <adec:decorative xmlns:adec="http://schemas.microsoft.com/office/drawing/2017/decorative" xmlns="" val="0"/>
+                <adec:decorative xmlns:adec="http://schemas.microsoft.com/office/drawing/2017/decorative" val="0"/>
               </a:ext>
             </a:extLst>
           </p:cNvPr>
@@ -17896,7 +17910,7 @@
           <p:cNvPr id="18" name="Grafik 17">
             <a:extLst>
               <a:ext uri="{FF2B5EF4-FFF2-40B4-BE49-F238E27FC236}">
-                <a16:creationId xmlns:a16="http://schemas.microsoft.com/office/drawing/2014/main" xmlns="" id="{FEB27C32-4E21-40FF-95F0-06C23EE6D5BA}"/>
+                <a16:creationId xmlns:a16="http://schemas.microsoft.com/office/drawing/2014/main" id="{FEB27C32-4E21-40FF-95F0-06C23EE6D5BA}"/>
               </a:ext>
             </a:extLst>
           </p:cNvPr>
@@ -17956,7 +17970,7 @@
           <p:cNvPr id="10" name="Foliennummernplatzhalter 9">
             <a:extLst>
               <a:ext uri="{FF2B5EF4-FFF2-40B4-BE49-F238E27FC236}">
-                <a16:creationId xmlns:a16="http://schemas.microsoft.com/office/drawing/2014/main" xmlns="" id="{D931436D-0B25-4BC2-AB85-D177B4C7ED90}"/>
+                <a16:creationId xmlns:a16="http://schemas.microsoft.com/office/drawing/2014/main" id="{D931436D-0B25-4BC2-AB85-D177B4C7ED90}"/>
               </a:ext>
             </a:extLst>
           </p:cNvPr>
@@ -18006,7 +18020,7 @@
           <p:cNvPr id="12" name="Gerader Verbinder 11">
             <a:extLst>
               <a:ext uri="{FF2B5EF4-FFF2-40B4-BE49-F238E27FC236}">
-                <a16:creationId xmlns:a16="http://schemas.microsoft.com/office/drawing/2014/main" xmlns="" id="{4A855513-E5C1-4F05-A8FD-33AC62C22A5E}"/>
+                <a16:creationId xmlns:a16="http://schemas.microsoft.com/office/drawing/2014/main" id="{4A855513-E5C1-4F05-A8FD-33AC62C22A5E}"/>
               </a:ext>
             </a:extLst>
           </p:cNvPr>
@@ -18047,7 +18061,7 @@
           <p:cNvPr id="13" name="Gerader Verbinder 12">
             <a:extLst>
               <a:ext uri="{FF2B5EF4-FFF2-40B4-BE49-F238E27FC236}">
-                <a16:creationId xmlns:a16="http://schemas.microsoft.com/office/drawing/2014/main" xmlns="" id="{F2778992-5E28-437C-AEA9-F9BBD6E6F5BB}"/>
+                <a16:creationId xmlns:a16="http://schemas.microsoft.com/office/drawing/2014/main" id="{F2778992-5E28-437C-AEA9-F9BBD6E6F5BB}"/>
               </a:ext>
             </a:extLst>
           </p:cNvPr>
@@ -18088,7 +18102,7 @@
           <p:cNvPr id="14" name="Textfeld 13">
             <a:extLst>
               <a:ext uri="{FF2B5EF4-FFF2-40B4-BE49-F238E27FC236}">
-                <a16:creationId xmlns:a16="http://schemas.microsoft.com/office/drawing/2014/main" xmlns="" id="{6CF8FF9D-8A98-4CFA-94C2-E2074112639C}"/>
+                <a16:creationId xmlns:a16="http://schemas.microsoft.com/office/drawing/2014/main" id="{6CF8FF9D-8A98-4CFA-94C2-E2074112639C}"/>
               </a:ext>
             </a:extLst>
           </p:cNvPr>
@@ -18124,7 +18138,7 @@
           <p:cNvPr id="6" name="Textfeld 5">
             <a:extLst>
               <a:ext uri="{FF2B5EF4-FFF2-40B4-BE49-F238E27FC236}">
-                <a16:creationId xmlns:a16="http://schemas.microsoft.com/office/drawing/2014/main" xmlns="" id="{8E05CB3E-FC8B-4C84-8452-A027AF29808D}"/>
+                <a16:creationId xmlns:a16="http://schemas.microsoft.com/office/drawing/2014/main" id="{8E05CB3E-FC8B-4C84-8452-A027AF29808D}"/>
               </a:ext>
             </a:extLst>
           </p:cNvPr>
@@ -18166,7 +18180,7 @@
           <p:cNvPr id="8" name="Textfeld 7">
             <a:extLst>
               <a:ext uri="{FF2B5EF4-FFF2-40B4-BE49-F238E27FC236}">
-                <a16:creationId xmlns:a16="http://schemas.microsoft.com/office/drawing/2014/main" xmlns="" id="{4842BEFA-10C3-45C0-8997-167BE0586DAC}"/>
+                <a16:creationId xmlns:a16="http://schemas.microsoft.com/office/drawing/2014/main" id="{4842BEFA-10C3-45C0-8997-167BE0586DAC}"/>
               </a:ext>
             </a:extLst>
           </p:cNvPr>
@@ -18223,7 +18237,7 @@
                 </a:solidFill>
                 <a:latin typeface="Calibri" panose="020F0502020204030204" pitchFamily="34" charset="0"/>
               </a:rPr>
-              <a:t> um auf die zu speienden Elemente zu zeigen</a:t>
+              <a:t> um auf die zu speichernden Elemente zu zeigen</a:t>
             </a:r>
             <a:r>
               <a:rPr lang="de-DE" sz="1600" b="0" i="0" u="none" strike="noStrike" baseline="0" dirty="0">
@@ -18251,7 +18265,7 @@
                 </a:solidFill>
                 <a:latin typeface="Calibri" panose="020F0502020204030204" pitchFamily="34" charset="0"/>
               </a:rPr>
-              <a:t>Zusätzlich finden Sie Kommentare zu jeder Funktion die eine Speicherstruktur hat.</a:t>
+              <a:t>Zusätzlich finden Sie Kommentare zu jeder Funktion die eine Speicherstruktur besitzt.</a:t>
             </a:r>
           </a:p>
           <a:p>
@@ -18269,7 +18283,7 @@
           <p:cNvPr id="3" name="Textfeld 2">
             <a:extLst>
               <a:ext uri="{FF2B5EF4-FFF2-40B4-BE49-F238E27FC236}">
-                <a16:creationId xmlns:a16="http://schemas.microsoft.com/office/drawing/2014/main" xmlns="" id="{B616C74B-1A1C-4612-8D7A-608508876D6B}"/>
+                <a16:creationId xmlns:a16="http://schemas.microsoft.com/office/drawing/2014/main" id="{B616C74B-1A1C-4612-8D7A-608508876D6B}"/>
               </a:ext>
             </a:extLst>
           </p:cNvPr>
@@ -18304,7 +18318,7 @@
           <p:cNvPr id="5" name="Grafik 4">
             <a:extLst>
               <a:ext uri="{FF2B5EF4-FFF2-40B4-BE49-F238E27FC236}">
-                <a16:creationId xmlns:a16="http://schemas.microsoft.com/office/drawing/2014/main" xmlns="" id="{6954ED34-E542-4C7A-A5A9-41971B50B93B}"/>
+                <a16:creationId xmlns:a16="http://schemas.microsoft.com/office/drawing/2014/main" id="{6954ED34-E542-4C7A-A5A9-41971B50B93B}"/>
               </a:ext>
             </a:extLst>
           </p:cNvPr>
@@ -18364,7 +18378,7 @@
           <p:cNvPr id="10" name="Foliennummernplatzhalter 9">
             <a:extLst>
               <a:ext uri="{FF2B5EF4-FFF2-40B4-BE49-F238E27FC236}">
-                <a16:creationId xmlns:a16="http://schemas.microsoft.com/office/drawing/2014/main" xmlns="" id="{D931436D-0B25-4BC2-AB85-D177B4C7ED90}"/>
+                <a16:creationId xmlns:a16="http://schemas.microsoft.com/office/drawing/2014/main" id="{D931436D-0B25-4BC2-AB85-D177B4C7ED90}"/>
               </a:ext>
             </a:extLst>
           </p:cNvPr>
@@ -18414,7 +18428,7 @@
           <p:cNvPr id="12" name="Gerader Verbinder 11">
             <a:extLst>
               <a:ext uri="{FF2B5EF4-FFF2-40B4-BE49-F238E27FC236}">
-                <a16:creationId xmlns:a16="http://schemas.microsoft.com/office/drawing/2014/main" xmlns="" id="{4A855513-E5C1-4F05-A8FD-33AC62C22A5E}"/>
+                <a16:creationId xmlns:a16="http://schemas.microsoft.com/office/drawing/2014/main" id="{4A855513-E5C1-4F05-A8FD-33AC62C22A5E}"/>
               </a:ext>
             </a:extLst>
           </p:cNvPr>
@@ -18455,7 +18469,7 @@
           <p:cNvPr id="13" name="Gerader Verbinder 12">
             <a:extLst>
               <a:ext uri="{FF2B5EF4-FFF2-40B4-BE49-F238E27FC236}">
-                <a16:creationId xmlns:a16="http://schemas.microsoft.com/office/drawing/2014/main" xmlns="" id="{F2778992-5E28-437C-AEA9-F9BBD6E6F5BB}"/>
+                <a16:creationId xmlns:a16="http://schemas.microsoft.com/office/drawing/2014/main" id="{F2778992-5E28-437C-AEA9-F9BBD6E6F5BB}"/>
               </a:ext>
             </a:extLst>
           </p:cNvPr>
@@ -18496,7 +18510,7 @@
           <p:cNvPr id="14" name="Textfeld 13">
             <a:extLst>
               <a:ext uri="{FF2B5EF4-FFF2-40B4-BE49-F238E27FC236}">
-                <a16:creationId xmlns:a16="http://schemas.microsoft.com/office/drawing/2014/main" xmlns="" id="{6CF8FF9D-8A98-4CFA-94C2-E2074112639C}"/>
+                <a16:creationId xmlns:a16="http://schemas.microsoft.com/office/drawing/2014/main" id="{6CF8FF9D-8A98-4CFA-94C2-E2074112639C}"/>
               </a:ext>
             </a:extLst>
           </p:cNvPr>
@@ -18532,7 +18546,7 @@
           <p:cNvPr id="6" name="Textfeld 5">
             <a:extLst>
               <a:ext uri="{FF2B5EF4-FFF2-40B4-BE49-F238E27FC236}">
-                <a16:creationId xmlns:a16="http://schemas.microsoft.com/office/drawing/2014/main" xmlns="" id="{8E05CB3E-FC8B-4C84-8452-A027AF29808D}"/>
+                <a16:creationId xmlns:a16="http://schemas.microsoft.com/office/drawing/2014/main" id="{8E05CB3E-FC8B-4C84-8452-A027AF29808D}"/>
               </a:ext>
             </a:extLst>
           </p:cNvPr>
@@ -18574,7 +18588,7 @@
           <p:cNvPr id="8" name="Textfeld 7">
             <a:extLst>
               <a:ext uri="{FF2B5EF4-FFF2-40B4-BE49-F238E27FC236}">
-                <a16:creationId xmlns:a16="http://schemas.microsoft.com/office/drawing/2014/main" xmlns="" id="{4842BEFA-10C3-45C0-8997-167BE0586DAC}"/>
+                <a16:creationId xmlns:a16="http://schemas.microsoft.com/office/drawing/2014/main" id="{4842BEFA-10C3-45C0-8997-167BE0586DAC}"/>
               </a:ext>
             </a:extLst>
           </p:cNvPr>
@@ -18614,7 +18628,7 @@
           <p:cNvPr id="3" name="Textfeld 2">
             <a:extLst>
               <a:ext uri="{FF2B5EF4-FFF2-40B4-BE49-F238E27FC236}">
-                <a16:creationId xmlns:a16="http://schemas.microsoft.com/office/drawing/2014/main" xmlns="" id="{B616C74B-1A1C-4612-8D7A-608508876D6B}"/>
+                <a16:creationId xmlns:a16="http://schemas.microsoft.com/office/drawing/2014/main" id="{B616C74B-1A1C-4612-8D7A-608508876D6B}"/>
               </a:ext>
             </a:extLst>
           </p:cNvPr>
@@ -18649,7 +18663,7 @@
           <p:cNvPr id="9" name="Grafik 8">
             <a:extLst>
               <a:ext uri="{FF2B5EF4-FFF2-40B4-BE49-F238E27FC236}">
-                <a16:creationId xmlns:a16="http://schemas.microsoft.com/office/drawing/2014/main" xmlns="" id="{FE433633-AAB8-4AC8-80DF-33EE4B97A434}"/>
+                <a16:creationId xmlns:a16="http://schemas.microsoft.com/office/drawing/2014/main" id="{FE433633-AAB8-4AC8-80DF-33EE4B97A434}"/>
               </a:ext>
             </a:extLst>
           </p:cNvPr>
@@ -18709,7 +18723,7 @@
           <p:cNvPr id="10" name="Foliennummernplatzhalter 9">
             <a:extLst>
               <a:ext uri="{FF2B5EF4-FFF2-40B4-BE49-F238E27FC236}">
-                <a16:creationId xmlns:a16="http://schemas.microsoft.com/office/drawing/2014/main" xmlns="" id="{D931436D-0B25-4BC2-AB85-D177B4C7ED90}"/>
+                <a16:creationId xmlns:a16="http://schemas.microsoft.com/office/drawing/2014/main" id="{D931436D-0B25-4BC2-AB85-D177B4C7ED90}"/>
               </a:ext>
             </a:extLst>
           </p:cNvPr>
@@ -18759,7 +18773,7 @@
           <p:cNvPr id="12" name="Gerader Verbinder 11">
             <a:extLst>
               <a:ext uri="{FF2B5EF4-FFF2-40B4-BE49-F238E27FC236}">
-                <a16:creationId xmlns:a16="http://schemas.microsoft.com/office/drawing/2014/main" xmlns="" id="{4A855513-E5C1-4F05-A8FD-33AC62C22A5E}"/>
+                <a16:creationId xmlns:a16="http://schemas.microsoft.com/office/drawing/2014/main" id="{4A855513-E5C1-4F05-A8FD-33AC62C22A5E}"/>
               </a:ext>
             </a:extLst>
           </p:cNvPr>
@@ -18800,7 +18814,7 @@
           <p:cNvPr id="13" name="Gerader Verbinder 12">
             <a:extLst>
               <a:ext uri="{FF2B5EF4-FFF2-40B4-BE49-F238E27FC236}">
-                <a16:creationId xmlns:a16="http://schemas.microsoft.com/office/drawing/2014/main" xmlns="" id="{F2778992-5E28-437C-AEA9-F9BBD6E6F5BB}"/>
+                <a16:creationId xmlns:a16="http://schemas.microsoft.com/office/drawing/2014/main" id="{F2778992-5E28-437C-AEA9-F9BBD6E6F5BB}"/>
               </a:ext>
             </a:extLst>
           </p:cNvPr>
@@ -18841,7 +18855,7 @@
           <p:cNvPr id="14" name="Textfeld 13">
             <a:extLst>
               <a:ext uri="{FF2B5EF4-FFF2-40B4-BE49-F238E27FC236}">
-                <a16:creationId xmlns:a16="http://schemas.microsoft.com/office/drawing/2014/main" xmlns="" id="{6CF8FF9D-8A98-4CFA-94C2-E2074112639C}"/>
+                <a16:creationId xmlns:a16="http://schemas.microsoft.com/office/drawing/2014/main" id="{6CF8FF9D-8A98-4CFA-94C2-E2074112639C}"/>
               </a:ext>
             </a:extLst>
           </p:cNvPr>
@@ -18877,7 +18891,7 @@
           <p:cNvPr id="6" name="Textfeld 5">
             <a:extLst>
               <a:ext uri="{FF2B5EF4-FFF2-40B4-BE49-F238E27FC236}">
-                <a16:creationId xmlns:a16="http://schemas.microsoft.com/office/drawing/2014/main" xmlns="" id="{8E05CB3E-FC8B-4C84-8452-A027AF29808D}"/>
+                <a16:creationId xmlns:a16="http://schemas.microsoft.com/office/drawing/2014/main" id="{8E05CB3E-FC8B-4C84-8452-A027AF29808D}"/>
               </a:ext>
             </a:extLst>
           </p:cNvPr>
@@ -18922,7 +18936,7 @@
           <p:cNvPr id="8" name="Textfeld 7">
             <a:extLst>
               <a:ext uri="{FF2B5EF4-FFF2-40B4-BE49-F238E27FC236}">
-                <a16:creationId xmlns:a16="http://schemas.microsoft.com/office/drawing/2014/main" xmlns="" id="{4842BEFA-10C3-45C0-8997-167BE0586DAC}"/>
+                <a16:creationId xmlns:a16="http://schemas.microsoft.com/office/drawing/2014/main" id="{4842BEFA-10C3-45C0-8997-167BE0586DAC}"/>
               </a:ext>
             </a:extLst>
           </p:cNvPr>
@@ -19067,7 +19081,7 @@
                 </a:solidFill>
                 <a:latin typeface="+mj-lt"/>
               </a:rPr>
-              <a:t>Alle möglichen Funktionen finden Sie auf den folgenden Seiten. (siehe </a:t>
+              <a:t>Alle möglichen Funktionen der Liste finden Sie auf den folgenden Seiten. (siehe </a:t>
             </a:r>
             <a:r>
               <a:rPr lang="de-DE" sz="1600" b="0" i="0" u="none" strike="noStrike" baseline="0" dirty="0">
@@ -19112,7 +19126,7 @@
           <p:cNvPr id="3" name="Textfeld 2">
             <a:extLst>
               <a:ext uri="{FF2B5EF4-FFF2-40B4-BE49-F238E27FC236}">
-                <a16:creationId xmlns:a16="http://schemas.microsoft.com/office/drawing/2014/main" xmlns="" id="{B616C74B-1A1C-4612-8D7A-608508876D6B}"/>
+                <a16:creationId xmlns:a16="http://schemas.microsoft.com/office/drawing/2014/main" id="{B616C74B-1A1C-4612-8D7A-608508876D6B}"/>
               </a:ext>
             </a:extLst>
           </p:cNvPr>
@@ -19177,7 +19191,7 @@
           <p:cNvPr id="10" name="Foliennummernplatzhalter 9">
             <a:extLst>
               <a:ext uri="{FF2B5EF4-FFF2-40B4-BE49-F238E27FC236}">
-                <a16:creationId xmlns:a16="http://schemas.microsoft.com/office/drawing/2014/main" xmlns="" id="{D931436D-0B25-4BC2-AB85-D177B4C7ED90}"/>
+                <a16:creationId xmlns:a16="http://schemas.microsoft.com/office/drawing/2014/main" id="{D931436D-0B25-4BC2-AB85-D177B4C7ED90}"/>
               </a:ext>
             </a:extLst>
           </p:cNvPr>
@@ -19227,7 +19241,7 @@
           <p:cNvPr id="12" name="Gerader Verbinder 11">
             <a:extLst>
               <a:ext uri="{FF2B5EF4-FFF2-40B4-BE49-F238E27FC236}">
-                <a16:creationId xmlns:a16="http://schemas.microsoft.com/office/drawing/2014/main" xmlns="" id="{4A855513-E5C1-4F05-A8FD-33AC62C22A5E}"/>
+                <a16:creationId xmlns:a16="http://schemas.microsoft.com/office/drawing/2014/main" id="{4A855513-E5C1-4F05-A8FD-33AC62C22A5E}"/>
               </a:ext>
             </a:extLst>
           </p:cNvPr>
@@ -19268,7 +19282,7 @@
           <p:cNvPr id="13" name="Gerader Verbinder 12">
             <a:extLst>
               <a:ext uri="{FF2B5EF4-FFF2-40B4-BE49-F238E27FC236}">
-                <a16:creationId xmlns:a16="http://schemas.microsoft.com/office/drawing/2014/main" xmlns="" id="{F2778992-5E28-437C-AEA9-F9BBD6E6F5BB}"/>
+                <a16:creationId xmlns:a16="http://schemas.microsoft.com/office/drawing/2014/main" id="{F2778992-5E28-437C-AEA9-F9BBD6E6F5BB}"/>
               </a:ext>
             </a:extLst>
           </p:cNvPr>
@@ -19309,7 +19323,7 @@
           <p:cNvPr id="14" name="Textfeld 13">
             <a:extLst>
               <a:ext uri="{FF2B5EF4-FFF2-40B4-BE49-F238E27FC236}">
-                <a16:creationId xmlns:a16="http://schemas.microsoft.com/office/drawing/2014/main" xmlns="" id="{6CF8FF9D-8A98-4CFA-94C2-E2074112639C}"/>
+                <a16:creationId xmlns:a16="http://schemas.microsoft.com/office/drawing/2014/main" id="{6CF8FF9D-8A98-4CFA-94C2-E2074112639C}"/>
               </a:ext>
             </a:extLst>
           </p:cNvPr>
@@ -19345,7 +19359,7 @@
           <p:cNvPr id="6" name="Textfeld 5">
             <a:extLst>
               <a:ext uri="{FF2B5EF4-FFF2-40B4-BE49-F238E27FC236}">
-                <a16:creationId xmlns:a16="http://schemas.microsoft.com/office/drawing/2014/main" xmlns="" id="{8E05CB3E-FC8B-4C84-8452-A027AF29808D}"/>
+                <a16:creationId xmlns:a16="http://schemas.microsoft.com/office/drawing/2014/main" id="{8E05CB3E-FC8B-4C84-8452-A027AF29808D}"/>
               </a:ext>
             </a:extLst>
           </p:cNvPr>
@@ -19390,7 +19404,7 @@
           <p:cNvPr id="8" name="Textfeld 7">
             <a:extLst>
               <a:ext uri="{FF2B5EF4-FFF2-40B4-BE49-F238E27FC236}">
-                <a16:creationId xmlns:a16="http://schemas.microsoft.com/office/drawing/2014/main" xmlns="" id="{4842BEFA-10C3-45C0-8997-167BE0586DAC}"/>
+                <a16:creationId xmlns:a16="http://schemas.microsoft.com/office/drawing/2014/main" id="{4842BEFA-10C3-45C0-8997-167BE0586DAC}"/>
               </a:ext>
             </a:extLst>
           </p:cNvPr>
@@ -19436,7 +19450,7 @@
                 </a:solidFill>
                 <a:latin typeface="+mj-lt"/>
               </a:rPr>
-              <a:t>Wir ein weiteres Element einer vollen Liste</a:t>
+              <a:t>Wird ein weiteres Element einer vollen Liste</a:t>
             </a:r>
             <a:r>
               <a:rPr lang="de-DE" sz="1600" baseline="30000" dirty="0">
@@ -19472,7 +19486,7 @@
           <p:cNvPr id="3" name="Textfeld 2">
             <a:extLst>
               <a:ext uri="{FF2B5EF4-FFF2-40B4-BE49-F238E27FC236}">
-                <a16:creationId xmlns:a16="http://schemas.microsoft.com/office/drawing/2014/main" xmlns="" id="{B616C74B-1A1C-4612-8D7A-608508876D6B}"/>
+                <a16:creationId xmlns:a16="http://schemas.microsoft.com/office/drawing/2014/main" id="{B616C74B-1A1C-4612-8D7A-608508876D6B}"/>
               </a:ext>
             </a:extLst>
           </p:cNvPr>
@@ -19509,7 +19523,7 @@
               <p:cNvPr id="11" name="Textfeld 10">
                 <a:extLst>
                   <a:ext uri="{FF2B5EF4-FFF2-40B4-BE49-F238E27FC236}">
-                    <a16:creationId xmlns:a16="http://schemas.microsoft.com/office/drawing/2014/main" xmlns="" id="{592B9E84-39A5-4D8D-ACE3-4A007C83F662}"/>
+                    <a16:creationId xmlns:a16="http://schemas.microsoft.com/office/drawing/2014/main" id="{592B9E84-39A5-4D8D-ACE3-4A007C83F662}"/>
                   </a:ext>
                 </a:extLst>
               </p:cNvPr>
@@ -19700,7 +19714,7 @@
           <p:cNvPr id="9" name="Textfeld 8">
             <a:extLst>
               <a:ext uri="{FF2B5EF4-FFF2-40B4-BE49-F238E27FC236}">
-                <a16:creationId xmlns:a16="http://schemas.microsoft.com/office/drawing/2014/main" xmlns="" id="{E0E7220F-EA15-48B0-B65C-F7D03C8374E7}"/>
+                <a16:creationId xmlns:a16="http://schemas.microsoft.com/office/drawing/2014/main" id="{E0E7220F-EA15-48B0-B65C-F7D03C8374E7}"/>
               </a:ext>
             </a:extLst>
           </p:cNvPr>
@@ -19766,7 +19780,7 @@
           <p:cNvPr id="10" name="Foliennummernplatzhalter 9">
             <a:extLst>
               <a:ext uri="{FF2B5EF4-FFF2-40B4-BE49-F238E27FC236}">
-                <a16:creationId xmlns:a16="http://schemas.microsoft.com/office/drawing/2014/main" xmlns="" id="{D931436D-0B25-4BC2-AB85-D177B4C7ED90}"/>
+                <a16:creationId xmlns:a16="http://schemas.microsoft.com/office/drawing/2014/main" id="{D931436D-0B25-4BC2-AB85-D177B4C7ED90}"/>
               </a:ext>
             </a:extLst>
           </p:cNvPr>
@@ -19816,7 +19830,7 @@
           <p:cNvPr id="12" name="Gerader Verbinder 11">
             <a:extLst>
               <a:ext uri="{FF2B5EF4-FFF2-40B4-BE49-F238E27FC236}">
-                <a16:creationId xmlns:a16="http://schemas.microsoft.com/office/drawing/2014/main" xmlns="" id="{4A855513-E5C1-4F05-A8FD-33AC62C22A5E}"/>
+                <a16:creationId xmlns:a16="http://schemas.microsoft.com/office/drawing/2014/main" id="{4A855513-E5C1-4F05-A8FD-33AC62C22A5E}"/>
               </a:ext>
             </a:extLst>
           </p:cNvPr>
@@ -19857,7 +19871,7 @@
           <p:cNvPr id="13" name="Gerader Verbinder 12">
             <a:extLst>
               <a:ext uri="{FF2B5EF4-FFF2-40B4-BE49-F238E27FC236}">
-                <a16:creationId xmlns:a16="http://schemas.microsoft.com/office/drawing/2014/main" xmlns="" id="{F2778992-5E28-437C-AEA9-F9BBD6E6F5BB}"/>
+                <a16:creationId xmlns:a16="http://schemas.microsoft.com/office/drawing/2014/main" id="{F2778992-5E28-437C-AEA9-F9BBD6E6F5BB}"/>
               </a:ext>
             </a:extLst>
           </p:cNvPr>
@@ -19898,7 +19912,7 @@
           <p:cNvPr id="14" name="Textfeld 13">
             <a:extLst>
               <a:ext uri="{FF2B5EF4-FFF2-40B4-BE49-F238E27FC236}">
-                <a16:creationId xmlns:a16="http://schemas.microsoft.com/office/drawing/2014/main" xmlns="" id="{6CF8FF9D-8A98-4CFA-94C2-E2074112639C}"/>
+                <a16:creationId xmlns:a16="http://schemas.microsoft.com/office/drawing/2014/main" id="{6CF8FF9D-8A98-4CFA-94C2-E2074112639C}"/>
               </a:ext>
             </a:extLst>
           </p:cNvPr>
@@ -19934,7 +19948,7 @@
           <p:cNvPr id="6" name="Textfeld 5">
             <a:extLst>
               <a:ext uri="{FF2B5EF4-FFF2-40B4-BE49-F238E27FC236}">
-                <a16:creationId xmlns:a16="http://schemas.microsoft.com/office/drawing/2014/main" xmlns="" id="{8E05CB3E-FC8B-4C84-8452-A027AF29808D}"/>
+                <a16:creationId xmlns:a16="http://schemas.microsoft.com/office/drawing/2014/main" id="{8E05CB3E-FC8B-4C84-8452-A027AF29808D}"/>
               </a:ext>
             </a:extLst>
           </p:cNvPr>
@@ -19979,7 +19993,7 @@
           <p:cNvPr id="3" name="Textfeld 2">
             <a:extLst>
               <a:ext uri="{FF2B5EF4-FFF2-40B4-BE49-F238E27FC236}">
-                <a16:creationId xmlns:a16="http://schemas.microsoft.com/office/drawing/2014/main" xmlns="" id="{B616C74B-1A1C-4612-8D7A-608508876D6B}"/>
+                <a16:creationId xmlns:a16="http://schemas.microsoft.com/office/drawing/2014/main" id="{B616C74B-1A1C-4612-8D7A-608508876D6B}"/>
               </a:ext>
             </a:extLst>
           </p:cNvPr>
@@ -20014,7 +20028,7 @@
           <p:cNvPr id="15" name="Grafik 14">
             <a:extLst>
               <a:ext uri="{FF2B5EF4-FFF2-40B4-BE49-F238E27FC236}">
-                <a16:creationId xmlns:a16="http://schemas.microsoft.com/office/drawing/2014/main" xmlns="" id="{136B5BB8-033D-440E-AC9E-E20865012A33}"/>
+                <a16:creationId xmlns:a16="http://schemas.microsoft.com/office/drawing/2014/main" id="{136B5BB8-033D-440E-AC9E-E20865012A33}"/>
               </a:ext>
             </a:extLst>
           </p:cNvPr>
@@ -20044,7 +20058,7 @@
           <p:cNvPr id="16" name="Textfeld 15">
             <a:extLst>
               <a:ext uri="{FF2B5EF4-FFF2-40B4-BE49-F238E27FC236}">
-                <a16:creationId xmlns:a16="http://schemas.microsoft.com/office/drawing/2014/main" xmlns="" id="{9FB9C9A7-C04C-436A-82EC-08E6EA453C8E}"/>
+                <a16:creationId xmlns:a16="http://schemas.microsoft.com/office/drawing/2014/main" id="{9FB9C9A7-C04C-436A-82EC-08E6EA453C8E}"/>
               </a:ext>
             </a:extLst>
           </p:cNvPr>

--- a/Dokumentation/Container - Präsentation.pptx
+++ b/Dokumentation/Container - Präsentation.pptx
@@ -17246,7 +17246,25 @@
                 </a:solidFill>
                 <a:latin typeface="+mj-lt"/>
               </a:rPr>
-              <a:t>Vergewissern Sie sich das die Skript-Datei ausführbar ist. (</a:t>
+              <a:t>Vergewissern </a:t>
+            </a:r>
+            <a:r>
+              <a:rPr lang="de-DE" sz="1600">
+                <a:solidFill>
+                  <a:srgbClr val="000000"/>
+                </a:solidFill>
+                <a:latin typeface="+mj-lt"/>
+              </a:rPr>
+              <a:t>Sie sich, dass </a:t>
+            </a:r>
+            <a:r>
+              <a:rPr lang="de-DE" sz="1600" dirty="0">
+                <a:solidFill>
+                  <a:srgbClr val="000000"/>
+                </a:solidFill>
+                <a:latin typeface="+mj-lt"/>
+              </a:rPr>
+              <a:t>die Skript-Datei ausführbar ist. (</a:t>
             </a:r>
             <a:r>
               <a:rPr lang="de-DE" sz="1600" dirty="0" err="1">
